--- a/数据库演示.pptx
+++ b/数据库演示.pptx
@@ -5,7 +5,7 @@
     <p:sldMasterId id="2147483724" r:id="rId1"/>
   </p:sldMasterIdLst>
   <p:notesMasterIdLst>
-    <p:notesMasterId r:id="rId16"/>
+    <p:notesMasterId r:id="rId17"/>
   </p:notesMasterIdLst>
   <p:sldIdLst>
     <p:sldId id="256" r:id="rId2"/>
@@ -14,14 +14,15 @@
     <p:sldId id="268" r:id="rId5"/>
     <p:sldId id="269" r:id="rId6"/>
     <p:sldId id="259" r:id="rId7"/>
-    <p:sldId id="260" r:id="rId8"/>
-    <p:sldId id="261" r:id="rId9"/>
-    <p:sldId id="262" r:id="rId10"/>
-    <p:sldId id="263" r:id="rId11"/>
-    <p:sldId id="264" r:id="rId12"/>
-    <p:sldId id="265" r:id="rId13"/>
-    <p:sldId id="266" r:id="rId14"/>
-    <p:sldId id="267" r:id="rId15"/>
+    <p:sldId id="270" r:id="rId8"/>
+    <p:sldId id="260" r:id="rId9"/>
+    <p:sldId id="261" r:id="rId10"/>
+    <p:sldId id="262" r:id="rId11"/>
+    <p:sldId id="263" r:id="rId12"/>
+    <p:sldId id="264" r:id="rId13"/>
+    <p:sldId id="265" r:id="rId14"/>
+    <p:sldId id="266" r:id="rId15"/>
+    <p:sldId id="267" r:id="rId16"/>
   </p:sldIdLst>
   <p:sldSz cx="12192000" cy="6858000"/>
   <p:notesSz cx="6858000" cy="9144000"/>
@@ -210,7 +211,7 @@
           <a:p>
             <a:fld id="{61B5BCF3-80EB-484C-8BAD-76812F0B1E6B}" type="datetimeFigureOut">
               <a:rPr lang="zh-CN" altLang="en-US" smtClean="0"/>
-              <a:t>2016/10/5</a:t>
+              <a:t>2016/10/15</a:t>
             </a:fld>
             <a:endParaRPr lang="zh-CN" altLang="en-US"/>
           </a:p>
@@ -636,7 +637,7 @@
     </p:spTree>
     <p:extLst>
       <p:ext uri="{BB962C8B-B14F-4D97-AF65-F5344CB8AC3E}">
-        <p14:creationId xmlns:p14="http://schemas.microsoft.com/office/powerpoint/2010/main" val="269709204"/>
+        <p14:creationId xmlns:p14="http://schemas.microsoft.com/office/powerpoint/2010/main" val="2995745626"/>
       </p:ext>
     </p:extLst>
   </p:cSld>
@@ -720,7 +721,7 @@
     </p:spTree>
     <p:extLst>
       <p:ext uri="{BB962C8B-B14F-4D97-AF65-F5344CB8AC3E}">
-        <p14:creationId xmlns:p14="http://schemas.microsoft.com/office/powerpoint/2010/main" val="4091073213"/>
+        <p14:creationId xmlns:p14="http://schemas.microsoft.com/office/powerpoint/2010/main" val="269709204"/>
       </p:ext>
     </p:extLst>
   </p:cSld>
@@ -804,7 +805,7 @@
     </p:spTree>
     <p:extLst>
       <p:ext uri="{BB962C8B-B14F-4D97-AF65-F5344CB8AC3E}">
-        <p14:creationId xmlns:p14="http://schemas.microsoft.com/office/powerpoint/2010/main" val="4123835679"/>
+        <p14:creationId xmlns:p14="http://schemas.microsoft.com/office/powerpoint/2010/main" val="4091073213"/>
       </p:ext>
     </p:extLst>
   </p:cSld>
@@ -880,6 +881,90 @@
             <a:fld id="{4381ABC3-B330-4E97-8F0E-DDDF5440CD1F}" type="slidenum">
               <a:rPr lang="zh-CN" altLang="en-US" smtClean="0"/>
               <a:t>14</a:t>
+            </a:fld>
+            <a:endParaRPr lang="zh-CN" altLang="en-US"/>
+          </a:p>
+        </p:txBody>
+      </p:sp>
+    </p:spTree>
+    <p:extLst>
+      <p:ext uri="{BB962C8B-B14F-4D97-AF65-F5344CB8AC3E}">
+        <p14:creationId xmlns:p14="http://schemas.microsoft.com/office/powerpoint/2010/main" val="4123835679"/>
+      </p:ext>
+    </p:extLst>
+  </p:cSld>
+  <p:clrMapOvr>
+    <a:masterClrMapping/>
+  </p:clrMapOvr>
+</p:notes>
+</file>
+
+<file path=ppt/notesSlides/notesSlide14.xml><?xml version="1.0" encoding="utf-8"?>
+<p:notes xmlns:a="http://schemas.openxmlformats.org/drawingml/2006/main" xmlns:r="http://schemas.openxmlformats.org/officeDocument/2006/relationships" xmlns:p="http://schemas.openxmlformats.org/presentationml/2006/main">
+  <p:cSld>
+    <p:spTree>
+      <p:nvGrpSpPr>
+        <p:cNvPr id="1" name=""/>
+        <p:cNvGrpSpPr/>
+        <p:nvPr/>
+      </p:nvGrpSpPr>
+      <p:grpSpPr>
+        <a:xfrm>
+          <a:off x="0" y="0"/>
+          <a:ext cx="0" cy="0"/>
+          <a:chOff x="0" y="0"/>
+          <a:chExt cx="0" cy="0"/>
+        </a:xfrm>
+      </p:grpSpPr>
+      <p:sp>
+        <p:nvSpPr>
+          <p:cNvPr id="2" name="幻灯片图像占位符 1"/>
+          <p:cNvSpPr>
+            <a:spLocks noGrp="1" noRot="1" noChangeAspect="1"/>
+          </p:cNvSpPr>
+          <p:nvPr>
+            <p:ph type="sldImg"/>
+          </p:nvPr>
+        </p:nvSpPr>
+        <p:spPr/>
+      </p:sp>
+      <p:sp>
+        <p:nvSpPr>
+          <p:cNvPr id="3" name="备注占位符 2"/>
+          <p:cNvSpPr>
+            <a:spLocks noGrp="1"/>
+          </p:cNvSpPr>
+          <p:nvPr>
+            <p:ph type="body" idx="1"/>
+          </p:nvPr>
+        </p:nvSpPr>
+        <p:spPr/>
+        <p:txBody>
+          <a:bodyPr/>
+          <a:lstStyle/>
+          <a:p>
+            <a:endParaRPr lang="zh-CN" altLang="en-US"/>
+          </a:p>
+        </p:txBody>
+      </p:sp>
+      <p:sp>
+        <p:nvSpPr>
+          <p:cNvPr id="4" name="灯片编号占位符 3"/>
+          <p:cNvSpPr>
+            <a:spLocks noGrp="1"/>
+          </p:cNvSpPr>
+          <p:nvPr>
+            <p:ph type="sldNum" sz="quarter" idx="10"/>
+          </p:nvPr>
+        </p:nvSpPr>
+        <p:spPr/>
+        <p:txBody>
+          <a:bodyPr/>
+          <a:lstStyle/>
+          <a:p>
+            <a:fld id="{4381ABC3-B330-4E97-8F0E-DDDF5440CD1F}" type="slidenum">
+              <a:rPr lang="zh-CN" altLang="en-US" smtClean="0"/>
+              <a:t>15</a:t>
             </a:fld>
             <a:endParaRPr lang="zh-CN" altLang="en-US"/>
           </a:p>
@@ -1308,7 +1393,7 @@
     </p:spTree>
     <p:extLst>
       <p:ext uri="{BB962C8B-B14F-4D97-AF65-F5344CB8AC3E}">
-        <p14:creationId xmlns:p14="http://schemas.microsoft.com/office/powerpoint/2010/main" val="3532474488"/>
+        <p14:creationId xmlns:p14="http://schemas.microsoft.com/office/powerpoint/2010/main" val="2366314588"/>
       </p:ext>
     </p:extLst>
   </p:cSld>
@@ -1392,7 +1477,7 @@
     </p:spTree>
     <p:extLst>
       <p:ext uri="{BB962C8B-B14F-4D97-AF65-F5344CB8AC3E}">
-        <p14:creationId xmlns:p14="http://schemas.microsoft.com/office/powerpoint/2010/main" val="3990835213"/>
+        <p14:creationId xmlns:p14="http://schemas.microsoft.com/office/powerpoint/2010/main" val="3532474488"/>
       </p:ext>
     </p:extLst>
   </p:cSld>
@@ -1476,7 +1561,7 @@
     </p:spTree>
     <p:extLst>
       <p:ext uri="{BB962C8B-B14F-4D97-AF65-F5344CB8AC3E}">
-        <p14:creationId xmlns:p14="http://schemas.microsoft.com/office/powerpoint/2010/main" val="2544820059"/>
+        <p14:creationId xmlns:p14="http://schemas.microsoft.com/office/powerpoint/2010/main" val="3990835213"/>
       </p:ext>
     </p:extLst>
   </p:cSld>
@@ -1560,7 +1645,7 @@
     </p:spTree>
     <p:extLst>
       <p:ext uri="{BB962C8B-B14F-4D97-AF65-F5344CB8AC3E}">
-        <p14:creationId xmlns:p14="http://schemas.microsoft.com/office/powerpoint/2010/main" val="2995745626"/>
+        <p14:creationId xmlns:p14="http://schemas.microsoft.com/office/powerpoint/2010/main" val="2544820059"/>
       </p:ext>
     </p:extLst>
   </p:cSld>
@@ -1901,7 +1986,7 @@
           <a:p>
             <a:fld id="{96E5DBCB-B945-472D-A7F3-F76F630F0200}" type="datetimeFigureOut">
               <a:rPr lang="zh-CN" altLang="en-US" smtClean="0"/>
-              <a:t>2016/10/5</a:t>
+              <a:t>2016/10/15</a:t>
             </a:fld>
             <a:endParaRPr lang="zh-CN" altLang="en-US"/>
           </a:p>
@@ -2225,7 +2310,7 @@
           <a:p>
             <a:fld id="{96E5DBCB-B945-472D-A7F3-F76F630F0200}" type="datetimeFigureOut">
               <a:rPr lang="zh-CN" altLang="en-US" smtClean="0"/>
-              <a:t>2016/10/5</a:t>
+              <a:t>2016/10/15</a:t>
             </a:fld>
             <a:endParaRPr lang="zh-CN" altLang="en-US"/>
           </a:p>
@@ -2473,7 +2558,7 @@
           <a:p>
             <a:fld id="{96E5DBCB-B945-472D-A7F3-F76F630F0200}" type="datetimeFigureOut">
               <a:rPr lang="zh-CN" altLang="en-US" smtClean="0"/>
-              <a:t>2016/10/5</a:t>
+              <a:t>2016/10/15</a:t>
             </a:fld>
             <a:endParaRPr lang="zh-CN" altLang="en-US"/>
           </a:p>
@@ -2812,7 +2897,7 @@
           <a:p>
             <a:fld id="{96E5DBCB-B945-472D-A7F3-F76F630F0200}" type="datetimeFigureOut">
               <a:rPr lang="zh-CN" altLang="en-US" smtClean="0"/>
-              <a:t>2016/10/5</a:t>
+              <a:t>2016/10/15</a:t>
             </a:fld>
             <a:endParaRPr lang="zh-CN" altLang="en-US"/>
           </a:p>
@@ -3159,7 +3244,7 @@
           <a:p>
             <a:fld id="{96E5DBCB-B945-472D-A7F3-F76F630F0200}" type="datetimeFigureOut">
               <a:rPr lang="zh-CN" altLang="en-US" smtClean="0"/>
-              <a:t>2016/10/5</a:t>
+              <a:t>2016/10/15</a:t>
             </a:fld>
             <a:endParaRPr lang="zh-CN" altLang="en-US"/>
           </a:p>
@@ -3533,7 +3618,7 @@
           <a:p>
             <a:fld id="{96E5DBCB-B945-472D-A7F3-F76F630F0200}" type="datetimeFigureOut">
               <a:rPr lang="zh-CN" altLang="en-US" smtClean="0"/>
-              <a:t>2016/10/5</a:t>
+              <a:t>2016/10/15</a:t>
             </a:fld>
             <a:endParaRPr lang="zh-CN" altLang="en-US"/>
           </a:p>
@@ -4003,7 +4088,7 @@
           <a:p>
             <a:fld id="{96E5DBCB-B945-472D-A7F3-F76F630F0200}" type="datetimeFigureOut">
               <a:rPr lang="zh-CN" altLang="en-US" smtClean="0"/>
-              <a:t>2016/10/5</a:t>
+              <a:t>2016/10/15</a:t>
             </a:fld>
             <a:endParaRPr lang="zh-CN" altLang="en-US"/>
           </a:p>
@@ -4208,7 +4293,7 @@
           <a:p>
             <a:fld id="{96E5DBCB-B945-472D-A7F3-F76F630F0200}" type="datetimeFigureOut">
               <a:rPr lang="zh-CN" altLang="en-US" smtClean="0"/>
-              <a:t>2016/10/5</a:t>
+              <a:t>2016/10/15</a:t>
             </a:fld>
             <a:endParaRPr lang="zh-CN" altLang="en-US"/>
           </a:p>
@@ -4419,7 +4504,7 @@
           <a:p>
             <a:fld id="{96E5DBCB-B945-472D-A7F3-F76F630F0200}" type="datetimeFigureOut">
               <a:rPr lang="zh-CN" altLang="en-US" smtClean="0"/>
-              <a:t>2016/10/5</a:t>
+              <a:t>2016/10/15</a:t>
             </a:fld>
             <a:endParaRPr lang="zh-CN" altLang="en-US"/>
           </a:p>
@@ -4651,7 +4736,7 @@
           <a:p>
             <a:fld id="{96E5DBCB-B945-472D-A7F3-F76F630F0200}" type="datetimeFigureOut">
               <a:rPr lang="zh-CN" altLang="en-US" smtClean="0"/>
-              <a:t>2016/10/5</a:t>
+              <a:t>2016/10/15</a:t>
             </a:fld>
             <a:endParaRPr lang="zh-CN" altLang="en-US"/>
           </a:p>
@@ -4899,7 +4984,7 @@
           <a:p>
             <a:fld id="{96E5DBCB-B945-472D-A7F3-F76F630F0200}" type="datetimeFigureOut">
               <a:rPr lang="zh-CN" altLang="en-US" smtClean="0"/>
-              <a:t>2016/10/5</a:t>
+              <a:t>2016/10/15</a:t>
             </a:fld>
             <a:endParaRPr lang="zh-CN" altLang="en-US"/>
           </a:p>
@@ -5197,7 +5282,7 @@
           <a:p>
             <a:fld id="{96E5DBCB-B945-472D-A7F3-F76F630F0200}" type="datetimeFigureOut">
               <a:rPr lang="zh-CN" altLang="en-US" smtClean="0"/>
-              <a:t>2016/10/5</a:t>
+              <a:t>2016/10/15</a:t>
             </a:fld>
             <a:endParaRPr lang="zh-CN" altLang="en-US"/>
           </a:p>
@@ -5591,7 +5676,7 @@
           <a:p>
             <a:fld id="{96E5DBCB-B945-472D-A7F3-F76F630F0200}" type="datetimeFigureOut">
               <a:rPr lang="zh-CN" altLang="en-US" smtClean="0"/>
-              <a:t>2016/10/5</a:t>
+              <a:t>2016/10/15</a:t>
             </a:fld>
             <a:endParaRPr lang="zh-CN" altLang="en-US"/>
           </a:p>
@@ -5740,7 +5825,7 @@
           <a:p>
             <a:fld id="{96E5DBCB-B945-472D-A7F3-F76F630F0200}" type="datetimeFigureOut">
               <a:rPr lang="zh-CN" altLang="en-US" smtClean="0"/>
-              <a:t>2016/10/5</a:t>
+              <a:t>2016/10/15</a:t>
             </a:fld>
             <a:endParaRPr lang="zh-CN" altLang="en-US"/>
           </a:p>
@@ -5866,7 +5951,7 @@
           <a:p>
             <a:fld id="{96E5DBCB-B945-472D-A7F3-F76F630F0200}" type="datetimeFigureOut">
               <a:rPr lang="zh-CN" altLang="en-US" smtClean="0"/>
-              <a:t>2016/10/5</a:t>
+              <a:t>2016/10/15</a:t>
             </a:fld>
             <a:endParaRPr lang="zh-CN" altLang="en-US"/>
           </a:p>
@@ -6121,7 +6206,7 @@
           <a:p>
             <a:fld id="{96E5DBCB-B945-472D-A7F3-F76F630F0200}" type="datetimeFigureOut">
               <a:rPr lang="zh-CN" altLang="en-US" smtClean="0"/>
-              <a:t>2016/10/5</a:t>
+              <a:t>2016/10/15</a:t>
             </a:fld>
             <a:endParaRPr lang="zh-CN" altLang="en-US"/>
           </a:p>
@@ -6436,7 +6521,7 @@
           <a:p>
             <a:fld id="{96E5DBCB-B945-472D-A7F3-F76F630F0200}" type="datetimeFigureOut">
               <a:rPr lang="zh-CN" altLang="en-US" smtClean="0"/>
-              <a:t>2016/10/5</a:t>
+              <a:t>2016/10/15</a:t>
             </a:fld>
             <a:endParaRPr lang="zh-CN" altLang="en-US"/>
           </a:p>
@@ -6787,7 +6872,7 @@
           <a:p>
             <a:fld id="{96E5DBCB-B945-472D-A7F3-F76F630F0200}" type="datetimeFigureOut">
               <a:rPr lang="zh-CN" altLang="en-US" smtClean="0"/>
-              <a:t>2016/10/5</a:t>
+              <a:t>2016/10/15</a:t>
             </a:fld>
             <a:endParaRPr lang="zh-CN" altLang="en-US"/>
           </a:p>
@@ -7566,7 +7651,7 @@
         <p:spPr>
           <a:xfrm>
             <a:off x="610954" y="551405"/>
-            <a:ext cx="11449982" cy="3539430"/>
+            <a:ext cx="11449982" cy="7478970"/>
           </a:xfrm>
           <a:prstGeom prst="rect">
             <a:avLst/>
@@ -7599,13 +7684,202 @@
           </a:p>
           <a:p>
             <a:r>
-              <a:rPr lang="zh-CN" altLang="en-US" sz="3200" dirty="0" smtClean="0">
-                <a:latin typeface="华文楷体" panose="02010600040101010101" pitchFamily="2" charset="-122"/>
-                <a:ea typeface="华文楷体" panose="02010600040101010101" pitchFamily="2" charset="-122"/>
-              </a:rPr>
-              <a:t>利用索引排序</a:t>
-            </a:r>
-            <a:endParaRPr lang="en-US" altLang="zh-CN" sz="3200" dirty="0" smtClean="0">
+              <a:rPr lang="zh-CN" altLang="en-US" sz="2400" dirty="0" smtClean="0">
+                <a:latin typeface="华文楷体" panose="02010600040101010101" pitchFamily="2" charset="-122"/>
+                <a:ea typeface="华文楷体" panose="02010600040101010101" pitchFamily="2" charset="-122"/>
+              </a:rPr>
+              <a:t>不使用已有索引的情况：</a:t>
+            </a:r>
+            <a:endParaRPr lang="en-US" altLang="zh-CN" sz="2400" dirty="0" smtClean="0">
+              <a:latin typeface="华文楷体" panose="02010600040101010101" pitchFamily="2" charset="-122"/>
+              <a:ea typeface="华文楷体" panose="02010600040101010101" pitchFamily="2" charset="-122"/>
+            </a:endParaRPr>
+          </a:p>
+          <a:p>
+            <a:endParaRPr lang="en-US" altLang="zh-CN" sz="2400" dirty="0">
+              <a:latin typeface="华文楷体" panose="02010600040101010101" pitchFamily="2" charset="-122"/>
+              <a:ea typeface="华文楷体" panose="02010600040101010101" pitchFamily="2" charset="-122"/>
+            </a:endParaRPr>
+          </a:p>
+          <a:p>
+            <a:pPr marL="457200" indent="-457200">
+              <a:buFont typeface="+mj-lt"/>
+              <a:buAutoNum type="arabicPeriod"/>
+            </a:pPr>
+            <a:r>
+              <a:rPr lang="zh-CN" altLang="en-US" sz="2400" dirty="0" smtClean="0">
+                <a:latin typeface="华文楷体" panose="02010600040101010101" pitchFamily="2" charset="-122"/>
+                <a:ea typeface="华文楷体" panose="02010600040101010101" pitchFamily="2" charset="-122"/>
+              </a:rPr>
+              <a:t>索引列进行数学运算或者函数运算</a:t>
+            </a:r>
+            <a:endParaRPr lang="en-US" altLang="zh-CN" sz="2400" dirty="0" smtClean="0">
+              <a:latin typeface="华文楷体" panose="02010600040101010101" pitchFamily="2" charset="-122"/>
+              <a:ea typeface="华文楷体" panose="02010600040101010101" pitchFamily="2" charset="-122"/>
+            </a:endParaRPr>
+          </a:p>
+          <a:p>
+            <a:pPr marL="457200" indent="-457200">
+              <a:buFont typeface="+mj-lt"/>
+              <a:buAutoNum type="arabicPeriod"/>
+            </a:pPr>
+            <a:endParaRPr lang="en-US" altLang="zh-CN" sz="2400" dirty="0">
+              <a:latin typeface="华文楷体" panose="02010600040101010101" pitchFamily="2" charset="-122"/>
+              <a:ea typeface="华文楷体" panose="02010600040101010101" pitchFamily="2" charset="-122"/>
+            </a:endParaRPr>
+          </a:p>
+          <a:p>
+            <a:pPr marL="457200" indent="-457200">
+              <a:buFont typeface="+mj-lt"/>
+              <a:buAutoNum type="arabicPeriod"/>
+            </a:pPr>
+            <a:r>
+              <a:rPr lang="zh-CN" altLang="en-US" sz="2400" dirty="0" smtClean="0">
+                <a:latin typeface="华文楷体" panose="02010600040101010101" pitchFamily="2" charset="-122"/>
+                <a:ea typeface="华文楷体" panose="02010600040101010101" pitchFamily="2" charset="-122"/>
+              </a:rPr>
+              <a:t>未包含复合索引的前缀字段</a:t>
+            </a:r>
+            <a:endParaRPr lang="en-US" altLang="zh-CN" sz="2400" dirty="0" smtClean="0">
+              <a:latin typeface="华文楷体" panose="02010600040101010101" pitchFamily="2" charset="-122"/>
+              <a:ea typeface="华文楷体" panose="02010600040101010101" pitchFamily="2" charset="-122"/>
+            </a:endParaRPr>
+          </a:p>
+          <a:p>
+            <a:pPr marL="457200" indent="-457200">
+              <a:buFont typeface="+mj-lt"/>
+              <a:buAutoNum type="arabicPeriod"/>
+            </a:pPr>
+            <a:endParaRPr lang="en-US" altLang="zh-CN" sz="2400" dirty="0">
+              <a:latin typeface="华文楷体" panose="02010600040101010101" pitchFamily="2" charset="-122"/>
+              <a:ea typeface="华文楷体" panose="02010600040101010101" pitchFamily="2" charset="-122"/>
+            </a:endParaRPr>
+          </a:p>
+          <a:p>
+            <a:pPr marL="457200" indent="-457200">
+              <a:buFont typeface="+mj-lt"/>
+              <a:buAutoNum type="arabicPeriod"/>
+            </a:pPr>
+            <a:r>
+              <a:rPr lang="zh-CN" altLang="en-US" sz="2400" dirty="0">
+                <a:latin typeface="华文楷体" panose="02010600040101010101" pitchFamily="2" charset="-122"/>
+                <a:ea typeface="华文楷体" panose="02010600040101010101" pitchFamily="2" charset="-122"/>
+              </a:rPr>
+              <a:t>通</a:t>
+            </a:r>
+            <a:r>
+              <a:rPr lang="zh-CN" altLang="en-US" sz="2400" dirty="0" smtClean="0">
+                <a:latin typeface="华文楷体" panose="02010600040101010101" pitchFamily="2" charset="-122"/>
+                <a:ea typeface="华文楷体" panose="02010600040101010101" pitchFamily="2" charset="-122"/>
+              </a:rPr>
+              <a:t>配匹配</a:t>
+            </a:r>
+            <a:endParaRPr lang="en-US" altLang="zh-CN" sz="2400" dirty="0" smtClean="0">
+              <a:latin typeface="华文楷体" panose="02010600040101010101" pitchFamily="2" charset="-122"/>
+              <a:ea typeface="华文楷体" panose="02010600040101010101" pitchFamily="2" charset="-122"/>
+            </a:endParaRPr>
+          </a:p>
+          <a:p>
+            <a:pPr marL="457200" indent="-457200">
+              <a:buFont typeface="+mj-lt"/>
+              <a:buAutoNum type="arabicPeriod"/>
+            </a:pPr>
+            <a:endParaRPr lang="en-US" altLang="zh-CN" sz="2400" dirty="0">
+              <a:latin typeface="华文楷体" panose="02010600040101010101" pitchFamily="2" charset="-122"/>
+              <a:ea typeface="华文楷体" panose="02010600040101010101" pitchFamily="2" charset="-122"/>
+            </a:endParaRPr>
+          </a:p>
+          <a:p>
+            <a:pPr marL="457200" indent="-457200">
+              <a:buFont typeface="+mj-lt"/>
+              <a:buAutoNum type="arabicPeriod"/>
+            </a:pPr>
+            <a:r>
+              <a:rPr lang="en-US" altLang="zh-CN" sz="2400" dirty="0" smtClean="0">
+                <a:latin typeface="华文楷体" panose="02010600040101010101" pitchFamily="2" charset="-122"/>
+                <a:ea typeface="华文楷体" panose="02010600040101010101" pitchFamily="2" charset="-122"/>
+              </a:rPr>
+              <a:t>Where</a:t>
+            </a:r>
+            <a:r>
+              <a:rPr lang="zh-CN" altLang="en-US" sz="2400" dirty="0" smtClean="0">
+                <a:latin typeface="华文楷体" panose="02010600040101010101" pitchFamily="2" charset="-122"/>
+                <a:ea typeface="华文楷体" panose="02010600040101010101" pitchFamily="2" charset="-122"/>
+              </a:rPr>
+              <a:t>条件使用</a:t>
+            </a:r>
+            <a:r>
+              <a:rPr lang="en-US" altLang="zh-CN" sz="2400" dirty="0" smtClean="0">
+                <a:latin typeface="华文楷体" panose="02010600040101010101" pitchFamily="2" charset="-122"/>
+                <a:ea typeface="华文楷体" panose="02010600040101010101" pitchFamily="2" charset="-122"/>
+              </a:rPr>
+              <a:t>not </a:t>
+            </a:r>
+            <a:r>
+              <a:rPr lang="zh-CN" altLang="en-US" sz="2400" dirty="0" smtClean="0">
+                <a:latin typeface="华文楷体" panose="02010600040101010101" pitchFamily="2" charset="-122"/>
+                <a:ea typeface="华文楷体" panose="02010600040101010101" pitchFamily="2" charset="-122"/>
+              </a:rPr>
+              <a:t>，</a:t>
+            </a:r>
+            <a:r>
+              <a:rPr lang="en-US" altLang="zh-CN" sz="2400" dirty="0" smtClean="0">
+                <a:latin typeface="华文楷体" panose="02010600040101010101" pitchFamily="2" charset="-122"/>
+                <a:ea typeface="华文楷体" panose="02010600040101010101" pitchFamily="2" charset="-122"/>
+              </a:rPr>
+              <a:t>&lt;&gt;,!=</a:t>
+            </a:r>
+          </a:p>
+          <a:p>
+            <a:pPr marL="457200" indent="-457200">
+              <a:buFont typeface="+mj-lt"/>
+              <a:buAutoNum type="arabicPeriod"/>
+            </a:pPr>
+            <a:endParaRPr lang="en-US" altLang="zh-CN" sz="2400" dirty="0">
+              <a:latin typeface="华文楷体" panose="02010600040101010101" pitchFamily="2" charset="-122"/>
+              <a:ea typeface="华文楷体" panose="02010600040101010101" pitchFamily="2" charset="-122"/>
+            </a:endParaRPr>
+          </a:p>
+          <a:p>
+            <a:pPr marL="457200" indent="-457200">
+              <a:buFont typeface="+mj-lt"/>
+              <a:buAutoNum type="arabicPeriod"/>
+            </a:pPr>
+            <a:r>
+              <a:rPr lang="zh-CN" altLang="en-US" sz="2400" dirty="0" smtClean="0">
+                <a:latin typeface="华文楷体" panose="02010600040101010101" pitchFamily="2" charset="-122"/>
+                <a:ea typeface="华文楷体" panose="02010600040101010101" pitchFamily="2" charset="-122"/>
+              </a:rPr>
+              <a:t>字段类型匹配，隐式转换</a:t>
+            </a:r>
+            <a:endParaRPr lang="en-US" altLang="zh-CN" sz="2400" dirty="0" smtClean="0">
+              <a:latin typeface="华文楷体" panose="02010600040101010101" pitchFamily="2" charset="-122"/>
+              <a:ea typeface="华文楷体" panose="02010600040101010101" pitchFamily="2" charset="-122"/>
+            </a:endParaRPr>
+          </a:p>
+          <a:p>
+            <a:r>
+              <a:rPr lang="en-US" altLang="zh-CN" sz="2400" dirty="0" smtClean="0">
+                <a:latin typeface="华文楷体" panose="02010600040101010101" pitchFamily="2" charset="-122"/>
+                <a:ea typeface="华文楷体" panose="02010600040101010101" pitchFamily="2" charset="-122"/>
+              </a:rPr>
+              <a:t>        </a:t>
+            </a:r>
+            <a:r>
+              <a:rPr lang="en-US" altLang="zh-CN" sz="2400" dirty="0" err="1" smtClean="0">
+                <a:latin typeface="华文楷体" panose="02010600040101010101" pitchFamily="2" charset="-122"/>
+                <a:ea typeface="华文楷体" panose="02010600040101010101" pitchFamily="2" charset="-122"/>
+              </a:rPr>
+              <a:t>jdbc</a:t>
+            </a:r>
+            <a:r>
+              <a:rPr lang="zh-CN" altLang="en-US" sz="2400" dirty="0" smtClean="0">
+                <a:latin typeface="华文楷体" panose="02010600040101010101" pitchFamily="2" charset="-122"/>
+                <a:ea typeface="华文楷体" panose="02010600040101010101" pitchFamily="2" charset="-122"/>
+              </a:rPr>
+              <a:t>中对变量类型的设置</a:t>
+            </a:r>
+            <a:endParaRPr lang="en-US" altLang="zh-CN" sz="2400" dirty="0">
               <a:latin typeface="华文楷体" panose="02010600040101010101" pitchFamily="2" charset="-122"/>
               <a:ea typeface="华文楷体" panose="02010600040101010101" pitchFamily="2" charset="-122"/>
             </a:endParaRPr>
@@ -7660,7 +7934,7 @@
     </p:spTree>
     <p:extLst>
       <p:ext uri="{BB962C8B-B14F-4D97-AF65-F5344CB8AC3E}">
-        <p14:creationId xmlns:p14="http://schemas.microsoft.com/office/powerpoint/2010/main" val="3261448981"/>
+        <p14:creationId xmlns:p14="http://schemas.microsoft.com/office/powerpoint/2010/main" val="197839036"/>
       </p:ext>
     </p:extLst>
   </p:cSld>
@@ -7776,7 +8050,7 @@
         <p:spPr>
           <a:xfrm>
             <a:off x="610954" y="551405"/>
-            <a:ext cx="11449982" cy="6986528"/>
+            <a:ext cx="11449982" cy="3539430"/>
           </a:xfrm>
           <a:prstGeom prst="rect">
             <a:avLst/>
@@ -7794,7 +8068,7 @@
                 <a:latin typeface="华文楷体" panose="02010600040101010101" pitchFamily="2" charset="-122"/>
                 <a:ea typeface="华文楷体" panose="02010600040101010101" pitchFamily="2" charset="-122"/>
               </a:rPr>
-              <a:t>常用的工具集介绍</a:t>
+              <a:t>如何建立高效索引：</a:t>
             </a:r>
             <a:endParaRPr lang="en-US" altLang="zh-CN" sz="3200" dirty="0" smtClean="0">
               <a:latin typeface="华文楷体" panose="02010600040101010101" pitchFamily="2" charset="-122"/>
@@ -7802,13 +8076,6 @@
             </a:endParaRPr>
           </a:p>
           <a:p>
-            <a:r>
-              <a:rPr lang="zh-CN" altLang="en-US" sz="3200" dirty="0" smtClean="0">
-                <a:latin typeface="华文楷体" panose="02010600040101010101" pitchFamily="2" charset="-122"/>
-                <a:ea typeface="华文楷体" panose="02010600040101010101" pitchFamily="2" charset="-122"/>
-              </a:rPr>
-              <a:t>数据库导入导出命令</a:t>
-            </a:r>
             <a:endParaRPr lang="en-US" altLang="zh-CN" sz="3200" dirty="0" smtClean="0">
               <a:latin typeface="华文楷体" panose="02010600040101010101" pitchFamily="2" charset="-122"/>
               <a:ea typeface="华文楷体" panose="02010600040101010101" pitchFamily="2" charset="-122"/>
@@ -7816,221 +8083,12 @@
           </a:p>
           <a:p>
             <a:r>
-              <a:rPr lang="en-US" altLang="zh-CN" sz="3200" dirty="0" err="1" smtClean="0">
-                <a:latin typeface="华文楷体" panose="02010600040101010101" pitchFamily="2" charset="-122"/>
-                <a:ea typeface="华文楷体" panose="02010600040101010101" pitchFamily="2" charset="-122"/>
-              </a:rPr>
-              <a:t>Mysqldump</a:t>
-            </a:r>
-            <a:endParaRPr lang="en-US" altLang="zh-CN" sz="3200" dirty="0" smtClean="0">
-              <a:latin typeface="华文楷体" panose="02010600040101010101" pitchFamily="2" charset="-122"/>
-              <a:ea typeface="华文楷体" panose="02010600040101010101" pitchFamily="2" charset="-122"/>
-            </a:endParaRPr>
-          </a:p>
-          <a:p>
-            <a:endParaRPr lang="en-US" altLang="zh-CN" sz="2400" dirty="0" smtClean="0">
-              <a:latin typeface="华文楷体" panose="02010600040101010101" pitchFamily="2" charset="-122"/>
-              <a:ea typeface="华文楷体" panose="02010600040101010101" pitchFamily="2" charset="-122"/>
-            </a:endParaRPr>
-          </a:p>
-          <a:p>
-            <a:r>
-              <a:rPr lang="en-US" altLang="zh-CN" sz="2400" dirty="0" err="1" smtClean="0">
-                <a:latin typeface="华文楷体" panose="02010600040101010101" pitchFamily="2" charset="-122"/>
-                <a:ea typeface="华文楷体" panose="02010600040101010101" pitchFamily="2" charset="-122"/>
-              </a:rPr>
-              <a:t>mysqldump</a:t>
-            </a:r>
-            <a:r>
-              <a:rPr lang="en-US" altLang="zh-CN" sz="2400" dirty="0" smtClean="0">
-                <a:latin typeface="华文楷体" panose="02010600040101010101" pitchFamily="2" charset="-122"/>
-                <a:ea typeface="华文楷体" panose="02010600040101010101" pitchFamily="2" charset="-122"/>
-              </a:rPr>
-              <a:t> </a:t>
-            </a:r>
-            <a:r>
-              <a:rPr lang="en-US" altLang="zh-CN" sz="2400" dirty="0">
-                <a:latin typeface="华文楷体" panose="02010600040101010101" pitchFamily="2" charset="-122"/>
-                <a:ea typeface="华文楷体" panose="02010600040101010101" pitchFamily="2" charset="-122"/>
-              </a:rPr>
-              <a:t>-</a:t>
-            </a:r>
-            <a:r>
-              <a:rPr lang="en-US" altLang="zh-CN" sz="2400" dirty="0" err="1">
-                <a:latin typeface="华文楷体" panose="02010600040101010101" pitchFamily="2" charset="-122"/>
-                <a:ea typeface="华文楷体" panose="02010600040101010101" pitchFamily="2" charset="-122"/>
-              </a:rPr>
-              <a:t>uroot</a:t>
-            </a:r>
-            <a:r>
-              <a:rPr lang="en-US" altLang="zh-CN" sz="2400" dirty="0">
-                <a:latin typeface="华文楷体" panose="02010600040101010101" pitchFamily="2" charset="-122"/>
-                <a:ea typeface="华文楷体" panose="02010600040101010101" pitchFamily="2" charset="-122"/>
-              </a:rPr>
-              <a:t> -p --single-transaction --opt </a:t>
-            </a:r>
-            <a:r>
-              <a:rPr lang="en-US" altLang="zh-CN" sz="2400" dirty="0" err="1">
-                <a:latin typeface="华文楷体" panose="02010600040101010101" pitchFamily="2" charset="-122"/>
-                <a:ea typeface="华文楷体" panose="02010600040101010101" pitchFamily="2" charset="-122"/>
-              </a:rPr>
-              <a:t>prod_PHAPP</a:t>
-            </a:r>
-            <a:r>
-              <a:rPr lang="en-US" altLang="zh-CN" sz="2400" dirty="0">
-                <a:latin typeface="华文楷体" panose="02010600040101010101" pitchFamily="2" charset="-122"/>
-                <a:ea typeface="华文楷体" panose="02010600040101010101" pitchFamily="2" charset="-122"/>
-              </a:rPr>
-              <a:t>      --set-</a:t>
-            </a:r>
-            <a:r>
-              <a:rPr lang="en-US" altLang="zh-CN" sz="2400" dirty="0" err="1">
-                <a:latin typeface="华文楷体" panose="02010600040101010101" pitchFamily="2" charset="-122"/>
-                <a:ea typeface="华文楷体" panose="02010600040101010101" pitchFamily="2" charset="-122"/>
-              </a:rPr>
-              <a:t>gtid</a:t>
-            </a:r>
-            <a:r>
-              <a:rPr lang="en-US" altLang="zh-CN" sz="2400" dirty="0">
-                <a:latin typeface="华文楷体" panose="02010600040101010101" pitchFamily="2" charset="-122"/>
-                <a:ea typeface="华文楷体" panose="02010600040101010101" pitchFamily="2" charset="-122"/>
-              </a:rPr>
-              <a:t>-purged=OFF &gt; /</a:t>
-            </a:r>
-            <a:r>
-              <a:rPr lang="en-US" altLang="zh-CN" sz="2400" dirty="0" smtClean="0">
-                <a:latin typeface="华文楷体" panose="02010600040101010101" pitchFamily="2" charset="-122"/>
-                <a:ea typeface="华文楷体" panose="02010600040101010101" pitchFamily="2" charset="-122"/>
-              </a:rPr>
-              <a:t>disk4/</a:t>
-            </a:r>
-            <a:r>
-              <a:rPr lang="en-US" altLang="zh-CN" sz="2400" dirty="0" err="1" smtClean="0">
-                <a:latin typeface="华文楷体" panose="02010600040101010101" pitchFamily="2" charset="-122"/>
-                <a:ea typeface="华文楷体" panose="02010600040101010101" pitchFamily="2" charset="-122"/>
-              </a:rPr>
-              <a:t>backup_dump</a:t>
-            </a:r>
-            <a:r>
-              <a:rPr lang="en-US" altLang="zh-CN" sz="2400" dirty="0" smtClean="0">
-                <a:latin typeface="华文楷体" panose="02010600040101010101" pitchFamily="2" charset="-122"/>
-                <a:ea typeface="华文楷体" panose="02010600040101010101" pitchFamily="2" charset="-122"/>
-              </a:rPr>
-              <a:t>/prod_PHAPP201609291007bak.sql</a:t>
-            </a:r>
-          </a:p>
-          <a:p>
-            <a:endParaRPr lang="en-US" altLang="zh-CN" sz="2400" dirty="0">
-              <a:latin typeface="华文楷体" panose="02010600040101010101" pitchFamily="2" charset="-122"/>
-              <a:ea typeface="华文楷体" panose="02010600040101010101" pitchFamily="2" charset="-122"/>
-            </a:endParaRPr>
-          </a:p>
-          <a:p>
-            <a:endParaRPr lang="en-US" altLang="zh-CN" sz="2400" dirty="0" smtClean="0">
-              <a:latin typeface="华文楷体" panose="02010600040101010101" pitchFamily="2" charset="-122"/>
-              <a:ea typeface="华文楷体" panose="02010600040101010101" pitchFamily="2" charset="-122"/>
-            </a:endParaRPr>
-          </a:p>
-          <a:p>
-            <a:r>
-              <a:rPr lang="en-US" altLang="zh-CN" sz="2400" dirty="0" err="1" smtClean="0">
-                <a:latin typeface="华文楷体" panose="02010600040101010101" pitchFamily="2" charset="-122"/>
-                <a:ea typeface="华文楷体" panose="02010600040101010101" pitchFamily="2" charset="-122"/>
-              </a:rPr>
-              <a:t>mysqldump</a:t>
-            </a:r>
-            <a:r>
-              <a:rPr lang="en-US" altLang="zh-CN" sz="2400" dirty="0" smtClean="0">
-                <a:latin typeface="华文楷体" panose="02010600040101010101" pitchFamily="2" charset="-122"/>
-                <a:ea typeface="华文楷体" panose="02010600040101010101" pitchFamily="2" charset="-122"/>
-              </a:rPr>
-              <a:t>  </a:t>
-            </a:r>
-            <a:r>
-              <a:rPr lang="en-US" altLang="zh-CN" sz="2400" dirty="0">
-                <a:latin typeface="华文楷体" panose="02010600040101010101" pitchFamily="2" charset="-122"/>
-                <a:ea typeface="华文楷体" panose="02010600040101010101" pitchFamily="2" charset="-122"/>
-              </a:rPr>
-              <a:t>-</a:t>
-            </a:r>
-            <a:r>
-              <a:rPr lang="en-US" altLang="zh-CN" sz="2400" dirty="0" err="1">
-                <a:latin typeface="华文楷体" panose="02010600040101010101" pitchFamily="2" charset="-122"/>
-                <a:ea typeface="华文楷体" panose="02010600040101010101" pitchFamily="2" charset="-122"/>
-              </a:rPr>
-              <a:t>uroot</a:t>
-            </a:r>
-            <a:r>
-              <a:rPr lang="en-US" altLang="zh-CN" sz="2400" dirty="0">
-                <a:latin typeface="华文楷体" panose="02010600040101010101" pitchFamily="2" charset="-122"/>
-                <a:ea typeface="华文楷体" panose="02010600040101010101" pitchFamily="2" charset="-122"/>
-              </a:rPr>
-              <a:t> -p --single-transaction --opt   --set-</a:t>
-            </a:r>
-            <a:r>
-              <a:rPr lang="en-US" altLang="zh-CN" sz="2400" dirty="0" err="1">
-                <a:latin typeface="华文楷体" panose="02010600040101010101" pitchFamily="2" charset="-122"/>
-                <a:ea typeface="华文楷体" panose="02010600040101010101" pitchFamily="2" charset="-122"/>
-              </a:rPr>
-              <a:t>gtid</a:t>
-            </a:r>
-            <a:r>
-              <a:rPr lang="en-US" altLang="zh-CN" sz="2400" dirty="0">
-                <a:latin typeface="华文楷体" panose="02010600040101010101" pitchFamily="2" charset="-122"/>
-                <a:ea typeface="华文楷体" panose="02010600040101010101" pitchFamily="2" charset="-122"/>
-              </a:rPr>
-              <a:t>-purged=OFF  --skip-add-drop-table    </a:t>
-            </a:r>
-            <a:r>
-              <a:rPr lang="en-US" altLang="zh-CN" sz="2400" dirty="0" err="1">
-                <a:latin typeface="华文楷体" panose="02010600040101010101" pitchFamily="2" charset="-122"/>
-                <a:ea typeface="华文楷体" panose="02010600040101010101" pitchFamily="2" charset="-122"/>
-              </a:rPr>
-              <a:t>nasdaq</a:t>
-            </a:r>
-            <a:r>
-              <a:rPr lang="en-US" altLang="zh-CN" sz="2400" dirty="0">
-                <a:latin typeface="华文楷体" panose="02010600040101010101" pitchFamily="2" charset="-122"/>
-                <a:ea typeface="华文楷体" panose="02010600040101010101" pitchFamily="2" charset="-122"/>
-              </a:rPr>
-              <a:t>  </a:t>
-            </a:r>
-            <a:r>
-              <a:rPr lang="en-US" altLang="zh-CN" sz="2400" dirty="0" err="1">
-                <a:latin typeface="华文楷体" panose="02010600040101010101" pitchFamily="2" charset="-122"/>
-                <a:ea typeface="华文楷体" panose="02010600040101010101" pitchFamily="2" charset="-122"/>
-              </a:rPr>
-              <a:t>h_transfer_record</a:t>
-            </a:r>
-            <a:r>
-              <a:rPr lang="en-US" altLang="zh-CN" sz="2400" dirty="0">
-                <a:latin typeface="华文楷体" panose="02010600040101010101" pitchFamily="2" charset="-122"/>
-                <a:ea typeface="华文楷体" panose="02010600040101010101" pitchFamily="2" charset="-122"/>
-              </a:rPr>
-              <a:t> </a:t>
-            </a:r>
-            <a:r>
-              <a:rPr lang="en-US" altLang="zh-CN" sz="2400" dirty="0" err="1">
-                <a:latin typeface="华文楷体" panose="02010600040101010101" pitchFamily="2" charset="-122"/>
-                <a:ea typeface="华文楷体" panose="02010600040101010101" pitchFamily="2" charset="-122"/>
-              </a:rPr>
-              <a:t>h_orders</a:t>
-            </a:r>
-            <a:r>
-              <a:rPr lang="en-US" altLang="zh-CN" sz="2400" dirty="0">
-                <a:latin typeface="华文楷体" panose="02010600040101010101" pitchFamily="2" charset="-122"/>
-                <a:ea typeface="华文楷体" panose="02010600040101010101" pitchFamily="2" charset="-122"/>
-              </a:rPr>
-              <a:t>  &gt; nasdaq_twotabs201607191317.sql</a:t>
-            </a:r>
-          </a:p>
-          <a:p>
-            <a:endParaRPr lang="en-US" altLang="zh-CN" sz="2400" dirty="0">
-              <a:latin typeface="华文楷体" panose="02010600040101010101" pitchFamily="2" charset="-122"/>
-              <a:ea typeface="华文楷体" panose="02010600040101010101" pitchFamily="2" charset="-122"/>
-            </a:endParaRPr>
-          </a:p>
-          <a:p>
+              <a:rPr lang="zh-CN" altLang="en-US" sz="3200" dirty="0" smtClean="0">
+                <a:latin typeface="华文楷体" panose="02010600040101010101" pitchFamily="2" charset="-122"/>
+                <a:ea typeface="华文楷体" panose="02010600040101010101" pitchFamily="2" charset="-122"/>
+              </a:rPr>
+              <a:t>利用索引排序</a:t>
+            </a:r>
             <a:endParaRPr lang="en-US" altLang="zh-CN" sz="3200" dirty="0" smtClean="0">
               <a:latin typeface="华文楷体" panose="02010600040101010101" pitchFamily="2" charset="-122"/>
               <a:ea typeface="华文楷体" panose="02010600040101010101" pitchFamily="2" charset="-122"/>
@@ -8086,7 +8144,7 @@
     </p:spTree>
     <p:extLst>
       <p:ext uri="{BB962C8B-B14F-4D97-AF65-F5344CB8AC3E}">
-        <p14:creationId xmlns:p14="http://schemas.microsoft.com/office/powerpoint/2010/main" val="1129739817"/>
+        <p14:creationId xmlns:p14="http://schemas.microsoft.com/office/powerpoint/2010/main" val="3261448981"/>
       </p:ext>
     </p:extLst>
   </p:cSld>
@@ -8202,7 +8260,7 @@
         <p:spPr>
           <a:xfrm>
             <a:off x="610954" y="551405"/>
-            <a:ext cx="11449982" cy="6124754"/>
+            <a:ext cx="11449982" cy="6986528"/>
           </a:xfrm>
           <a:prstGeom prst="rect">
             <a:avLst/>
@@ -8233,7 +8291,7 @@
                 <a:latin typeface="华文楷体" panose="02010600040101010101" pitchFamily="2" charset="-122"/>
                 <a:ea typeface="华文楷体" panose="02010600040101010101" pitchFamily="2" charset="-122"/>
               </a:rPr>
-              <a:t>查看数据库历史操作记录命令：</a:t>
+              <a:t>数据库导入导出命令</a:t>
             </a:r>
             <a:endParaRPr lang="en-US" altLang="zh-CN" sz="3200" dirty="0" smtClean="0">
               <a:latin typeface="华文楷体" panose="02010600040101010101" pitchFamily="2" charset="-122"/>
@@ -8242,94 +8300,216 @@
           </a:p>
           <a:p>
             <a:r>
-              <a:rPr lang="en-US" altLang="zh-CN" sz="3200" dirty="0" err="1">
-                <a:latin typeface="华文楷体" panose="02010600040101010101" pitchFamily="2" charset="-122"/>
-                <a:ea typeface="华文楷体" panose="02010600040101010101" pitchFamily="2" charset="-122"/>
-              </a:rPr>
-              <a:t>mysqlbinlog</a:t>
-            </a:r>
-            <a:endParaRPr lang="en-US" altLang="zh-CN" sz="3200" dirty="0">
+              <a:rPr lang="en-US" altLang="zh-CN" sz="3200" dirty="0" err="1" smtClean="0">
+                <a:latin typeface="华文楷体" panose="02010600040101010101" pitchFamily="2" charset="-122"/>
+                <a:ea typeface="华文楷体" panose="02010600040101010101" pitchFamily="2" charset="-122"/>
+              </a:rPr>
+              <a:t>Mysqldump</a:t>
+            </a:r>
+            <a:endParaRPr lang="en-US" altLang="zh-CN" sz="3200" dirty="0" smtClean="0">
               <a:latin typeface="华文楷体" panose="02010600040101010101" pitchFamily="2" charset="-122"/>
               <a:ea typeface="华文楷体" panose="02010600040101010101" pitchFamily="2" charset="-122"/>
             </a:endParaRPr>
           </a:p>
           <a:p>
-            <a:r>
-              <a:rPr lang="en-US" altLang="zh-CN" sz="3200" dirty="0" smtClean="0">
-                <a:latin typeface="华文楷体" panose="02010600040101010101" pitchFamily="2" charset="-122"/>
-                <a:ea typeface="华文楷体" panose="02010600040101010101" pitchFamily="2" charset="-122"/>
-              </a:rPr>
-              <a:t> </a:t>
-            </a:r>
-            <a:endParaRPr lang="en-US" altLang="zh-CN" sz="2000" dirty="0">
+            <a:endParaRPr lang="en-US" altLang="zh-CN" sz="2400" dirty="0" smtClean="0">
               <a:latin typeface="华文楷体" panose="02010600040101010101" pitchFamily="2" charset="-122"/>
               <a:ea typeface="华文楷体" panose="02010600040101010101" pitchFamily="2" charset="-122"/>
             </a:endParaRPr>
           </a:p>
           <a:p>
             <a:r>
-              <a:rPr lang="en-US" altLang="zh-CN" sz="2400" dirty="0" err="1" smtClean="0"/>
-              <a:t>mysqlbinlog</a:t>
-            </a:r>
-            <a:r>
-              <a:rPr lang="en-US" altLang="zh-CN" sz="2400" dirty="0"/>
-              <a:t> --base64-output='decode-rows' -</a:t>
-            </a:r>
-            <a:r>
-              <a:rPr lang="en-US" altLang="zh-CN" sz="2400" dirty="0" err="1"/>
-              <a:t>vv</a:t>
-            </a:r>
-            <a:r>
-              <a:rPr lang="en-US" altLang="zh-CN" sz="2400" dirty="0"/>
-              <a:t> --start-</a:t>
-            </a:r>
-            <a:r>
-              <a:rPr lang="en-US" altLang="zh-CN" sz="2400" dirty="0" err="1"/>
-              <a:t>datetime</a:t>
-            </a:r>
-            <a:r>
-              <a:rPr lang="en-US" altLang="zh-CN" sz="2400" dirty="0"/>
-              <a:t>="2016-04-15 8:08:01" --stop-</a:t>
-            </a:r>
-            <a:r>
-              <a:rPr lang="en-US" altLang="zh-CN" sz="2400" dirty="0" err="1"/>
-              <a:t>datetime</a:t>
-            </a:r>
-            <a:r>
-              <a:rPr lang="en-US" altLang="zh-CN" sz="2400" dirty="0"/>
-              <a:t>="2016-04-15 10:15:32"  -d </a:t>
-            </a:r>
-            <a:r>
-              <a:rPr lang="en-US" altLang="zh-CN" sz="2400" dirty="0" err="1"/>
-              <a:t>dev_capital</a:t>
-            </a:r>
-            <a:r>
-              <a:rPr lang="en-US" altLang="zh-CN" sz="2400" dirty="0"/>
-              <a:t> /opt/</a:t>
-            </a:r>
-            <a:r>
-              <a:rPr lang="en-US" altLang="zh-CN" sz="2400" dirty="0" err="1"/>
-              <a:t>mysql</a:t>
-            </a:r>
-            <a:r>
-              <a:rPr lang="en-US" altLang="zh-CN" sz="2400" dirty="0"/>
-              <a:t>/data/mysql-bin.000553 &gt; /opt/</a:t>
-            </a:r>
-            <a:r>
-              <a:rPr lang="en-US" altLang="zh-CN" sz="2400" dirty="0" err="1"/>
-              <a:t>mysql</a:t>
-            </a:r>
-            <a:r>
-              <a:rPr lang="en-US" altLang="zh-CN" sz="2400" dirty="0"/>
-              <a:t>/data/3.txt</a:t>
-            </a:r>
+              <a:rPr lang="en-US" altLang="zh-CN" sz="2400" dirty="0" err="1" smtClean="0">
+                <a:latin typeface="华文楷体" panose="02010600040101010101" pitchFamily="2" charset="-122"/>
+                <a:ea typeface="华文楷体" panose="02010600040101010101" pitchFamily="2" charset="-122"/>
+              </a:rPr>
+              <a:t>mysqldump</a:t>
+            </a:r>
+            <a:r>
+              <a:rPr lang="en-US" altLang="zh-CN" sz="2400" dirty="0" smtClean="0">
+                <a:latin typeface="华文楷体" panose="02010600040101010101" pitchFamily="2" charset="-122"/>
+                <a:ea typeface="华文楷体" panose="02010600040101010101" pitchFamily="2" charset="-122"/>
+              </a:rPr>
+              <a:t> </a:t>
+            </a:r>
+            <a:r>
+              <a:rPr lang="en-US" altLang="zh-CN" sz="2400" dirty="0">
+                <a:latin typeface="华文楷体" panose="02010600040101010101" pitchFamily="2" charset="-122"/>
+                <a:ea typeface="华文楷体" panose="02010600040101010101" pitchFamily="2" charset="-122"/>
+              </a:rPr>
+              <a:t>-</a:t>
+            </a:r>
+            <a:r>
+              <a:rPr lang="en-US" altLang="zh-CN" sz="2400" dirty="0" err="1">
+                <a:latin typeface="华文楷体" panose="02010600040101010101" pitchFamily="2" charset="-122"/>
+                <a:ea typeface="华文楷体" panose="02010600040101010101" pitchFamily="2" charset="-122"/>
+              </a:rPr>
+              <a:t>uroot</a:t>
+            </a:r>
+            <a:r>
+              <a:rPr lang="en-US" altLang="zh-CN" sz="2400" dirty="0">
+                <a:latin typeface="华文楷体" panose="02010600040101010101" pitchFamily="2" charset="-122"/>
+                <a:ea typeface="华文楷体" panose="02010600040101010101" pitchFamily="2" charset="-122"/>
+              </a:rPr>
+              <a:t> -p --single-transaction --opt </a:t>
+            </a:r>
+            <a:r>
+              <a:rPr lang="en-US" altLang="zh-CN" sz="2400" dirty="0" err="1">
+                <a:latin typeface="华文楷体" panose="02010600040101010101" pitchFamily="2" charset="-122"/>
+                <a:ea typeface="华文楷体" panose="02010600040101010101" pitchFamily="2" charset="-122"/>
+              </a:rPr>
+              <a:t>prod_PHAPP</a:t>
+            </a:r>
+            <a:r>
+              <a:rPr lang="en-US" altLang="zh-CN" sz="2400" dirty="0">
+                <a:latin typeface="华文楷体" panose="02010600040101010101" pitchFamily="2" charset="-122"/>
+                <a:ea typeface="华文楷体" panose="02010600040101010101" pitchFamily="2" charset="-122"/>
+              </a:rPr>
+              <a:t>      --set-</a:t>
+            </a:r>
+            <a:r>
+              <a:rPr lang="en-US" altLang="zh-CN" sz="2400" dirty="0" err="1">
+                <a:latin typeface="华文楷体" panose="02010600040101010101" pitchFamily="2" charset="-122"/>
+                <a:ea typeface="华文楷体" panose="02010600040101010101" pitchFamily="2" charset="-122"/>
+              </a:rPr>
+              <a:t>gtid</a:t>
+            </a:r>
+            <a:r>
+              <a:rPr lang="en-US" altLang="zh-CN" sz="2400" dirty="0">
+                <a:latin typeface="华文楷体" panose="02010600040101010101" pitchFamily="2" charset="-122"/>
+                <a:ea typeface="华文楷体" panose="02010600040101010101" pitchFamily="2" charset="-122"/>
+              </a:rPr>
+              <a:t>-purged=OFF &gt; /</a:t>
+            </a:r>
+            <a:r>
+              <a:rPr lang="en-US" altLang="zh-CN" sz="2400" dirty="0" smtClean="0">
+                <a:latin typeface="华文楷体" panose="02010600040101010101" pitchFamily="2" charset="-122"/>
+                <a:ea typeface="华文楷体" panose="02010600040101010101" pitchFamily="2" charset="-122"/>
+              </a:rPr>
+              <a:t>disk4/</a:t>
+            </a:r>
+            <a:r>
+              <a:rPr lang="en-US" altLang="zh-CN" sz="2400" dirty="0" err="1" smtClean="0">
+                <a:latin typeface="华文楷体" panose="02010600040101010101" pitchFamily="2" charset="-122"/>
+                <a:ea typeface="华文楷体" panose="02010600040101010101" pitchFamily="2" charset="-122"/>
+              </a:rPr>
+              <a:t>backup_dump</a:t>
+            </a:r>
+            <a:r>
+              <a:rPr lang="en-US" altLang="zh-CN" sz="2400" dirty="0" smtClean="0">
+                <a:latin typeface="华文楷体" panose="02010600040101010101" pitchFamily="2" charset="-122"/>
+                <a:ea typeface="华文楷体" panose="02010600040101010101" pitchFamily="2" charset="-122"/>
+              </a:rPr>
+              <a:t>/prod_PHAPP201609291007bak.sql</a:t>
+            </a:r>
+          </a:p>
+          <a:p>
             <a:endParaRPr lang="en-US" altLang="zh-CN" sz="2400" dirty="0">
               <a:latin typeface="华文楷体" panose="02010600040101010101" pitchFamily="2" charset="-122"/>
               <a:ea typeface="华文楷体" panose="02010600040101010101" pitchFamily="2" charset="-122"/>
             </a:endParaRPr>
           </a:p>
           <a:p>
-            <a:endParaRPr lang="en-US" altLang="zh-CN" sz="3200" dirty="0">
+            <a:endParaRPr lang="en-US" altLang="zh-CN" sz="2400" dirty="0" smtClean="0">
+              <a:latin typeface="华文楷体" panose="02010600040101010101" pitchFamily="2" charset="-122"/>
+              <a:ea typeface="华文楷体" panose="02010600040101010101" pitchFamily="2" charset="-122"/>
+            </a:endParaRPr>
+          </a:p>
+          <a:p>
+            <a:r>
+              <a:rPr lang="en-US" altLang="zh-CN" sz="2400" dirty="0" err="1" smtClean="0">
+                <a:latin typeface="华文楷体" panose="02010600040101010101" pitchFamily="2" charset="-122"/>
+                <a:ea typeface="华文楷体" panose="02010600040101010101" pitchFamily="2" charset="-122"/>
+              </a:rPr>
+              <a:t>mysqldump</a:t>
+            </a:r>
+            <a:r>
+              <a:rPr lang="en-US" altLang="zh-CN" sz="2400" dirty="0" smtClean="0">
+                <a:latin typeface="华文楷体" panose="02010600040101010101" pitchFamily="2" charset="-122"/>
+                <a:ea typeface="华文楷体" panose="02010600040101010101" pitchFamily="2" charset="-122"/>
+              </a:rPr>
+              <a:t>  </a:t>
+            </a:r>
+            <a:r>
+              <a:rPr lang="en-US" altLang="zh-CN" sz="2400" dirty="0">
+                <a:latin typeface="华文楷体" panose="02010600040101010101" pitchFamily="2" charset="-122"/>
+                <a:ea typeface="华文楷体" panose="02010600040101010101" pitchFamily="2" charset="-122"/>
+              </a:rPr>
+              <a:t>-</a:t>
+            </a:r>
+            <a:r>
+              <a:rPr lang="en-US" altLang="zh-CN" sz="2400" dirty="0" err="1">
+                <a:latin typeface="华文楷体" panose="02010600040101010101" pitchFamily="2" charset="-122"/>
+                <a:ea typeface="华文楷体" panose="02010600040101010101" pitchFamily="2" charset="-122"/>
+              </a:rPr>
+              <a:t>uroot</a:t>
+            </a:r>
+            <a:r>
+              <a:rPr lang="en-US" altLang="zh-CN" sz="2400" dirty="0">
+                <a:latin typeface="华文楷体" panose="02010600040101010101" pitchFamily="2" charset="-122"/>
+                <a:ea typeface="华文楷体" panose="02010600040101010101" pitchFamily="2" charset="-122"/>
+              </a:rPr>
+              <a:t> -p --single-transaction --opt   --set-</a:t>
+            </a:r>
+            <a:r>
+              <a:rPr lang="en-US" altLang="zh-CN" sz="2400" dirty="0" err="1">
+                <a:latin typeface="华文楷体" panose="02010600040101010101" pitchFamily="2" charset="-122"/>
+                <a:ea typeface="华文楷体" panose="02010600040101010101" pitchFamily="2" charset="-122"/>
+              </a:rPr>
+              <a:t>gtid</a:t>
+            </a:r>
+            <a:r>
+              <a:rPr lang="en-US" altLang="zh-CN" sz="2400" dirty="0">
+                <a:latin typeface="华文楷体" panose="02010600040101010101" pitchFamily="2" charset="-122"/>
+                <a:ea typeface="华文楷体" panose="02010600040101010101" pitchFamily="2" charset="-122"/>
+              </a:rPr>
+              <a:t>-purged=OFF  --skip-add-drop-table    </a:t>
+            </a:r>
+            <a:r>
+              <a:rPr lang="en-US" altLang="zh-CN" sz="2400" dirty="0" err="1">
+                <a:latin typeface="华文楷体" panose="02010600040101010101" pitchFamily="2" charset="-122"/>
+                <a:ea typeface="华文楷体" panose="02010600040101010101" pitchFamily="2" charset="-122"/>
+              </a:rPr>
+              <a:t>nasdaq</a:t>
+            </a:r>
+            <a:r>
+              <a:rPr lang="en-US" altLang="zh-CN" sz="2400" dirty="0">
+                <a:latin typeface="华文楷体" panose="02010600040101010101" pitchFamily="2" charset="-122"/>
+                <a:ea typeface="华文楷体" panose="02010600040101010101" pitchFamily="2" charset="-122"/>
+              </a:rPr>
+              <a:t>  </a:t>
+            </a:r>
+            <a:r>
+              <a:rPr lang="en-US" altLang="zh-CN" sz="2400" dirty="0" err="1">
+                <a:latin typeface="华文楷体" panose="02010600040101010101" pitchFamily="2" charset="-122"/>
+                <a:ea typeface="华文楷体" panose="02010600040101010101" pitchFamily="2" charset="-122"/>
+              </a:rPr>
+              <a:t>h_transfer_record</a:t>
+            </a:r>
+            <a:r>
+              <a:rPr lang="en-US" altLang="zh-CN" sz="2400" dirty="0">
+                <a:latin typeface="华文楷体" panose="02010600040101010101" pitchFamily="2" charset="-122"/>
+                <a:ea typeface="华文楷体" panose="02010600040101010101" pitchFamily="2" charset="-122"/>
+              </a:rPr>
+              <a:t> </a:t>
+            </a:r>
+            <a:r>
+              <a:rPr lang="en-US" altLang="zh-CN" sz="2400" dirty="0" err="1">
+                <a:latin typeface="华文楷体" panose="02010600040101010101" pitchFamily="2" charset="-122"/>
+                <a:ea typeface="华文楷体" panose="02010600040101010101" pitchFamily="2" charset="-122"/>
+              </a:rPr>
+              <a:t>h_orders</a:t>
+            </a:r>
+            <a:r>
+              <a:rPr lang="en-US" altLang="zh-CN" sz="2400" dirty="0">
+                <a:latin typeface="华文楷体" panose="02010600040101010101" pitchFamily="2" charset="-122"/>
+                <a:ea typeface="华文楷体" panose="02010600040101010101" pitchFamily="2" charset="-122"/>
+              </a:rPr>
+              <a:t>  &gt; nasdaq_twotabs201607191317.sql</a:t>
+            </a:r>
+          </a:p>
+          <a:p>
+            <a:endParaRPr lang="en-US" altLang="zh-CN" sz="2400" dirty="0">
               <a:latin typeface="华文楷体" panose="02010600040101010101" pitchFamily="2" charset="-122"/>
               <a:ea typeface="华文楷体" panose="02010600040101010101" pitchFamily="2" charset="-122"/>
             </a:endParaRPr>
@@ -8390,7 +8570,7 @@
     </p:spTree>
     <p:extLst>
       <p:ext uri="{BB962C8B-B14F-4D97-AF65-F5344CB8AC3E}">
-        <p14:creationId xmlns:p14="http://schemas.microsoft.com/office/powerpoint/2010/main" val="1232291133"/>
+        <p14:creationId xmlns:p14="http://schemas.microsoft.com/office/powerpoint/2010/main" val="1129739817"/>
       </p:ext>
     </p:extLst>
   </p:cSld>
@@ -8505,6 +8685,310 @@
         </p:nvSpPr>
         <p:spPr>
           <a:xfrm>
+            <a:off x="610954" y="551405"/>
+            <a:ext cx="11449982" cy="6124754"/>
+          </a:xfrm>
+          <a:prstGeom prst="rect">
+            <a:avLst/>
+          </a:prstGeom>
+          <a:noFill/>
+        </p:spPr>
+        <p:txBody>
+          <a:bodyPr wrap="square" rtlCol="0">
+            <a:spAutoFit/>
+          </a:bodyPr>
+          <a:lstStyle/>
+          <a:p>
+            <a:r>
+              <a:rPr lang="zh-CN" altLang="en-US" sz="3200" dirty="0" smtClean="0">
+                <a:latin typeface="华文楷体" panose="02010600040101010101" pitchFamily="2" charset="-122"/>
+                <a:ea typeface="华文楷体" panose="02010600040101010101" pitchFamily="2" charset="-122"/>
+              </a:rPr>
+              <a:t>常用的工具集介绍</a:t>
+            </a:r>
+            <a:endParaRPr lang="en-US" altLang="zh-CN" sz="3200" dirty="0" smtClean="0">
+              <a:latin typeface="华文楷体" panose="02010600040101010101" pitchFamily="2" charset="-122"/>
+              <a:ea typeface="华文楷体" panose="02010600040101010101" pitchFamily="2" charset="-122"/>
+            </a:endParaRPr>
+          </a:p>
+          <a:p>
+            <a:r>
+              <a:rPr lang="zh-CN" altLang="en-US" sz="3200" dirty="0" smtClean="0">
+                <a:latin typeface="华文楷体" panose="02010600040101010101" pitchFamily="2" charset="-122"/>
+                <a:ea typeface="华文楷体" panose="02010600040101010101" pitchFamily="2" charset="-122"/>
+              </a:rPr>
+              <a:t>查看数据库历史操作记录命令：</a:t>
+            </a:r>
+            <a:endParaRPr lang="en-US" altLang="zh-CN" sz="3200" dirty="0" smtClean="0">
+              <a:latin typeface="华文楷体" panose="02010600040101010101" pitchFamily="2" charset="-122"/>
+              <a:ea typeface="华文楷体" panose="02010600040101010101" pitchFamily="2" charset="-122"/>
+            </a:endParaRPr>
+          </a:p>
+          <a:p>
+            <a:r>
+              <a:rPr lang="en-US" altLang="zh-CN" sz="3200" dirty="0" err="1">
+                <a:latin typeface="华文楷体" panose="02010600040101010101" pitchFamily="2" charset="-122"/>
+                <a:ea typeface="华文楷体" panose="02010600040101010101" pitchFamily="2" charset="-122"/>
+              </a:rPr>
+              <a:t>mysqlbinlog</a:t>
+            </a:r>
+            <a:endParaRPr lang="en-US" altLang="zh-CN" sz="3200" dirty="0">
+              <a:latin typeface="华文楷体" panose="02010600040101010101" pitchFamily="2" charset="-122"/>
+              <a:ea typeface="华文楷体" panose="02010600040101010101" pitchFamily="2" charset="-122"/>
+            </a:endParaRPr>
+          </a:p>
+          <a:p>
+            <a:r>
+              <a:rPr lang="en-US" altLang="zh-CN" sz="3200" dirty="0" smtClean="0">
+                <a:latin typeface="华文楷体" panose="02010600040101010101" pitchFamily="2" charset="-122"/>
+                <a:ea typeface="华文楷体" panose="02010600040101010101" pitchFamily="2" charset="-122"/>
+              </a:rPr>
+              <a:t> </a:t>
+            </a:r>
+            <a:endParaRPr lang="en-US" altLang="zh-CN" sz="2000" dirty="0">
+              <a:latin typeface="华文楷体" panose="02010600040101010101" pitchFamily="2" charset="-122"/>
+              <a:ea typeface="华文楷体" panose="02010600040101010101" pitchFamily="2" charset="-122"/>
+            </a:endParaRPr>
+          </a:p>
+          <a:p>
+            <a:r>
+              <a:rPr lang="en-US" altLang="zh-CN" sz="2400" dirty="0" err="1" smtClean="0"/>
+              <a:t>mysqlbinlog</a:t>
+            </a:r>
+            <a:r>
+              <a:rPr lang="en-US" altLang="zh-CN" sz="2400" dirty="0"/>
+              <a:t> --base64-output='decode-rows' -</a:t>
+            </a:r>
+            <a:r>
+              <a:rPr lang="en-US" altLang="zh-CN" sz="2400" dirty="0" err="1"/>
+              <a:t>vv</a:t>
+            </a:r>
+            <a:r>
+              <a:rPr lang="en-US" altLang="zh-CN" sz="2400" dirty="0"/>
+              <a:t> --start-</a:t>
+            </a:r>
+            <a:r>
+              <a:rPr lang="en-US" altLang="zh-CN" sz="2400" dirty="0" err="1"/>
+              <a:t>datetime</a:t>
+            </a:r>
+            <a:r>
+              <a:rPr lang="en-US" altLang="zh-CN" sz="2400" dirty="0"/>
+              <a:t>="2016-04-15 8:08:01" --stop-</a:t>
+            </a:r>
+            <a:r>
+              <a:rPr lang="en-US" altLang="zh-CN" sz="2400" dirty="0" err="1"/>
+              <a:t>datetime</a:t>
+            </a:r>
+            <a:r>
+              <a:rPr lang="en-US" altLang="zh-CN" sz="2400" dirty="0"/>
+              <a:t>="2016-04-15 10:15:32"  -d </a:t>
+            </a:r>
+            <a:r>
+              <a:rPr lang="en-US" altLang="zh-CN" sz="2400" dirty="0" err="1"/>
+              <a:t>dev_capital</a:t>
+            </a:r>
+            <a:r>
+              <a:rPr lang="en-US" altLang="zh-CN" sz="2400" dirty="0"/>
+              <a:t> /opt/</a:t>
+            </a:r>
+            <a:r>
+              <a:rPr lang="en-US" altLang="zh-CN" sz="2400" dirty="0" err="1"/>
+              <a:t>mysql</a:t>
+            </a:r>
+            <a:r>
+              <a:rPr lang="en-US" altLang="zh-CN" sz="2400" dirty="0"/>
+              <a:t>/data/mysql-bin.000553 &gt; /opt/</a:t>
+            </a:r>
+            <a:r>
+              <a:rPr lang="en-US" altLang="zh-CN" sz="2400" dirty="0" err="1"/>
+              <a:t>mysql</a:t>
+            </a:r>
+            <a:r>
+              <a:rPr lang="en-US" altLang="zh-CN" sz="2400" dirty="0"/>
+              <a:t>/data/3.txt</a:t>
+            </a:r>
+            <a:endParaRPr lang="en-US" altLang="zh-CN" sz="2400" dirty="0">
+              <a:latin typeface="华文楷体" panose="02010600040101010101" pitchFamily="2" charset="-122"/>
+              <a:ea typeface="华文楷体" panose="02010600040101010101" pitchFamily="2" charset="-122"/>
+            </a:endParaRPr>
+          </a:p>
+          <a:p>
+            <a:endParaRPr lang="en-US" altLang="zh-CN" sz="3200" dirty="0">
+              <a:latin typeface="华文楷体" panose="02010600040101010101" pitchFamily="2" charset="-122"/>
+              <a:ea typeface="华文楷体" panose="02010600040101010101" pitchFamily="2" charset="-122"/>
+            </a:endParaRPr>
+          </a:p>
+          <a:p>
+            <a:endParaRPr lang="en-US" altLang="zh-CN" sz="3200" dirty="0" smtClean="0">
+              <a:latin typeface="华文楷体" panose="02010600040101010101" pitchFamily="2" charset="-122"/>
+              <a:ea typeface="华文楷体" panose="02010600040101010101" pitchFamily="2" charset="-122"/>
+            </a:endParaRPr>
+          </a:p>
+          <a:p>
+            <a:r>
+              <a:rPr lang="en-US" altLang="zh-CN" sz="3200" dirty="0" smtClean="0">
+                <a:latin typeface="华文楷体" panose="02010600040101010101" pitchFamily="2" charset="-122"/>
+                <a:ea typeface="华文楷体" panose="02010600040101010101" pitchFamily="2" charset="-122"/>
+              </a:rPr>
+              <a:t>         </a:t>
+            </a:r>
+          </a:p>
+          <a:p>
+            <a:r>
+              <a:rPr lang="en-US" altLang="zh-CN" sz="3200" dirty="0">
+                <a:latin typeface="华文楷体" panose="02010600040101010101" pitchFamily="2" charset="-122"/>
+                <a:ea typeface="华文楷体" panose="02010600040101010101" pitchFamily="2" charset="-122"/>
+              </a:rPr>
+              <a:t> </a:t>
+            </a:r>
+            <a:r>
+              <a:rPr lang="en-US" altLang="zh-CN" sz="3200" dirty="0" smtClean="0">
+                <a:latin typeface="华文楷体" panose="02010600040101010101" pitchFamily="2" charset="-122"/>
+                <a:ea typeface="华文楷体" panose="02010600040101010101" pitchFamily="2" charset="-122"/>
+              </a:rPr>
+              <a:t>        </a:t>
+            </a:r>
+            <a:endParaRPr lang="en-US" altLang="zh-CN" sz="3200" dirty="0">
+              <a:latin typeface="华文楷体" panose="02010600040101010101" pitchFamily="2" charset="-122"/>
+              <a:ea typeface="华文楷体" panose="02010600040101010101" pitchFamily="2" charset="-122"/>
+            </a:endParaRPr>
+          </a:p>
+          <a:p>
+            <a:endParaRPr lang="en-US" altLang="zh-CN" sz="3200" dirty="0" smtClean="0">
+              <a:latin typeface="华文楷体" panose="02010600040101010101" pitchFamily="2" charset="-122"/>
+              <a:ea typeface="华文楷体" panose="02010600040101010101" pitchFamily="2" charset="-122"/>
+            </a:endParaRPr>
+          </a:p>
+          <a:p>
+            <a:pPr marL="685800" indent="-685800">
+              <a:buFont typeface="Wingdings" panose="05000000000000000000" pitchFamily="2" charset="2"/>
+              <a:buChar char="l"/>
+            </a:pPr>
+            <a:endParaRPr lang="en-US" altLang="zh-CN" sz="3200" dirty="0" smtClean="0">
+              <a:latin typeface="华文楷体" panose="02010600040101010101" pitchFamily="2" charset="-122"/>
+              <a:ea typeface="华文楷体" panose="02010600040101010101" pitchFamily="2" charset="-122"/>
+            </a:endParaRPr>
+          </a:p>
+        </p:txBody>
+      </p:sp>
+    </p:spTree>
+    <p:extLst>
+      <p:ext uri="{BB962C8B-B14F-4D97-AF65-F5344CB8AC3E}">
+        <p14:creationId xmlns:p14="http://schemas.microsoft.com/office/powerpoint/2010/main" val="1232291133"/>
+      </p:ext>
+    </p:extLst>
+  </p:cSld>
+  <p:clrMapOvr>
+    <a:masterClrMapping/>
+  </p:clrMapOvr>
+  <p:timing>
+    <p:tnLst>
+      <p:par>
+        <p:cTn id="1" dur="indefinite" restart="never" nodeType="tmRoot"/>
+      </p:par>
+    </p:tnLst>
+  </p:timing>
+</p:sld>
+</file>
+
+<file path=ppt/slides/slide14.xml><?xml version="1.0" encoding="utf-8"?>
+<p:sld xmlns:a="http://schemas.openxmlformats.org/drawingml/2006/main" xmlns:r="http://schemas.openxmlformats.org/officeDocument/2006/relationships" xmlns:p="http://schemas.openxmlformats.org/presentationml/2006/main">
+  <p:cSld>
+    <p:spTree>
+      <p:nvGrpSpPr>
+        <p:cNvPr id="1" name=""/>
+        <p:cNvGrpSpPr/>
+        <p:nvPr/>
+      </p:nvGrpSpPr>
+      <p:grpSpPr>
+        <a:xfrm>
+          <a:off x="0" y="0"/>
+          <a:ext cx="0" cy="0"/>
+          <a:chOff x="0" y="0"/>
+          <a:chExt cx="0" cy="0"/>
+        </a:xfrm>
+      </p:grpSpPr>
+      <p:sp>
+        <p:nvSpPr>
+          <p:cNvPr id="2" name="标题 1"/>
+          <p:cNvSpPr>
+            <a:spLocks noGrp="1"/>
+          </p:cNvSpPr>
+          <p:nvPr>
+            <p:ph type="ctrTitle"/>
+          </p:nvPr>
+        </p:nvSpPr>
+        <p:spPr/>
+        <p:txBody>
+          <a:bodyPr/>
+          <a:lstStyle/>
+          <a:p>
+            <a:endParaRPr lang="zh-CN" altLang="en-US"/>
+          </a:p>
+        </p:txBody>
+      </p:sp>
+      <p:sp>
+        <p:nvSpPr>
+          <p:cNvPr id="3" name="副标题 2"/>
+          <p:cNvSpPr>
+            <a:spLocks noGrp="1"/>
+          </p:cNvSpPr>
+          <p:nvPr>
+            <p:ph type="subTitle" idx="1"/>
+          </p:nvPr>
+        </p:nvSpPr>
+        <p:spPr>
+          <a:xfrm>
+            <a:off x="2692397" y="3840477"/>
+            <a:ext cx="6815669" cy="1320802"/>
+          </a:xfrm>
+        </p:spPr>
+        <p:txBody>
+          <a:bodyPr/>
+          <a:lstStyle/>
+          <a:p>
+            <a:endParaRPr lang="zh-CN" altLang="en-US"/>
+          </a:p>
+        </p:txBody>
+      </p:sp>
+      <p:pic>
+        <p:nvPicPr>
+          <p:cNvPr id="4" name="图片 3"/>
+          <p:cNvPicPr>
+            <a:picLocks noChangeAspect="1"/>
+          </p:cNvPicPr>
+          <p:nvPr/>
+        </p:nvPicPr>
+        <p:blipFill>
+          <a:blip r:embed="rId3">
+            <a:extLst>
+              <a:ext uri="{28A0092B-C50C-407E-A947-70E740481C1C}">
+                <a14:useLocalDpi xmlns:a14="http://schemas.microsoft.com/office/drawing/2010/main" val="0"/>
+              </a:ext>
+            </a:extLst>
+          </a:blip>
+          <a:stretch>
+            <a:fillRect/>
+          </a:stretch>
+        </p:blipFill>
+        <p:spPr>
+          <a:xfrm>
+            <a:off x="0" y="0"/>
+            <a:ext cx="12191999" cy="6858000"/>
+          </a:xfrm>
+          <a:prstGeom prst="rect">
+            <a:avLst/>
+          </a:prstGeom>
+        </p:spPr>
+      </p:pic>
+      <p:sp>
+        <p:nvSpPr>
+          <p:cNvPr id="5" name="文本框 4"/>
+          <p:cNvSpPr txBox="1"/>
+          <p:nvPr/>
+        </p:nvSpPr>
+        <p:spPr>
+          <a:xfrm>
             <a:off x="574378" y="548580"/>
             <a:ext cx="11449982" cy="7848302"/>
           </a:xfrm>
@@ -8801,7 +9285,7 @@
 </p:sld>
 </file>
 
-<file path=ppt/slides/slide14.xml><?xml version="1.0" encoding="utf-8"?>
+<file path=ppt/slides/slide15.xml><?xml version="1.0" encoding="utf-8"?>
 <p:sld xmlns:a="http://schemas.openxmlformats.org/drawingml/2006/main" xmlns:r="http://schemas.openxmlformats.org/officeDocument/2006/relationships" xmlns:p="http://schemas.openxmlformats.org/presentationml/2006/main">
   <p:cSld>
     <p:spTree>
@@ -11210,8 +11694,8 @@
         </p:nvSpPr>
         <p:spPr>
           <a:xfrm>
-            <a:off x="537802" y="551405"/>
-            <a:ext cx="11449982" cy="4154984"/>
+            <a:off x="510370" y="636964"/>
+            <a:ext cx="11449982" cy="3416320"/>
           </a:xfrm>
           <a:prstGeom prst="rect">
             <a:avLst/>
@@ -11225,30 +11709,25 @@
           <a:lstStyle/>
           <a:p>
             <a:r>
-              <a:rPr lang="zh-CN" altLang="en-US" sz="3200" dirty="0" smtClean="0">
-                <a:latin typeface="华文楷体" panose="02010600040101010101" pitchFamily="2" charset="-122"/>
-                <a:ea typeface="华文楷体" panose="02010600040101010101" pitchFamily="2" charset="-122"/>
-              </a:rPr>
-              <a:t>索引和字段选择性：</a:t>
-            </a:r>
-            <a:endParaRPr lang="en-US" altLang="zh-CN" sz="3200" dirty="0" smtClean="0">
-              <a:latin typeface="华文楷体" panose="02010600040101010101" pitchFamily="2" charset="-122"/>
-              <a:ea typeface="华文楷体" panose="02010600040101010101" pitchFamily="2" charset="-122"/>
-            </a:endParaRPr>
-          </a:p>
-          <a:p>
-            <a:endParaRPr lang="en-US" altLang="zh-CN" sz="3200" dirty="0" smtClean="0">
-              <a:latin typeface="华文楷体" panose="02010600040101010101" pitchFamily="2" charset="-122"/>
-              <a:ea typeface="华文楷体" panose="02010600040101010101" pitchFamily="2" charset="-122"/>
-            </a:endParaRPr>
-          </a:p>
-          <a:p>
-            <a:r>
               <a:rPr lang="zh-CN" altLang="en-US" sz="2400" dirty="0" smtClean="0">
                 <a:latin typeface="华文楷体" panose="02010600040101010101" pitchFamily="2" charset="-122"/>
                 <a:ea typeface="华文楷体" panose="02010600040101010101" pitchFamily="2" charset="-122"/>
               </a:rPr>
-              <a:t>选择性较差的字段通常不适合创建单列索引</a:t>
+              <a:t>怎样查看</a:t>
+            </a:r>
+            <a:r>
+              <a:rPr lang="en-US" altLang="zh-CN" sz="2400" dirty="0" err="1" smtClean="0">
+                <a:latin typeface="华文楷体" panose="02010600040101010101" pitchFamily="2" charset="-122"/>
+                <a:ea typeface="华文楷体" panose="02010600040101010101" pitchFamily="2" charset="-122"/>
+              </a:rPr>
+              <a:t>mysql</a:t>
+            </a:r>
+            <a:r>
+              <a:rPr lang="zh-CN" altLang="en-US" sz="2400" dirty="0" smtClean="0">
+                <a:latin typeface="华文楷体" panose="02010600040101010101" pitchFamily="2" charset="-122"/>
+                <a:ea typeface="华文楷体" panose="02010600040101010101" pitchFamily="2" charset="-122"/>
+              </a:rPr>
+              <a:t>的执行计划</a:t>
             </a:r>
             <a:endParaRPr lang="en-US" altLang="zh-CN" sz="2400" dirty="0" smtClean="0">
               <a:latin typeface="华文楷体" panose="02010600040101010101" pitchFamily="2" charset="-122"/>
@@ -11256,19 +11735,30 @@
             </a:endParaRPr>
           </a:p>
           <a:p>
+            <a:pPr marL="457200" indent="-457200">
+              <a:buFont typeface="+mj-lt"/>
+              <a:buAutoNum type="arabicPeriod"/>
+            </a:pPr>
+            <a:r>
+              <a:rPr lang="zh-CN" altLang="en-US" sz="2400" dirty="0" smtClean="0">
+                <a:latin typeface="华文楷体" panose="02010600040101010101" pitchFamily="2" charset="-122"/>
+                <a:ea typeface="华文楷体" panose="02010600040101010101" pitchFamily="2" charset="-122"/>
+              </a:rPr>
+              <a:t>最快捷的方法是使用</a:t>
+            </a:r>
+            <a:r>
+              <a:rPr lang="en-US" altLang="zh-CN" sz="2400" dirty="0" smtClean="0">
+                <a:latin typeface="华文楷体" panose="02010600040101010101" pitchFamily="2" charset="-122"/>
+                <a:ea typeface="华文楷体" panose="02010600040101010101" pitchFamily="2" charset="-122"/>
+              </a:rPr>
+              <a:t>explain</a:t>
+            </a:r>
             <a:endParaRPr lang="en-US" altLang="zh-CN" sz="2400" dirty="0">
               <a:latin typeface="华文楷体" panose="02010600040101010101" pitchFamily="2" charset="-122"/>
               <a:ea typeface="华文楷体" panose="02010600040101010101" pitchFamily="2" charset="-122"/>
             </a:endParaRPr>
           </a:p>
           <a:p>
-            <a:r>
-              <a:rPr lang="zh-CN" altLang="en-US" sz="2400" dirty="0" smtClean="0">
-                <a:latin typeface="华文楷体" panose="02010600040101010101" pitchFamily="2" charset="-122"/>
-                <a:ea typeface="华文楷体" panose="02010600040101010101" pitchFamily="2" charset="-122"/>
-              </a:rPr>
-              <a:t>联合索引中选择性较好的字段应该排在前面</a:t>
-            </a:r>
             <a:endParaRPr lang="en-US" altLang="zh-CN" sz="2400" dirty="0" smtClean="0">
               <a:latin typeface="华文楷体" panose="02010600040101010101" pitchFamily="2" charset="-122"/>
               <a:ea typeface="华文楷体" panose="02010600040101010101" pitchFamily="2" charset="-122"/>
@@ -11276,7 +11766,55 @@
           </a:p>
           <a:p>
             <a:r>
-              <a:rPr lang="en-US" altLang="zh-CN" sz="3200" dirty="0" smtClean="0">
+              <a:rPr lang="en-US" altLang="zh-CN" sz="2400" dirty="0" smtClean="0">
+                <a:latin typeface="华文楷体" panose="02010600040101010101" pitchFamily="2" charset="-122"/>
+                <a:ea typeface="华文楷体" panose="02010600040101010101" pitchFamily="2" charset="-122"/>
+              </a:rPr>
+              <a:t>2.    </a:t>
+            </a:r>
+            <a:r>
+              <a:rPr lang="zh-CN" altLang="en-US" sz="2400" dirty="0" smtClean="0">
+                <a:latin typeface="华文楷体" panose="02010600040101010101" pitchFamily="2" charset="-122"/>
+                <a:ea typeface="华文楷体" panose="02010600040101010101" pitchFamily="2" charset="-122"/>
+              </a:rPr>
+              <a:t>使用</a:t>
+            </a:r>
+            <a:r>
+              <a:rPr lang="en-US" altLang="zh-CN" sz="2400" dirty="0" err="1" smtClean="0">
+                <a:latin typeface="华文楷体" panose="02010600040101010101" pitchFamily="2" charset="-122"/>
+                <a:ea typeface="华文楷体" panose="02010600040101010101" pitchFamily="2" charset="-122"/>
+              </a:rPr>
+              <a:t>pt</a:t>
+            </a:r>
+            <a:r>
+              <a:rPr lang="en-US" altLang="zh-CN" sz="2400" dirty="0" smtClean="0">
+                <a:latin typeface="华文楷体" panose="02010600040101010101" pitchFamily="2" charset="-122"/>
+                <a:ea typeface="华文楷体" panose="02010600040101010101" pitchFamily="2" charset="-122"/>
+              </a:rPr>
+              <a:t>-query-digest</a:t>
+            </a:r>
+            <a:r>
+              <a:rPr lang="zh-CN" altLang="en-US" sz="2400" dirty="0" smtClean="0">
+                <a:latin typeface="华文楷体" panose="02010600040101010101" pitchFamily="2" charset="-122"/>
+                <a:ea typeface="华文楷体" panose="02010600040101010101" pitchFamily="2" charset="-122"/>
+              </a:rPr>
+              <a:t>进行分析</a:t>
+            </a:r>
+            <a:r>
+              <a:rPr lang="en-US" altLang="zh-CN" sz="2400" dirty="0" smtClean="0">
+                <a:latin typeface="华文楷体" panose="02010600040101010101" pitchFamily="2" charset="-122"/>
+                <a:ea typeface="华文楷体" panose="02010600040101010101" pitchFamily="2" charset="-122"/>
+              </a:rPr>
+              <a:t>         </a:t>
+            </a:r>
+            <a:endParaRPr lang="en-US" altLang="zh-CN" sz="2400" dirty="0">
+              <a:latin typeface="华文楷体" panose="02010600040101010101" pitchFamily="2" charset="-122"/>
+              <a:ea typeface="华文楷体" panose="02010600040101010101" pitchFamily="2" charset="-122"/>
+            </a:endParaRPr>
+          </a:p>
+          <a:p>
+            <a:r>
+              <a:rPr lang="en-US" altLang="zh-CN" sz="2400" dirty="0">
                 <a:latin typeface="华文楷体" panose="02010600040101010101" pitchFamily="2" charset="-122"/>
                 <a:ea typeface="华文楷体" panose="02010600040101010101" pitchFamily="2" charset="-122"/>
               </a:rPr>
@@ -11324,7 +11862,7 @@
     </p:spTree>
     <p:extLst>
       <p:ext uri="{BB962C8B-B14F-4D97-AF65-F5344CB8AC3E}">
-        <p14:creationId xmlns:p14="http://schemas.microsoft.com/office/powerpoint/2010/main" val="42122304"/>
+        <p14:creationId xmlns:p14="http://schemas.microsoft.com/office/powerpoint/2010/main" val="3378488070"/>
       </p:ext>
     </p:extLst>
   </p:cSld>
@@ -11439,8 +11977,8 @@
         </p:nvSpPr>
         <p:spPr>
           <a:xfrm>
-            <a:off x="610954" y="551405"/>
-            <a:ext cx="11449982" cy="3785652"/>
+            <a:off x="537802" y="551405"/>
+            <a:ext cx="11449982" cy="4154984"/>
           </a:xfrm>
           <a:prstGeom prst="rect">
             <a:avLst/>
@@ -11458,7 +11996,7 @@
                 <a:latin typeface="华文楷体" panose="02010600040101010101" pitchFamily="2" charset="-122"/>
                 <a:ea typeface="华文楷体" panose="02010600040101010101" pitchFamily="2" charset="-122"/>
               </a:rPr>
-              <a:t>如何建立高效索引：</a:t>
+              <a:t>索引和字段选择性：</a:t>
             </a:r>
             <a:endParaRPr lang="en-US" altLang="zh-CN" sz="3200" dirty="0" smtClean="0">
               <a:latin typeface="华文楷体" panose="02010600040101010101" pitchFamily="2" charset="-122"/>
@@ -11477,7 +12015,7 @@
                 <a:latin typeface="华文楷体" panose="02010600040101010101" pitchFamily="2" charset="-122"/>
                 <a:ea typeface="华文楷体" panose="02010600040101010101" pitchFamily="2" charset="-122"/>
               </a:rPr>
-              <a:t>使用已有索引的情况：</a:t>
+              <a:t>选择性较差的字段通常不适合创建单列索引</a:t>
             </a:r>
             <a:endParaRPr lang="en-US" altLang="zh-CN" sz="2400" dirty="0" smtClean="0">
               <a:latin typeface="华文楷体" panose="02010600040101010101" pitchFamily="2" charset="-122"/>
@@ -11486,6 +12024,19 @@
           </a:p>
           <a:p>
             <a:endParaRPr lang="en-US" altLang="zh-CN" sz="2400" dirty="0">
+              <a:latin typeface="华文楷体" panose="02010600040101010101" pitchFamily="2" charset="-122"/>
+              <a:ea typeface="华文楷体" panose="02010600040101010101" pitchFamily="2" charset="-122"/>
+            </a:endParaRPr>
+          </a:p>
+          <a:p>
+            <a:r>
+              <a:rPr lang="zh-CN" altLang="en-US" sz="2400" dirty="0" smtClean="0">
+                <a:latin typeface="华文楷体" panose="02010600040101010101" pitchFamily="2" charset="-122"/>
+                <a:ea typeface="华文楷体" panose="02010600040101010101" pitchFamily="2" charset="-122"/>
+              </a:rPr>
+              <a:t>联合索引中选择性较好的字段应该排在前面</a:t>
+            </a:r>
+            <a:endParaRPr lang="en-US" altLang="zh-CN" sz="2400" dirty="0" smtClean="0">
               <a:latin typeface="华文楷体" panose="02010600040101010101" pitchFamily="2" charset="-122"/>
               <a:ea typeface="华文楷体" panose="02010600040101010101" pitchFamily="2" charset="-122"/>
             </a:endParaRPr>
@@ -11540,7 +12091,7 @@
     </p:spTree>
     <p:extLst>
       <p:ext uri="{BB962C8B-B14F-4D97-AF65-F5344CB8AC3E}">
-        <p14:creationId xmlns:p14="http://schemas.microsoft.com/office/powerpoint/2010/main" val="2195252997"/>
+        <p14:creationId xmlns:p14="http://schemas.microsoft.com/office/powerpoint/2010/main" val="42122304"/>
       </p:ext>
     </p:extLst>
   </p:cSld>
@@ -11656,7 +12207,7 @@
         <p:spPr>
           <a:xfrm>
             <a:off x="610954" y="551405"/>
-            <a:ext cx="11449982" cy="7478970"/>
+            <a:ext cx="11449982" cy="3785652"/>
           </a:xfrm>
           <a:prstGeom prst="rect">
             <a:avLst/>
@@ -11693,7 +12244,7 @@
                 <a:latin typeface="华文楷体" panose="02010600040101010101" pitchFamily="2" charset="-122"/>
                 <a:ea typeface="华文楷体" panose="02010600040101010101" pitchFamily="2" charset="-122"/>
               </a:rPr>
-              <a:t>不使用已有索引的情况：</a:t>
+              <a:t>使用已有索引的情况：</a:t>
             </a:r>
             <a:endParaRPr lang="en-US" altLang="zh-CN" sz="2400" dirty="0" smtClean="0">
               <a:latin typeface="华文楷体" panose="02010600040101010101" pitchFamily="2" charset="-122"/>
@@ -11701,189 +12252,6 @@
             </a:endParaRPr>
           </a:p>
           <a:p>
-            <a:endParaRPr lang="en-US" altLang="zh-CN" sz="2400" dirty="0">
-              <a:latin typeface="华文楷体" panose="02010600040101010101" pitchFamily="2" charset="-122"/>
-              <a:ea typeface="华文楷体" panose="02010600040101010101" pitchFamily="2" charset="-122"/>
-            </a:endParaRPr>
-          </a:p>
-          <a:p>
-            <a:pPr marL="457200" indent="-457200">
-              <a:buFont typeface="+mj-lt"/>
-              <a:buAutoNum type="arabicPeriod"/>
-            </a:pPr>
-            <a:r>
-              <a:rPr lang="zh-CN" altLang="en-US" sz="2400" dirty="0" smtClean="0">
-                <a:latin typeface="华文楷体" panose="02010600040101010101" pitchFamily="2" charset="-122"/>
-                <a:ea typeface="华文楷体" panose="02010600040101010101" pitchFamily="2" charset="-122"/>
-              </a:rPr>
-              <a:t>索引列进行数学运算或者函数运算</a:t>
-            </a:r>
-            <a:endParaRPr lang="en-US" altLang="zh-CN" sz="2400" dirty="0" smtClean="0">
-              <a:latin typeface="华文楷体" panose="02010600040101010101" pitchFamily="2" charset="-122"/>
-              <a:ea typeface="华文楷体" panose="02010600040101010101" pitchFamily="2" charset="-122"/>
-            </a:endParaRPr>
-          </a:p>
-          <a:p>
-            <a:pPr marL="457200" indent="-457200">
-              <a:buFont typeface="+mj-lt"/>
-              <a:buAutoNum type="arabicPeriod"/>
-            </a:pPr>
-            <a:endParaRPr lang="en-US" altLang="zh-CN" sz="2400" dirty="0">
-              <a:latin typeface="华文楷体" panose="02010600040101010101" pitchFamily="2" charset="-122"/>
-              <a:ea typeface="华文楷体" panose="02010600040101010101" pitchFamily="2" charset="-122"/>
-            </a:endParaRPr>
-          </a:p>
-          <a:p>
-            <a:pPr marL="457200" indent="-457200">
-              <a:buFont typeface="+mj-lt"/>
-              <a:buAutoNum type="arabicPeriod"/>
-            </a:pPr>
-            <a:r>
-              <a:rPr lang="zh-CN" altLang="en-US" sz="2400" dirty="0" smtClean="0">
-                <a:latin typeface="华文楷体" panose="02010600040101010101" pitchFamily="2" charset="-122"/>
-                <a:ea typeface="华文楷体" panose="02010600040101010101" pitchFamily="2" charset="-122"/>
-              </a:rPr>
-              <a:t>未包含复合索引的前缀字段</a:t>
-            </a:r>
-            <a:endParaRPr lang="en-US" altLang="zh-CN" sz="2400" dirty="0" smtClean="0">
-              <a:latin typeface="华文楷体" panose="02010600040101010101" pitchFamily="2" charset="-122"/>
-              <a:ea typeface="华文楷体" panose="02010600040101010101" pitchFamily="2" charset="-122"/>
-            </a:endParaRPr>
-          </a:p>
-          <a:p>
-            <a:pPr marL="457200" indent="-457200">
-              <a:buFont typeface="+mj-lt"/>
-              <a:buAutoNum type="arabicPeriod"/>
-            </a:pPr>
-            <a:endParaRPr lang="en-US" altLang="zh-CN" sz="2400" dirty="0">
-              <a:latin typeface="华文楷体" panose="02010600040101010101" pitchFamily="2" charset="-122"/>
-              <a:ea typeface="华文楷体" panose="02010600040101010101" pitchFamily="2" charset="-122"/>
-            </a:endParaRPr>
-          </a:p>
-          <a:p>
-            <a:pPr marL="457200" indent="-457200">
-              <a:buFont typeface="+mj-lt"/>
-              <a:buAutoNum type="arabicPeriod"/>
-            </a:pPr>
-            <a:r>
-              <a:rPr lang="zh-CN" altLang="en-US" sz="2400" dirty="0">
-                <a:latin typeface="华文楷体" panose="02010600040101010101" pitchFamily="2" charset="-122"/>
-                <a:ea typeface="华文楷体" panose="02010600040101010101" pitchFamily="2" charset="-122"/>
-              </a:rPr>
-              <a:t>通</a:t>
-            </a:r>
-            <a:r>
-              <a:rPr lang="zh-CN" altLang="en-US" sz="2400" dirty="0" smtClean="0">
-                <a:latin typeface="华文楷体" panose="02010600040101010101" pitchFamily="2" charset="-122"/>
-                <a:ea typeface="华文楷体" panose="02010600040101010101" pitchFamily="2" charset="-122"/>
-              </a:rPr>
-              <a:t>配匹配</a:t>
-            </a:r>
-            <a:endParaRPr lang="en-US" altLang="zh-CN" sz="2400" dirty="0" smtClean="0">
-              <a:latin typeface="华文楷体" panose="02010600040101010101" pitchFamily="2" charset="-122"/>
-              <a:ea typeface="华文楷体" panose="02010600040101010101" pitchFamily="2" charset="-122"/>
-            </a:endParaRPr>
-          </a:p>
-          <a:p>
-            <a:pPr marL="457200" indent="-457200">
-              <a:buFont typeface="+mj-lt"/>
-              <a:buAutoNum type="arabicPeriod"/>
-            </a:pPr>
-            <a:endParaRPr lang="en-US" altLang="zh-CN" sz="2400" dirty="0">
-              <a:latin typeface="华文楷体" panose="02010600040101010101" pitchFamily="2" charset="-122"/>
-              <a:ea typeface="华文楷体" panose="02010600040101010101" pitchFamily="2" charset="-122"/>
-            </a:endParaRPr>
-          </a:p>
-          <a:p>
-            <a:pPr marL="457200" indent="-457200">
-              <a:buFont typeface="+mj-lt"/>
-              <a:buAutoNum type="arabicPeriod"/>
-            </a:pPr>
-            <a:r>
-              <a:rPr lang="en-US" altLang="zh-CN" sz="2400" dirty="0" smtClean="0">
-                <a:latin typeface="华文楷体" panose="02010600040101010101" pitchFamily="2" charset="-122"/>
-                <a:ea typeface="华文楷体" panose="02010600040101010101" pitchFamily="2" charset="-122"/>
-              </a:rPr>
-              <a:t>Where</a:t>
-            </a:r>
-            <a:r>
-              <a:rPr lang="zh-CN" altLang="en-US" sz="2400" dirty="0" smtClean="0">
-                <a:latin typeface="华文楷体" panose="02010600040101010101" pitchFamily="2" charset="-122"/>
-                <a:ea typeface="华文楷体" panose="02010600040101010101" pitchFamily="2" charset="-122"/>
-              </a:rPr>
-              <a:t>条件使用</a:t>
-            </a:r>
-            <a:r>
-              <a:rPr lang="en-US" altLang="zh-CN" sz="2400" dirty="0" smtClean="0">
-                <a:latin typeface="华文楷体" panose="02010600040101010101" pitchFamily="2" charset="-122"/>
-                <a:ea typeface="华文楷体" panose="02010600040101010101" pitchFamily="2" charset="-122"/>
-              </a:rPr>
-              <a:t>not </a:t>
-            </a:r>
-            <a:r>
-              <a:rPr lang="zh-CN" altLang="en-US" sz="2400" dirty="0" smtClean="0">
-                <a:latin typeface="华文楷体" panose="02010600040101010101" pitchFamily="2" charset="-122"/>
-                <a:ea typeface="华文楷体" panose="02010600040101010101" pitchFamily="2" charset="-122"/>
-              </a:rPr>
-              <a:t>，</a:t>
-            </a:r>
-            <a:r>
-              <a:rPr lang="en-US" altLang="zh-CN" sz="2400" dirty="0" smtClean="0">
-                <a:latin typeface="华文楷体" panose="02010600040101010101" pitchFamily="2" charset="-122"/>
-                <a:ea typeface="华文楷体" panose="02010600040101010101" pitchFamily="2" charset="-122"/>
-              </a:rPr>
-              <a:t>&lt;&gt;,!=</a:t>
-            </a:r>
-          </a:p>
-          <a:p>
-            <a:pPr marL="457200" indent="-457200">
-              <a:buFont typeface="+mj-lt"/>
-              <a:buAutoNum type="arabicPeriod"/>
-            </a:pPr>
-            <a:endParaRPr lang="en-US" altLang="zh-CN" sz="2400" dirty="0">
-              <a:latin typeface="华文楷体" panose="02010600040101010101" pitchFamily="2" charset="-122"/>
-              <a:ea typeface="华文楷体" panose="02010600040101010101" pitchFamily="2" charset="-122"/>
-            </a:endParaRPr>
-          </a:p>
-          <a:p>
-            <a:pPr marL="457200" indent="-457200">
-              <a:buFont typeface="+mj-lt"/>
-              <a:buAutoNum type="arabicPeriod"/>
-            </a:pPr>
-            <a:r>
-              <a:rPr lang="zh-CN" altLang="en-US" sz="2400" dirty="0" smtClean="0">
-                <a:latin typeface="华文楷体" panose="02010600040101010101" pitchFamily="2" charset="-122"/>
-                <a:ea typeface="华文楷体" panose="02010600040101010101" pitchFamily="2" charset="-122"/>
-              </a:rPr>
-              <a:t>字段类型匹配，隐式转换</a:t>
-            </a:r>
-            <a:endParaRPr lang="en-US" altLang="zh-CN" sz="2400" dirty="0" smtClean="0">
-              <a:latin typeface="华文楷体" panose="02010600040101010101" pitchFamily="2" charset="-122"/>
-              <a:ea typeface="华文楷体" panose="02010600040101010101" pitchFamily="2" charset="-122"/>
-            </a:endParaRPr>
-          </a:p>
-          <a:p>
-            <a:r>
-              <a:rPr lang="en-US" altLang="zh-CN" sz="2400" dirty="0" smtClean="0">
-                <a:latin typeface="华文楷体" panose="02010600040101010101" pitchFamily="2" charset="-122"/>
-                <a:ea typeface="华文楷体" panose="02010600040101010101" pitchFamily="2" charset="-122"/>
-              </a:rPr>
-              <a:t>        </a:t>
-            </a:r>
-            <a:r>
-              <a:rPr lang="en-US" altLang="zh-CN" sz="2400" dirty="0" err="1" smtClean="0">
-                <a:latin typeface="华文楷体" panose="02010600040101010101" pitchFamily="2" charset="-122"/>
-                <a:ea typeface="华文楷体" panose="02010600040101010101" pitchFamily="2" charset="-122"/>
-              </a:rPr>
-              <a:t>jdbc</a:t>
-            </a:r>
-            <a:r>
-              <a:rPr lang="zh-CN" altLang="en-US" sz="2400" dirty="0" smtClean="0">
-                <a:latin typeface="华文楷体" panose="02010600040101010101" pitchFamily="2" charset="-122"/>
-                <a:ea typeface="华文楷体" panose="02010600040101010101" pitchFamily="2" charset="-122"/>
-              </a:rPr>
-              <a:t>中对变量类型的设置</a:t>
-            </a:r>
             <a:endParaRPr lang="en-US" altLang="zh-CN" sz="2400" dirty="0">
               <a:latin typeface="华文楷体" panose="02010600040101010101" pitchFamily="2" charset="-122"/>
               <a:ea typeface="华文楷体" panose="02010600040101010101" pitchFamily="2" charset="-122"/>
@@ -11939,7 +12307,7 @@
     </p:spTree>
     <p:extLst>
       <p:ext uri="{BB962C8B-B14F-4D97-AF65-F5344CB8AC3E}">
-        <p14:creationId xmlns:p14="http://schemas.microsoft.com/office/powerpoint/2010/main" val="197839036"/>
+        <p14:creationId xmlns:p14="http://schemas.microsoft.com/office/powerpoint/2010/main" val="2195252997"/>
       </p:ext>
     </p:extLst>
   </p:cSld>

--- a/数据库演示.pptx
+++ b/数据库演示.pptx
@@ -5,7 +5,7 @@
     <p:sldMasterId id="2147483724" r:id="rId1"/>
   </p:sldMasterIdLst>
   <p:notesMasterIdLst>
-    <p:notesMasterId r:id="rId17"/>
+    <p:notesMasterId r:id="rId20"/>
   </p:notesMasterIdLst>
   <p:sldIdLst>
     <p:sldId id="256" r:id="rId2"/>
@@ -23,6 +23,9 @@
     <p:sldId id="265" r:id="rId14"/>
     <p:sldId id="266" r:id="rId15"/>
     <p:sldId id="267" r:id="rId16"/>
+    <p:sldId id="271" r:id="rId17"/>
+    <p:sldId id="272" r:id="rId18"/>
+    <p:sldId id="273" r:id="rId19"/>
   </p:sldIdLst>
   <p:sldSz cx="12192000" cy="6858000"/>
   <p:notesSz cx="6858000" cy="9144000"/>
@@ -974,6 +977,258 @@
     <p:extLst>
       <p:ext uri="{BB962C8B-B14F-4D97-AF65-F5344CB8AC3E}">
         <p14:creationId xmlns:p14="http://schemas.microsoft.com/office/powerpoint/2010/main" val="3306419338"/>
+      </p:ext>
+    </p:extLst>
+  </p:cSld>
+  <p:clrMapOvr>
+    <a:masterClrMapping/>
+  </p:clrMapOvr>
+</p:notes>
+</file>
+
+<file path=ppt/notesSlides/notesSlide15.xml><?xml version="1.0" encoding="utf-8"?>
+<p:notes xmlns:a="http://schemas.openxmlformats.org/drawingml/2006/main" xmlns:r="http://schemas.openxmlformats.org/officeDocument/2006/relationships" xmlns:p="http://schemas.openxmlformats.org/presentationml/2006/main">
+  <p:cSld>
+    <p:spTree>
+      <p:nvGrpSpPr>
+        <p:cNvPr id="1" name=""/>
+        <p:cNvGrpSpPr/>
+        <p:nvPr/>
+      </p:nvGrpSpPr>
+      <p:grpSpPr>
+        <a:xfrm>
+          <a:off x="0" y="0"/>
+          <a:ext cx="0" cy="0"/>
+          <a:chOff x="0" y="0"/>
+          <a:chExt cx="0" cy="0"/>
+        </a:xfrm>
+      </p:grpSpPr>
+      <p:sp>
+        <p:nvSpPr>
+          <p:cNvPr id="2" name="幻灯片图像占位符 1"/>
+          <p:cNvSpPr>
+            <a:spLocks noGrp="1" noRot="1" noChangeAspect="1"/>
+          </p:cNvSpPr>
+          <p:nvPr>
+            <p:ph type="sldImg"/>
+          </p:nvPr>
+        </p:nvSpPr>
+        <p:spPr/>
+      </p:sp>
+      <p:sp>
+        <p:nvSpPr>
+          <p:cNvPr id="3" name="备注占位符 2"/>
+          <p:cNvSpPr>
+            <a:spLocks noGrp="1"/>
+          </p:cNvSpPr>
+          <p:nvPr>
+            <p:ph type="body" idx="1"/>
+          </p:nvPr>
+        </p:nvSpPr>
+        <p:spPr/>
+        <p:txBody>
+          <a:bodyPr/>
+          <a:lstStyle/>
+          <a:p>
+            <a:endParaRPr lang="zh-CN" altLang="en-US"/>
+          </a:p>
+        </p:txBody>
+      </p:sp>
+      <p:sp>
+        <p:nvSpPr>
+          <p:cNvPr id="4" name="灯片编号占位符 3"/>
+          <p:cNvSpPr>
+            <a:spLocks noGrp="1"/>
+          </p:cNvSpPr>
+          <p:nvPr>
+            <p:ph type="sldNum" sz="quarter" idx="10"/>
+          </p:nvPr>
+        </p:nvSpPr>
+        <p:spPr/>
+        <p:txBody>
+          <a:bodyPr/>
+          <a:lstStyle/>
+          <a:p>
+            <a:fld id="{4381ABC3-B330-4E97-8F0E-DDDF5440CD1F}" type="slidenum">
+              <a:rPr lang="zh-CN" altLang="en-US" smtClean="0"/>
+              <a:t>16</a:t>
+            </a:fld>
+            <a:endParaRPr lang="zh-CN" altLang="en-US"/>
+          </a:p>
+        </p:txBody>
+      </p:sp>
+    </p:spTree>
+    <p:extLst>
+      <p:ext uri="{BB962C8B-B14F-4D97-AF65-F5344CB8AC3E}">
+        <p14:creationId xmlns:p14="http://schemas.microsoft.com/office/powerpoint/2010/main" val="2678840898"/>
+      </p:ext>
+    </p:extLst>
+  </p:cSld>
+  <p:clrMapOvr>
+    <a:masterClrMapping/>
+  </p:clrMapOvr>
+</p:notes>
+</file>
+
+<file path=ppt/notesSlides/notesSlide16.xml><?xml version="1.0" encoding="utf-8"?>
+<p:notes xmlns:a="http://schemas.openxmlformats.org/drawingml/2006/main" xmlns:r="http://schemas.openxmlformats.org/officeDocument/2006/relationships" xmlns:p="http://schemas.openxmlformats.org/presentationml/2006/main">
+  <p:cSld>
+    <p:spTree>
+      <p:nvGrpSpPr>
+        <p:cNvPr id="1" name=""/>
+        <p:cNvGrpSpPr/>
+        <p:nvPr/>
+      </p:nvGrpSpPr>
+      <p:grpSpPr>
+        <a:xfrm>
+          <a:off x="0" y="0"/>
+          <a:ext cx="0" cy="0"/>
+          <a:chOff x="0" y="0"/>
+          <a:chExt cx="0" cy="0"/>
+        </a:xfrm>
+      </p:grpSpPr>
+      <p:sp>
+        <p:nvSpPr>
+          <p:cNvPr id="2" name="幻灯片图像占位符 1"/>
+          <p:cNvSpPr>
+            <a:spLocks noGrp="1" noRot="1" noChangeAspect="1"/>
+          </p:cNvSpPr>
+          <p:nvPr>
+            <p:ph type="sldImg"/>
+          </p:nvPr>
+        </p:nvSpPr>
+        <p:spPr/>
+      </p:sp>
+      <p:sp>
+        <p:nvSpPr>
+          <p:cNvPr id="3" name="备注占位符 2"/>
+          <p:cNvSpPr>
+            <a:spLocks noGrp="1"/>
+          </p:cNvSpPr>
+          <p:nvPr>
+            <p:ph type="body" idx="1"/>
+          </p:nvPr>
+        </p:nvSpPr>
+        <p:spPr/>
+        <p:txBody>
+          <a:bodyPr/>
+          <a:lstStyle/>
+          <a:p>
+            <a:endParaRPr lang="zh-CN" altLang="en-US"/>
+          </a:p>
+        </p:txBody>
+      </p:sp>
+      <p:sp>
+        <p:nvSpPr>
+          <p:cNvPr id="4" name="灯片编号占位符 3"/>
+          <p:cNvSpPr>
+            <a:spLocks noGrp="1"/>
+          </p:cNvSpPr>
+          <p:nvPr>
+            <p:ph type="sldNum" sz="quarter" idx="10"/>
+          </p:nvPr>
+        </p:nvSpPr>
+        <p:spPr/>
+        <p:txBody>
+          <a:bodyPr/>
+          <a:lstStyle/>
+          <a:p>
+            <a:fld id="{4381ABC3-B330-4E97-8F0E-DDDF5440CD1F}" type="slidenum">
+              <a:rPr lang="zh-CN" altLang="en-US" smtClean="0"/>
+              <a:t>17</a:t>
+            </a:fld>
+            <a:endParaRPr lang="zh-CN" altLang="en-US"/>
+          </a:p>
+        </p:txBody>
+      </p:sp>
+    </p:spTree>
+    <p:extLst>
+      <p:ext uri="{BB962C8B-B14F-4D97-AF65-F5344CB8AC3E}">
+        <p14:creationId xmlns:p14="http://schemas.microsoft.com/office/powerpoint/2010/main" val="684197743"/>
+      </p:ext>
+    </p:extLst>
+  </p:cSld>
+  <p:clrMapOvr>
+    <a:masterClrMapping/>
+  </p:clrMapOvr>
+</p:notes>
+</file>
+
+<file path=ppt/notesSlides/notesSlide17.xml><?xml version="1.0" encoding="utf-8"?>
+<p:notes xmlns:a="http://schemas.openxmlformats.org/drawingml/2006/main" xmlns:r="http://schemas.openxmlformats.org/officeDocument/2006/relationships" xmlns:p="http://schemas.openxmlformats.org/presentationml/2006/main">
+  <p:cSld>
+    <p:spTree>
+      <p:nvGrpSpPr>
+        <p:cNvPr id="1" name=""/>
+        <p:cNvGrpSpPr/>
+        <p:nvPr/>
+      </p:nvGrpSpPr>
+      <p:grpSpPr>
+        <a:xfrm>
+          <a:off x="0" y="0"/>
+          <a:ext cx="0" cy="0"/>
+          <a:chOff x="0" y="0"/>
+          <a:chExt cx="0" cy="0"/>
+        </a:xfrm>
+      </p:grpSpPr>
+      <p:sp>
+        <p:nvSpPr>
+          <p:cNvPr id="2" name="幻灯片图像占位符 1"/>
+          <p:cNvSpPr>
+            <a:spLocks noGrp="1" noRot="1" noChangeAspect="1"/>
+          </p:cNvSpPr>
+          <p:nvPr>
+            <p:ph type="sldImg"/>
+          </p:nvPr>
+        </p:nvSpPr>
+        <p:spPr/>
+      </p:sp>
+      <p:sp>
+        <p:nvSpPr>
+          <p:cNvPr id="3" name="备注占位符 2"/>
+          <p:cNvSpPr>
+            <a:spLocks noGrp="1"/>
+          </p:cNvSpPr>
+          <p:nvPr>
+            <p:ph type="body" idx="1"/>
+          </p:nvPr>
+        </p:nvSpPr>
+        <p:spPr/>
+        <p:txBody>
+          <a:bodyPr/>
+          <a:lstStyle/>
+          <a:p>
+            <a:endParaRPr lang="zh-CN" altLang="en-US"/>
+          </a:p>
+        </p:txBody>
+      </p:sp>
+      <p:sp>
+        <p:nvSpPr>
+          <p:cNvPr id="4" name="灯片编号占位符 3"/>
+          <p:cNvSpPr>
+            <a:spLocks noGrp="1"/>
+          </p:cNvSpPr>
+          <p:nvPr>
+            <p:ph type="sldNum" sz="quarter" idx="10"/>
+          </p:nvPr>
+        </p:nvSpPr>
+        <p:spPr/>
+        <p:txBody>
+          <a:bodyPr/>
+          <a:lstStyle/>
+          <a:p>
+            <a:fld id="{4381ABC3-B330-4E97-8F0E-DDDF5440CD1F}" type="slidenum">
+              <a:rPr lang="zh-CN" altLang="en-US" smtClean="0"/>
+              <a:t>18</a:t>
+            </a:fld>
+            <a:endParaRPr lang="zh-CN" altLang="en-US"/>
+          </a:p>
+        </p:txBody>
+      </p:sp>
+    </p:spTree>
+    <p:extLst>
+      <p:ext uri="{BB962C8B-B14F-4D97-AF65-F5344CB8AC3E}">
+        <p14:creationId xmlns:p14="http://schemas.microsoft.com/office/powerpoint/2010/main" val="3126011890"/>
       </p:ext>
     </p:extLst>
   </p:cSld>
@@ -9520,6 +9775,2369 @@
     <p:extLst>
       <p:ext uri="{BB962C8B-B14F-4D97-AF65-F5344CB8AC3E}">
         <p14:creationId xmlns:p14="http://schemas.microsoft.com/office/powerpoint/2010/main" val="1416663073"/>
+      </p:ext>
+    </p:extLst>
+  </p:cSld>
+  <p:clrMapOvr>
+    <a:masterClrMapping/>
+  </p:clrMapOvr>
+  <p:timing>
+    <p:tnLst>
+      <p:par>
+        <p:cTn id="1" dur="indefinite" restart="never" nodeType="tmRoot"/>
+      </p:par>
+    </p:tnLst>
+  </p:timing>
+</p:sld>
+</file>
+
+<file path=ppt/slides/slide16.xml><?xml version="1.0" encoding="utf-8"?>
+<p:sld xmlns:a="http://schemas.openxmlformats.org/drawingml/2006/main" xmlns:r="http://schemas.openxmlformats.org/officeDocument/2006/relationships" xmlns:p="http://schemas.openxmlformats.org/presentationml/2006/main">
+  <p:cSld>
+    <p:spTree>
+      <p:nvGrpSpPr>
+        <p:cNvPr id="1" name=""/>
+        <p:cNvGrpSpPr/>
+        <p:nvPr/>
+      </p:nvGrpSpPr>
+      <p:grpSpPr>
+        <a:xfrm>
+          <a:off x="0" y="0"/>
+          <a:ext cx="0" cy="0"/>
+          <a:chOff x="0" y="0"/>
+          <a:chExt cx="0" cy="0"/>
+        </a:xfrm>
+      </p:grpSpPr>
+      <p:sp>
+        <p:nvSpPr>
+          <p:cNvPr id="2" name="标题 1"/>
+          <p:cNvSpPr>
+            <a:spLocks noGrp="1"/>
+          </p:cNvSpPr>
+          <p:nvPr>
+            <p:ph type="ctrTitle"/>
+          </p:nvPr>
+        </p:nvSpPr>
+        <p:spPr/>
+        <p:txBody>
+          <a:bodyPr/>
+          <a:lstStyle/>
+          <a:p>
+            <a:endParaRPr lang="zh-CN" altLang="en-US"/>
+          </a:p>
+        </p:txBody>
+      </p:sp>
+      <p:sp>
+        <p:nvSpPr>
+          <p:cNvPr id="3" name="副标题 2"/>
+          <p:cNvSpPr>
+            <a:spLocks noGrp="1"/>
+          </p:cNvSpPr>
+          <p:nvPr>
+            <p:ph type="subTitle" idx="1"/>
+          </p:nvPr>
+        </p:nvSpPr>
+        <p:spPr>
+          <a:xfrm>
+            <a:off x="2692397" y="3840477"/>
+            <a:ext cx="6815669" cy="1320802"/>
+          </a:xfrm>
+        </p:spPr>
+        <p:txBody>
+          <a:bodyPr/>
+          <a:lstStyle/>
+          <a:p>
+            <a:endParaRPr lang="zh-CN" altLang="en-US"/>
+          </a:p>
+        </p:txBody>
+      </p:sp>
+      <p:pic>
+        <p:nvPicPr>
+          <p:cNvPr id="4" name="图片 3"/>
+          <p:cNvPicPr>
+            <a:picLocks noChangeAspect="1"/>
+          </p:cNvPicPr>
+          <p:nvPr/>
+        </p:nvPicPr>
+        <p:blipFill>
+          <a:blip r:embed="rId3">
+            <a:extLst>
+              <a:ext uri="{28A0092B-C50C-407E-A947-70E740481C1C}">
+                <a14:useLocalDpi xmlns:a14="http://schemas.microsoft.com/office/drawing/2010/main" val="0"/>
+              </a:ext>
+            </a:extLst>
+          </a:blip>
+          <a:stretch>
+            <a:fillRect/>
+          </a:stretch>
+        </p:blipFill>
+        <p:spPr>
+          <a:xfrm>
+            <a:off x="0" y="0"/>
+            <a:ext cx="12191999" cy="6858000"/>
+          </a:xfrm>
+          <a:prstGeom prst="rect">
+            <a:avLst/>
+          </a:prstGeom>
+        </p:spPr>
+      </p:pic>
+      <p:sp>
+        <p:nvSpPr>
+          <p:cNvPr id="5" name="文本框 4"/>
+          <p:cNvSpPr txBox="1"/>
+          <p:nvPr/>
+        </p:nvSpPr>
+        <p:spPr>
+          <a:xfrm>
+            <a:off x="610954" y="551405"/>
+            <a:ext cx="11449982" cy="6309420"/>
+          </a:xfrm>
+          <a:prstGeom prst="rect">
+            <a:avLst/>
+          </a:prstGeom>
+          <a:noFill/>
+        </p:spPr>
+        <p:txBody>
+          <a:bodyPr wrap="square" rtlCol="0">
+            <a:spAutoFit/>
+          </a:bodyPr>
+          <a:lstStyle/>
+          <a:p>
+            <a:r>
+              <a:rPr lang="en-US" altLang="zh-CN" sz="3200" dirty="0" err="1" smtClean="0">
+                <a:latin typeface="华文楷体" panose="02010600040101010101" pitchFamily="2" charset="-122"/>
+                <a:ea typeface="华文楷体" panose="02010600040101010101" pitchFamily="2" charset="-122"/>
+              </a:rPr>
+              <a:t>Mysql</a:t>
+            </a:r>
+            <a:r>
+              <a:rPr lang="zh-CN" altLang="en-US" sz="3200" dirty="0" smtClean="0">
+                <a:latin typeface="华文楷体" panose="02010600040101010101" pitchFamily="2" charset="-122"/>
+                <a:ea typeface="华文楷体" panose="02010600040101010101" pitchFamily="2" charset="-122"/>
+              </a:rPr>
+              <a:t>主从同步</a:t>
+            </a:r>
+            <a:endParaRPr lang="en-US" altLang="zh-CN" sz="3200" dirty="0" smtClean="0">
+              <a:latin typeface="华文楷体" panose="02010600040101010101" pitchFamily="2" charset="-122"/>
+              <a:ea typeface="华文楷体" panose="02010600040101010101" pitchFamily="2" charset="-122"/>
+            </a:endParaRPr>
+          </a:p>
+          <a:p>
+            <a:r>
+              <a:rPr lang="zh-CN" altLang="en-US" sz="3200" dirty="0" smtClean="0">
+                <a:latin typeface="华文楷体" panose="02010600040101010101" pitchFamily="2" charset="-122"/>
+                <a:ea typeface="华文楷体" panose="02010600040101010101" pitchFamily="2" charset="-122"/>
+              </a:rPr>
+              <a:t>如何判断</a:t>
+            </a:r>
+            <a:r>
+              <a:rPr lang="en-US" altLang="zh-CN" sz="3200" dirty="0" err="1" smtClean="0">
+                <a:latin typeface="华文楷体" panose="02010600040101010101" pitchFamily="2" charset="-122"/>
+                <a:ea typeface="华文楷体" panose="02010600040101010101" pitchFamily="2" charset="-122"/>
+              </a:rPr>
+              <a:t>mysql</a:t>
+            </a:r>
+            <a:r>
+              <a:rPr lang="zh-CN" altLang="en-US" sz="3200" dirty="0" smtClean="0">
+                <a:latin typeface="华文楷体" panose="02010600040101010101" pitchFamily="2" charset="-122"/>
+                <a:ea typeface="华文楷体" panose="02010600040101010101" pitchFamily="2" charset="-122"/>
+              </a:rPr>
+              <a:t>主从是否同步：</a:t>
+            </a:r>
+            <a:endParaRPr lang="en-US" altLang="zh-CN" sz="3200" dirty="0" smtClean="0">
+              <a:latin typeface="华文楷体" panose="02010600040101010101" pitchFamily="2" charset="-122"/>
+              <a:ea typeface="华文楷体" panose="02010600040101010101" pitchFamily="2" charset="-122"/>
+            </a:endParaRPr>
+          </a:p>
+          <a:p>
+            <a:r>
+              <a:rPr lang="zh-CN" altLang="en-US" sz="2000" dirty="0">
+                <a:latin typeface="华文楷体" panose="02010600040101010101" pitchFamily="2" charset="-122"/>
+                <a:ea typeface="华文楷体" panose="02010600040101010101" pitchFamily="2" charset="-122"/>
+              </a:rPr>
+              <a:t>主</a:t>
+            </a:r>
+            <a:r>
+              <a:rPr lang="zh-CN" altLang="en-US" sz="2000" dirty="0" smtClean="0">
+                <a:latin typeface="华文楷体" panose="02010600040101010101" pitchFamily="2" charset="-122"/>
+                <a:ea typeface="华文楷体" panose="02010600040101010101" pitchFamily="2" charset="-122"/>
+              </a:rPr>
+              <a:t>库上：</a:t>
+            </a:r>
+            <a:endParaRPr lang="en-US" altLang="zh-CN" sz="2000" dirty="0" smtClean="0">
+              <a:latin typeface="华文楷体" panose="02010600040101010101" pitchFamily="2" charset="-122"/>
+              <a:ea typeface="华文楷体" panose="02010600040101010101" pitchFamily="2" charset="-122"/>
+            </a:endParaRPr>
+          </a:p>
+          <a:p>
+            <a:r>
+              <a:rPr lang="en-US" altLang="zh-CN" sz="2000" dirty="0" err="1">
+                <a:latin typeface="华文楷体" panose="02010600040101010101" pitchFamily="2" charset="-122"/>
+                <a:ea typeface="华文楷体" panose="02010600040101010101" pitchFamily="2" charset="-122"/>
+              </a:rPr>
+              <a:t>root@localhost:mysql.sock</a:t>
+            </a:r>
+            <a:r>
+              <a:rPr lang="en-US" altLang="zh-CN" sz="2000" dirty="0">
+                <a:latin typeface="华文楷体" panose="02010600040101010101" pitchFamily="2" charset="-122"/>
+                <a:ea typeface="华文楷体" panose="02010600040101010101" pitchFamily="2" charset="-122"/>
+              </a:rPr>
+              <a:t>  14:18:00 [(none)]&gt;show master status\G</a:t>
+            </a:r>
+          </a:p>
+          <a:p>
+            <a:r>
+              <a:rPr lang="en-US" altLang="zh-CN" sz="2000" dirty="0">
+                <a:latin typeface="华文楷体" panose="02010600040101010101" pitchFamily="2" charset="-122"/>
+                <a:ea typeface="华文楷体" panose="02010600040101010101" pitchFamily="2" charset="-122"/>
+              </a:rPr>
+              <a:t>*************************** 1. row ***************************</a:t>
+            </a:r>
+          </a:p>
+          <a:p>
+            <a:r>
+              <a:rPr lang="en-US" altLang="zh-CN" sz="2000" dirty="0">
+                <a:latin typeface="华文楷体" panose="02010600040101010101" pitchFamily="2" charset="-122"/>
+                <a:ea typeface="华文楷体" panose="02010600040101010101" pitchFamily="2" charset="-122"/>
+              </a:rPr>
+              <a:t>             File: mybinlog.000039</a:t>
+            </a:r>
+          </a:p>
+          <a:p>
+            <a:r>
+              <a:rPr lang="en-US" altLang="zh-CN" sz="2000" dirty="0">
+                <a:latin typeface="华文楷体" panose="02010600040101010101" pitchFamily="2" charset="-122"/>
+                <a:ea typeface="华文楷体" panose="02010600040101010101" pitchFamily="2" charset="-122"/>
+              </a:rPr>
+              <a:t>         Position: 1203</a:t>
+            </a:r>
+          </a:p>
+          <a:p>
+            <a:r>
+              <a:rPr lang="en-US" altLang="zh-CN" sz="2000" dirty="0">
+                <a:latin typeface="华文楷体" panose="02010600040101010101" pitchFamily="2" charset="-122"/>
+                <a:ea typeface="华文楷体" panose="02010600040101010101" pitchFamily="2" charset="-122"/>
+              </a:rPr>
+              <a:t>     </a:t>
+            </a:r>
+            <a:r>
+              <a:rPr lang="en-US" altLang="zh-CN" sz="2000" dirty="0" err="1">
+                <a:latin typeface="华文楷体" panose="02010600040101010101" pitchFamily="2" charset="-122"/>
+                <a:ea typeface="华文楷体" panose="02010600040101010101" pitchFamily="2" charset="-122"/>
+              </a:rPr>
+              <a:t>Binlog_Do_DB</a:t>
+            </a:r>
+            <a:r>
+              <a:rPr lang="en-US" altLang="zh-CN" sz="2000" dirty="0">
+                <a:latin typeface="华文楷体" panose="02010600040101010101" pitchFamily="2" charset="-122"/>
+                <a:ea typeface="华文楷体" panose="02010600040101010101" pitchFamily="2" charset="-122"/>
+              </a:rPr>
+              <a:t>: </a:t>
+            </a:r>
+          </a:p>
+          <a:p>
+            <a:r>
+              <a:rPr lang="en-US" altLang="zh-CN" sz="2000" dirty="0">
+                <a:latin typeface="华文楷体" panose="02010600040101010101" pitchFamily="2" charset="-122"/>
+                <a:ea typeface="华文楷体" panose="02010600040101010101" pitchFamily="2" charset="-122"/>
+              </a:rPr>
+              <a:t> </a:t>
+            </a:r>
+            <a:r>
+              <a:rPr lang="en-US" altLang="zh-CN" sz="2000" dirty="0" err="1">
+                <a:latin typeface="华文楷体" panose="02010600040101010101" pitchFamily="2" charset="-122"/>
+                <a:ea typeface="华文楷体" panose="02010600040101010101" pitchFamily="2" charset="-122"/>
+              </a:rPr>
+              <a:t>Binlog_Ignore_DB</a:t>
+            </a:r>
+            <a:r>
+              <a:rPr lang="en-US" altLang="zh-CN" sz="2000" dirty="0">
+                <a:latin typeface="华文楷体" panose="02010600040101010101" pitchFamily="2" charset="-122"/>
+                <a:ea typeface="华文楷体" panose="02010600040101010101" pitchFamily="2" charset="-122"/>
+              </a:rPr>
+              <a:t>: </a:t>
+            </a:r>
+          </a:p>
+          <a:p>
+            <a:r>
+              <a:rPr lang="en-US" altLang="zh-CN" sz="2000" dirty="0" err="1">
+                <a:latin typeface="华文楷体" panose="02010600040101010101" pitchFamily="2" charset="-122"/>
+                <a:ea typeface="华文楷体" panose="02010600040101010101" pitchFamily="2" charset="-122"/>
+              </a:rPr>
+              <a:t>Executed_Gtid_Set</a:t>
+            </a:r>
+            <a:r>
+              <a:rPr lang="en-US" altLang="zh-CN" sz="2000" dirty="0">
+                <a:latin typeface="华文楷体" panose="02010600040101010101" pitchFamily="2" charset="-122"/>
+                <a:ea typeface="华文楷体" panose="02010600040101010101" pitchFamily="2" charset="-122"/>
+              </a:rPr>
+              <a:t>: 2e3f5c76-0905-11e6-8dad-0050568fd581:1-1125</a:t>
+            </a:r>
+          </a:p>
+          <a:p>
+            <a:r>
+              <a:rPr lang="en-US" altLang="zh-CN" sz="2000" dirty="0">
+                <a:latin typeface="华文楷体" panose="02010600040101010101" pitchFamily="2" charset="-122"/>
+                <a:ea typeface="华文楷体" panose="02010600040101010101" pitchFamily="2" charset="-122"/>
+              </a:rPr>
+              <a:t>1 row in set (0.00 sec</a:t>
+            </a:r>
+            <a:r>
+              <a:rPr lang="en-US" altLang="zh-CN" sz="2000" dirty="0" smtClean="0">
+                <a:latin typeface="华文楷体" panose="02010600040101010101" pitchFamily="2" charset="-122"/>
+                <a:ea typeface="华文楷体" panose="02010600040101010101" pitchFamily="2" charset="-122"/>
+              </a:rPr>
+              <a:t>)</a:t>
+            </a:r>
+          </a:p>
+          <a:p>
+            <a:endParaRPr lang="en-US" altLang="zh-CN" sz="3200" dirty="0" smtClean="0">
+              <a:latin typeface="华文楷体" panose="02010600040101010101" pitchFamily="2" charset="-122"/>
+              <a:ea typeface="华文楷体" panose="02010600040101010101" pitchFamily="2" charset="-122"/>
+            </a:endParaRPr>
+          </a:p>
+          <a:p>
+            <a:r>
+              <a:rPr lang="en-US" altLang="zh-CN" sz="3200" dirty="0" smtClean="0">
+                <a:latin typeface="华文楷体" panose="02010600040101010101" pitchFamily="2" charset="-122"/>
+                <a:ea typeface="华文楷体" panose="02010600040101010101" pitchFamily="2" charset="-122"/>
+              </a:rPr>
+              <a:t>         </a:t>
+            </a:r>
+          </a:p>
+          <a:p>
+            <a:r>
+              <a:rPr lang="en-US" altLang="zh-CN" sz="3200" dirty="0">
+                <a:latin typeface="华文楷体" panose="02010600040101010101" pitchFamily="2" charset="-122"/>
+                <a:ea typeface="华文楷体" panose="02010600040101010101" pitchFamily="2" charset="-122"/>
+              </a:rPr>
+              <a:t> </a:t>
+            </a:r>
+            <a:r>
+              <a:rPr lang="en-US" altLang="zh-CN" sz="3200" dirty="0" smtClean="0">
+                <a:latin typeface="华文楷体" panose="02010600040101010101" pitchFamily="2" charset="-122"/>
+                <a:ea typeface="华文楷体" panose="02010600040101010101" pitchFamily="2" charset="-122"/>
+              </a:rPr>
+              <a:t>        </a:t>
+            </a:r>
+            <a:endParaRPr lang="en-US" altLang="zh-CN" sz="3200" dirty="0">
+              <a:latin typeface="华文楷体" panose="02010600040101010101" pitchFamily="2" charset="-122"/>
+              <a:ea typeface="华文楷体" panose="02010600040101010101" pitchFamily="2" charset="-122"/>
+            </a:endParaRPr>
+          </a:p>
+          <a:p>
+            <a:endParaRPr lang="en-US" altLang="zh-CN" sz="3200" dirty="0" smtClean="0">
+              <a:latin typeface="华文楷体" panose="02010600040101010101" pitchFamily="2" charset="-122"/>
+              <a:ea typeface="华文楷体" panose="02010600040101010101" pitchFamily="2" charset="-122"/>
+            </a:endParaRPr>
+          </a:p>
+          <a:p>
+            <a:pPr marL="685800" indent="-685800">
+              <a:buFont typeface="Wingdings" panose="05000000000000000000" pitchFamily="2" charset="2"/>
+              <a:buChar char="l"/>
+            </a:pPr>
+            <a:endParaRPr lang="en-US" altLang="zh-CN" sz="3200" dirty="0" smtClean="0">
+              <a:latin typeface="华文楷体" panose="02010600040101010101" pitchFamily="2" charset="-122"/>
+              <a:ea typeface="华文楷体" panose="02010600040101010101" pitchFamily="2" charset="-122"/>
+            </a:endParaRPr>
+          </a:p>
+        </p:txBody>
+      </p:sp>
+    </p:spTree>
+    <p:extLst>
+      <p:ext uri="{BB962C8B-B14F-4D97-AF65-F5344CB8AC3E}">
+        <p14:creationId xmlns:p14="http://schemas.microsoft.com/office/powerpoint/2010/main" val="10667558"/>
+      </p:ext>
+    </p:extLst>
+  </p:cSld>
+  <p:clrMapOvr>
+    <a:masterClrMapping/>
+  </p:clrMapOvr>
+  <p:timing>
+    <p:tnLst>
+      <p:par>
+        <p:cTn id="1" dur="indefinite" restart="never" nodeType="tmRoot"/>
+      </p:par>
+    </p:tnLst>
+  </p:timing>
+</p:sld>
+</file>
+
+<file path=ppt/slides/slide17.xml><?xml version="1.0" encoding="utf-8"?>
+<p:sld xmlns:a="http://schemas.openxmlformats.org/drawingml/2006/main" xmlns:r="http://schemas.openxmlformats.org/officeDocument/2006/relationships" xmlns:p="http://schemas.openxmlformats.org/presentationml/2006/main">
+  <p:cSld>
+    <p:spTree>
+      <p:nvGrpSpPr>
+        <p:cNvPr id="1" name=""/>
+        <p:cNvGrpSpPr/>
+        <p:nvPr/>
+      </p:nvGrpSpPr>
+      <p:grpSpPr>
+        <a:xfrm>
+          <a:off x="0" y="0"/>
+          <a:ext cx="0" cy="0"/>
+          <a:chOff x="0" y="0"/>
+          <a:chExt cx="0" cy="0"/>
+        </a:xfrm>
+      </p:grpSpPr>
+      <p:sp>
+        <p:nvSpPr>
+          <p:cNvPr id="2" name="标题 1"/>
+          <p:cNvSpPr>
+            <a:spLocks noGrp="1"/>
+          </p:cNvSpPr>
+          <p:nvPr>
+            <p:ph type="ctrTitle"/>
+          </p:nvPr>
+        </p:nvSpPr>
+        <p:spPr/>
+        <p:txBody>
+          <a:bodyPr/>
+          <a:lstStyle/>
+          <a:p>
+            <a:endParaRPr lang="zh-CN" altLang="en-US"/>
+          </a:p>
+        </p:txBody>
+      </p:sp>
+      <p:sp>
+        <p:nvSpPr>
+          <p:cNvPr id="3" name="副标题 2"/>
+          <p:cNvSpPr>
+            <a:spLocks noGrp="1"/>
+          </p:cNvSpPr>
+          <p:nvPr>
+            <p:ph type="subTitle" idx="1"/>
+          </p:nvPr>
+        </p:nvSpPr>
+        <p:spPr>
+          <a:xfrm>
+            <a:off x="2692397" y="3840477"/>
+            <a:ext cx="6815669" cy="1320802"/>
+          </a:xfrm>
+        </p:spPr>
+        <p:txBody>
+          <a:bodyPr/>
+          <a:lstStyle/>
+          <a:p>
+            <a:endParaRPr lang="zh-CN" altLang="en-US"/>
+          </a:p>
+        </p:txBody>
+      </p:sp>
+      <p:pic>
+        <p:nvPicPr>
+          <p:cNvPr id="4" name="图片 3"/>
+          <p:cNvPicPr>
+            <a:picLocks noChangeAspect="1"/>
+          </p:cNvPicPr>
+          <p:nvPr/>
+        </p:nvPicPr>
+        <p:blipFill>
+          <a:blip r:embed="rId3">
+            <a:extLst>
+              <a:ext uri="{28A0092B-C50C-407E-A947-70E740481C1C}">
+                <a14:useLocalDpi xmlns:a14="http://schemas.microsoft.com/office/drawing/2010/main" val="0"/>
+              </a:ext>
+            </a:extLst>
+          </a:blip>
+          <a:stretch>
+            <a:fillRect/>
+          </a:stretch>
+        </p:blipFill>
+        <p:spPr>
+          <a:xfrm>
+            <a:off x="0" y="0"/>
+            <a:ext cx="12191999" cy="6858000"/>
+          </a:xfrm>
+          <a:prstGeom prst="rect">
+            <a:avLst/>
+          </a:prstGeom>
+        </p:spPr>
+      </p:pic>
+      <p:sp>
+        <p:nvSpPr>
+          <p:cNvPr id="5" name="文本框 4"/>
+          <p:cNvSpPr txBox="1"/>
+          <p:nvPr/>
+        </p:nvSpPr>
+        <p:spPr>
+          <a:xfrm>
+            <a:off x="610954" y="551405"/>
+            <a:ext cx="11449982" cy="18620482"/>
+          </a:xfrm>
+          <a:prstGeom prst="rect">
+            <a:avLst/>
+          </a:prstGeom>
+          <a:noFill/>
+        </p:spPr>
+        <p:txBody>
+          <a:bodyPr wrap="square" rtlCol="0">
+            <a:spAutoFit/>
+          </a:bodyPr>
+          <a:lstStyle/>
+          <a:p>
+            <a:r>
+              <a:rPr lang="en-US" altLang="zh-CN" sz="3200" dirty="0" err="1" smtClean="0">
+                <a:latin typeface="华文楷体" panose="02010600040101010101" pitchFamily="2" charset="-122"/>
+                <a:ea typeface="华文楷体" panose="02010600040101010101" pitchFamily="2" charset="-122"/>
+              </a:rPr>
+              <a:t>Mysql</a:t>
+            </a:r>
+            <a:r>
+              <a:rPr lang="zh-CN" altLang="en-US" sz="3200" dirty="0" smtClean="0">
+                <a:latin typeface="华文楷体" panose="02010600040101010101" pitchFamily="2" charset="-122"/>
+                <a:ea typeface="华文楷体" panose="02010600040101010101" pitchFamily="2" charset="-122"/>
+              </a:rPr>
+              <a:t>主从同步</a:t>
+            </a:r>
+            <a:endParaRPr lang="en-US" altLang="zh-CN" sz="3200" dirty="0" smtClean="0">
+              <a:latin typeface="华文楷体" panose="02010600040101010101" pitchFamily="2" charset="-122"/>
+              <a:ea typeface="华文楷体" panose="02010600040101010101" pitchFamily="2" charset="-122"/>
+            </a:endParaRPr>
+          </a:p>
+          <a:p>
+            <a:r>
+              <a:rPr lang="zh-CN" altLang="en-US" sz="3200" dirty="0" smtClean="0">
+                <a:latin typeface="华文楷体" panose="02010600040101010101" pitchFamily="2" charset="-122"/>
+                <a:ea typeface="华文楷体" panose="02010600040101010101" pitchFamily="2" charset="-122"/>
+              </a:rPr>
+              <a:t>如何判断</a:t>
+            </a:r>
+            <a:r>
+              <a:rPr lang="en-US" altLang="zh-CN" sz="3200" dirty="0" err="1" smtClean="0">
+                <a:latin typeface="华文楷体" panose="02010600040101010101" pitchFamily="2" charset="-122"/>
+                <a:ea typeface="华文楷体" panose="02010600040101010101" pitchFamily="2" charset="-122"/>
+              </a:rPr>
+              <a:t>mysql</a:t>
+            </a:r>
+            <a:r>
+              <a:rPr lang="zh-CN" altLang="en-US" sz="3200" dirty="0" smtClean="0">
+                <a:latin typeface="华文楷体" panose="02010600040101010101" pitchFamily="2" charset="-122"/>
+                <a:ea typeface="华文楷体" panose="02010600040101010101" pitchFamily="2" charset="-122"/>
+              </a:rPr>
+              <a:t>主从是否同步：</a:t>
+            </a:r>
+            <a:endParaRPr lang="en-US" altLang="zh-CN" sz="3200" dirty="0" smtClean="0">
+              <a:latin typeface="华文楷体" panose="02010600040101010101" pitchFamily="2" charset="-122"/>
+              <a:ea typeface="华文楷体" panose="02010600040101010101" pitchFamily="2" charset="-122"/>
+            </a:endParaRPr>
+          </a:p>
+          <a:p>
+            <a:r>
+              <a:rPr lang="zh-CN" altLang="en-US" sz="2000" dirty="0" smtClean="0">
+                <a:latin typeface="华文楷体" panose="02010600040101010101" pitchFamily="2" charset="-122"/>
+                <a:ea typeface="华文楷体" panose="02010600040101010101" pitchFamily="2" charset="-122"/>
+              </a:rPr>
+              <a:t>从库上：</a:t>
+            </a:r>
+            <a:endParaRPr lang="en-US" altLang="zh-CN" sz="2000" dirty="0" smtClean="0">
+              <a:latin typeface="华文楷体" panose="02010600040101010101" pitchFamily="2" charset="-122"/>
+              <a:ea typeface="华文楷体" panose="02010600040101010101" pitchFamily="2" charset="-122"/>
+            </a:endParaRPr>
+          </a:p>
+          <a:p>
+            <a:r>
+              <a:rPr lang="en-US" altLang="zh-CN" sz="2000" dirty="0" err="1">
+                <a:latin typeface="华文楷体" panose="02010600040101010101" pitchFamily="2" charset="-122"/>
+                <a:ea typeface="华文楷体" panose="02010600040101010101" pitchFamily="2" charset="-122"/>
+              </a:rPr>
+              <a:t>root@localhost:mysql.sock</a:t>
+            </a:r>
+            <a:r>
+              <a:rPr lang="en-US" altLang="zh-CN" sz="2000" dirty="0">
+                <a:latin typeface="华文楷体" panose="02010600040101010101" pitchFamily="2" charset="-122"/>
+                <a:ea typeface="华文楷体" panose="02010600040101010101" pitchFamily="2" charset="-122"/>
+              </a:rPr>
+              <a:t>  14:18:51 [(none)]&gt;show slave status\G</a:t>
+            </a:r>
+          </a:p>
+          <a:p>
+            <a:r>
+              <a:rPr lang="en-US" altLang="zh-CN" sz="2000" dirty="0">
+                <a:latin typeface="华文楷体" panose="02010600040101010101" pitchFamily="2" charset="-122"/>
+                <a:ea typeface="华文楷体" panose="02010600040101010101" pitchFamily="2" charset="-122"/>
+              </a:rPr>
+              <a:t>*************************** 1. row ***************************</a:t>
+            </a:r>
+          </a:p>
+          <a:p>
+            <a:r>
+              <a:rPr lang="en-US" altLang="zh-CN" sz="2000" dirty="0">
+                <a:latin typeface="华文楷体" panose="02010600040101010101" pitchFamily="2" charset="-122"/>
+                <a:ea typeface="华文楷体" panose="02010600040101010101" pitchFamily="2" charset="-122"/>
+              </a:rPr>
+              <a:t>               </a:t>
+            </a:r>
+            <a:r>
+              <a:rPr lang="en-US" altLang="zh-CN" sz="2000" dirty="0" err="1">
+                <a:latin typeface="华文楷体" panose="02010600040101010101" pitchFamily="2" charset="-122"/>
+                <a:ea typeface="华文楷体" panose="02010600040101010101" pitchFamily="2" charset="-122"/>
+              </a:rPr>
+              <a:t>Slave_IO_State</a:t>
+            </a:r>
+            <a:r>
+              <a:rPr lang="en-US" altLang="zh-CN" sz="2000" dirty="0">
+                <a:latin typeface="华文楷体" panose="02010600040101010101" pitchFamily="2" charset="-122"/>
+                <a:ea typeface="华文楷体" panose="02010600040101010101" pitchFamily="2" charset="-122"/>
+              </a:rPr>
+              <a:t>: Waiting for master to send event</a:t>
+            </a:r>
+          </a:p>
+          <a:p>
+            <a:r>
+              <a:rPr lang="en-US" altLang="zh-CN" sz="2000" dirty="0">
+                <a:latin typeface="华文楷体" panose="02010600040101010101" pitchFamily="2" charset="-122"/>
+                <a:ea typeface="华文楷体" panose="02010600040101010101" pitchFamily="2" charset="-122"/>
+              </a:rPr>
+              <a:t>                  </a:t>
+            </a:r>
+            <a:r>
+              <a:rPr lang="en-US" altLang="zh-CN" sz="2000" dirty="0" err="1">
+                <a:latin typeface="华文楷体" panose="02010600040101010101" pitchFamily="2" charset="-122"/>
+                <a:ea typeface="华文楷体" panose="02010600040101010101" pitchFamily="2" charset="-122"/>
+              </a:rPr>
+              <a:t>Master_Host</a:t>
+            </a:r>
+            <a:r>
+              <a:rPr lang="en-US" altLang="zh-CN" sz="2000" dirty="0">
+                <a:latin typeface="华文楷体" panose="02010600040101010101" pitchFamily="2" charset="-122"/>
+                <a:ea typeface="华文楷体" panose="02010600040101010101" pitchFamily="2" charset="-122"/>
+              </a:rPr>
+              <a:t>: 10.150.21.161</a:t>
+            </a:r>
+          </a:p>
+          <a:p>
+            <a:r>
+              <a:rPr lang="en-US" altLang="zh-CN" sz="2000" dirty="0">
+                <a:latin typeface="华文楷体" panose="02010600040101010101" pitchFamily="2" charset="-122"/>
+                <a:ea typeface="华文楷体" panose="02010600040101010101" pitchFamily="2" charset="-122"/>
+              </a:rPr>
+              <a:t>                  </a:t>
+            </a:r>
+            <a:r>
+              <a:rPr lang="en-US" altLang="zh-CN" sz="2000" dirty="0" err="1">
+                <a:latin typeface="华文楷体" panose="02010600040101010101" pitchFamily="2" charset="-122"/>
+                <a:ea typeface="华文楷体" panose="02010600040101010101" pitchFamily="2" charset="-122"/>
+              </a:rPr>
+              <a:t>Master_User</a:t>
+            </a:r>
+            <a:r>
+              <a:rPr lang="en-US" altLang="zh-CN" sz="2000" dirty="0">
+                <a:latin typeface="华文楷体" panose="02010600040101010101" pitchFamily="2" charset="-122"/>
+                <a:ea typeface="华文楷体" panose="02010600040101010101" pitchFamily="2" charset="-122"/>
+              </a:rPr>
+              <a:t>: backup</a:t>
+            </a:r>
+          </a:p>
+          <a:p>
+            <a:r>
+              <a:rPr lang="en-US" altLang="zh-CN" sz="2000" dirty="0">
+                <a:latin typeface="华文楷体" panose="02010600040101010101" pitchFamily="2" charset="-122"/>
+                <a:ea typeface="华文楷体" panose="02010600040101010101" pitchFamily="2" charset="-122"/>
+              </a:rPr>
+              <a:t>                  </a:t>
+            </a:r>
+            <a:r>
+              <a:rPr lang="en-US" altLang="zh-CN" sz="2000" dirty="0" err="1">
+                <a:latin typeface="华文楷体" panose="02010600040101010101" pitchFamily="2" charset="-122"/>
+                <a:ea typeface="华文楷体" panose="02010600040101010101" pitchFamily="2" charset="-122"/>
+              </a:rPr>
+              <a:t>Master_Port</a:t>
+            </a:r>
+            <a:r>
+              <a:rPr lang="en-US" altLang="zh-CN" sz="2000" dirty="0">
+                <a:latin typeface="华文楷体" panose="02010600040101010101" pitchFamily="2" charset="-122"/>
+                <a:ea typeface="华文楷体" panose="02010600040101010101" pitchFamily="2" charset="-122"/>
+              </a:rPr>
+              <a:t>: 3306</a:t>
+            </a:r>
+          </a:p>
+          <a:p>
+            <a:r>
+              <a:rPr lang="en-US" altLang="zh-CN" sz="2000" dirty="0">
+                <a:latin typeface="华文楷体" panose="02010600040101010101" pitchFamily="2" charset="-122"/>
+                <a:ea typeface="华文楷体" panose="02010600040101010101" pitchFamily="2" charset="-122"/>
+              </a:rPr>
+              <a:t>                </a:t>
+            </a:r>
+            <a:r>
+              <a:rPr lang="en-US" altLang="zh-CN" sz="2000" dirty="0" err="1">
+                <a:latin typeface="华文楷体" panose="02010600040101010101" pitchFamily="2" charset="-122"/>
+                <a:ea typeface="华文楷体" panose="02010600040101010101" pitchFamily="2" charset="-122"/>
+              </a:rPr>
+              <a:t>Connect_Retry</a:t>
+            </a:r>
+            <a:r>
+              <a:rPr lang="en-US" altLang="zh-CN" sz="2000" dirty="0">
+                <a:latin typeface="华文楷体" panose="02010600040101010101" pitchFamily="2" charset="-122"/>
+                <a:ea typeface="华文楷体" panose="02010600040101010101" pitchFamily="2" charset="-122"/>
+              </a:rPr>
+              <a:t>: 60</a:t>
+            </a:r>
+          </a:p>
+          <a:p>
+            <a:r>
+              <a:rPr lang="en-US" altLang="zh-CN" sz="2000" dirty="0">
+                <a:latin typeface="华文楷体" panose="02010600040101010101" pitchFamily="2" charset="-122"/>
+                <a:ea typeface="华文楷体" panose="02010600040101010101" pitchFamily="2" charset="-122"/>
+              </a:rPr>
+              <a:t>              </a:t>
+            </a:r>
+            <a:r>
+              <a:rPr lang="en-US" altLang="zh-CN" sz="2000" dirty="0" err="1">
+                <a:latin typeface="华文楷体" panose="02010600040101010101" pitchFamily="2" charset="-122"/>
+                <a:ea typeface="华文楷体" panose="02010600040101010101" pitchFamily="2" charset="-122"/>
+              </a:rPr>
+              <a:t>Master_Log_File</a:t>
+            </a:r>
+            <a:r>
+              <a:rPr lang="en-US" altLang="zh-CN" sz="2000" dirty="0">
+                <a:latin typeface="华文楷体" panose="02010600040101010101" pitchFamily="2" charset="-122"/>
+                <a:ea typeface="华文楷体" panose="02010600040101010101" pitchFamily="2" charset="-122"/>
+              </a:rPr>
+              <a:t>: mybinlog.000039</a:t>
+            </a:r>
+          </a:p>
+          <a:p>
+            <a:r>
+              <a:rPr lang="en-US" altLang="zh-CN" sz="2000" dirty="0">
+                <a:latin typeface="华文楷体" panose="02010600040101010101" pitchFamily="2" charset="-122"/>
+                <a:ea typeface="华文楷体" panose="02010600040101010101" pitchFamily="2" charset="-122"/>
+              </a:rPr>
+              <a:t>          </a:t>
+            </a:r>
+            <a:r>
+              <a:rPr lang="en-US" altLang="zh-CN" sz="2000" dirty="0" err="1">
+                <a:latin typeface="华文楷体" panose="02010600040101010101" pitchFamily="2" charset="-122"/>
+                <a:ea typeface="华文楷体" panose="02010600040101010101" pitchFamily="2" charset="-122"/>
+              </a:rPr>
+              <a:t>Read_Master_Log_Pos</a:t>
+            </a:r>
+            <a:r>
+              <a:rPr lang="en-US" altLang="zh-CN" sz="2000" dirty="0">
+                <a:latin typeface="华文楷体" panose="02010600040101010101" pitchFamily="2" charset="-122"/>
+                <a:ea typeface="华文楷体" panose="02010600040101010101" pitchFamily="2" charset="-122"/>
+              </a:rPr>
+              <a:t>: 1203</a:t>
+            </a:r>
+          </a:p>
+          <a:p>
+            <a:r>
+              <a:rPr lang="en-US" altLang="zh-CN" sz="2000" dirty="0">
+                <a:latin typeface="华文楷体" panose="02010600040101010101" pitchFamily="2" charset="-122"/>
+                <a:ea typeface="华文楷体" panose="02010600040101010101" pitchFamily="2" charset="-122"/>
+              </a:rPr>
+              <a:t>               </a:t>
+            </a:r>
+            <a:r>
+              <a:rPr lang="en-US" altLang="zh-CN" sz="2000" dirty="0" err="1">
+                <a:latin typeface="华文楷体" panose="02010600040101010101" pitchFamily="2" charset="-122"/>
+                <a:ea typeface="华文楷体" panose="02010600040101010101" pitchFamily="2" charset="-122"/>
+              </a:rPr>
+              <a:t>Relay_Log_File</a:t>
+            </a:r>
+            <a:r>
+              <a:rPr lang="en-US" altLang="zh-CN" sz="2000" dirty="0">
+                <a:latin typeface="华文楷体" panose="02010600040101010101" pitchFamily="2" charset="-122"/>
+                <a:ea typeface="华文楷体" panose="02010600040101010101" pitchFamily="2" charset="-122"/>
+              </a:rPr>
+              <a:t>: mysql-relay-bin.000006</a:t>
+            </a:r>
+          </a:p>
+          <a:p>
+            <a:r>
+              <a:rPr lang="en-US" altLang="zh-CN" sz="2000" dirty="0">
+                <a:latin typeface="华文楷体" panose="02010600040101010101" pitchFamily="2" charset="-122"/>
+                <a:ea typeface="华文楷体" panose="02010600040101010101" pitchFamily="2" charset="-122"/>
+              </a:rPr>
+              <a:t>                </a:t>
+            </a:r>
+            <a:r>
+              <a:rPr lang="en-US" altLang="zh-CN" sz="2000" dirty="0" err="1">
+                <a:latin typeface="华文楷体" panose="02010600040101010101" pitchFamily="2" charset="-122"/>
+                <a:ea typeface="华文楷体" panose="02010600040101010101" pitchFamily="2" charset="-122"/>
+              </a:rPr>
+              <a:t>Relay_Log_Pos</a:t>
+            </a:r>
+            <a:r>
+              <a:rPr lang="en-US" altLang="zh-CN" sz="2000" dirty="0">
+                <a:latin typeface="华文楷体" panose="02010600040101010101" pitchFamily="2" charset="-122"/>
+                <a:ea typeface="华文楷体" panose="02010600040101010101" pitchFamily="2" charset="-122"/>
+              </a:rPr>
+              <a:t>: 1411</a:t>
+            </a:r>
+          </a:p>
+          <a:p>
+            <a:r>
+              <a:rPr lang="en-US" altLang="zh-CN" sz="2000" dirty="0">
+                <a:latin typeface="华文楷体" panose="02010600040101010101" pitchFamily="2" charset="-122"/>
+                <a:ea typeface="华文楷体" panose="02010600040101010101" pitchFamily="2" charset="-122"/>
+              </a:rPr>
+              <a:t>        </a:t>
+            </a:r>
+            <a:r>
+              <a:rPr lang="en-US" altLang="zh-CN" sz="2000" dirty="0" err="1">
+                <a:latin typeface="华文楷体" panose="02010600040101010101" pitchFamily="2" charset="-122"/>
+                <a:ea typeface="华文楷体" panose="02010600040101010101" pitchFamily="2" charset="-122"/>
+              </a:rPr>
+              <a:t>Relay_Master_Log_File</a:t>
+            </a:r>
+            <a:r>
+              <a:rPr lang="en-US" altLang="zh-CN" sz="2000" dirty="0">
+                <a:latin typeface="华文楷体" panose="02010600040101010101" pitchFamily="2" charset="-122"/>
+                <a:ea typeface="华文楷体" panose="02010600040101010101" pitchFamily="2" charset="-122"/>
+              </a:rPr>
+              <a:t>: mybinlog.000039</a:t>
+            </a:r>
+          </a:p>
+          <a:p>
+            <a:r>
+              <a:rPr lang="en-US" altLang="zh-CN" sz="2000" dirty="0">
+                <a:latin typeface="华文楷体" panose="02010600040101010101" pitchFamily="2" charset="-122"/>
+                <a:ea typeface="华文楷体" panose="02010600040101010101" pitchFamily="2" charset="-122"/>
+              </a:rPr>
+              <a:t>             </a:t>
+            </a:r>
+            <a:r>
+              <a:rPr lang="en-US" altLang="zh-CN" sz="2000" dirty="0" err="1">
+                <a:latin typeface="华文楷体" panose="02010600040101010101" pitchFamily="2" charset="-122"/>
+                <a:ea typeface="华文楷体" panose="02010600040101010101" pitchFamily="2" charset="-122"/>
+              </a:rPr>
+              <a:t>Slave_IO_Running</a:t>
+            </a:r>
+            <a:r>
+              <a:rPr lang="en-US" altLang="zh-CN" sz="2000" dirty="0">
+                <a:latin typeface="华文楷体" panose="02010600040101010101" pitchFamily="2" charset="-122"/>
+                <a:ea typeface="华文楷体" panose="02010600040101010101" pitchFamily="2" charset="-122"/>
+              </a:rPr>
+              <a:t>: Yes</a:t>
+            </a:r>
+          </a:p>
+          <a:p>
+            <a:r>
+              <a:rPr lang="en-US" altLang="zh-CN" sz="2000" dirty="0">
+                <a:latin typeface="华文楷体" panose="02010600040101010101" pitchFamily="2" charset="-122"/>
+                <a:ea typeface="华文楷体" panose="02010600040101010101" pitchFamily="2" charset="-122"/>
+              </a:rPr>
+              <a:t>            </a:t>
+            </a:r>
+            <a:r>
+              <a:rPr lang="en-US" altLang="zh-CN" sz="2000" dirty="0" err="1">
+                <a:latin typeface="华文楷体" panose="02010600040101010101" pitchFamily="2" charset="-122"/>
+                <a:ea typeface="华文楷体" panose="02010600040101010101" pitchFamily="2" charset="-122"/>
+              </a:rPr>
+              <a:t>Slave_SQL_Running</a:t>
+            </a:r>
+            <a:r>
+              <a:rPr lang="en-US" altLang="zh-CN" sz="2000" dirty="0">
+                <a:latin typeface="华文楷体" panose="02010600040101010101" pitchFamily="2" charset="-122"/>
+                <a:ea typeface="华文楷体" panose="02010600040101010101" pitchFamily="2" charset="-122"/>
+              </a:rPr>
+              <a:t>: Yes</a:t>
+            </a:r>
+          </a:p>
+          <a:p>
+            <a:r>
+              <a:rPr lang="en-US" altLang="zh-CN" sz="2000" dirty="0">
+                <a:latin typeface="华文楷体" panose="02010600040101010101" pitchFamily="2" charset="-122"/>
+                <a:ea typeface="华文楷体" panose="02010600040101010101" pitchFamily="2" charset="-122"/>
+              </a:rPr>
+              <a:t>              </a:t>
+            </a:r>
+            <a:r>
+              <a:rPr lang="en-US" altLang="zh-CN" sz="2000" dirty="0" err="1">
+                <a:latin typeface="华文楷体" panose="02010600040101010101" pitchFamily="2" charset="-122"/>
+                <a:ea typeface="华文楷体" panose="02010600040101010101" pitchFamily="2" charset="-122"/>
+              </a:rPr>
+              <a:t>Replicate_Do_DB</a:t>
+            </a:r>
+            <a:r>
+              <a:rPr lang="en-US" altLang="zh-CN" sz="2000" dirty="0">
+                <a:latin typeface="华文楷体" panose="02010600040101010101" pitchFamily="2" charset="-122"/>
+                <a:ea typeface="华文楷体" panose="02010600040101010101" pitchFamily="2" charset="-122"/>
+              </a:rPr>
+              <a:t>: </a:t>
+            </a:r>
+          </a:p>
+          <a:p>
+            <a:r>
+              <a:rPr lang="en-US" altLang="zh-CN" sz="2000" dirty="0">
+                <a:latin typeface="华文楷体" panose="02010600040101010101" pitchFamily="2" charset="-122"/>
+                <a:ea typeface="华文楷体" panose="02010600040101010101" pitchFamily="2" charset="-122"/>
+              </a:rPr>
+              <a:t>          </a:t>
+            </a:r>
+            <a:r>
+              <a:rPr lang="en-US" altLang="zh-CN" sz="2000" dirty="0" err="1">
+                <a:latin typeface="华文楷体" panose="02010600040101010101" pitchFamily="2" charset="-122"/>
+                <a:ea typeface="华文楷体" panose="02010600040101010101" pitchFamily="2" charset="-122"/>
+              </a:rPr>
+              <a:t>Replicate_Ignore_DB</a:t>
+            </a:r>
+            <a:r>
+              <a:rPr lang="en-US" altLang="zh-CN" sz="2000" dirty="0">
+                <a:latin typeface="华文楷体" panose="02010600040101010101" pitchFamily="2" charset="-122"/>
+                <a:ea typeface="华文楷体" panose="02010600040101010101" pitchFamily="2" charset="-122"/>
+              </a:rPr>
+              <a:t>: </a:t>
+            </a:r>
+          </a:p>
+          <a:p>
+            <a:r>
+              <a:rPr lang="en-US" altLang="zh-CN" sz="2000" dirty="0">
+                <a:latin typeface="华文楷体" panose="02010600040101010101" pitchFamily="2" charset="-122"/>
+                <a:ea typeface="华文楷体" panose="02010600040101010101" pitchFamily="2" charset="-122"/>
+              </a:rPr>
+              <a:t>           </a:t>
+            </a:r>
+            <a:r>
+              <a:rPr lang="en-US" altLang="zh-CN" sz="2000" dirty="0" err="1">
+                <a:latin typeface="华文楷体" panose="02010600040101010101" pitchFamily="2" charset="-122"/>
+                <a:ea typeface="华文楷体" panose="02010600040101010101" pitchFamily="2" charset="-122"/>
+              </a:rPr>
+              <a:t>Replicate_Do_Table</a:t>
+            </a:r>
+            <a:r>
+              <a:rPr lang="en-US" altLang="zh-CN" sz="2000" dirty="0">
+                <a:latin typeface="华文楷体" panose="02010600040101010101" pitchFamily="2" charset="-122"/>
+                <a:ea typeface="华文楷体" panose="02010600040101010101" pitchFamily="2" charset="-122"/>
+              </a:rPr>
+              <a:t>: </a:t>
+            </a:r>
+          </a:p>
+          <a:p>
+            <a:r>
+              <a:rPr lang="en-US" altLang="zh-CN" sz="2000" dirty="0">
+                <a:latin typeface="华文楷体" panose="02010600040101010101" pitchFamily="2" charset="-122"/>
+                <a:ea typeface="华文楷体" panose="02010600040101010101" pitchFamily="2" charset="-122"/>
+              </a:rPr>
+              <a:t>       </a:t>
+            </a:r>
+            <a:r>
+              <a:rPr lang="en-US" altLang="zh-CN" sz="2000" dirty="0" err="1">
+                <a:latin typeface="华文楷体" panose="02010600040101010101" pitchFamily="2" charset="-122"/>
+                <a:ea typeface="华文楷体" panose="02010600040101010101" pitchFamily="2" charset="-122"/>
+              </a:rPr>
+              <a:t>Replicate_Ignore_Table</a:t>
+            </a:r>
+            <a:r>
+              <a:rPr lang="en-US" altLang="zh-CN" sz="2000" dirty="0">
+                <a:latin typeface="华文楷体" panose="02010600040101010101" pitchFamily="2" charset="-122"/>
+                <a:ea typeface="华文楷体" panose="02010600040101010101" pitchFamily="2" charset="-122"/>
+              </a:rPr>
+              <a:t>: </a:t>
+            </a:r>
+          </a:p>
+          <a:p>
+            <a:r>
+              <a:rPr lang="en-US" altLang="zh-CN" sz="2000" dirty="0">
+                <a:latin typeface="华文楷体" panose="02010600040101010101" pitchFamily="2" charset="-122"/>
+                <a:ea typeface="华文楷体" panose="02010600040101010101" pitchFamily="2" charset="-122"/>
+              </a:rPr>
+              <a:t>      </a:t>
+            </a:r>
+            <a:r>
+              <a:rPr lang="en-US" altLang="zh-CN" sz="2000" dirty="0" err="1">
+                <a:latin typeface="华文楷体" panose="02010600040101010101" pitchFamily="2" charset="-122"/>
+                <a:ea typeface="华文楷体" panose="02010600040101010101" pitchFamily="2" charset="-122"/>
+              </a:rPr>
+              <a:t>Replicate_Wild_Do_Table</a:t>
+            </a:r>
+            <a:r>
+              <a:rPr lang="en-US" altLang="zh-CN" sz="2000" dirty="0">
+                <a:latin typeface="华文楷体" panose="02010600040101010101" pitchFamily="2" charset="-122"/>
+                <a:ea typeface="华文楷体" panose="02010600040101010101" pitchFamily="2" charset="-122"/>
+              </a:rPr>
+              <a:t>: </a:t>
+            </a:r>
+          </a:p>
+          <a:p>
+            <a:r>
+              <a:rPr lang="en-US" altLang="zh-CN" sz="2000" dirty="0">
+                <a:latin typeface="华文楷体" panose="02010600040101010101" pitchFamily="2" charset="-122"/>
+                <a:ea typeface="华文楷体" panose="02010600040101010101" pitchFamily="2" charset="-122"/>
+              </a:rPr>
+              <a:t>  </a:t>
+            </a:r>
+            <a:r>
+              <a:rPr lang="en-US" altLang="zh-CN" sz="2000" dirty="0" err="1">
+                <a:latin typeface="华文楷体" panose="02010600040101010101" pitchFamily="2" charset="-122"/>
+                <a:ea typeface="华文楷体" panose="02010600040101010101" pitchFamily="2" charset="-122"/>
+              </a:rPr>
+              <a:t>Replicate_Wild_Ignore_Table</a:t>
+            </a:r>
+            <a:r>
+              <a:rPr lang="en-US" altLang="zh-CN" sz="2000" dirty="0">
+                <a:latin typeface="华文楷体" panose="02010600040101010101" pitchFamily="2" charset="-122"/>
+                <a:ea typeface="华文楷体" panose="02010600040101010101" pitchFamily="2" charset="-122"/>
+              </a:rPr>
+              <a:t>: </a:t>
+            </a:r>
+          </a:p>
+          <a:p>
+            <a:r>
+              <a:rPr lang="en-US" altLang="zh-CN" sz="2000" dirty="0">
+                <a:latin typeface="华文楷体" panose="02010600040101010101" pitchFamily="2" charset="-122"/>
+                <a:ea typeface="华文楷体" panose="02010600040101010101" pitchFamily="2" charset="-122"/>
+              </a:rPr>
+              <a:t>                   </a:t>
+            </a:r>
+            <a:r>
+              <a:rPr lang="en-US" altLang="zh-CN" sz="2000" dirty="0" err="1">
+                <a:latin typeface="华文楷体" panose="02010600040101010101" pitchFamily="2" charset="-122"/>
+                <a:ea typeface="华文楷体" panose="02010600040101010101" pitchFamily="2" charset="-122"/>
+              </a:rPr>
+              <a:t>Last_Errno</a:t>
+            </a:r>
+            <a:r>
+              <a:rPr lang="en-US" altLang="zh-CN" sz="2000" dirty="0">
+                <a:latin typeface="华文楷体" panose="02010600040101010101" pitchFamily="2" charset="-122"/>
+                <a:ea typeface="华文楷体" panose="02010600040101010101" pitchFamily="2" charset="-122"/>
+              </a:rPr>
+              <a:t>: 0</a:t>
+            </a:r>
+          </a:p>
+          <a:p>
+            <a:r>
+              <a:rPr lang="en-US" altLang="zh-CN" sz="2000" dirty="0">
+                <a:latin typeface="华文楷体" panose="02010600040101010101" pitchFamily="2" charset="-122"/>
+                <a:ea typeface="华文楷体" panose="02010600040101010101" pitchFamily="2" charset="-122"/>
+              </a:rPr>
+              <a:t>                   </a:t>
+            </a:r>
+            <a:r>
+              <a:rPr lang="en-US" altLang="zh-CN" sz="2000" dirty="0" err="1">
+                <a:latin typeface="华文楷体" panose="02010600040101010101" pitchFamily="2" charset="-122"/>
+                <a:ea typeface="华文楷体" panose="02010600040101010101" pitchFamily="2" charset="-122"/>
+              </a:rPr>
+              <a:t>Last_Error</a:t>
+            </a:r>
+            <a:r>
+              <a:rPr lang="en-US" altLang="zh-CN" sz="2000" dirty="0">
+                <a:latin typeface="华文楷体" panose="02010600040101010101" pitchFamily="2" charset="-122"/>
+                <a:ea typeface="华文楷体" panose="02010600040101010101" pitchFamily="2" charset="-122"/>
+              </a:rPr>
+              <a:t>: </a:t>
+            </a:r>
+          </a:p>
+          <a:p>
+            <a:r>
+              <a:rPr lang="en-US" altLang="zh-CN" sz="2000" dirty="0">
+                <a:latin typeface="华文楷体" panose="02010600040101010101" pitchFamily="2" charset="-122"/>
+                <a:ea typeface="华文楷体" panose="02010600040101010101" pitchFamily="2" charset="-122"/>
+              </a:rPr>
+              <a:t>                 </a:t>
+            </a:r>
+            <a:r>
+              <a:rPr lang="en-US" altLang="zh-CN" sz="2000" dirty="0" err="1">
+                <a:latin typeface="华文楷体" panose="02010600040101010101" pitchFamily="2" charset="-122"/>
+                <a:ea typeface="华文楷体" panose="02010600040101010101" pitchFamily="2" charset="-122"/>
+              </a:rPr>
+              <a:t>Skip_Counter</a:t>
+            </a:r>
+            <a:r>
+              <a:rPr lang="en-US" altLang="zh-CN" sz="2000" dirty="0">
+                <a:latin typeface="华文楷体" panose="02010600040101010101" pitchFamily="2" charset="-122"/>
+                <a:ea typeface="华文楷体" panose="02010600040101010101" pitchFamily="2" charset="-122"/>
+              </a:rPr>
+              <a:t>: 0</a:t>
+            </a:r>
+          </a:p>
+          <a:p>
+            <a:r>
+              <a:rPr lang="en-US" altLang="zh-CN" sz="2000" dirty="0">
+                <a:latin typeface="华文楷体" panose="02010600040101010101" pitchFamily="2" charset="-122"/>
+                <a:ea typeface="华文楷体" panose="02010600040101010101" pitchFamily="2" charset="-122"/>
+              </a:rPr>
+              <a:t>          </a:t>
+            </a:r>
+            <a:r>
+              <a:rPr lang="en-US" altLang="zh-CN" sz="2000" dirty="0" err="1">
+                <a:latin typeface="华文楷体" panose="02010600040101010101" pitchFamily="2" charset="-122"/>
+                <a:ea typeface="华文楷体" panose="02010600040101010101" pitchFamily="2" charset="-122"/>
+              </a:rPr>
+              <a:t>Exec_Master_Log_Pos</a:t>
+            </a:r>
+            <a:r>
+              <a:rPr lang="en-US" altLang="zh-CN" sz="2000" dirty="0">
+                <a:latin typeface="华文楷体" panose="02010600040101010101" pitchFamily="2" charset="-122"/>
+                <a:ea typeface="华文楷体" panose="02010600040101010101" pitchFamily="2" charset="-122"/>
+              </a:rPr>
+              <a:t>: 1203</a:t>
+            </a:r>
+          </a:p>
+          <a:p>
+            <a:r>
+              <a:rPr lang="en-US" altLang="zh-CN" sz="2000" dirty="0">
+                <a:latin typeface="华文楷体" panose="02010600040101010101" pitchFamily="2" charset="-122"/>
+                <a:ea typeface="华文楷体" panose="02010600040101010101" pitchFamily="2" charset="-122"/>
+              </a:rPr>
+              <a:t>              </a:t>
+            </a:r>
+            <a:r>
+              <a:rPr lang="en-US" altLang="zh-CN" sz="2000" dirty="0" err="1">
+                <a:latin typeface="华文楷体" panose="02010600040101010101" pitchFamily="2" charset="-122"/>
+                <a:ea typeface="华文楷体" panose="02010600040101010101" pitchFamily="2" charset="-122"/>
+              </a:rPr>
+              <a:t>Relay_Log_Space</a:t>
+            </a:r>
+            <a:r>
+              <a:rPr lang="en-US" altLang="zh-CN" sz="2000" dirty="0">
+                <a:latin typeface="华文楷体" panose="02010600040101010101" pitchFamily="2" charset="-122"/>
+                <a:ea typeface="华文楷体" panose="02010600040101010101" pitchFamily="2" charset="-122"/>
+              </a:rPr>
+              <a:t>: 1701</a:t>
+            </a:r>
+          </a:p>
+          <a:p>
+            <a:r>
+              <a:rPr lang="en-US" altLang="zh-CN" sz="2000" dirty="0">
+                <a:latin typeface="华文楷体" panose="02010600040101010101" pitchFamily="2" charset="-122"/>
+                <a:ea typeface="华文楷体" panose="02010600040101010101" pitchFamily="2" charset="-122"/>
+              </a:rPr>
+              <a:t>              </a:t>
+            </a:r>
+            <a:r>
+              <a:rPr lang="en-US" altLang="zh-CN" sz="2000" dirty="0" err="1">
+                <a:latin typeface="华文楷体" panose="02010600040101010101" pitchFamily="2" charset="-122"/>
+                <a:ea typeface="华文楷体" panose="02010600040101010101" pitchFamily="2" charset="-122"/>
+              </a:rPr>
+              <a:t>Until_Condition</a:t>
+            </a:r>
+            <a:r>
+              <a:rPr lang="en-US" altLang="zh-CN" sz="2000" dirty="0">
+                <a:latin typeface="华文楷体" panose="02010600040101010101" pitchFamily="2" charset="-122"/>
+                <a:ea typeface="华文楷体" panose="02010600040101010101" pitchFamily="2" charset="-122"/>
+              </a:rPr>
+              <a:t>: None</a:t>
+            </a:r>
+          </a:p>
+          <a:p>
+            <a:r>
+              <a:rPr lang="en-US" altLang="zh-CN" sz="2000" dirty="0">
+                <a:latin typeface="华文楷体" panose="02010600040101010101" pitchFamily="2" charset="-122"/>
+                <a:ea typeface="华文楷体" panose="02010600040101010101" pitchFamily="2" charset="-122"/>
+              </a:rPr>
+              <a:t>               </a:t>
+            </a:r>
+            <a:r>
+              <a:rPr lang="en-US" altLang="zh-CN" sz="2000" dirty="0" err="1">
+                <a:latin typeface="华文楷体" panose="02010600040101010101" pitchFamily="2" charset="-122"/>
+                <a:ea typeface="华文楷体" panose="02010600040101010101" pitchFamily="2" charset="-122"/>
+              </a:rPr>
+              <a:t>Until_Log_File</a:t>
+            </a:r>
+            <a:r>
+              <a:rPr lang="en-US" altLang="zh-CN" sz="2000" dirty="0">
+                <a:latin typeface="华文楷体" panose="02010600040101010101" pitchFamily="2" charset="-122"/>
+                <a:ea typeface="华文楷体" panose="02010600040101010101" pitchFamily="2" charset="-122"/>
+              </a:rPr>
+              <a:t>: </a:t>
+            </a:r>
+          </a:p>
+          <a:p>
+            <a:r>
+              <a:rPr lang="en-US" altLang="zh-CN" sz="2000" dirty="0">
+                <a:latin typeface="华文楷体" panose="02010600040101010101" pitchFamily="2" charset="-122"/>
+                <a:ea typeface="华文楷体" panose="02010600040101010101" pitchFamily="2" charset="-122"/>
+              </a:rPr>
+              <a:t>                </a:t>
+            </a:r>
+            <a:r>
+              <a:rPr lang="en-US" altLang="zh-CN" sz="2000" dirty="0" err="1">
+                <a:latin typeface="华文楷体" panose="02010600040101010101" pitchFamily="2" charset="-122"/>
+                <a:ea typeface="华文楷体" panose="02010600040101010101" pitchFamily="2" charset="-122"/>
+              </a:rPr>
+              <a:t>Until_Log_Pos</a:t>
+            </a:r>
+            <a:r>
+              <a:rPr lang="en-US" altLang="zh-CN" sz="2000" dirty="0">
+                <a:latin typeface="华文楷体" panose="02010600040101010101" pitchFamily="2" charset="-122"/>
+                <a:ea typeface="华文楷体" panose="02010600040101010101" pitchFamily="2" charset="-122"/>
+              </a:rPr>
+              <a:t>: 0</a:t>
+            </a:r>
+          </a:p>
+          <a:p>
+            <a:r>
+              <a:rPr lang="en-US" altLang="zh-CN" sz="2000" dirty="0">
+                <a:latin typeface="华文楷体" panose="02010600040101010101" pitchFamily="2" charset="-122"/>
+                <a:ea typeface="华文楷体" panose="02010600040101010101" pitchFamily="2" charset="-122"/>
+              </a:rPr>
+              <a:t>           </a:t>
+            </a:r>
+            <a:r>
+              <a:rPr lang="en-US" altLang="zh-CN" sz="2000" dirty="0" err="1">
+                <a:latin typeface="华文楷体" panose="02010600040101010101" pitchFamily="2" charset="-122"/>
+                <a:ea typeface="华文楷体" panose="02010600040101010101" pitchFamily="2" charset="-122"/>
+              </a:rPr>
+              <a:t>Master_SSL_Allowed</a:t>
+            </a:r>
+            <a:r>
+              <a:rPr lang="en-US" altLang="zh-CN" sz="2000" dirty="0">
+                <a:latin typeface="华文楷体" panose="02010600040101010101" pitchFamily="2" charset="-122"/>
+                <a:ea typeface="华文楷体" panose="02010600040101010101" pitchFamily="2" charset="-122"/>
+              </a:rPr>
+              <a:t>: No</a:t>
+            </a:r>
+          </a:p>
+          <a:p>
+            <a:r>
+              <a:rPr lang="en-US" altLang="zh-CN" sz="2000" dirty="0">
+                <a:latin typeface="华文楷体" panose="02010600040101010101" pitchFamily="2" charset="-122"/>
+                <a:ea typeface="华文楷体" panose="02010600040101010101" pitchFamily="2" charset="-122"/>
+              </a:rPr>
+              <a:t>           </a:t>
+            </a:r>
+            <a:r>
+              <a:rPr lang="en-US" altLang="zh-CN" sz="2000" dirty="0" err="1">
+                <a:latin typeface="华文楷体" panose="02010600040101010101" pitchFamily="2" charset="-122"/>
+                <a:ea typeface="华文楷体" panose="02010600040101010101" pitchFamily="2" charset="-122"/>
+              </a:rPr>
+              <a:t>Master_SSL_CA_File</a:t>
+            </a:r>
+            <a:r>
+              <a:rPr lang="en-US" altLang="zh-CN" sz="2000" dirty="0">
+                <a:latin typeface="华文楷体" panose="02010600040101010101" pitchFamily="2" charset="-122"/>
+                <a:ea typeface="华文楷体" panose="02010600040101010101" pitchFamily="2" charset="-122"/>
+              </a:rPr>
+              <a:t>: </a:t>
+            </a:r>
+          </a:p>
+          <a:p>
+            <a:r>
+              <a:rPr lang="en-US" altLang="zh-CN" sz="2000" dirty="0">
+                <a:latin typeface="华文楷体" panose="02010600040101010101" pitchFamily="2" charset="-122"/>
+                <a:ea typeface="华文楷体" panose="02010600040101010101" pitchFamily="2" charset="-122"/>
+              </a:rPr>
+              <a:t>           </a:t>
+            </a:r>
+            <a:r>
+              <a:rPr lang="en-US" altLang="zh-CN" sz="2000" dirty="0" err="1">
+                <a:latin typeface="华文楷体" panose="02010600040101010101" pitchFamily="2" charset="-122"/>
+                <a:ea typeface="华文楷体" panose="02010600040101010101" pitchFamily="2" charset="-122"/>
+              </a:rPr>
+              <a:t>Master_SSL_CA_Path</a:t>
+            </a:r>
+            <a:r>
+              <a:rPr lang="en-US" altLang="zh-CN" sz="2000" dirty="0">
+                <a:latin typeface="华文楷体" panose="02010600040101010101" pitchFamily="2" charset="-122"/>
+                <a:ea typeface="华文楷体" panose="02010600040101010101" pitchFamily="2" charset="-122"/>
+              </a:rPr>
+              <a:t>: </a:t>
+            </a:r>
+          </a:p>
+          <a:p>
+            <a:r>
+              <a:rPr lang="en-US" altLang="zh-CN" sz="2000" dirty="0">
+                <a:latin typeface="华文楷体" panose="02010600040101010101" pitchFamily="2" charset="-122"/>
+                <a:ea typeface="华文楷体" panose="02010600040101010101" pitchFamily="2" charset="-122"/>
+              </a:rPr>
+              <a:t>              </a:t>
+            </a:r>
+            <a:r>
+              <a:rPr lang="en-US" altLang="zh-CN" sz="2000" dirty="0" err="1">
+                <a:latin typeface="华文楷体" panose="02010600040101010101" pitchFamily="2" charset="-122"/>
+                <a:ea typeface="华文楷体" panose="02010600040101010101" pitchFamily="2" charset="-122"/>
+              </a:rPr>
+              <a:t>Master_SSL_Cert</a:t>
+            </a:r>
+            <a:r>
+              <a:rPr lang="en-US" altLang="zh-CN" sz="2000" dirty="0">
+                <a:latin typeface="华文楷体" panose="02010600040101010101" pitchFamily="2" charset="-122"/>
+                <a:ea typeface="华文楷体" panose="02010600040101010101" pitchFamily="2" charset="-122"/>
+              </a:rPr>
+              <a:t>: </a:t>
+            </a:r>
+          </a:p>
+          <a:p>
+            <a:r>
+              <a:rPr lang="en-US" altLang="zh-CN" sz="2000" dirty="0">
+                <a:latin typeface="华文楷体" panose="02010600040101010101" pitchFamily="2" charset="-122"/>
+                <a:ea typeface="华文楷体" panose="02010600040101010101" pitchFamily="2" charset="-122"/>
+              </a:rPr>
+              <a:t>            </a:t>
+            </a:r>
+            <a:r>
+              <a:rPr lang="en-US" altLang="zh-CN" sz="2000" dirty="0" err="1">
+                <a:latin typeface="华文楷体" panose="02010600040101010101" pitchFamily="2" charset="-122"/>
+                <a:ea typeface="华文楷体" panose="02010600040101010101" pitchFamily="2" charset="-122"/>
+              </a:rPr>
+              <a:t>Master_SSL_Cipher</a:t>
+            </a:r>
+            <a:r>
+              <a:rPr lang="en-US" altLang="zh-CN" sz="2000" dirty="0">
+                <a:latin typeface="华文楷体" panose="02010600040101010101" pitchFamily="2" charset="-122"/>
+                <a:ea typeface="华文楷体" panose="02010600040101010101" pitchFamily="2" charset="-122"/>
+              </a:rPr>
+              <a:t>: </a:t>
+            </a:r>
+          </a:p>
+          <a:p>
+            <a:r>
+              <a:rPr lang="en-US" altLang="zh-CN" sz="2000" dirty="0">
+                <a:latin typeface="华文楷体" panose="02010600040101010101" pitchFamily="2" charset="-122"/>
+                <a:ea typeface="华文楷体" panose="02010600040101010101" pitchFamily="2" charset="-122"/>
+              </a:rPr>
+              <a:t>               </a:t>
+            </a:r>
+            <a:r>
+              <a:rPr lang="en-US" altLang="zh-CN" sz="2000" dirty="0" err="1">
+                <a:latin typeface="华文楷体" panose="02010600040101010101" pitchFamily="2" charset="-122"/>
+                <a:ea typeface="华文楷体" panose="02010600040101010101" pitchFamily="2" charset="-122"/>
+              </a:rPr>
+              <a:t>Master_SSL_Key</a:t>
+            </a:r>
+            <a:r>
+              <a:rPr lang="en-US" altLang="zh-CN" sz="2000" dirty="0">
+                <a:latin typeface="华文楷体" panose="02010600040101010101" pitchFamily="2" charset="-122"/>
+                <a:ea typeface="华文楷体" panose="02010600040101010101" pitchFamily="2" charset="-122"/>
+              </a:rPr>
+              <a:t>: </a:t>
+            </a:r>
+          </a:p>
+          <a:p>
+            <a:r>
+              <a:rPr lang="en-US" altLang="zh-CN" sz="2000" dirty="0">
+                <a:latin typeface="华文楷体" panose="02010600040101010101" pitchFamily="2" charset="-122"/>
+                <a:ea typeface="华文楷体" panose="02010600040101010101" pitchFamily="2" charset="-122"/>
+              </a:rPr>
+              <a:t>        </a:t>
+            </a:r>
+            <a:r>
+              <a:rPr lang="en-US" altLang="zh-CN" sz="2000" dirty="0" err="1">
+                <a:latin typeface="华文楷体" panose="02010600040101010101" pitchFamily="2" charset="-122"/>
+                <a:ea typeface="华文楷体" panose="02010600040101010101" pitchFamily="2" charset="-122"/>
+              </a:rPr>
+              <a:t>Seconds_Behind_Master</a:t>
+            </a:r>
+            <a:r>
+              <a:rPr lang="en-US" altLang="zh-CN" sz="2000" dirty="0">
+                <a:latin typeface="华文楷体" panose="02010600040101010101" pitchFamily="2" charset="-122"/>
+                <a:ea typeface="华文楷体" panose="02010600040101010101" pitchFamily="2" charset="-122"/>
+              </a:rPr>
+              <a:t>: 0</a:t>
+            </a:r>
+          </a:p>
+          <a:p>
+            <a:r>
+              <a:rPr lang="en-US" altLang="zh-CN" sz="2000" dirty="0" err="1">
+                <a:latin typeface="华文楷体" panose="02010600040101010101" pitchFamily="2" charset="-122"/>
+                <a:ea typeface="华文楷体" panose="02010600040101010101" pitchFamily="2" charset="-122"/>
+              </a:rPr>
+              <a:t>Master_SSL_Verify_Server_Cert</a:t>
+            </a:r>
+            <a:r>
+              <a:rPr lang="en-US" altLang="zh-CN" sz="2000" dirty="0">
+                <a:latin typeface="华文楷体" panose="02010600040101010101" pitchFamily="2" charset="-122"/>
+                <a:ea typeface="华文楷体" panose="02010600040101010101" pitchFamily="2" charset="-122"/>
+              </a:rPr>
+              <a:t>: No</a:t>
+            </a:r>
+          </a:p>
+          <a:p>
+            <a:r>
+              <a:rPr lang="en-US" altLang="zh-CN" sz="2000" dirty="0">
+                <a:latin typeface="华文楷体" panose="02010600040101010101" pitchFamily="2" charset="-122"/>
+                <a:ea typeface="华文楷体" panose="02010600040101010101" pitchFamily="2" charset="-122"/>
+              </a:rPr>
+              <a:t>                </a:t>
+            </a:r>
+            <a:r>
+              <a:rPr lang="en-US" altLang="zh-CN" sz="2000" dirty="0" err="1">
+                <a:latin typeface="华文楷体" panose="02010600040101010101" pitchFamily="2" charset="-122"/>
+                <a:ea typeface="华文楷体" panose="02010600040101010101" pitchFamily="2" charset="-122"/>
+              </a:rPr>
+              <a:t>Last_IO_Errno</a:t>
+            </a:r>
+            <a:r>
+              <a:rPr lang="en-US" altLang="zh-CN" sz="2000" dirty="0">
+                <a:latin typeface="华文楷体" panose="02010600040101010101" pitchFamily="2" charset="-122"/>
+                <a:ea typeface="华文楷体" panose="02010600040101010101" pitchFamily="2" charset="-122"/>
+              </a:rPr>
+              <a:t>: 0</a:t>
+            </a:r>
+          </a:p>
+          <a:p>
+            <a:r>
+              <a:rPr lang="en-US" altLang="zh-CN" sz="2000" dirty="0">
+                <a:latin typeface="华文楷体" panose="02010600040101010101" pitchFamily="2" charset="-122"/>
+                <a:ea typeface="华文楷体" panose="02010600040101010101" pitchFamily="2" charset="-122"/>
+              </a:rPr>
+              <a:t>                </a:t>
+            </a:r>
+            <a:r>
+              <a:rPr lang="en-US" altLang="zh-CN" sz="2000" dirty="0" err="1">
+                <a:latin typeface="华文楷体" panose="02010600040101010101" pitchFamily="2" charset="-122"/>
+                <a:ea typeface="华文楷体" panose="02010600040101010101" pitchFamily="2" charset="-122"/>
+              </a:rPr>
+              <a:t>Last_IO_Error</a:t>
+            </a:r>
+            <a:r>
+              <a:rPr lang="en-US" altLang="zh-CN" sz="2000" dirty="0">
+                <a:latin typeface="华文楷体" panose="02010600040101010101" pitchFamily="2" charset="-122"/>
+                <a:ea typeface="华文楷体" panose="02010600040101010101" pitchFamily="2" charset="-122"/>
+              </a:rPr>
+              <a:t>: </a:t>
+            </a:r>
+          </a:p>
+          <a:p>
+            <a:r>
+              <a:rPr lang="en-US" altLang="zh-CN" sz="2000" dirty="0">
+                <a:latin typeface="华文楷体" panose="02010600040101010101" pitchFamily="2" charset="-122"/>
+                <a:ea typeface="华文楷体" panose="02010600040101010101" pitchFamily="2" charset="-122"/>
+              </a:rPr>
+              <a:t>               </a:t>
+            </a:r>
+            <a:r>
+              <a:rPr lang="en-US" altLang="zh-CN" sz="2000" dirty="0" err="1">
+                <a:latin typeface="华文楷体" panose="02010600040101010101" pitchFamily="2" charset="-122"/>
+                <a:ea typeface="华文楷体" panose="02010600040101010101" pitchFamily="2" charset="-122"/>
+              </a:rPr>
+              <a:t>Last_SQL_Errno</a:t>
+            </a:r>
+            <a:r>
+              <a:rPr lang="en-US" altLang="zh-CN" sz="2000" dirty="0">
+                <a:latin typeface="华文楷体" panose="02010600040101010101" pitchFamily="2" charset="-122"/>
+                <a:ea typeface="华文楷体" panose="02010600040101010101" pitchFamily="2" charset="-122"/>
+              </a:rPr>
+              <a:t>: 0</a:t>
+            </a:r>
+          </a:p>
+          <a:p>
+            <a:r>
+              <a:rPr lang="en-US" altLang="zh-CN" sz="2000" dirty="0">
+                <a:latin typeface="华文楷体" panose="02010600040101010101" pitchFamily="2" charset="-122"/>
+                <a:ea typeface="华文楷体" panose="02010600040101010101" pitchFamily="2" charset="-122"/>
+              </a:rPr>
+              <a:t>               </a:t>
+            </a:r>
+            <a:r>
+              <a:rPr lang="en-US" altLang="zh-CN" sz="2000" dirty="0" err="1">
+                <a:latin typeface="华文楷体" panose="02010600040101010101" pitchFamily="2" charset="-122"/>
+                <a:ea typeface="华文楷体" panose="02010600040101010101" pitchFamily="2" charset="-122"/>
+              </a:rPr>
+              <a:t>Last_SQL_Error</a:t>
+            </a:r>
+            <a:r>
+              <a:rPr lang="en-US" altLang="zh-CN" sz="2000" dirty="0">
+                <a:latin typeface="华文楷体" panose="02010600040101010101" pitchFamily="2" charset="-122"/>
+                <a:ea typeface="华文楷体" panose="02010600040101010101" pitchFamily="2" charset="-122"/>
+              </a:rPr>
+              <a:t>: </a:t>
+            </a:r>
+          </a:p>
+          <a:p>
+            <a:r>
+              <a:rPr lang="en-US" altLang="zh-CN" sz="2000" dirty="0">
+                <a:latin typeface="华文楷体" panose="02010600040101010101" pitchFamily="2" charset="-122"/>
+                <a:ea typeface="华文楷体" panose="02010600040101010101" pitchFamily="2" charset="-122"/>
+              </a:rPr>
+              <a:t>  </a:t>
+            </a:r>
+            <a:r>
+              <a:rPr lang="en-US" altLang="zh-CN" sz="2000" dirty="0" err="1">
+                <a:latin typeface="华文楷体" panose="02010600040101010101" pitchFamily="2" charset="-122"/>
+                <a:ea typeface="华文楷体" panose="02010600040101010101" pitchFamily="2" charset="-122"/>
+              </a:rPr>
+              <a:t>Replicate_Ignore_Server_Ids</a:t>
+            </a:r>
+            <a:r>
+              <a:rPr lang="en-US" altLang="zh-CN" sz="2000" dirty="0">
+                <a:latin typeface="华文楷体" panose="02010600040101010101" pitchFamily="2" charset="-122"/>
+                <a:ea typeface="华文楷体" panose="02010600040101010101" pitchFamily="2" charset="-122"/>
+              </a:rPr>
+              <a:t>: </a:t>
+            </a:r>
+          </a:p>
+          <a:p>
+            <a:r>
+              <a:rPr lang="en-US" altLang="zh-CN" sz="2000" dirty="0">
+                <a:latin typeface="华文楷体" panose="02010600040101010101" pitchFamily="2" charset="-122"/>
+                <a:ea typeface="华文楷体" panose="02010600040101010101" pitchFamily="2" charset="-122"/>
+              </a:rPr>
+              <a:t>             </a:t>
+            </a:r>
+            <a:r>
+              <a:rPr lang="en-US" altLang="zh-CN" sz="2000" dirty="0" err="1">
+                <a:latin typeface="华文楷体" panose="02010600040101010101" pitchFamily="2" charset="-122"/>
+                <a:ea typeface="华文楷体" panose="02010600040101010101" pitchFamily="2" charset="-122"/>
+              </a:rPr>
+              <a:t>Master_Server_Id</a:t>
+            </a:r>
+            <a:r>
+              <a:rPr lang="en-US" altLang="zh-CN" sz="2000" dirty="0">
+                <a:latin typeface="华文楷体" panose="02010600040101010101" pitchFamily="2" charset="-122"/>
+                <a:ea typeface="华文楷体" panose="02010600040101010101" pitchFamily="2" charset="-122"/>
+              </a:rPr>
+              <a:t>: 1613306</a:t>
+            </a:r>
+          </a:p>
+          <a:p>
+            <a:r>
+              <a:rPr lang="en-US" altLang="zh-CN" sz="2000" dirty="0">
+                <a:latin typeface="华文楷体" panose="02010600040101010101" pitchFamily="2" charset="-122"/>
+                <a:ea typeface="华文楷体" panose="02010600040101010101" pitchFamily="2" charset="-122"/>
+              </a:rPr>
+              <a:t>                  </a:t>
+            </a:r>
+            <a:r>
+              <a:rPr lang="en-US" altLang="zh-CN" sz="2000" dirty="0" err="1">
+                <a:latin typeface="华文楷体" panose="02010600040101010101" pitchFamily="2" charset="-122"/>
+                <a:ea typeface="华文楷体" panose="02010600040101010101" pitchFamily="2" charset="-122"/>
+              </a:rPr>
+              <a:t>Master_UUID</a:t>
+            </a:r>
+            <a:r>
+              <a:rPr lang="en-US" altLang="zh-CN" sz="2000" dirty="0">
+                <a:latin typeface="华文楷体" panose="02010600040101010101" pitchFamily="2" charset="-122"/>
+                <a:ea typeface="华文楷体" panose="02010600040101010101" pitchFamily="2" charset="-122"/>
+              </a:rPr>
+              <a:t>: 2e3f5c76-0905-11e6-8dad-0050568fd581</a:t>
+            </a:r>
+          </a:p>
+          <a:p>
+            <a:r>
+              <a:rPr lang="en-US" altLang="zh-CN" sz="2000" dirty="0">
+                <a:latin typeface="华文楷体" panose="02010600040101010101" pitchFamily="2" charset="-122"/>
+                <a:ea typeface="华文楷体" panose="02010600040101010101" pitchFamily="2" charset="-122"/>
+              </a:rPr>
+              <a:t>             </a:t>
+            </a:r>
+            <a:r>
+              <a:rPr lang="en-US" altLang="zh-CN" sz="2000" dirty="0" err="1">
+                <a:latin typeface="华文楷体" panose="02010600040101010101" pitchFamily="2" charset="-122"/>
+                <a:ea typeface="华文楷体" panose="02010600040101010101" pitchFamily="2" charset="-122"/>
+              </a:rPr>
+              <a:t>Master_Info_File</a:t>
+            </a:r>
+            <a:r>
+              <a:rPr lang="en-US" altLang="zh-CN" sz="2000" dirty="0">
+                <a:latin typeface="华文楷体" panose="02010600040101010101" pitchFamily="2" charset="-122"/>
+                <a:ea typeface="华文楷体" panose="02010600040101010101" pitchFamily="2" charset="-122"/>
+              </a:rPr>
+              <a:t>: </a:t>
+            </a:r>
+            <a:r>
+              <a:rPr lang="en-US" altLang="zh-CN" sz="2000" dirty="0" err="1">
+                <a:latin typeface="华文楷体" panose="02010600040101010101" pitchFamily="2" charset="-122"/>
+                <a:ea typeface="华文楷体" panose="02010600040101010101" pitchFamily="2" charset="-122"/>
+              </a:rPr>
+              <a:t>mysql.slave_master_info</a:t>
+            </a:r>
+            <a:endParaRPr lang="en-US" altLang="zh-CN" sz="2000" dirty="0">
+              <a:latin typeface="华文楷体" panose="02010600040101010101" pitchFamily="2" charset="-122"/>
+              <a:ea typeface="华文楷体" panose="02010600040101010101" pitchFamily="2" charset="-122"/>
+            </a:endParaRPr>
+          </a:p>
+          <a:p>
+            <a:r>
+              <a:rPr lang="en-US" altLang="zh-CN" sz="2000" dirty="0">
+                <a:latin typeface="华文楷体" panose="02010600040101010101" pitchFamily="2" charset="-122"/>
+                <a:ea typeface="华文楷体" panose="02010600040101010101" pitchFamily="2" charset="-122"/>
+              </a:rPr>
+              <a:t>                    </a:t>
+            </a:r>
+            <a:r>
+              <a:rPr lang="en-US" altLang="zh-CN" sz="2000" dirty="0" err="1">
+                <a:latin typeface="华文楷体" panose="02010600040101010101" pitchFamily="2" charset="-122"/>
+                <a:ea typeface="华文楷体" panose="02010600040101010101" pitchFamily="2" charset="-122"/>
+              </a:rPr>
+              <a:t>SQL_Delay</a:t>
+            </a:r>
+            <a:r>
+              <a:rPr lang="en-US" altLang="zh-CN" sz="2000" dirty="0">
+                <a:latin typeface="华文楷体" panose="02010600040101010101" pitchFamily="2" charset="-122"/>
+                <a:ea typeface="华文楷体" panose="02010600040101010101" pitchFamily="2" charset="-122"/>
+              </a:rPr>
+              <a:t>: 0</a:t>
+            </a:r>
+          </a:p>
+          <a:p>
+            <a:r>
+              <a:rPr lang="en-US" altLang="zh-CN" sz="2000" dirty="0">
+                <a:latin typeface="华文楷体" panose="02010600040101010101" pitchFamily="2" charset="-122"/>
+                <a:ea typeface="华文楷体" panose="02010600040101010101" pitchFamily="2" charset="-122"/>
+              </a:rPr>
+              <a:t>          </a:t>
+            </a:r>
+            <a:r>
+              <a:rPr lang="en-US" altLang="zh-CN" sz="2000" dirty="0" err="1">
+                <a:latin typeface="华文楷体" panose="02010600040101010101" pitchFamily="2" charset="-122"/>
+                <a:ea typeface="华文楷体" panose="02010600040101010101" pitchFamily="2" charset="-122"/>
+              </a:rPr>
+              <a:t>SQL_Remaining_Delay</a:t>
+            </a:r>
+            <a:r>
+              <a:rPr lang="en-US" altLang="zh-CN" sz="2000" dirty="0">
+                <a:latin typeface="华文楷体" panose="02010600040101010101" pitchFamily="2" charset="-122"/>
+                <a:ea typeface="华文楷体" panose="02010600040101010101" pitchFamily="2" charset="-122"/>
+              </a:rPr>
+              <a:t>: NULL</a:t>
+            </a:r>
+          </a:p>
+          <a:p>
+            <a:r>
+              <a:rPr lang="en-US" altLang="zh-CN" sz="2000" dirty="0">
+                <a:latin typeface="华文楷体" panose="02010600040101010101" pitchFamily="2" charset="-122"/>
+                <a:ea typeface="华文楷体" panose="02010600040101010101" pitchFamily="2" charset="-122"/>
+              </a:rPr>
+              <a:t>      </a:t>
+            </a:r>
+            <a:r>
+              <a:rPr lang="en-US" altLang="zh-CN" sz="2000" dirty="0" err="1">
+                <a:latin typeface="华文楷体" panose="02010600040101010101" pitchFamily="2" charset="-122"/>
+                <a:ea typeface="华文楷体" panose="02010600040101010101" pitchFamily="2" charset="-122"/>
+              </a:rPr>
+              <a:t>Slave_SQL_Running_State</a:t>
+            </a:r>
+            <a:r>
+              <a:rPr lang="en-US" altLang="zh-CN" sz="2000" dirty="0">
+                <a:latin typeface="华文楷体" panose="02010600040101010101" pitchFamily="2" charset="-122"/>
+                <a:ea typeface="华文楷体" panose="02010600040101010101" pitchFamily="2" charset="-122"/>
+              </a:rPr>
+              <a:t>: Slave has read all relay log; waiting for the slave I/O thread to update it</a:t>
+            </a:r>
+          </a:p>
+          <a:p>
+            <a:r>
+              <a:rPr lang="en-US" altLang="zh-CN" sz="2000" dirty="0">
+                <a:latin typeface="华文楷体" panose="02010600040101010101" pitchFamily="2" charset="-122"/>
+                <a:ea typeface="华文楷体" panose="02010600040101010101" pitchFamily="2" charset="-122"/>
+              </a:rPr>
+              <a:t>           </a:t>
+            </a:r>
+            <a:r>
+              <a:rPr lang="en-US" altLang="zh-CN" sz="2000" dirty="0" err="1">
+                <a:latin typeface="华文楷体" panose="02010600040101010101" pitchFamily="2" charset="-122"/>
+                <a:ea typeface="华文楷体" panose="02010600040101010101" pitchFamily="2" charset="-122"/>
+              </a:rPr>
+              <a:t>Master_Retry_Count</a:t>
+            </a:r>
+            <a:r>
+              <a:rPr lang="en-US" altLang="zh-CN" sz="2000" dirty="0">
+                <a:latin typeface="华文楷体" panose="02010600040101010101" pitchFamily="2" charset="-122"/>
+                <a:ea typeface="华文楷体" panose="02010600040101010101" pitchFamily="2" charset="-122"/>
+              </a:rPr>
+              <a:t>: 86400</a:t>
+            </a:r>
+          </a:p>
+          <a:p>
+            <a:r>
+              <a:rPr lang="en-US" altLang="zh-CN" sz="2000" dirty="0">
+                <a:latin typeface="华文楷体" panose="02010600040101010101" pitchFamily="2" charset="-122"/>
+                <a:ea typeface="华文楷体" panose="02010600040101010101" pitchFamily="2" charset="-122"/>
+              </a:rPr>
+              <a:t>                  </a:t>
+            </a:r>
+            <a:r>
+              <a:rPr lang="en-US" altLang="zh-CN" sz="2000" dirty="0" err="1">
+                <a:latin typeface="华文楷体" panose="02010600040101010101" pitchFamily="2" charset="-122"/>
+                <a:ea typeface="华文楷体" panose="02010600040101010101" pitchFamily="2" charset="-122"/>
+              </a:rPr>
+              <a:t>Master_Bind</a:t>
+            </a:r>
+            <a:r>
+              <a:rPr lang="en-US" altLang="zh-CN" sz="2000" dirty="0">
+                <a:latin typeface="华文楷体" panose="02010600040101010101" pitchFamily="2" charset="-122"/>
+                <a:ea typeface="华文楷体" panose="02010600040101010101" pitchFamily="2" charset="-122"/>
+              </a:rPr>
+              <a:t>: </a:t>
+            </a:r>
+          </a:p>
+          <a:p>
+            <a:r>
+              <a:rPr lang="en-US" altLang="zh-CN" sz="2000" dirty="0">
+                <a:latin typeface="华文楷体" panose="02010600040101010101" pitchFamily="2" charset="-122"/>
+                <a:ea typeface="华文楷体" panose="02010600040101010101" pitchFamily="2" charset="-122"/>
+              </a:rPr>
+              <a:t>      </a:t>
+            </a:r>
+            <a:r>
+              <a:rPr lang="en-US" altLang="zh-CN" sz="2000" dirty="0" err="1">
+                <a:latin typeface="华文楷体" panose="02010600040101010101" pitchFamily="2" charset="-122"/>
+                <a:ea typeface="华文楷体" panose="02010600040101010101" pitchFamily="2" charset="-122"/>
+              </a:rPr>
+              <a:t>Last_IO_Error_Timestamp</a:t>
+            </a:r>
+            <a:r>
+              <a:rPr lang="en-US" altLang="zh-CN" sz="2000" dirty="0">
+                <a:latin typeface="华文楷体" panose="02010600040101010101" pitchFamily="2" charset="-122"/>
+                <a:ea typeface="华文楷体" panose="02010600040101010101" pitchFamily="2" charset="-122"/>
+              </a:rPr>
+              <a:t>: </a:t>
+            </a:r>
+          </a:p>
+          <a:p>
+            <a:r>
+              <a:rPr lang="en-US" altLang="zh-CN" sz="2000" dirty="0">
+                <a:latin typeface="华文楷体" panose="02010600040101010101" pitchFamily="2" charset="-122"/>
+                <a:ea typeface="华文楷体" panose="02010600040101010101" pitchFamily="2" charset="-122"/>
+              </a:rPr>
+              <a:t>     </a:t>
+            </a:r>
+            <a:r>
+              <a:rPr lang="en-US" altLang="zh-CN" sz="2000" dirty="0" err="1">
+                <a:latin typeface="华文楷体" panose="02010600040101010101" pitchFamily="2" charset="-122"/>
+                <a:ea typeface="华文楷体" panose="02010600040101010101" pitchFamily="2" charset="-122"/>
+              </a:rPr>
+              <a:t>Last_SQL_Error_Timestamp</a:t>
+            </a:r>
+            <a:r>
+              <a:rPr lang="en-US" altLang="zh-CN" sz="2000" dirty="0">
+                <a:latin typeface="华文楷体" panose="02010600040101010101" pitchFamily="2" charset="-122"/>
+                <a:ea typeface="华文楷体" panose="02010600040101010101" pitchFamily="2" charset="-122"/>
+              </a:rPr>
+              <a:t>: </a:t>
+            </a:r>
+          </a:p>
+          <a:p>
+            <a:r>
+              <a:rPr lang="en-US" altLang="zh-CN" sz="2000" dirty="0">
+                <a:latin typeface="华文楷体" panose="02010600040101010101" pitchFamily="2" charset="-122"/>
+                <a:ea typeface="华文楷体" panose="02010600040101010101" pitchFamily="2" charset="-122"/>
+              </a:rPr>
+              <a:t>               </a:t>
+            </a:r>
+            <a:r>
+              <a:rPr lang="en-US" altLang="zh-CN" sz="2000" dirty="0" err="1">
+                <a:latin typeface="华文楷体" panose="02010600040101010101" pitchFamily="2" charset="-122"/>
+                <a:ea typeface="华文楷体" panose="02010600040101010101" pitchFamily="2" charset="-122"/>
+              </a:rPr>
+              <a:t>Master_SSL_Crl</a:t>
+            </a:r>
+            <a:r>
+              <a:rPr lang="en-US" altLang="zh-CN" sz="2000" dirty="0">
+                <a:latin typeface="华文楷体" panose="02010600040101010101" pitchFamily="2" charset="-122"/>
+                <a:ea typeface="华文楷体" panose="02010600040101010101" pitchFamily="2" charset="-122"/>
+              </a:rPr>
+              <a:t>: </a:t>
+            </a:r>
+          </a:p>
+          <a:p>
+            <a:r>
+              <a:rPr lang="en-US" altLang="zh-CN" sz="2000" dirty="0">
+                <a:latin typeface="华文楷体" panose="02010600040101010101" pitchFamily="2" charset="-122"/>
+                <a:ea typeface="华文楷体" panose="02010600040101010101" pitchFamily="2" charset="-122"/>
+              </a:rPr>
+              <a:t>           </a:t>
+            </a:r>
+            <a:r>
+              <a:rPr lang="en-US" altLang="zh-CN" sz="2000" dirty="0" err="1">
+                <a:latin typeface="华文楷体" panose="02010600040101010101" pitchFamily="2" charset="-122"/>
+                <a:ea typeface="华文楷体" panose="02010600040101010101" pitchFamily="2" charset="-122"/>
+              </a:rPr>
+              <a:t>Master_SSL_Crlpath</a:t>
+            </a:r>
+            <a:r>
+              <a:rPr lang="en-US" altLang="zh-CN" sz="2000" dirty="0">
+                <a:latin typeface="华文楷体" panose="02010600040101010101" pitchFamily="2" charset="-122"/>
+                <a:ea typeface="华文楷体" panose="02010600040101010101" pitchFamily="2" charset="-122"/>
+              </a:rPr>
+              <a:t>: </a:t>
+            </a:r>
+          </a:p>
+          <a:p>
+            <a:r>
+              <a:rPr lang="en-US" altLang="zh-CN" sz="2000" dirty="0">
+                <a:latin typeface="华文楷体" panose="02010600040101010101" pitchFamily="2" charset="-122"/>
+                <a:ea typeface="华文楷体" panose="02010600040101010101" pitchFamily="2" charset="-122"/>
+              </a:rPr>
+              <a:t>           </a:t>
+            </a:r>
+            <a:r>
+              <a:rPr lang="en-US" altLang="zh-CN" sz="2000" dirty="0" err="1">
+                <a:latin typeface="华文楷体" panose="02010600040101010101" pitchFamily="2" charset="-122"/>
+                <a:ea typeface="华文楷体" panose="02010600040101010101" pitchFamily="2" charset="-122"/>
+              </a:rPr>
+              <a:t>Retrieved_Gtid_Set</a:t>
+            </a:r>
+            <a:r>
+              <a:rPr lang="en-US" altLang="zh-CN" sz="2000" dirty="0">
+                <a:latin typeface="华文楷体" panose="02010600040101010101" pitchFamily="2" charset="-122"/>
+                <a:ea typeface="华文楷体" panose="02010600040101010101" pitchFamily="2" charset="-122"/>
+              </a:rPr>
+              <a:t>: 2e3f5c76-0905-11e6-8dad-0050568fd581:1101-1125</a:t>
+            </a:r>
+          </a:p>
+          <a:p>
+            <a:r>
+              <a:rPr lang="en-US" altLang="zh-CN" sz="2000" dirty="0">
+                <a:latin typeface="华文楷体" panose="02010600040101010101" pitchFamily="2" charset="-122"/>
+                <a:ea typeface="华文楷体" panose="02010600040101010101" pitchFamily="2" charset="-122"/>
+              </a:rPr>
+              <a:t>            </a:t>
+            </a:r>
+            <a:r>
+              <a:rPr lang="en-US" altLang="zh-CN" sz="2000" dirty="0" err="1">
+                <a:latin typeface="华文楷体" panose="02010600040101010101" pitchFamily="2" charset="-122"/>
+                <a:ea typeface="华文楷体" panose="02010600040101010101" pitchFamily="2" charset="-122"/>
+              </a:rPr>
+              <a:t>Executed_Gtid_Set</a:t>
+            </a:r>
+            <a:r>
+              <a:rPr lang="en-US" altLang="zh-CN" sz="2000" dirty="0">
+                <a:latin typeface="华文楷体" panose="02010600040101010101" pitchFamily="2" charset="-122"/>
+                <a:ea typeface="华文楷体" panose="02010600040101010101" pitchFamily="2" charset="-122"/>
+              </a:rPr>
+              <a:t>: 2e3f5c76-0905-11e6-8dad-0050568fd581:1-1125</a:t>
+            </a:r>
+          </a:p>
+          <a:p>
+            <a:r>
+              <a:rPr lang="en-US" altLang="zh-CN" sz="2000" dirty="0">
+                <a:latin typeface="华文楷体" panose="02010600040101010101" pitchFamily="2" charset="-122"/>
+                <a:ea typeface="华文楷体" panose="02010600040101010101" pitchFamily="2" charset="-122"/>
+              </a:rPr>
+              <a:t>                </a:t>
+            </a:r>
+            <a:r>
+              <a:rPr lang="en-US" altLang="zh-CN" sz="2000" dirty="0" err="1">
+                <a:latin typeface="华文楷体" panose="02010600040101010101" pitchFamily="2" charset="-122"/>
+                <a:ea typeface="华文楷体" panose="02010600040101010101" pitchFamily="2" charset="-122"/>
+              </a:rPr>
+              <a:t>Auto_Position</a:t>
+            </a:r>
+            <a:r>
+              <a:rPr lang="en-US" altLang="zh-CN" sz="2000" dirty="0">
+                <a:latin typeface="华文楷体" panose="02010600040101010101" pitchFamily="2" charset="-122"/>
+                <a:ea typeface="华文楷体" panose="02010600040101010101" pitchFamily="2" charset="-122"/>
+              </a:rPr>
+              <a:t>: 1</a:t>
+            </a:r>
+            <a:endParaRPr lang="en-US" altLang="zh-CN" sz="2000" dirty="0" smtClean="0">
+              <a:latin typeface="华文楷体" panose="02010600040101010101" pitchFamily="2" charset="-122"/>
+              <a:ea typeface="华文楷体" panose="02010600040101010101" pitchFamily="2" charset="-122"/>
+            </a:endParaRPr>
+          </a:p>
+        </p:txBody>
+      </p:sp>
+    </p:spTree>
+    <p:extLst>
+      <p:ext uri="{BB962C8B-B14F-4D97-AF65-F5344CB8AC3E}">
+        <p14:creationId xmlns:p14="http://schemas.microsoft.com/office/powerpoint/2010/main" val="1074536020"/>
+      </p:ext>
+    </p:extLst>
+  </p:cSld>
+  <p:clrMapOvr>
+    <a:masterClrMapping/>
+  </p:clrMapOvr>
+  <p:timing>
+    <p:tnLst>
+      <p:par>
+        <p:cTn id="1" dur="indefinite" restart="never" nodeType="tmRoot"/>
+      </p:par>
+    </p:tnLst>
+  </p:timing>
+</p:sld>
+</file>
+
+<file path=ppt/slides/slide18.xml><?xml version="1.0" encoding="utf-8"?>
+<p:sld xmlns:a="http://schemas.openxmlformats.org/drawingml/2006/main" xmlns:r="http://schemas.openxmlformats.org/officeDocument/2006/relationships" xmlns:p="http://schemas.openxmlformats.org/presentationml/2006/main">
+  <p:cSld>
+    <p:spTree>
+      <p:nvGrpSpPr>
+        <p:cNvPr id="1" name=""/>
+        <p:cNvGrpSpPr/>
+        <p:nvPr/>
+      </p:nvGrpSpPr>
+      <p:grpSpPr>
+        <a:xfrm>
+          <a:off x="0" y="0"/>
+          <a:ext cx="0" cy="0"/>
+          <a:chOff x="0" y="0"/>
+          <a:chExt cx="0" cy="0"/>
+        </a:xfrm>
+      </p:grpSpPr>
+      <p:sp>
+        <p:nvSpPr>
+          <p:cNvPr id="2" name="标题 1"/>
+          <p:cNvSpPr>
+            <a:spLocks noGrp="1"/>
+          </p:cNvSpPr>
+          <p:nvPr>
+            <p:ph type="ctrTitle"/>
+          </p:nvPr>
+        </p:nvSpPr>
+        <p:spPr/>
+        <p:txBody>
+          <a:bodyPr/>
+          <a:lstStyle/>
+          <a:p>
+            <a:endParaRPr lang="zh-CN" altLang="en-US"/>
+          </a:p>
+        </p:txBody>
+      </p:sp>
+      <p:sp>
+        <p:nvSpPr>
+          <p:cNvPr id="3" name="副标题 2"/>
+          <p:cNvSpPr>
+            <a:spLocks noGrp="1"/>
+          </p:cNvSpPr>
+          <p:nvPr>
+            <p:ph type="subTitle" idx="1"/>
+          </p:nvPr>
+        </p:nvSpPr>
+        <p:spPr>
+          <a:xfrm>
+            <a:off x="2692397" y="3840477"/>
+            <a:ext cx="6815669" cy="1320802"/>
+          </a:xfrm>
+        </p:spPr>
+        <p:txBody>
+          <a:bodyPr/>
+          <a:lstStyle/>
+          <a:p>
+            <a:endParaRPr lang="zh-CN" altLang="en-US"/>
+          </a:p>
+        </p:txBody>
+      </p:sp>
+      <p:pic>
+        <p:nvPicPr>
+          <p:cNvPr id="4" name="图片 3"/>
+          <p:cNvPicPr>
+            <a:picLocks noChangeAspect="1"/>
+          </p:cNvPicPr>
+          <p:nvPr/>
+        </p:nvPicPr>
+        <p:blipFill>
+          <a:blip r:embed="rId3">
+            <a:extLst>
+              <a:ext uri="{28A0092B-C50C-407E-A947-70E740481C1C}">
+                <a14:useLocalDpi xmlns:a14="http://schemas.microsoft.com/office/drawing/2010/main" val="0"/>
+              </a:ext>
+            </a:extLst>
+          </a:blip>
+          <a:stretch>
+            <a:fillRect/>
+          </a:stretch>
+        </p:blipFill>
+        <p:spPr>
+          <a:xfrm>
+            <a:off x="0" y="0"/>
+            <a:ext cx="12191999" cy="6858000"/>
+          </a:xfrm>
+          <a:prstGeom prst="rect">
+            <a:avLst/>
+          </a:prstGeom>
+        </p:spPr>
+      </p:pic>
+      <p:sp>
+        <p:nvSpPr>
+          <p:cNvPr id="5" name="文本框 4"/>
+          <p:cNvSpPr txBox="1"/>
+          <p:nvPr/>
+        </p:nvSpPr>
+        <p:spPr>
+          <a:xfrm>
+            <a:off x="610954" y="551405"/>
+            <a:ext cx="11449982" cy="5324535"/>
+          </a:xfrm>
+          <a:prstGeom prst="rect">
+            <a:avLst/>
+          </a:prstGeom>
+          <a:noFill/>
+        </p:spPr>
+        <p:txBody>
+          <a:bodyPr wrap="square" rtlCol="0">
+            <a:spAutoFit/>
+          </a:bodyPr>
+          <a:lstStyle/>
+          <a:p>
+            <a:r>
+              <a:rPr lang="en-US" altLang="zh-CN" sz="3200" dirty="0" err="1" smtClean="0">
+                <a:latin typeface="华文楷体" panose="02010600040101010101" pitchFamily="2" charset="-122"/>
+                <a:ea typeface="华文楷体" panose="02010600040101010101" pitchFamily="2" charset="-122"/>
+              </a:rPr>
+              <a:t>Mysql</a:t>
+            </a:r>
+            <a:r>
+              <a:rPr lang="zh-CN" altLang="en-US" sz="3200" dirty="0" smtClean="0">
+                <a:latin typeface="华文楷体" panose="02010600040101010101" pitchFamily="2" charset="-122"/>
+                <a:ea typeface="华文楷体" panose="02010600040101010101" pitchFamily="2" charset="-122"/>
+              </a:rPr>
+              <a:t>主从同步</a:t>
+            </a:r>
+            <a:endParaRPr lang="en-US" altLang="zh-CN" sz="3200" dirty="0" smtClean="0">
+              <a:latin typeface="华文楷体" panose="02010600040101010101" pitchFamily="2" charset="-122"/>
+              <a:ea typeface="华文楷体" panose="02010600040101010101" pitchFamily="2" charset="-122"/>
+            </a:endParaRPr>
+          </a:p>
+          <a:p>
+            <a:r>
+              <a:rPr lang="zh-CN" altLang="en-US" sz="3200" dirty="0" smtClean="0">
+                <a:latin typeface="华文楷体" panose="02010600040101010101" pitchFamily="2" charset="-122"/>
+                <a:ea typeface="华文楷体" panose="02010600040101010101" pitchFamily="2" charset="-122"/>
+              </a:rPr>
+              <a:t>如何判断</a:t>
+            </a:r>
+            <a:r>
+              <a:rPr lang="en-US" altLang="zh-CN" sz="3200" dirty="0" err="1" smtClean="0">
+                <a:latin typeface="华文楷体" panose="02010600040101010101" pitchFamily="2" charset="-122"/>
+                <a:ea typeface="华文楷体" panose="02010600040101010101" pitchFamily="2" charset="-122"/>
+              </a:rPr>
+              <a:t>mysql</a:t>
+            </a:r>
+            <a:r>
+              <a:rPr lang="zh-CN" altLang="en-US" sz="3200" dirty="0" smtClean="0">
+                <a:latin typeface="华文楷体" panose="02010600040101010101" pitchFamily="2" charset="-122"/>
+                <a:ea typeface="华文楷体" panose="02010600040101010101" pitchFamily="2" charset="-122"/>
+              </a:rPr>
+              <a:t>主从是否同步：</a:t>
+            </a:r>
+            <a:endParaRPr lang="en-US" altLang="zh-CN" sz="3200" dirty="0" smtClean="0">
+              <a:latin typeface="华文楷体" panose="02010600040101010101" pitchFamily="2" charset="-122"/>
+              <a:ea typeface="华文楷体" panose="02010600040101010101" pitchFamily="2" charset="-122"/>
+            </a:endParaRPr>
+          </a:p>
+          <a:p>
+            <a:r>
+              <a:rPr lang="en-US" altLang="zh-CN" sz="3200" dirty="0" smtClean="0">
+                <a:latin typeface="华文楷体" panose="02010600040101010101" pitchFamily="2" charset="-122"/>
+                <a:ea typeface="华文楷体" panose="02010600040101010101" pitchFamily="2" charset="-122"/>
+              </a:rPr>
+              <a:t>1</a:t>
+            </a:r>
+            <a:r>
+              <a:rPr lang="zh-CN" altLang="en-US" sz="3200" dirty="0" smtClean="0">
+                <a:latin typeface="华文楷体" panose="02010600040101010101" pitchFamily="2" charset="-122"/>
+                <a:ea typeface="华文楷体" panose="02010600040101010101" pitchFamily="2" charset="-122"/>
+              </a:rPr>
+              <a:t>，</a:t>
+            </a:r>
+            <a:r>
+              <a:rPr lang="en-US" altLang="zh-CN" sz="3200" dirty="0" smtClean="0">
+                <a:latin typeface="华文楷体" panose="02010600040101010101" pitchFamily="2" charset="-122"/>
+                <a:ea typeface="华文楷体" panose="02010600040101010101" pitchFamily="2" charset="-122"/>
+              </a:rPr>
+              <a:t>show slave status</a:t>
+            </a:r>
+            <a:r>
+              <a:rPr lang="zh-CN" altLang="en-US" sz="3200" dirty="0" smtClean="0">
+                <a:latin typeface="华文楷体" panose="02010600040101010101" pitchFamily="2" charset="-122"/>
+                <a:ea typeface="华文楷体" panose="02010600040101010101" pitchFamily="2" charset="-122"/>
+              </a:rPr>
+              <a:t>显示</a:t>
+            </a:r>
+            <a:r>
+              <a:rPr lang="en-US" altLang="zh-CN" sz="3200" dirty="0" err="1" smtClean="0">
+                <a:latin typeface="华文楷体" panose="02010600040101010101" pitchFamily="2" charset="-122"/>
+                <a:ea typeface="华文楷体" panose="02010600040101010101" pitchFamily="2" charset="-122"/>
+              </a:rPr>
+              <a:t>io</a:t>
+            </a:r>
+            <a:r>
+              <a:rPr lang="zh-CN" altLang="en-US" sz="3200" dirty="0" smtClean="0">
+                <a:latin typeface="华文楷体" panose="02010600040101010101" pitchFamily="2" charset="-122"/>
+                <a:ea typeface="华文楷体" panose="02010600040101010101" pitchFamily="2" charset="-122"/>
+              </a:rPr>
+              <a:t>线程和</a:t>
+            </a:r>
+            <a:r>
+              <a:rPr lang="en-US" altLang="zh-CN" sz="3200" dirty="0" err="1" smtClean="0">
+                <a:latin typeface="华文楷体" panose="02010600040101010101" pitchFamily="2" charset="-122"/>
+                <a:ea typeface="华文楷体" panose="02010600040101010101" pitchFamily="2" charset="-122"/>
+              </a:rPr>
+              <a:t>sql</a:t>
+            </a:r>
+            <a:r>
+              <a:rPr lang="zh-CN" altLang="en-US" sz="3200" dirty="0" smtClean="0">
+                <a:latin typeface="华文楷体" panose="02010600040101010101" pitchFamily="2" charset="-122"/>
+                <a:ea typeface="华文楷体" panose="02010600040101010101" pitchFamily="2" charset="-122"/>
+              </a:rPr>
+              <a:t>线程正常</a:t>
+            </a:r>
+            <a:endParaRPr lang="en-US" altLang="zh-CN" sz="3200" dirty="0" smtClean="0">
+              <a:latin typeface="华文楷体" panose="02010600040101010101" pitchFamily="2" charset="-122"/>
+              <a:ea typeface="华文楷体" panose="02010600040101010101" pitchFamily="2" charset="-122"/>
+            </a:endParaRPr>
+          </a:p>
+          <a:p>
+            <a:r>
+              <a:rPr lang="en-US" altLang="zh-CN" sz="3200" dirty="0">
+                <a:latin typeface="华文楷体" panose="02010600040101010101" pitchFamily="2" charset="-122"/>
+                <a:ea typeface="华文楷体" panose="02010600040101010101" pitchFamily="2" charset="-122"/>
+              </a:rPr>
+              <a:t> </a:t>
+            </a:r>
+            <a:r>
+              <a:rPr lang="en-US" altLang="zh-CN" sz="2000" dirty="0" err="1">
+                <a:latin typeface="华文楷体" panose="02010600040101010101" pitchFamily="2" charset="-122"/>
+                <a:ea typeface="华文楷体" panose="02010600040101010101" pitchFamily="2" charset="-122"/>
+              </a:rPr>
+              <a:t>Slave_IO_Running</a:t>
+            </a:r>
+            <a:r>
+              <a:rPr lang="en-US" altLang="zh-CN" sz="2000" dirty="0">
+                <a:latin typeface="华文楷体" panose="02010600040101010101" pitchFamily="2" charset="-122"/>
+                <a:ea typeface="华文楷体" panose="02010600040101010101" pitchFamily="2" charset="-122"/>
+              </a:rPr>
+              <a:t>: </a:t>
+            </a:r>
+            <a:r>
+              <a:rPr lang="en-US" altLang="zh-CN" sz="2000" dirty="0" smtClean="0">
+                <a:latin typeface="华文楷体" panose="02010600040101010101" pitchFamily="2" charset="-122"/>
+                <a:ea typeface="华文楷体" panose="02010600040101010101" pitchFamily="2" charset="-122"/>
+              </a:rPr>
+              <a:t>Yes</a:t>
+            </a:r>
+          </a:p>
+          <a:p>
+            <a:r>
+              <a:rPr lang="en-US" altLang="zh-CN" sz="2000" dirty="0" err="1">
+                <a:latin typeface="华文楷体" panose="02010600040101010101" pitchFamily="2" charset="-122"/>
+                <a:ea typeface="华文楷体" panose="02010600040101010101" pitchFamily="2" charset="-122"/>
+              </a:rPr>
+              <a:t>Slave_SQL_Running</a:t>
+            </a:r>
+            <a:r>
+              <a:rPr lang="en-US" altLang="zh-CN" sz="2000" dirty="0">
+                <a:latin typeface="华文楷体" panose="02010600040101010101" pitchFamily="2" charset="-122"/>
+                <a:ea typeface="华文楷体" panose="02010600040101010101" pitchFamily="2" charset="-122"/>
+              </a:rPr>
+              <a:t>: </a:t>
+            </a:r>
+            <a:r>
+              <a:rPr lang="en-US" altLang="zh-CN" sz="2000" dirty="0" smtClean="0">
+                <a:latin typeface="华文楷体" panose="02010600040101010101" pitchFamily="2" charset="-122"/>
+                <a:ea typeface="华文楷体" panose="02010600040101010101" pitchFamily="2" charset="-122"/>
+              </a:rPr>
+              <a:t>Yes</a:t>
+            </a:r>
+          </a:p>
+          <a:p>
+            <a:r>
+              <a:rPr lang="en-US" altLang="zh-CN" sz="2000" dirty="0" smtClean="0">
+                <a:latin typeface="华文楷体" panose="02010600040101010101" pitchFamily="2" charset="-122"/>
+                <a:ea typeface="华文楷体" panose="02010600040101010101" pitchFamily="2" charset="-122"/>
+              </a:rPr>
+              <a:t>2</a:t>
+            </a:r>
+            <a:r>
+              <a:rPr lang="zh-CN" altLang="en-US" sz="2000" dirty="0" smtClean="0">
+                <a:latin typeface="华文楷体" panose="02010600040101010101" pitchFamily="2" charset="-122"/>
+                <a:ea typeface="华文楷体" panose="02010600040101010101" pitchFamily="2" charset="-122"/>
+              </a:rPr>
+              <a:t>，</a:t>
+            </a:r>
+            <a:r>
+              <a:rPr lang="en-US" altLang="zh-CN" sz="2000" dirty="0">
+                <a:latin typeface="华文楷体" panose="02010600040101010101" pitchFamily="2" charset="-122"/>
+                <a:ea typeface="华文楷体" panose="02010600040101010101" pitchFamily="2" charset="-122"/>
+              </a:rPr>
+              <a:t> </a:t>
+            </a:r>
+            <a:r>
+              <a:rPr lang="en-US" altLang="zh-CN" sz="2000" dirty="0" err="1" smtClean="0">
+                <a:latin typeface="华文楷体" panose="02010600040101010101" pitchFamily="2" charset="-122"/>
+                <a:ea typeface="华文楷体" panose="02010600040101010101" pitchFamily="2" charset="-122"/>
+              </a:rPr>
+              <a:t>Master_Log_File</a:t>
+            </a:r>
+            <a:r>
+              <a:rPr lang="zh-CN" altLang="en-US" sz="2000" dirty="0" smtClean="0">
+                <a:latin typeface="华文楷体" panose="02010600040101010101" pitchFamily="2" charset="-122"/>
+                <a:ea typeface="华文楷体" panose="02010600040101010101" pitchFamily="2" charset="-122"/>
+              </a:rPr>
+              <a:t>的值与</a:t>
+            </a:r>
+            <a:r>
+              <a:rPr lang="en-US" altLang="zh-CN" sz="2000" dirty="0" err="1" smtClean="0">
+                <a:latin typeface="华文楷体" panose="02010600040101010101" pitchFamily="2" charset="-122"/>
+                <a:ea typeface="华文楷体" panose="02010600040101010101" pitchFamily="2" charset="-122"/>
+              </a:rPr>
+              <a:t>Relay_Master_Log_File</a:t>
+            </a:r>
+            <a:r>
+              <a:rPr lang="zh-CN" altLang="en-US" sz="2000" dirty="0" smtClean="0">
+                <a:latin typeface="华文楷体" panose="02010600040101010101" pitchFamily="2" charset="-122"/>
+                <a:ea typeface="华文楷体" panose="02010600040101010101" pitchFamily="2" charset="-122"/>
+              </a:rPr>
+              <a:t>相同，并且</a:t>
+            </a:r>
+            <a:r>
+              <a:rPr lang="en-US" altLang="zh-CN" sz="2000" dirty="0" err="1" smtClean="0">
+                <a:latin typeface="华文楷体" panose="02010600040101010101" pitchFamily="2" charset="-122"/>
+                <a:ea typeface="华文楷体" panose="02010600040101010101" pitchFamily="2" charset="-122"/>
+              </a:rPr>
+              <a:t>Read_Master_Log_Pos</a:t>
+            </a:r>
+            <a:r>
+              <a:rPr lang="zh-CN" altLang="en-US" sz="2000" dirty="0" smtClean="0">
+                <a:latin typeface="华文楷体" panose="02010600040101010101" pitchFamily="2" charset="-122"/>
+                <a:ea typeface="华文楷体" panose="02010600040101010101" pitchFamily="2" charset="-122"/>
+              </a:rPr>
+              <a:t>与</a:t>
+            </a:r>
+            <a:r>
+              <a:rPr lang="en-US" altLang="zh-CN" sz="2000" dirty="0" err="1" smtClean="0">
+                <a:latin typeface="华文楷体" panose="02010600040101010101" pitchFamily="2" charset="-122"/>
+                <a:ea typeface="华文楷体" panose="02010600040101010101" pitchFamily="2" charset="-122"/>
+              </a:rPr>
+              <a:t>Exec_Master_Log_Pos</a:t>
+            </a:r>
+            <a:r>
+              <a:rPr lang="zh-CN" altLang="en-US" sz="2000" dirty="0" smtClean="0">
+                <a:latin typeface="华文楷体" panose="02010600040101010101" pitchFamily="2" charset="-122"/>
+                <a:ea typeface="华文楷体" panose="02010600040101010101" pitchFamily="2" charset="-122"/>
+              </a:rPr>
+              <a:t>相同</a:t>
+            </a:r>
+            <a:endParaRPr lang="en-US" altLang="zh-CN" sz="2000" dirty="0" smtClean="0">
+              <a:latin typeface="华文楷体" panose="02010600040101010101" pitchFamily="2" charset="-122"/>
+              <a:ea typeface="华文楷体" panose="02010600040101010101" pitchFamily="2" charset="-122"/>
+            </a:endParaRPr>
+          </a:p>
+          <a:p>
+            <a:r>
+              <a:rPr lang="en-US" altLang="zh-CN" sz="2000" dirty="0" err="1">
+                <a:latin typeface="华文楷体" panose="02010600040101010101" pitchFamily="2" charset="-122"/>
+                <a:ea typeface="华文楷体" panose="02010600040101010101" pitchFamily="2" charset="-122"/>
+              </a:rPr>
+              <a:t>Master_Log_File</a:t>
+            </a:r>
+            <a:r>
+              <a:rPr lang="en-US" altLang="zh-CN" sz="2000" dirty="0">
+                <a:latin typeface="华文楷体" panose="02010600040101010101" pitchFamily="2" charset="-122"/>
+                <a:ea typeface="华文楷体" panose="02010600040101010101" pitchFamily="2" charset="-122"/>
+              </a:rPr>
+              <a:t>: </a:t>
+            </a:r>
+            <a:r>
+              <a:rPr lang="en-US" altLang="zh-CN" sz="2000" dirty="0" smtClean="0">
+                <a:latin typeface="华文楷体" panose="02010600040101010101" pitchFamily="2" charset="-122"/>
+                <a:ea typeface="华文楷体" panose="02010600040101010101" pitchFamily="2" charset="-122"/>
+              </a:rPr>
+              <a:t>mybinlog.000039</a:t>
+            </a:r>
+          </a:p>
+          <a:p>
+            <a:r>
+              <a:rPr lang="en-US" altLang="zh-CN" sz="2000" dirty="0" err="1">
+                <a:latin typeface="华文楷体" panose="02010600040101010101" pitchFamily="2" charset="-122"/>
+                <a:ea typeface="华文楷体" panose="02010600040101010101" pitchFamily="2" charset="-122"/>
+              </a:rPr>
+              <a:t>Read_Master_Log_Pos</a:t>
+            </a:r>
+            <a:r>
+              <a:rPr lang="en-US" altLang="zh-CN" sz="2000" dirty="0">
+                <a:latin typeface="华文楷体" panose="02010600040101010101" pitchFamily="2" charset="-122"/>
+                <a:ea typeface="华文楷体" panose="02010600040101010101" pitchFamily="2" charset="-122"/>
+              </a:rPr>
+              <a:t>: </a:t>
+            </a:r>
+            <a:r>
+              <a:rPr lang="en-US" altLang="zh-CN" sz="2000" dirty="0" smtClean="0">
+                <a:latin typeface="华文楷体" panose="02010600040101010101" pitchFamily="2" charset="-122"/>
+                <a:ea typeface="华文楷体" panose="02010600040101010101" pitchFamily="2" charset="-122"/>
+              </a:rPr>
+              <a:t>1203</a:t>
+            </a:r>
+          </a:p>
+          <a:p>
+            <a:r>
+              <a:rPr lang="en-US" altLang="zh-CN" sz="2000" dirty="0" err="1">
+                <a:latin typeface="华文楷体" panose="02010600040101010101" pitchFamily="2" charset="-122"/>
+                <a:ea typeface="华文楷体" panose="02010600040101010101" pitchFamily="2" charset="-122"/>
+              </a:rPr>
+              <a:t>Relay_Master_Log_File</a:t>
+            </a:r>
+            <a:r>
+              <a:rPr lang="en-US" altLang="zh-CN" sz="2000" dirty="0">
+                <a:latin typeface="华文楷体" panose="02010600040101010101" pitchFamily="2" charset="-122"/>
+                <a:ea typeface="华文楷体" panose="02010600040101010101" pitchFamily="2" charset="-122"/>
+              </a:rPr>
+              <a:t>: </a:t>
+            </a:r>
+            <a:r>
+              <a:rPr lang="en-US" altLang="zh-CN" sz="2000" dirty="0" smtClean="0">
+                <a:latin typeface="华文楷体" panose="02010600040101010101" pitchFamily="2" charset="-122"/>
+                <a:ea typeface="华文楷体" panose="02010600040101010101" pitchFamily="2" charset="-122"/>
+              </a:rPr>
+              <a:t>mybinlog.000039</a:t>
+            </a:r>
+          </a:p>
+          <a:p>
+            <a:r>
+              <a:rPr lang="en-US" altLang="zh-CN" sz="2000" dirty="0" err="1">
+                <a:latin typeface="华文楷体" panose="02010600040101010101" pitchFamily="2" charset="-122"/>
+                <a:ea typeface="华文楷体" panose="02010600040101010101" pitchFamily="2" charset="-122"/>
+              </a:rPr>
+              <a:t>Exec_Master_Log_Pos</a:t>
+            </a:r>
+            <a:r>
+              <a:rPr lang="en-US" altLang="zh-CN" sz="2000" dirty="0">
+                <a:latin typeface="华文楷体" panose="02010600040101010101" pitchFamily="2" charset="-122"/>
+                <a:ea typeface="华文楷体" panose="02010600040101010101" pitchFamily="2" charset="-122"/>
+              </a:rPr>
+              <a:t>: </a:t>
+            </a:r>
+            <a:r>
+              <a:rPr lang="en-US" altLang="zh-CN" sz="2000" dirty="0" smtClean="0">
+                <a:latin typeface="华文楷体" panose="02010600040101010101" pitchFamily="2" charset="-122"/>
+                <a:ea typeface="华文楷体" panose="02010600040101010101" pitchFamily="2" charset="-122"/>
+              </a:rPr>
+              <a:t>1203</a:t>
+            </a:r>
+          </a:p>
+          <a:p>
+            <a:r>
+              <a:rPr lang="en-US" altLang="zh-CN" sz="2000" dirty="0" smtClean="0">
+                <a:latin typeface="华文楷体" panose="02010600040101010101" pitchFamily="2" charset="-122"/>
+                <a:ea typeface="华文楷体" panose="02010600040101010101" pitchFamily="2" charset="-122"/>
+              </a:rPr>
+              <a:t>3</a:t>
+            </a:r>
+            <a:r>
+              <a:rPr lang="zh-CN" altLang="en-US" sz="2000" dirty="0" smtClean="0">
+                <a:latin typeface="华文楷体" panose="02010600040101010101" pitchFamily="2" charset="-122"/>
+                <a:ea typeface="华文楷体" panose="02010600040101010101" pitchFamily="2" charset="-122"/>
+              </a:rPr>
+              <a:t>，显示从库落后于主库的秒数为</a:t>
+            </a:r>
+            <a:r>
+              <a:rPr lang="en-US" altLang="zh-CN" sz="2000" dirty="0" smtClean="0">
+                <a:latin typeface="华文楷体" panose="02010600040101010101" pitchFamily="2" charset="-122"/>
+                <a:ea typeface="华文楷体" panose="02010600040101010101" pitchFamily="2" charset="-122"/>
+              </a:rPr>
+              <a:t>0</a:t>
+            </a:r>
+          </a:p>
+          <a:p>
+            <a:r>
+              <a:rPr lang="en-US" altLang="zh-CN" sz="2000" dirty="0" err="1">
+                <a:latin typeface="华文楷体" panose="02010600040101010101" pitchFamily="2" charset="-122"/>
+                <a:ea typeface="华文楷体" panose="02010600040101010101" pitchFamily="2" charset="-122"/>
+              </a:rPr>
+              <a:t>Seconds_Behind_Master</a:t>
+            </a:r>
+            <a:r>
+              <a:rPr lang="en-US" altLang="zh-CN" sz="2000" dirty="0">
+                <a:latin typeface="华文楷体" panose="02010600040101010101" pitchFamily="2" charset="-122"/>
+                <a:ea typeface="华文楷体" panose="02010600040101010101" pitchFamily="2" charset="-122"/>
+              </a:rPr>
+              <a:t>: 0</a:t>
+            </a:r>
+            <a:endParaRPr lang="en-US" altLang="zh-CN" sz="2000" dirty="0" smtClean="0">
+              <a:latin typeface="华文楷体" panose="02010600040101010101" pitchFamily="2" charset="-122"/>
+              <a:ea typeface="华文楷体" panose="02010600040101010101" pitchFamily="2" charset="-122"/>
+            </a:endParaRPr>
+          </a:p>
+          <a:p>
+            <a:pPr marL="685800" indent="-685800">
+              <a:buFont typeface="Wingdings" panose="05000000000000000000" pitchFamily="2" charset="2"/>
+              <a:buChar char="l"/>
+            </a:pPr>
+            <a:endParaRPr lang="en-US" altLang="zh-CN" sz="3200" dirty="0" smtClean="0">
+              <a:latin typeface="华文楷体" panose="02010600040101010101" pitchFamily="2" charset="-122"/>
+              <a:ea typeface="华文楷体" panose="02010600040101010101" pitchFamily="2" charset="-122"/>
+            </a:endParaRPr>
+          </a:p>
+        </p:txBody>
+      </p:sp>
+    </p:spTree>
+    <p:extLst>
+      <p:ext uri="{BB962C8B-B14F-4D97-AF65-F5344CB8AC3E}">
+        <p14:creationId xmlns:p14="http://schemas.microsoft.com/office/powerpoint/2010/main" val="3457156913"/>
       </p:ext>
     </p:extLst>
   </p:cSld>

--- a/数据库演示.pptx
+++ b/数据库演示.pptx
@@ -7767,19 +7767,19 @@
           <a:p>
             <a:pPr algn="ctr"/>
             <a:r>
-              <a:rPr lang="en-US" altLang="zh-CN" sz="4800" dirty="0" err="1">
+              <a:rPr lang="en-US" altLang="zh-CN" sz="4800" err="1">
                 <a:latin typeface="+mn-ea"/>
               </a:rPr>
               <a:t>mysql</a:t>
             </a:r>
             <a:r>
-              <a:rPr lang="zh-CN" altLang="en-US" sz="4800" dirty="0" smtClean="0">
+              <a:rPr lang="zh-CN" altLang="en-US" sz="4800" smtClean="0">
                 <a:latin typeface="+mn-ea"/>
               </a:rPr>
               <a:t>数据库</a:t>
             </a:r>
             <a:r>
-              <a:rPr lang="zh-CN" altLang="en-US" sz="4800" dirty="0">
+              <a:rPr lang="zh-CN" altLang="en-US" sz="4800">
                 <a:latin typeface="+mn-ea"/>
               </a:rPr>
               <a:t>讲解</a:t>
@@ -7920,38 +7920,38 @@
           <a:lstStyle/>
           <a:p>
             <a:r>
-              <a:rPr lang="zh-CN" altLang="en-US" sz="3200" dirty="0" smtClean="0">
+              <a:rPr lang="zh-CN" altLang="en-US" sz="3200" smtClean="0">
                 <a:latin typeface="华文楷体" panose="02010600040101010101" pitchFamily="2" charset="-122"/>
                 <a:ea typeface="华文楷体" panose="02010600040101010101" pitchFamily="2" charset="-122"/>
               </a:rPr>
               <a:t>如何建立高效索引：</a:t>
             </a:r>
-            <a:endParaRPr lang="en-US" altLang="zh-CN" sz="3200" dirty="0" smtClean="0">
+            <a:endParaRPr lang="en-US" altLang="zh-CN" sz="3200" smtClean="0">
               <a:latin typeface="华文楷体" panose="02010600040101010101" pitchFamily="2" charset="-122"/>
               <a:ea typeface="华文楷体" panose="02010600040101010101" pitchFamily="2" charset="-122"/>
             </a:endParaRPr>
           </a:p>
           <a:p>
-            <a:endParaRPr lang="en-US" altLang="zh-CN" sz="3200" dirty="0" smtClean="0">
+            <a:endParaRPr lang="en-US" altLang="zh-CN" sz="3200" smtClean="0">
               <a:latin typeface="华文楷体" panose="02010600040101010101" pitchFamily="2" charset="-122"/>
               <a:ea typeface="华文楷体" panose="02010600040101010101" pitchFamily="2" charset="-122"/>
             </a:endParaRPr>
           </a:p>
           <a:p>
             <a:r>
-              <a:rPr lang="zh-CN" altLang="en-US" sz="2400" dirty="0" smtClean="0">
+              <a:rPr lang="zh-CN" altLang="en-US" sz="2400" smtClean="0">
                 <a:latin typeface="华文楷体" panose="02010600040101010101" pitchFamily="2" charset="-122"/>
                 <a:ea typeface="华文楷体" panose="02010600040101010101" pitchFamily="2" charset="-122"/>
               </a:rPr>
               <a:t>不使用已有索引的情况：</a:t>
             </a:r>
-            <a:endParaRPr lang="en-US" altLang="zh-CN" sz="2400" dirty="0" smtClean="0">
+            <a:endParaRPr lang="en-US" altLang="zh-CN" sz="2400" smtClean="0">
               <a:latin typeface="华文楷体" panose="02010600040101010101" pitchFamily="2" charset="-122"/>
               <a:ea typeface="华文楷体" panose="02010600040101010101" pitchFamily="2" charset="-122"/>
             </a:endParaRPr>
           </a:p>
           <a:p>
-            <a:endParaRPr lang="en-US" altLang="zh-CN" sz="2400" dirty="0">
+            <a:endParaRPr lang="en-US" altLang="zh-CN" sz="2400">
               <a:latin typeface="华文楷体" panose="02010600040101010101" pitchFamily="2" charset="-122"/>
               <a:ea typeface="华文楷体" panose="02010600040101010101" pitchFamily="2" charset="-122"/>
             </a:endParaRPr>
@@ -7962,13 +7962,13 @@
               <a:buAutoNum type="arabicPeriod"/>
             </a:pPr>
             <a:r>
-              <a:rPr lang="zh-CN" altLang="en-US" sz="2400" dirty="0" smtClean="0">
+              <a:rPr lang="zh-CN" altLang="en-US" sz="2400" smtClean="0">
                 <a:latin typeface="华文楷体" panose="02010600040101010101" pitchFamily="2" charset="-122"/>
                 <a:ea typeface="华文楷体" panose="02010600040101010101" pitchFamily="2" charset="-122"/>
               </a:rPr>
               <a:t>索引列进行数学运算或者函数运算</a:t>
             </a:r>
-            <a:endParaRPr lang="en-US" altLang="zh-CN" sz="2400" dirty="0" smtClean="0">
+            <a:endParaRPr lang="en-US" altLang="zh-CN" sz="2400" smtClean="0">
               <a:latin typeface="华文楷体" panose="02010600040101010101" pitchFamily="2" charset="-122"/>
               <a:ea typeface="华文楷体" panose="02010600040101010101" pitchFamily="2" charset="-122"/>
             </a:endParaRPr>
@@ -7978,7 +7978,7 @@
               <a:buFont typeface="+mj-lt"/>
               <a:buAutoNum type="arabicPeriod"/>
             </a:pPr>
-            <a:endParaRPr lang="en-US" altLang="zh-CN" sz="2400" dirty="0">
+            <a:endParaRPr lang="en-US" altLang="zh-CN" sz="2400">
               <a:latin typeface="华文楷体" panose="02010600040101010101" pitchFamily="2" charset="-122"/>
               <a:ea typeface="华文楷体" panose="02010600040101010101" pitchFamily="2" charset="-122"/>
             </a:endParaRPr>
@@ -7989,13 +7989,13 @@
               <a:buAutoNum type="arabicPeriod"/>
             </a:pPr>
             <a:r>
-              <a:rPr lang="zh-CN" altLang="en-US" sz="2400" dirty="0" smtClean="0">
+              <a:rPr lang="zh-CN" altLang="en-US" sz="2400" smtClean="0">
                 <a:latin typeface="华文楷体" panose="02010600040101010101" pitchFamily="2" charset="-122"/>
                 <a:ea typeface="华文楷体" panose="02010600040101010101" pitchFamily="2" charset="-122"/>
               </a:rPr>
               <a:t>未包含复合索引的前缀字段</a:t>
             </a:r>
-            <a:endParaRPr lang="en-US" altLang="zh-CN" sz="2400" dirty="0" smtClean="0">
+            <a:endParaRPr lang="en-US" altLang="zh-CN" sz="2400" smtClean="0">
               <a:latin typeface="华文楷体" panose="02010600040101010101" pitchFamily="2" charset="-122"/>
               <a:ea typeface="华文楷体" panose="02010600040101010101" pitchFamily="2" charset="-122"/>
             </a:endParaRPr>
@@ -8005,7 +8005,7 @@
               <a:buFont typeface="+mj-lt"/>
               <a:buAutoNum type="arabicPeriod"/>
             </a:pPr>
-            <a:endParaRPr lang="en-US" altLang="zh-CN" sz="2400" dirty="0">
+            <a:endParaRPr lang="en-US" altLang="zh-CN" sz="2400">
               <a:latin typeface="华文楷体" panose="02010600040101010101" pitchFamily="2" charset="-122"/>
               <a:ea typeface="华文楷体" panose="02010600040101010101" pitchFamily="2" charset="-122"/>
             </a:endParaRPr>
@@ -8016,20 +8016,20 @@
               <a:buAutoNum type="arabicPeriod"/>
             </a:pPr>
             <a:r>
-              <a:rPr lang="zh-CN" altLang="en-US" sz="2400" dirty="0">
+              <a:rPr lang="zh-CN" altLang="en-US" sz="2400">
                 <a:latin typeface="华文楷体" panose="02010600040101010101" pitchFamily="2" charset="-122"/>
                 <a:ea typeface="华文楷体" panose="02010600040101010101" pitchFamily="2" charset="-122"/>
               </a:rPr>
               <a:t>通</a:t>
             </a:r>
             <a:r>
-              <a:rPr lang="zh-CN" altLang="en-US" sz="2400" dirty="0" smtClean="0">
+              <a:rPr lang="zh-CN" altLang="en-US" sz="2400" smtClean="0">
                 <a:latin typeface="华文楷体" panose="02010600040101010101" pitchFamily="2" charset="-122"/>
                 <a:ea typeface="华文楷体" panose="02010600040101010101" pitchFamily="2" charset="-122"/>
               </a:rPr>
               <a:t>配匹配</a:t>
             </a:r>
-            <a:endParaRPr lang="en-US" altLang="zh-CN" sz="2400" dirty="0" smtClean="0">
+            <a:endParaRPr lang="en-US" altLang="zh-CN" sz="2400" smtClean="0">
               <a:latin typeface="华文楷体" panose="02010600040101010101" pitchFamily="2" charset="-122"/>
               <a:ea typeface="华文楷体" panose="02010600040101010101" pitchFamily="2" charset="-122"/>
             </a:endParaRPr>
@@ -8039,7 +8039,7 @@
               <a:buFont typeface="+mj-lt"/>
               <a:buAutoNum type="arabicPeriod"/>
             </a:pPr>
-            <a:endParaRPr lang="en-US" altLang="zh-CN" sz="2400" dirty="0">
+            <a:endParaRPr lang="en-US" altLang="zh-CN" sz="2400">
               <a:latin typeface="华文楷体" panose="02010600040101010101" pitchFamily="2" charset="-122"/>
               <a:ea typeface="华文楷体" panose="02010600040101010101" pitchFamily="2" charset="-122"/>
             </a:endParaRPr>
@@ -8050,35 +8050,35 @@
               <a:buAutoNum type="arabicPeriod"/>
             </a:pPr>
             <a:r>
-              <a:rPr lang="en-US" altLang="zh-CN" sz="2400" dirty="0" smtClean="0">
+              <a:rPr lang="en-US" altLang="zh-CN" sz="2400" smtClean="0">
                 <a:latin typeface="华文楷体" panose="02010600040101010101" pitchFamily="2" charset="-122"/>
                 <a:ea typeface="华文楷体" panose="02010600040101010101" pitchFamily="2" charset="-122"/>
               </a:rPr>
               <a:t>Where</a:t>
             </a:r>
             <a:r>
-              <a:rPr lang="zh-CN" altLang="en-US" sz="2400" dirty="0" smtClean="0">
+              <a:rPr lang="zh-CN" altLang="en-US" sz="2400" smtClean="0">
                 <a:latin typeface="华文楷体" panose="02010600040101010101" pitchFamily="2" charset="-122"/>
                 <a:ea typeface="华文楷体" panose="02010600040101010101" pitchFamily="2" charset="-122"/>
               </a:rPr>
               <a:t>条件使用</a:t>
             </a:r>
             <a:r>
-              <a:rPr lang="en-US" altLang="zh-CN" sz="2400" dirty="0" smtClean="0">
+              <a:rPr lang="en-US" altLang="zh-CN" sz="2400" smtClean="0">
                 <a:latin typeface="华文楷体" panose="02010600040101010101" pitchFamily="2" charset="-122"/>
                 <a:ea typeface="华文楷体" panose="02010600040101010101" pitchFamily="2" charset="-122"/>
               </a:rPr>
               <a:t>not </a:t>
             </a:r>
             <a:r>
-              <a:rPr lang="zh-CN" altLang="en-US" sz="2400" dirty="0" smtClean="0">
+              <a:rPr lang="zh-CN" altLang="en-US" sz="2400" smtClean="0">
                 <a:latin typeface="华文楷体" panose="02010600040101010101" pitchFamily="2" charset="-122"/>
                 <a:ea typeface="华文楷体" panose="02010600040101010101" pitchFamily="2" charset="-122"/>
               </a:rPr>
               <a:t>，</a:t>
             </a:r>
             <a:r>
-              <a:rPr lang="en-US" altLang="zh-CN" sz="2400" dirty="0" smtClean="0">
+              <a:rPr lang="en-US" altLang="zh-CN" sz="2400" smtClean="0">
                 <a:latin typeface="华文楷体" panose="02010600040101010101" pitchFamily="2" charset="-122"/>
                 <a:ea typeface="华文楷体" panose="02010600040101010101" pitchFamily="2" charset="-122"/>
               </a:rPr>
@@ -8090,7 +8090,7 @@
               <a:buFont typeface="+mj-lt"/>
               <a:buAutoNum type="arabicPeriod"/>
             </a:pPr>
-            <a:endParaRPr lang="en-US" altLang="zh-CN" sz="2400" dirty="0">
+            <a:endParaRPr lang="en-US" altLang="zh-CN" sz="2400">
               <a:latin typeface="华文楷体" panose="02010600040101010101" pitchFamily="2" charset="-122"/>
               <a:ea typeface="华文楷体" panose="02010600040101010101" pitchFamily="2" charset="-122"/>
             </a:endParaRPr>
@@ -8101,47 +8101,47 @@
               <a:buAutoNum type="arabicPeriod"/>
             </a:pPr>
             <a:r>
-              <a:rPr lang="zh-CN" altLang="en-US" sz="2400" dirty="0" smtClean="0">
+              <a:rPr lang="zh-CN" altLang="en-US" sz="2400" smtClean="0">
                 <a:latin typeface="华文楷体" panose="02010600040101010101" pitchFamily="2" charset="-122"/>
                 <a:ea typeface="华文楷体" panose="02010600040101010101" pitchFamily="2" charset="-122"/>
               </a:rPr>
               <a:t>字段类型匹配，隐式转换</a:t>
             </a:r>
-            <a:endParaRPr lang="en-US" altLang="zh-CN" sz="2400" dirty="0" smtClean="0">
+            <a:endParaRPr lang="en-US" altLang="zh-CN" sz="2400" smtClean="0">
               <a:latin typeface="华文楷体" panose="02010600040101010101" pitchFamily="2" charset="-122"/>
               <a:ea typeface="华文楷体" panose="02010600040101010101" pitchFamily="2" charset="-122"/>
             </a:endParaRPr>
           </a:p>
           <a:p>
             <a:r>
-              <a:rPr lang="en-US" altLang="zh-CN" sz="2400" dirty="0" smtClean="0">
+              <a:rPr lang="en-US" altLang="zh-CN" sz="2400" smtClean="0">
                 <a:latin typeface="华文楷体" panose="02010600040101010101" pitchFamily="2" charset="-122"/>
                 <a:ea typeface="华文楷体" panose="02010600040101010101" pitchFamily="2" charset="-122"/>
               </a:rPr>
               <a:t>        </a:t>
             </a:r>
             <a:r>
-              <a:rPr lang="en-US" altLang="zh-CN" sz="2400" dirty="0" err="1" smtClean="0">
+              <a:rPr lang="en-US" altLang="zh-CN" sz="2400" err="1" smtClean="0">
                 <a:latin typeface="华文楷体" panose="02010600040101010101" pitchFamily="2" charset="-122"/>
                 <a:ea typeface="华文楷体" panose="02010600040101010101" pitchFamily="2" charset="-122"/>
               </a:rPr>
               <a:t>jdbc</a:t>
             </a:r>
             <a:r>
-              <a:rPr lang="zh-CN" altLang="en-US" sz="2400" dirty="0" smtClean="0">
+              <a:rPr lang="zh-CN" altLang="en-US" sz="2400" smtClean="0">
                 <a:latin typeface="华文楷体" panose="02010600040101010101" pitchFamily="2" charset="-122"/>
                 <a:ea typeface="华文楷体" panose="02010600040101010101" pitchFamily="2" charset="-122"/>
               </a:rPr>
               <a:t>中对变量类型的设置</a:t>
             </a:r>
-            <a:endParaRPr lang="en-US" altLang="zh-CN" sz="2400" dirty="0">
+            <a:endParaRPr lang="en-US" altLang="zh-CN" sz="2400">
               <a:latin typeface="华文楷体" panose="02010600040101010101" pitchFamily="2" charset="-122"/>
               <a:ea typeface="华文楷体" panose="02010600040101010101" pitchFamily="2" charset="-122"/>
             </a:endParaRPr>
           </a:p>
           <a:p>
             <a:r>
-              <a:rPr lang="en-US" altLang="zh-CN" sz="3200" dirty="0" smtClean="0">
+              <a:rPr lang="en-US" altLang="zh-CN" sz="3200" smtClean="0">
                 <a:latin typeface="华文楷体" panose="02010600040101010101" pitchFamily="2" charset="-122"/>
                 <a:ea typeface="华文楷体" panose="02010600040101010101" pitchFamily="2" charset="-122"/>
               </a:rPr>
@@ -8150,26 +8150,26 @@
           </a:p>
           <a:p>
             <a:r>
-              <a:rPr lang="en-US" altLang="zh-CN" sz="3200" dirty="0">
+              <a:rPr lang="en-US" altLang="zh-CN" sz="3200">
                 <a:latin typeface="华文楷体" panose="02010600040101010101" pitchFamily="2" charset="-122"/>
                 <a:ea typeface="华文楷体" panose="02010600040101010101" pitchFamily="2" charset="-122"/>
               </a:rPr>
               <a:t> </a:t>
             </a:r>
             <a:r>
-              <a:rPr lang="en-US" altLang="zh-CN" sz="3200" dirty="0" smtClean="0">
+              <a:rPr lang="en-US" altLang="zh-CN" sz="3200" smtClean="0">
                 <a:latin typeface="华文楷体" panose="02010600040101010101" pitchFamily="2" charset="-122"/>
                 <a:ea typeface="华文楷体" panose="02010600040101010101" pitchFamily="2" charset="-122"/>
               </a:rPr>
               <a:t>        </a:t>
             </a:r>
-            <a:endParaRPr lang="en-US" altLang="zh-CN" sz="3200" dirty="0">
+            <a:endParaRPr lang="en-US" altLang="zh-CN" sz="3200">
               <a:latin typeface="华文楷体" panose="02010600040101010101" pitchFamily="2" charset="-122"/>
               <a:ea typeface="华文楷体" panose="02010600040101010101" pitchFamily="2" charset="-122"/>
             </a:endParaRPr>
           </a:p>
           <a:p>
-            <a:endParaRPr lang="en-US" altLang="zh-CN" sz="3200" dirty="0" smtClean="0">
+            <a:endParaRPr lang="en-US" altLang="zh-CN" sz="3200" smtClean="0">
               <a:latin typeface="华文楷体" panose="02010600040101010101" pitchFamily="2" charset="-122"/>
               <a:ea typeface="华文楷体" panose="02010600040101010101" pitchFamily="2" charset="-122"/>
             </a:endParaRPr>
@@ -8179,7 +8179,7 @@
               <a:buFont typeface="Wingdings" panose="05000000000000000000" pitchFamily="2" charset="2"/>
               <a:buChar char="l"/>
             </a:pPr>
-            <a:endParaRPr lang="en-US" altLang="zh-CN" sz="3200" dirty="0" smtClean="0">
+            <a:endParaRPr lang="en-US" altLang="zh-CN" sz="3200" smtClean="0">
               <a:latin typeface="华文楷体" panose="02010600040101010101" pitchFamily="2" charset="-122"/>
               <a:ea typeface="华文楷体" panose="02010600040101010101" pitchFamily="2" charset="-122"/>
             </a:endParaRPr>
@@ -8319,39 +8319,39 @@
           <a:lstStyle/>
           <a:p>
             <a:r>
-              <a:rPr lang="zh-CN" altLang="en-US" sz="3200" dirty="0" smtClean="0">
+              <a:rPr lang="zh-CN" altLang="en-US" sz="3200" smtClean="0">
                 <a:latin typeface="华文楷体" panose="02010600040101010101" pitchFamily="2" charset="-122"/>
                 <a:ea typeface="华文楷体" panose="02010600040101010101" pitchFamily="2" charset="-122"/>
               </a:rPr>
               <a:t>如何建立高效索引：</a:t>
             </a:r>
-            <a:endParaRPr lang="en-US" altLang="zh-CN" sz="3200" dirty="0" smtClean="0">
+            <a:endParaRPr lang="en-US" altLang="zh-CN" sz="3200" smtClean="0">
               <a:latin typeface="华文楷体" panose="02010600040101010101" pitchFamily="2" charset="-122"/>
               <a:ea typeface="华文楷体" panose="02010600040101010101" pitchFamily="2" charset="-122"/>
             </a:endParaRPr>
           </a:p>
           <a:p>
-            <a:endParaRPr lang="en-US" altLang="zh-CN" sz="3200" dirty="0" smtClean="0">
+            <a:endParaRPr lang="en-US" altLang="zh-CN" sz="3200" smtClean="0">
               <a:latin typeface="华文楷体" panose="02010600040101010101" pitchFamily="2" charset="-122"/>
               <a:ea typeface="华文楷体" panose="02010600040101010101" pitchFamily="2" charset="-122"/>
             </a:endParaRPr>
           </a:p>
           <a:p>
             <a:r>
-              <a:rPr lang="zh-CN" altLang="en-US" sz="3200" dirty="0" smtClean="0">
+              <a:rPr lang="zh-CN" altLang="en-US" sz="3200" smtClean="0">
                 <a:latin typeface="华文楷体" panose="02010600040101010101" pitchFamily="2" charset="-122"/>
                 <a:ea typeface="华文楷体" panose="02010600040101010101" pitchFamily="2" charset="-122"/>
               </a:rPr>
               <a:t>利用索引排序</a:t>
             </a:r>
-            <a:endParaRPr lang="en-US" altLang="zh-CN" sz="3200" dirty="0" smtClean="0">
+            <a:endParaRPr lang="en-US" altLang="zh-CN" sz="3200" smtClean="0">
               <a:latin typeface="华文楷体" panose="02010600040101010101" pitchFamily="2" charset="-122"/>
               <a:ea typeface="华文楷体" panose="02010600040101010101" pitchFamily="2" charset="-122"/>
             </a:endParaRPr>
           </a:p>
           <a:p>
             <a:r>
-              <a:rPr lang="en-US" altLang="zh-CN" sz="3200" dirty="0" smtClean="0">
+              <a:rPr lang="en-US" altLang="zh-CN" sz="3200" smtClean="0">
                 <a:latin typeface="华文楷体" panose="02010600040101010101" pitchFamily="2" charset="-122"/>
                 <a:ea typeface="华文楷体" panose="02010600040101010101" pitchFamily="2" charset="-122"/>
               </a:rPr>
@@ -8360,26 +8360,26 @@
           </a:p>
           <a:p>
             <a:r>
-              <a:rPr lang="en-US" altLang="zh-CN" sz="3200" dirty="0">
+              <a:rPr lang="en-US" altLang="zh-CN" sz="3200">
                 <a:latin typeface="华文楷体" panose="02010600040101010101" pitchFamily="2" charset="-122"/>
                 <a:ea typeface="华文楷体" panose="02010600040101010101" pitchFamily="2" charset="-122"/>
               </a:rPr>
               <a:t> </a:t>
             </a:r>
             <a:r>
-              <a:rPr lang="en-US" altLang="zh-CN" sz="3200" dirty="0" smtClean="0">
+              <a:rPr lang="en-US" altLang="zh-CN" sz="3200" smtClean="0">
                 <a:latin typeface="华文楷体" panose="02010600040101010101" pitchFamily="2" charset="-122"/>
                 <a:ea typeface="华文楷体" panose="02010600040101010101" pitchFamily="2" charset="-122"/>
               </a:rPr>
               <a:t>        </a:t>
             </a:r>
-            <a:endParaRPr lang="en-US" altLang="zh-CN" sz="3200" dirty="0">
+            <a:endParaRPr lang="en-US" altLang="zh-CN" sz="3200">
               <a:latin typeface="华文楷体" panose="02010600040101010101" pitchFamily="2" charset="-122"/>
               <a:ea typeface="华文楷体" panose="02010600040101010101" pitchFamily="2" charset="-122"/>
             </a:endParaRPr>
           </a:p>
           <a:p>
-            <a:endParaRPr lang="en-US" altLang="zh-CN" sz="3200" dirty="0" smtClean="0">
+            <a:endParaRPr lang="en-US" altLang="zh-CN" sz="3200" smtClean="0">
               <a:latin typeface="华文楷体" panose="02010600040101010101" pitchFamily="2" charset="-122"/>
               <a:ea typeface="华文楷体" panose="02010600040101010101" pitchFamily="2" charset="-122"/>
             </a:endParaRPr>
@@ -8389,7 +8389,7 @@
               <a:buFont typeface="Wingdings" panose="05000000000000000000" pitchFamily="2" charset="2"/>
               <a:buChar char="l"/>
             </a:pPr>
-            <a:endParaRPr lang="en-US" altLang="zh-CN" sz="3200" dirty="0" smtClean="0">
+            <a:endParaRPr lang="en-US" altLang="zh-CN" sz="3200" smtClean="0">
               <a:latin typeface="华文楷体" panose="02010600040101010101" pitchFamily="2" charset="-122"/>
               <a:ea typeface="华文楷体" panose="02010600040101010101" pitchFamily="2" charset="-122"/>
             </a:endParaRPr>
@@ -8529,129 +8529,129 @@
           <a:lstStyle/>
           <a:p>
             <a:r>
-              <a:rPr lang="zh-CN" altLang="en-US" sz="3200" dirty="0" smtClean="0">
+              <a:rPr lang="zh-CN" altLang="en-US" sz="3200" smtClean="0">
                 <a:latin typeface="华文楷体" panose="02010600040101010101" pitchFamily="2" charset="-122"/>
                 <a:ea typeface="华文楷体" panose="02010600040101010101" pitchFamily="2" charset="-122"/>
               </a:rPr>
               <a:t>常用的工具集介绍</a:t>
             </a:r>
-            <a:endParaRPr lang="en-US" altLang="zh-CN" sz="3200" dirty="0" smtClean="0">
+            <a:endParaRPr lang="en-US" altLang="zh-CN" sz="3200" smtClean="0">
               <a:latin typeface="华文楷体" panose="02010600040101010101" pitchFamily="2" charset="-122"/>
               <a:ea typeface="华文楷体" panose="02010600040101010101" pitchFamily="2" charset="-122"/>
             </a:endParaRPr>
           </a:p>
           <a:p>
             <a:r>
-              <a:rPr lang="zh-CN" altLang="en-US" sz="3200" dirty="0" smtClean="0">
+              <a:rPr lang="zh-CN" altLang="en-US" sz="3200" smtClean="0">
                 <a:latin typeface="华文楷体" panose="02010600040101010101" pitchFamily="2" charset="-122"/>
                 <a:ea typeface="华文楷体" panose="02010600040101010101" pitchFamily="2" charset="-122"/>
               </a:rPr>
               <a:t>数据库导入导出命令</a:t>
             </a:r>
-            <a:endParaRPr lang="en-US" altLang="zh-CN" sz="3200" dirty="0" smtClean="0">
+            <a:endParaRPr lang="en-US" altLang="zh-CN" sz="3200" smtClean="0">
               <a:latin typeface="华文楷体" panose="02010600040101010101" pitchFamily="2" charset="-122"/>
               <a:ea typeface="华文楷体" panose="02010600040101010101" pitchFamily="2" charset="-122"/>
             </a:endParaRPr>
           </a:p>
           <a:p>
             <a:r>
-              <a:rPr lang="en-US" altLang="zh-CN" sz="3200" dirty="0" err="1" smtClean="0">
+              <a:rPr lang="en-US" altLang="zh-CN" sz="3200" err="1" smtClean="0">
                 <a:latin typeface="华文楷体" panose="02010600040101010101" pitchFamily="2" charset="-122"/>
                 <a:ea typeface="华文楷体" panose="02010600040101010101" pitchFamily="2" charset="-122"/>
               </a:rPr>
               <a:t>Mysqldump</a:t>
             </a:r>
-            <a:endParaRPr lang="en-US" altLang="zh-CN" sz="3200" dirty="0" smtClean="0">
+            <a:endParaRPr lang="en-US" altLang="zh-CN" sz="3200" smtClean="0">
               <a:latin typeface="华文楷体" panose="02010600040101010101" pitchFamily="2" charset="-122"/>
               <a:ea typeface="华文楷体" panose="02010600040101010101" pitchFamily="2" charset="-122"/>
             </a:endParaRPr>
           </a:p>
           <a:p>
-            <a:endParaRPr lang="en-US" altLang="zh-CN" sz="2400" dirty="0" smtClean="0">
+            <a:endParaRPr lang="en-US" altLang="zh-CN" sz="2400" smtClean="0">
               <a:latin typeface="华文楷体" panose="02010600040101010101" pitchFamily="2" charset="-122"/>
               <a:ea typeface="华文楷体" panose="02010600040101010101" pitchFamily="2" charset="-122"/>
             </a:endParaRPr>
           </a:p>
           <a:p>
             <a:r>
-              <a:rPr lang="en-US" altLang="zh-CN" sz="2400" dirty="0" err="1" smtClean="0">
+              <a:rPr lang="en-US" altLang="zh-CN" sz="2400" err="1" smtClean="0">
                 <a:latin typeface="华文楷体" panose="02010600040101010101" pitchFamily="2" charset="-122"/>
                 <a:ea typeface="华文楷体" panose="02010600040101010101" pitchFamily="2" charset="-122"/>
               </a:rPr>
               <a:t>mysqldump</a:t>
             </a:r>
             <a:r>
-              <a:rPr lang="en-US" altLang="zh-CN" sz="2400" dirty="0" smtClean="0">
+              <a:rPr lang="en-US" altLang="zh-CN" sz="2400" smtClean="0">
                 <a:latin typeface="华文楷体" panose="02010600040101010101" pitchFamily="2" charset="-122"/>
                 <a:ea typeface="华文楷体" panose="02010600040101010101" pitchFamily="2" charset="-122"/>
               </a:rPr>
               <a:t> </a:t>
             </a:r>
             <a:r>
-              <a:rPr lang="en-US" altLang="zh-CN" sz="2400" dirty="0">
+              <a:rPr lang="en-US" altLang="zh-CN" sz="2400">
                 <a:latin typeface="华文楷体" panose="02010600040101010101" pitchFamily="2" charset="-122"/>
                 <a:ea typeface="华文楷体" panose="02010600040101010101" pitchFamily="2" charset="-122"/>
               </a:rPr>
               <a:t>-</a:t>
             </a:r>
             <a:r>
-              <a:rPr lang="en-US" altLang="zh-CN" sz="2400" dirty="0" err="1">
+              <a:rPr lang="en-US" altLang="zh-CN" sz="2400" err="1">
                 <a:latin typeface="华文楷体" panose="02010600040101010101" pitchFamily="2" charset="-122"/>
                 <a:ea typeface="华文楷体" panose="02010600040101010101" pitchFamily="2" charset="-122"/>
               </a:rPr>
               <a:t>uroot</a:t>
             </a:r>
             <a:r>
-              <a:rPr lang="en-US" altLang="zh-CN" sz="2400" dirty="0">
+              <a:rPr lang="en-US" altLang="zh-CN" sz="2400">
                 <a:latin typeface="华文楷体" panose="02010600040101010101" pitchFamily="2" charset="-122"/>
                 <a:ea typeface="华文楷体" panose="02010600040101010101" pitchFamily="2" charset="-122"/>
               </a:rPr>
               <a:t> -p --single-transaction --opt </a:t>
             </a:r>
             <a:r>
-              <a:rPr lang="en-US" altLang="zh-CN" sz="2400" dirty="0" err="1">
+              <a:rPr lang="en-US" altLang="zh-CN" sz="2400" err="1">
                 <a:latin typeface="华文楷体" panose="02010600040101010101" pitchFamily="2" charset="-122"/>
                 <a:ea typeface="华文楷体" panose="02010600040101010101" pitchFamily="2" charset="-122"/>
               </a:rPr>
               <a:t>prod_PHAPP</a:t>
             </a:r>
             <a:r>
-              <a:rPr lang="en-US" altLang="zh-CN" sz="2400" dirty="0">
+              <a:rPr lang="en-US" altLang="zh-CN" sz="2400">
                 <a:latin typeface="华文楷体" panose="02010600040101010101" pitchFamily="2" charset="-122"/>
                 <a:ea typeface="华文楷体" panose="02010600040101010101" pitchFamily="2" charset="-122"/>
               </a:rPr>
               <a:t>      --set-</a:t>
             </a:r>
             <a:r>
-              <a:rPr lang="en-US" altLang="zh-CN" sz="2400" dirty="0" err="1">
+              <a:rPr lang="en-US" altLang="zh-CN" sz="2400" err="1">
                 <a:latin typeface="华文楷体" panose="02010600040101010101" pitchFamily="2" charset="-122"/>
                 <a:ea typeface="华文楷体" panose="02010600040101010101" pitchFamily="2" charset="-122"/>
               </a:rPr>
               <a:t>gtid</a:t>
             </a:r>
             <a:r>
-              <a:rPr lang="en-US" altLang="zh-CN" sz="2400" dirty="0">
+              <a:rPr lang="en-US" altLang="zh-CN" sz="2400">
                 <a:latin typeface="华文楷体" panose="02010600040101010101" pitchFamily="2" charset="-122"/>
                 <a:ea typeface="华文楷体" panose="02010600040101010101" pitchFamily="2" charset="-122"/>
               </a:rPr>
               <a:t>-purged=OFF &gt; /</a:t>
             </a:r>
             <a:r>
-              <a:rPr lang="en-US" altLang="zh-CN" sz="2400" dirty="0" smtClean="0">
+              <a:rPr lang="en-US" altLang="zh-CN" sz="2400" smtClean="0">
                 <a:latin typeface="华文楷体" panose="02010600040101010101" pitchFamily="2" charset="-122"/>
                 <a:ea typeface="华文楷体" panose="02010600040101010101" pitchFamily="2" charset="-122"/>
               </a:rPr>
               <a:t>disk4/</a:t>
             </a:r>
             <a:r>
-              <a:rPr lang="en-US" altLang="zh-CN" sz="2400" dirty="0" err="1" smtClean="0">
+              <a:rPr lang="en-US" altLang="zh-CN" sz="2400" err="1" smtClean="0">
                 <a:latin typeface="华文楷体" panose="02010600040101010101" pitchFamily="2" charset="-122"/>
                 <a:ea typeface="华文楷体" panose="02010600040101010101" pitchFamily="2" charset="-122"/>
               </a:rPr>
               <a:t>backup_dump</a:t>
             </a:r>
             <a:r>
-              <a:rPr lang="en-US" altLang="zh-CN" sz="2400" dirty="0" smtClean="0">
+              <a:rPr lang="en-US" altLang="zh-CN" sz="2400" smtClean="0">
                 <a:latin typeface="华文楷体" panose="02010600040101010101" pitchFamily="2" charset="-122"/>
                 <a:ea typeface="华文楷体" panose="02010600040101010101" pitchFamily="2" charset="-122"/>
               </a:rPr>
@@ -8659,104 +8659,104 @@
             </a:r>
           </a:p>
           <a:p>
-            <a:endParaRPr lang="en-US" altLang="zh-CN" sz="2400" dirty="0">
+            <a:endParaRPr lang="en-US" altLang="zh-CN" sz="2400">
               <a:latin typeface="华文楷体" panose="02010600040101010101" pitchFamily="2" charset="-122"/>
               <a:ea typeface="华文楷体" panose="02010600040101010101" pitchFamily="2" charset="-122"/>
             </a:endParaRPr>
           </a:p>
           <a:p>
-            <a:endParaRPr lang="en-US" altLang="zh-CN" sz="2400" dirty="0" smtClean="0">
+            <a:endParaRPr lang="en-US" altLang="zh-CN" sz="2400" smtClean="0">
               <a:latin typeface="华文楷体" panose="02010600040101010101" pitchFamily="2" charset="-122"/>
               <a:ea typeface="华文楷体" panose="02010600040101010101" pitchFamily="2" charset="-122"/>
             </a:endParaRPr>
           </a:p>
           <a:p>
             <a:r>
-              <a:rPr lang="en-US" altLang="zh-CN" sz="2400" dirty="0" err="1" smtClean="0">
+              <a:rPr lang="en-US" altLang="zh-CN" sz="2400" err="1" smtClean="0">
                 <a:latin typeface="华文楷体" panose="02010600040101010101" pitchFamily="2" charset="-122"/>
                 <a:ea typeface="华文楷体" panose="02010600040101010101" pitchFamily="2" charset="-122"/>
               </a:rPr>
               <a:t>mysqldump</a:t>
             </a:r>
             <a:r>
-              <a:rPr lang="en-US" altLang="zh-CN" sz="2400" dirty="0" smtClean="0">
+              <a:rPr lang="en-US" altLang="zh-CN" sz="2400" smtClean="0">
                 <a:latin typeface="华文楷体" panose="02010600040101010101" pitchFamily="2" charset="-122"/>
                 <a:ea typeface="华文楷体" panose="02010600040101010101" pitchFamily="2" charset="-122"/>
               </a:rPr>
               <a:t>  </a:t>
             </a:r>
             <a:r>
-              <a:rPr lang="en-US" altLang="zh-CN" sz="2400" dirty="0">
+              <a:rPr lang="en-US" altLang="zh-CN" sz="2400">
                 <a:latin typeface="华文楷体" panose="02010600040101010101" pitchFamily="2" charset="-122"/>
                 <a:ea typeface="华文楷体" panose="02010600040101010101" pitchFamily="2" charset="-122"/>
               </a:rPr>
               <a:t>-</a:t>
             </a:r>
             <a:r>
-              <a:rPr lang="en-US" altLang="zh-CN" sz="2400" dirty="0" err="1">
+              <a:rPr lang="en-US" altLang="zh-CN" sz="2400" err="1">
                 <a:latin typeface="华文楷体" panose="02010600040101010101" pitchFamily="2" charset="-122"/>
                 <a:ea typeface="华文楷体" panose="02010600040101010101" pitchFamily="2" charset="-122"/>
               </a:rPr>
               <a:t>uroot</a:t>
             </a:r>
             <a:r>
-              <a:rPr lang="en-US" altLang="zh-CN" sz="2400" dirty="0">
+              <a:rPr lang="en-US" altLang="zh-CN" sz="2400">
                 <a:latin typeface="华文楷体" panose="02010600040101010101" pitchFamily="2" charset="-122"/>
                 <a:ea typeface="华文楷体" panose="02010600040101010101" pitchFamily="2" charset="-122"/>
               </a:rPr>
               <a:t> -p --single-transaction --opt   --set-</a:t>
             </a:r>
             <a:r>
-              <a:rPr lang="en-US" altLang="zh-CN" sz="2400" dirty="0" err="1">
+              <a:rPr lang="en-US" altLang="zh-CN" sz="2400" err="1">
                 <a:latin typeface="华文楷体" panose="02010600040101010101" pitchFamily="2" charset="-122"/>
                 <a:ea typeface="华文楷体" panose="02010600040101010101" pitchFamily="2" charset="-122"/>
               </a:rPr>
               <a:t>gtid</a:t>
             </a:r>
             <a:r>
-              <a:rPr lang="en-US" altLang="zh-CN" sz="2400" dirty="0">
+              <a:rPr lang="en-US" altLang="zh-CN" sz="2400">
                 <a:latin typeface="华文楷体" panose="02010600040101010101" pitchFamily="2" charset="-122"/>
                 <a:ea typeface="华文楷体" panose="02010600040101010101" pitchFamily="2" charset="-122"/>
               </a:rPr>
               <a:t>-purged=OFF  --skip-add-drop-table    </a:t>
             </a:r>
             <a:r>
-              <a:rPr lang="en-US" altLang="zh-CN" sz="2400" dirty="0" err="1">
+              <a:rPr lang="en-US" altLang="zh-CN" sz="2400" err="1">
                 <a:latin typeface="华文楷体" panose="02010600040101010101" pitchFamily="2" charset="-122"/>
                 <a:ea typeface="华文楷体" panose="02010600040101010101" pitchFamily="2" charset="-122"/>
               </a:rPr>
               <a:t>nasdaq</a:t>
             </a:r>
             <a:r>
-              <a:rPr lang="en-US" altLang="zh-CN" sz="2400" dirty="0">
+              <a:rPr lang="en-US" altLang="zh-CN" sz="2400">
                 <a:latin typeface="华文楷体" panose="02010600040101010101" pitchFamily="2" charset="-122"/>
                 <a:ea typeface="华文楷体" panose="02010600040101010101" pitchFamily="2" charset="-122"/>
               </a:rPr>
               <a:t>  </a:t>
             </a:r>
             <a:r>
-              <a:rPr lang="en-US" altLang="zh-CN" sz="2400" dirty="0" err="1">
+              <a:rPr lang="en-US" altLang="zh-CN" sz="2400" err="1">
                 <a:latin typeface="华文楷体" panose="02010600040101010101" pitchFamily="2" charset="-122"/>
                 <a:ea typeface="华文楷体" panose="02010600040101010101" pitchFamily="2" charset="-122"/>
               </a:rPr>
               <a:t>h_transfer_record</a:t>
             </a:r>
             <a:r>
-              <a:rPr lang="en-US" altLang="zh-CN" sz="2400" dirty="0">
+              <a:rPr lang="en-US" altLang="zh-CN" sz="2400">
                 <a:latin typeface="华文楷体" panose="02010600040101010101" pitchFamily="2" charset="-122"/>
                 <a:ea typeface="华文楷体" panose="02010600040101010101" pitchFamily="2" charset="-122"/>
               </a:rPr>
               <a:t> </a:t>
             </a:r>
             <a:r>
-              <a:rPr lang="en-US" altLang="zh-CN" sz="2400" dirty="0" err="1">
+              <a:rPr lang="en-US" altLang="zh-CN" sz="2400" err="1">
                 <a:latin typeface="华文楷体" panose="02010600040101010101" pitchFamily="2" charset="-122"/>
                 <a:ea typeface="华文楷体" panose="02010600040101010101" pitchFamily="2" charset="-122"/>
               </a:rPr>
               <a:t>h_orders</a:t>
             </a:r>
             <a:r>
-              <a:rPr lang="en-US" altLang="zh-CN" sz="2400" dirty="0">
+              <a:rPr lang="en-US" altLang="zh-CN" sz="2400">
                 <a:latin typeface="华文楷体" panose="02010600040101010101" pitchFamily="2" charset="-122"/>
                 <a:ea typeface="华文楷体" panose="02010600040101010101" pitchFamily="2" charset="-122"/>
               </a:rPr>
@@ -8764,20 +8764,20 @@
             </a:r>
           </a:p>
           <a:p>
-            <a:endParaRPr lang="en-US" altLang="zh-CN" sz="2400" dirty="0">
+            <a:endParaRPr lang="en-US" altLang="zh-CN" sz="2400">
               <a:latin typeface="华文楷体" panose="02010600040101010101" pitchFamily="2" charset="-122"/>
               <a:ea typeface="华文楷体" panose="02010600040101010101" pitchFamily="2" charset="-122"/>
             </a:endParaRPr>
           </a:p>
           <a:p>
-            <a:endParaRPr lang="en-US" altLang="zh-CN" sz="3200" dirty="0" smtClean="0">
+            <a:endParaRPr lang="en-US" altLang="zh-CN" sz="3200" smtClean="0">
               <a:latin typeface="华文楷体" panose="02010600040101010101" pitchFamily="2" charset="-122"/>
               <a:ea typeface="华文楷体" panose="02010600040101010101" pitchFamily="2" charset="-122"/>
             </a:endParaRPr>
           </a:p>
           <a:p>
             <a:r>
-              <a:rPr lang="en-US" altLang="zh-CN" sz="3200" dirty="0" smtClean="0">
+              <a:rPr lang="en-US" altLang="zh-CN" sz="3200" smtClean="0">
                 <a:latin typeface="华文楷体" panose="02010600040101010101" pitchFamily="2" charset="-122"/>
                 <a:ea typeface="华文楷体" panose="02010600040101010101" pitchFamily="2" charset="-122"/>
               </a:rPr>
@@ -8786,26 +8786,26 @@
           </a:p>
           <a:p>
             <a:r>
-              <a:rPr lang="en-US" altLang="zh-CN" sz="3200" dirty="0">
+              <a:rPr lang="en-US" altLang="zh-CN" sz="3200">
                 <a:latin typeface="华文楷体" panose="02010600040101010101" pitchFamily="2" charset="-122"/>
                 <a:ea typeface="华文楷体" panose="02010600040101010101" pitchFamily="2" charset="-122"/>
               </a:rPr>
               <a:t> </a:t>
             </a:r>
             <a:r>
-              <a:rPr lang="en-US" altLang="zh-CN" sz="3200" dirty="0" smtClean="0">
+              <a:rPr lang="en-US" altLang="zh-CN" sz="3200" smtClean="0">
                 <a:latin typeface="华文楷体" panose="02010600040101010101" pitchFamily="2" charset="-122"/>
                 <a:ea typeface="华文楷体" panose="02010600040101010101" pitchFamily="2" charset="-122"/>
               </a:rPr>
               <a:t>        </a:t>
             </a:r>
-            <a:endParaRPr lang="en-US" altLang="zh-CN" sz="3200" dirty="0">
+            <a:endParaRPr lang="en-US" altLang="zh-CN" sz="3200">
               <a:latin typeface="华文楷体" panose="02010600040101010101" pitchFamily="2" charset="-122"/>
               <a:ea typeface="华文楷体" panose="02010600040101010101" pitchFamily="2" charset="-122"/>
             </a:endParaRPr>
           </a:p>
           <a:p>
-            <a:endParaRPr lang="en-US" altLang="zh-CN" sz="3200" dirty="0" smtClean="0">
+            <a:endParaRPr lang="en-US" altLang="zh-CN" sz="3200" smtClean="0">
               <a:latin typeface="华文楷体" panose="02010600040101010101" pitchFamily="2" charset="-122"/>
               <a:ea typeface="华文楷体" panose="02010600040101010101" pitchFamily="2" charset="-122"/>
             </a:endParaRPr>
@@ -8815,7 +8815,7 @@
               <a:buFont typeface="Wingdings" panose="05000000000000000000" pitchFamily="2" charset="2"/>
               <a:buChar char="l"/>
             </a:pPr>
-            <a:endParaRPr lang="en-US" altLang="zh-CN" sz="3200" dirty="0" smtClean="0">
+            <a:endParaRPr lang="en-US" altLang="zh-CN" sz="3200" smtClean="0">
               <a:latin typeface="华文楷体" panose="02010600040101010101" pitchFamily="2" charset="-122"/>
               <a:ea typeface="华文楷体" panose="02010600040101010101" pitchFamily="2" charset="-122"/>
             </a:endParaRPr>
@@ -8955,133 +8955,133 @@
           <a:lstStyle/>
           <a:p>
             <a:r>
-              <a:rPr lang="zh-CN" altLang="en-US" sz="3200" dirty="0" smtClean="0">
+              <a:rPr lang="zh-CN" altLang="en-US" sz="3200" smtClean="0">
                 <a:latin typeface="华文楷体" panose="02010600040101010101" pitchFamily="2" charset="-122"/>
                 <a:ea typeface="华文楷体" panose="02010600040101010101" pitchFamily="2" charset="-122"/>
               </a:rPr>
               <a:t>常用的工具集介绍</a:t>
             </a:r>
-            <a:endParaRPr lang="en-US" altLang="zh-CN" sz="3200" dirty="0" smtClean="0">
+            <a:endParaRPr lang="en-US" altLang="zh-CN" sz="3200" smtClean="0">
               <a:latin typeface="华文楷体" panose="02010600040101010101" pitchFamily="2" charset="-122"/>
               <a:ea typeface="华文楷体" panose="02010600040101010101" pitchFamily="2" charset="-122"/>
             </a:endParaRPr>
           </a:p>
           <a:p>
             <a:r>
-              <a:rPr lang="zh-CN" altLang="en-US" sz="3200" dirty="0" smtClean="0">
+              <a:rPr lang="zh-CN" altLang="en-US" sz="3200" smtClean="0">
                 <a:latin typeface="华文楷体" panose="02010600040101010101" pitchFamily="2" charset="-122"/>
                 <a:ea typeface="华文楷体" panose="02010600040101010101" pitchFamily="2" charset="-122"/>
               </a:rPr>
               <a:t>查看数据库历史操作记录命令：</a:t>
             </a:r>
-            <a:endParaRPr lang="en-US" altLang="zh-CN" sz="3200" dirty="0" smtClean="0">
+            <a:endParaRPr lang="en-US" altLang="zh-CN" sz="3200" smtClean="0">
               <a:latin typeface="华文楷体" panose="02010600040101010101" pitchFamily="2" charset="-122"/>
               <a:ea typeface="华文楷体" panose="02010600040101010101" pitchFamily="2" charset="-122"/>
             </a:endParaRPr>
           </a:p>
           <a:p>
             <a:r>
-              <a:rPr lang="en-US" altLang="zh-CN" sz="3200" dirty="0" err="1">
+              <a:rPr lang="en-US" altLang="zh-CN" sz="3200" err="1">
                 <a:latin typeface="华文楷体" panose="02010600040101010101" pitchFamily="2" charset="-122"/>
                 <a:ea typeface="华文楷体" panose="02010600040101010101" pitchFamily="2" charset="-122"/>
               </a:rPr>
               <a:t>mysqlbinlog</a:t>
             </a:r>
-            <a:endParaRPr lang="en-US" altLang="zh-CN" sz="3200" dirty="0">
+            <a:endParaRPr lang="en-US" altLang="zh-CN" sz="3200">
               <a:latin typeface="华文楷体" panose="02010600040101010101" pitchFamily="2" charset="-122"/>
               <a:ea typeface="华文楷体" panose="02010600040101010101" pitchFamily="2" charset="-122"/>
             </a:endParaRPr>
           </a:p>
           <a:p>
             <a:r>
-              <a:rPr lang="en-US" altLang="zh-CN" sz="3200" dirty="0" smtClean="0">
+              <a:rPr lang="en-US" altLang="zh-CN" sz="3200" smtClean="0">
                 <a:latin typeface="华文楷体" panose="02010600040101010101" pitchFamily="2" charset="-122"/>
                 <a:ea typeface="华文楷体" panose="02010600040101010101" pitchFamily="2" charset="-122"/>
               </a:rPr>
               <a:t> </a:t>
             </a:r>
-            <a:endParaRPr lang="en-US" altLang="zh-CN" sz="2000" dirty="0">
+            <a:endParaRPr lang="en-US" altLang="zh-CN" sz="2000">
               <a:latin typeface="华文楷体" panose="02010600040101010101" pitchFamily="2" charset="-122"/>
               <a:ea typeface="华文楷体" panose="02010600040101010101" pitchFamily="2" charset="-122"/>
             </a:endParaRPr>
           </a:p>
           <a:p>
             <a:r>
-              <a:rPr lang="en-US" altLang="zh-CN" sz="2400" dirty="0" err="1" smtClean="0"/>
+              <a:rPr lang="en-US" altLang="zh-CN" sz="2400" err="1" smtClean="0"/>
               <a:t>mysqlbinlog</a:t>
             </a:r>
             <a:r>
-              <a:rPr lang="en-US" altLang="zh-CN" sz="2400" dirty="0"/>
+              <a:rPr lang="en-US" altLang="zh-CN" sz="2400"/>
               <a:t> --base64-output='decode-rows' -</a:t>
             </a:r>
             <a:r>
-              <a:rPr lang="en-US" altLang="zh-CN" sz="2400" dirty="0" err="1"/>
+              <a:rPr lang="en-US" altLang="zh-CN" sz="2400" err="1"/>
               <a:t>vv</a:t>
             </a:r>
             <a:r>
-              <a:rPr lang="en-US" altLang="zh-CN" sz="2400" dirty="0"/>
+              <a:rPr lang="en-US" altLang="zh-CN" sz="2400"/>
               <a:t> --start-</a:t>
             </a:r>
             <a:r>
-              <a:rPr lang="en-US" altLang="zh-CN" sz="2400" dirty="0" err="1"/>
+              <a:rPr lang="en-US" altLang="zh-CN" sz="2400" err="1"/>
               <a:t>datetime</a:t>
             </a:r>
             <a:r>
-              <a:rPr lang="en-US" altLang="zh-CN" sz="2400" dirty="0"/>
+              <a:rPr lang="en-US" altLang="zh-CN" sz="2400"/>
               <a:t>="2016-04-15 8:08:01" --stop-</a:t>
             </a:r>
             <a:r>
-              <a:rPr lang="en-US" altLang="zh-CN" sz="2400" dirty="0" err="1"/>
+              <a:rPr lang="en-US" altLang="zh-CN" sz="2400" err="1"/>
               <a:t>datetime</a:t>
             </a:r>
             <a:r>
-              <a:rPr lang="en-US" altLang="zh-CN" sz="2400" dirty="0"/>
+              <a:rPr lang="en-US" altLang="zh-CN" sz="2400"/>
               <a:t>="2016-04-15 10:15:32"  -d </a:t>
             </a:r>
             <a:r>
-              <a:rPr lang="en-US" altLang="zh-CN" sz="2400" dirty="0" err="1"/>
+              <a:rPr lang="en-US" altLang="zh-CN" sz="2400" err="1"/>
               <a:t>dev_capital</a:t>
             </a:r>
             <a:r>
-              <a:rPr lang="en-US" altLang="zh-CN" sz="2400" dirty="0"/>
+              <a:rPr lang="en-US" altLang="zh-CN" sz="2400"/>
               <a:t> /opt/</a:t>
             </a:r>
             <a:r>
-              <a:rPr lang="en-US" altLang="zh-CN" sz="2400" dirty="0" err="1"/>
+              <a:rPr lang="en-US" altLang="zh-CN" sz="2400" err="1"/>
               <a:t>mysql</a:t>
             </a:r>
             <a:r>
-              <a:rPr lang="en-US" altLang="zh-CN" sz="2400" dirty="0"/>
+              <a:rPr lang="en-US" altLang="zh-CN" sz="2400"/>
               <a:t>/data/mysql-bin.000553 &gt; /opt/</a:t>
             </a:r>
             <a:r>
-              <a:rPr lang="en-US" altLang="zh-CN" sz="2400" dirty="0" err="1"/>
+              <a:rPr lang="en-US" altLang="zh-CN" sz="2400" err="1"/>
               <a:t>mysql</a:t>
             </a:r>
             <a:r>
-              <a:rPr lang="en-US" altLang="zh-CN" sz="2400" dirty="0"/>
+              <a:rPr lang="en-US" altLang="zh-CN" sz="2400"/>
               <a:t>/data/3.txt</a:t>
             </a:r>
-            <a:endParaRPr lang="en-US" altLang="zh-CN" sz="2400" dirty="0">
+            <a:endParaRPr lang="en-US" altLang="zh-CN" sz="2400">
               <a:latin typeface="华文楷体" panose="02010600040101010101" pitchFamily="2" charset="-122"/>
               <a:ea typeface="华文楷体" panose="02010600040101010101" pitchFamily="2" charset="-122"/>
             </a:endParaRPr>
           </a:p>
           <a:p>
-            <a:endParaRPr lang="en-US" altLang="zh-CN" sz="3200" dirty="0">
+            <a:endParaRPr lang="en-US" altLang="zh-CN" sz="3200">
               <a:latin typeface="华文楷体" panose="02010600040101010101" pitchFamily="2" charset="-122"/>
               <a:ea typeface="华文楷体" panose="02010600040101010101" pitchFamily="2" charset="-122"/>
             </a:endParaRPr>
           </a:p>
           <a:p>
-            <a:endParaRPr lang="en-US" altLang="zh-CN" sz="3200" dirty="0" smtClean="0">
+            <a:endParaRPr lang="en-US" altLang="zh-CN" sz="3200" smtClean="0">
               <a:latin typeface="华文楷体" panose="02010600040101010101" pitchFamily="2" charset="-122"/>
               <a:ea typeface="华文楷体" panose="02010600040101010101" pitchFamily="2" charset="-122"/>
             </a:endParaRPr>
           </a:p>
           <a:p>
             <a:r>
-              <a:rPr lang="en-US" altLang="zh-CN" sz="3200" dirty="0" smtClean="0">
+              <a:rPr lang="en-US" altLang="zh-CN" sz="3200" smtClean="0">
                 <a:latin typeface="华文楷体" panose="02010600040101010101" pitchFamily="2" charset="-122"/>
                 <a:ea typeface="华文楷体" panose="02010600040101010101" pitchFamily="2" charset="-122"/>
               </a:rPr>
@@ -9090,26 +9090,26 @@
           </a:p>
           <a:p>
             <a:r>
-              <a:rPr lang="en-US" altLang="zh-CN" sz="3200" dirty="0">
+              <a:rPr lang="en-US" altLang="zh-CN" sz="3200">
                 <a:latin typeface="华文楷体" panose="02010600040101010101" pitchFamily="2" charset="-122"/>
                 <a:ea typeface="华文楷体" panose="02010600040101010101" pitchFamily="2" charset="-122"/>
               </a:rPr>
               <a:t> </a:t>
             </a:r>
             <a:r>
-              <a:rPr lang="en-US" altLang="zh-CN" sz="3200" dirty="0" smtClean="0">
+              <a:rPr lang="en-US" altLang="zh-CN" sz="3200" smtClean="0">
                 <a:latin typeface="华文楷体" panose="02010600040101010101" pitchFamily="2" charset="-122"/>
                 <a:ea typeface="华文楷体" panose="02010600040101010101" pitchFamily="2" charset="-122"/>
               </a:rPr>
               <a:t>        </a:t>
             </a:r>
-            <a:endParaRPr lang="en-US" altLang="zh-CN" sz="3200" dirty="0">
+            <a:endParaRPr lang="en-US" altLang="zh-CN" sz="3200">
               <a:latin typeface="华文楷体" panose="02010600040101010101" pitchFamily="2" charset="-122"/>
               <a:ea typeface="华文楷体" panose="02010600040101010101" pitchFamily="2" charset="-122"/>
             </a:endParaRPr>
           </a:p>
           <a:p>
-            <a:endParaRPr lang="en-US" altLang="zh-CN" sz="3200" dirty="0" smtClean="0">
+            <a:endParaRPr lang="en-US" altLang="zh-CN" sz="3200" smtClean="0">
               <a:latin typeface="华文楷体" panose="02010600040101010101" pitchFamily="2" charset="-122"/>
               <a:ea typeface="华文楷体" panose="02010600040101010101" pitchFamily="2" charset="-122"/>
             </a:endParaRPr>
@@ -9119,7 +9119,7 @@
               <a:buFont typeface="Wingdings" panose="05000000000000000000" pitchFamily="2" charset="2"/>
               <a:buChar char="l"/>
             </a:pPr>
-            <a:endParaRPr lang="en-US" altLang="zh-CN" sz="3200" dirty="0" smtClean="0">
+            <a:endParaRPr lang="en-US" altLang="zh-CN" sz="3200" smtClean="0">
               <a:latin typeface="华文楷体" panose="02010600040101010101" pitchFamily="2" charset="-122"/>
               <a:ea typeface="华文楷体" panose="02010600040101010101" pitchFamily="2" charset="-122"/>
             </a:endParaRPr>
@@ -9259,60 +9259,60 @@
           <a:lstStyle/>
           <a:p>
             <a:r>
-              <a:rPr lang="zh-CN" altLang="en-US" sz="3200" dirty="0" smtClean="0">
+              <a:rPr lang="zh-CN" altLang="en-US" sz="3200" smtClean="0">
                 <a:latin typeface="华文楷体" panose="02010600040101010101" pitchFamily="2" charset="-122"/>
                 <a:ea typeface="华文楷体" panose="02010600040101010101" pitchFamily="2" charset="-122"/>
               </a:rPr>
               <a:t>常用的工具集介绍</a:t>
             </a:r>
-            <a:endParaRPr lang="en-US" altLang="zh-CN" sz="3200" dirty="0" smtClean="0">
+            <a:endParaRPr lang="en-US" altLang="zh-CN" sz="3200" smtClean="0">
               <a:latin typeface="华文楷体" panose="02010600040101010101" pitchFamily="2" charset="-122"/>
               <a:ea typeface="华文楷体" panose="02010600040101010101" pitchFamily="2" charset="-122"/>
             </a:endParaRPr>
           </a:p>
           <a:p>
             <a:r>
-              <a:rPr lang="zh-CN" altLang="en-US" sz="3200" dirty="0" smtClean="0">
+              <a:rPr lang="zh-CN" altLang="en-US" sz="3200" smtClean="0">
                 <a:latin typeface="华文楷体" panose="02010600040101010101" pitchFamily="2" charset="-122"/>
                 <a:ea typeface="华文楷体" panose="02010600040101010101" pitchFamily="2" charset="-122"/>
               </a:rPr>
               <a:t>查看数据库历史操作记录命令：</a:t>
             </a:r>
-            <a:endParaRPr lang="en-US" altLang="zh-CN" sz="3200" dirty="0" smtClean="0">
+            <a:endParaRPr lang="en-US" altLang="zh-CN" sz="3200" smtClean="0">
               <a:latin typeface="华文楷体" panose="02010600040101010101" pitchFamily="2" charset="-122"/>
               <a:ea typeface="华文楷体" panose="02010600040101010101" pitchFamily="2" charset="-122"/>
             </a:endParaRPr>
           </a:p>
           <a:p>
             <a:r>
-              <a:rPr lang="zh-CN" altLang="en-US" sz="3200" dirty="0" smtClean="0">
+              <a:rPr lang="zh-CN" altLang="en-US" sz="3200" smtClean="0">
                 <a:latin typeface="华文楷体" panose="02010600040101010101" pitchFamily="2" charset="-122"/>
                 <a:ea typeface="华文楷体" panose="02010600040101010101" pitchFamily="2" charset="-122"/>
               </a:rPr>
               <a:t>在线变更</a:t>
             </a:r>
             <a:r>
-              <a:rPr lang="en-US" altLang="zh-CN" sz="3200" dirty="0" err="1" smtClean="0">
+              <a:rPr lang="en-US" altLang="zh-CN" sz="3200" err="1" smtClean="0">
                 <a:latin typeface="华文楷体" panose="02010600040101010101" pitchFamily="2" charset="-122"/>
                 <a:ea typeface="华文楷体" panose="02010600040101010101" pitchFamily="2" charset="-122"/>
               </a:rPr>
               <a:t>mysql</a:t>
             </a:r>
             <a:r>
-              <a:rPr lang="zh-CN" altLang="en-US" sz="3200" dirty="0" smtClean="0">
+              <a:rPr lang="zh-CN" altLang="en-US" sz="3200" smtClean="0">
                 <a:latin typeface="华文楷体" panose="02010600040101010101" pitchFamily="2" charset="-122"/>
                 <a:ea typeface="华文楷体" panose="02010600040101010101" pitchFamily="2" charset="-122"/>
               </a:rPr>
               <a:t>表结构</a:t>
             </a:r>
-            <a:endParaRPr lang="en-US" altLang="zh-CN" sz="3200" dirty="0" smtClean="0">
+            <a:endParaRPr lang="en-US" altLang="zh-CN" sz="3200" smtClean="0">
               <a:latin typeface="华文楷体" panose="02010600040101010101" pitchFamily="2" charset="-122"/>
               <a:ea typeface="华文楷体" panose="02010600040101010101" pitchFamily="2" charset="-122"/>
             </a:endParaRPr>
           </a:p>
           <a:p>
             <a:r>
-              <a:rPr lang="en-US" altLang="zh-CN" sz="3200" dirty="0" smtClean="0">
+              <a:rPr lang="en-US" altLang="zh-CN" sz="3200" smtClean="0">
                 <a:latin typeface="华文楷体" panose="02010600040101010101" pitchFamily="2" charset="-122"/>
                 <a:ea typeface="华文楷体" panose="02010600040101010101" pitchFamily="2" charset="-122"/>
               </a:rPr>
@@ -9320,63 +9320,63 @@
             </a:r>
           </a:p>
           <a:p>
-            <a:endParaRPr lang="en-US" altLang="zh-CN" sz="3200" dirty="0" smtClean="0">
+            <a:endParaRPr lang="en-US" altLang="zh-CN" sz="3200" smtClean="0">
               <a:latin typeface="华文楷体" panose="02010600040101010101" pitchFamily="2" charset="-122"/>
               <a:ea typeface="华文楷体" panose="02010600040101010101" pitchFamily="2" charset="-122"/>
             </a:endParaRPr>
           </a:p>
           <a:p>
             <a:r>
-              <a:rPr lang="en-US" altLang="zh-CN" sz="2400" dirty="0" err="1">
+              <a:rPr lang="en-US" altLang="zh-CN" sz="2400" err="1">
                 <a:latin typeface="华文楷体" panose="02010600040101010101" pitchFamily="2" charset="-122"/>
                 <a:ea typeface="华文楷体" panose="02010600040101010101" pitchFamily="2" charset="-122"/>
               </a:rPr>
               <a:t>pt</a:t>
             </a:r>
             <a:r>
-              <a:rPr lang="en-US" altLang="zh-CN" sz="2400" dirty="0">
+              <a:rPr lang="en-US" altLang="zh-CN" sz="2400">
                 <a:latin typeface="华文楷体" panose="02010600040101010101" pitchFamily="2" charset="-122"/>
                 <a:ea typeface="华文楷体" panose="02010600040101010101" pitchFamily="2" charset="-122"/>
               </a:rPr>
               <a:t>-online-schema-change --user=root --password=Hc2015# --host=10.11.21.31  --alter "add index </a:t>
             </a:r>
             <a:r>
-              <a:rPr lang="en-US" altLang="zh-CN" sz="2400" dirty="0" err="1">
+              <a:rPr lang="en-US" altLang="zh-CN" sz="2400" err="1">
                 <a:latin typeface="华文楷体" panose="02010600040101010101" pitchFamily="2" charset="-122"/>
                 <a:ea typeface="华文楷体" panose="02010600040101010101" pitchFamily="2" charset="-122"/>
               </a:rPr>
               <a:t>inx_version</a:t>
             </a:r>
             <a:r>
-              <a:rPr lang="en-US" altLang="zh-CN" sz="2400" dirty="0">
+              <a:rPr lang="en-US" altLang="zh-CN" sz="2400">
                 <a:latin typeface="华文楷体" panose="02010600040101010101" pitchFamily="2" charset="-122"/>
                 <a:ea typeface="华文楷体" panose="02010600040101010101" pitchFamily="2" charset="-122"/>
               </a:rPr>
               <a:t>(version)" D=</a:t>
             </a:r>
             <a:r>
-              <a:rPr lang="en-US" altLang="zh-CN" sz="2400" dirty="0" err="1">
+              <a:rPr lang="en-US" altLang="zh-CN" sz="2400" err="1">
                 <a:latin typeface="华文楷体" panose="02010600040101010101" pitchFamily="2" charset="-122"/>
                 <a:ea typeface="华文楷体" panose="02010600040101010101" pitchFamily="2" charset="-122"/>
               </a:rPr>
               <a:t>infoserve,t</a:t>
             </a:r>
             <a:r>
-              <a:rPr lang="en-US" altLang="zh-CN" sz="2400" dirty="0">
+              <a:rPr lang="en-US" altLang="zh-CN" sz="2400">
                 <a:latin typeface="华文楷体" panose="02010600040101010101" pitchFamily="2" charset="-122"/>
                 <a:ea typeface="华文楷体" panose="02010600040101010101" pitchFamily="2" charset="-122"/>
               </a:rPr>
               <a:t>=</a:t>
             </a:r>
             <a:r>
-              <a:rPr lang="en-US" altLang="zh-CN" sz="2400" dirty="0" err="1">
+              <a:rPr lang="en-US" altLang="zh-CN" sz="2400" err="1">
                 <a:latin typeface="华文楷体" panose="02010600040101010101" pitchFamily="2" charset="-122"/>
                 <a:ea typeface="华文楷体" panose="02010600040101010101" pitchFamily="2" charset="-122"/>
               </a:rPr>
               <a:t>comp_pub_bill</a:t>
             </a:r>
             <a:r>
-              <a:rPr lang="en-US" altLang="zh-CN" sz="2400" dirty="0">
+              <a:rPr lang="en-US" altLang="zh-CN" sz="2400">
                 <a:latin typeface="华文楷体" panose="02010600040101010101" pitchFamily="2" charset="-122"/>
                 <a:ea typeface="华文楷体" panose="02010600040101010101" pitchFamily="2" charset="-122"/>
               </a:rPr>
@@ -9384,83 +9384,83 @@
             </a:r>
           </a:p>
           <a:p>
-            <a:endParaRPr lang="en-US" altLang="zh-CN" sz="3200" dirty="0" smtClean="0">
+            <a:endParaRPr lang="en-US" altLang="zh-CN" sz="3200" smtClean="0">
               <a:latin typeface="华文楷体" panose="02010600040101010101" pitchFamily="2" charset="-122"/>
               <a:ea typeface="华文楷体" panose="02010600040101010101" pitchFamily="2" charset="-122"/>
             </a:endParaRPr>
           </a:p>
           <a:p>
-            <a:endParaRPr lang="en-US" altLang="zh-CN" sz="3200" dirty="0" smtClean="0">
+            <a:endParaRPr lang="en-US" altLang="zh-CN" sz="3200" smtClean="0">
               <a:latin typeface="华文楷体" panose="02010600040101010101" pitchFamily="2" charset="-122"/>
               <a:ea typeface="华文楷体" panose="02010600040101010101" pitchFamily="2" charset="-122"/>
             </a:endParaRPr>
           </a:p>
           <a:p>
             <a:r>
-              <a:rPr lang="en-US" altLang="zh-CN" sz="2400" dirty="0" err="1">
+              <a:rPr lang="en-US" altLang="zh-CN" sz="2400" err="1">
                 <a:latin typeface="华文楷体" panose="02010600040101010101" pitchFamily="2" charset="-122"/>
                 <a:ea typeface="华文楷体" panose="02010600040101010101" pitchFamily="2" charset="-122"/>
               </a:rPr>
               <a:t>pt</a:t>
             </a:r>
             <a:r>
-              <a:rPr lang="en-US" altLang="zh-CN" sz="2400" dirty="0">
+              <a:rPr lang="en-US" altLang="zh-CN" sz="2400">
                 <a:latin typeface="华文楷体" panose="02010600040101010101" pitchFamily="2" charset="-122"/>
                 <a:ea typeface="华文楷体" panose="02010600040101010101" pitchFamily="2" charset="-122"/>
               </a:rPr>
               <a:t>-online-schema-change --user=root --password=Hc2015# --host=10.11.21.31  --alter "add index </a:t>
             </a:r>
             <a:r>
-              <a:rPr lang="en-US" altLang="zh-CN" sz="2400" dirty="0" err="1">
+              <a:rPr lang="en-US" altLang="zh-CN" sz="2400" err="1">
                 <a:latin typeface="华文楷体" panose="02010600040101010101" pitchFamily="2" charset="-122"/>
                 <a:ea typeface="华文楷体" panose="02010600040101010101" pitchFamily="2" charset="-122"/>
               </a:rPr>
               <a:t>inx_version</a:t>
             </a:r>
             <a:r>
-              <a:rPr lang="en-US" altLang="zh-CN" sz="2400" dirty="0">
+              <a:rPr lang="en-US" altLang="zh-CN" sz="2400">
                 <a:latin typeface="华文楷体" panose="02010600040101010101" pitchFamily="2" charset="-122"/>
                 <a:ea typeface="华文楷体" panose="02010600040101010101" pitchFamily="2" charset="-122"/>
               </a:rPr>
               <a:t>(version)" D=</a:t>
             </a:r>
             <a:r>
-              <a:rPr lang="en-US" altLang="zh-CN" sz="2400" dirty="0" err="1">
+              <a:rPr lang="en-US" altLang="zh-CN" sz="2400" err="1">
                 <a:latin typeface="华文楷体" panose="02010600040101010101" pitchFamily="2" charset="-122"/>
                 <a:ea typeface="华文楷体" panose="02010600040101010101" pitchFamily="2" charset="-122"/>
               </a:rPr>
               <a:t>infoseve,t</a:t>
             </a:r>
             <a:r>
-              <a:rPr lang="en-US" altLang="zh-CN" sz="2400" dirty="0">
+              <a:rPr lang="en-US" altLang="zh-CN" sz="2400">
                 <a:latin typeface="华文楷体" panose="02010600040101010101" pitchFamily="2" charset="-122"/>
                 <a:ea typeface="华文楷体" panose="02010600040101010101" pitchFamily="2" charset="-122"/>
               </a:rPr>
               <a:t>=</a:t>
             </a:r>
             <a:r>
-              <a:rPr lang="en-US" altLang="zh-CN" sz="2400" dirty="0" err="1">
+              <a:rPr lang="en-US" altLang="zh-CN" sz="2400" err="1">
                 <a:latin typeface="华文楷体" panose="02010600040101010101" pitchFamily="2" charset="-122"/>
                 <a:ea typeface="华文楷体" panose="02010600040101010101" pitchFamily="2" charset="-122"/>
               </a:rPr>
               <a:t>comp_pub_bill</a:t>
             </a:r>
             <a:r>
-              <a:rPr lang="en-US" altLang="zh-CN" sz="2400" dirty="0">
+              <a:rPr lang="en-US" altLang="zh-CN" sz="2400">
                 <a:latin typeface="华文楷体" panose="02010600040101010101" pitchFamily="2" charset="-122"/>
                 <a:ea typeface="华文楷体" panose="02010600040101010101" pitchFamily="2" charset="-122"/>
               </a:rPr>
               <a:t> --no-check-alter --no-check-replication-filters  --alter-foreign-keys-method=</a:t>
             </a:r>
             <a:r>
-              <a:rPr lang="en-US" altLang="zh-CN" sz="2400" dirty="0" err="1">
+              <a:rPr lang="en-US" altLang="zh-CN" sz="2400" err="1">
                 <a:latin typeface="华文楷体" panose="02010600040101010101" pitchFamily="2" charset="-122"/>
                 <a:ea typeface="华文楷体" panose="02010600040101010101" pitchFamily="2" charset="-122"/>
               </a:rPr>
               <a:t>rebuild_constraints</a:t>
             </a:r>
             <a:r>
-              <a:rPr lang="en-US" altLang="zh-CN" sz="2400" dirty="0">
+              <a:rPr lang="en-US" altLang="zh-CN" sz="2400">
                 <a:latin typeface="华文楷体" panose="02010600040101010101" pitchFamily="2" charset="-122"/>
                 <a:ea typeface="华文楷体" panose="02010600040101010101" pitchFamily="2" charset="-122"/>
               </a:rPr>
@@ -9468,14 +9468,14 @@
             </a:r>
           </a:p>
           <a:p>
-            <a:endParaRPr lang="en-US" altLang="zh-CN" sz="3200" dirty="0" smtClean="0">
+            <a:endParaRPr lang="en-US" altLang="zh-CN" sz="3200" smtClean="0">
               <a:latin typeface="华文楷体" panose="02010600040101010101" pitchFamily="2" charset="-122"/>
               <a:ea typeface="华文楷体" panose="02010600040101010101" pitchFamily="2" charset="-122"/>
             </a:endParaRPr>
           </a:p>
           <a:p>
             <a:r>
-              <a:rPr lang="en-US" altLang="zh-CN" sz="3200" dirty="0" smtClean="0">
+              <a:rPr lang="en-US" altLang="zh-CN" sz="3200" smtClean="0">
                 <a:latin typeface="华文楷体" panose="02010600040101010101" pitchFamily="2" charset="-122"/>
                 <a:ea typeface="华文楷体" panose="02010600040101010101" pitchFamily="2" charset="-122"/>
               </a:rPr>
@@ -9484,26 +9484,26 @@
           </a:p>
           <a:p>
             <a:r>
-              <a:rPr lang="en-US" altLang="zh-CN" sz="3200" dirty="0">
+              <a:rPr lang="en-US" altLang="zh-CN" sz="3200">
                 <a:latin typeface="华文楷体" panose="02010600040101010101" pitchFamily="2" charset="-122"/>
                 <a:ea typeface="华文楷体" panose="02010600040101010101" pitchFamily="2" charset="-122"/>
               </a:rPr>
               <a:t> </a:t>
             </a:r>
             <a:r>
-              <a:rPr lang="en-US" altLang="zh-CN" sz="3200" dirty="0" smtClean="0">
+              <a:rPr lang="en-US" altLang="zh-CN" sz="3200" smtClean="0">
                 <a:latin typeface="华文楷体" panose="02010600040101010101" pitchFamily="2" charset="-122"/>
                 <a:ea typeface="华文楷体" panose="02010600040101010101" pitchFamily="2" charset="-122"/>
               </a:rPr>
               <a:t>        </a:t>
             </a:r>
-            <a:endParaRPr lang="en-US" altLang="zh-CN" sz="3200" dirty="0">
+            <a:endParaRPr lang="en-US" altLang="zh-CN" sz="3200">
               <a:latin typeface="华文楷体" panose="02010600040101010101" pitchFamily="2" charset="-122"/>
               <a:ea typeface="华文楷体" panose="02010600040101010101" pitchFamily="2" charset="-122"/>
             </a:endParaRPr>
           </a:p>
           <a:p>
-            <a:endParaRPr lang="en-US" altLang="zh-CN" sz="3200" dirty="0" smtClean="0">
+            <a:endParaRPr lang="en-US" altLang="zh-CN" sz="3200" smtClean="0">
               <a:latin typeface="华文楷体" panose="02010600040101010101" pitchFamily="2" charset="-122"/>
               <a:ea typeface="华文楷体" panose="02010600040101010101" pitchFamily="2" charset="-122"/>
             </a:endParaRPr>
@@ -9513,7 +9513,7 @@
               <a:buFont typeface="Wingdings" panose="05000000000000000000" pitchFamily="2" charset="2"/>
               <a:buChar char="l"/>
             </a:pPr>
-            <a:endParaRPr lang="en-US" altLang="zh-CN" sz="3200" dirty="0" smtClean="0">
+            <a:endParaRPr lang="en-US" altLang="zh-CN" sz="3200" smtClean="0">
               <a:latin typeface="华文楷体" panose="02010600040101010101" pitchFamily="2" charset="-122"/>
               <a:ea typeface="华文楷体" panose="02010600040101010101" pitchFamily="2" charset="-122"/>
             </a:endParaRPr>
@@ -9653,33 +9653,33 @@
           <a:lstStyle/>
           <a:p>
             <a:r>
-              <a:rPr lang="zh-CN" altLang="en-US" sz="3200" dirty="0" smtClean="0">
+              <a:rPr lang="zh-CN" altLang="en-US" sz="3200" smtClean="0">
                 <a:latin typeface="华文楷体" panose="02010600040101010101" pitchFamily="2" charset="-122"/>
                 <a:ea typeface="华文楷体" panose="02010600040101010101" pitchFamily="2" charset="-122"/>
               </a:rPr>
               <a:t>常用的工具集介绍</a:t>
             </a:r>
-            <a:endParaRPr lang="en-US" altLang="zh-CN" sz="3200" dirty="0" smtClean="0">
+            <a:endParaRPr lang="en-US" altLang="zh-CN" sz="3200" smtClean="0">
               <a:latin typeface="华文楷体" panose="02010600040101010101" pitchFamily="2" charset="-122"/>
               <a:ea typeface="华文楷体" panose="02010600040101010101" pitchFamily="2" charset="-122"/>
             </a:endParaRPr>
           </a:p>
           <a:p>
             <a:r>
-              <a:rPr lang="zh-CN" altLang="en-US" sz="3200" dirty="0" smtClean="0">
+              <a:rPr lang="zh-CN" altLang="en-US" sz="3200" smtClean="0">
                 <a:latin typeface="华文楷体" panose="02010600040101010101" pitchFamily="2" charset="-122"/>
                 <a:ea typeface="华文楷体" panose="02010600040101010101" pitchFamily="2" charset="-122"/>
               </a:rPr>
               <a:t>分析数据库慢查询日志：</a:t>
             </a:r>
-            <a:endParaRPr lang="en-US" altLang="zh-CN" sz="3200" dirty="0" smtClean="0">
+            <a:endParaRPr lang="en-US" altLang="zh-CN" sz="3200" smtClean="0">
               <a:latin typeface="华文楷体" panose="02010600040101010101" pitchFamily="2" charset="-122"/>
               <a:ea typeface="华文楷体" panose="02010600040101010101" pitchFamily="2" charset="-122"/>
             </a:endParaRPr>
           </a:p>
           <a:p>
             <a:r>
-              <a:rPr lang="en-US" altLang="zh-CN" sz="3200" dirty="0" smtClean="0">
+              <a:rPr lang="en-US" altLang="zh-CN" sz="3200" smtClean="0">
                 <a:latin typeface="华文楷体" panose="02010600040101010101" pitchFamily="2" charset="-122"/>
                 <a:ea typeface="华文楷体" panose="02010600040101010101" pitchFamily="2" charset="-122"/>
               </a:rPr>
@@ -9687,46 +9687,46 @@
             </a:r>
           </a:p>
           <a:p>
-            <a:endParaRPr lang="en-US" altLang="zh-CN" sz="3200" dirty="0">
+            <a:endParaRPr lang="en-US" altLang="zh-CN" sz="3200">
               <a:latin typeface="华文楷体" panose="02010600040101010101" pitchFamily="2" charset="-122"/>
               <a:ea typeface="华文楷体" panose="02010600040101010101" pitchFamily="2" charset="-122"/>
             </a:endParaRPr>
           </a:p>
           <a:p>
             <a:r>
-              <a:rPr lang="en-US" altLang="zh-CN" sz="2400" dirty="0" err="1">
+              <a:rPr lang="en-US" altLang="zh-CN" sz="2400" err="1">
                 <a:latin typeface="华文楷体" panose="02010600040101010101" pitchFamily="2" charset="-122"/>
                 <a:ea typeface="华文楷体" panose="02010600040101010101" pitchFamily="2" charset="-122"/>
               </a:rPr>
               <a:t>pt</a:t>
             </a:r>
             <a:r>
-              <a:rPr lang="en-US" altLang="zh-CN" sz="2400" dirty="0">
+              <a:rPr lang="en-US" altLang="zh-CN" sz="2400">
                 <a:latin typeface="华文楷体" panose="02010600040101010101" pitchFamily="2" charset="-122"/>
                 <a:ea typeface="华文楷体" panose="02010600040101010101" pitchFamily="2" charset="-122"/>
               </a:rPr>
               <a:t>-query-digest slowquery_2016091210.log &gt;091210.sql</a:t>
             </a:r>
-            <a:endParaRPr lang="en-US" altLang="zh-CN" sz="2400" dirty="0" smtClean="0">
+            <a:endParaRPr lang="en-US" altLang="zh-CN" sz="2400" smtClean="0">
               <a:latin typeface="华文楷体" panose="02010600040101010101" pitchFamily="2" charset="-122"/>
               <a:ea typeface="华文楷体" panose="02010600040101010101" pitchFamily="2" charset="-122"/>
             </a:endParaRPr>
           </a:p>
           <a:p>
-            <a:endParaRPr lang="en-US" altLang="zh-CN" sz="3200" dirty="0">
+            <a:endParaRPr lang="en-US" altLang="zh-CN" sz="3200">
               <a:latin typeface="华文楷体" panose="02010600040101010101" pitchFamily="2" charset="-122"/>
               <a:ea typeface="华文楷体" panose="02010600040101010101" pitchFamily="2" charset="-122"/>
             </a:endParaRPr>
           </a:p>
           <a:p>
-            <a:endParaRPr lang="en-US" altLang="zh-CN" sz="3200" dirty="0" smtClean="0">
+            <a:endParaRPr lang="en-US" altLang="zh-CN" sz="3200" smtClean="0">
               <a:latin typeface="华文楷体" panose="02010600040101010101" pitchFamily="2" charset="-122"/>
               <a:ea typeface="华文楷体" panose="02010600040101010101" pitchFamily="2" charset="-122"/>
             </a:endParaRPr>
           </a:p>
           <a:p>
             <a:r>
-              <a:rPr lang="en-US" altLang="zh-CN" sz="3200" dirty="0" smtClean="0">
+              <a:rPr lang="en-US" altLang="zh-CN" sz="3200" smtClean="0">
                 <a:latin typeface="华文楷体" panose="02010600040101010101" pitchFamily="2" charset="-122"/>
                 <a:ea typeface="华文楷体" panose="02010600040101010101" pitchFamily="2" charset="-122"/>
               </a:rPr>
@@ -9735,26 +9735,26 @@
           </a:p>
           <a:p>
             <a:r>
-              <a:rPr lang="en-US" altLang="zh-CN" sz="3200" dirty="0">
+              <a:rPr lang="en-US" altLang="zh-CN" sz="3200">
                 <a:latin typeface="华文楷体" panose="02010600040101010101" pitchFamily="2" charset="-122"/>
                 <a:ea typeface="华文楷体" panose="02010600040101010101" pitchFamily="2" charset="-122"/>
               </a:rPr>
               <a:t> </a:t>
             </a:r>
             <a:r>
-              <a:rPr lang="en-US" altLang="zh-CN" sz="3200" dirty="0" smtClean="0">
+              <a:rPr lang="en-US" altLang="zh-CN" sz="3200" smtClean="0">
                 <a:latin typeface="华文楷体" panose="02010600040101010101" pitchFamily="2" charset="-122"/>
                 <a:ea typeface="华文楷体" panose="02010600040101010101" pitchFamily="2" charset="-122"/>
               </a:rPr>
               <a:t>        </a:t>
             </a:r>
-            <a:endParaRPr lang="en-US" altLang="zh-CN" sz="3200" dirty="0">
+            <a:endParaRPr lang="en-US" altLang="zh-CN" sz="3200">
               <a:latin typeface="华文楷体" panose="02010600040101010101" pitchFamily="2" charset="-122"/>
               <a:ea typeface="华文楷体" panose="02010600040101010101" pitchFamily="2" charset="-122"/>
             </a:endParaRPr>
           </a:p>
           <a:p>
-            <a:endParaRPr lang="en-US" altLang="zh-CN" sz="3200" dirty="0" smtClean="0">
+            <a:endParaRPr lang="en-US" altLang="zh-CN" sz="3200" smtClean="0">
               <a:latin typeface="华文楷体" panose="02010600040101010101" pitchFamily="2" charset="-122"/>
               <a:ea typeface="华文楷体" panose="02010600040101010101" pitchFamily="2" charset="-122"/>
             </a:endParaRPr>
@@ -9764,7 +9764,7 @@
               <a:buFont typeface="Wingdings" panose="05000000000000000000" pitchFamily="2" charset="2"/>
               <a:buChar char="l"/>
             </a:pPr>
-            <a:endParaRPr lang="en-US" altLang="zh-CN" sz="3200" dirty="0" smtClean="0">
+            <a:endParaRPr lang="en-US" altLang="zh-CN" sz="3200" smtClean="0">
               <a:latin typeface="华文楷体" panose="02010600040101010101" pitchFamily="2" charset="-122"/>
               <a:ea typeface="华文楷体" panose="02010600040101010101" pitchFamily="2" charset="-122"/>
             </a:endParaRPr>
@@ -9904,81 +9904,81 @@
           <a:lstStyle/>
           <a:p>
             <a:r>
-              <a:rPr lang="en-US" altLang="zh-CN" sz="3200" dirty="0" err="1" smtClean="0">
+              <a:rPr lang="en-US" altLang="zh-CN" sz="3200" err="1" smtClean="0">
                 <a:latin typeface="华文楷体" panose="02010600040101010101" pitchFamily="2" charset="-122"/>
                 <a:ea typeface="华文楷体" panose="02010600040101010101" pitchFamily="2" charset="-122"/>
               </a:rPr>
               <a:t>Mysql</a:t>
             </a:r>
             <a:r>
-              <a:rPr lang="zh-CN" altLang="en-US" sz="3200" dirty="0" smtClean="0">
+              <a:rPr lang="zh-CN" altLang="en-US" sz="3200" smtClean="0">
                 <a:latin typeface="华文楷体" panose="02010600040101010101" pitchFamily="2" charset="-122"/>
                 <a:ea typeface="华文楷体" panose="02010600040101010101" pitchFamily="2" charset="-122"/>
               </a:rPr>
               <a:t>主从同步</a:t>
             </a:r>
-            <a:endParaRPr lang="en-US" altLang="zh-CN" sz="3200" dirty="0" smtClean="0">
+            <a:endParaRPr lang="en-US" altLang="zh-CN" sz="3200" smtClean="0">
               <a:latin typeface="华文楷体" panose="02010600040101010101" pitchFamily="2" charset="-122"/>
               <a:ea typeface="华文楷体" panose="02010600040101010101" pitchFamily="2" charset="-122"/>
             </a:endParaRPr>
           </a:p>
           <a:p>
             <a:r>
-              <a:rPr lang="zh-CN" altLang="en-US" sz="3200" dirty="0" smtClean="0">
+              <a:rPr lang="zh-CN" altLang="en-US" sz="3200" smtClean="0">
                 <a:latin typeface="华文楷体" panose="02010600040101010101" pitchFamily="2" charset="-122"/>
                 <a:ea typeface="华文楷体" panose="02010600040101010101" pitchFamily="2" charset="-122"/>
               </a:rPr>
               <a:t>如何判断</a:t>
             </a:r>
             <a:r>
-              <a:rPr lang="en-US" altLang="zh-CN" sz="3200" dirty="0" err="1" smtClean="0">
+              <a:rPr lang="en-US" altLang="zh-CN" sz="3200" err="1" smtClean="0">
                 <a:latin typeface="华文楷体" panose="02010600040101010101" pitchFamily="2" charset="-122"/>
                 <a:ea typeface="华文楷体" panose="02010600040101010101" pitchFamily="2" charset="-122"/>
               </a:rPr>
               <a:t>mysql</a:t>
             </a:r>
             <a:r>
-              <a:rPr lang="zh-CN" altLang="en-US" sz="3200" dirty="0" smtClean="0">
+              <a:rPr lang="zh-CN" altLang="en-US" sz="3200" smtClean="0">
                 <a:latin typeface="华文楷体" panose="02010600040101010101" pitchFamily="2" charset="-122"/>
                 <a:ea typeface="华文楷体" panose="02010600040101010101" pitchFamily="2" charset="-122"/>
               </a:rPr>
               <a:t>主从是否同步：</a:t>
             </a:r>
-            <a:endParaRPr lang="en-US" altLang="zh-CN" sz="3200" dirty="0" smtClean="0">
+            <a:endParaRPr lang="en-US" altLang="zh-CN" sz="3200" smtClean="0">
               <a:latin typeface="华文楷体" panose="02010600040101010101" pitchFamily="2" charset="-122"/>
               <a:ea typeface="华文楷体" panose="02010600040101010101" pitchFamily="2" charset="-122"/>
             </a:endParaRPr>
           </a:p>
           <a:p>
             <a:r>
-              <a:rPr lang="zh-CN" altLang="en-US" sz="2000" dirty="0">
+              <a:rPr lang="zh-CN" altLang="en-US" sz="2000">
                 <a:latin typeface="华文楷体" panose="02010600040101010101" pitchFamily="2" charset="-122"/>
                 <a:ea typeface="华文楷体" panose="02010600040101010101" pitchFamily="2" charset="-122"/>
               </a:rPr>
               <a:t>主</a:t>
             </a:r>
             <a:r>
-              <a:rPr lang="zh-CN" altLang="en-US" sz="2000" dirty="0" smtClean="0">
+              <a:rPr lang="zh-CN" altLang="en-US" sz="2000" smtClean="0">
                 <a:latin typeface="华文楷体" panose="02010600040101010101" pitchFamily="2" charset="-122"/>
                 <a:ea typeface="华文楷体" panose="02010600040101010101" pitchFamily="2" charset="-122"/>
               </a:rPr>
               <a:t>库上：</a:t>
             </a:r>
-            <a:endParaRPr lang="en-US" altLang="zh-CN" sz="2000" dirty="0" smtClean="0">
+            <a:endParaRPr lang="en-US" altLang="zh-CN" sz="2000" smtClean="0">
               <a:latin typeface="华文楷体" panose="02010600040101010101" pitchFamily="2" charset="-122"/>
               <a:ea typeface="华文楷体" panose="02010600040101010101" pitchFamily="2" charset="-122"/>
             </a:endParaRPr>
           </a:p>
           <a:p>
             <a:r>
-              <a:rPr lang="en-US" altLang="zh-CN" sz="2000" dirty="0" err="1">
+              <a:rPr lang="en-US" altLang="zh-CN" sz="2000" err="1">
                 <a:latin typeface="华文楷体" panose="02010600040101010101" pitchFamily="2" charset="-122"/>
                 <a:ea typeface="华文楷体" panose="02010600040101010101" pitchFamily="2" charset="-122"/>
               </a:rPr>
               <a:t>root@localhost:mysql.sock</a:t>
             </a:r>
             <a:r>
-              <a:rPr lang="en-US" altLang="zh-CN" sz="2000" dirty="0">
+              <a:rPr lang="en-US" altLang="zh-CN" sz="2000">
                 <a:latin typeface="华文楷体" panose="02010600040101010101" pitchFamily="2" charset="-122"/>
                 <a:ea typeface="华文楷体" panose="02010600040101010101" pitchFamily="2" charset="-122"/>
               </a:rPr>
@@ -9987,7 +9987,7 @@
           </a:p>
           <a:p>
             <a:r>
-              <a:rPr lang="en-US" altLang="zh-CN" sz="2000" dirty="0">
+              <a:rPr lang="en-US" altLang="zh-CN" sz="2000">
                 <a:latin typeface="华文楷体" panose="02010600040101010101" pitchFamily="2" charset="-122"/>
                 <a:ea typeface="华文楷体" panose="02010600040101010101" pitchFamily="2" charset="-122"/>
               </a:rPr>
@@ -9996,7 +9996,7 @@
           </a:p>
           <a:p>
             <a:r>
-              <a:rPr lang="en-US" altLang="zh-CN" sz="2000" dirty="0">
+              <a:rPr lang="en-US" altLang="zh-CN" sz="2000">
                 <a:latin typeface="华文楷体" panose="02010600040101010101" pitchFamily="2" charset="-122"/>
                 <a:ea typeface="华文楷体" panose="02010600040101010101" pitchFamily="2" charset="-122"/>
               </a:rPr>
@@ -10005,7 +10005,7 @@
           </a:p>
           <a:p>
             <a:r>
-              <a:rPr lang="en-US" altLang="zh-CN" sz="2000" dirty="0">
+              <a:rPr lang="en-US" altLang="zh-CN" sz="2000">
                 <a:latin typeface="华文楷体" panose="02010600040101010101" pitchFamily="2" charset="-122"/>
                 <a:ea typeface="华文楷体" panose="02010600040101010101" pitchFamily="2" charset="-122"/>
               </a:rPr>
@@ -10014,21 +10014,21 @@
           </a:p>
           <a:p>
             <a:r>
-              <a:rPr lang="en-US" altLang="zh-CN" sz="2000" dirty="0">
+              <a:rPr lang="en-US" altLang="zh-CN" sz="2000">
                 <a:latin typeface="华文楷体" panose="02010600040101010101" pitchFamily="2" charset="-122"/>
                 <a:ea typeface="华文楷体" panose="02010600040101010101" pitchFamily="2" charset="-122"/>
               </a:rPr>
               <a:t>     </a:t>
             </a:r>
             <a:r>
-              <a:rPr lang="en-US" altLang="zh-CN" sz="2000" dirty="0" err="1">
+              <a:rPr lang="en-US" altLang="zh-CN" sz="2000" err="1">
                 <a:latin typeface="华文楷体" panose="02010600040101010101" pitchFamily="2" charset="-122"/>
                 <a:ea typeface="华文楷体" panose="02010600040101010101" pitchFamily="2" charset="-122"/>
               </a:rPr>
               <a:t>Binlog_Do_DB</a:t>
             </a:r>
             <a:r>
-              <a:rPr lang="en-US" altLang="zh-CN" sz="2000" dirty="0">
+              <a:rPr lang="en-US" altLang="zh-CN" sz="2000">
                 <a:latin typeface="华文楷体" panose="02010600040101010101" pitchFamily="2" charset="-122"/>
                 <a:ea typeface="华文楷体" panose="02010600040101010101" pitchFamily="2" charset="-122"/>
               </a:rPr>
@@ -10037,21 +10037,21 @@
           </a:p>
           <a:p>
             <a:r>
-              <a:rPr lang="en-US" altLang="zh-CN" sz="2000" dirty="0">
+              <a:rPr lang="en-US" altLang="zh-CN" sz="2000">
                 <a:latin typeface="华文楷体" panose="02010600040101010101" pitchFamily="2" charset="-122"/>
                 <a:ea typeface="华文楷体" panose="02010600040101010101" pitchFamily="2" charset="-122"/>
               </a:rPr>
               <a:t> </a:t>
             </a:r>
             <a:r>
-              <a:rPr lang="en-US" altLang="zh-CN" sz="2000" dirty="0" err="1">
+              <a:rPr lang="en-US" altLang="zh-CN" sz="2000" err="1">
                 <a:latin typeface="华文楷体" panose="02010600040101010101" pitchFamily="2" charset="-122"/>
                 <a:ea typeface="华文楷体" panose="02010600040101010101" pitchFamily="2" charset="-122"/>
               </a:rPr>
               <a:t>Binlog_Ignore_DB</a:t>
             </a:r>
             <a:r>
-              <a:rPr lang="en-US" altLang="zh-CN" sz="2000" dirty="0">
+              <a:rPr lang="en-US" altLang="zh-CN" sz="2000">
                 <a:latin typeface="华文楷体" panose="02010600040101010101" pitchFamily="2" charset="-122"/>
                 <a:ea typeface="华文楷体" panose="02010600040101010101" pitchFamily="2" charset="-122"/>
               </a:rPr>
@@ -10060,14 +10060,14 @@
           </a:p>
           <a:p>
             <a:r>
-              <a:rPr lang="en-US" altLang="zh-CN" sz="2000" dirty="0" err="1">
+              <a:rPr lang="en-US" altLang="zh-CN" sz="2000" err="1">
                 <a:latin typeface="华文楷体" panose="02010600040101010101" pitchFamily="2" charset="-122"/>
                 <a:ea typeface="华文楷体" panose="02010600040101010101" pitchFamily="2" charset="-122"/>
               </a:rPr>
               <a:t>Executed_Gtid_Set</a:t>
             </a:r>
             <a:r>
-              <a:rPr lang="en-US" altLang="zh-CN" sz="2000" dirty="0">
+              <a:rPr lang="en-US" altLang="zh-CN" sz="2000">
                 <a:latin typeface="华文楷体" panose="02010600040101010101" pitchFamily="2" charset="-122"/>
                 <a:ea typeface="华文楷体" panose="02010600040101010101" pitchFamily="2" charset="-122"/>
               </a:rPr>
@@ -10076,14 +10076,14 @@
           </a:p>
           <a:p>
             <a:r>
-              <a:rPr lang="en-US" altLang="zh-CN" sz="2000" dirty="0">
+              <a:rPr lang="en-US" altLang="zh-CN" sz="2000">
                 <a:latin typeface="华文楷体" panose="02010600040101010101" pitchFamily="2" charset="-122"/>
                 <a:ea typeface="华文楷体" panose="02010600040101010101" pitchFamily="2" charset="-122"/>
               </a:rPr>
               <a:t>1 row in set (0.00 sec</a:t>
             </a:r>
             <a:r>
-              <a:rPr lang="en-US" altLang="zh-CN" sz="2000" dirty="0" smtClean="0">
+              <a:rPr lang="en-US" altLang="zh-CN" sz="2000" smtClean="0">
                 <a:latin typeface="华文楷体" panose="02010600040101010101" pitchFamily="2" charset="-122"/>
                 <a:ea typeface="华文楷体" panose="02010600040101010101" pitchFamily="2" charset="-122"/>
               </a:rPr>
@@ -10091,14 +10091,14 @@
             </a:r>
           </a:p>
           <a:p>
-            <a:endParaRPr lang="en-US" altLang="zh-CN" sz="3200" dirty="0" smtClean="0">
+            <a:endParaRPr lang="en-US" altLang="zh-CN" sz="3200" smtClean="0">
               <a:latin typeface="华文楷体" panose="02010600040101010101" pitchFamily="2" charset="-122"/>
               <a:ea typeface="华文楷体" panose="02010600040101010101" pitchFamily="2" charset="-122"/>
             </a:endParaRPr>
           </a:p>
           <a:p>
             <a:r>
-              <a:rPr lang="en-US" altLang="zh-CN" sz="3200" dirty="0" smtClean="0">
+              <a:rPr lang="en-US" altLang="zh-CN" sz="3200" smtClean="0">
                 <a:latin typeface="华文楷体" panose="02010600040101010101" pitchFamily="2" charset="-122"/>
                 <a:ea typeface="华文楷体" panose="02010600040101010101" pitchFamily="2" charset="-122"/>
               </a:rPr>
@@ -10107,26 +10107,26 @@
           </a:p>
           <a:p>
             <a:r>
-              <a:rPr lang="en-US" altLang="zh-CN" sz="3200" dirty="0">
+              <a:rPr lang="en-US" altLang="zh-CN" sz="3200">
                 <a:latin typeface="华文楷体" panose="02010600040101010101" pitchFamily="2" charset="-122"/>
                 <a:ea typeface="华文楷体" panose="02010600040101010101" pitchFamily="2" charset="-122"/>
               </a:rPr>
               <a:t> </a:t>
             </a:r>
             <a:r>
-              <a:rPr lang="en-US" altLang="zh-CN" sz="3200" dirty="0" smtClean="0">
+              <a:rPr lang="en-US" altLang="zh-CN" sz="3200" smtClean="0">
                 <a:latin typeface="华文楷体" panose="02010600040101010101" pitchFamily="2" charset="-122"/>
                 <a:ea typeface="华文楷体" panose="02010600040101010101" pitchFamily="2" charset="-122"/>
               </a:rPr>
               <a:t>        </a:t>
             </a:r>
-            <a:endParaRPr lang="en-US" altLang="zh-CN" sz="3200" dirty="0">
+            <a:endParaRPr lang="en-US" altLang="zh-CN" sz="3200">
               <a:latin typeface="华文楷体" panose="02010600040101010101" pitchFamily="2" charset="-122"/>
               <a:ea typeface="华文楷体" panose="02010600040101010101" pitchFamily="2" charset="-122"/>
             </a:endParaRPr>
           </a:p>
           <a:p>
-            <a:endParaRPr lang="en-US" altLang="zh-CN" sz="3200" dirty="0" smtClean="0">
+            <a:endParaRPr lang="en-US" altLang="zh-CN" sz="3200" smtClean="0">
               <a:latin typeface="华文楷体" panose="02010600040101010101" pitchFamily="2" charset="-122"/>
               <a:ea typeface="华文楷体" panose="02010600040101010101" pitchFamily="2" charset="-122"/>
             </a:endParaRPr>
@@ -10136,7 +10136,7 @@
               <a:buFont typeface="Wingdings" panose="05000000000000000000" pitchFamily="2" charset="2"/>
               <a:buChar char="l"/>
             </a:pPr>
-            <a:endParaRPr lang="en-US" altLang="zh-CN" sz="3200" dirty="0" smtClean="0">
+            <a:endParaRPr lang="en-US" altLang="zh-CN" sz="3200" smtClean="0">
               <a:latin typeface="华文楷体" panose="02010600040101010101" pitchFamily="2" charset="-122"/>
               <a:ea typeface="华文楷体" panose="02010600040101010101" pitchFamily="2" charset="-122"/>
             </a:endParaRPr>
@@ -11744,137 +11744,137 @@
           <a:lstStyle/>
           <a:p>
             <a:r>
-              <a:rPr lang="en-US" altLang="zh-CN" sz="3200" dirty="0" err="1" smtClean="0">
+              <a:rPr lang="en-US" altLang="zh-CN" sz="3200" err="1" smtClean="0">
                 <a:latin typeface="华文楷体" panose="02010600040101010101" pitchFamily="2" charset="-122"/>
                 <a:ea typeface="华文楷体" panose="02010600040101010101" pitchFamily="2" charset="-122"/>
               </a:rPr>
               <a:t>Mysql</a:t>
             </a:r>
             <a:r>
-              <a:rPr lang="zh-CN" altLang="en-US" sz="3200" dirty="0" smtClean="0">
+              <a:rPr lang="zh-CN" altLang="en-US" sz="3200" smtClean="0">
                 <a:latin typeface="华文楷体" panose="02010600040101010101" pitchFamily="2" charset="-122"/>
                 <a:ea typeface="华文楷体" panose="02010600040101010101" pitchFamily="2" charset="-122"/>
               </a:rPr>
               <a:t>主从同步</a:t>
             </a:r>
-            <a:endParaRPr lang="en-US" altLang="zh-CN" sz="3200" dirty="0" smtClean="0">
+            <a:endParaRPr lang="en-US" altLang="zh-CN" sz="3200" smtClean="0">
               <a:latin typeface="华文楷体" panose="02010600040101010101" pitchFamily="2" charset="-122"/>
               <a:ea typeface="华文楷体" panose="02010600040101010101" pitchFamily="2" charset="-122"/>
             </a:endParaRPr>
           </a:p>
           <a:p>
             <a:r>
-              <a:rPr lang="zh-CN" altLang="en-US" sz="3200" dirty="0" smtClean="0">
+              <a:rPr lang="zh-CN" altLang="en-US" sz="3200" smtClean="0">
                 <a:latin typeface="华文楷体" panose="02010600040101010101" pitchFamily="2" charset="-122"/>
                 <a:ea typeface="华文楷体" panose="02010600040101010101" pitchFamily="2" charset="-122"/>
               </a:rPr>
               <a:t>如何判断</a:t>
             </a:r>
             <a:r>
-              <a:rPr lang="en-US" altLang="zh-CN" sz="3200" dirty="0" err="1" smtClean="0">
+              <a:rPr lang="en-US" altLang="zh-CN" sz="3200" err="1" smtClean="0">
                 <a:latin typeface="华文楷体" panose="02010600040101010101" pitchFamily="2" charset="-122"/>
                 <a:ea typeface="华文楷体" panose="02010600040101010101" pitchFamily="2" charset="-122"/>
               </a:rPr>
               <a:t>mysql</a:t>
             </a:r>
             <a:r>
-              <a:rPr lang="zh-CN" altLang="en-US" sz="3200" dirty="0" smtClean="0">
+              <a:rPr lang="zh-CN" altLang="en-US" sz="3200" smtClean="0">
                 <a:latin typeface="华文楷体" panose="02010600040101010101" pitchFamily="2" charset="-122"/>
                 <a:ea typeface="华文楷体" panose="02010600040101010101" pitchFamily="2" charset="-122"/>
               </a:rPr>
               <a:t>主从是否同步：</a:t>
             </a:r>
-            <a:endParaRPr lang="en-US" altLang="zh-CN" sz="3200" dirty="0" smtClean="0">
+            <a:endParaRPr lang="en-US" altLang="zh-CN" sz="3200" smtClean="0">
               <a:latin typeface="华文楷体" panose="02010600040101010101" pitchFamily="2" charset="-122"/>
               <a:ea typeface="华文楷体" panose="02010600040101010101" pitchFamily="2" charset="-122"/>
             </a:endParaRPr>
           </a:p>
           <a:p>
             <a:r>
-              <a:rPr lang="en-US" altLang="zh-CN" sz="3200" dirty="0" smtClean="0">
+              <a:rPr lang="en-US" altLang="zh-CN" sz="3200" smtClean="0">
                 <a:latin typeface="华文楷体" panose="02010600040101010101" pitchFamily="2" charset="-122"/>
                 <a:ea typeface="华文楷体" panose="02010600040101010101" pitchFamily="2" charset="-122"/>
               </a:rPr>
               <a:t>1</a:t>
             </a:r>
             <a:r>
-              <a:rPr lang="zh-CN" altLang="en-US" sz="3200" dirty="0" smtClean="0">
+              <a:rPr lang="zh-CN" altLang="en-US" sz="3200" smtClean="0">
                 <a:latin typeface="华文楷体" panose="02010600040101010101" pitchFamily="2" charset="-122"/>
                 <a:ea typeface="华文楷体" panose="02010600040101010101" pitchFamily="2" charset="-122"/>
               </a:rPr>
               <a:t>，</a:t>
             </a:r>
             <a:r>
-              <a:rPr lang="en-US" altLang="zh-CN" sz="3200" dirty="0" smtClean="0">
+              <a:rPr lang="en-US" altLang="zh-CN" sz="3200" smtClean="0">
                 <a:latin typeface="华文楷体" panose="02010600040101010101" pitchFamily="2" charset="-122"/>
                 <a:ea typeface="华文楷体" panose="02010600040101010101" pitchFamily="2" charset="-122"/>
               </a:rPr>
               <a:t>show slave status</a:t>
             </a:r>
             <a:r>
-              <a:rPr lang="zh-CN" altLang="en-US" sz="3200" dirty="0" smtClean="0">
+              <a:rPr lang="zh-CN" altLang="en-US" sz="3200" smtClean="0">
                 <a:latin typeface="华文楷体" panose="02010600040101010101" pitchFamily="2" charset="-122"/>
                 <a:ea typeface="华文楷体" panose="02010600040101010101" pitchFamily="2" charset="-122"/>
               </a:rPr>
               <a:t>显示</a:t>
             </a:r>
             <a:r>
-              <a:rPr lang="en-US" altLang="zh-CN" sz="3200" dirty="0" err="1" smtClean="0">
+              <a:rPr lang="en-US" altLang="zh-CN" sz="3200" err="1" smtClean="0">
                 <a:latin typeface="华文楷体" panose="02010600040101010101" pitchFamily="2" charset="-122"/>
                 <a:ea typeface="华文楷体" panose="02010600040101010101" pitchFamily="2" charset="-122"/>
               </a:rPr>
               <a:t>io</a:t>
             </a:r>
             <a:r>
-              <a:rPr lang="zh-CN" altLang="en-US" sz="3200" dirty="0" smtClean="0">
+              <a:rPr lang="zh-CN" altLang="en-US" sz="3200" smtClean="0">
                 <a:latin typeface="华文楷体" panose="02010600040101010101" pitchFamily="2" charset="-122"/>
                 <a:ea typeface="华文楷体" panose="02010600040101010101" pitchFamily="2" charset="-122"/>
               </a:rPr>
               <a:t>线程和</a:t>
             </a:r>
             <a:r>
-              <a:rPr lang="en-US" altLang="zh-CN" sz="3200" dirty="0" err="1" smtClean="0">
+              <a:rPr lang="en-US" altLang="zh-CN" sz="3200" err="1" smtClean="0">
                 <a:latin typeface="华文楷体" panose="02010600040101010101" pitchFamily="2" charset="-122"/>
                 <a:ea typeface="华文楷体" panose="02010600040101010101" pitchFamily="2" charset="-122"/>
               </a:rPr>
               <a:t>sql</a:t>
             </a:r>
             <a:r>
-              <a:rPr lang="zh-CN" altLang="en-US" sz="3200" dirty="0" smtClean="0">
+              <a:rPr lang="zh-CN" altLang="en-US" sz="3200" smtClean="0">
                 <a:latin typeface="华文楷体" panose="02010600040101010101" pitchFamily="2" charset="-122"/>
                 <a:ea typeface="华文楷体" panose="02010600040101010101" pitchFamily="2" charset="-122"/>
               </a:rPr>
               <a:t>线程正常</a:t>
             </a:r>
-            <a:endParaRPr lang="en-US" altLang="zh-CN" sz="3200" dirty="0" smtClean="0">
+            <a:endParaRPr lang="en-US" altLang="zh-CN" sz="3200" smtClean="0">
               <a:latin typeface="华文楷体" panose="02010600040101010101" pitchFamily="2" charset="-122"/>
               <a:ea typeface="华文楷体" panose="02010600040101010101" pitchFamily="2" charset="-122"/>
             </a:endParaRPr>
           </a:p>
           <a:p>
             <a:r>
-              <a:rPr lang="en-US" altLang="zh-CN" sz="3200" dirty="0">
+              <a:rPr lang="en-US" altLang="zh-CN" sz="3200">
                 <a:latin typeface="华文楷体" panose="02010600040101010101" pitchFamily="2" charset="-122"/>
                 <a:ea typeface="华文楷体" panose="02010600040101010101" pitchFamily="2" charset="-122"/>
               </a:rPr>
               <a:t> </a:t>
             </a:r>
             <a:r>
-              <a:rPr lang="en-US" altLang="zh-CN" sz="2000" dirty="0" err="1">
+              <a:rPr lang="en-US" altLang="zh-CN" sz="2000" err="1">
                 <a:latin typeface="华文楷体" panose="02010600040101010101" pitchFamily="2" charset="-122"/>
                 <a:ea typeface="华文楷体" panose="02010600040101010101" pitchFamily="2" charset="-122"/>
               </a:rPr>
               <a:t>Slave_IO_Running</a:t>
             </a:r>
             <a:r>
-              <a:rPr lang="en-US" altLang="zh-CN" sz="2000" dirty="0">
+              <a:rPr lang="en-US" altLang="zh-CN" sz="2000">
                 <a:latin typeface="华文楷体" panose="02010600040101010101" pitchFamily="2" charset="-122"/>
                 <a:ea typeface="华文楷体" panose="02010600040101010101" pitchFamily="2" charset="-122"/>
               </a:rPr>
               <a:t>: </a:t>
             </a:r>
             <a:r>
-              <a:rPr lang="en-US" altLang="zh-CN" sz="2000" dirty="0" smtClean="0">
+              <a:rPr lang="en-US" altLang="zh-CN" sz="2000" smtClean="0">
                 <a:latin typeface="华文楷体" panose="02010600040101010101" pitchFamily="2" charset="-122"/>
                 <a:ea typeface="华文楷体" panose="02010600040101010101" pitchFamily="2" charset="-122"/>
               </a:rPr>
@@ -11883,21 +11883,21 @@
           </a:p>
           <a:p>
             <a:r>
-              <a:rPr lang="en-US" altLang="zh-CN" sz="2000" dirty="0" err="1">
+              <a:rPr lang="en-US" altLang="zh-CN" sz="2000" err="1">
                 <a:latin typeface="华文楷体" panose="02010600040101010101" pitchFamily="2" charset="-122"/>
                 <a:ea typeface="华文楷体" panose="02010600040101010101" pitchFamily="2" charset="-122"/>
               </a:rPr>
               <a:t>Slave_SQL_Running</a:t>
             </a:r>
             <a:r>
-              <a:rPr lang="en-US" altLang="zh-CN" sz="2000" dirty="0">
+              <a:rPr lang="en-US" altLang="zh-CN" sz="2000">
                 <a:latin typeface="华文楷体" panose="02010600040101010101" pitchFamily="2" charset="-122"/>
                 <a:ea typeface="华文楷体" panose="02010600040101010101" pitchFamily="2" charset="-122"/>
               </a:rPr>
               <a:t>: </a:t>
             </a:r>
             <a:r>
-              <a:rPr lang="en-US" altLang="zh-CN" sz="2000" dirty="0" smtClean="0">
+              <a:rPr lang="en-US" altLang="zh-CN" sz="2000" smtClean="0">
                 <a:latin typeface="华文楷体" panose="02010600040101010101" pitchFamily="2" charset="-122"/>
                 <a:ea typeface="华文楷体" panose="02010600040101010101" pitchFamily="2" charset="-122"/>
               </a:rPr>
@@ -11906,104 +11906,104 @@
           </a:p>
           <a:p>
             <a:r>
-              <a:rPr lang="en-US" altLang="zh-CN" sz="2000" dirty="0" smtClean="0">
+              <a:rPr lang="en-US" altLang="zh-CN" sz="2000" smtClean="0">
                 <a:latin typeface="华文楷体" panose="02010600040101010101" pitchFamily="2" charset="-122"/>
                 <a:ea typeface="华文楷体" panose="02010600040101010101" pitchFamily="2" charset="-122"/>
               </a:rPr>
               <a:t>2</a:t>
             </a:r>
             <a:r>
-              <a:rPr lang="zh-CN" altLang="en-US" sz="2000" dirty="0" smtClean="0">
+              <a:rPr lang="zh-CN" altLang="en-US" sz="2000" smtClean="0">
                 <a:latin typeface="华文楷体" panose="02010600040101010101" pitchFamily="2" charset="-122"/>
                 <a:ea typeface="华文楷体" panose="02010600040101010101" pitchFamily="2" charset="-122"/>
               </a:rPr>
               <a:t>，</a:t>
             </a:r>
             <a:r>
-              <a:rPr lang="en-US" altLang="zh-CN" sz="2000" dirty="0">
+              <a:rPr lang="en-US" altLang="zh-CN" sz="2000">
                 <a:latin typeface="华文楷体" panose="02010600040101010101" pitchFamily="2" charset="-122"/>
                 <a:ea typeface="华文楷体" panose="02010600040101010101" pitchFamily="2" charset="-122"/>
               </a:rPr>
               <a:t> </a:t>
             </a:r>
             <a:r>
-              <a:rPr lang="en-US" altLang="zh-CN" sz="2000" dirty="0" err="1" smtClean="0">
+              <a:rPr lang="en-US" altLang="zh-CN" sz="2000" err="1" smtClean="0">
                 <a:latin typeface="华文楷体" panose="02010600040101010101" pitchFamily="2" charset="-122"/>
                 <a:ea typeface="华文楷体" panose="02010600040101010101" pitchFamily="2" charset="-122"/>
               </a:rPr>
               <a:t>Master_Log_File</a:t>
             </a:r>
             <a:r>
-              <a:rPr lang="zh-CN" altLang="en-US" sz="2000" dirty="0" smtClean="0">
+              <a:rPr lang="zh-CN" altLang="en-US" sz="2000" smtClean="0">
                 <a:latin typeface="华文楷体" panose="02010600040101010101" pitchFamily="2" charset="-122"/>
                 <a:ea typeface="华文楷体" panose="02010600040101010101" pitchFamily="2" charset="-122"/>
               </a:rPr>
               <a:t>的值与</a:t>
             </a:r>
             <a:r>
-              <a:rPr lang="en-US" altLang="zh-CN" sz="2000" dirty="0" err="1" smtClean="0">
+              <a:rPr lang="en-US" altLang="zh-CN" sz="2000" err="1" smtClean="0">
                 <a:latin typeface="华文楷体" panose="02010600040101010101" pitchFamily="2" charset="-122"/>
                 <a:ea typeface="华文楷体" panose="02010600040101010101" pitchFamily="2" charset="-122"/>
               </a:rPr>
               <a:t>Relay_Master_Log_File</a:t>
             </a:r>
             <a:r>
-              <a:rPr lang="zh-CN" altLang="en-US" sz="2000" dirty="0" smtClean="0">
+              <a:rPr lang="zh-CN" altLang="en-US" sz="2000" smtClean="0">
                 <a:latin typeface="华文楷体" panose="02010600040101010101" pitchFamily="2" charset="-122"/>
                 <a:ea typeface="华文楷体" panose="02010600040101010101" pitchFamily="2" charset="-122"/>
               </a:rPr>
               <a:t>相同，并且</a:t>
             </a:r>
             <a:r>
-              <a:rPr lang="en-US" altLang="zh-CN" sz="2000" dirty="0" err="1" smtClean="0">
+              <a:rPr lang="en-US" altLang="zh-CN" sz="2000" err="1" smtClean="0">
                 <a:latin typeface="华文楷体" panose="02010600040101010101" pitchFamily="2" charset="-122"/>
                 <a:ea typeface="华文楷体" panose="02010600040101010101" pitchFamily="2" charset="-122"/>
               </a:rPr>
               <a:t>Read_Master_Log_Pos</a:t>
             </a:r>
             <a:r>
-              <a:rPr lang="zh-CN" altLang="en-US" sz="2000" dirty="0" smtClean="0">
+              <a:rPr lang="zh-CN" altLang="en-US" sz="2000" smtClean="0">
                 <a:latin typeface="华文楷体" panose="02010600040101010101" pitchFamily="2" charset="-122"/>
                 <a:ea typeface="华文楷体" panose="02010600040101010101" pitchFamily="2" charset="-122"/>
               </a:rPr>
               <a:t>与</a:t>
             </a:r>
             <a:r>
-              <a:rPr lang="en-US" altLang="zh-CN" sz="2000" dirty="0" err="1" smtClean="0">
+              <a:rPr lang="en-US" altLang="zh-CN" sz="2000" err="1" smtClean="0">
                 <a:latin typeface="华文楷体" panose="02010600040101010101" pitchFamily="2" charset="-122"/>
                 <a:ea typeface="华文楷体" panose="02010600040101010101" pitchFamily="2" charset="-122"/>
               </a:rPr>
               <a:t>Exec_Master_Log_Pos</a:t>
             </a:r>
             <a:r>
-              <a:rPr lang="zh-CN" altLang="en-US" sz="2000" dirty="0" smtClean="0">
+              <a:rPr lang="zh-CN" altLang="en-US" sz="2000" smtClean="0">
                 <a:latin typeface="华文楷体" panose="02010600040101010101" pitchFamily="2" charset="-122"/>
                 <a:ea typeface="华文楷体" panose="02010600040101010101" pitchFamily="2" charset="-122"/>
               </a:rPr>
               <a:t>相同</a:t>
             </a:r>
-            <a:endParaRPr lang="en-US" altLang="zh-CN" sz="2000" dirty="0" smtClean="0">
+            <a:endParaRPr lang="en-US" altLang="zh-CN" sz="2000" smtClean="0">
               <a:latin typeface="华文楷体" panose="02010600040101010101" pitchFamily="2" charset="-122"/>
               <a:ea typeface="华文楷体" panose="02010600040101010101" pitchFamily="2" charset="-122"/>
             </a:endParaRPr>
           </a:p>
           <a:p>
             <a:r>
-              <a:rPr lang="en-US" altLang="zh-CN" sz="2000" dirty="0" err="1">
+              <a:rPr lang="en-US" altLang="zh-CN" sz="2000" err="1">
                 <a:latin typeface="华文楷体" panose="02010600040101010101" pitchFamily="2" charset="-122"/>
                 <a:ea typeface="华文楷体" panose="02010600040101010101" pitchFamily="2" charset="-122"/>
               </a:rPr>
               <a:t>Master_Log_File</a:t>
             </a:r>
             <a:r>
-              <a:rPr lang="en-US" altLang="zh-CN" sz="2000" dirty="0">
+              <a:rPr lang="en-US" altLang="zh-CN" sz="2000">
                 <a:latin typeface="华文楷体" panose="02010600040101010101" pitchFamily="2" charset="-122"/>
                 <a:ea typeface="华文楷体" panose="02010600040101010101" pitchFamily="2" charset="-122"/>
               </a:rPr>
               <a:t>: </a:t>
             </a:r>
             <a:r>
-              <a:rPr lang="en-US" altLang="zh-CN" sz="2000" dirty="0" smtClean="0">
+              <a:rPr lang="en-US" altLang="zh-CN" sz="2000" smtClean="0">
                 <a:latin typeface="华文楷体" panose="02010600040101010101" pitchFamily="2" charset="-122"/>
                 <a:ea typeface="华文楷体" panose="02010600040101010101" pitchFamily="2" charset="-122"/>
               </a:rPr>
@@ -12012,21 +12012,21 @@
           </a:p>
           <a:p>
             <a:r>
-              <a:rPr lang="en-US" altLang="zh-CN" sz="2000" dirty="0" err="1">
+              <a:rPr lang="en-US" altLang="zh-CN" sz="2000" err="1">
                 <a:latin typeface="华文楷体" panose="02010600040101010101" pitchFamily="2" charset="-122"/>
                 <a:ea typeface="华文楷体" panose="02010600040101010101" pitchFamily="2" charset="-122"/>
               </a:rPr>
               <a:t>Read_Master_Log_Pos</a:t>
             </a:r>
             <a:r>
-              <a:rPr lang="en-US" altLang="zh-CN" sz="2000" dirty="0">
+              <a:rPr lang="en-US" altLang="zh-CN" sz="2000">
                 <a:latin typeface="华文楷体" panose="02010600040101010101" pitchFamily="2" charset="-122"/>
                 <a:ea typeface="华文楷体" panose="02010600040101010101" pitchFamily="2" charset="-122"/>
               </a:rPr>
               <a:t>: </a:t>
             </a:r>
             <a:r>
-              <a:rPr lang="en-US" altLang="zh-CN" sz="2000" dirty="0" smtClean="0">
+              <a:rPr lang="en-US" altLang="zh-CN" sz="2000" smtClean="0">
                 <a:latin typeface="华文楷体" panose="02010600040101010101" pitchFamily="2" charset="-122"/>
                 <a:ea typeface="华文楷体" panose="02010600040101010101" pitchFamily="2" charset="-122"/>
               </a:rPr>
@@ -12035,21 +12035,21 @@
           </a:p>
           <a:p>
             <a:r>
-              <a:rPr lang="en-US" altLang="zh-CN" sz="2000" dirty="0" err="1">
+              <a:rPr lang="en-US" altLang="zh-CN" sz="2000" err="1">
                 <a:latin typeface="华文楷体" panose="02010600040101010101" pitchFamily="2" charset="-122"/>
                 <a:ea typeface="华文楷体" panose="02010600040101010101" pitchFamily="2" charset="-122"/>
               </a:rPr>
               <a:t>Relay_Master_Log_File</a:t>
             </a:r>
             <a:r>
-              <a:rPr lang="en-US" altLang="zh-CN" sz="2000" dirty="0">
+              <a:rPr lang="en-US" altLang="zh-CN" sz="2000">
                 <a:latin typeface="华文楷体" panose="02010600040101010101" pitchFamily="2" charset="-122"/>
                 <a:ea typeface="华文楷体" panose="02010600040101010101" pitchFamily="2" charset="-122"/>
               </a:rPr>
               <a:t>: </a:t>
             </a:r>
             <a:r>
-              <a:rPr lang="en-US" altLang="zh-CN" sz="2000" dirty="0" smtClean="0">
+              <a:rPr lang="en-US" altLang="zh-CN" sz="2000" smtClean="0">
                 <a:latin typeface="华文楷体" panose="02010600040101010101" pitchFamily="2" charset="-122"/>
                 <a:ea typeface="华文楷体" panose="02010600040101010101" pitchFamily="2" charset="-122"/>
               </a:rPr>
@@ -12058,21 +12058,21 @@
           </a:p>
           <a:p>
             <a:r>
-              <a:rPr lang="en-US" altLang="zh-CN" sz="2000" dirty="0" err="1">
+              <a:rPr lang="en-US" altLang="zh-CN" sz="2000" err="1">
                 <a:latin typeface="华文楷体" panose="02010600040101010101" pitchFamily="2" charset="-122"/>
                 <a:ea typeface="华文楷体" panose="02010600040101010101" pitchFamily="2" charset="-122"/>
               </a:rPr>
               <a:t>Exec_Master_Log_Pos</a:t>
             </a:r>
             <a:r>
-              <a:rPr lang="en-US" altLang="zh-CN" sz="2000" dirty="0">
+              <a:rPr lang="en-US" altLang="zh-CN" sz="2000">
                 <a:latin typeface="华文楷体" panose="02010600040101010101" pitchFamily="2" charset="-122"/>
                 <a:ea typeface="华文楷体" panose="02010600040101010101" pitchFamily="2" charset="-122"/>
               </a:rPr>
               <a:t>: </a:t>
             </a:r>
             <a:r>
-              <a:rPr lang="en-US" altLang="zh-CN" sz="2000" dirty="0" smtClean="0">
+              <a:rPr lang="en-US" altLang="zh-CN" sz="2000" smtClean="0">
                 <a:latin typeface="华文楷体" panose="02010600040101010101" pitchFamily="2" charset="-122"/>
                 <a:ea typeface="华文楷体" panose="02010600040101010101" pitchFamily="2" charset="-122"/>
               </a:rPr>
@@ -12081,21 +12081,21 @@
           </a:p>
           <a:p>
             <a:r>
-              <a:rPr lang="en-US" altLang="zh-CN" sz="2000" dirty="0" smtClean="0">
+              <a:rPr lang="en-US" altLang="zh-CN" sz="2000" smtClean="0">
                 <a:latin typeface="华文楷体" panose="02010600040101010101" pitchFamily="2" charset="-122"/>
                 <a:ea typeface="华文楷体" panose="02010600040101010101" pitchFamily="2" charset="-122"/>
               </a:rPr>
               <a:t>3</a:t>
             </a:r>
             <a:r>
-              <a:rPr lang="zh-CN" altLang="en-US" sz="2000" dirty="0" smtClean="0">
+              <a:rPr lang="zh-CN" altLang="en-US" sz="2000" smtClean="0">
                 <a:latin typeface="华文楷体" panose="02010600040101010101" pitchFamily="2" charset="-122"/>
                 <a:ea typeface="华文楷体" panose="02010600040101010101" pitchFamily="2" charset="-122"/>
               </a:rPr>
               <a:t>，显示从库落后于主库的秒数为</a:t>
             </a:r>
             <a:r>
-              <a:rPr lang="en-US" altLang="zh-CN" sz="2000" dirty="0" smtClean="0">
+              <a:rPr lang="en-US" altLang="zh-CN" sz="2000" smtClean="0">
                 <a:latin typeface="华文楷体" panose="02010600040101010101" pitchFamily="2" charset="-122"/>
                 <a:ea typeface="华文楷体" panose="02010600040101010101" pitchFamily="2" charset="-122"/>
               </a:rPr>
@@ -12104,20 +12104,20 @@
           </a:p>
           <a:p>
             <a:r>
-              <a:rPr lang="en-US" altLang="zh-CN" sz="2000" dirty="0" err="1">
+              <a:rPr lang="en-US" altLang="zh-CN" sz="2000" err="1">
                 <a:latin typeface="华文楷体" panose="02010600040101010101" pitchFamily="2" charset="-122"/>
                 <a:ea typeface="华文楷体" panose="02010600040101010101" pitchFamily="2" charset="-122"/>
               </a:rPr>
               <a:t>Seconds_Behind_Master</a:t>
             </a:r>
             <a:r>
-              <a:rPr lang="en-US" altLang="zh-CN" sz="2000" dirty="0">
+              <a:rPr lang="en-US" altLang="zh-CN" sz="2000">
                 <a:latin typeface="华文楷体" panose="02010600040101010101" pitchFamily="2" charset="-122"/>
                 <a:ea typeface="华文楷体" panose="02010600040101010101" pitchFamily="2" charset="-122"/>
               </a:rPr>
               <a:t>: 0</a:t>
             </a:r>
-            <a:endParaRPr lang="en-US" altLang="zh-CN" sz="2000" dirty="0" smtClean="0">
+            <a:endParaRPr lang="en-US" altLang="zh-CN" sz="2000" smtClean="0">
               <a:latin typeface="华文楷体" panose="02010600040101010101" pitchFamily="2" charset="-122"/>
               <a:ea typeface="华文楷体" panose="02010600040101010101" pitchFamily="2" charset="-122"/>
             </a:endParaRPr>
@@ -12127,7 +12127,7 @@
               <a:buFont typeface="Wingdings" panose="05000000000000000000" pitchFamily="2" charset="2"/>
               <a:buChar char="l"/>
             </a:pPr>
-            <a:endParaRPr lang="en-US" altLang="zh-CN" sz="3200" dirty="0" smtClean="0">
+            <a:endParaRPr lang="en-US" altLang="zh-CN" sz="3200" smtClean="0">
               <a:latin typeface="华文楷体" panose="02010600040101010101" pitchFamily="2" charset="-122"/>
               <a:ea typeface="华文楷体" panose="02010600040101010101" pitchFamily="2" charset="-122"/>
             </a:endParaRPr>
@@ -12271,26 +12271,26 @@
               <a:buChar char="l"/>
             </a:pPr>
             <a:r>
-              <a:rPr lang="en-US" altLang="zh-CN" sz="3200" dirty="0" err="1" smtClean="0">
+              <a:rPr lang="en-US" altLang="zh-CN" sz="3200" err="1" smtClean="0">
                 <a:latin typeface="华文楷体" panose="02010600040101010101" pitchFamily="2" charset="-122"/>
                 <a:ea typeface="华文楷体" panose="02010600040101010101" pitchFamily="2" charset="-122"/>
               </a:rPr>
               <a:t>mysql</a:t>
             </a:r>
             <a:r>
-              <a:rPr lang="zh-CN" altLang="en-US" sz="3200" dirty="0" smtClean="0">
+              <a:rPr lang="zh-CN" altLang="en-US" sz="3200" smtClean="0">
                 <a:latin typeface="华文楷体" panose="02010600040101010101" pitchFamily="2" charset="-122"/>
                 <a:ea typeface="华文楷体" panose="02010600040101010101" pitchFamily="2" charset="-122"/>
               </a:rPr>
               <a:t>数据库体系结构</a:t>
             </a:r>
-            <a:endParaRPr lang="en-US" altLang="zh-CN" sz="3200" dirty="0" smtClean="0">
+            <a:endParaRPr lang="en-US" altLang="zh-CN" sz="3200" smtClean="0">
               <a:latin typeface="华文楷体" panose="02010600040101010101" pitchFamily="2" charset="-122"/>
               <a:ea typeface="华文楷体" panose="02010600040101010101" pitchFamily="2" charset="-122"/>
             </a:endParaRPr>
           </a:p>
           <a:p>
-            <a:endParaRPr lang="en-US" altLang="zh-CN" sz="3200" dirty="0">
+            <a:endParaRPr lang="en-US" altLang="zh-CN" sz="3200">
               <a:latin typeface="华文楷体" panose="02010600040101010101" pitchFamily="2" charset="-122"/>
               <a:ea typeface="华文楷体" panose="02010600040101010101" pitchFamily="2" charset="-122"/>
             </a:endParaRPr>
@@ -12301,19 +12301,19 @@
               <a:buChar char="l"/>
             </a:pPr>
             <a:r>
-              <a:rPr lang="zh-CN" altLang="en-US" sz="3200" dirty="0" smtClean="0">
+              <a:rPr lang="zh-CN" altLang="en-US" sz="3200" smtClean="0">
                 <a:latin typeface="华文楷体" panose="02010600040101010101" pitchFamily="2" charset="-122"/>
                 <a:ea typeface="华文楷体" panose="02010600040101010101" pitchFamily="2" charset="-122"/>
               </a:rPr>
               <a:t>数据库备份恢复</a:t>
             </a:r>
-            <a:endParaRPr lang="en-US" altLang="zh-CN" sz="3200" dirty="0" smtClean="0">
+            <a:endParaRPr lang="en-US" altLang="zh-CN" sz="3200" smtClean="0">
               <a:latin typeface="华文楷体" panose="02010600040101010101" pitchFamily="2" charset="-122"/>
               <a:ea typeface="华文楷体" panose="02010600040101010101" pitchFamily="2" charset="-122"/>
             </a:endParaRPr>
           </a:p>
           <a:p>
-            <a:endParaRPr lang="en-US" altLang="zh-CN" sz="3200" dirty="0" smtClean="0">
+            <a:endParaRPr lang="en-US" altLang="zh-CN" sz="3200" smtClean="0">
               <a:latin typeface="华文楷体" panose="02010600040101010101" pitchFamily="2" charset="-122"/>
               <a:ea typeface="华文楷体" panose="02010600040101010101" pitchFamily="2" charset="-122"/>
             </a:endParaRPr>
@@ -12324,20 +12324,20 @@
               <a:buChar char="l"/>
             </a:pPr>
             <a:r>
-              <a:rPr lang="en-US" altLang="zh-CN" sz="3200" dirty="0" err="1" smtClean="0">
+              <a:rPr lang="en-US" altLang="zh-CN" sz="3200" err="1" smtClean="0">
                 <a:latin typeface="华文楷体" panose="02010600040101010101" pitchFamily="2" charset="-122"/>
                 <a:ea typeface="华文楷体" panose="02010600040101010101" pitchFamily="2" charset="-122"/>
               </a:rPr>
               <a:t>Sql</a:t>
             </a:r>
             <a:r>
-              <a:rPr lang="zh-CN" altLang="en-US" sz="3200" dirty="0" smtClean="0">
+              <a:rPr lang="zh-CN" altLang="en-US" sz="3200" smtClean="0">
                 <a:latin typeface="华文楷体" panose="02010600040101010101" pitchFamily="2" charset="-122"/>
                 <a:ea typeface="华文楷体" panose="02010600040101010101" pitchFamily="2" charset="-122"/>
               </a:rPr>
               <a:t>语句优化</a:t>
             </a:r>
-            <a:endParaRPr lang="en-US" altLang="zh-CN" sz="3200" dirty="0" smtClean="0">
+            <a:endParaRPr lang="en-US" altLang="zh-CN" sz="3200" smtClean="0">
               <a:latin typeface="华文楷体" panose="02010600040101010101" pitchFamily="2" charset="-122"/>
               <a:ea typeface="华文楷体" panose="02010600040101010101" pitchFamily="2" charset="-122"/>
             </a:endParaRPr>
@@ -12347,7 +12347,7 @@
               <a:buFont typeface="Wingdings" panose="05000000000000000000" pitchFamily="2" charset="2"/>
               <a:buChar char="l"/>
             </a:pPr>
-            <a:endParaRPr lang="en-US" altLang="zh-CN" sz="3200" dirty="0">
+            <a:endParaRPr lang="en-US" altLang="zh-CN" sz="3200">
               <a:latin typeface="华文楷体" panose="02010600040101010101" pitchFamily="2" charset="-122"/>
               <a:ea typeface="华文楷体" panose="02010600040101010101" pitchFamily="2" charset="-122"/>
             </a:endParaRPr>
@@ -12358,27 +12358,27 @@
               <a:buChar char="l"/>
             </a:pPr>
             <a:r>
-              <a:rPr lang="zh-CN" altLang="en-US" sz="3200" dirty="0" smtClean="0">
+              <a:rPr lang="zh-CN" altLang="en-US" sz="3200" smtClean="0">
                 <a:latin typeface="华文楷体" panose="02010600040101010101" pitchFamily="2" charset="-122"/>
                 <a:ea typeface="华文楷体" panose="02010600040101010101" pitchFamily="2" charset="-122"/>
               </a:rPr>
               <a:t>常用工具（</a:t>
             </a:r>
             <a:r>
-              <a:rPr lang="en-US" altLang="zh-CN" sz="3200" dirty="0" err="1" smtClean="0">
+              <a:rPr lang="en-US" altLang="zh-CN" sz="3200" err="1" smtClean="0">
                 <a:latin typeface="华文楷体" panose="02010600040101010101" pitchFamily="2" charset="-122"/>
                 <a:ea typeface="华文楷体" panose="02010600040101010101" pitchFamily="2" charset="-122"/>
               </a:rPr>
               <a:t>pttoolkit,xbackup</a:t>
             </a:r>
             <a:r>
-              <a:rPr lang="zh-CN" altLang="en-US" sz="3200" dirty="0" smtClean="0">
+              <a:rPr lang="zh-CN" altLang="en-US" sz="3200" smtClean="0">
                 <a:latin typeface="华文楷体" panose="02010600040101010101" pitchFamily="2" charset="-122"/>
                 <a:ea typeface="华文楷体" panose="02010600040101010101" pitchFamily="2" charset="-122"/>
               </a:rPr>
               <a:t>等）</a:t>
             </a:r>
-            <a:endParaRPr lang="en-US" altLang="zh-CN" sz="3200" dirty="0" smtClean="0">
+            <a:endParaRPr lang="en-US" altLang="zh-CN" sz="3200" smtClean="0">
               <a:latin typeface="华文楷体" panose="02010600040101010101" pitchFamily="2" charset="-122"/>
               <a:ea typeface="华文楷体" panose="02010600040101010101" pitchFamily="2" charset="-122"/>
             </a:endParaRPr>
@@ -12388,7 +12388,7 @@
               <a:buFont typeface="Wingdings" panose="05000000000000000000" pitchFamily="2" charset="2"/>
               <a:buChar char="l"/>
             </a:pPr>
-            <a:endParaRPr lang="en-US" altLang="zh-CN" sz="3200" dirty="0" smtClean="0">
+            <a:endParaRPr lang="en-US" altLang="zh-CN" sz="3200" smtClean="0">
               <a:latin typeface="华文楷体" panose="02010600040101010101" pitchFamily="2" charset="-122"/>
               <a:ea typeface="华文楷体" panose="02010600040101010101" pitchFamily="2" charset="-122"/>
             </a:endParaRPr>
@@ -12399,13 +12399,13 @@
               <a:buChar char="l"/>
             </a:pPr>
             <a:r>
-              <a:rPr lang="zh-CN" altLang="en-US" sz="3200" dirty="0" smtClean="0">
+              <a:rPr lang="zh-CN" altLang="en-US" sz="3200" smtClean="0">
                 <a:latin typeface="华文楷体" panose="02010600040101010101" pitchFamily="2" charset="-122"/>
                 <a:ea typeface="华文楷体" panose="02010600040101010101" pitchFamily="2" charset="-122"/>
               </a:rPr>
               <a:t>数据库高可用架构</a:t>
             </a:r>
-            <a:endParaRPr lang="en-US" altLang="zh-CN" sz="3200" dirty="0" smtClean="0">
+            <a:endParaRPr lang="en-US" altLang="zh-CN" sz="3200" smtClean="0">
               <a:latin typeface="华文楷体" panose="02010600040101010101" pitchFamily="2" charset="-122"/>
               <a:ea typeface="华文楷体" panose="02010600040101010101" pitchFamily="2" charset="-122"/>
             </a:endParaRPr>
@@ -12415,7 +12415,7 @@
               <a:buFont typeface="Wingdings" panose="05000000000000000000" pitchFamily="2" charset="2"/>
               <a:buChar char="l"/>
             </a:pPr>
-            <a:endParaRPr lang="en-US" altLang="zh-CN" sz="3200" dirty="0">
+            <a:endParaRPr lang="en-US" altLang="zh-CN" sz="3200">
               <a:latin typeface="华文楷体" panose="02010600040101010101" pitchFamily="2" charset="-122"/>
               <a:ea typeface="华文楷体" panose="02010600040101010101" pitchFamily="2" charset="-122"/>
             </a:endParaRPr>
@@ -12426,13 +12426,13 @@
               <a:buChar char="l"/>
             </a:pPr>
             <a:r>
-              <a:rPr lang="zh-CN" altLang="en-US" sz="3200" dirty="0">
+              <a:rPr lang="zh-CN" altLang="en-US" sz="3200">
                 <a:latin typeface="华文楷体" panose="02010600040101010101" pitchFamily="2" charset="-122"/>
                 <a:ea typeface="华文楷体" panose="02010600040101010101" pitchFamily="2" charset="-122"/>
               </a:rPr>
               <a:t>中间件</a:t>
             </a:r>
-            <a:endParaRPr lang="en-US" altLang="zh-CN" sz="3200" dirty="0" smtClean="0">
+            <a:endParaRPr lang="en-US" altLang="zh-CN" sz="3200" smtClean="0">
               <a:latin typeface="华文楷体" panose="02010600040101010101" pitchFamily="2" charset="-122"/>
               <a:ea typeface="华文楷体" panose="02010600040101010101" pitchFamily="2" charset="-122"/>
             </a:endParaRPr>
@@ -12442,12 +12442,12 @@
               <a:buFont typeface="Wingdings" panose="05000000000000000000" pitchFamily="2" charset="2"/>
               <a:buChar char="l"/>
             </a:pPr>
-            <a:endParaRPr lang="en-US" altLang="zh-CN" sz="3200" dirty="0" smtClean="0">
+            <a:endParaRPr lang="en-US" altLang="zh-CN" sz="3200" smtClean="0">
               <a:latin typeface="+mn-ea"/>
             </a:endParaRPr>
           </a:p>
           <a:p>
-            <a:endParaRPr lang="en-US" altLang="zh-CN" sz="3200" dirty="0" smtClean="0">
+            <a:endParaRPr lang="en-US" altLang="zh-CN" sz="3200" smtClean="0">
               <a:latin typeface="+mn-ea"/>
             </a:endParaRPr>
           </a:p>
@@ -12456,7 +12456,7 @@
               <a:buFont typeface="Wingdings" panose="05000000000000000000" pitchFamily="2" charset="2"/>
               <a:buChar char="l"/>
             </a:pPr>
-            <a:endParaRPr lang="en-US" altLang="zh-CN" sz="3200" dirty="0" smtClean="0">
+            <a:endParaRPr lang="en-US" altLang="zh-CN" sz="3200" smtClean="0">
               <a:latin typeface="+mn-ea"/>
             </a:endParaRPr>
           </a:p>
@@ -12595,220 +12595,220 @@
           <a:lstStyle/>
           <a:p>
             <a:r>
-              <a:rPr lang="en-US" altLang="zh-CN" sz="3200" dirty="0" smtClean="0">
+              <a:rPr lang="en-US" altLang="zh-CN" sz="3200" smtClean="0">
                 <a:latin typeface="华文楷体" panose="02010600040101010101" pitchFamily="2" charset="-122"/>
                 <a:ea typeface="华文楷体" panose="02010600040101010101" pitchFamily="2" charset="-122"/>
               </a:rPr>
               <a:t>mysql</a:t>
             </a:r>
             <a:r>
-              <a:rPr lang="zh-CN" altLang="en-US" sz="3200" dirty="0" smtClean="0">
+              <a:rPr lang="zh-CN" altLang="en-US" sz="3200" smtClean="0">
                 <a:latin typeface="华文楷体" panose="02010600040101010101" pitchFamily="2" charset="-122"/>
                 <a:ea typeface="华文楷体" panose="02010600040101010101" pitchFamily="2" charset="-122"/>
               </a:rPr>
               <a:t>启动过程：</a:t>
             </a:r>
-            <a:endParaRPr lang="en-US" altLang="zh-CN" sz="3200" dirty="0" smtClean="0">
+            <a:endParaRPr lang="en-US" altLang="zh-CN" sz="3200" smtClean="0">
               <a:latin typeface="华文楷体" panose="02010600040101010101" pitchFamily="2" charset="-122"/>
               <a:ea typeface="华文楷体" panose="02010600040101010101" pitchFamily="2" charset="-122"/>
             </a:endParaRPr>
           </a:p>
           <a:p>
             <a:r>
-              <a:rPr lang="en-US" altLang="zh-CN" sz="3200" dirty="0">
+              <a:rPr lang="en-US" altLang="zh-CN" sz="3200">
                 <a:latin typeface="华文楷体" panose="02010600040101010101" pitchFamily="2" charset="-122"/>
                 <a:ea typeface="华文楷体" panose="02010600040101010101" pitchFamily="2" charset="-122"/>
               </a:rPr>
               <a:t> </a:t>
             </a:r>
             <a:r>
-              <a:rPr lang="en-US" altLang="zh-CN" sz="3200" dirty="0" smtClean="0">
+              <a:rPr lang="en-US" altLang="zh-CN" sz="3200" smtClean="0">
                 <a:latin typeface="华文楷体" panose="02010600040101010101" pitchFamily="2" charset="-122"/>
                 <a:ea typeface="华文楷体" panose="02010600040101010101" pitchFamily="2" charset="-122"/>
               </a:rPr>
               <a:t>     mysql</a:t>
             </a:r>
             <a:r>
-              <a:rPr lang="zh-CN" altLang="en-US" sz="3200" dirty="0" smtClean="0">
+              <a:rPr lang="zh-CN" altLang="en-US" sz="3200" smtClean="0">
                 <a:latin typeface="华文楷体" panose="02010600040101010101" pitchFamily="2" charset="-122"/>
                 <a:ea typeface="华文楷体" panose="02010600040101010101" pitchFamily="2" charset="-122"/>
               </a:rPr>
               <a:t>首先要读取配置文件，按照下面的四个文件顺序进行读取：</a:t>
             </a:r>
-            <a:endParaRPr lang="en-US" altLang="zh-CN" sz="3200" dirty="0" smtClean="0">
+            <a:endParaRPr lang="en-US" altLang="zh-CN" sz="3200" smtClean="0">
               <a:latin typeface="华文楷体" panose="02010600040101010101" pitchFamily="2" charset="-122"/>
               <a:ea typeface="华文楷体" panose="02010600040101010101" pitchFamily="2" charset="-122"/>
             </a:endParaRPr>
           </a:p>
           <a:p>
             <a:r>
-              <a:rPr lang="en-US" altLang="zh-CN" sz="3200" dirty="0" smtClean="0">
+              <a:rPr lang="en-US" altLang="zh-CN" sz="3200" smtClean="0">
                 <a:latin typeface="华文楷体" panose="02010600040101010101" pitchFamily="2" charset="-122"/>
                 <a:ea typeface="华文楷体" panose="02010600040101010101" pitchFamily="2" charset="-122"/>
               </a:rPr>
               <a:t>      /</a:t>
             </a:r>
             <a:r>
-              <a:rPr lang="en-US" altLang="zh-CN" sz="3200" dirty="0" err="1" smtClean="0">
+              <a:rPr lang="en-US" altLang="zh-CN" sz="3200" err="1" smtClean="0">
                 <a:latin typeface="华文楷体" panose="02010600040101010101" pitchFamily="2" charset="-122"/>
                 <a:ea typeface="华文楷体" panose="02010600040101010101" pitchFamily="2" charset="-122"/>
               </a:rPr>
               <a:t>etc</a:t>
             </a:r>
             <a:r>
-              <a:rPr lang="en-US" altLang="zh-CN" sz="3200" dirty="0" smtClean="0">
+              <a:rPr lang="en-US" altLang="zh-CN" sz="3200" smtClean="0">
                 <a:latin typeface="华文楷体" panose="02010600040101010101" pitchFamily="2" charset="-122"/>
                 <a:ea typeface="华文楷体" panose="02010600040101010101" pitchFamily="2" charset="-122"/>
               </a:rPr>
               <a:t>/</a:t>
             </a:r>
             <a:r>
-              <a:rPr lang="en-US" altLang="zh-CN" sz="3200" dirty="0" err="1" smtClean="0">
+              <a:rPr lang="en-US" altLang="zh-CN" sz="3200" err="1" smtClean="0">
                 <a:latin typeface="华文楷体" panose="02010600040101010101" pitchFamily="2" charset="-122"/>
                 <a:ea typeface="华文楷体" panose="02010600040101010101" pitchFamily="2" charset="-122"/>
               </a:rPr>
               <a:t>my.cnf</a:t>
             </a:r>
-            <a:endParaRPr lang="en-US" altLang="zh-CN" sz="3200" dirty="0" smtClean="0">
+            <a:endParaRPr lang="en-US" altLang="zh-CN" sz="3200" smtClean="0">
               <a:latin typeface="华文楷体" panose="02010600040101010101" pitchFamily="2" charset="-122"/>
               <a:ea typeface="华文楷体" panose="02010600040101010101" pitchFamily="2" charset="-122"/>
             </a:endParaRPr>
           </a:p>
           <a:p>
             <a:r>
-              <a:rPr lang="en-US" altLang="zh-CN" sz="3200" dirty="0">
+              <a:rPr lang="en-US" altLang="zh-CN" sz="3200">
                 <a:latin typeface="华文楷体" panose="02010600040101010101" pitchFamily="2" charset="-122"/>
                 <a:ea typeface="华文楷体" panose="02010600040101010101" pitchFamily="2" charset="-122"/>
               </a:rPr>
               <a:t> </a:t>
             </a:r>
             <a:r>
-              <a:rPr lang="en-US" altLang="zh-CN" sz="3200" dirty="0" smtClean="0">
+              <a:rPr lang="en-US" altLang="zh-CN" sz="3200" smtClean="0">
                 <a:latin typeface="华文楷体" panose="02010600040101010101" pitchFamily="2" charset="-122"/>
                 <a:ea typeface="华文楷体" panose="02010600040101010101" pitchFamily="2" charset="-122"/>
               </a:rPr>
               <a:t>     /</a:t>
             </a:r>
             <a:r>
-              <a:rPr lang="en-US" altLang="zh-CN" sz="3200" dirty="0" err="1" smtClean="0">
+              <a:rPr lang="en-US" altLang="zh-CN" sz="3200" err="1" smtClean="0">
                 <a:latin typeface="华文楷体" panose="02010600040101010101" pitchFamily="2" charset="-122"/>
                 <a:ea typeface="华文楷体" panose="02010600040101010101" pitchFamily="2" charset="-122"/>
               </a:rPr>
               <a:t>etc</a:t>
             </a:r>
             <a:r>
-              <a:rPr lang="en-US" altLang="zh-CN" sz="3200" dirty="0" smtClean="0">
+              <a:rPr lang="en-US" altLang="zh-CN" sz="3200" smtClean="0">
                 <a:latin typeface="华文楷体" panose="02010600040101010101" pitchFamily="2" charset="-122"/>
                 <a:ea typeface="华文楷体" panose="02010600040101010101" pitchFamily="2" charset="-122"/>
               </a:rPr>
               <a:t>/mysql/</a:t>
             </a:r>
             <a:r>
-              <a:rPr lang="en-US" altLang="zh-CN" sz="3200" dirty="0" err="1" smtClean="0">
+              <a:rPr lang="en-US" altLang="zh-CN" sz="3200" err="1" smtClean="0">
                 <a:latin typeface="华文楷体" panose="02010600040101010101" pitchFamily="2" charset="-122"/>
                 <a:ea typeface="华文楷体" panose="02010600040101010101" pitchFamily="2" charset="-122"/>
               </a:rPr>
               <a:t>mysql.cnf</a:t>
             </a:r>
-            <a:endParaRPr lang="en-US" altLang="zh-CN" sz="3200" dirty="0" smtClean="0">
+            <a:endParaRPr lang="en-US" altLang="zh-CN" sz="3200" smtClean="0">
               <a:latin typeface="华文楷体" panose="02010600040101010101" pitchFamily="2" charset="-122"/>
               <a:ea typeface="华文楷体" panose="02010600040101010101" pitchFamily="2" charset="-122"/>
             </a:endParaRPr>
           </a:p>
           <a:p>
             <a:r>
-              <a:rPr lang="en-US" altLang="zh-CN" sz="3200" dirty="0">
+              <a:rPr lang="en-US" altLang="zh-CN" sz="3200">
                 <a:latin typeface="华文楷体" panose="02010600040101010101" pitchFamily="2" charset="-122"/>
                 <a:ea typeface="华文楷体" panose="02010600040101010101" pitchFamily="2" charset="-122"/>
               </a:rPr>
               <a:t> </a:t>
             </a:r>
             <a:r>
-              <a:rPr lang="en-US" altLang="zh-CN" sz="3200" dirty="0" smtClean="0">
+              <a:rPr lang="en-US" altLang="zh-CN" sz="3200" smtClean="0">
                 <a:latin typeface="华文楷体" panose="02010600040101010101" pitchFamily="2" charset="-122"/>
                 <a:ea typeface="华文楷体" panose="02010600040101010101" pitchFamily="2" charset="-122"/>
               </a:rPr>
               <a:t>     /</a:t>
             </a:r>
             <a:r>
-              <a:rPr lang="en-US" altLang="zh-CN" sz="3200" dirty="0" err="1" smtClean="0">
+              <a:rPr lang="en-US" altLang="zh-CN" sz="3200" err="1" smtClean="0">
                 <a:latin typeface="华文楷体" panose="02010600040101010101" pitchFamily="2" charset="-122"/>
                 <a:ea typeface="华文楷体" panose="02010600040101010101" pitchFamily="2" charset="-122"/>
               </a:rPr>
               <a:t>usr</a:t>
             </a:r>
             <a:r>
-              <a:rPr lang="en-US" altLang="zh-CN" sz="3200" dirty="0" smtClean="0">
+              <a:rPr lang="en-US" altLang="zh-CN" sz="3200" smtClean="0">
                 <a:latin typeface="华文楷体" panose="02010600040101010101" pitchFamily="2" charset="-122"/>
                 <a:ea typeface="华文楷体" panose="02010600040101010101" pitchFamily="2" charset="-122"/>
               </a:rPr>
               <a:t>/</a:t>
             </a:r>
             <a:r>
-              <a:rPr lang="en-US" altLang="zh-CN" sz="3200" dirty="0" err="1" smtClean="0">
+              <a:rPr lang="en-US" altLang="zh-CN" sz="3200" err="1" smtClean="0">
                 <a:latin typeface="华文楷体" panose="02010600040101010101" pitchFamily="2" charset="-122"/>
                 <a:ea typeface="华文楷体" panose="02010600040101010101" pitchFamily="2" charset="-122"/>
               </a:rPr>
               <a:t>etc</a:t>
             </a:r>
             <a:r>
-              <a:rPr lang="en-US" altLang="zh-CN" sz="3200" dirty="0" smtClean="0">
+              <a:rPr lang="en-US" altLang="zh-CN" sz="3200" smtClean="0">
                 <a:latin typeface="华文楷体" panose="02010600040101010101" pitchFamily="2" charset="-122"/>
                 <a:ea typeface="华文楷体" panose="02010600040101010101" pitchFamily="2" charset="-122"/>
               </a:rPr>
               <a:t>/</a:t>
             </a:r>
             <a:r>
-              <a:rPr lang="en-US" altLang="zh-CN" sz="3200" dirty="0" err="1" smtClean="0">
+              <a:rPr lang="en-US" altLang="zh-CN" sz="3200" err="1" smtClean="0">
                 <a:latin typeface="华文楷体" panose="02010600040101010101" pitchFamily="2" charset="-122"/>
                 <a:ea typeface="华文楷体" panose="02010600040101010101" pitchFamily="2" charset="-122"/>
               </a:rPr>
               <a:t>my.cnf</a:t>
             </a:r>
-            <a:endParaRPr lang="en-US" altLang="zh-CN" sz="3200" dirty="0" smtClean="0">
+            <a:endParaRPr lang="en-US" altLang="zh-CN" sz="3200" smtClean="0">
               <a:latin typeface="华文楷体" panose="02010600040101010101" pitchFamily="2" charset="-122"/>
               <a:ea typeface="华文楷体" panose="02010600040101010101" pitchFamily="2" charset="-122"/>
             </a:endParaRPr>
           </a:p>
           <a:p>
             <a:r>
-              <a:rPr lang="en-US" altLang="zh-CN" sz="3200" dirty="0">
+              <a:rPr lang="en-US" altLang="zh-CN" sz="3200">
                 <a:latin typeface="华文楷体" panose="02010600040101010101" pitchFamily="2" charset="-122"/>
                 <a:ea typeface="华文楷体" panose="02010600040101010101" pitchFamily="2" charset="-122"/>
               </a:rPr>
               <a:t> </a:t>
             </a:r>
             <a:r>
-              <a:rPr lang="en-US" altLang="zh-CN" sz="3200" dirty="0" smtClean="0">
+              <a:rPr lang="en-US" altLang="zh-CN" sz="3200" smtClean="0">
                 <a:latin typeface="华文楷体" panose="02010600040101010101" pitchFamily="2" charset="-122"/>
                 <a:ea typeface="华文楷体" panose="02010600040101010101" pitchFamily="2" charset="-122"/>
               </a:rPr>
               <a:t>     ~/.</a:t>
             </a:r>
             <a:r>
-              <a:rPr lang="en-US" altLang="zh-CN" sz="3200" dirty="0" err="1" smtClean="0">
+              <a:rPr lang="en-US" altLang="zh-CN" sz="3200" err="1" smtClean="0">
                 <a:latin typeface="华文楷体" panose="02010600040101010101" pitchFamily="2" charset="-122"/>
                 <a:ea typeface="华文楷体" panose="02010600040101010101" pitchFamily="2" charset="-122"/>
               </a:rPr>
               <a:t>my.cnf</a:t>
             </a:r>
-            <a:endParaRPr lang="en-US" altLang="zh-CN" sz="3200" dirty="0" smtClean="0">
+            <a:endParaRPr lang="en-US" altLang="zh-CN" sz="3200" smtClean="0">
               <a:latin typeface="华文楷体" panose="02010600040101010101" pitchFamily="2" charset="-122"/>
               <a:ea typeface="华文楷体" panose="02010600040101010101" pitchFamily="2" charset="-122"/>
             </a:endParaRPr>
           </a:p>
           <a:p>
-            <a:endParaRPr lang="en-US" altLang="zh-CN" sz="3200" dirty="0"/>
-          </a:p>
-          <a:p>
-            <a:endParaRPr lang="en-US" altLang="zh-CN" sz="3200" dirty="0" smtClean="0"/>
+            <a:endParaRPr lang="en-US" altLang="zh-CN" sz="3200"/>
+          </a:p>
+          <a:p>
+            <a:endParaRPr lang="en-US" altLang="zh-CN" sz="3200" smtClean="0"/>
           </a:p>
           <a:p>
             <a:pPr marL="685800" indent="-685800">
               <a:buFont typeface="Wingdings" panose="05000000000000000000" pitchFamily="2" charset="2"/>
               <a:buChar char="l"/>
             </a:pPr>
-            <a:endParaRPr lang="en-US" altLang="zh-CN" sz="3200" dirty="0" smtClean="0"/>
+            <a:endParaRPr lang="en-US" altLang="zh-CN" sz="3200" smtClean="0"/>
           </a:p>
         </p:txBody>
       </p:sp>
@@ -12945,68 +12945,68 @@
           <a:lstStyle/>
           <a:p>
             <a:r>
-              <a:rPr lang="en-US" altLang="zh-CN" sz="3200" dirty="0" err="1" smtClean="0">
+              <a:rPr lang="en-US" altLang="zh-CN" sz="3200" err="1" smtClean="0">
                 <a:latin typeface="华文楷体" panose="02010600040101010101" pitchFamily="2" charset="-122"/>
                 <a:ea typeface="华文楷体" panose="02010600040101010101" pitchFamily="2" charset="-122"/>
               </a:rPr>
               <a:t>Mysql</a:t>
             </a:r>
             <a:r>
-              <a:rPr lang="en-US" altLang="zh-CN" sz="3200" dirty="0" smtClean="0">
+              <a:rPr lang="en-US" altLang="zh-CN" sz="3200" smtClean="0">
                 <a:latin typeface="华文楷体" panose="02010600040101010101" pitchFamily="2" charset="-122"/>
                 <a:ea typeface="华文楷体" panose="02010600040101010101" pitchFamily="2" charset="-122"/>
               </a:rPr>
               <a:t> </a:t>
             </a:r>
             <a:r>
-              <a:rPr lang="zh-CN" altLang="en-US" sz="3200" dirty="0" smtClean="0">
+              <a:rPr lang="zh-CN" altLang="en-US" sz="3200" smtClean="0">
                 <a:latin typeface="华文楷体" panose="02010600040101010101" pitchFamily="2" charset="-122"/>
                 <a:ea typeface="华文楷体" panose="02010600040101010101" pitchFamily="2" charset="-122"/>
               </a:rPr>
               <a:t>日志系统</a:t>
             </a:r>
-            <a:endParaRPr lang="en-US" altLang="zh-CN" sz="3200" dirty="0" smtClean="0">
+            <a:endParaRPr lang="en-US" altLang="zh-CN" sz="3200" smtClean="0">
               <a:latin typeface="华文楷体" panose="02010600040101010101" pitchFamily="2" charset="-122"/>
               <a:ea typeface="华文楷体" panose="02010600040101010101" pitchFamily="2" charset="-122"/>
             </a:endParaRPr>
           </a:p>
           <a:p>
             <a:r>
-              <a:rPr lang="en-US" altLang="zh-CN" sz="3200" dirty="0">
+              <a:rPr lang="en-US" altLang="zh-CN" sz="3200">
                 <a:latin typeface="华文楷体" panose="02010600040101010101" pitchFamily="2" charset="-122"/>
                 <a:ea typeface="华文楷体" panose="02010600040101010101" pitchFamily="2" charset="-122"/>
               </a:rPr>
               <a:t> </a:t>
             </a:r>
             <a:r>
-              <a:rPr lang="en-US" altLang="zh-CN" sz="3200" dirty="0" smtClean="0">
+              <a:rPr lang="en-US" altLang="zh-CN" sz="3200" smtClean="0">
                 <a:latin typeface="华文楷体" panose="02010600040101010101" pitchFamily="2" charset="-122"/>
                 <a:ea typeface="华文楷体" panose="02010600040101010101" pitchFamily="2" charset="-122"/>
               </a:rPr>
               <a:t>      </a:t>
             </a:r>
             <a:r>
-              <a:rPr lang="zh-CN" altLang="en-US" sz="3200" dirty="0" smtClean="0">
+              <a:rPr lang="zh-CN" altLang="en-US" sz="3200" smtClean="0">
                 <a:latin typeface="华文楷体" panose="02010600040101010101" pitchFamily="2" charset="-122"/>
                 <a:ea typeface="华文楷体" panose="02010600040101010101" pitchFamily="2" charset="-122"/>
               </a:rPr>
               <a:t>系统日志：错误日志，慢查询日志，综合查询日志</a:t>
             </a:r>
-            <a:endParaRPr lang="en-US" altLang="zh-CN" sz="3200" dirty="0" smtClean="0">
+            <a:endParaRPr lang="en-US" altLang="zh-CN" sz="3200" smtClean="0">
               <a:latin typeface="华文楷体" panose="02010600040101010101" pitchFamily="2" charset="-122"/>
               <a:ea typeface="华文楷体" panose="02010600040101010101" pitchFamily="2" charset="-122"/>
             </a:endParaRPr>
           </a:p>
           <a:p>
             <a:r>
-              <a:rPr lang="en-US" altLang="zh-CN" sz="3200" dirty="0">
+              <a:rPr lang="en-US" altLang="zh-CN" sz="3200">
                 <a:latin typeface="华文楷体" panose="02010600040101010101" pitchFamily="2" charset="-122"/>
                 <a:ea typeface="华文楷体" panose="02010600040101010101" pitchFamily="2" charset="-122"/>
               </a:rPr>
               <a:t> </a:t>
             </a:r>
             <a:r>
-              <a:rPr lang="en-US" altLang="zh-CN" sz="3200" dirty="0" smtClean="0">
+              <a:rPr lang="en-US" altLang="zh-CN" sz="3200" smtClean="0">
                 <a:latin typeface="华文楷体" panose="02010600040101010101" pitchFamily="2" charset="-122"/>
                 <a:ea typeface="华文楷体" panose="02010600040101010101" pitchFamily="2" charset="-122"/>
               </a:rPr>
@@ -13015,41 +13015,41 @@
           </a:p>
           <a:p>
             <a:r>
-              <a:rPr lang="zh-CN" altLang="en-US" sz="2400" dirty="0" smtClean="0">
+              <a:rPr lang="zh-CN" altLang="en-US" sz="2400" smtClean="0">
                 <a:latin typeface="华文楷体" panose="02010600040101010101" pitchFamily="2" charset="-122"/>
                 <a:ea typeface="华文楷体" panose="02010600040101010101" pitchFamily="2" charset="-122"/>
               </a:rPr>
               <a:t>错误日志：数据库无法正常启动时，首先要查看这个日志</a:t>
             </a:r>
-            <a:endParaRPr lang="en-US" altLang="zh-CN" sz="2400" dirty="0" smtClean="0">
+            <a:endParaRPr lang="en-US" altLang="zh-CN" sz="2400" smtClean="0">
               <a:latin typeface="华文楷体" panose="02010600040101010101" pitchFamily="2" charset="-122"/>
               <a:ea typeface="华文楷体" panose="02010600040101010101" pitchFamily="2" charset="-122"/>
             </a:endParaRPr>
           </a:p>
           <a:p>
             <a:r>
-              <a:rPr lang="en-US" altLang="zh-CN" sz="2000" dirty="0" err="1">
+              <a:rPr lang="en-US" altLang="zh-CN" sz="2000" err="1">
                 <a:latin typeface="华文楷体" panose="02010600040101010101" pitchFamily="2" charset="-122"/>
                 <a:ea typeface="华文楷体" panose="02010600040101010101" pitchFamily="2" charset="-122"/>
               </a:rPr>
               <a:t>root@localhost:mysql.sock</a:t>
             </a:r>
             <a:r>
-              <a:rPr lang="en-US" altLang="zh-CN" sz="2000" dirty="0">
+              <a:rPr lang="en-US" altLang="zh-CN" sz="2000">
                 <a:latin typeface="华文楷体" panose="02010600040101010101" pitchFamily="2" charset="-122"/>
                 <a:ea typeface="华文楷体" panose="02010600040101010101" pitchFamily="2" charset="-122"/>
               </a:rPr>
               <a:t>  11:21:28 [(none)]&gt;show variables like '</a:t>
             </a:r>
             <a:r>
-              <a:rPr lang="en-US" altLang="zh-CN" sz="2000" dirty="0" err="1">
+              <a:rPr lang="en-US" altLang="zh-CN" sz="2000" err="1">
                 <a:latin typeface="华文楷体" panose="02010600040101010101" pitchFamily="2" charset="-122"/>
                 <a:ea typeface="华文楷体" panose="02010600040101010101" pitchFamily="2" charset="-122"/>
               </a:rPr>
               <a:t>log_error</a:t>
             </a:r>
             <a:r>
-              <a:rPr lang="en-US" altLang="zh-CN" sz="2000" dirty="0">
+              <a:rPr lang="en-US" altLang="zh-CN" sz="2000">
                 <a:latin typeface="华文楷体" panose="02010600040101010101" pitchFamily="2" charset="-122"/>
                 <a:ea typeface="华文楷体" panose="02010600040101010101" pitchFamily="2" charset="-122"/>
               </a:rPr>
@@ -13058,7 +13058,7 @@
           </a:p>
           <a:p>
             <a:r>
-              <a:rPr lang="en-US" altLang="zh-CN" sz="2000" dirty="0">
+              <a:rPr lang="en-US" altLang="zh-CN" sz="2000">
                 <a:latin typeface="华文楷体" panose="02010600040101010101" pitchFamily="2" charset="-122"/>
                 <a:ea typeface="华文楷体" panose="02010600040101010101" pitchFamily="2" charset="-122"/>
               </a:rPr>
@@ -13067,21 +13067,21 @@
           </a:p>
           <a:p>
             <a:r>
-              <a:rPr lang="en-US" altLang="zh-CN" sz="2000" dirty="0">
+              <a:rPr lang="en-US" altLang="zh-CN" sz="2000">
                 <a:latin typeface="华文楷体" panose="02010600040101010101" pitchFamily="2" charset="-122"/>
                 <a:ea typeface="华文楷体" panose="02010600040101010101" pitchFamily="2" charset="-122"/>
               </a:rPr>
               <a:t>| </a:t>
             </a:r>
             <a:r>
-              <a:rPr lang="en-US" altLang="zh-CN" sz="2000" dirty="0" err="1">
+              <a:rPr lang="en-US" altLang="zh-CN" sz="2000" err="1">
                 <a:latin typeface="华文楷体" panose="02010600040101010101" pitchFamily="2" charset="-122"/>
                 <a:ea typeface="华文楷体" panose="02010600040101010101" pitchFamily="2" charset="-122"/>
               </a:rPr>
               <a:t>Variable_name</a:t>
             </a:r>
             <a:r>
-              <a:rPr lang="en-US" altLang="zh-CN" sz="2000" dirty="0">
+              <a:rPr lang="en-US" altLang="zh-CN" sz="2000">
                 <a:latin typeface="华文楷体" panose="02010600040101010101" pitchFamily="2" charset="-122"/>
                 <a:ea typeface="华文楷体" panose="02010600040101010101" pitchFamily="2" charset="-122"/>
               </a:rPr>
@@ -13090,7 +13090,7 @@
           </a:p>
           <a:p>
             <a:r>
-              <a:rPr lang="en-US" altLang="zh-CN" sz="2000" dirty="0">
+              <a:rPr lang="en-US" altLang="zh-CN" sz="2000">
                 <a:latin typeface="华文楷体" panose="02010600040101010101" pitchFamily="2" charset="-122"/>
                 <a:ea typeface="华文楷体" panose="02010600040101010101" pitchFamily="2" charset="-122"/>
               </a:rPr>
@@ -13099,35 +13099,35 @@
           </a:p>
           <a:p>
             <a:r>
-              <a:rPr lang="en-US" altLang="zh-CN" sz="2000" dirty="0">
+              <a:rPr lang="en-US" altLang="zh-CN" sz="2000">
                 <a:latin typeface="华文楷体" panose="02010600040101010101" pitchFamily="2" charset="-122"/>
                 <a:ea typeface="华文楷体" panose="02010600040101010101" pitchFamily="2" charset="-122"/>
               </a:rPr>
               <a:t>| </a:t>
             </a:r>
             <a:r>
-              <a:rPr lang="en-US" altLang="zh-CN" sz="2000" dirty="0" err="1">
+              <a:rPr lang="en-US" altLang="zh-CN" sz="2000" err="1">
                 <a:latin typeface="华文楷体" panose="02010600040101010101" pitchFamily="2" charset="-122"/>
                 <a:ea typeface="华文楷体" panose="02010600040101010101" pitchFamily="2" charset="-122"/>
               </a:rPr>
               <a:t>log_error</a:t>
             </a:r>
             <a:r>
-              <a:rPr lang="en-US" altLang="zh-CN" sz="2000" dirty="0">
+              <a:rPr lang="en-US" altLang="zh-CN" sz="2000">
                 <a:latin typeface="华文楷体" panose="02010600040101010101" pitchFamily="2" charset="-122"/>
                 <a:ea typeface="华文楷体" panose="02010600040101010101" pitchFamily="2" charset="-122"/>
               </a:rPr>
               <a:t>     | /opt/</a:t>
             </a:r>
             <a:r>
-              <a:rPr lang="en-US" altLang="zh-CN" sz="2000" dirty="0" err="1">
+              <a:rPr lang="en-US" altLang="zh-CN" sz="2000" err="1">
                 <a:latin typeface="华文楷体" panose="02010600040101010101" pitchFamily="2" charset="-122"/>
                 <a:ea typeface="华文楷体" panose="02010600040101010101" pitchFamily="2" charset="-122"/>
               </a:rPr>
               <a:t>mysql</a:t>
             </a:r>
             <a:r>
-              <a:rPr lang="en-US" altLang="zh-CN" sz="2000" dirty="0">
+              <a:rPr lang="en-US" altLang="zh-CN" sz="2000">
                 <a:latin typeface="华文楷体" panose="02010600040101010101" pitchFamily="2" charset="-122"/>
                 <a:ea typeface="华文楷体" panose="02010600040101010101" pitchFamily="2" charset="-122"/>
               </a:rPr>
@@ -13136,7 +13136,7 @@
           </a:p>
           <a:p>
             <a:r>
-              <a:rPr lang="en-US" altLang="zh-CN" sz="2000" dirty="0">
+              <a:rPr lang="en-US" altLang="zh-CN" sz="2000">
                 <a:latin typeface="华文楷体" panose="02010600040101010101" pitchFamily="2" charset="-122"/>
                 <a:ea typeface="华文楷体" panose="02010600040101010101" pitchFamily="2" charset="-122"/>
               </a:rPr>
@@ -13145,7 +13145,7 @@
           </a:p>
           <a:p>
             <a:r>
-              <a:rPr lang="en-US" altLang="zh-CN" sz="2000" dirty="0">
+              <a:rPr lang="en-US" altLang="zh-CN" sz="2000">
                 <a:latin typeface="华文楷体" panose="02010600040101010101" pitchFamily="2" charset="-122"/>
                 <a:ea typeface="华文楷体" panose="02010600040101010101" pitchFamily="2" charset="-122"/>
               </a:rPr>
@@ -13153,20 +13153,20 @@
             </a:r>
           </a:p>
           <a:p>
-            <a:endParaRPr lang="en-US" altLang="zh-CN" sz="3200" dirty="0">
+            <a:endParaRPr lang="en-US" altLang="zh-CN" sz="3200">
               <a:latin typeface="华文楷体" panose="02010600040101010101" pitchFamily="2" charset="-122"/>
               <a:ea typeface="华文楷体" panose="02010600040101010101" pitchFamily="2" charset="-122"/>
             </a:endParaRPr>
           </a:p>
           <a:p>
-            <a:endParaRPr lang="en-US" altLang="zh-CN" sz="3200" dirty="0" smtClean="0"/>
+            <a:endParaRPr lang="en-US" altLang="zh-CN" sz="3200" smtClean="0"/>
           </a:p>
           <a:p>
             <a:pPr marL="685800" indent="-685800">
               <a:buFont typeface="Wingdings" panose="05000000000000000000" pitchFamily="2" charset="2"/>
               <a:buChar char="l"/>
             </a:pPr>
-            <a:endParaRPr lang="en-US" altLang="zh-CN" sz="3200" dirty="0" smtClean="0"/>
+            <a:endParaRPr lang="en-US" altLang="zh-CN" sz="3200" smtClean="0"/>
           </a:p>
         </p:txBody>
       </p:sp>
@@ -13303,102 +13303,102 @@
           <a:lstStyle/>
           <a:p>
             <a:r>
-              <a:rPr lang="en-US" altLang="zh-CN" sz="3200" dirty="0" err="1" smtClean="0">
+              <a:rPr lang="en-US" altLang="zh-CN" sz="3200" err="1" smtClean="0">
                 <a:latin typeface="华文楷体" panose="02010600040101010101" pitchFamily="2" charset="-122"/>
                 <a:ea typeface="华文楷体" panose="02010600040101010101" pitchFamily="2" charset="-122"/>
               </a:rPr>
               <a:t>Mysql</a:t>
             </a:r>
             <a:r>
-              <a:rPr lang="en-US" altLang="zh-CN" sz="3200" dirty="0" smtClean="0">
+              <a:rPr lang="en-US" altLang="zh-CN" sz="3200" smtClean="0">
                 <a:latin typeface="华文楷体" panose="02010600040101010101" pitchFamily="2" charset="-122"/>
                 <a:ea typeface="华文楷体" panose="02010600040101010101" pitchFamily="2" charset="-122"/>
               </a:rPr>
               <a:t> </a:t>
             </a:r>
             <a:r>
-              <a:rPr lang="zh-CN" altLang="en-US" sz="3200" dirty="0" smtClean="0">
+              <a:rPr lang="zh-CN" altLang="en-US" sz="3200" smtClean="0">
                 <a:latin typeface="华文楷体" panose="02010600040101010101" pitchFamily="2" charset="-122"/>
                 <a:ea typeface="华文楷体" panose="02010600040101010101" pitchFamily="2" charset="-122"/>
               </a:rPr>
               <a:t>日志系统</a:t>
             </a:r>
-            <a:endParaRPr lang="en-US" altLang="zh-CN" sz="3200" dirty="0" smtClean="0">
+            <a:endParaRPr lang="en-US" altLang="zh-CN" sz="3200" smtClean="0">
               <a:latin typeface="华文楷体" panose="02010600040101010101" pitchFamily="2" charset="-122"/>
               <a:ea typeface="华文楷体" panose="02010600040101010101" pitchFamily="2" charset="-122"/>
             </a:endParaRPr>
           </a:p>
           <a:p>
             <a:r>
-              <a:rPr lang="en-US" altLang="zh-CN" sz="3200" dirty="0">
+              <a:rPr lang="en-US" altLang="zh-CN" sz="3200">
                 <a:latin typeface="华文楷体" panose="02010600040101010101" pitchFamily="2" charset="-122"/>
                 <a:ea typeface="华文楷体" panose="02010600040101010101" pitchFamily="2" charset="-122"/>
               </a:rPr>
               <a:t> </a:t>
             </a:r>
             <a:r>
-              <a:rPr lang="en-US" altLang="zh-CN" sz="3200" dirty="0" smtClean="0">
+              <a:rPr lang="en-US" altLang="zh-CN" sz="3200" smtClean="0">
                 <a:latin typeface="华文楷体" panose="02010600040101010101" pitchFamily="2" charset="-122"/>
                 <a:ea typeface="华文楷体" panose="02010600040101010101" pitchFamily="2" charset="-122"/>
               </a:rPr>
               <a:t>      </a:t>
             </a:r>
             <a:r>
-              <a:rPr lang="zh-CN" altLang="en-US" sz="3200" dirty="0" smtClean="0">
+              <a:rPr lang="zh-CN" altLang="en-US" sz="3200" smtClean="0">
                 <a:latin typeface="华文楷体" panose="02010600040101010101" pitchFamily="2" charset="-122"/>
                 <a:ea typeface="华文楷体" panose="02010600040101010101" pitchFamily="2" charset="-122"/>
               </a:rPr>
               <a:t>系统日志：错误日志，慢查询日志，综合查询日志</a:t>
             </a:r>
-            <a:endParaRPr lang="en-US" altLang="zh-CN" sz="3200" dirty="0" smtClean="0">
+            <a:endParaRPr lang="en-US" altLang="zh-CN" sz="3200" smtClean="0">
               <a:latin typeface="华文楷体" panose="02010600040101010101" pitchFamily="2" charset="-122"/>
               <a:ea typeface="华文楷体" panose="02010600040101010101" pitchFamily="2" charset="-122"/>
             </a:endParaRPr>
           </a:p>
           <a:p>
             <a:r>
-              <a:rPr lang="zh-CN" altLang="en-US" sz="2400" dirty="0">
+              <a:rPr lang="zh-CN" altLang="en-US" sz="2400">
                 <a:latin typeface="华文楷体" panose="02010600040101010101" pitchFamily="2" charset="-122"/>
                 <a:ea typeface="华文楷体" panose="02010600040101010101" pitchFamily="2" charset="-122"/>
               </a:rPr>
               <a:t>慢查询</a:t>
             </a:r>
             <a:r>
-              <a:rPr lang="zh-CN" altLang="en-US" sz="2400" dirty="0" smtClean="0">
+              <a:rPr lang="zh-CN" altLang="en-US" sz="2400" smtClean="0">
                 <a:latin typeface="华文楷体" panose="02010600040101010101" pitchFamily="2" charset="-122"/>
                 <a:ea typeface="华文楷体" panose="02010600040101010101" pitchFamily="2" charset="-122"/>
               </a:rPr>
               <a:t>日志：记录执行时间超过一定阈值的</a:t>
             </a:r>
             <a:r>
-              <a:rPr lang="en-US" altLang="zh-CN" sz="2400" dirty="0" err="1" smtClean="0">
+              <a:rPr lang="en-US" altLang="zh-CN" sz="2400" err="1" smtClean="0">
                 <a:latin typeface="华文楷体" panose="02010600040101010101" pitchFamily="2" charset="-122"/>
                 <a:ea typeface="华文楷体" panose="02010600040101010101" pitchFamily="2" charset="-122"/>
               </a:rPr>
               <a:t>sql</a:t>
             </a:r>
             <a:r>
-              <a:rPr lang="zh-CN" altLang="en-US" sz="2400" dirty="0" smtClean="0">
+              <a:rPr lang="zh-CN" altLang="en-US" sz="2400" smtClean="0">
                 <a:latin typeface="华文楷体" panose="02010600040101010101" pitchFamily="2" charset="-122"/>
                 <a:ea typeface="华文楷体" panose="02010600040101010101" pitchFamily="2" charset="-122"/>
               </a:rPr>
               <a:t>语句</a:t>
             </a:r>
-            <a:endParaRPr lang="en-US" altLang="zh-CN" sz="2400" dirty="0" smtClean="0">
+            <a:endParaRPr lang="en-US" altLang="zh-CN" sz="2400" smtClean="0">
               <a:latin typeface="华文楷体" panose="02010600040101010101" pitchFamily="2" charset="-122"/>
               <a:ea typeface="华文楷体" panose="02010600040101010101" pitchFamily="2" charset="-122"/>
             </a:endParaRPr>
           </a:p>
           <a:p>
             <a:r>
-              <a:rPr lang="en-US" altLang="zh-CN" sz="2000" dirty="0" err="1">
+              <a:rPr lang="en-US" altLang="zh-CN" sz="2000" err="1">
                 <a:latin typeface="华文楷体" panose="02010600040101010101" pitchFamily="2" charset="-122"/>
                 <a:ea typeface="华文楷体" panose="02010600040101010101" pitchFamily="2" charset="-122"/>
               </a:rPr>
               <a:t>root@localhost:mysql.sock</a:t>
             </a:r>
             <a:r>
-              <a:rPr lang="en-US" altLang="zh-CN" sz="2000" dirty="0">
+              <a:rPr lang="en-US" altLang="zh-CN" sz="2000">
                 <a:latin typeface="华文楷体" panose="02010600040101010101" pitchFamily="2" charset="-122"/>
                 <a:ea typeface="华文楷体" panose="02010600040101010101" pitchFamily="2" charset="-122"/>
               </a:rPr>
@@ -13407,7 +13407,7 @@
           </a:p>
           <a:p>
             <a:r>
-              <a:rPr lang="en-US" altLang="zh-CN" sz="1400" dirty="0">
+              <a:rPr lang="en-US" altLang="zh-CN" sz="1400">
                 <a:latin typeface="华文楷体" panose="02010600040101010101" pitchFamily="2" charset="-122"/>
                 <a:ea typeface="华文楷体" panose="02010600040101010101" pitchFamily="2" charset="-122"/>
               </a:rPr>
@@ -13416,21 +13416,21 @@
           </a:p>
           <a:p>
             <a:r>
-              <a:rPr lang="en-US" altLang="zh-CN" sz="1400" dirty="0">
+              <a:rPr lang="en-US" altLang="zh-CN" sz="1400">
                 <a:latin typeface="华文楷体" panose="02010600040101010101" pitchFamily="2" charset="-122"/>
                 <a:ea typeface="华文楷体" panose="02010600040101010101" pitchFamily="2" charset="-122"/>
               </a:rPr>
               <a:t>| </a:t>
             </a:r>
             <a:r>
-              <a:rPr lang="en-US" altLang="zh-CN" sz="1400" dirty="0" err="1">
+              <a:rPr lang="en-US" altLang="zh-CN" sz="1400" err="1">
                 <a:latin typeface="华文楷体" panose="02010600040101010101" pitchFamily="2" charset="-122"/>
                 <a:ea typeface="华文楷体" panose="02010600040101010101" pitchFamily="2" charset="-122"/>
               </a:rPr>
               <a:t>Variable_name</a:t>
             </a:r>
             <a:r>
-              <a:rPr lang="en-US" altLang="zh-CN" sz="1400" dirty="0">
+              <a:rPr lang="en-US" altLang="zh-CN" sz="1400">
                 <a:latin typeface="华文楷体" panose="02010600040101010101" pitchFamily="2" charset="-122"/>
                 <a:ea typeface="华文楷体" panose="02010600040101010101" pitchFamily="2" charset="-122"/>
               </a:rPr>
@@ -13439,7 +13439,7 @@
           </a:p>
           <a:p>
             <a:r>
-              <a:rPr lang="en-US" altLang="zh-CN" sz="1400" dirty="0">
+              <a:rPr lang="en-US" altLang="zh-CN" sz="1400">
                 <a:latin typeface="华文楷体" panose="02010600040101010101" pitchFamily="2" charset="-122"/>
                 <a:ea typeface="华文楷体" panose="02010600040101010101" pitchFamily="2" charset="-122"/>
               </a:rPr>
@@ -13448,21 +13448,21 @@
           </a:p>
           <a:p>
             <a:r>
-              <a:rPr lang="en-US" altLang="zh-CN" sz="1400" dirty="0">
+              <a:rPr lang="en-US" altLang="zh-CN" sz="1400">
                 <a:latin typeface="华文楷体" panose="02010600040101010101" pitchFamily="2" charset="-122"/>
                 <a:ea typeface="华文楷体" panose="02010600040101010101" pitchFamily="2" charset="-122"/>
               </a:rPr>
               <a:t>| </a:t>
             </a:r>
             <a:r>
-              <a:rPr lang="en-US" altLang="zh-CN" sz="1400" dirty="0" err="1">
+              <a:rPr lang="en-US" altLang="zh-CN" sz="1400" err="1">
                 <a:latin typeface="华文楷体" panose="02010600040101010101" pitchFamily="2" charset="-122"/>
                 <a:ea typeface="华文楷体" panose="02010600040101010101" pitchFamily="2" charset="-122"/>
               </a:rPr>
               <a:t>binlog_rows_query_log_events</a:t>
             </a:r>
             <a:r>
-              <a:rPr lang="en-US" altLang="zh-CN" sz="1400" dirty="0">
+              <a:rPr lang="en-US" altLang="zh-CN" sz="1400">
                 <a:latin typeface="华文楷体" panose="02010600040101010101" pitchFamily="2" charset="-122"/>
                 <a:ea typeface="华文楷体" panose="02010600040101010101" pitchFamily="2" charset="-122"/>
               </a:rPr>
@@ -13471,21 +13471,21 @@
           </a:p>
           <a:p>
             <a:r>
-              <a:rPr lang="en-US" altLang="zh-CN" sz="1400" dirty="0">
+              <a:rPr lang="en-US" altLang="zh-CN" sz="1400">
                 <a:latin typeface="华文楷体" panose="02010600040101010101" pitchFamily="2" charset="-122"/>
                 <a:ea typeface="华文楷体" panose="02010600040101010101" pitchFamily="2" charset="-122"/>
               </a:rPr>
               <a:t>| </a:t>
             </a:r>
             <a:r>
-              <a:rPr lang="en-US" altLang="zh-CN" sz="1400" dirty="0" err="1">
+              <a:rPr lang="en-US" altLang="zh-CN" sz="1400" err="1">
                 <a:latin typeface="华文楷体" panose="02010600040101010101" pitchFamily="2" charset="-122"/>
                 <a:ea typeface="华文楷体" panose="02010600040101010101" pitchFamily="2" charset="-122"/>
               </a:rPr>
               <a:t>ft_query_expansion_limit</a:t>
             </a:r>
             <a:r>
-              <a:rPr lang="en-US" altLang="zh-CN" sz="1400" dirty="0">
+              <a:rPr lang="en-US" altLang="zh-CN" sz="1400">
                 <a:latin typeface="华文楷体" panose="02010600040101010101" pitchFamily="2" charset="-122"/>
                 <a:ea typeface="华文楷体" panose="02010600040101010101" pitchFamily="2" charset="-122"/>
               </a:rPr>
@@ -13494,21 +13494,21 @@
           </a:p>
           <a:p>
             <a:r>
-              <a:rPr lang="en-US" altLang="zh-CN" sz="1400" dirty="0">
+              <a:rPr lang="en-US" altLang="zh-CN" sz="1400">
                 <a:latin typeface="华文楷体" panose="02010600040101010101" pitchFamily="2" charset="-122"/>
                 <a:ea typeface="华文楷体" panose="02010600040101010101" pitchFamily="2" charset="-122"/>
               </a:rPr>
               <a:t>| </a:t>
             </a:r>
             <a:r>
-              <a:rPr lang="en-US" altLang="zh-CN" sz="1400" dirty="0" err="1">
+              <a:rPr lang="en-US" altLang="zh-CN" sz="1400" err="1">
                 <a:latin typeface="华文楷体" panose="02010600040101010101" pitchFamily="2" charset="-122"/>
                 <a:ea typeface="华文楷体" panose="02010600040101010101" pitchFamily="2" charset="-122"/>
               </a:rPr>
               <a:t>have_query_cache</a:t>
             </a:r>
             <a:r>
-              <a:rPr lang="en-US" altLang="zh-CN" sz="1400" dirty="0">
+              <a:rPr lang="en-US" altLang="zh-CN" sz="1400">
                 <a:latin typeface="华文楷体" panose="02010600040101010101" pitchFamily="2" charset="-122"/>
                 <a:ea typeface="华文楷体" panose="02010600040101010101" pitchFamily="2" charset="-122"/>
               </a:rPr>
@@ -13517,21 +13517,21 @@
           </a:p>
           <a:p>
             <a:r>
-              <a:rPr lang="en-US" altLang="zh-CN" sz="1400" dirty="0">
+              <a:rPr lang="en-US" altLang="zh-CN" sz="1400">
                 <a:latin typeface="华文楷体" panose="02010600040101010101" pitchFamily="2" charset="-122"/>
                 <a:ea typeface="华文楷体" panose="02010600040101010101" pitchFamily="2" charset="-122"/>
               </a:rPr>
               <a:t>| </a:t>
             </a:r>
             <a:r>
-              <a:rPr lang="en-US" altLang="zh-CN" sz="1400" dirty="0" err="1">
+              <a:rPr lang="en-US" altLang="zh-CN" sz="1400" err="1">
                 <a:latin typeface="华文楷体" panose="02010600040101010101" pitchFamily="2" charset="-122"/>
                 <a:ea typeface="华文楷体" panose="02010600040101010101" pitchFamily="2" charset="-122"/>
               </a:rPr>
               <a:t>long_query_time</a:t>
             </a:r>
             <a:r>
-              <a:rPr lang="en-US" altLang="zh-CN" sz="1400" dirty="0">
+              <a:rPr lang="en-US" altLang="zh-CN" sz="1400">
                 <a:latin typeface="华文楷体" panose="02010600040101010101" pitchFamily="2" charset="-122"/>
                 <a:ea typeface="华文楷体" panose="02010600040101010101" pitchFamily="2" charset="-122"/>
               </a:rPr>
@@ -13540,21 +13540,21 @@
           </a:p>
           <a:p>
             <a:r>
-              <a:rPr lang="en-US" altLang="zh-CN" sz="1400" dirty="0">
+              <a:rPr lang="en-US" altLang="zh-CN" sz="1400">
                 <a:latin typeface="华文楷体" panose="02010600040101010101" pitchFamily="2" charset="-122"/>
                 <a:ea typeface="华文楷体" panose="02010600040101010101" pitchFamily="2" charset="-122"/>
               </a:rPr>
               <a:t>| </a:t>
             </a:r>
             <a:r>
-              <a:rPr lang="en-US" altLang="zh-CN" sz="1400" dirty="0" err="1">
+              <a:rPr lang="en-US" altLang="zh-CN" sz="1400" err="1">
                 <a:latin typeface="华文楷体" panose="02010600040101010101" pitchFamily="2" charset="-122"/>
                 <a:ea typeface="华文楷体" panose="02010600040101010101" pitchFamily="2" charset="-122"/>
               </a:rPr>
               <a:t>query_alloc_block_size</a:t>
             </a:r>
             <a:r>
-              <a:rPr lang="en-US" altLang="zh-CN" sz="1400" dirty="0">
+              <a:rPr lang="en-US" altLang="zh-CN" sz="1400">
                 <a:latin typeface="华文楷体" panose="02010600040101010101" pitchFamily="2" charset="-122"/>
                 <a:ea typeface="华文楷体" panose="02010600040101010101" pitchFamily="2" charset="-122"/>
               </a:rPr>
@@ -13563,21 +13563,21 @@
           </a:p>
           <a:p>
             <a:r>
-              <a:rPr lang="en-US" altLang="zh-CN" sz="1400" dirty="0">
+              <a:rPr lang="en-US" altLang="zh-CN" sz="1400">
                 <a:latin typeface="华文楷体" panose="02010600040101010101" pitchFamily="2" charset="-122"/>
                 <a:ea typeface="华文楷体" panose="02010600040101010101" pitchFamily="2" charset="-122"/>
               </a:rPr>
               <a:t>| </a:t>
             </a:r>
             <a:r>
-              <a:rPr lang="en-US" altLang="zh-CN" sz="1400" dirty="0" err="1">
+              <a:rPr lang="en-US" altLang="zh-CN" sz="1400" err="1">
                 <a:latin typeface="华文楷体" panose="02010600040101010101" pitchFamily="2" charset="-122"/>
                 <a:ea typeface="华文楷体" panose="02010600040101010101" pitchFamily="2" charset="-122"/>
               </a:rPr>
               <a:t>query_cache_limit</a:t>
             </a:r>
             <a:r>
-              <a:rPr lang="en-US" altLang="zh-CN" sz="1400" dirty="0">
+              <a:rPr lang="en-US" altLang="zh-CN" sz="1400">
                 <a:latin typeface="华文楷体" panose="02010600040101010101" pitchFamily="2" charset="-122"/>
                 <a:ea typeface="华文楷体" panose="02010600040101010101" pitchFamily="2" charset="-122"/>
               </a:rPr>
@@ -13586,21 +13586,21 @@
           </a:p>
           <a:p>
             <a:r>
-              <a:rPr lang="en-US" altLang="zh-CN" sz="1400" dirty="0">
+              <a:rPr lang="en-US" altLang="zh-CN" sz="1400">
                 <a:latin typeface="华文楷体" panose="02010600040101010101" pitchFamily="2" charset="-122"/>
                 <a:ea typeface="华文楷体" panose="02010600040101010101" pitchFamily="2" charset="-122"/>
               </a:rPr>
               <a:t>| </a:t>
             </a:r>
             <a:r>
-              <a:rPr lang="en-US" altLang="zh-CN" sz="1400" dirty="0" err="1">
+              <a:rPr lang="en-US" altLang="zh-CN" sz="1400" err="1">
                 <a:latin typeface="华文楷体" panose="02010600040101010101" pitchFamily="2" charset="-122"/>
                 <a:ea typeface="华文楷体" panose="02010600040101010101" pitchFamily="2" charset="-122"/>
               </a:rPr>
               <a:t>query_cache_min_res_unit</a:t>
             </a:r>
             <a:r>
-              <a:rPr lang="en-US" altLang="zh-CN" sz="1400" dirty="0">
+              <a:rPr lang="en-US" altLang="zh-CN" sz="1400">
                 <a:latin typeface="华文楷体" panose="02010600040101010101" pitchFamily="2" charset="-122"/>
                 <a:ea typeface="华文楷体" panose="02010600040101010101" pitchFamily="2" charset="-122"/>
               </a:rPr>
@@ -13609,21 +13609,21 @@
           </a:p>
           <a:p>
             <a:r>
-              <a:rPr lang="en-US" altLang="zh-CN" sz="1400" dirty="0">
+              <a:rPr lang="en-US" altLang="zh-CN" sz="1400">
                 <a:latin typeface="华文楷体" panose="02010600040101010101" pitchFamily="2" charset="-122"/>
                 <a:ea typeface="华文楷体" panose="02010600040101010101" pitchFamily="2" charset="-122"/>
               </a:rPr>
               <a:t>| </a:t>
             </a:r>
             <a:r>
-              <a:rPr lang="en-US" altLang="zh-CN" sz="1400" dirty="0" err="1">
+              <a:rPr lang="en-US" altLang="zh-CN" sz="1400" err="1">
                 <a:latin typeface="华文楷体" panose="02010600040101010101" pitchFamily="2" charset="-122"/>
                 <a:ea typeface="华文楷体" panose="02010600040101010101" pitchFamily="2" charset="-122"/>
               </a:rPr>
               <a:t>query_cache_size</a:t>
             </a:r>
             <a:r>
-              <a:rPr lang="en-US" altLang="zh-CN" sz="1400" dirty="0">
+              <a:rPr lang="en-US" altLang="zh-CN" sz="1400">
                 <a:latin typeface="华文楷体" panose="02010600040101010101" pitchFamily="2" charset="-122"/>
                 <a:ea typeface="华文楷体" panose="02010600040101010101" pitchFamily="2" charset="-122"/>
               </a:rPr>
@@ -13632,21 +13632,21 @@
           </a:p>
           <a:p>
             <a:r>
-              <a:rPr lang="en-US" altLang="zh-CN" sz="1400" dirty="0">
+              <a:rPr lang="en-US" altLang="zh-CN" sz="1400">
                 <a:latin typeface="华文楷体" panose="02010600040101010101" pitchFamily="2" charset="-122"/>
                 <a:ea typeface="华文楷体" panose="02010600040101010101" pitchFamily="2" charset="-122"/>
               </a:rPr>
               <a:t>| </a:t>
             </a:r>
             <a:r>
-              <a:rPr lang="en-US" altLang="zh-CN" sz="1400" dirty="0" err="1">
+              <a:rPr lang="en-US" altLang="zh-CN" sz="1400" err="1">
                 <a:latin typeface="华文楷体" panose="02010600040101010101" pitchFamily="2" charset="-122"/>
                 <a:ea typeface="华文楷体" panose="02010600040101010101" pitchFamily="2" charset="-122"/>
               </a:rPr>
               <a:t>query_cache_type</a:t>
             </a:r>
             <a:r>
-              <a:rPr lang="en-US" altLang="zh-CN" sz="1400" dirty="0">
+              <a:rPr lang="en-US" altLang="zh-CN" sz="1400">
                 <a:latin typeface="华文楷体" panose="02010600040101010101" pitchFamily="2" charset="-122"/>
                 <a:ea typeface="华文楷体" panose="02010600040101010101" pitchFamily="2" charset="-122"/>
               </a:rPr>
@@ -13655,21 +13655,21 @@
           </a:p>
           <a:p>
             <a:r>
-              <a:rPr lang="en-US" altLang="zh-CN" sz="1400" dirty="0">
+              <a:rPr lang="en-US" altLang="zh-CN" sz="1400">
                 <a:latin typeface="华文楷体" panose="02010600040101010101" pitchFamily="2" charset="-122"/>
                 <a:ea typeface="华文楷体" panose="02010600040101010101" pitchFamily="2" charset="-122"/>
               </a:rPr>
               <a:t>| </a:t>
             </a:r>
             <a:r>
-              <a:rPr lang="en-US" altLang="zh-CN" sz="1400" dirty="0" err="1">
+              <a:rPr lang="en-US" altLang="zh-CN" sz="1400" err="1">
                 <a:latin typeface="华文楷体" panose="02010600040101010101" pitchFamily="2" charset="-122"/>
                 <a:ea typeface="华文楷体" panose="02010600040101010101" pitchFamily="2" charset="-122"/>
               </a:rPr>
               <a:t>query_cache_wlock_invalidate</a:t>
             </a:r>
             <a:r>
-              <a:rPr lang="en-US" altLang="zh-CN" sz="1400" dirty="0">
+              <a:rPr lang="en-US" altLang="zh-CN" sz="1400">
                 <a:latin typeface="华文楷体" panose="02010600040101010101" pitchFamily="2" charset="-122"/>
                 <a:ea typeface="华文楷体" panose="02010600040101010101" pitchFamily="2" charset="-122"/>
               </a:rPr>
@@ -13678,21 +13678,21 @@
           </a:p>
           <a:p>
             <a:r>
-              <a:rPr lang="en-US" altLang="zh-CN" sz="1400" dirty="0">
+              <a:rPr lang="en-US" altLang="zh-CN" sz="1400">
                 <a:latin typeface="华文楷体" panose="02010600040101010101" pitchFamily="2" charset="-122"/>
                 <a:ea typeface="华文楷体" panose="02010600040101010101" pitchFamily="2" charset="-122"/>
               </a:rPr>
               <a:t>| </a:t>
             </a:r>
             <a:r>
-              <a:rPr lang="en-US" altLang="zh-CN" sz="1400" dirty="0" err="1">
+              <a:rPr lang="en-US" altLang="zh-CN" sz="1400" err="1">
                 <a:latin typeface="华文楷体" panose="02010600040101010101" pitchFamily="2" charset="-122"/>
                 <a:ea typeface="华文楷体" panose="02010600040101010101" pitchFamily="2" charset="-122"/>
               </a:rPr>
               <a:t>query_prealloc_size</a:t>
             </a:r>
             <a:r>
-              <a:rPr lang="en-US" altLang="zh-CN" sz="1400" dirty="0">
+              <a:rPr lang="en-US" altLang="zh-CN" sz="1400">
                 <a:latin typeface="华文楷体" panose="02010600040101010101" pitchFamily="2" charset="-122"/>
                 <a:ea typeface="华文楷体" panose="02010600040101010101" pitchFamily="2" charset="-122"/>
               </a:rPr>
@@ -13701,21 +13701,21 @@
           </a:p>
           <a:p>
             <a:r>
-              <a:rPr lang="en-US" altLang="zh-CN" sz="1400" dirty="0">
+              <a:rPr lang="en-US" altLang="zh-CN" sz="1400">
                 <a:latin typeface="华文楷体" panose="02010600040101010101" pitchFamily="2" charset="-122"/>
                 <a:ea typeface="华文楷体" panose="02010600040101010101" pitchFamily="2" charset="-122"/>
               </a:rPr>
               <a:t>| </a:t>
             </a:r>
             <a:r>
-              <a:rPr lang="en-US" altLang="zh-CN" sz="1400" dirty="0" err="1">
+              <a:rPr lang="en-US" altLang="zh-CN" sz="1400" err="1">
                 <a:latin typeface="华文楷体" panose="02010600040101010101" pitchFamily="2" charset="-122"/>
                 <a:ea typeface="华文楷体" panose="02010600040101010101" pitchFamily="2" charset="-122"/>
               </a:rPr>
               <a:t>slow_query_log</a:t>
             </a:r>
             <a:r>
-              <a:rPr lang="en-US" altLang="zh-CN" sz="1400" dirty="0">
+              <a:rPr lang="en-US" altLang="zh-CN" sz="1400">
                 <a:latin typeface="华文楷体" panose="02010600040101010101" pitchFamily="2" charset="-122"/>
                 <a:ea typeface="华文楷体" panose="02010600040101010101" pitchFamily="2" charset="-122"/>
               </a:rPr>
@@ -13724,21 +13724,21 @@
           </a:p>
           <a:p>
             <a:r>
-              <a:rPr lang="en-US" altLang="zh-CN" sz="1400" dirty="0">
+              <a:rPr lang="en-US" altLang="zh-CN" sz="1400">
                 <a:latin typeface="华文楷体" panose="02010600040101010101" pitchFamily="2" charset="-122"/>
                 <a:ea typeface="华文楷体" panose="02010600040101010101" pitchFamily="2" charset="-122"/>
               </a:rPr>
               <a:t>| </a:t>
             </a:r>
             <a:r>
-              <a:rPr lang="en-US" altLang="zh-CN" sz="1400" dirty="0" err="1">
+              <a:rPr lang="en-US" altLang="zh-CN" sz="1400" err="1">
                 <a:latin typeface="华文楷体" panose="02010600040101010101" pitchFamily="2" charset="-122"/>
                 <a:ea typeface="华文楷体" panose="02010600040101010101" pitchFamily="2" charset="-122"/>
               </a:rPr>
               <a:t>slow_query_log_file</a:t>
             </a:r>
             <a:r>
-              <a:rPr lang="en-US" altLang="zh-CN" sz="1400" dirty="0">
+              <a:rPr lang="en-US" altLang="zh-CN" sz="1400">
                 <a:latin typeface="华文楷体" panose="02010600040101010101" pitchFamily="2" charset="-122"/>
                 <a:ea typeface="华文楷体" panose="02010600040101010101" pitchFamily="2" charset="-122"/>
               </a:rPr>
@@ -13747,7 +13747,7 @@
           </a:p>
           <a:p>
             <a:r>
-              <a:rPr lang="en-US" altLang="zh-CN" sz="1400" dirty="0">
+              <a:rPr lang="en-US" altLang="zh-CN" sz="1400">
                 <a:latin typeface="华文楷体" panose="02010600040101010101" pitchFamily="2" charset="-122"/>
                 <a:ea typeface="华文楷体" panose="02010600040101010101" pitchFamily="2" charset="-122"/>
               </a:rPr>
@@ -13756,20 +13756,20 @@
           </a:p>
           <a:p>
             <a:r>
-              <a:rPr lang="en-US" altLang="zh-CN" sz="1400" dirty="0">
+              <a:rPr lang="en-US" altLang="zh-CN" sz="1400">
                 <a:latin typeface="华文楷体" panose="02010600040101010101" pitchFamily="2" charset="-122"/>
                 <a:ea typeface="华文楷体" panose="02010600040101010101" pitchFamily="2" charset="-122"/>
               </a:rPr>
               <a:t>13 rows in set (0.00 sec)</a:t>
             </a:r>
-            <a:endParaRPr lang="en-US" altLang="zh-CN" sz="1400" dirty="0" smtClean="0"/>
+            <a:endParaRPr lang="en-US" altLang="zh-CN" sz="1400" smtClean="0"/>
           </a:p>
           <a:p>
             <a:pPr marL="685800" indent="-685800">
               <a:buFont typeface="Wingdings" panose="05000000000000000000" pitchFamily="2" charset="2"/>
               <a:buChar char="l"/>
             </a:pPr>
-            <a:endParaRPr lang="en-US" altLang="zh-CN" sz="3200" dirty="0" smtClean="0"/>
+            <a:endParaRPr lang="en-US" altLang="zh-CN" sz="3200" smtClean="0"/>
           </a:p>
         </p:txBody>
       </p:sp>
@@ -13906,250 +13906,250 @@
           <a:lstStyle/>
           <a:p>
             <a:r>
-              <a:rPr lang="en-US" altLang="zh-CN" sz="2400" dirty="0" err="1">
+              <a:rPr lang="en-US" altLang="zh-CN" sz="2400" err="1">
                 <a:latin typeface="华文楷体" panose="02010600040101010101" pitchFamily="2" charset="-122"/>
                 <a:ea typeface="华文楷体" panose="02010600040101010101" pitchFamily="2" charset="-122"/>
               </a:rPr>
               <a:t>Mysql</a:t>
             </a:r>
             <a:r>
-              <a:rPr lang="zh-CN" altLang="en-US" sz="2400" dirty="0">
+              <a:rPr lang="zh-CN" altLang="en-US" sz="2400">
                 <a:latin typeface="华文楷体" panose="02010600040101010101" pitchFamily="2" charset="-122"/>
                 <a:ea typeface="华文楷体" panose="02010600040101010101" pitchFamily="2" charset="-122"/>
               </a:rPr>
               <a:t>索引</a:t>
             </a:r>
             <a:r>
-              <a:rPr lang="zh-CN" altLang="en-US" sz="2400" dirty="0" smtClean="0">
+              <a:rPr lang="zh-CN" altLang="en-US" sz="2400" smtClean="0">
                 <a:latin typeface="华文楷体" panose="02010600040101010101" pitchFamily="2" charset="-122"/>
                 <a:ea typeface="华文楷体" panose="02010600040101010101" pitchFamily="2" charset="-122"/>
               </a:rPr>
               <a:t>：</a:t>
             </a:r>
-            <a:endParaRPr lang="en-US" altLang="zh-CN" sz="2400" dirty="0" smtClean="0">
+            <a:endParaRPr lang="en-US" altLang="zh-CN" sz="2400" smtClean="0">
               <a:latin typeface="华文楷体" panose="02010600040101010101" pitchFamily="2" charset="-122"/>
               <a:ea typeface="华文楷体" panose="02010600040101010101" pitchFamily="2" charset="-122"/>
             </a:endParaRPr>
           </a:p>
           <a:p>
             <a:r>
-              <a:rPr lang="en-US" altLang="zh-CN" sz="2400" dirty="0">
+              <a:rPr lang="en-US" altLang="zh-CN" sz="2400">
                 <a:latin typeface="华文楷体" panose="02010600040101010101" pitchFamily="2" charset="-122"/>
                 <a:ea typeface="华文楷体" panose="02010600040101010101" pitchFamily="2" charset="-122"/>
               </a:rPr>
               <a:t> </a:t>
             </a:r>
             <a:r>
-              <a:rPr lang="en-US" altLang="zh-CN" sz="2400" dirty="0" smtClean="0">
+              <a:rPr lang="en-US" altLang="zh-CN" sz="2400" smtClean="0">
                 <a:latin typeface="华文楷体" panose="02010600040101010101" pitchFamily="2" charset="-122"/>
                 <a:ea typeface="华文楷体" panose="02010600040101010101" pitchFamily="2" charset="-122"/>
               </a:rPr>
               <a:t>        1</a:t>
             </a:r>
             <a:r>
-              <a:rPr lang="zh-CN" altLang="en-US" sz="2400" dirty="0" smtClean="0">
+              <a:rPr lang="zh-CN" altLang="en-US" sz="2400" smtClean="0">
                 <a:latin typeface="华文楷体" panose="02010600040101010101" pitchFamily="2" charset="-122"/>
                 <a:ea typeface="华文楷体" panose="02010600040101010101" pitchFamily="2" charset="-122"/>
               </a:rPr>
               <a:t>，执行计划是什么？如何查看一条</a:t>
             </a:r>
             <a:r>
-              <a:rPr lang="en-US" altLang="zh-CN" sz="2400" dirty="0" err="1" smtClean="0">
+              <a:rPr lang="en-US" altLang="zh-CN" sz="2400" err="1" smtClean="0">
                 <a:latin typeface="华文楷体" panose="02010600040101010101" pitchFamily="2" charset="-122"/>
                 <a:ea typeface="华文楷体" panose="02010600040101010101" pitchFamily="2" charset="-122"/>
               </a:rPr>
               <a:t>sql</a:t>
             </a:r>
             <a:r>
-              <a:rPr lang="zh-CN" altLang="en-US" sz="2400" dirty="0" smtClean="0">
+              <a:rPr lang="zh-CN" altLang="en-US" sz="2400" smtClean="0">
                 <a:latin typeface="华文楷体" panose="02010600040101010101" pitchFamily="2" charset="-122"/>
                 <a:ea typeface="华文楷体" panose="02010600040101010101" pitchFamily="2" charset="-122"/>
               </a:rPr>
               <a:t>语句的执行计划</a:t>
             </a:r>
-            <a:endParaRPr lang="en-US" altLang="zh-CN" sz="2400" dirty="0" smtClean="0">
+            <a:endParaRPr lang="en-US" altLang="zh-CN" sz="2400" smtClean="0">
               <a:latin typeface="华文楷体" panose="02010600040101010101" pitchFamily="2" charset="-122"/>
               <a:ea typeface="华文楷体" panose="02010600040101010101" pitchFamily="2" charset="-122"/>
             </a:endParaRPr>
           </a:p>
           <a:p>
-            <a:endParaRPr lang="en-US" altLang="zh-CN" sz="2400" dirty="0">
+            <a:endParaRPr lang="en-US" altLang="zh-CN" sz="2400">
               <a:latin typeface="华文楷体" panose="02010600040101010101" pitchFamily="2" charset="-122"/>
               <a:ea typeface="华文楷体" panose="02010600040101010101" pitchFamily="2" charset="-122"/>
             </a:endParaRPr>
           </a:p>
           <a:p>
             <a:r>
-              <a:rPr lang="en-US" altLang="zh-CN" sz="2400" dirty="0">
+              <a:rPr lang="en-US" altLang="zh-CN" sz="2400">
                 <a:latin typeface="华文楷体" panose="02010600040101010101" pitchFamily="2" charset="-122"/>
                 <a:ea typeface="华文楷体" panose="02010600040101010101" pitchFamily="2" charset="-122"/>
               </a:rPr>
               <a:t>         </a:t>
             </a:r>
             <a:r>
-              <a:rPr lang="en-US" altLang="zh-CN" sz="2400" dirty="0" smtClean="0">
+              <a:rPr lang="en-US" altLang="zh-CN" sz="2400" smtClean="0">
                 <a:latin typeface="华文楷体" panose="02010600040101010101" pitchFamily="2" charset="-122"/>
                 <a:ea typeface="华文楷体" panose="02010600040101010101" pitchFamily="2" charset="-122"/>
               </a:rPr>
               <a:t>2</a:t>
             </a:r>
             <a:r>
-              <a:rPr lang="zh-CN" altLang="en-US" sz="2400" dirty="0" smtClean="0">
+              <a:rPr lang="zh-CN" altLang="en-US" sz="2400" smtClean="0">
                 <a:latin typeface="华文楷体" panose="02010600040101010101" pitchFamily="2" charset="-122"/>
                 <a:ea typeface="华文楷体" panose="02010600040101010101" pitchFamily="2" charset="-122"/>
               </a:rPr>
               <a:t>，</a:t>
             </a:r>
             <a:r>
-              <a:rPr lang="zh-CN" altLang="en-US" sz="2400" dirty="0">
+              <a:rPr lang="zh-CN" altLang="en-US" sz="2400">
                 <a:latin typeface="华文楷体" panose="02010600040101010101" pitchFamily="2" charset="-122"/>
                 <a:ea typeface="华文楷体" panose="02010600040101010101" pitchFamily="2" charset="-122"/>
               </a:rPr>
               <a:t>在工作中遇到的</a:t>
             </a:r>
             <a:r>
-              <a:rPr lang="en-US" altLang="zh-CN" sz="2400" dirty="0" err="1">
+              <a:rPr lang="en-US" altLang="zh-CN" sz="2400" err="1">
                 <a:latin typeface="华文楷体" panose="02010600040101010101" pitchFamily="2" charset="-122"/>
                 <a:ea typeface="华文楷体" panose="02010600040101010101" pitchFamily="2" charset="-122"/>
               </a:rPr>
               <a:t>sql</a:t>
             </a:r>
             <a:r>
-              <a:rPr lang="zh-CN" altLang="en-US" sz="2400" dirty="0">
+              <a:rPr lang="zh-CN" altLang="en-US" sz="2400">
                 <a:latin typeface="华文楷体" panose="02010600040101010101" pitchFamily="2" charset="-122"/>
                 <a:ea typeface="华文楷体" panose="02010600040101010101" pitchFamily="2" charset="-122"/>
               </a:rPr>
               <a:t>性能问题绝大部分是由于缺少索引或者不当索引导致</a:t>
             </a:r>
             <a:r>
-              <a:rPr lang="zh-CN" altLang="en-US" sz="2400" dirty="0" smtClean="0">
+              <a:rPr lang="zh-CN" altLang="en-US" sz="2400" smtClean="0">
                 <a:latin typeface="华文楷体" panose="02010600040101010101" pitchFamily="2" charset="-122"/>
                 <a:ea typeface="华文楷体" panose="02010600040101010101" pitchFamily="2" charset="-122"/>
               </a:rPr>
               <a:t>。</a:t>
             </a:r>
-            <a:endParaRPr lang="en-US" altLang="zh-CN" sz="2400" dirty="0" smtClean="0">
+            <a:endParaRPr lang="en-US" altLang="zh-CN" sz="2400" smtClean="0">
               <a:latin typeface="华文楷体" panose="02010600040101010101" pitchFamily="2" charset="-122"/>
               <a:ea typeface="华文楷体" panose="02010600040101010101" pitchFamily="2" charset="-122"/>
             </a:endParaRPr>
           </a:p>
           <a:p>
-            <a:endParaRPr lang="en-US" altLang="zh-CN" sz="2400" dirty="0">
+            <a:endParaRPr lang="en-US" altLang="zh-CN" sz="2400">
               <a:latin typeface="华文楷体" panose="02010600040101010101" pitchFamily="2" charset="-122"/>
               <a:ea typeface="华文楷体" panose="02010600040101010101" pitchFamily="2" charset="-122"/>
             </a:endParaRPr>
           </a:p>
           <a:p>
             <a:r>
-              <a:rPr lang="en-US" altLang="zh-CN" sz="2400" dirty="0">
+              <a:rPr lang="en-US" altLang="zh-CN" sz="2400">
                 <a:latin typeface="华文楷体" panose="02010600040101010101" pitchFamily="2" charset="-122"/>
                 <a:ea typeface="华文楷体" panose="02010600040101010101" pitchFamily="2" charset="-122"/>
               </a:rPr>
               <a:t>         </a:t>
             </a:r>
             <a:r>
-              <a:rPr lang="en-US" altLang="zh-CN" sz="2400" dirty="0" smtClean="0">
+              <a:rPr lang="en-US" altLang="zh-CN" sz="2400" smtClean="0">
                 <a:latin typeface="华文楷体" panose="02010600040101010101" pitchFamily="2" charset="-122"/>
                 <a:ea typeface="华文楷体" panose="02010600040101010101" pitchFamily="2" charset="-122"/>
               </a:rPr>
               <a:t>3</a:t>
             </a:r>
             <a:r>
-              <a:rPr lang="zh-CN" altLang="en-US" sz="2400" dirty="0" smtClean="0">
+              <a:rPr lang="zh-CN" altLang="en-US" sz="2400" smtClean="0">
                 <a:latin typeface="华文楷体" panose="02010600040101010101" pitchFamily="2" charset="-122"/>
                 <a:ea typeface="华文楷体" panose="02010600040101010101" pitchFamily="2" charset="-122"/>
               </a:rPr>
               <a:t>，</a:t>
             </a:r>
             <a:r>
-              <a:rPr lang="zh-CN" altLang="en-US" sz="2400" dirty="0">
+              <a:rPr lang="zh-CN" altLang="en-US" sz="2400">
                 <a:latin typeface="华文楷体" panose="02010600040101010101" pitchFamily="2" charset="-122"/>
                 <a:ea typeface="华文楷体" panose="02010600040101010101" pitchFamily="2" charset="-122"/>
               </a:rPr>
               <a:t>什么是索引</a:t>
             </a:r>
             <a:r>
-              <a:rPr lang="zh-CN" altLang="en-US" sz="2400" dirty="0" smtClean="0">
+              <a:rPr lang="zh-CN" altLang="en-US" sz="2400" smtClean="0">
                 <a:latin typeface="华文楷体" panose="02010600040101010101" pitchFamily="2" charset="-122"/>
                 <a:ea typeface="华文楷体" panose="02010600040101010101" pitchFamily="2" charset="-122"/>
               </a:rPr>
               <a:t>？</a:t>
             </a:r>
-            <a:endParaRPr lang="en-US" altLang="zh-CN" sz="2400" dirty="0" smtClean="0">
+            <a:endParaRPr lang="en-US" altLang="zh-CN" sz="2400" smtClean="0">
               <a:latin typeface="华文楷体" panose="02010600040101010101" pitchFamily="2" charset="-122"/>
               <a:ea typeface="华文楷体" panose="02010600040101010101" pitchFamily="2" charset="-122"/>
             </a:endParaRPr>
           </a:p>
           <a:p>
-            <a:endParaRPr lang="en-US" altLang="zh-CN" sz="2400" dirty="0">
+            <a:endParaRPr lang="en-US" altLang="zh-CN" sz="2400">
               <a:latin typeface="华文楷体" panose="02010600040101010101" pitchFamily="2" charset="-122"/>
               <a:ea typeface="华文楷体" panose="02010600040101010101" pitchFamily="2" charset="-122"/>
             </a:endParaRPr>
           </a:p>
           <a:p>
             <a:r>
-              <a:rPr lang="en-US" altLang="zh-CN" sz="2400" dirty="0">
+              <a:rPr lang="en-US" altLang="zh-CN" sz="2400">
                 <a:latin typeface="华文楷体" panose="02010600040101010101" pitchFamily="2" charset="-122"/>
                 <a:ea typeface="华文楷体" panose="02010600040101010101" pitchFamily="2" charset="-122"/>
               </a:rPr>
               <a:t>         </a:t>
             </a:r>
             <a:r>
-              <a:rPr lang="en-US" altLang="zh-CN" sz="2400" dirty="0" smtClean="0">
+              <a:rPr lang="en-US" altLang="zh-CN" sz="2400" smtClean="0">
                 <a:latin typeface="华文楷体" panose="02010600040101010101" pitchFamily="2" charset="-122"/>
                 <a:ea typeface="华文楷体" panose="02010600040101010101" pitchFamily="2" charset="-122"/>
               </a:rPr>
               <a:t>4</a:t>
             </a:r>
             <a:r>
-              <a:rPr lang="zh-CN" altLang="en-US" sz="2400" dirty="0" smtClean="0">
+              <a:rPr lang="zh-CN" altLang="en-US" sz="2400" smtClean="0">
                 <a:latin typeface="华文楷体" panose="02010600040101010101" pitchFamily="2" charset="-122"/>
                 <a:ea typeface="华文楷体" panose="02010600040101010101" pitchFamily="2" charset="-122"/>
               </a:rPr>
               <a:t>，</a:t>
             </a:r>
             <a:r>
-              <a:rPr lang="zh-CN" altLang="en-US" sz="2400" dirty="0">
+              <a:rPr lang="zh-CN" altLang="en-US" sz="2400">
                 <a:latin typeface="华文楷体" panose="02010600040101010101" pitchFamily="2" charset="-122"/>
                 <a:ea typeface="华文楷体" panose="02010600040101010101" pitchFamily="2" charset="-122"/>
               </a:rPr>
               <a:t>对于一张大表怎么进行索引创建</a:t>
             </a:r>
             <a:r>
-              <a:rPr lang="zh-CN" altLang="en-US" sz="2400" dirty="0" smtClean="0">
+              <a:rPr lang="zh-CN" altLang="en-US" sz="2400" smtClean="0">
                 <a:latin typeface="华文楷体" panose="02010600040101010101" pitchFamily="2" charset="-122"/>
                 <a:ea typeface="华文楷体" panose="02010600040101010101" pitchFamily="2" charset="-122"/>
               </a:rPr>
               <a:t>。</a:t>
             </a:r>
-            <a:endParaRPr lang="en-US" altLang="zh-CN" sz="2400" dirty="0" smtClean="0">
+            <a:endParaRPr lang="en-US" altLang="zh-CN" sz="2400" smtClean="0">
               <a:latin typeface="华文楷体" panose="02010600040101010101" pitchFamily="2" charset="-122"/>
               <a:ea typeface="华文楷体" panose="02010600040101010101" pitchFamily="2" charset="-122"/>
             </a:endParaRPr>
           </a:p>
           <a:p>
             <a:r>
-              <a:rPr lang="en-US" altLang="zh-CN" sz="2400" dirty="0">
+              <a:rPr lang="en-US" altLang="zh-CN" sz="2400">
                 <a:latin typeface="华文楷体" panose="02010600040101010101" pitchFamily="2" charset="-122"/>
                 <a:ea typeface="华文楷体" panose="02010600040101010101" pitchFamily="2" charset="-122"/>
               </a:rPr>
               <a:t> </a:t>
             </a:r>
             <a:r>
-              <a:rPr lang="en-US" altLang="zh-CN" sz="2400" dirty="0" smtClean="0">
+              <a:rPr lang="en-US" altLang="zh-CN" sz="2400" smtClean="0">
                 <a:latin typeface="华文楷体" panose="02010600040101010101" pitchFamily="2" charset="-122"/>
                 <a:ea typeface="华文楷体" panose="02010600040101010101" pitchFamily="2" charset="-122"/>
               </a:rPr>
               <a:t>        </a:t>
             </a:r>
-            <a:endParaRPr lang="en-US" altLang="zh-CN" sz="2400" dirty="0">
+            <a:endParaRPr lang="en-US" altLang="zh-CN" sz="2400">
               <a:latin typeface="华文楷体" panose="02010600040101010101" pitchFamily="2" charset="-122"/>
               <a:ea typeface="华文楷体" panose="02010600040101010101" pitchFamily="2" charset="-122"/>
             </a:endParaRPr>
           </a:p>
           <a:p>
             <a:r>
-              <a:rPr lang="en-US" altLang="zh-CN" sz="2400" dirty="0">
+              <a:rPr lang="en-US" altLang="zh-CN" sz="2400">
                 <a:latin typeface="华文楷体" panose="02010600040101010101" pitchFamily="2" charset="-122"/>
                 <a:ea typeface="华文楷体" panose="02010600040101010101" pitchFamily="2" charset="-122"/>
               </a:rPr>
@@ -14158,26 +14158,26 @@
           </a:p>
           <a:p>
             <a:r>
-              <a:rPr lang="en-US" altLang="zh-CN" sz="3200" dirty="0">
+              <a:rPr lang="en-US" altLang="zh-CN" sz="3200">
                 <a:latin typeface="华文楷体" panose="02010600040101010101" pitchFamily="2" charset="-122"/>
                 <a:ea typeface="华文楷体" panose="02010600040101010101" pitchFamily="2" charset="-122"/>
               </a:rPr>
               <a:t> </a:t>
             </a:r>
             <a:r>
-              <a:rPr lang="en-US" altLang="zh-CN" sz="3200" dirty="0" smtClean="0">
+              <a:rPr lang="en-US" altLang="zh-CN" sz="3200" smtClean="0">
                 <a:latin typeface="华文楷体" panose="02010600040101010101" pitchFamily="2" charset="-122"/>
                 <a:ea typeface="华文楷体" panose="02010600040101010101" pitchFamily="2" charset="-122"/>
               </a:rPr>
               <a:t>        </a:t>
             </a:r>
-            <a:endParaRPr lang="en-US" altLang="zh-CN" sz="3200" dirty="0">
+            <a:endParaRPr lang="en-US" altLang="zh-CN" sz="3200">
               <a:latin typeface="华文楷体" panose="02010600040101010101" pitchFamily="2" charset="-122"/>
               <a:ea typeface="华文楷体" panose="02010600040101010101" pitchFamily="2" charset="-122"/>
             </a:endParaRPr>
           </a:p>
           <a:p>
-            <a:endParaRPr lang="en-US" altLang="zh-CN" sz="3200" dirty="0" smtClean="0">
+            <a:endParaRPr lang="en-US" altLang="zh-CN" sz="3200" smtClean="0">
               <a:latin typeface="华文楷体" panose="02010600040101010101" pitchFamily="2" charset="-122"/>
               <a:ea typeface="华文楷体" panose="02010600040101010101" pitchFamily="2" charset="-122"/>
             </a:endParaRPr>
@@ -14187,7 +14187,7 @@
               <a:buFont typeface="Wingdings" panose="05000000000000000000" pitchFamily="2" charset="2"/>
               <a:buChar char="l"/>
             </a:pPr>
-            <a:endParaRPr lang="en-US" altLang="zh-CN" sz="3200" dirty="0" smtClean="0">
+            <a:endParaRPr lang="en-US" altLang="zh-CN" sz="3200" smtClean="0">
               <a:latin typeface="华文楷体" panose="02010600040101010101" pitchFamily="2" charset="-122"/>
               <a:ea typeface="华文楷体" panose="02010600040101010101" pitchFamily="2" charset="-122"/>
             </a:endParaRPr>
@@ -14327,27 +14327,27 @@
           <a:lstStyle/>
           <a:p>
             <a:r>
-              <a:rPr lang="zh-CN" altLang="en-US" sz="2400" dirty="0" smtClean="0">
+              <a:rPr lang="zh-CN" altLang="en-US" sz="2400" smtClean="0">
                 <a:latin typeface="华文楷体" panose="02010600040101010101" pitchFamily="2" charset="-122"/>
                 <a:ea typeface="华文楷体" panose="02010600040101010101" pitchFamily="2" charset="-122"/>
               </a:rPr>
               <a:t>怎样查看</a:t>
             </a:r>
             <a:r>
-              <a:rPr lang="en-US" altLang="zh-CN" sz="2400" dirty="0" err="1" smtClean="0">
+              <a:rPr lang="en-US" altLang="zh-CN" sz="2400" err="1" smtClean="0">
                 <a:latin typeface="华文楷体" panose="02010600040101010101" pitchFamily="2" charset="-122"/>
                 <a:ea typeface="华文楷体" panose="02010600040101010101" pitchFamily="2" charset="-122"/>
               </a:rPr>
               <a:t>mysql</a:t>
             </a:r>
             <a:r>
-              <a:rPr lang="zh-CN" altLang="en-US" sz="2400" dirty="0" smtClean="0">
+              <a:rPr lang="zh-CN" altLang="en-US" sz="2400" smtClean="0">
                 <a:latin typeface="华文楷体" panose="02010600040101010101" pitchFamily="2" charset="-122"/>
                 <a:ea typeface="华文楷体" panose="02010600040101010101" pitchFamily="2" charset="-122"/>
               </a:rPr>
               <a:t>的执行计划</a:t>
             </a:r>
-            <a:endParaRPr lang="en-US" altLang="zh-CN" sz="2400" dirty="0" smtClean="0">
+            <a:endParaRPr lang="en-US" altLang="zh-CN" sz="2400" smtClean="0">
               <a:latin typeface="华文楷体" panose="02010600040101010101" pitchFamily="2" charset="-122"/>
               <a:ea typeface="华文楷体" panose="02010600040101010101" pitchFamily="2" charset="-122"/>
             </a:endParaRPr>
@@ -14358,81 +14358,81 @@
               <a:buAutoNum type="arabicPeriod"/>
             </a:pPr>
             <a:r>
-              <a:rPr lang="zh-CN" altLang="en-US" sz="2400" dirty="0" smtClean="0">
+              <a:rPr lang="zh-CN" altLang="en-US" sz="2400" smtClean="0">
                 <a:latin typeface="华文楷体" panose="02010600040101010101" pitchFamily="2" charset="-122"/>
                 <a:ea typeface="华文楷体" panose="02010600040101010101" pitchFamily="2" charset="-122"/>
               </a:rPr>
               <a:t>最快捷的方法是使用</a:t>
             </a:r>
             <a:r>
-              <a:rPr lang="en-US" altLang="zh-CN" sz="2400" dirty="0" smtClean="0">
+              <a:rPr lang="en-US" altLang="zh-CN" sz="2400" smtClean="0">
                 <a:latin typeface="华文楷体" panose="02010600040101010101" pitchFamily="2" charset="-122"/>
                 <a:ea typeface="华文楷体" panose="02010600040101010101" pitchFamily="2" charset="-122"/>
               </a:rPr>
               <a:t>explain</a:t>
             </a:r>
-            <a:endParaRPr lang="en-US" altLang="zh-CN" sz="2400" dirty="0">
+            <a:endParaRPr lang="en-US" altLang="zh-CN" sz="2400">
               <a:latin typeface="华文楷体" panose="02010600040101010101" pitchFamily="2" charset="-122"/>
               <a:ea typeface="华文楷体" panose="02010600040101010101" pitchFamily="2" charset="-122"/>
             </a:endParaRPr>
           </a:p>
           <a:p>
-            <a:endParaRPr lang="en-US" altLang="zh-CN" sz="2400" dirty="0" smtClean="0">
+            <a:endParaRPr lang="en-US" altLang="zh-CN" sz="2400" smtClean="0">
               <a:latin typeface="华文楷体" panose="02010600040101010101" pitchFamily="2" charset="-122"/>
               <a:ea typeface="华文楷体" panose="02010600040101010101" pitchFamily="2" charset="-122"/>
             </a:endParaRPr>
           </a:p>
           <a:p>
             <a:r>
-              <a:rPr lang="en-US" altLang="zh-CN" sz="2400" dirty="0" smtClean="0">
+              <a:rPr lang="en-US" altLang="zh-CN" sz="2400" smtClean="0">
                 <a:latin typeface="华文楷体" panose="02010600040101010101" pitchFamily="2" charset="-122"/>
                 <a:ea typeface="华文楷体" panose="02010600040101010101" pitchFamily="2" charset="-122"/>
               </a:rPr>
               <a:t>2.    </a:t>
             </a:r>
             <a:r>
-              <a:rPr lang="zh-CN" altLang="en-US" sz="2400" dirty="0" smtClean="0">
+              <a:rPr lang="zh-CN" altLang="en-US" sz="2400" smtClean="0">
                 <a:latin typeface="华文楷体" panose="02010600040101010101" pitchFamily="2" charset="-122"/>
                 <a:ea typeface="华文楷体" panose="02010600040101010101" pitchFamily="2" charset="-122"/>
               </a:rPr>
               <a:t>使用</a:t>
             </a:r>
             <a:r>
-              <a:rPr lang="en-US" altLang="zh-CN" sz="2400" dirty="0" err="1" smtClean="0">
+              <a:rPr lang="en-US" altLang="zh-CN" sz="2400" err="1" smtClean="0">
                 <a:latin typeface="华文楷体" panose="02010600040101010101" pitchFamily="2" charset="-122"/>
                 <a:ea typeface="华文楷体" panose="02010600040101010101" pitchFamily="2" charset="-122"/>
               </a:rPr>
               <a:t>pt</a:t>
             </a:r>
             <a:r>
-              <a:rPr lang="en-US" altLang="zh-CN" sz="2400" dirty="0" smtClean="0">
+              <a:rPr lang="en-US" altLang="zh-CN" sz="2400" smtClean="0">
                 <a:latin typeface="华文楷体" panose="02010600040101010101" pitchFamily="2" charset="-122"/>
                 <a:ea typeface="华文楷体" panose="02010600040101010101" pitchFamily="2" charset="-122"/>
               </a:rPr>
               <a:t>-query-digest</a:t>
             </a:r>
             <a:r>
-              <a:rPr lang="zh-CN" altLang="en-US" sz="2400" dirty="0" smtClean="0">
+              <a:rPr lang="zh-CN" altLang="en-US" sz="2400" smtClean="0">
                 <a:latin typeface="华文楷体" panose="02010600040101010101" pitchFamily="2" charset="-122"/>
                 <a:ea typeface="华文楷体" panose="02010600040101010101" pitchFamily="2" charset="-122"/>
               </a:rPr>
               <a:t>进行分析</a:t>
             </a:r>
             <a:r>
-              <a:rPr lang="en-US" altLang="zh-CN" sz="2400" dirty="0" smtClean="0">
+              <a:rPr lang="en-US" altLang="zh-CN" sz="2400" smtClean="0">
                 <a:latin typeface="华文楷体" panose="02010600040101010101" pitchFamily="2" charset="-122"/>
                 <a:ea typeface="华文楷体" panose="02010600040101010101" pitchFamily="2" charset="-122"/>
               </a:rPr>
               <a:t>         </a:t>
             </a:r>
-            <a:endParaRPr lang="en-US" altLang="zh-CN" sz="2400" dirty="0">
+            <a:endParaRPr lang="en-US" altLang="zh-CN" sz="2400">
               <a:latin typeface="华文楷体" panose="02010600040101010101" pitchFamily="2" charset="-122"/>
               <a:ea typeface="华文楷体" panose="02010600040101010101" pitchFamily="2" charset="-122"/>
             </a:endParaRPr>
           </a:p>
           <a:p>
             <a:r>
-              <a:rPr lang="en-US" altLang="zh-CN" sz="2400" dirty="0">
+              <a:rPr lang="en-US" altLang="zh-CN" sz="2400">
                 <a:latin typeface="华文楷体" panose="02010600040101010101" pitchFamily="2" charset="-122"/>
                 <a:ea typeface="华文楷体" panose="02010600040101010101" pitchFamily="2" charset="-122"/>
               </a:rPr>
@@ -14441,26 +14441,26 @@
           </a:p>
           <a:p>
             <a:r>
-              <a:rPr lang="en-US" altLang="zh-CN" sz="3200" dirty="0">
+              <a:rPr lang="en-US" altLang="zh-CN" sz="3200">
                 <a:latin typeface="华文楷体" panose="02010600040101010101" pitchFamily="2" charset="-122"/>
                 <a:ea typeface="华文楷体" panose="02010600040101010101" pitchFamily="2" charset="-122"/>
               </a:rPr>
               <a:t> </a:t>
             </a:r>
             <a:r>
-              <a:rPr lang="en-US" altLang="zh-CN" sz="3200" dirty="0" smtClean="0">
+              <a:rPr lang="en-US" altLang="zh-CN" sz="3200" smtClean="0">
                 <a:latin typeface="华文楷体" panose="02010600040101010101" pitchFamily="2" charset="-122"/>
                 <a:ea typeface="华文楷体" panose="02010600040101010101" pitchFamily="2" charset="-122"/>
               </a:rPr>
               <a:t>        </a:t>
             </a:r>
-            <a:endParaRPr lang="en-US" altLang="zh-CN" sz="3200" dirty="0">
+            <a:endParaRPr lang="en-US" altLang="zh-CN" sz="3200">
               <a:latin typeface="华文楷体" panose="02010600040101010101" pitchFamily="2" charset="-122"/>
               <a:ea typeface="华文楷体" panose="02010600040101010101" pitchFamily="2" charset="-122"/>
             </a:endParaRPr>
           </a:p>
           <a:p>
-            <a:endParaRPr lang="en-US" altLang="zh-CN" sz="3200" dirty="0" smtClean="0">
+            <a:endParaRPr lang="en-US" altLang="zh-CN" sz="3200" smtClean="0">
               <a:latin typeface="华文楷体" panose="02010600040101010101" pitchFamily="2" charset="-122"/>
               <a:ea typeface="华文楷体" panose="02010600040101010101" pitchFamily="2" charset="-122"/>
             </a:endParaRPr>
@@ -14470,7 +14470,7 @@
               <a:buFont typeface="Wingdings" panose="05000000000000000000" pitchFamily="2" charset="2"/>
               <a:buChar char="l"/>
             </a:pPr>
-            <a:endParaRPr lang="en-US" altLang="zh-CN" sz="3200" dirty="0" smtClean="0">
+            <a:endParaRPr lang="en-US" altLang="zh-CN" sz="3200" smtClean="0">
               <a:latin typeface="华文楷体" panose="02010600040101010101" pitchFamily="2" charset="-122"/>
               <a:ea typeface="华文楷体" panose="02010600040101010101" pitchFamily="2" charset="-122"/>
             </a:endParaRPr>
@@ -14610,58 +14610,58 @@
           <a:lstStyle/>
           <a:p>
             <a:r>
-              <a:rPr lang="zh-CN" altLang="en-US" sz="3200" dirty="0" smtClean="0">
+              <a:rPr lang="zh-CN" altLang="en-US" sz="3200" smtClean="0">
                 <a:latin typeface="华文楷体" panose="02010600040101010101" pitchFamily="2" charset="-122"/>
                 <a:ea typeface="华文楷体" panose="02010600040101010101" pitchFamily="2" charset="-122"/>
               </a:rPr>
               <a:t>索引和字段选择性：</a:t>
             </a:r>
-            <a:endParaRPr lang="en-US" altLang="zh-CN" sz="3200" dirty="0" smtClean="0">
+            <a:endParaRPr lang="en-US" altLang="zh-CN" sz="3200" smtClean="0">
               <a:latin typeface="华文楷体" panose="02010600040101010101" pitchFamily="2" charset="-122"/>
               <a:ea typeface="华文楷体" panose="02010600040101010101" pitchFamily="2" charset="-122"/>
             </a:endParaRPr>
           </a:p>
           <a:p>
-            <a:endParaRPr lang="en-US" altLang="zh-CN" sz="3200" dirty="0" smtClean="0">
+            <a:endParaRPr lang="en-US" altLang="zh-CN" sz="3200" smtClean="0">
               <a:latin typeface="华文楷体" panose="02010600040101010101" pitchFamily="2" charset="-122"/>
               <a:ea typeface="华文楷体" panose="02010600040101010101" pitchFamily="2" charset="-122"/>
             </a:endParaRPr>
           </a:p>
           <a:p>
             <a:r>
-              <a:rPr lang="zh-CN" altLang="en-US" sz="2400" dirty="0" smtClean="0">
+              <a:rPr lang="zh-CN" altLang="en-US" sz="2400" smtClean="0">
                 <a:latin typeface="华文楷体" panose="02010600040101010101" pitchFamily="2" charset="-122"/>
                 <a:ea typeface="华文楷体" panose="02010600040101010101" pitchFamily="2" charset="-122"/>
               </a:rPr>
               <a:t>选择性较差的字段通常不适合创建单列索引</a:t>
             </a:r>
-            <a:endParaRPr lang="en-US" altLang="zh-CN" sz="2400" dirty="0" smtClean="0">
+            <a:endParaRPr lang="en-US" altLang="zh-CN" sz="2400" smtClean="0">
               <a:latin typeface="华文楷体" panose="02010600040101010101" pitchFamily="2" charset="-122"/>
               <a:ea typeface="华文楷体" panose="02010600040101010101" pitchFamily="2" charset="-122"/>
             </a:endParaRPr>
           </a:p>
           <a:p>
-            <a:endParaRPr lang="en-US" altLang="zh-CN" sz="2400" dirty="0">
+            <a:endParaRPr lang="en-US" altLang="zh-CN" sz="2400">
               <a:latin typeface="华文楷体" panose="02010600040101010101" pitchFamily="2" charset="-122"/>
               <a:ea typeface="华文楷体" panose="02010600040101010101" pitchFamily="2" charset="-122"/>
             </a:endParaRPr>
           </a:p>
           <a:p>
             <a:r>
-              <a:rPr lang="zh-CN" altLang="en-US" sz="2400" dirty="0" smtClean="0">
+              <a:rPr lang="zh-CN" altLang="en-US" sz="2400" smtClean="0">
                 <a:latin typeface="华文楷体" panose="02010600040101010101" pitchFamily="2" charset="-122"/>
                 <a:ea typeface="华文楷体" panose="02010600040101010101" pitchFamily="2" charset="-122"/>
               </a:rPr>
               <a:t>联合索引中选择性较好的字段应该排在前面</a:t>
             </a:r>
-            <a:endParaRPr lang="en-US" altLang="zh-CN" sz="2400" dirty="0" smtClean="0">
+            <a:endParaRPr lang="en-US" altLang="zh-CN" sz="2400" smtClean="0">
               <a:latin typeface="华文楷体" panose="02010600040101010101" pitchFamily="2" charset="-122"/>
               <a:ea typeface="华文楷体" panose="02010600040101010101" pitchFamily="2" charset="-122"/>
             </a:endParaRPr>
           </a:p>
           <a:p>
             <a:r>
-              <a:rPr lang="en-US" altLang="zh-CN" sz="3200" dirty="0" smtClean="0">
+              <a:rPr lang="en-US" altLang="zh-CN" sz="3200" smtClean="0">
                 <a:latin typeface="华文楷体" panose="02010600040101010101" pitchFamily="2" charset="-122"/>
                 <a:ea typeface="华文楷体" panose="02010600040101010101" pitchFamily="2" charset="-122"/>
               </a:rPr>
@@ -14670,26 +14670,26 @@
           </a:p>
           <a:p>
             <a:r>
-              <a:rPr lang="en-US" altLang="zh-CN" sz="3200" dirty="0">
+              <a:rPr lang="en-US" altLang="zh-CN" sz="3200">
                 <a:latin typeface="华文楷体" panose="02010600040101010101" pitchFamily="2" charset="-122"/>
                 <a:ea typeface="华文楷体" panose="02010600040101010101" pitchFamily="2" charset="-122"/>
               </a:rPr>
               <a:t> </a:t>
             </a:r>
             <a:r>
-              <a:rPr lang="en-US" altLang="zh-CN" sz="3200" dirty="0" smtClean="0">
+              <a:rPr lang="en-US" altLang="zh-CN" sz="3200" smtClean="0">
                 <a:latin typeface="华文楷体" panose="02010600040101010101" pitchFamily="2" charset="-122"/>
                 <a:ea typeface="华文楷体" panose="02010600040101010101" pitchFamily="2" charset="-122"/>
               </a:rPr>
               <a:t>        </a:t>
             </a:r>
-            <a:endParaRPr lang="en-US" altLang="zh-CN" sz="3200" dirty="0">
+            <a:endParaRPr lang="en-US" altLang="zh-CN" sz="3200">
               <a:latin typeface="华文楷体" panose="02010600040101010101" pitchFamily="2" charset="-122"/>
               <a:ea typeface="华文楷体" panose="02010600040101010101" pitchFamily="2" charset="-122"/>
             </a:endParaRPr>
           </a:p>
           <a:p>
-            <a:endParaRPr lang="en-US" altLang="zh-CN" sz="3200" dirty="0" smtClean="0">
+            <a:endParaRPr lang="en-US" altLang="zh-CN" sz="3200" smtClean="0">
               <a:latin typeface="华文楷体" panose="02010600040101010101" pitchFamily="2" charset="-122"/>
               <a:ea typeface="华文楷体" panose="02010600040101010101" pitchFamily="2" charset="-122"/>
             </a:endParaRPr>
@@ -14699,7 +14699,7 @@
               <a:buFont typeface="Wingdings" panose="05000000000000000000" pitchFamily="2" charset="2"/>
               <a:buChar char="l"/>
             </a:pPr>
-            <a:endParaRPr lang="en-US" altLang="zh-CN" sz="3200" dirty="0" smtClean="0">
+            <a:endParaRPr lang="en-US" altLang="zh-CN" sz="3200" smtClean="0">
               <a:latin typeface="华文楷体" panose="02010600040101010101" pitchFamily="2" charset="-122"/>
               <a:ea typeface="华文楷体" panose="02010600040101010101" pitchFamily="2" charset="-122"/>
             </a:endParaRPr>
@@ -14839,45 +14839,45 @@
           <a:lstStyle/>
           <a:p>
             <a:r>
-              <a:rPr lang="zh-CN" altLang="en-US" sz="3200" dirty="0" smtClean="0">
+              <a:rPr lang="zh-CN" altLang="en-US" sz="3200" smtClean="0">
                 <a:latin typeface="华文楷体" panose="02010600040101010101" pitchFamily="2" charset="-122"/>
                 <a:ea typeface="华文楷体" panose="02010600040101010101" pitchFamily="2" charset="-122"/>
               </a:rPr>
               <a:t>如何建立高效索引：</a:t>
             </a:r>
-            <a:endParaRPr lang="en-US" altLang="zh-CN" sz="3200" dirty="0" smtClean="0">
+            <a:endParaRPr lang="en-US" altLang="zh-CN" sz="3200" smtClean="0">
               <a:latin typeface="华文楷体" panose="02010600040101010101" pitchFamily="2" charset="-122"/>
               <a:ea typeface="华文楷体" panose="02010600040101010101" pitchFamily="2" charset="-122"/>
             </a:endParaRPr>
           </a:p>
           <a:p>
-            <a:endParaRPr lang="en-US" altLang="zh-CN" sz="3200" dirty="0" smtClean="0">
+            <a:endParaRPr lang="en-US" altLang="zh-CN" sz="3200" smtClean="0">
               <a:latin typeface="华文楷体" panose="02010600040101010101" pitchFamily="2" charset="-122"/>
               <a:ea typeface="华文楷体" panose="02010600040101010101" pitchFamily="2" charset="-122"/>
             </a:endParaRPr>
           </a:p>
           <a:p>
             <a:r>
-              <a:rPr lang="zh-CN" altLang="en-US" sz="2400" dirty="0" smtClean="0">
+              <a:rPr lang="zh-CN" altLang="en-US" sz="2400" smtClean="0">
                 <a:latin typeface="华文楷体" panose="02010600040101010101" pitchFamily="2" charset="-122"/>
                 <a:ea typeface="华文楷体" panose="02010600040101010101" pitchFamily="2" charset="-122"/>
               </a:rPr>
               <a:t>使用已有索引的情况：</a:t>
             </a:r>
-            <a:endParaRPr lang="en-US" altLang="zh-CN" sz="2400" dirty="0" smtClean="0">
+            <a:endParaRPr lang="en-US" altLang="zh-CN" sz="2400" smtClean="0">
               <a:latin typeface="华文楷体" panose="02010600040101010101" pitchFamily="2" charset="-122"/>
               <a:ea typeface="华文楷体" panose="02010600040101010101" pitchFamily="2" charset="-122"/>
             </a:endParaRPr>
           </a:p>
           <a:p>
-            <a:endParaRPr lang="en-US" altLang="zh-CN" sz="2400" dirty="0">
+            <a:endParaRPr lang="en-US" altLang="zh-CN" sz="2400">
               <a:latin typeface="华文楷体" panose="02010600040101010101" pitchFamily="2" charset="-122"/>
               <a:ea typeface="华文楷体" panose="02010600040101010101" pitchFamily="2" charset="-122"/>
             </a:endParaRPr>
           </a:p>
           <a:p>
             <a:r>
-              <a:rPr lang="en-US" altLang="zh-CN" sz="3200" dirty="0" smtClean="0">
+              <a:rPr lang="en-US" altLang="zh-CN" sz="3200" smtClean="0">
                 <a:latin typeface="华文楷体" panose="02010600040101010101" pitchFamily="2" charset="-122"/>
                 <a:ea typeface="华文楷体" panose="02010600040101010101" pitchFamily="2" charset="-122"/>
               </a:rPr>
@@ -14886,26 +14886,26 @@
           </a:p>
           <a:p>
             <a:r>
-              <a:rPr lang="en-US" altLang="zh-CN" sz="3200" dirty="0">
+              <a:rPr lang="en-US" altLang="zh-CN" sz="3200">
                 <a:latin typeface="华文楷体" panose="02010600040101010101" pitchFamily="2" charset="-122"/>
                 <a:ea typeface="华文楷体" panose="02010600040101010101" pitchFamily="2" charset="-122"/>
               </a:rPr>
               <a:t> </a:t>
             </a:r>
             <a:r>
-              <a:rPr lang="en-US" altLang="zh-CN" sz="3200" dirty="0" smtClean="0">
+              <a:rPr lang="en-US" altLang="zh-CN" sz="3200" smtClean="0">
                 <a:latin typeface="华文楷体" panose="02010600040101010101" pitchFamily="2" charset="-122"/>
                 <a:ea typeface="华文楷体" panose="02010600040101010101" pitchFamily="2" charset="-122"/>
               </a:rPr>
               <a:t>        </a:t>
             </a:r>
-            <a:endParaRPr lang="en-US" altLang="zh-CN" sz="3200" dirty="0">
+            <a:endParaRPr lang="en-US" altLang="zh-CN" sz="3200">
               <a:latin typeface="华文楷体" panose="02010600040101010101" pitchFamily="2" charset="-122"/>
               <a:ea typeface="华文楷体" panose="02010600040101010101" pitchFamily="2" charset="-122"/>
             </a:endParaRPr>
           </a:p>
           <a:p>
-            <a:endParaRPr lang="en-US" altLang="zh-CN" sz="3200" dirty="0" smtClean="0">
+            <a:endParaRPr lang="en-US" altLang="zh-CN" sz="3200" smtClean="0">
               <a:latin typeface="华文楷体" panose="02010600040101010101" pitchFamily="2" charset="-122"/>
               <a:ea typeface="华文楷体" panose="02010600040101010101" pitchFamily="2" charset="-122"/>
             </a:endParaRPr>
@@ -14915,7 +14915,7 @@
               <a:buFont typeface="Wingdings" panose="05000000000000000000" pitchFamily="2" charset="2"/>
               <a:buChar char="l"/>
             </a:pPr>
-            <a:endParaRPr lang="en-US" altLang="zh-CN" sz="3200" dirty="0" smtClean="0">
+            <a:endParaRPr lang="en-US" altLang="zh-CN" sz="3200" smtClean="0">
               <a:latin typeface="华文楷体" panose="02010600040101010101" pitchFamily="2" charset="-122"/>
               <a:ea typeface="华文楷体" panose="02010600040101010101" pitchFamily="2" charset="-122"/>
             </a:endParaRPr>

--- a/数据库演示.pptx
+++ b/数据库演示.pptx
@@ -5,7 +5,7 @@
     <p:sldMasterId id="2147483724" r:id="rId1"/>
   </p:sldMasterIdLst>
   <p:notesMasterIdLst>
-    <p:notesMasterId r:id="rId20"/>
+    <p:notesMasterId r:id="rId22"/>
   </p:notesMasterIdLst>
   <p:sldIdLst>
     <p:sldId id="256" r:id="rId2"/>
@@ -15,17 +15,19 @@
     <p:sldId id="269" r:id="rId6"/>
     <p:sldId id="259" r:id="rId7"/>
     <p:sldId id="270" r:id="rId8"/>
-    <p:sldId id="260" r:id="rId9"/>
-    <p:sldId id="261" r:id="rId10"/>
-    <p:sldId id="262" r:id="rId11"/>
-    <p:sldId id="263" r:id="rId12"/>
-    <p:sldId id="264" r:id="rId13"/>
-    <p:sldId id="265" r:id="rId14"/>
-    <p:sldId id="266" r:id="rId15"/>
-    <p:sldId id="267" r:id="rId16"/>
-    <p:sldId id="271" r:id="rId17"/>
-    <p:sldId id="272" r:id="rId18"/>
-    <p:sldId id="273" r:id="rId19"/>
+    <p:sldId id="274" r:id="rId9"/>
+    <p:sldId id="275" r:id="rId10"/>
+    <p:sldId id="260" r:id="rId11"/>
+    <p:sldId id="261" r:id="rId12"/>
+    <p:sldId id="262" r:id="rId13"/>
+    <p:sldId id="263" r:id="rId14"/>
+    <p:sldId id="264" r:id="rId15"/>
+    <p:sldId id="265" r:id="rId16"/>
+    <p:sldId id="266" r:id="rId17"/>
+    <p:sldId id="267" r:id="rId18"/>
+    <p:sldId id="271" r:id="rId19"/>
+    <p:sldId id="272" r:id="rId20"/>
+    <p:sldId id="273" r:id="rId21"/>
   </p:sldIdLst>
   <p:sldSz cx="12192000" cy="6858000"/>
   <p:notesSz cx="6858000" cy="9144000"/>
@@ -640,7 +642,7 @@
     </p:spTree>
     <p:extLst>
       <p:ext uri="{BB962C8B-B14F-4D97-AF65-F5344CB8AC3E}">
-        <p14:creationId xmlns:p14="http://schemas.microsoft.com/office/powerpoint/2010/main" val="2995745626"/>
+        <p14:creationId xmlns:p14="http://schemas.microsoft.com/office/powerpoint/2010/main" val="3990835213"/>
       </p:ext>
     </p:extLst>
   </p:cSld>
@@ -724,7 +726,7 @@
     </p:spTree>
     <p:extLst>
       <p:ext uri="{BB962C8B-B14F-4D97-AF65-F5344CB8AC3E}">
-        <p14:creationId xmlns:p14="http://schemas.microsoft.com/office/powerpoint/2010/main" val="269709204"/>
+        <p14:creationId xmlns:p14="http://schemas.microsoft.com/office/powerpoint/2010/main" val="2544820059"/>
       </p:ext>
     </p:extLst>
   </p:cSld>
@@ -808,7 +810,7 @@
     </p:spTree>
     <p:extLst>
       <p:ext uri="{BB962C8B-B14F-4D97-AF65-F5344CB8AC3E}">
-        <p14:creationId xmlns:p14="http://schemas.microsoft.com/office/powerpoint/2010/main" val="4091073213"/>
+        <p14:creationId xmlns:p14="http://schemas.microsoft.com/office/powerpoint/2010/main" val="2995745626"/>
       </p:ext>
     </p:extLst>
   </p:cSld>
@@ -892,7 +894,7 @@
     </p:spTree>
     <p:extLst>
       <p:ext uri="{BB962C8B-B14F-4D97-AF65-F5344CB8AC3E}">
-        <p14:creationId xmlns:p14="http://schemas.microsoft.com/office/powerpoint/2010/main" val="4123835679"/>
+        <p14:creationId xmlns:p14="http://schemas.microsoft.com/office/powerpoint/2010/main" val="269709204"/>
       </p:ext>
     </p:extLst>
   </p:cSld>
@@ -976,7 +978,7 @@
     </p:spTree>
     <p:extLst>
       <p:ext uri="{BB962C8B-B14F-4D97-AF65-F5344CB8AC3E}">
-        <p14:creationId xmlns:p14="http://schemas.microsoft.com/office/powerpoint/2010/main" val="3306419338"/>
+        <p14:creationId xmlns:p14="http://schemas.microsoft.com/office/powerpoint/2010/main" val="4091073213"/>
       </p:ext>
     </p:extLst>
   </p:cSld>
@@ -1060,7 +1062,7 @@
     </p:spTree>
     <p:extLst>
       <p:ext uri="{BB962C8B-B14F-4D97-AF65-F5344CB8AC3E}">
-        <p14:creationId xmlns:p14="http://schemas.microsoft.com/office/powerpoint/2010/main" val="2678840898"/>
+        <p14:creationId xmlns:p14="http://schemas.microsoft.com/office/powerpoint/2010/main" val="4123835679"/>
       </p:ext>
     </p:extLst>
   </p:cSld>
@@ -1144,7 +1146,7 @@
     </p:spTree>
     <p:extLst>
       <p:ext uri="{BB962C8B-B14F-4D97-AF65-F5344CB8AC3E}">
-        <p14:creationId xmlns:p14="http://schemas.microsoft.com/office/powerpoint/2010/main" val="684197743"/>
+        <p14:creationId xmlns:p14="http://schemas.microsoft.com/office/powerpoint/2010/main" val="3306419338"/>
       </p:ext>
     </p:extLst>
   </p:cSld>
@@ -1220,6 +1222,174 @@
             <a:fld id="{4381ABC3-B330-4E97-8F0E-DDDF5440CD1F}" type="slidenum">
               <a:rPr lang="zh-CN" altLang="en-US" smtClean="0"/>
               <a:t>18</a:t>
+            </a:fld>
+            <a:endParaRPr lang="zh-CN" altLang="en-US"/>
+          </a:p>
+        </p:txBody>
+      </p:sp>
+    </p:spTree>
+    <p:extLst>
+      <p:ext uri="{BB962C8B-B14F-4D97-AF65-F5344CB8AC3E}">
+        <p14:creationId xmlns:p14="http://schemas.microsoft.com/office/powerpoint/2010/main" val="2678840898"/>
+      </p:ext>
+    </p:extLst>
+  </p:cSld>
+  <p:clrMapOvr>
+    <a:masterClrMapping/>
+  </p:clrMapOvr>
+</p:notes>
+</file>
+
+<file path=ppt/notesSlides/notesSlide18.xml><?xml version="1.0" encoding="utf-8"?>
+<p:notes xmlns:a="http://schemas.openxmlformats.org/drawingml/2006/main" xmlns:r="http://schemas.openxmlformats.org/officeDocument/2006/relationships" xmlns:p="http://schemas.openxmlformats.org/presentationml/2006/main">
+  <p:cSld>
+    <p:spTree>
+      <p:nvGrpSpPr>
+        <p:cNvPr id="1" name=""/>
+        <p:cNvGrpSpPr/>
+        <p:nvPr/>
+      </p:nvGrpSpPr>
+      <p:grpSpPr>
+        <a:xfrm>
+          <a:off x="0" y="0"/>
+          <a:ext cx="0" cy="0"/>
+          <a:chOff x="0" y="0"/>
+          <a:chExt cx="0" cy="0"/>
+        </a:xfrm>
+      </p:grpSpPr>
+      <p:sp>
+        <p:nvSpPr>
+          <p:cNvPr id="2" name="幻灯片图像占位符 1"/>
+          <p:cNvSpPr>
+            <a:spLocks noGrp="1" noRot="1" noChangeAspect="1"/>
+          </p:cNvSpPr>
+          <p:nvPr>
+            <p:ph type="sldImg"/>
+          </p:nvPr>
+        </p:nvSpPr>
+        <p:spPr/>
+      </p:sp>
+      <p:sp>
+        <p:nvSpPr>
+          <p:cNvPr id="3" name="备注占位符 2"/>
+          <p:cNvSpPr>
+            <a:spLocks noGrp="1"/>
+          </p:cNvSpPr>
+          <p:nvPr>
+            <p:ph type="body" idx="1"/>
+          </p:nvPr>
+        </p:nvSpPr>
+        <p:spPr/>
+        <p:txBody>
+          <a:bodyPr/>
+          <a:lstStyle/>
+          <a:p>
+            <a:endParaRPr lang="zh-CN" altLang="en-US"/>
+          </a:p>
+        </p:txBody>
+      </p:sp>
+      <p:sp>
+        <p:nvSpPr>
+          <p:cNvPr id="4" name="灯片编号占位符 3"/>
+          <p:cNvSpPr>
+            <a:spLocks noGrp="1"/>
+          </p:cNvSpPr>
+          <p:nvPr>
+            <p:ph type="sldNum" sz="quarter" idx="10"/>
+          </p:nvPr>
+        </p:nvSpPr>
+        <p:spPr/>
+        <p:txBody>
+          <a:bodyPr/>
+          <a:lstStyle/>
+          <a:p>
+            <a:fld id="{4381ABC3-B330-4E97-8F0E-DDDF5440CD1F}" type="slidenum">
+              <a:rPr lang="zh-CN" altLang="en-US" smtClean="0"/>
+              <a:t>19</a:t>
+            </a:fld>
+            <a:endParaRPr lang="zh-CN" altLang="en-US"/>
+          </a:p>
+        </p:txBody>
+      </p:sp>
+    </p:spTree>
+    <p:extLst>
+      <p:ext uri="{BB962C8B-B14F-4D97-AF65-F5344CB8AC3E}">
+        <p14:creationId xmlns:p14="http://schemas.microsoft.com/office/powerpoint/2010/main" val="684197743"/>
+      </p:ext>
+    </p:extLst>
+  </p:cSld>
+  <p:clrMapOvr>
+    <a:masterClrMapping/>
+  </p:clrMapOvr>
+</p:notes>
+</file>
+
+<file path=ppt/notesSlides/notesSlide19.xml><?xml version="1.0" encoding="utf-8"?>
+<p:notes xmlns:a="http://schemas.openxmlformats.org/drawingml/2006/main" xmlns:r="http://schemas.openxmlformats.org/officeDocument/2006/relationships" xmlns:p="http://schemas.openxmlformats.org/presentationml/2006/main">
+  <p:cSld>
+    <p:spTree>
+      <p:nvGrpSpPr>
+        <p:cNvPr id="1" name=""/>
+        <p:cNvGrpSpPr/>
+        <p:nvPr/>
+      </p:nvGrpSpPr>
+      <p:grpSpPr>
+        <a:xfrm>
+          <a:off x="0" y="0"/>
+          <a:ext cx="0" cy="0"/>
+          <a:chOff x="0" y="0"/>
+          <a:chExt cx="0" cy="0"/>
+        </a:xfrm>
+      </p:grpSpPr>
+      <p:sp>
+        <p:nvSpPr>
+          <p:cNvPr id="2" name="幻灯片图像占位符 1"/>
+          <p:cNvSpPr>
+            <a:spLocks noGrp="1" noRot="1" noChangeAspect="1"/>
+          </p:cNvSpPr>
+          <p:nvPr>
+            <p:ph type="sldImg"/>
+          </p:nvPr>
+        </p:nvSpPr>
+        <p:spPr/>
+      </p:sp>
+      <p:sp>
+        <p:nvSpPr>
+          <p:cNvPr id="3" name="备注占位符 2"/>
+          <p:cNvSpPr>
+            <a:spLocks noGrp="1"/>
+          </p:cNvSpPr>
+          <p:nvPr>
+            <p:ph type="body" idx="1"/>
+          </p:nvPr>
+        </p:nvSpPr>
+        <p:spPr/>
+        <p:txBody>
+          <a:bodyPr/>
+          <a:lstStyle/>
+          <a:p>
+            <a:endParaRPr lang="zh-CN" altLang="en-US"/>
+          </a:p>
+        </p:txBody>
+      </p:sp>
+      <p:sp>
+        <p:nvSpPr>
+          <p:cNvPr id="4" name="灯片编号占位符 3"/>
+          <p:cNvSpPr>
+            <a:spLocks noGrp="1"/>
+          </p:cNvSpPr>
+          <p:nvPr>
+            <p:ph type="sldNum" sz="quarter" idx="10"/>
+          </p:nvPr>
+        </p:nvSpPr>
+        <p:spPr/>
+        <p:txBody>
+          <a:bodyPr/>
+          <a:lstStyle/>
+          <a:p>
+            <a:fld id="{4381ABC3-B330-4E97-8F0E-DDDF5440CD1F}" type="slidenum">
+              <a:rPr lang="zh-CN" altLang="en-US" smtClean="0"/>
+              <a:t>20</a:t>
             </a:fld>
             <a:endParaRPr lang="zh-CN" altLang="en-US"/>
           </a:p>
@@ -1732,7 +1902,7 @@
     </p:spTree>
     <p:extLst>
       <p:ext uri="{BB962C8B-B14F-4D97-AF65-F5344CB8AC3E}">
-        <p14:creationId xmlns:p14="http://schemas.microsoft.com/office/powerpoint/2010/main" val="3532474488"/>
+        <p14:creationId xmlns:p14="http://schemas.microsoft.com/office/powerpoint/2010/main" val="931444358"/>
       </p:ext>
     </p:extLst>
   </p:cSld>
@@ -1816,7 +1986,7 @@
     </p:spTree>
     <p:extLst>
       <p:ext uri="{BB962C8B-B14F-4D97-AF65-F5344CB8AC3E}">
-        <p14:creationId xmlns:p14="http://schemas.microsoft.com/office/powerpoint/2010/main" val="3990835213"/>
+        <p14:creationId xmlns:p14="http://schemas.microsoft.com/office/powerpoint/2010/main" val="4144752090"/>
       </p:ext>
     </p:extLst>
   </p:cSld>
@@ -1900,7 +2070,7 @@
     </p:spTree>
     <p:extLst>
       <p:ext uri="{BB962C8B-B14F-4D97-AF65-F5344CB8AC3E}">
-        <p14:creationId xmlns:p14="http://schemas.microsoft.com/office/powerpoint/2010/main" val="2544820059"/>
+        <p14:creationId xmlns:p14="http://schemas.microsoft.com/office/powerpoint/2010/main" val="3532474488"/>
       </p:ext>
     </p:extLst>
   </p:cSld>
@@ -7905,8 +8075,8 @@
         </p:nvSpPr>
         <p:spPr>
           <a:xfrm>
-            <a:off x="610954" y="551405"/>
-            <a:ext cx="11449982" cy="7478970"/>
+            <a:off x="537802" y="551405"/>
+            <a:ext cx="11449982" cy="4154984"/>
           </a:xfrm>
           <a:prstGeom prst="rect">
             <a:avLst/>
@@ -7924,7 +8094,7 @@
                 <a:latin typeface="华文楷体" panose="02010600040101010101" pitchFamily="2" charset="-122"/>
                 <a:ea typeface="华文楷体" panose="02010600040101010101" pitchFamily="2" charset="-122"/>
               </a:rPr>
-              <a:t>如何建立高效索引：</a:t>
+              <a:t>索引和字段选择性：</a:t>
             </a:r>
             <a:endParaRPr lang="en-US" altLang="zh-CN" sz="3200" smtClean="0">
               <a:latin typeface="华文楷体" panose="02010600040101010101" pitchFamily="2" charset="-122"/>
@@ -7943,7 +8113,7 @@
                 <a:latin typeface="华文楷体" panose="02010600040101010101" pitchFamily="2" charset="-122"/>
                 <a:ea typeface="华文楷体" panose="02010600040101010101" pitchFamily="2" charset="-122"/>
               </a:rPr>
-              <a:t>不使用已有索引的情况：</a:t>
+              <a:t>选择性较差的字段通常不适合创建单列索引</a:t>
             </a:r>
             <a:endParaRPr lang="en-US" altLang="zh-CN" sz="2400" smtClean="0">
               <a:latin typeface="华文楷体" panose="02010600040101010101" pitchFamily="2" charset="-122"/>
@@ -7957,184 +8127,14 @@
             </a:endParaRPr>
           </a:p>
           <a:p>
-            <a:pPr marL="457200" indent="-457200">
-              <a:buFont typeface="+mj-lt"/>
-              <a:buAutoNum type="arabicPeriod"/>
-            </a:pPr>
             <a:r>
               <a:rPr lang="zh-CN" altLang="en-US" sz="2400" smtClean="0">
                 <a:latin typeface="华文楷体" panose="02010600040101010101" pitchFamily="2" charset="-122"/>
                 <a:ea typeface="华文楷体" panose="02010600040101010101" pitchFamily="2" charset="-122"/>
               </a:rPr>
-              <a:t>索引列进行数学运算或者函数运算</a:t>
+              <a:t>联合索引中选择性较好的字段应该排在前面</a:t>
             </a:r>
             <a:endParaRPr lang="en-US" altLang="zh-CN" sz="2400" smtClean="0">
-              <a:latin typeface="华文楷体" panose="02010600040101010101" pitchFamily="2" charset="-122"/>
-              <a:ea typeface="华文楷体" panose="02010600040101010101" pitchFamily="2" charset="-122"/>
-            </a:endParaRPr>
-          </a:p>
-          <a:p>
-            <a:pPr marL="457200" indent="-457200">
-              <a:buFont typeface="+mj-lt"/>
-              <a:buAutoNum type="arabicPeriod"/>
-            </a:pPr>
-            <a:endParaRPr lang="en-US" altLang="zh-CN" sz="2400">
-              <a:latin typeface="华文楷体" panose="02010600040101010101" pitchFamily="2" charset="-122"/>
-              <a:ea typeface="华文楷体" panose="02010600040101010101" pitchFamily="2" charset="-122"/>
-            </a:endParaRPr>
-          </a:p>
-          <a:p>
-            <a:pPr marL="457200" indent="-457200">
-              <a:buFont typeface="+mj-lt"/>
-              <a:buAutoNum type="arabicPeriod"/>
-            </a:pPr>
-            <a:r>
-              <a:rPr lang="zh-CN" altLang="en-US" sz="2400" smtClean="0">
-                <a:latin typeface="华文楷体" panose="02010600040101010101" pitchFamily="2" charset="-122"/>
-                <a:ea typeface="华文楷体" panose="02010600040101010101" pitchFamily="2" charset="-122"/>
-              </a:rPr>
-              <a:t>未包含复合索引的前缀字段</a:t>
-            </a:r>
-            <a:endParaRPr lang="en-US" altLang="zh-CN" sz="2400" smtClean="0">
-              <a:latin typeface="华文楷体" panose="02010600040101010101" pitchFamily="2" charset="-122"/>
-              <a:ea typeface="华文楷体" panose="02010600040101010101" pitchFamily="2" charset="-122"/>
-            </a:endParaRPr>
-          </a:p>
-          <a:p>
-            <a:pPr marL="457200" indent="-457200">
-              <a:buFont typeface="+mj-lt"/>
-              <a:buAutoNum type="arabicPeriod"/>
-            </a:pPr>
-            <a:endParaRPr lang="en-US" altLang="zh-CN" sz="2400">
-              <a:latin typeface="华文楷体" panose="02010600040101010101" pitchFamily="2" charset="-122"/>
-              <a:ea typeface="华文楷体" panose="02010600040101010101" pitchFamily="2" charset="-122"/>
-            </a:endParaRPr>
-          </a:p>
-          <a:p>
-            <a:pPr marL="457200" indent="-457200">
-              <a:buFont typeface="+mj-lt"/>
-              <a:buAutoNum type="arabicPeriod"/>
-            </a:pPr>
-            <a:r>
-              <a:rPr lang="zh-CN" altLang="en-US" sz="2400">
-                <a:latin typeface="华文楷体" panose="02010600040101010101" pitchFamily="2" charset="-122"/>
-                <a:ea typeface="华文楷体" panose="02010600040101010101" pitchFamily="2" charset="-122"/>
-              </a:rPr>
-              <a:t>通</a:t>
-            </a:r>
-            <a:r>
-              <a:rPr lang="zh-CN" altLang="en-US" sz="2400" smtClean="0">
-                <a:latin typeface="华文楷体" panose="02010600040101010101" pitchFamily="2" charset="-122"/>
-                <a:ea typeface="华文楷体" panose="02010600040101010101" pitchFamily="2" charset="-122"/>
-              </a:rPr>
-              <a:t>配匹配</a:t>
-            </a:r>
-            <a:endParaRPr lang="en-US" altLang="zh-CN" sz="2400" smtClean="0">
-              <a:latin typeface="华文楷体" panose="02010600040101010101" pitchFamily="2" charset="-122"/>
-              <a:ea typeface="华文楷体" panose="02010600040101010101" pitchFamily="2" charset="-122"/>
-            </a:endParaRPr>
-          </a:p>
-          <a:p>
-            <a:pPr marL="457200" indent="-457200">
-              <a:buFont typeface="+mj-lt"/>
-              <a:buAutoNum type="arabicPeriod"/>
-            </a:pPr>
-            <a:endParaRPr lang="en-US" altLang="zh-CN" sz="2400">
-              <a:latin typeface="华文楷体" panose="02010600040101010101" pitchFamily="2" charset="-122"/>
-              <a:ea typeface="华文楷体" panose="02010600040101010101" pitchFamily="2" charset="-122"/>
-            </a:endParaRPr>
-          </a:p>
-          <a:p>
-            <a:pPr marL="457200" indent="-457200">
-              <a:buFont typeface="+mj-lt"/>
-              <a:buAutoNum type="arabicPeriod"/>
-            </a:pPr>
-            <a:r>
-              <a:rPr lang="en-US" altLang="zh-CN" sz="2400" smtClean="0">
-                <a:latin typeface="华文楷体" panose="02010600040101010101" pitchFamily="2" charset="-122"/>
-                <a:ea typeface="华文楷体" panose="02010600040101010101" pitchFamily="2" charset="-122"/>
-              </a:rPr>
-              <a:t>Where</a:t>
-            </a:r>
-            <a:r>
-              <a:rPr lang="zh-CN" altLang="en-US" sz="2400" smtClean="0">
-                <a:latin typeface="华文楷体" panose="02010600040101010101" pitchFamily="2" charset="-122"/>
-                <a:ea typeface="华文楷体" panose="02010600040101010101" pitchFamily="2" charset="-122"/>
-              </a:rPr>
-              <a:t>条件使用</a:t>
-            </a:r>
-            <a:r>
-              <a:rPr lang="en-US" altLang="zh-CN" sz="2400" smtClean="0">
-                <a:latin typeface="华文楷体" panose="02010600040101010101" pitchFamily="2" charset="-122"/>
-                <a:ea typeface="华文楷体" panose="02010600040101010101" pitchFamily="2" charset="-122"/>
-              </a:rPr>
-              <a:t>not </a:t>
-            </a:r>
-            <a:r>
-              <a:rPr lang="zh-CN" altLang="en-US" sz="2400" smtClean="0">
-                <a:latin typeface="华文楷体" panose="02010600040101010101" pitchFamily="2" charset="-122"/>
-                <a:ea typeface="华文楷体" panose="02010600040101010101" pitchFamily="2" charset="-122"/>
-              </a:rPr>
-              <a:t>，</a:t>
-            </a:r>
-            <a:r>
-              <a:rPr lang="en-US" altLang="zh-CN" sz="2400" smtClean="0">
-                <a:latin typeface="华文楷体" panose="02010600040101010101" pitchFamily="2" charset="-122"/>
-                <a:ea typeface="华文楷体" panose="02010600040101010101" pitchFamily="2" charset="-122"/>
-              </a:rPr>
-              <a:t>&lt;&gt;,!=</a:t>
-            </a:r>
-          </a:p>
-          <a:p>
-            <a:pPr marL="457200" indent="-457200">
-              <a:buFont typeface="+mj-lt"/>
-              <a:buAutoNum type="arabicPeriod"/>
-            </a:pPr>
-            <a:endParaRPr lang="en-US" altLang="zh-CN" sz="2400">
-              <a:latin typeface="华文楷体" panose="02010600040101010101" pitchFamily="2" charset="-122"/>
-              <a:ea typeface="华文楷体" panose="02010600040101010101" pitchFamily="2" charset="-122"/>
-            </a:endParaRPr>
-          </a:p>
-          <a:p>
-            <a:pPr marL="457200" indent="-457200">
-              <a:buFont typeface="+mj-lt"/>
-              <a:buAutoNum type="arabicPeriod"/>
-            </a:pPr>
-            <a:r>
-              <a:rPr lang="zh-CN" altLang="en-US" sz="2400" smtClean="0">
-                <a:latin typeface="华文楷体" panose="02010600040101010101" pitchFamily="2" charset="-122"/>
-                <a:ea typeface="华文楷体" panose="02010600040101010101" pitchFamily="2" charset="-122"/>
-              </a:rPr>
-              <a:t>字段类型匹配，隐式转换</a:t>
-            </a:r>
-            <a:endParaRPr lang="en-US" altLang="zh-CN" sz="2400" smtClean="0">
-              <a:latin typeface="华文楷体" panose="02010600040101010101" pitchFamily="2" charset="-122"/>
-              <a:ea typeface="华文楷体" panose="02010600040101010101" pitchFamily="2" charset="-122"/>
-            </a:endParaRPr>
-          </a:p>
-          <a:p>
-            <a:r>
-              <a:rPr lang="en-US" altLang="zh-CN" sz="2400" smtClean="0">
-                <a:latin typeface="华文楷体" panose="02010600040101010101" pitchFamily="2" charset="-122"/>
-                <a:ea typeface="华文楷体" panose="02010600040101010101" pitchFamily="2" charset="-122"/>
-              </a:rPr>
-              <a:t>        </a:t>
-            </a:r>
-            <a:r>
-              <a:rPr lang="en-US" altLang="zh-CN" sz="2400" err="1" smtClean="0">
-                <a:latin typeface="华文楷体" panose="02010600040101010101" pitchFamily="2" charset="-122"/>
-                <a:ea typeface="华文楷体" panose="02010600040101010101" pitchFamily="2" charset="-122"/>
-              </a:rPr>
-              <a:t>jdbc</a:t>
-            </a:r>
-            <a:r>
-              <a:rPr lang="zh-CN" altLang="en-US" sz="2400" smtClean="0">
-                <a:latin typeface="华文楷体" panose="02010600040101010101" pitchFamily="2" charset="-122"/>
-                <a:ea typeface="华文楷体" panose="02010600040101010101" pitchFamily="2" charset="-122"/>
-              </a:rPr>
-              <a:t>中对变量类型的设置</a:t>
-            </a:r>
-            <a:endParaRPr lang="en-US" altLang="zh-CN" sz="2400">
               <a:latin typeface="华文楷体" panose="02010600040101010101" pitchFamily="2" charset="-122"/>
               <a:ea typeface="华文楷体" panose="02010600040101010101" pitchFamily="2" charset="-122"/>
             </a:endParaRPr>
@@ -8189,7 +8189,7 @@
     </p:spTree>
     <p:extLst>
       <p:ext uri="{BB962C8B-B14F-4D97-AF65-F5344CB8AC3E}">
-        <p14:creationId xmlns:p14="http://schemas.microsoft.com/office/powerpoint/2010/main" val="197839036"/>
+        <p14:creationId xmlns:p14="http://schemas.microsoft.com/office/powerpoint/2010/main" val="42122304"/>
       </p:ext>
     </p:extLst>
   </p:cSld>
@@ -8305,7 +8305,7 @@
         <p:spPr>
           <a:xfrm>
             <a:off x="610954" y="551405"/>
-            <a:ext cx="11449982" cy="3539430"/>
+            <a:ext cx="11449982" cy="3785652"/>
           </a:xfrm>
           <a:prstGeom prst="rect">
             <a:avLst/>
@@ -8338,13 +8338,19 @@
           </a:p>
           <a:p>
             <a:r>
-              <a:rPr lang="zh-CN" altLang="en-US" sz="3200" smtClean="0">
-                <a:latin typeface="华文楷体" panose="02010600040101010101" pitchFamily="2" charset="-122"/>
-                <a:ea typeface="华文楷体" panose="02010600040101010101" pitchFamily="2" charset="-122"/>
-              </a:rPr>
-              <a:t>利用索引排序</a:t>
-            </a:r>
-            <a:endParaRPr lang="en-US" altLang="zh-CN" sz="3200" smtClean="0">
+              <a:rPr lang="zh-CN" altLang="en-US" sz="2400" smtClean="0">
+                <a:latin typeface="华文楷体" panose="02010600040101010101" pitchFamily="2" charset="-122"/>
+                <a:ea typeface="华文楷体" panose="02010600040101010101" pitchFamily="2" charset="-122"/>
+              </a:rPr>
+              <a:t>使用已有索引的情况：</a:t>
+            </a:r>
+            <a:endParaRPr lang="en-US" altLang="zh-CN" sz="2400" smtClean="0">
+              <a:latin typeface="华文楷体" panose="02010600040101010101" pitchFamily="2" charset="-122"/>
+              <a:ea typeface="华文楷体" panose="02010600040101010101" pitchFamily="2" charset="-122"/>
+            </a:endParaRPr>
+          </a:p>
+          <a:p>
+            <a:endParaRPr lang="en-US" altLang="zh-CN" sz="2400">
               <a:latin typeface="华文楷体" panose="02010600040101010101" pitchFamily="2" charset="-122"/>
               <a:ea typeface="华文楷体" panose="02010600040101010101" pitchFamily="2" charset="-122"/>
             </a:endParaRPr>
@@ -8399,7 +8405,7 @@
     </p:spTree>
     <p:extLst>
       <p:ext uri="{BB962C8B-B14F-4D97-AF65-F5344CB8AC3E}">
-        <p14:creationId xmlns:p14="http://schemas.microsoft.com/office/powerpoint/2010/main" val="3261448981"/>
+        <p14:creationId xmlns:p14="http://schemas.microsoft.com/office/powerpoint/2010/main" val="2195252997"/>
       </p:ext>
     </p:extLst>
   </p:cSld>
@@ -8515,7 +8521,7 @@
         <p:spPr>
           <a:xfrm>
             <a:off x="610954" y="551405"/>
-            <a:ext cx="11449982" cy="6986528"/>
+            <a:ext cx="11449982" cy="7478970"/>
           </a:xfrm>
           <a:prstGeom prst="rect">
             <a:avLst/>
@@ -8533,7 +8539,7 @@
                 <a:latin typeface="华文楷体" panose="02010600040101010101" pitchFamily="2" charset="-122"/>
                 <a:ea typeface="华文楷体" panose="02010600040101010101" pitchFamily="2" charset="-122"/>
               </a:rPr>
-              <a:t>常用的工具集介绍</a:t>
+              <a:t>如何建立高效索引：</a:t>
             </a:r>
             <a:endParaRPr lang="en-US" altLang="zh-CN" sz="3200" smtClean="0">
               <a:latin typeface="华文楷体" panose="02010600040101010101" pitchFamily="2" charset="-122"/>
@@ -8541,13 +8547,6 @@
             </a:endParaRPr>
           </a:p>
           <a:p>
-            <a:r>
-              <a:rPr lang="zh-CN" altLang="en-US" sz="3200" smtClean="0">
-                <a:latin typeface="华文楷体" panose="02010600040101010101" pitchFamily="2" charset="-122"/>
-                <a:ea typeface="华文楷体" panose="02010600040101010101" pitchFamily="2" charset="-122"/>
-              </a:rPr>
-              <a:t>数据库导入导出命令</a:t>
-            </a:r>
             <a:endParaRPr lang="en-US" altLang="zh-CN" sz="3200" smtClean="0">
               <a:latin typeface="华文楷体" panose="02010600040101010101" pitchFamily="2" charset="-122"/>
               <a:ea typeface="华文楷体" panose="02010600040101010101" pitchFamily="2" charset="-122"/>
@@ -8555,222 +8554,202 @@
           </a:p>
           <a:p>
             <a:r>
-              <a:rPr lang="en-US" altLang="zh-CN" sz="3200" err="1" smtClean="0">
-                <a:latin typeface="华文楷体" panose="02010600040101010101" pitchFamily="2" charset="-122"/>
-                <a:ea typeface="华文楷体" panose="02010600040101010101" pitchFamily="2" charset="-122"/>
-              </a:rPr>
-              <a:t>Mysqldump</a:t>
-            </a:r>
-            <a:endParaRPr lang="en-US" altLang="zh-CN" sz="3200" smtClean="0">
-              <a:latin typeface="华文楷体" panose="02010600040101010101" pitchFamily="2" charset="-122"/>
-              <a:ea typeface="华文楷体" panose="02010600040101010101" pitchFamily="2" charset="-122"/>
-            </a:endParaRPr>
-          </a:p>
-          <a:p>
+              <a:rPr lang="zh-CN" altLang="en-US" sz="2400" smtClean="0">
+                <a:latin typeface="华文楷体" panose="02010600040101010101" pitchFamily="2" charset="-122"/>
+                <a:ea typeface="华文楷体" panose="02010600040101010101" pitchFamily="2" charset="-122"/>
+              </a:rPr>
+              <a:t>不使用已有索引的情况：</a:t>
+            </a:r>
             <a:endParaRPr lang="en-US" altLang="zh-CN" sz="2400" smtClean="0">
               <a:latin typeface="华文楷体" panose="02010600040101010101" pitchFamily="2" charset="-122"/>
               <a:ea typeface="华文楷体" panose="02010600040101010101" pitchFamily="2" charset="-122"/>
             </a:endParaRPr>
           </a:p>
           <a:p>
-            <a:r>
-              <a:rPr lang="en-US" altLang="zh-CN" sz="2400" err="1" smtClean="0">
-                <a:latin typeface="华文楷体" panose="02010600040101010101" pitchFamily="2" charset="-122"/>
-                <a:ea typeface="华文楷体" panose="02010600040101010101" pitchFamily="2" charset="-122"/>
-              </a:rPr>
-              <a:t>mysqldump</a:t>
-            </a:r>
-            <a:r>
-              <a:rPr lang="en-US" altLang="zh-CN" sz="2400" smtClean="0">
-                <a:latin typeface="华文楷体" panose="02010600040101010101" pitchFamily="2" charset="-122"/>
-                <a:ea typeface="华文楷体" panose="02010600040101010101" pitchFamily="2" charset="-122"/>
-              </a:rPr>
-              <a:t> </a:t>
-            </a:r>
-            <a:r>
-              <a:rPr lang="en-US" altLang="zh-CN" sz="2400">
-                <a:latin typeface="华文楷体" panose="02010600040101010101" pitchFamily="2" charset="-122"/>
-                <a:ea typeface="华文楷体" panose="02010600040101010101" pitchFamily="2" charset="-122"/>
-              </a:rPr>
-              <a:t>-</a:t>
-            </a:r>
-            <a:r>
-              <a:rPr lang="en-US" altLang="zh-CN" sz="2400" err="1">
-                <a:latin typeface="华文楷体" panose="02010600040101010101" pitchFamily="2" charset="-122"/>
-                <a:ea typeface="华文楷体" panose="02010600040101010101" pitchFamily="2" charset="-122"/>
-              </a:rPr>
-              <a:t>uroot</a:t>
-            </a:r>
-            <a:r>
-              <a:rPr lang="en-US" altLang="zh-CN" sz="2400">
-                <a:latin typeface="华文楷体" panose="02010600040101010101" pitchFamily="2" charset="-122"/>
-                <a:ea typeface="华文楷体" panose="02010600040101010101" pitchFamily="2" charset="-122"/>
-              </a:rPr>
-              <a:t> -p --single-transaction --opt </a:t>
-            </a:r>
-            <a:r>
-              <a:rPr lang="en-US" altLang="zh-CN" sz="2400" err="1">
-                <a:latin typeface="华文楷体" panose="02010600040101010101" pitchFamily="2" charset="-122"/>
-                <a:ea typeface="华文楷体" panose="02010600040101010101" pitchFamily="2" charset="-122"/>
-              </a:rPr>
-              <a:t>prod_PHAPP</a:t>
-            </a:r>
-            <a:r>
-              <a:rPr lang="en-US" altLang="zh-CN" sz="2400">
-                <a:latin typeface="华文楷体" panose="02010600040101010101" pitchFamily="2" charset="-122"/>
-                <a:ea typeface="华文楷体" panose="02010600040101010101" pitchFamily="2" charset="-122"/>
-              </a:rPr>
-              <a:t>      --set-</a:t>
-            </a:r>
-            <a:r>
-              <a:rPr lang="en-US" altLang="zh-CN" sz="2400" err="1">
-                <a:latin typeface="华文楷体" panose="02010600040101010101" pitchFamily="2" charset="-122"/>
-                <a:ea typeface="华文楷体" panose="02010600040101010101" pitchFamily="2" charset="-122"/>
-              </a:rPr>
-              <a:t>gtid</a:t>
-            </a:r>
-            <a:r>
-              <a:rPr lang="en-US" altLang="zh-CN" sz="2400">
-                <a:latin typeface="华文楷体" panose="02010600040101010101" pitchFamily="2" charset="-122"/>
-                <a:ea typeface="华文楷体" panose="02010600040101010101" pitchFamily="2" charset="-122"/>
-              </a:rPr>
-              <a:t>-purged=OFF &gt; /</a:t>
-            </a:r>
-            <a:r>
-              <a:rPr lang="en-US" altLang="zh-CN" sz="2400" smtClean="0">
-                <a:latin typeface="华文楷体" panose="02010600040101010101" pitchFamily="2" charset="-122"/>
-                <a:ea typeface="华文楷体" panose="02010600040101010101" pitchFamily="2" charset="-122"/>
-              </a:rPr>
-              <a:t>disk4/</a:t>
-            </a:r>
-            <a:r>
-              <a:rPr lang="en-US" altLang="zh-CN" sz="2400" err="1" smtClean="0">
-                <a:latin typeface="华文楷体" panose="02010600040101010101" pitchFamily="2" charset="-122"/>
-                <a:ea typeface="华文楷体" panose="02010600040101010101" pitchFamily="2" charset="-122"/>
-              </a:rPr>
-              <a:t>backup_dump</a:t>
-            </a:r>
-            <a:r>
-              <a:rPr lang="en-US" altLang="zh-CN" sz="2400" smtClean="0">
-                <a:latin typeface="华文楷体" panose="02010600040101010101" pitchFamily="2" charset="-122"/>
-                <a:ea typeface="华文楷体" panose="02010600040101010101" pitchFamily="2" charset="-122"/>
-              </a:rPr>
-              <a:t>/prod_PHAPP201609291007bak.sql</a:t>
-            </a:r>
-          </a:p>
-          <a:p>
             <a:endParaRPr lang="en-US" altLang="zh-CN" sz="2400">
               <a:latin typeface="华文楷体" panose="02010600040101010101" pitchFamily="2" charset="-122"/>
               <a:ea typeface="华文楷体" panose="02010600040101010101" pitchFamily="2" charset="-122"/>
             </a:endParaRPr>
           </a:p>
           <a:p>
+            <a:pPr marL="457200" indent="-457200">
+              <a:buFont typeface="+mj-lt"/>
+              <a:buAutoNum type="arabicPeriod"/>
+            </a:pPr>
+            <a:r>
+              <a:rPr lang="zh-CN" altLang="en-US" sz="2400" smtClean="0">
+                <a:latin typeface="华文楷体" panose="02010600040101010101" pitchFamily="2" charset="-122"/>
+                <a:ea typeface="华文楷体" panose="02010600040101010101" pitchFamily="2" charset="-122"/>
+              </a:rPr>
+              <a:t>索引列进行数学运算或者函数运算</a:t>
+            </a:r>
             <a:endParaRPr lang="en-US" altLang="zh-CN" sz="2400" smtClean="0">
               <a:latin typeface="华文楷体" panose="02010600040101010101" pitchFamily="2" charset="-122"/>
               <a:ea typeface="华文楷体" panose="02010600040101010101" pitchFamily="2" charset="-122"/>
             </a:endParaRPr>
           </a:p>
           <a:p>
-            <a:r>
-              <a:rPr lang="en-US" altLang="zh-CN" sz="2400" err="1" smtClean="0">
-                <a:latin typeface="华文楷体" panose="02010600040101010101" pitchFamily="2" charset="-122"/>
-                <a:ea typeface="华文楷体" panose="02010600040101010101" pitchFamily="2" charset="-122"/>
-              </a:rPr>
-              <a:t>mysqldump</a:t>
-            </a:r>
-            <a:r>
-              <a:rPr lang="en-US" altLang="zh-CN" sz="2400" smtClean="0">
-                <a:latin typeface="华文楷体" panose="02010600040101010101" pitchFamily="2" charset="-122"/>
-                <a:ea typeface="华文楷体" panose="02010600040101010101" pitchFamily="2" charset="-122"/>
-              </a:rPr>
-              <a:t>  </a:t>
-            </a:r>
-            <a:r>
-              <a:rPr lang="en-US" altLang="zh-CN" sz="2400">
-                <a:latin typeface="华文楷体" panose="02010600040101010101" pitchFamily="2" charset="-122"/>
-                <a:ea typeface="华文楷体" panose="02010600040101010101" pitchFamily="2" charset="-122"/>
-              </a:rPr>
-              <a:t>-</a:t>
-            </a:r>
-            <a:r>
-              <a:rPr lang="en-US" altLang="zh-CN" sz="2400" err="1">
-                <a:latin typeface="华文楷体" panose="02010600040101010101" pitchFamily="2" charset="-122"/>
-                <a:ea typeface="华文楷体" panose="02010600040101010101" pitchFamily="2" charset="-122"/>
-              </a:rPr>
-              <a:t>uroot</a:t>
-            </a:r>
-            <a:r>
-              <a:rPr lang="en-US" altLang="zh-CN" sz="2400">
-                <a:latin typeface="华文楷体" panose="02010600040101010101" pitchFamily="2" charset="-122"/>
-                <a:ea typeface="华文楷体" panose="02010600040101010101" pitchFamily="2" charset="-122"/>
-              </a:rPr>
-              <a:t> -p --single-transaction --opt   --set-</a:t>
-            </a:r>
-            <a:r>
-              <a:rPr lang="en-US" altLang="zh-CN" sz="2400" err="1">
-                <a:latin typeface="华文楷体" panose="02010600040101010101" pitchFamily="2" charset="-122"/>
-                <a:ea typeface="华文楷体" panose="02010600040101010101" pitchFamily="2" charset="-122"/>
-              </a:rPr>
-              <a:t>gtid</a:t>
-            </a:r>
-            <a:r>
-              <a:rPr lang="en-US" altLang="zh-CN" sz="2400">
-                <a:latin typeface="华文楷体" panose="02010600040101010101" pitchFamily="2" charset="-122"/>
-                <a:ea typeface="华文楷体" panose="02010600040101010101" pitchFamily="2" charset="-122"/>
-              </a:rPr>
-              <a:t>-purged=OFF  --skip-add-drop-table    </a:t>
-            </a:r>
-            <a:r>
-              <a:rPr lang="en-US" altLang="zh-CN" sz="2400" err="1">
-                <a:latin typeface="华文楷体" panose="02010600040101010101" pitchFamily="2" charset="-122"/>
-                <a:ea typeface="华文楷体" panose="02010600040101010101" pitchFamily="2" charset="-122"/>
-              </a:rPr>
-              <a:t>nasdaq</a:t>
-            </a:r>
-            <a:r>
-              <a:rPr lang="en-US" altLang="zh-CN" sz="2400">
-                <a:latin typeface="华文楷体" panose="02010600040101010101" pitchFamily="2" charset="-122"/>
-                <a:ea typeface="华文楷体" panose="02010600040101010101" pitchFamily="2" charset="-122"/>
-              </a:rPr>
-              <a:t>  </a:t>
-            </a:r>
-            <a:r>
-              <a:rPr lang="en-US" altLang="zh-CN" sz="2400" err="1">
-                <a:latin typeface="华文楷体" panose="02010600040101010101" pitchFamily="2" charset="-122"/>
-                <a:ea typeface="华文楷体" panose="02010600040101010101" pitchFamily="2" charset="-122"/>
-              </a:rPr>
-              <a:t>h_transfer_record</a:t>
-            </a:r>
-            <a:r>
-              <a:rPr lang="en-US" altLang="zh-CN" sz="2400">
-                <a:latin typeface="华文楷体" panose="02010600040101010101" pitchFamily="2" charset="-122"/>
-                <a:ea typeface="华文楷体" panose="02010600040101010101" pitchFamily="2" charset="-122"/>
-              </a:rPr>
-              <a:t> </a:t>
-            </a:r>
-            <a:r>
-              <a:rPr lang="en-US" altLang="zh-CN" sz="2400" err="1">
-                <a:latin typeface="华文楷体" panose="02010600040101010101" pitchFamily="2" charset="-122"/>
-                <a:ea typeface="华文楷体" panose="02010600040101010101" pitchFamily="2" charset="-122"/>
-              </a:rPr>
-              <a:t>h_orders</a:t>
-            </a:r>
-            <a:r>
-              <a:rPr lang="en-US" altLang="zh-CN" sz="2400">
-                <a:latin typeface="华文楷体" panose="02010600040101010101" pitchFamily="2" charset="-122"/>
-                <a:ea typeface="华文楷体" panose="02010600040101010101" pitchFamily="2" charset="-122"/>
-              </a:rPr>
-              <a:t>  &gt; nasdaq_twotabs201607191317.sql</a:t>
-            </a:r>
-          </a:p>
-          <a:p>
+            <a:pPr marL="457200" indent="-457200">
+              <a:buFont typeface="+mj-lt"/>
+              <a:buAutoNum type="arabicPeriod"/>
+            </a:pPr>
             <a:endParaRPr lang="en-US" altLang="zh-CN" sz="2400">
               <a:latin typeface="华文楷体" panose="02010600040101010101" pitchFamily="2" charset="-122"/>
               <a:ea typeface="华文楷体" panose="02010600040101010101" pitchFamily="2" charset="-122"/>
             </a:endParaRPr>
           </a:p>
           <a:p>
-            <a:endParaRPr lang="en-US" altLang="zh-CN" sz="3200" smtClean="0">
+            <a:pPr marL="457200" indent="-457200">
+              <a:buFont typeface="+mj-lt"/>
+              <a:buAutoNum type="arabicPeriod"/>
+            </a:pPr>
+            <a:r>
+              <a:rPr lang="zh-CN" altLang="en-US" sz="2400" smtClean="0">
+                <a:latin typeface="华文楷体" panose="02010600040101010101" pitchFamily="2" charset="-122"/>
+                <a:ea typeface="华文楷体" panose="02010600040101010101" pitchFamily="2" charset="-122"/>
+              </a:rPr>
+              <a:t>未包含复合索引的前缀字段</a:t>
+            </a:r>
+            <a:endParaRPr lang="en-US" altLang="zh-CN" sz="2400" smtClean="0">
+              <a:latin typeface="华文楷体" panose="02010600040101010101" pitchFamily="2" charset="-122"/>
+              <a:ea typeface="华文楷体" panose="02010600040101010101" pitchFamily="2" charset="-122"/>
+            </a:endParaRPr>
+          </a:p>
+          <a:p>
+            <a:pPr marL="457200" indent="-457200">
+              <a:buFont typeface="+mj-lt"/>
+              <a:buAutoNum type="arabicPeriod"/>
+            </a:pPr>
+            <a:endParaRPr lang="en-US" altLang="zh-CN" sz="2400">
+              <a:latin typeface="华文楷体" panose="02010600040101010101" pitchFamily="2" charset="-122"/>
+              <a:ea typeface="华文楷体" panose="02010600040101010101" pitchFamily="2" charset="-122"/>
+            </a:endParaRPr>
+          </a:p>
+          <a:p>
+            <a:pPr marL="457200" indent="-457200">
+              <a:buFont typeface="+mj-lt"/>
+              <a:buAutoNum type="arabicPeriod"/>
+            </a:pPr>
+            <a:r>
+              <a:rPr lang="zh-CN" altLang="en-US" sz="2400">
+                <a:latin typeface="华文楷体" panose="02010600040101010101" pitchFamily="2" charset="-122"/>
+                <a:ea typeface="华文楷体" panose="02010600040101010101" pitchFamily="2" charset="-122"/>
+              </a:rPr>
+              <a:t>通</a:t>
+            </a:r>
+            <a:r>
+              <a:rPr lang="zh-CN" altLang="en-US" sz="2400" smtClean="0">
+                <a:latin typeface="华文楷体" panose="02010600040101010101" pitchFamily="2" charset="-122"/>
+                <a:ea typeface="华文楷体" panose="02010600040101010101" pitchFamily="2" charset="-122"/>
+              </a:rPr>
+              <a:t>配匹配</a:t>
+            </a:r>
+            <a:endParaRPr lang="en-US" altLang="zh-CN" sz="2400" smtClean="0">
+              <a:latin typeface="华文楷体" panose="02010600040101010101" pitchFamily="2" charset="-122"/>
+              <a:ea typeface="华文楷体" panose="02010600040101010101" pitchFamily="2" charset="-122"/>
+            </a:endParaRPr>
+          </a:p>
+          <a:p>
+            <a:pPr marL="457200" indent="-457200">
+              <a:buFont typeface="+mj-lt"/>
+              <a:buAutoNum type="arabicPeriod"/>
+            </a:pPr>
+            <a:endParaRPr lang="en-US" altLang="zh-CN" sz="2400">
+              <a:latin typeface="华文楷体" panose="02010600040101010101" pitchFamily="2" charset="-122"/>
+              <a:ea typeface="华文楷体" panose="02010600040101010101" pitchFamily="2" charset="-122"/>
+            </a:endParaRPr>
+          </a:p>
+          <a:p>
+            <a:pPr marL="457200" indent="-457200">
+              <a:buFont typeface="+mj-lt"/>
+              <a:buAutoNum type="arabicPeriod"/>
+            </a:pPr>
+            <a:r>
+              <a:rPr lang="en-US" altLang="zh-CN" sz="2400" smtClean="0">
+                <a:latin typeface="华文楷体" panose="02010600040101010101" pitchFamily="2" charset="-122"/>
+                <a:ea typeface="华文楷体" panose="02010600040101010101" pitchFamily="2" charset="-122"/>
+              </a:rPr>
+              <a:t>Where</a:t>
+            </a:r>
+            <a:r>
+              <a:rPr lang="zh-CN" altLang="en-US" sz="2400" smtClean="0">
+                <a:latin typeface="华文楷体" panose="02010600040101010101" pitchFamily="2" charset="-122"/>
+                <a:ea typeface="华文楷体" panose="02010600040101010101" pitchFamily="2" charset="-122"/>
+              </a:rPr>
+              <a:t>条件使用</a:t>
+            </a:r>
+            <a:r>
+              <a:rPr lang="en-US" altLang="zh-CN" sz="2400" smtClean="0">
+                <a:latin typeface="华文楷体" panose="02010600040101010101" pitchFamily="2" charset="-122"/>
+                <a:ea typeface="华文楷体" panose="02010600040101010101" pitchFamily="2" charset="-122"/>
+              </a:rPr>
+              <a:t>not </a:t>
+            </a:r>
+            <a:r>
+              <a:rPr lang="zh-CN" altLang="en-US" sz="2400" smtClean="0">
+                <a:latin typeface="华文楷体" panose="02010600040101010101" pitchFamily="2" charset="-122"/>
+                <a:ea typeface="华文楷体" panose="02010600040101010101" pitchFamily="2" charset="-122"/>
+              </a:rPr>
+              <a:t>，</a:t>
+            </a:r>
+            <a:r>
+              <a:rPr lang="en-US" altLang="zh-CN" sz="2400" smtClean="0">
+                <a:latin typeface="华文楷体" panose="02010600040101010101" pitchFamily="2" charset="-122"/>
+                <a:ea typeface="华文楷体" panose="02010600040101010101" pitchFamily="2" charset="-122"/>
+              </a:rPr>
+              <a:t>&lt;&gt;,!=</a:t>
+            </a:r>
+          </a:p>
+          <a:p>
+            <a:pPr marL="457200" indent="-457200">
+              <a:buFont typeface="+mj-lt"/>
+              <a:buAutoNum type="arabicPeriod"/>
+            </a:pPr>
+            <a:endParaRPr lang="en-US" altLang="zh-CN" sz="2400">
+              <a:latin typeface="华文楷体" panose="02010600040101010101" pitchFamily="2" charset="-122"/>
+              <a:ea typeface="华文楷体" panose="02010600040101010101" pitchFamily="2" charset="-122"/>
+            </a:endParaRPr>
+          </a:p>
+          <a:p>
+            <a:pPr marL="457200" indent="-457200">
+              <a:buFont typeface="+mj-lt"/>
+              <a:buAutoNum type="arabicPeriod"/>
+            </a:pPr>
+            <a:r>
+              <a:rPr lang="zh-CN" altLang="en-US" sz="2400" smtClean="0">
+                <a:latin typeface="华文楷体" panose="02010600040101010101" pitchFamily="2" charset="-122"/>
+                <a:ea typeface="华文楷体" panose="02010600040101010101" pitchFamily="2" charset="-122"/>
+              </a:rPr>
+              <a:t>字段类型匹配，隐式转换</a:t>
+            </a:r>
+            <a:endParaRPr lang="en-US" altLang="zh-CN" sz="2400" smtClean="0">
+              <a:latin typeface="华文楷体" panose="02010600040101010101" pitchFamily="2" charset="-122"/>
+              <a:ea typeface="华文楷体" panose="02010600040101010101" pitchFamily="2" charset="-122"/>
+            </a:endParaRPr>
+          </a:p>
+          <a:p>
+            <a:r>
+              <a:rPr lang="en-US" altLang="zh-CN" sz="2400" smtClean="0">
+                <a:latin typeface="华文楷体" panose="02010600040101010101" pitchFamily="2" charset="-122"/>
+                <a:ea typeface="华文楷体" panose="02010600040101010101" pitchFamily="2" charset="-122"/>
+              </a:rPr>
+              <a:t>        </a:t>
+            </a:r>
+            <a:r>
+              <a:rPr lang="en-US" altLang="zh-CN" sz="2400" err="1" smtClean="0">
+                <a:latin typeface="华文楷体" panose="02010600040101010101" pitchFamily="2" charset="-122"/>
+                <a:ea typeface="华文楷体" panose="02010600040101010101" pitchFamily="2" charset="-122"/>
+              </a:rPr>
+              <a:t>jdbc</a:t>
+            </a:r>
+            <a:r>
+              <a:rPr lang="zh-CN" altLang="en-US" sz="2400" smtClean="0">
+                <a:latin typeface="华文楷体" panose="02010600040101010101" pitchFamily="2" charset="-122"/>
+                <a:ea typeface="华文楷体" panose="02010600040101010101" pitchFamily="2" charset="-122"/>
+              </a:rPr>
+              <a:t>中对变量类型的设置</a:t>
+            </a:r>
+            <a:endParaRPr lang="en-US" altLang="zh-CN" sz="2400">
               <a:latin typeface="华文楷体" panose="02010600040101010101" pitchFamily="2" charset="-122"/>
               <a:ea typeface="华文楷体" panose="02010600040101010101" pitchFamily="2" charset="-122"/>
             </a:endParaRPr>
@@ -8825,7 +8804,7 @@
     </p:spTree>
     <p:extLst>
       <p:ext uri="{BB962C8B-B14F-4D97-AF65-F5344CB8AC3E}">
-        <p14:creationId xmlns:p14="http://schemas.microsoft.com/office/powerpoint/2010/main" val="1129739817"/>
+        <p14:creationId xmlns:p14="http://schemas.microsoft.com/office/powerpoint/2010/main" val="197839036"/>
       </p:ext>
     </p:extLst>
   </p:cSld>
@@ -8941,7 +8920,7 @@
         <p:spPr>
           <a:xfrm>
             <a:off x="610954" y="551405"/>
-            <a:ext cx="11449982" cy="6124754"/>
+            <a:ext cx="11449982" cy="3539430"/>
           </a:xfrm>
           <a:prstGeom prst="rect">
             <a:avLst/>
@@ -8959,7 +8938,7 @@
                 <a:latin typeface="华文楷体" panose="02010600040101010101" pitchFamily="2" charset="-122"/>
                 <a:ea typeface="华文楷体" panose="02010600040101010101" pitchFamily="2" charset="-122"/>
               </a:rPr>
-              <a:t>常用的工具集介绍</a:t>
+              <a:t>如何建立高效索引：</a:t>
             </a:r>
             <a:endParaRPr lang="en-US" altLang="zh-CN" sz="3200" smtClean="0">
               <a:latin typeface="华文楷体" panose="02010600040101010101" pitchFamily="2" charset="-122"/>
@@ -8967,13 +8946,6 @@
             </a:endParaRPr>
           </a:p>
           <a:p>
-            <a:r>
-              <a:rPr lang="zh-CN" altLang="en-US" sz="3200" smtClean="0">
-                <a:latin typeface="华文楷体" panose="02010600040101010101" pitchFamily="2" charset="-122"/>
-                <a:ea typeface="华文楷体" panose="02010600040101010101" pitchFamily="2" charset="-122"/>
-              </a:rPr>
-              <a:t>查看数据库历史操作记录命令：</a:t>
-            </a:r>
             <a:endParaRPr lang="en-US" altLang="zh-CN" sz="3200" smtClean="0">
               <a:latin typeface="华文楷体" panose="02010600040101010101" pitchFamily="2" charset="-122"/>
               <a:ea typeface="华文楷体" panose="02010600040101010101" pitchFamily="2" charset="-122"/>
@@ -8981,99 +8953,12 @@
           </a:p>
           <a:p>
             <a:r>
-              <a:rPr lang="en-US" altLang="zh-CN" sz="3200" err="1">
-                <a:latin typeface="华文楷体" panose="02010600040101010101" pitchFamily="2" charset="-122"/>
-                <a:ea typeface="华文楷体" panose="02010600040101010101" pitchFamily="2" charset="-122"/>
-              </a:rPr>
-              <a:t>mysqlbinlog</a:t>
-            </a:r>
-            <a:endParaRPr lang="en-US" altLang="zh-CN" sz="3200">
-              <a:latin typeface="华文楷体" panose="02010600040101010101" pitchFamily="2" charset="-122"/>
-              <a:ea typeface="华文楷体" panose="02010600040101010101" pitchFamily="2" charset="-122"/>
-            </a:endParaRPr>
-          </a:p>
-          <a:p>
-            <a:r>
-              <a:rPr lang="en-US" altLang="zh-CN" sz="3200" smtClean="0">
-                <a:latin typeface="华文楷体" panose="02010600040101010101" pitchFamily="2" charset="-122"/>
-                <a:ea typeface="华文楷体" panose="02010600040101010101" pitchFamily="2" charset="-122"/>
-              </a:rPr>
-              <a:t> </a:t>
-            </a:r>
-            <a:endParaRPr lang="en-US" altLang="zh-CN" sz="2000">
-              <a:latin typeface="华文楷体" panose="02010600040101010101" pitchFamily="2" charset="-122"/>
-              <a:ea typeface="华文楷体" panose="02010600040101010101" pitchFamily="2" charset="-122"/>
-            </a:endParaRPr>
-          </a:p>
-          <a:p>
-            <a:r>
-              <a:rPr lang="en-US" altLang="zh-CN" sz="2400" err="1" smtClean="0"/>
-              <a:t>mysqlbinlog</a:t>
-            </a:r>
-            <a:r>
-              <a:rPr lang="en-US" altLang="zh-CN" sz="2400"/>
-              <a:t> --base64-output='decode-rows' -</a:t>
-            </a:r>
-            <a:r>
-              <a:rPr lang="en-US" altLang="zh-CN" sz="2400" err="1"/>
-              <a:t>vv</a:t>
-            </a:r>
-            <a:r>
-              <a:rPr lang="en-US" altLang="zh-CN" sz="2400"/>
-              <a:t> --start-</a:t>
-            </a:r>
-            <a:r>
-              <a:rPr lang="en-US" altLang="zh-CN" sz="2400" err="1"/>
-              <a:t>datetime</a:t>
-            </a:r>
-            <a:r>
-              <a:rPr lang="en-US" altLang="zh-CN" sz="2400"/>
-              <a:t>="2016-04-15 8:08:01" --stop-</a:t>
-            </a:r>
-            <a:r>
-              <a:rPr lang="en-US" altLang="zh-CN" sz="2400" err="1"/>
-              <a:t>datetime</a:t>
-            </a:r>
-            <a:r>
-              <a:rPr lang="en-US" altLang="zh-CN" sz="2400"/>
-              <a:t>="2016-04-15 10:15:32"  -d </a:t>
-            </a:r>
-            <a:r>
-              <a:rPr lang="en-US" altLang="zh-CN" sz="2400" err="1"/>
-              <a:t>dev_capital</a:t>
-            </a:r>
-            <a:r>
-              <a:rPr lang="en-US" altLang="zh-CN" sz="2400"/>
-              <a:t> /opt/</a:t>
-            </a:r>
-            <a:r>
-              <a:rPr lang="en-US" altLang="zh-CN" sz="2400" err="1"/>
-              <a:t>mysql</a:t>
-            </a:r>
-            <a:r>
-              <a:rPr lang="en-US" altLang="zh-CN" sz="2400"/>
-              <a:t>/data/mysql-bin.000553 &gt; /opt/</a:t>
-            </a:r>
-            <a:r>
-              <a:rPr lang="en-US" altLang="zh-CN" sz="2400" err="1"/>
-              <a:t>mysql</a:t>
-            </a:r>
-            <a:r>
-              <a:rPr lang="en-US" altLang="zh-CN" sz="2400"/>
-              <a:t>/data/3.txt</a:t>
-            </a:r>
-            <a:endParaRPr lang="en-US" altLang="zh-CN" sz="2400">
-              <a:latin typeface="华文楷体" panose="02010600040101010101" pitchFamily="2" charset="-122"/>
-              <a:ea typeface="华文楷体" panose="02010600040101010101" pitchFamily="2" charset="-122"/>
-            </a:endParaRPr>
-          </a:p>
-          <a:p>
-            <a:endParaRPr lang="en-US" altLang="zh-CN" sz="3200">
-              <a:latin typeface="华文楷体" panose="02010600040101010101" pitchFamily="2" charset="-122"/>
-              <a:ea typeface="华文楷体" panose="02010600040101010101" pitchFamily="2" charset="-122"/>
-            </a:endParaRPr>
-          </a:p>
-          <a:p>
+              <a:rPr lang="zh-CN" altLang="en-US" sz="3200" smtClean="0">
+                <a:latin typeface="华文楷体" panose="02010600040101010101" pitchFamily="2" charset="-122"/>
+                <a:ea typeface="华文楷体" panose="02010600040101010101" pitchFamily="2" charset="-122"/>
+              </a:rPr>
+              <a:t>利用索引排序</a:t>
+            </a:r>
             <a:endParaRPr lang="en-US" altLang="zh-CN" sz="3200" smtClean="0">
               <a:latin typeface="华文楷体" panose="02010600040101010101" pitchFamily="2" charset="-122"/>
               <a:ea typeface="华文楷体" panose="02010600040101010101" pitchFamily="2" charset="-122"/>
@@ -9129,7 +9014,7 @@
     </p:spTree>
     <p:extLst>
       <p:ext uri="{BB962C8B-B14F-4D97-AF65-F5344CB8AC3E}">
-        <p14:creationId xmlns:p14="http://schemas.microsoft.com/office/powerpoint/2010/main" val="1232291133"/>
+        <p14:creationId xmlns:p14="http://schemas.microsoft.com/office/powerpoint/2010/main" val="3261448981"/>
       </p:ext>
     </p:extLst>
   </p:cSld>
@@ -9244,8 +9129,8 @@
         </p:nvSpPr>
         <p:spPr>
           <a:xfrm>
-            <a:off x="574378" y="548580"/>
-            <a:ext cx="11449982" cy="7848302"/>
+            <a:off x="610954" y="551405"/>
+            <a:ext cx="11449982" cy="6986528"/>
           </a:xfrm>
           <a:prstGeom prst="rect">
             <a:avLst/>
@@ -9276,7 +9161,7 @@
                 <a:latin typeface="华文楷体" panose="02010600040101010101" pitchFamily="2" charset="-122"/>
                 <a:ea typeface="华文楷体" panose="02010600040101010101" pitchFamily="2" charset="-122"/>
               </a:rPr>
-              <a:t>查看数据库历史操作记录命令：</a:t>
+              <a:t>数据库导入导出命令</a:t>
             </a:r>
             <a:endParaRPr lang="en-US" altLang="zh-CN" sz="3200" smtClean="0">
               <a:latin typeface="华文楷体" panose="02010600040101010101" pitchFamily="2" charset="-122"/>
@@ -9285,25 +9170,11 @@
           </a:p>
           <a:p>
             <a:r>
-              <a:rPr lang="zh-CN" altLang="en-US" sz="3200" smtClean="0">
-                <a:latin typeface="华文楷体" panose="02010600040101010101" pitchFamily="2" charset="-122"/>
-                <a:ea typeface="华文楷体" panose="02010600040101010101" pitchFamily="2" charset="-122"/>
-              </a:rPr>
-              <a:t>在线变更</a:t>
-            </a:r>
-            <a:r>
               <a:rPr lang="en-US" altLang="zh-CN" sz="3200" err="1" smtClean="0">
                 <a:latin typeface="华文楷体" panose="02010600040101010101" pitchFamily="2" charset="-122"/>
                 <a:ea typeface="华文楷体" panose="02010600040101010101" pitchFamily="2" charset="-122"/>
               </a:rPr>
-              <a:t>mysql</a:t>
-            </a:r>
-            <a:r>
-              <a:rPr lang="zh-CN" altLang="en-US" sz="3200" smtClean="0">
-                <a:latin typeface="华文楷体" panose="02010600040101010101" pitchFamily="2" charset="-122"/>
-                <a:ea typeface="华文楷体" panose="02010600040101010101" pitchFamily="2" charset="-122"/>
-              </a:rPr>
-              <a:t>表结构</a:t>
+              <a:t>Mysqldump</a:t>
             </a:r>
             <a:endParaRPr lang="en-US" altLang="zh-CN" sz="3200" smtClean="0">
               <a:latin typeface="华文楷体" panose="02010600040101010101" pitchFamily="2" charset="-122"/>
@@ -9311,161 +9182,207 @@
             </a:endParaRPr>
           </a:p>
           <a:p>
-            <a:r>
-              <a:rPr lang="en-US" altLang="zh-CN" sz="3200" smtClean="0">
-                <a:latin typeface="华文楷体" panose="02010600040101010101" pitchFamily="2" charset="-122"/>
-                <a:ea typeface="华文楷体" panose="02010600040101010101" pitchFamily="2" charset="-122"/>
-              </a:rPr>
-              <a:t>Pt-online-schema-change</a:t>
-            </a:r>
-          </a:p>
-          <a:p>
-            <a:endParaRPr lang="en-US" altLang="zh-CN" sz="3200" smtClean="0">
+            <a:endParaRPr lang="en-US" altLang="zh-CN" sz="2400" smtClean="0">
               <a:latin typeface="华文楷体" panose="02010600040101010101" pitchFamily="2" charset="-122"/>
               <a:ea typeface="华文楷体" panose="02010600040101010101" pitchFamily="2" charset="-122"/>
             </a:endParaRPr>
           </a:p>
           <a:p>
             <a:r>
+              <a:rPr lang="en-US" altLang="zh-CN" sz="2400" err="1" smtClean="0">
+                <a:latin typeface="华文楷体" panose="02010600040101010101" pitchFamily="2" charset="-122"/>
+                <a:ea typeface="华文楷体" panose="02010600040101010101" pitchFamily="2" charset="-122"/>
+              </a:rPr>
+              <a:t>mysqldump</a:t>
+            </a:r>
+            <a:r>
+              <a:rPr lang="en-US" altLang="zh-CN" sz="2400" smtClean="0">
+                <a:latin typeface="华文楷体" panose="02010600040101010101" pitchFamily="2" charset="-122"/>
+                <a:ea typeface="华文楷体" panose="02010600040101010101" pitchFamily="2" charset="-122"/>
+              </a:rPr>
+              <a:t> </a:t>
+            </a:r>
+            <a:r>
+              <a:rPr lang="en-US" altLang="zh-CN" sz="2400">
+                <a:latin typeface="华文楷体" panose="02010600040101010101" pitchFamily="2" charset="-122"/>
+                <a:ea typeface="华文楷体" panose="02010600040101010101" pitchFamily="2" charset="-122"/>
+              </a:rPr>
+              <a:t>-</a:t>
+            </a:r>
+            <a:r>
               <a:rPr lang="en-US" altLang="zh-CN" sz="2400" err="1">
                 <a:latin typeface="华文楷体" panose="02010600040101010101" pitchFamily="2" charset="-122"/>
                 <a:ea typeface="华文楷体" panose="02010600040101010101" pitchFamily="2" charset="-122"/>
               </a:rPr>
-              <a:t>pt</a:t>
+              <a:t>uroot</a:t>
             </a:r>
             <a:r>
               <a:rPr lang="en-US" altLang="zh-CN" sz="2400">
                 <a:latin typeface="华文楷体" panose="02010600040101010101" pitchFamily="2" charset="-122"/>
                 <a:ea typeface="华文楷体" panose="02010600040101010101" pitchFamily="2" charset="-122"/>
               </a:rPr>
-              <a:t>-online-schema-change --user=root --password=Hc2015# --host=10.11.21.31  --alter "add index </a:t>
+              <a:t> -p --single-transaction --opt </a:t>
             </a:r>
             <a:r>
               <a:rPr lang="en-US" altLang="zh-CN" sz="2400" err="1">
                 <a:latin typeface="华文楷体" panose="02010600040101010101" pitchFamily="2" charset="-122"/>
                 <a:ea typeface="华文楷体" panose="02010600040101010101" pitchFamily="2" charset="-122"/>
               </a:rPr>
-              <a:t>inx_version</a:t>
+              <a:t>prod_PHAPP</a:t>
             </a:r>
             <a:r>
               <a:rPr lang="en-US" altLang="zh-CN" sz="2400">
                 <a:latin typeface="华文楷体" panose="02010600040101010101" pitchFamily="2" charset="-122"/>
                 <a:ea typeface="华文楷体" panose="02010600040101010101" pitchFamily="2" charset="-122"/>
               </a:rPr>
-              <a:t>(version)" D=</a:t>
+              <a:t>      --set-</a:t>
             </a:r>
             <a:r>
               <a:rPr lang="en-US" altLang="zh-CN" sz="2400" err="1">
                 <a:latin typeface="华文楷体" panose="02010600040101010101" pitchFamily="2" charset="-122"/>
                 <a:ea typeface="华文楷体" panose="02010600040101010101" pitchFamily="2" charset="-122"/>
               </a:rPr>
-              <a:t>infoserve,t</a:t>
+              <a:t>gtid</a:t>
             </a:r>
             <a:r>
               <a:rPr lang="en-US" altLang="zh-CN" sz="2400">
                 <a:latin typeface="华文楷体" panose="02010600040101010101" pitchFamily="2" charset="-122"/>
                 <a:ea typeface="华文楷体" panose="02010600040101010101" pitchFamily="2" charset="-122"/>
               </a:rPr>
-              <a:t>=</a:t>
-            </a:r>
-            <a:r>
-              <a:rPr lang="en-US" altLang="zh-CN" sz="2400" err="1">
-                <a:latin typeface="华文楷体" panose="02010600040101010101" pitchFamily="2" charset="-122"/>
-                <a:ea typeface="华文楷体" panose="02010600040101010101" pitchFamily="2" charset="-122"/>
-              </a:rPr>
-              <a:t>comp_pub_bill</a:t>
-            </a:r>
-            <a:r>
-              <a:rPr lang="en-US" altLang="zh-CN" sz="2400">
-                <a:latin typeface="华文楷体" panose="02010600040101010101" pitchFamily="2" charset="-122"/>
-                <a:ea typeface="华文楷体" panose="02010600040101010101" pitchFamily="2" charset="-122"/>
-              </a:rPr>
-              <a:t> --no-check-alter   --execute</a:t>
-            </a:r>
-          </a:p>
-          <a:p>
-            <a:endParaRPr lang="en-US" altLang="zh-CN" sz="3200" smtClean="0">
+              <a:t>-purged=OFF &gt; /</a:t>
+            </a:r>
+            <a:r>
+              <a:rPr lang="en-US" altLang="zh-CN" sz="2400" smtClean="0">
+                <a:latin typeface="华文楷体" panose="02010600040101010101" pitchFamily="2" charset="-122"/>
+                <a:ea typeface="华文楷体" panose="02010600040101010101" pitchFamily="2" charset="-122"/>
+              </a:rPr>
+              <a:t>disk4/</a:t>
+            </a:r>
+            <a:r>
+              <a:rPr lang="en-US" altLang="zh-CN" sz="2400" err="1" smtClean="0">
+                <a:latin typeface="华文楷体" panose="02010600040101010101" pitchFamily="2" charset="-122"/>
+                <a:ea typeface="华文楷体" panose="02010600040101010101" pitchFamily="2" charset="-122"/>
+              </a:rPr>
+              <a:t>backup_dump</a:t>
+            </a:r>
+            <a:r>
+              <a:rPr lang="en-US" altLang="zh-CN" sz="2400" smtClean="0">
+                <a:latin typeface="华文楷体" panose="02010600040101010101" pitchFamily="2" charset="-122"/>
+                <a:ea typeface="华文楷体" panose="02010600040101010101" pitchFamily="2" charset="-122"/>
+              </a:rPr>
+              <a:t>/prod_PHAPP201609291007bak.sql</a:t>
+            </a:r>
+          </a:p>
+          <a:p>
+            <a:endParaRPr lang="en-US" altLang="zh-CN" sz="2400">
               <a:latin typeface="华文楷体" panose="02010600040101010101" pitchFamily="2" charset="-122"/>
               <a:ea typeface="华文楷体" panose="02010600040101010101" pitchFamily="2" charset="-122"/>
             </a:endParaRPr>
           </a:p>
           <a:p>
-            <a:endParaRPr lang="en-US" altLang="zh-CN" sz="3200" smtClean="0">
+            <a:endParaRPr lang="en-US" altLang="zh-CN" sz="2400" smtClean="0">
               <a:latin typeface="华文楷体" panose="02010600040101010101" pitchFamily="2" charset="-122"/>
               <a:ea typeface="华文楷体" panose="02010600040101010101" pitchFamily="2" charset="-122"/>
             </a:endParaRPr>
           </a:p>
           <a:p>
             <a:r>
+              <a:rPr lang="en-US" altLang="zh-CN" sz="2400" err="1" smtClean="0">
+                <a:latin typeface="华文楷体" panose="02010600040101010101" pitchFamily="2" charset="-122"/>
+                <a:ea typeface="华文楷体" panose="02010600040101010101" pitchFamily="2" charset="-122"/>
+              </a:rPr>
+              <a:t>mysqldump</a:t>
+            </a:r>
+            <a:r>
+              <a:rPr lang="en-US" altLang="zh-CN" sz="2400" smtClean="0">
+                <a:latin typeface="华文楷体" panose="02010600040101010101" pitchFamily="2" charset="-122"/>
+                <a:ea typeface="华文楷体" panose="02010600040101010101" pitchFamily="2" charset="-122"/>
+              </a:rPr>
+              <a:t>  </a:t>
+            </a:r>
+            <a:r>
+              <a:rPr lang="en-US" altLang="zh-CN" sz="2400">
+                <a:latin typeface="华文楷体" panose="02010600040101010101" pitchFamily="2" charset="-122"/>
+                <a:ea typeface="华文楷体" panose="02010600040101010101" pitchFamily="2" charset="-122"/>
+              </a:rPr>
+              <a:t>-</a:t>
+            </a:r>
+            <a:r>
               <a:rPr lang="en-US" altLang="zh-CN" sz="2400" err="1">
                 <a:latin typeface="华文楷体" panose="02010600040101010101" pitchFamily="2" charset="-122"/>
                 <a:ea typeface="华文楷体" panose="02010600040101010101" pitchFamily="2" charset="-122"/>
               </a:rPr>
-              <a:t>pt</a:t>
+              <a:t>uroot</a:t>
             </a:r>
             <a:r>
               <a:rPr lang="en-US" altLang="zh-CN" sz="2400">
                 <a:latin typeface="华文楷体" panose="02010600040101010101" pitchFamily="2" charset="-122"/>
                 <a:ea typeface="华文楷体" panose="02010600040101010101" pitchFamily="2" charset="-122"/>
               </a:rPr>
-              <a:t>-online-schema-change --user=root --password=Hc2015# --host=10.11.21.31  --alter "add index </a:t>
+              <a:t> -p --single-transaction --opt   --set-</a:t>
             </a:r>
             <a:r>
               <a:rPr lang="en-US" altLang="zh-CN" sz="2400" err="1">
                 <a:latin typeface="华文楷体" panose="02010600040101010101" pitchFamily="2" charset="-122"/>
                 <a:ea typeface="华文楷体" panose="02010600040101010101" pitchFamily="2" charset="-122"/>
               </a:rPr>
-              <a:t>inx_version</a:t>
+              <a:t>gtid</a:t>
             </a:r>
             <a:r>
               <a:rPr lang="en-US" altLang="zh-CN" sz="2400">
                 <a:latin typeface="华文楷体" panose="02010600040101010101" pitchFamily="2" charset="-122"/>
                 <a:ea typeface="华文楷体" panose="02010600040101010101" pitchFamily="2" charset="-122"/>
               </a:rPr>
-              <a:t>(version)" D=</a:t>
+              <a:t>-purged=OFF  --skip-add-drop-table    </a:t>
             </a:r>
             <a:r>
               <a:rPr lang="en-US" altLang="zh-CN" sz="2400" err="1">
                 <a:latin typeface="华文楷体" panose="02010600040101010101" pitchFamily="2" charset="-122"/>
                 <a:ea typeface="华文楷体" panose="02010600040101010101" pitchFamily="2" charset="-122"/>
               </a:rPr>
-              <a:t>infoseve,t</a:t>
+              <a:t>nasdaq</a:t>
             </a:r>
             <a:r>
               <a:rPr lang="en-US" altLang="zh-CN" sz="2400">
                 <a:latin typeface="华文楷体" panose="02010600040101010101" pitchFamily="2" charset="-122"/>
                 <a:ea typeface="华文楷体" panose="02010600040101010101" pitchFamily="2" charset="-122"/>
               </a:rPr>
-              <a:t>=</a:t>
+              <a:t>  </a:t>
             </a:r>
             <a:r>
               <a:rPr lang="en-US" altLang="zh-CN" sz="2400" err="1">
                 <a:latin typeface="华文楷体" panose="02010600040101010101" pitchFamily="2" charset="-122"/>
                 <a:ea typeface="华文楷体" panose="02010600040101010101" pitchFamily="2" charset="-122"/>
               </a:rPr>
-              <a:t>comp_pub_bill</a:t>
+              <a:t>h_transfer_record</a:t>
             </a:r>
             <a:r>
               <a:rPr lang="en-US" altLang="zh-CN" sz="2400">
                 <a:latin typeface="华文楷体" panose="02010600040101010101" pitchFamily="2" charset="-122"/>
                 <a:ea typeface="华文楷体" panose="02010600040101010101" pitchFamily="2" charset="-122"/>
               </a:rPr>
-              <a:t> --no-check-alter --no-check-replication-filters  --alter-foreign-keys-method=</a:t>
+              <a:t> </a:t>
             </a:r>
             <a:r>
               <a:rPr lang="en-US" altLang="zh-CN" sz="2400" err="1">
                 <a:latin typeface="华文楷体" panose="02010600040101010101" pitchFamily="2" charset="-122"/>
                 <a:ea typeface="华文楷体" panose="02010600040101010101" pitchFamily="2" charset="-122"/>
               </a:rPr>
-              <a:t>rebuild_constraints</a:t>
+              <a:t>h_orders</a:t>
             </a:r>
             <a:r>
               <a:rPr lang="en-US" altLang="zh-CN" sz="2400">
                 <a:latin typeface="华文楷体" panose="02010600040101010101" pitchFamily="2" charset="-122"/>
                 <a:ea typeface="华文楷体" panose="02010600040101010101" pitchFamily="2" charset="-122"/>
               </a:rPr>
-              <a:t>  --execute</a:t>
-            </a:r>
+              <a:t>  &gt; nasdaq_twotabs201607191317.sql</a:t>
+            </a:r>
+          </a:p>
+          <a:p>
+            <a:endParaRPr lang="en-US" altLang="zh-CN" sz="2400">
+              <a:latin typeface="华文楷体" panose="02010600040101010101" pitchFamily="2" charset="-122"/>
+              <a:ea typeface="华文楷体" panose="02010600040101010101" pitchFamily="2" charset="-122"/>
+            </a:endParaRPr>
           </a:p>
           <a:p>
             <a:endParaRPr lang="en-US" altLang="zh-CN" sz="3200" smtClean="0">
@@ -9523,7 +9440,7 @@
     </p:spTree>
     <p:extLst>
       <p:ext uri="{BB962C8B-B14F-4D97-AF65-F5344CB8AC3E}">
-        <p14:creationId xmlns:p14="http://schemas.microsoft.com/office/powerpoint/2010/main" val="2593973854"/>
+        <p14:creationId xmlns:p14="http://schemas.microsoft.com/office/powerpoint/2010/main" val="1129739817"/>
       </p:ext>
     </p:extLst>
   </p:cSld>
@@ -9639,7 +9556,7 @@
         <p:spPr>
           <a:xfrm>
             <a:off x="610954" y="551405"/>
-            <a:ext cx="11449982" cy="5509200"/>
+            <a:ext cx="11449982" cy="6124754"/>
           </a:xfrm>
           <a:prstGeom prst="rect">
             <a:avLst/>
@@ -9670,7 +9587,7 @@
                 <a:latin typeface="华文楷体" panose="02010600040101010101" pitchFamily="2" charset="-122"/>
                 <a:ea typeface="华文楷体" panose="02010600040101010101" pitchFamily="2" charset="-122"/>
               </a:rPr>
-              <a:t>分析数据库慢查询日志：</a:t>
+              <a:t>查看数据库历史操作记录命令：</a:t>
             </a:r>
             <a:endParaRPr lang="en-US" altLang="zh-CN" sz="3200" smtClean="0">
               <a:latin typeface="华文楷体" panose="02010600040101010101" pitchFamily="2" charset="-122"/>
@@ -9679,14 +9596,12 @@
           </a:p>
           <a:p>
             <a:r>
-              <a:rPr lang="en-US" altLang="zh-CN" sz="3200" smtClean="0">
-                <a:latin typeface="华文楷体" panose="02010600040101010101" pitchFamily="2" charset="-122"/>
-                <a:ea typeface="华文楷体" panose="02010600040101010101" pitchFamily="2" charset="-122"/>
-              </a:rPr>
-              <a:t>Pt-query-digest</a:t>
-            </a:r>
-          </a:p>
-          <a:p>
+              <a:rPr lang="en-US" altLang="zh-CN" sz="3200" err="1">
+                <a:latin typeface="华文楷体" panose="02010600040101010101" pitchFamily="2" charset="-122"/>
+                <a:ea typeface="华文楷体" panose="02010600040101010101" pitchFamily="2" charset="-122"/>
+              </a:rPr>
+              <a:t>mysqlbinlog</a:t>
+            </a:r>
             <a:endParaRPr lang="en-US" altLang="zh-CN" sz="3200">
               <a:latin typeface="华文楷体" panose="02010600040101010101" pitchFamily="2" charset="-122"/>
               <a:ea typeface="华文楷体" panose="02010600040101010101" pitchFamily="2" charset="-122"/>
@@ -9694,20 +9609,75 @@
           </a:p>
           <a:p>
             <a:r>
-              <a:rPr lang="en-US" altLang="zh-CN" sz="2400" err="1">
-                <a:latin typeface="华文楷体" panose="02010600040101010101" pitchFamily="2" charset="-122"/>
-                <a:ea typeface="华文楷体" panose="02010600040101010101" pitchFamily="2" charset="-122"/>
-              </a:rPr>
-              <a:t>pt</a:t>
-            </a:r>
-            <a:r>
-              <a:rPr lang="en-US" altLang="zh-CN" sz="2400">
-                <a:latin typeface="华文楷体" panose="02010600040101010101" pitchFamily="2" charset="-122"/>
-                <a:ea typeface="华文楷体" panose="02010600040101010101" pitchFamily="2" charset="-122"/>
-              </a:rPr>
-              <a:t>-query-digest slowquery_2016091210.log &gt;091210.sql</a:t>
-            </a:r>
-            <a:endParaRPr lang="en-US" altLang="zh-CN" sz="2400" smtClean="0">
+              <a:rPr lang="en-US" altLang="zh-CN" sz="3200" smtClean="0">
+                <a:latin typeface="华文楷体" panose="02010600040101010101" pitchFamily="2" charset="-122"/>
+                <a:ea typeface="华文楷体" panose="02010600040101010101" pitchFamily="2" charset="-122"/>
+              </a:rPr>
+              <a:t> </a:t>
+            </a:r>
+            <a:endParaRPr lang="en-US" altLang="zh-CN" sz="2000">
+              <a:latin typeface="华文楷体" panose="02010600040101010101" pitchFamily="2" charset="-122"/>
+              <a:ea typeface="华文楷体" panose="02010600040101010101" pitchFamily="2" charset="-122"/>
+            </a:endParaRPr>
+          </a:p>
+          <a:p>
+            <a:r>
+              <a:rPr lang="en-US" altLang="zh-CN" sz="2400" err="1" smtClean="0"/>
+              <a:t>mysqlbinlog</a:t>
+            </a:r>
+            <a:r>
+              <a:rPr lang="en-US" altLang="zh-CN" sz="2400"/>
+              <a:t> --base64-output='decode-rows' -</a:t>
+            </a:r>
+            <a:r>
+              <a:rPr lang="en-US" altLang="zh-CN" sz="2400" err="1"/>
+              <a:t>vv</a:t>
+            </a:r>
+            <a:r>
+              <a:rPr lang="en-US" altLang="zh-CN" sz="2400"/>
+              <a:t> --start-</a:t>
+            </a:r>
+            <a:r>
+              <a:rPr lang="en-US" altLang="zh-CN" sz="2400" err="1"/>
+              <a:t>datetime</a:t>
+            </a:r>
+            <a:r>
+              <a:rPr lang="en-US" altLang="zh-CN" sz="2400"/>
+              <a:t>="2016-04-15 8:08:01" --stop-</a:t>
+            </a:r>
+            <a:r>
+              <a:rPr lang="en-US" altLang="zh-CN" sz="2400" err="1"/>
+              <a:t>datetime</a:t>
+            </a:r>
+            <a:r>
+              <a:rPr lang="en-US" altLang="zh-CN" sz="2400"/>
+              <a:t>="2016-04-15 10:15:32"  -d </a:t>
+            </a:r>
+            <a:r>
+              <a:rPr lang="en-US" altLang="zh-CN" sz="2400" err="1"/>
+              <a:t>dev_capital</a:t>
+            </a:r>
+            <a:r>
+              <a:rPr lang="en-US" altLang="zh-CN" sz="2400"/>
+              <a:t> /opt/</a:t>
+            </a:r>
+            <a:r>
+              <a:rPr lang="en-US" altLang="zh-CN" sz="2400" err="1"/>
+              <a:t>mysql</a:t>
+            </a:r>
+            <a:r>
+              <a:rPr lang="en-US" altLang="zh-CN" sz="2400"/>
+              <a:t>/data/mysql-bin.000553 &gt; /opt/</a:t>
+            </a:r>
+            <a:r>
+              <a:rPr lang="en-US" altLang="zh-CN" sz="2400" err="1"/>
+              <a:t>mysql</a:t>
+            </a:r>
+            <a:r>
+              <a:rPr lang="en-US" altLang="zh-CN" sz="2400"/>
+              <a:t>/data/3.txt</a:t>
+            </a:r>
+            <a:endParaRPr lang="en-US" altLang="zh-CN" sz="2400">
               <a:latin typeface="华文楷体" panose="02010600040101010101" pitchFamily="2" charset="-122"/>
               <a:ea typeface="华文楷体" panose="02010600040101010101" pitchFamily="2" charset="-122"/>
             </a:endParaRPr>
@@ -9774,7 +9744,7 @@
     </p:spTree>
     <p:extLst>
       <p:ext uri="{BB962C8B-B14F-4D97-AF65-F5344CB8AC3E}">
-        <p14:creationId xmlns:p14="http://schemas.microsoft.com/office/powerpoint/2010/main" val="1416663073"/>
+        <p14:creationId xmlns:p14="http://schemas.microsoft.com/office/powerpoint/2010/main" val="1232291133"/>
       </p:ext>
     </p:extLst>
   </p:cSld>
@@ -9889,8 +9859,8 @@
         </p:nvSpPr>
         <p:spPr>
           <a:xfrm>
-            <a:off x="610954" y="551405"/>
-            <a:ext cx="11449982" cy="6309420"/>
+            <a:off x="574378" y="548580"/>
+            <a:ext cx="11449982" cy="7848302"/>
           </a:xfrm>
           <a:prstGeom prst="rect">
             <a:avLst/>
@@ -9904,18 +9874,11 @@
           <a:lstStyle/>
           <a:p>
             <a:r>
-              <a:rPr lang="en-US" altLang="zh-CN" sz="3200" err="1" smtClean="0">
-                <a:latin typeface="华文楷体" panose="02010600040101010101" pitchFamily="2" charset="-122"/>
-                <a:ea typeface="华文楷体" panose="02010600040101010101" pitchFamily="2" charset="-122"/>
-              </a:rPr>
-              <a:t>Mysql</a:t>
-            </a:r>
-            <a:r>
               <a:rPr lang="zh-CN" altLang="en-US" sz="3200" smtClean="0">
                 <a:latin typeface="华文楷体" panose="02010600040101010101" pitchFamily="2" charset="-122"/>
                 <a:ea typeface="华文楷体" panose="02010600040101010101" pitchFamily="2" charset="-122"/>
               </a:rPr>
-              <a:t>主从同步</a:t>
+              <a:t>常用的工具集介绍</a:t>
             </a:r>
             <a:endParaRPr lang="en-US" altLang="zh-CN" sz="3200" smtClean="0">
               <a:latin typeface="华文楷体" panose="02010600040101010101" pitchFamily="2" charset="-122"/>
@@ -9928,21 +9891,7 @@
                 <a:latin typeface="华文楷体" panose="02010600040101010101" pitchFamily="2" charset="-122"/>
                 <a:ea typeface="华文楷体" panose="02010600040101010101" pitchFamily="2" charset="-122"/>
               </a:rPr>
-              <a:t>如何判断</a:t>
-            </a:r>
-            <a:r>
-              <a:rPr lang="en-US" altLang="zh-CN" sz="3200" err="1" smtClean="0">
-                <a:latin typeface="华文楷体" panose="02010600040101010101" pitchFamily="2" charset="-122"/>
-                <a:ea typeface="华文楷体" panose="02010600040101010101" pitchFamily="2" charset="-122"/>
-              </a:rPr>
-              <a:t>mysql</a:t>
-            </a:r>
-            <a:r>
-              <a:rPr lang="zh-CN" altLang="en-US" sz="3200" smtClean="0">
-                <a:latin typeface="华文楷体" panose="02010600040101010101" pitchFamily="2" charset="-122"/>
-                <a:ea typeface="华文楷体" panose="02010600040101010101" pitchFamily="2" charset="-122"/>
-              </a:rPr>
-              <a:t>主从是否同步：</a:t>
+              <a:t>查看数据库历史操作记录命令：</a:t>
             </a:r>
             <a:endParaRPr lang="en-US" altLang="zh-CN" sz="3200" smtClean="0">
               <a:latin typeface="华文楷体" panose="02010600040101010101" pitchFamily="2" charset="-122"/>
@@ -9951,143 +9900,186 @@
           </a:p>
           <a:p>
             <a:r>
-              <a:rPr lang="zh-CN" altLang="en-US" sz="2000">
-                <a:latin typeface="华文楷体" panose="02010600040101010101" pitchFamily="2" charset="-122"/>
-                <a:ea typeface="华文楷体" panose="02010600040101010101" pitchFamily="2" charset="-122"/>
-              </a:rPr>
-              <a:t>主</a:t>
-            </a:r>
-            <a:r>
-              <a:rPr lang="zh-CN" altLang="en-US" sz="2000" smtClean="0">
-                <a:latin typeface="华文楷体" panose="02010600040101010101" pitchFamily="2" charset="-122"/>
-                <a:ea typeface="华文楷体" panose="02010600040101010101" pitchFamily="2" charset="-122"/>
-              </a:rPr>
-              <a:t>库上：</a:t>
-            </a:r>
-            <a:endParaRPr lang="en-US" altLang="zh-CN" sz="2000" smtClean="0">
+              <a:rPr lang="zh-CN" altLang="en-US" sz="3200" smtClean="0">
+                <a:latin typeface="华文楷体" panose="02010600040101010101" pitchFamily="2" charset="-122"/>
+                <a:ea typeface="华文楷体" panose="02010600040101010101" pitchFamily="2" charset="-122"/>
+              </a:rPr>
+              <a:t>在线变更</a:t>
+            </a:r>
+            <a:r>
+              <a:rPr lang="en-US" altLang="zh-CN" sz="3200" err="1" smtClean="0">
+                <a:latin typeface="华文楷体" panose="02010600040101010101" pitchFamily="2" charset="-122"/>
+                <a:ea typeface="华文楷体" panose="02010600040101010101" pitchFamily="2" charset="-122"/>
+              </a:rPr>
+              <a:t>mysql</a:t>
+            </a:r>
+            <a:r>
+              <a:rPr lang="zh-CN" altLang="en-US" sz="3200" smtClean="0">
+                <a:latin typeface="华文楷体" panose="02010600040101010101" pitchFamily="2" charset="-122"/>
+                <a:ea typeface="华文楷体" panose="02010600040101010101" pitchFamily="2" charset="-122"/>
+              </a:rPr>
+              <a:t>表结构</a:t>
+            </a:r>
+            <a:endParaRPr lang="en-US" altLang="zh-CN" sz="3200" smtClean="0">
               <a:latin typeface="华文楷体" panose="02010600040101010101" pitchFamily="2" charset="-122"/>
               <a:ea typeface="华文楷体" panose="02010600040101010101" pitchFamily="2" charset="-122"/>
             </a:endParaRPr>
           </a:p>
           <a:p>
             <a:r>
-              <a:rPr lang="en-US" altLang="zh-CN" sz="2000" err="1">
-                <a:latin typeface="华文楷体" panose="02010600040101010101" pitchFamily="2" charset="-122"/>
-                <a:ea typeface="华文楷体" panose="02010600040101010101" pitchFamily="2" charset="-122"/>
-              </a:rPr>
-              <a:t>root@localhost:mysql.sock</a:t>
-            </a:r>
-            <a:r>
-              <a:rPr lang="en-US" altLang="zh-CN" sz="2000">
-                <a:latin typeface="华文楷体" panose="02010600040101010101" pitchFamily="2" charset="-122"/>
-                <a:ea typeface="华文楷体" panose="02010600040101010101" pitchFamily="2" charset="-122"/>
-              </a:rPr>
-              <a:t>  14:18:00 [(none)]&gt;show master status\G</a:t>
-            </a:r>
-          </a:p>
-          <a:p>
-            <a:r>
-              <a:rPr lang="en-US" altLang="zh-CN" sz="2000">
-                <a:latin typeface="华文楷体" panose="02010600040101010101" pitchFamily="2" charset="-122"/>
-                <a:ea typeface="华文楷体" panose="02010600040101010101" pitchFamily="2" charset="-122"/>
-              </a:rPr>
-              <a:t>*************************** 1. row ***************************</a:t>
-            </a:r>
-          </a:p>
-          <a:p>
-            <a:r>
-              <a:rPr lang="en-US" altLang="zh-CN" sz="2000">
-                <a:latin typeface="华文楷体" panose="02010600040101010101" pitchFamily="2" charset="-122"/>
-                <a:ea typeface="华文楷体" panose="02010600040101010101" pitchFamily="2" charset="-122"/>
-              </a:rPr>
-              <a:t>             File: mybinlog.000039</a:t>
-            </a:r>
-          </a:p>
-          <a:p>
-            <a:r>
-              <a:rPr lang="en-US" altLang="zh-CN" sz="2000">
-                <a:latin typeface="华文楷体" panose="02010600040101010101" pitchFamily="2" charset="-122"/>
-                <a:ea typeface="华文楷体" panose="02010600040101010101" pitchFamily="2" charset="-122"/>
-              </a:rPr>
-              <a:t>         Position: 1203</a:t>
-            </a:r>
-          </a:p>
-          <a:p>
-            <a:r>
-              <a:rPr lang="en-US" altLang="zh-CN" sz="2000">
-                <a:latin typeface="华文楷体" panose="02010600040101010101" pitchFamily="2" charset="-122"/>
-                <a:ea typeface="华文楷体" panose="02010600040101010101" pitchFamily="2" charset="-122"/>
-              </a:rPr>
-              <a:t>     </a:t>
-            </a:r>
-            <a:r>
-              <a:rPr lang="en-US" altLang="zh-CN" sz="2000" err="1">
-                <a:latin typeface="华文楷体" panose="02010600040101010101" pitchFamily="2" charset="-122"/>
-                <a:ea typeface="华文楷体" panose="02010600040101010101" pitchFamily="2" charset="-122"/>
-              </a:rPr>
-              <a:t>Binlog_Do_DB</a:t>
-            </a:r>
-            <a:r>
-              <a:rPr lang="en-US" altLang="zh-CN" sz="2000">
-                <a:latin typeface="华文楷体" panose="02010600040101010101" pitchFamily="2" charset="-122"/>
-                <a:ea typeface="华文楷体" panose="02010600040101010101" pitchFamily="2" charset="-122"/>
-              </a:rPr>
-              <a:t>: </a:t>
-            </a:r>
-          </a:p>
-          <a:p>
-            <a:r>
-              <a:rPr lang="en-US" altLang="zh-CN" sz="2000">
-                <a:latin typeface="华文楷体" panose="02010600040101010101" pitchFamily="2" charset="-122"/>
-                <a:ea typeface="华文楷体" panose="02010600040101010101" pitchFamily="2" charset="-122"/>
-              </a:rPr>
-              <a:t> </a:t>
-            </a:r>
-            <a:r>
-              <a:rPr lang="en-US" altLang="zh-CN" sz="2000" err="1">
-                <a:latin typeface="华文楷体" panose="02010600040101010101" pitchFamily="2" charset="-122"/>
-                <a:ea typeface="华文楷体" panose="02010600040101010101" pitchFamily="2" charset="-122"/>
-              </a:rPr>
-              <a:t>Binlog_Ignore_DB</a:t>
-            </a:r>
-            <a:r>
-              <a:rPr lang="en-US" altLang="zh-CN" sz="2000">
-                <a:latin typeface="华文楷体" panose="02010600040101010101" pitchFamily="2" charset="-122"/>
-                <a:ea typeface="华文楷体" panose="02010600040101010101" pitchFamily="2" charset="-122"/>
-              </a:rPr>
-              <a:t>: </a:t>
-            </a:r>
-          </a:p>
-          <a:p>
-            <a:r>
-              <a:rPr lang="en-US" altLang="zh-CN" sz="2000" err="1">
-                <a:latin typeface="华文楷体" panose="02010600040101010101" pitchFamily="2" charset="-122"/>
-                <a:ea typeface="华文楷体" panose="02010600040101010101" pitchFamily="2" charset="-122"/>
-              </a:rPr>
-              <a:t>Executed_Gtid_Set</a:t>
-            </a:r>
-            <a:r>
-              <a:rPr lang="en-US" altLang="zh-CN" sz="2000">
-                <a:latin typeface="华文楷体" panose="02010600040101010101" pitchFamily="2" charset="-122"/>
-                <a:ea typeface="华文楷体" panose="02010600040101010101" pitchFamily="2" charset="-122"/>
-              </a:rPr>
-              <a:t>: 2e3f5c76-0905-11e6-8dad-0050568fd581:1-1125</a:t>
-            </a:r>
-          </a:p>
-          <a:p>
-            <a:r>
-              <a:rPr lang="en-US" altLang="zh-CN" sz="2000">
-                <a:latin typeface="华文楷体" panose="02010600040101010101" pitchFamily="2" charset="-122"/>
-                <a:ea typeface="华文楷体" panose="02010600040101010101" pitchFamily="2" charset="-122"/>
-              </a:rPr>
-              <a:t>1 row in set (0.00 sec</a:t>
-            </a:r>
-            <a:r>
-              <a:rPr lang="en-US" altLang="zh-CN" sz="2000" smtClean="0">
-                <a:latin typeface="华文楷体" panose="02010600040101010101" pitchFamily="2" charset="-122"/>
-                <a:ea typeface="华文楷体" panose="02010600040101010101" pitchFamily="2" charset="-122"/>
-              </a:rPr>
-              <a:t>)</a:t>
+              <a:rPr lang="en-US" altLang="zh-CN" sz="3200" smtClean="0">
+                <a:latin typeface="华文楷体" panose="02010600040101010101" pitchFamily="2" charset="-122"/>
+                <a:ea typeface="华文楷体" panose="02010600040101010101" pitchFamily="2" charset="-122"/>
+              </a:rPr>
+              <a:t>Pt-online-schema-change</a:t>
+            </a:r>
+          </a:p>
+          <a:p>
+            <a:endParaRPr lang="en-US" altLang="zh-CN" sz="3200" smtClean="0">
+              <a:latin typeface="华文楷体" panose="02010600040101010101" pitchFamily="2" charset="-122"/>
+              <a:ea typeface="华文楷体" panose="02010600040101010101" pitchFamily="2" charset="-122"/>
+            </a:endParaRPr>
+          </a:p>
+          <a:p>
+            <a:r>
+              <a:rPr lang="en-US" altLang="zh-CN" sz="2400" err="1">
+                <a:latin typeface="华文楷体" panose="02010600040101010101" pitchFamily="2" charset="-122"/>
+                <a:ea typeface="华文楷体" panose="02010600040101010101" pitchFamily="2" charset="-122"/>
+              </a:rPr>
+              <a:t>pt</a:t>
+            </a:r>
+            <a:r>
+              <a:rPr lang="en-US" altLang="zh-CN" sz="2400">
+                <a:latin typeface="华文楷体" panose="02010600040101010101" pitchFamily="2" charset="-122"/>
+                <a:ea typeface="华文楷体" panose="02010600040101010101" pitchFamily="2" charset="-122"/>
+              </a:rPr>
+              <a:t>-online-schema-change --user=root --password=Hc2015# --host=10.11.21.31  --alter "add index </a:t>
+            </a:r>
+            <a:r>
+              <a:rPr lang="en-US" altLang="zh-CN" sz="2400" err="1">
+                <a:latin typeface="华文楷体" panose="02010600040101010101" pitchFamily="2" charset="-122"/>
+                <a:ea typeface="华文楷体" panose="02010600040101010101" pitchFamily="2" charset="-122"/>
+              </a:rPr>
+              <a:t>inx_version</a:t>
+            </a:r>
+            <a:r>
+              <a:rPr lang="en-US" altLang="zh-CN" sz="2400">
+                <a:latin typeface="华文楷体" panose="02010600040101010101" pitchFamily="2" charset="-122"/>
+                <a:ea typeface="华文楷体" panose="02010600040101010101" pitchFamily="2" charset="-122"/>
+              </a:rPr>
+              <a:t>(version)" D=</a:t>
+            </a:r>
+            <a:r>
+              <a:rPr lang="en-US" altLang="zh-CN" sz="2400" err="1">
+                <a:latin typeface="华文楷体" panose="02010600040101010101" pitchFamily="2" charset="-122"/>
+                <a:ea typeface="华文楷体" panose="02010600040101010101" pitchFamily="2" charset="-122"/>
+              </a:rPr>
+              <a:t>infoserve,t</a:t>
+            </a:r>
+            <a:r>
+              <a:rPr lang="en-US" altLang="zh-CN" sz="2400">
+                <a:latin typeface="华文楷体" panose="02010600040101010101" pitchFamily="2" charset="-122"/>
+                <a:ea typeface="华文楷体" panose="02010600040101010101" pitchFamily="2" charset="-122"/>
+              </a:rPr>
+              <a:t>=</a:t>
+            </a:r>
+            <a:r>
+              <a:rPr lang="en-US" altLang="zh-CN" sz="2400" err="1">
+                <a:latin typeface="华文楷体" panose="02010600040101010101" pitchFamily="2" charset="-122"/>
+                <a:ea typeface="华文楷体" panose="02010600040101010101" pitchFamily="2" charset="-122"/>
+              </a:rPr>
+              <a:t>comp_pub_bill</a:t>
+            </a:r>
+            <a:r>
+              <a:rPr lang="en-US" altLang="zh-CN" sz="2400">
+                <a:latin typeface="华文楷体" panose="02010600040101010101" pitchFamily="2" charset="-122"/>
+                <a:ea typeface="华文楷体" panose="02010600040101010101" pitchFamily="2" charset="-122"/>
+              </a:rPr>
+              <a:t> --no-check-alter   --execute</a:t>
+            </a:r>
+          </a:p>
+          <a:p>
+            <a:endParaRPr lang="en-US" altLang="zh-CN" sz="3200" smtClean="0">
+              <a:latin typeface="华文楷体" panose="02010600040101010101" pitchFamily="2" charset="-122"/>
+              <a:ea typeface="华文楷体" panose="02010600040101010101" pitchFamily="2" charset="-122"/>
+            </a:endParaRPr>
+          </a:p>
+          <a:p>
+            <a:endParaRPr lang="en-US" altLang="zh-CN" sz="3200" smtClean="0">
+              <a:latin typeface="华文楷体" panose="02010600040101010101" pitchFamily="2" charset="-122"/>
+              <a:ea typeface="华文楷体" panose="02010600040101010101" pitchFamily="2" charset="-122"/>
+            </a:endParaRPr>
+          </a:p>
+          <a:p>
+            <a:r>
+              <a:rPr lang="en-US" altLang="zh-CN" sz="2400" err="1">
+                <a:latin typeface="华文楷体" panose="02010600040101010101" pitchFamily="2" charset="-122"/>
+                <a:ea typeface="华文楷体" panose="02010600040101010101" pitchFamily="2" charset="-122"/>
+              </a:rPr>
+              <a:t>pt</a:t>
+            </a:r>
+            <a:r>
+              <a:rPr lang="en-US" altLang="zh-CN" sz="2400">
+                <a:latin typeface="华文楷体" panose="02010600040101010101" pitchFamily="2" charset="-122"/>
+                <a:ea typeface="华文楷体" panose="02010600040101010101" pitchFamily="2" charset="-122"/>
+              </a:rPr>
+              <a:t>-online-schema-change --user=root --password=Hc2015# --host=10.11.21.31  --alter "add index </a:t>
+            </a:r>
+            <a:r>
+              <a:rPr lang="en-US" altLang="zh-CN" sz="2400" err="1">
+                <a:latin typeface="华文楷体" panose="02010600040101010101" pitchFamily="2" charset="-122"/>
+                <a:ea typeface="华文楷体" panose="02010600040101010101" pitchFamily="2" charset="-122"/>
+              </a:rPr>
+              <a:t>inx_version</a:t>
+            </a:r>
+            <a:r>
+              <a:rPr lang="en-US" altLang="zh-CN" sz="2400">
+                <a:latin typeface="华文楷体" panose="02010600040101010101" pitchFamily="2" charset="-122"/>
+                <a:ea typeface="华文楷体" panose="02010600040101010101" pitchFamily="2" charset="-122"/>
+              </a:rPr>
+              <a:t>(version)" D=</a:t>
+            </a:r>
+            <a:r>
+              <a:rPr lang="en-US" altLang="zh-CN" sz="2400" err="1">
+                <a:latin typeface="华文楷体" panose="02010600040101010101" pitchFamily="2" charset="-122"/>
+                <a:ea typeface="华文楷体" panose="02010600040101010101" pitchFamily="2" charset="-122"/>
+              </a:rPr>
+              <a:t>infoseve,t</a:t>
+            </a:r>
+            <a:r>
+              <a:rPr lang="en-US" altLang="zh-CN" sz="2400">
+                <a:latin typeface="华文楷体" panose="02010600040101010101" pitchFamily="2" charset="-122"/>
+                <a:ea typeface="华文楷体" panose="02010600040101010101" pitchFamily="2" charset="-122"/>
+              </a:rPr>
+              <a:t>=</a:t>
+            </a:r>
+            <a:r>
+              <a:rPr lang="en-US" altLang="zh-CN" sz="2400" err="1">
+                <a:latin typeface="华文楷体" panose="02010600040101010101" pitchFamily="2" charset="-122"/>
+                <a:ea typeface="华文楷体" panose="02010600040101010101" pitchFamily="2" charset="-122"/>
+              </a:rPr>
+              <a:t>comp_pub_bill</a:t>
+            </a:r>
+            <a:r>
+              <a:rPr lang="en-US" altLang="zh-CN" sz="2400">
+                <a:latin typeface="华文楷体" panose="02010600040101010101" pitchFamily="2" charset="-122"/>
+                <a:ea typeface="华文楷体" panose="02010600040101010101" pitchFamily="2" charset="-122"/>
+              </a:rPr>
+              <a:t> --no-check-alter --no-check-replication-filters  --alter-foreign-keys-method=</a:t>
+            </a:r>
+            <a:r>
+              <a:rPr lang="en-US" altLang="zh-CN" sz="2400" err="1">
+                <a:latin typeface="华文楷体" panose="02010600040101010101" pitchFamily="2" charset="-122"/>
+                <a:ea typeface="华文楷体" panose="02010600040101010101" pitchFamily="2" charset="-122"/>
+              </a:rPr>
+              <a:t>rebuild_constraints</a:t>
+            </a:r>
+            <a:r>
+              <a:rPr lang="en-US" altLang="zh-CN" sz="2400">
+                <a:latin typeface="华文楷体" panose="02010600040101010101" pitchFamily="2" charset="-122"/>
+                <a:ea typeface="华文楷体" panose="02010600040101010101" pitchFamily="2" charset="-122"/>
+              </a:rPr>
+              <a:t>  --execute</a:t>
             </a:r>
           </a:p>
           <a:p>
@@ -10146,7 +10138,7 @@
     </p:spTree>
     <p:extLst>
       <p:ext uri="{BB962C8B-B14F-4D97-AF65-F5344CB8AC3E}">
-        <p14:creationId xmlns:p14="http://schemas.microsoft.com/office/powerpoint/2010/main" val="10667558"/>
+        <p14:creationId xmlns:p14="http://schemas.microsoft.com/office/powerpoint/2010/main" val="2593973854"/>
       </p:ext>
     </p:extLst>
   </p:cSld>
@@ -10262,7 +10254,7 @@
         <p:spPr>
           <a:xfrm>
             <a:off x="610954" y="551405"/>
-            <a:ext cx="11449982" cy="18620482"/>
+            <a:ext cx="11449982" cy="5509200"/>
           </a:xfrm>
           <a:prstGeom prst="rect">
             <a:avLst/>
@@ -10276,1345 +10268,128 @@
           <a:lstStyle/>
           <a:p>
             <a:r>
-              <a:rPr lang="en-US" altLang="zh-CN" sz="3200" dirty="0" err="1" smtClean="0">
-                <a:latin typeface="华文楷体" panose="02010600040101010101" pitchFamily="2" charset="-122"/>
-                <a:ea typeface="华文楷体" panose="02010600040101010101" pitchFamily="2" charset="-122"/>
-              </a:rPr>
-              <a:t>Mysql</a:t>
-            </a:r>
-            <a:r>
-              <a:rPr lang="zh-CN" altLang="en-US" sz="3200" dirty="0" smtClean="0">
-                <a:latin typeface="华文楷体" panose="02010600040101010101" pitchFamily="2" charset="-122"/>
-                <a:ea typeface="华文楷体" panose="02010600040101010101" pitchFamily="2" charset="-122"/>
-              </a:rPr>
-              <a:t>主从同步</a:t>
-            </a:r>
-            <a:endParaRPr lang="en-US" altLang="zh-CN" sz="3200" dirty="0" smtClean="0">
+              <a:rPr lang="zh-CN" altLang="en-US" sz="3200" smtClean="0">
+                <a:latin typeface="华文楷体" panose="02010600040101010101" pitchFamily="2" charset="-122"/>
+                <a:ea typeface="华文楷体" panose="02010600040101010101" pitchFamily="2" charset="-122"/>
+              </a:rPr>
+              <a:t>常用的工具集介绍</a:t>
+            </a:r>
+            <a:endParaRPr lang="en-US" altLang="zh-CN" sz="3200" smtClean="0">
               <a:latin typeface="华文楷体" panose="02010600040101010101" pitchFamily="2" charset="-122"/>
               <a:ea typeface="华文楷体" panose="02010600040101010101" pitchFamily="2" charset="-122"/>
             </a:endParaRPr>
           </a:p>
           <a:p>
             <a:r>
-              <a:rPr lang="zh-CN" altLang="en-US" sz="3200" dirty="0" smtClean="0">
-                <a:latin typeface="华文楷体" panose="02010600040101010101" pitchFamily="2" charset="-122"/>
-                <a:ea typeface="华文楷体" panose="02010600040101010101" pitchFamily="2" charset="-122"/>
-              </a:rPr>
-              <a:t>如何判断</a:t>
-            </a:r>
-            <a:r>
-              <a:rPr lang="en-US" altLang="zh-CN" sz="3200" dirty="0" err="1" smtClean="0">
-                <a:latin typeface="华文楷体" panose="02010600040101010101" pitchFamily="2" charset="-122"/>
-                <a:ea typeface="华文楷体" panose="02010600040101010101" pitchFamily="2" charset="-122"/>
-              </a:rPr>
-              <a:t>mysql</a:t>
-            </a:r>
-            <a:r>
-              <a:rPr lang="zh-CN" altLang="en-US" sz="3200" dirty="0" smtClean="0">
-                <a:latin typeface="华文楷体" panose="02010600040101010101" pitchFamily="2" charset="-122"/>
-                <a:ea typeface="华文楷体" panose="02010600040101010101" pitchFamily="2" charset="-122"/>
-              </a:rPr>
-              <a:t>主从是否同步：</a:t>
-            </a:r>
-            <a:endParaRPr lang="en-US" altLang="zh-CN" sz="3200" dirty="0" smtClean="0">
+              <a:rPr lang="zh-CN" altLang="en-US" sz="3200" smtClean="0">
+                <a:latin typeface="华文楷体" panose="02010600040101010101" pitchFamily="2" charset="-122"/>
+                <a:ea typeface="华文楷体" panose="02010600040101010101" pitchFamily="2" charset="-122"/>
+              </a:rPr>
+              <a:t>分析数据库慢查询日志：</a:t>
+            </a:r>
+            <a:endParaRPr lang="en-US" altLang="zh-CN" sz="3200" smtClean="0">
               <a:latin typeface="华文楷体" panose="02010600040101010101" pitchFamily="2" charset="-122"/>
               <a:ea typeface="华文楷体" panose="02010600040101010101" pitchFamily="2" charset="-122"/>
             </a:endParaRPr>
           </a:p>
           <a:p>
             <a:r>
-              <a:rPr lang="zh-CN" altLang="en-US" sz="2000" dirty="0" smtClean="0">
-                <a:latin typeface="华文楷体" panose="02010600040101010101" pitchFamily="2" charset="-122"/>
-                <a:ea typeface="华文楷体" panose="02010600040101010101" pitchFamily="2" charset="-122"/>
-              </a:rPr>
-              <a:t>从库上：</a:t>
-            </a:r>
-            <a:endParaRPr lang="en-US" altLang="zh-CN" sz="2000" dirty="0" smtClean="0">
+              <a:rPr lang="en-US" altLang="zh-CN" sz="3200" smtClean="0">
+                <a:latin typeface="华文楷体" panose="02010600040101010101" pitchFamily="2" charset="-122"/>
+                <a:ea typeface="华文楷体" panose="02010600040101010101" pitchFamily="2" charset="-122"/>
+              </a:rPr>
+              <a:t>Pt-query-digest</a:t>
+            </a:r>
+          </a:p>
+          <a:p>
+            <a:endParaRPr lang="en-US" altLang="zh-CN" sz="3200">
               <a:latin typeface="华文楷体" panose="02010600040101010101" pitchFamily="2" charset="-122"/>
               <a:ea typeface="华文楷体" panose="02010600040101010101" pitchFamily="2" charset="-122"/>
             </a:endParaRPr>
           </a:p>
           <a:p>
             <a:r>
-              <a:rPr lang="en-US" altLang="zh-CN" sz="2000" dirty="0" err="1">
-                <a:latin typeface="华文楷体" panose="02010600040101010101" pitchFamily="2" charset="-122"/>
-                <a:ea typeface="华文楷体" panose="02010600040101010101" pitchFamily="2" charset="-122"/>
-              </a:rPr>
-              <a:t>root@localhost:mysql.sock</a:t>
-            </a:r>
-            <a:r>
-              <a:rPr lang="en-US" altLang="zh-CN" sz="2000" dirty="0">
-                <a:latin typeface="华文楷体" panose="02010600040101010101" pitchFamily="2" charset="-122"/>
-                <a:ea typeface="华文楷体" panose="02010600040101010101" pitchFamily="2" charset="-122"/>
-              </a:rPr>
-              <a:t>  14:18:51 [(none)]&gt;show slave status\G</a:t>
-            </a:r>
-          </a:p>
-          <a:p>
-            <a:r>
-              <a:rPr lang="en-US" altLang="zh-CN" sz="2000" dirty="0">
-                <a:latin typeface="华文楷体" panose="02010600040101010101" pitchFamily="2" charset="-122"/>
-                <a:ea typeface="华文楷体" panose="02010600040101010101" pitchFamily="2" charset="-122"/>
-              </a:rPr>
-              <a:t>*************************** 1. row ***************************</a:t>
-            </a:r>
-          </a:p>
-          <a:p>
-            <a:r>
-              <a:rPr lang="en-US" altLang="zh-CN" sz="2000" dirty="0">
-                <a:latin typeface="华文楷体" panose="02010600040101010101" pitchFamily="2" charset="-122"/>
-                <a:ea typeface="华文楷体" panose="02010600040101010101" pitchFamily="2" charset="-122"/>
-              </a:rPr>
-              <a:t>               </a:t>
-            </a:r>
-            <a:r>
-              <a:rPr lang="en-US" altLang="zh-CN" sz="2000" dirty="0" err="1">
-                <a:latin typeface="华文楷体" panose="02010600040101010101" pitchFamily="2" charset="-122"/>
-                <a:ea typeface="华文楷体" panose="02010600040101010101" pitchFamily="2" charset="-122"/>
-              </a:rPr>
-              <a:t>Slave_IO_State</a:t>
-            </a:r>
-            <a:r>
-              <a:rPr lang="en-US" altLang="zh-CN" sz="2000" dirty="0">
-                <a:latin typeface="华文楷体" panose="02010600040101010101" pitchFamily="2" charset="-122"/>
-                <a:ea typeface="华文楷体" panose="02010600040101010101" pitchFamily="2" charset="-122"/>
-              </a:rPr>
-              <a:t>: Waiting for master to send event</a:t>
-            </a:r>
-          </a:p>
-          <a:p>
-            <a:r>
-              <a:rPr lang="en-US" altLang="zh-CN" sz="2000" dirty="0">
-                <a:latin typeface="华文楷体" panose="02010600040101010101" pitchFamily="2" charset="-122"/>
-                <a:ea typeface="华文楷体" panose="02010600040101010101" pitchFamily="2" charset="-122"/>
-              </a:rPr>
-              <a:t>                  </a:t>
-            </a:r>
-            <a:r>
-              <a:rPr lang="en-US" altLang="zh-CN" sz="2000" dirty="0" err="1">
-                <a:latin typeface="华文楷体" panose="02010600040101010101" pitchFamily="2" charset="-122"/>
-                <a:ea typeface="华文楷体" panose="02010600040101010101" pitchFamily="2" charset="-122"/>
-              </a:rPr>
-              <a:t>Master_Host</a:t>
-            </a:r>
-            <a:r>
-              <a:rPr lang="en-US" altLang="zh-CN" sz="2000" dirty="0">
-                <a:latin typeface="华文楷体" panose="02010600040101010101" pitchFamily="2" charset="-122"/>
-                <a:ea typeface="华文楷体" panose="02010600040101010101" pitchFamily="2" charset="-122"/>
-              </a:rPr>
-              <a:t>: 10.150.21.161</a:t>
-            </a:r>
-          </a:p>
-          <a:p>
-            <a:r>
-              <a:rPr lang="en-US" altLang="zh-CN" sz="2000" dirty="0">
-                <a:latin typeface="华文楷体" panose="02010600040101010101" pitchFamily="2" charset="-122"/>
-                <a:ea typeface="华文楷体" panose="02010600040101010101" pitchFamily="2" charset="-122"/>
-              </a:rPr>
-              <a:t>                  </a:t>
-            </a:r>
-            <a:r>
-              <a:rPr lang="en-US" altLang="zh-CN" sz="2000" dirty="0" err="1">
-                <a:latin typeface="华文楷体" panose="02010600040101010101" pitchFamily="2" charset="-122"/>
-                <a:ea typeface="华文楷体" panose="02010600040101010101" pitchFamily="2" charset="-122"/>
-              </a:rPr>
-              <a:t>Master_User</a:t>
-            </a:r>
-            <a:r>
-              <a:rPr lang="en-US" altLang="zh-CN" sz="2000" dirty="0">
-                <a:latin typeface="华文楷体" panose="02010600040101010101" pitchFamily="2" charset="-122"/>
-                <a:ea typeface="华文楷体" panose="02010600040101010101" pitchFamily="2" charset="-122"/>
-              </a:rPr>
-              <a:t>: backup</a:t>
-            </a:r>
-          </a:p>
-          <a:p>
-            <a:r>
-              <a:rPr lang="en-US" altLang="zh-CN" sz="2000" dirty="0">
-                <a:latin typeface="华文楷体" panose="02010600040101010101" pitchFamily="2" charset="-122"/>
-                <a:ea typeface="华文楷体" panose="02010600040101010101" pitchFamily="2" charset="-122"/>
-              </a:rPr>
-              <a:t>                  </a:t>
-            </a:r>
-            <a:r>
-              <a:rPr lang="en-US" altLang="zh-CN" sz="2000" dirty="0" err="1">
-                <a:latin typeface="华文楷体" panose="02010600040101010101" pitchFamily="2" charset="-122"/>
-                <a:ea typeface="华文楷体" panose="02010600040101010101" pitchFamily="2" charset="-122"/>
-              </a:rPr>
-              <a:t>Master_Port</a:t>
-            </a:r>
-            <a:r>
-              <a:rPr lang="en-US" altLang="zh-CN" sz="2000" dirty="0">
-                <a:latin typeface="华文楷体" panose="02010600040101010101" pitchFamily="2" charset="-122"/>
-                <a:ea typeface="华文楷体" panose="02010600040101010101" pitchFamily="2" charset="-122"/>
-              </a:rPr>
-              <a:t>: 3306</a:t>
-            </a:r>
-          </a:p>
-          <a:p>
-            <a:r>
-              <a:rPr lang="en-US" altLang="zh-CN" sz="2000" dirty="0">
-                <a:latin typeface="华文楷体" panose="02010600040101010101" pitchFamily="2" charset="-122"/>
-                <a:ea typeface="华文楷体" panose="02010600040101010101" pitchFamily="2" charset="-122"/>
-              </a:rPr>
-              <a:t>                </a:t>
-            </a:r>
-            <a:r>
-              <a:rPr lang="en-US" altLang="zh-CN" sz="2000" dirty="0" err="1">
-                <a:latin typeface="华文楷体" panose="02010600040101010101" pitchFamily="2" charset="-122"/>
-                <a:ea typeface="华文楷体" panose="02010600040101010101" pitchFamily="2" charset="-122"/>
-              </a:rPr>
-              <a:t>Connect_Retry</a:t>
-            </a:r>
-            <a:r>
-              <a:rPr lang="en-US" altLang="zh-CN" sz="2000" dirty="0">
-                <a:latin typeface="华文楷体" panose="02010600040101010101" pitchFamily="2" charset="-122"/>
-                <a:ea typeface="华文楷体" panose="02010600040101010101" pitchFamily="2" charset="-122"/>
-              </a:rPr>
-              <a:t>: 60</a:t>
-            </a:r>
-          </a:p>
-          <a:p>
-            <a:r>
-              <a:rPr lang="en-US" altLang="zh-CN" sz="2000" dirty="0">
-                <a:latin typeface="华文楷体" panose="02010600040101010101" pitchFamily="2" charset="-122"/>
-                <a:ea typeface="华文楷体" panose="02010600040101010101" pitchFamily="2" charset="-122"/>
-              </a:rPr>
-              <a:t>              </a:t>
-            </a:r>
-            <a:r>
-              <a:rPr lang="en-US" altLang="zh-CN" sz="2000" dirty="0" err="1">
-                <a:latin typeface="华文楷体" panose="02010600040101010101" pitchFamily="2" charset="-122"/>
-                <a:ea typeface="华文楷体" panose="02010600040101010101" pitchFamily="2" charset="-122"/>
-              </a:rPr>
-              <a:t>Master_Log_File</a:t>
-            </a:r>
-            <a:r>
-              <a:rPr lang="en-US" altLang="zh-CN" sz="2000" dirty="0">
-                <a:latin typeface="华文楷体" panose="02010600040101010101" pitchFamily="2" charset="-122"/>
-                <a:ea typeface="华文楷体" panose="02010600040101010101" pitchFamily="2" charset="-122"/>
-              </a:rPr>
-              <a:t>: mybinlog.000039</a:t>
-            </a:r>
-          </a:p>
-          <a:p>
-            <a:r>
-              <a:rPr lang="en-US" altLang="zh-CN" sz="2000" dirty="0">
-                <a:latin typeface="华文楷体" panose="02010600040101010101" pitchFamily="2" charset="-122"/>
-                <a:ea typeface="华文楷体" panose="02010600040101010101" pitchFamily="2" charset="-122"/>
-              </a:rPr>
-              <a:t>          </a:t>
-            </a:r>
-            <a:r>
-              <a:rPr lang="en-US" altLang="zh-CN" sz="2000" dirty="0" err="1">
-                <a:latin typeface="华文楷体" panose="02010600040101010101" pitchFamily="2" charset="-122"/>
-                <a:ea typeface="华文楷体" panose="02010600040101010101" pitchFamily="2" charset="-122"/>
-              </a:rPr>
-              <a:t>Read_Master_Log_Pos</a:t>
-            </a:r>
-            <a:r>
-              <a:rPr lang="en-US" altLang="zh-CN" sz="2000" dirty="0">
-                <a:latin typeface="华文楷体" panose="02010600040101010101" pitchFamily="2" charset="-122"/>
-                <a:ea typeface="华文楷体" panose="02010600040101010101" pitchFamily="2" charset="-122"/>
-              </a:rPr>
-              <a:t>: 1203</a:t>
-            </a:r>
-          </a:p>
-          <a:p>
-            <a:r>
-              <a:rPr lang="en-US" altLang="zh-CN" sz="2000" dirty="0">
-                <a:latin typeface="华文楷体" panose="02010600040101010101" pitchFamily="2" charset="-122"/>
-                <a:ea typeface="华文楷体" panose="02010600040101010101" pitchFamily="2" charset="-122"/>
-              </a:rPr>
-              <a:t>               </a:t>
-            </a:r>
-            <a:r>
-              <a:rPr lang="en-US" altLang="zh-CN" sz="2000" dirty="0" err="1">
-                <a:latin typeface="华文楷体" panose="02010600040101010101" pitchFamily="2" charset="-122"/>
-                <a:ea typeface="华文楷体" panose="02010600040101010101" pitchFamily="2" charset="-122"/>
-              </a:rPr>
-              <a:t>Relay_Log_File</a:t>
-            </a:r>
-            <a:r>
-              <a:rPr lang="en-US" altLang="zh-CN" sz="2000" dirty="0">
-                <a:latin typeface="华文楷体" panose="02010600040101010101" pitchFamily="2" charset="-122"/>
-                <a:ea typeface="华文楷体" panose="02010600040101010101" pitchFamily="2" charset="-122"/>
-              </a:rPr>
-              <a:t>: mysql-relay-bin.000006</a:t>
-            </a:r>
-          </a:p>
-          <a:p>
-            <a:r>
-              <a:rPr lang="en-US" altLang="zh-CN" sz="2000" dirty="0">
-                <a:latin typeface="华文楷体" panose="02010600040101010101" pitchFamily="2" charset="-122"/>
-                <a:ea typeface="华文楷体" panose="02010600040101010101" pitchFamily="2" charset="-122"/>
-              </a:rPr>
-              <a:t>                </a:t>
-            </a:r>
-            <a:r>
-              <a:rPr lang="en-US" altLang="zh-CN" sz="2000" dirty="0" err="1">
-                <a:latin typeface="华文楷体" panose="02010600040101010101" pitchFamily="2" charset="-122"/>
-                <a:ea typeface="华文楷体" panose="02010600040101010101" pitchFamily="2" charset="-122"/>
-              </a:rPr>
-              <a:t>Relay_Log_Pos</a:t>
-            </a:r>
-            <a:r>
-              <a:rPr lang="en-US" altLang="zh-CN" sz="2000" dirty="0">
-                <a:latin typeface="华文楷体" panose="02010600040101010101" pitchFamily="2" charset="-122"/>
-                <a:ea typeface="华文楷体" panose="02010600040101010101" pitchFamily="2" charset="-122"/>
-              </a:rPr>
-              <a:t>: 1411</a:t>
-            </a:r>
-          </a:p>
-          <a:p>
-            <a:r>
-              <a:rPr lang="en-US" altLang="zh-CN" sz="2000" dirty="0">
-                <a:latin typeface="华文楷体" panose="02010600040101010101" pitchFamily="2" charset="-122"/>
-                <a:ea typeface="华文楷体" panose="02010600040101010101" pitchFamily="2" charset="-122"/>
-              </a:rPr>
-              <a:t>        </a:t>
-            </a:r>
-            <a:r>
-              <a:rPr lang="en-US" altLang="zh-CN" sz="2000" dirty="0" err="1">
-                <a:latin typeface="华文楷体" panose="02010600040101010101" pitchFamily="2" charset="-122"/>
-                <a:ea typeface="华文楷体" panose="02010600040101010101" pitchFamily="2" charset="-122"/>
-              </a:rPr>
-              <a:t>Relay_Master_Log_File</a:t>
-            </a:r>
-            <a:r>
-              <a:rPr lang="en-US" altLang="zh-CN" sz="2000" dirty="0">
-                <a:latin typeface="华文楷体" panose="02010600040101010101" pitchFamily="2" charset="-122"/>
-                <a:ea typeface="华文楷体" panose="02010600040101010101" pitchFamily="2" charset="-122"/>
-              </a:rPr>
-              <a:t>: mybinlog.000039</a:t>
-            </a:r>
-          </a:p>
-          <a:p>
-            <a:r>
-              <a:rPr lang="en-US" altLang="zh-CN" sz="2000" dirty="0">
-                <a:latin typeface="华文楷体" panose="02010600040101010101" pitchFamily="2" charset="-122"/>
-                <a:ea typeface="华文楷体" panose="02010600040101010101" pitchFamily="2" charset="-122"/>
-              </a:rPr>
-              <a:t>             </a:t>
-            </a:r>
-            <a:r>
-              <a:rPr lang="en-US" altLang="zh-CN" sz="2000" dirty="0" err="1">
-                <a:latin typeface="华文楷体" panose="02010600040101010101" pitchFamily="2" charset="-122"/>
-                <a:ea typeface="华文楷体" panose="02010600040101010101" pitchFamily="2" charset="-122"/>
-              </a:rPr>
-              <a:t>Slave_IO_Running</a:t>
-            </a:r>
-            <a:r>
-              <a:rPr lang="en-US" altLang="zh-CN" sz="2000" dirty="0">
-                <a:latin typeface="华文楷体" panose="02010600040101010101" pitchFamily="2" charset="-122"/>
-                <a:ea typeface="华文楷体" panose="02010600040101010101" pitchFamily="2" charset="-122"/>
-              </a:rPr>
-              <a:t>: Yes</a:t>
-            </a:r>
-          </a:p>
-          <a:p>
-            <a:r>
-              <a:rPr lang="en-US" altLang="zh-CN" sz="2000" dirty="0">
-                <a:latin typeface="华文楷体" panose="02010600040101010101" pitchFamily="2" charset="-122"/>
-                <a:ea typeface="华文楷体" panose="02010600040101010101" pitchFamily="2" charset="-122"/>
-              </a:rPr>
-              <a:t>            </a:t>
-            </a:r>
-            <a:r>
-              <a:rPr lang="en-US" altLang="zh-CN" sz="2000" dirty="0" err="1">
-                <a:latin typeface="华文楷体" panose="02010600040101010101" pitchFamily="2" charset="-122"/>
-                <a:ea typeface="华文楷体" panose="02010600040101010101" pitchFamily="2" charset="-122"/>
-              </a:rPr>
-              <a:t>Slave_SQL_Running</a:t>
-            </a:r>
-            <a:r>
-              <a:rPr lang="en-US" altLang="zh-CN" sz="2000" dirty="0">
-                <a:latin typeface="华文楷体" panose="02010600040101010101" pitchFamily="2" charset="-122"/>
-                <a:ea typeface="华文楷体" panose="02010600040101010101" pitchFamily="2" charset="-122"/>
-              </a:rPr>
-              <a:t>: Yes</a:t>
-            </a:r>
-          </a:p>
-          <a:p>
-            <a:r>
-              <a:rPr lang="en-US" altLang="zh-CN" sz="2000" dirty="0">
-                <a:latin typeface="华文楷体" panose="02010600040101010101" pitchFamily="2" charset="-122"/>
-                <a:ea typeface="华文楷体" panose="02010600040101010101" pitchFamily="2" charset="-122"/>
-              </a:rPr>
-              <a:t>              </a:t>
-            </a:r>
-            <a:r>
-              <a:rPr lang="en-US" altLang="zh-CN" sz="2000" dirty="0" err="1">
-                <a:latin typeface="华文楷体" panose="02010600040101010101" pitchFamily="2" charset="-122"/>
-                <a:ea typeface="华文楷体" panose="02010600040101010101" pitchFamily="2" charset="-122"/>
-              </a:rPr>
-              <a:t>Replicate_Do_DB</a:t>
-            </a:r>
-            <a:r>
-              <a:rPr lang="en-US" altLang="zh-CN" sz="2000" dirty="0">
-                <a:latin typeface="华文楷体" panose="02010600040101010101" pitchFamily="2" charset="-122"/>
-                <a:ea typeface="华文楷体" panose="02010600040101010101" pitchFamily="2" charset="-122"/>
-              </a:rPr>
-              <a:t>: </a:t>
-            </a:r>
-          </a:p>
-          <a:p>
-            <a:r>
-              <a:rPr lang="en-US" altLang="zh-CN" sz="2000" dirty="0">
-                <a:latin typeface="华文楷体" panose="02010600040101010101" pitchFamily="2" charset="-122"/>
-                <a:ea typeface="华文楷体" panose="02010600040101010101" pitchFamily="2" charset="-122"/>
-              </a:rPr>
-              <a:t>          </a:t>
-            </a:r>
-            <a:r>
-              <a:rPr lang="en-US" altLang="zh-CN" sz="2000" dirty="0" err="1">
-                <a:latin typeface="华文楷体" panose="02010600040101010101" pitchFamily="2" charset="-122"/>
-                <a:ea typeface="华文楷体" panose="02010600040101010101" pitchFamily="2" charset="-122"/>
-              </a:rPr>
-              <a:t>Replicate_Ignore_DB</a:t>
-            </a:r>
-            <a:r>
-              <a:rPr lang="en-US" altLang="zh-CN" sz="2000" dirty="0">
-                <a:latin typeface="华文楷体" panose="02010600040101010101" pitchFamily="2" charset="-122"/>
-                <a:ea typeface="华文楷体" panose="02010600040101010101" pitchFamily="2" charset="-122"/>
-              </a:rPr>
-              <a:t>: </a:t>
-            </a:r>
-          </a:p>
-          <a:p>
-            <a:r>
-              <a:rPr lang="en-US" altLang="zh-CN" sz="2000" dirty="0">
-                <a:latin typeface="华文楷体" panose="02010600040101010101" pitchFamily="2" charset="-122"/>
-                <a:ea typeface="华文楷体" panose="02010600040101010101" pitchFamily="2" charset="-122"/>
-              </a:rPr>
-              <a:t>           </a:t>
-            </a:r>
-            <a:r>
-              <a:rPr lang="en-US" altLang="zh-CN" sz="2000" dirty="0" err="1">
-                <a:latin typeface="华文楷体" panose="02010600040101010101" pitchFamily="2" charset="-122"/>
-                <a:ea typeface="华文楷体" panose="02010600040101010101" pitchFamily="2" charset="-122"/>
-              </a:rPr>
-              <a:t>Replicate_Do_Table</a:t>
-            </a:r>
-            <a:r>
-              <a:rPr lang="en-US" altLang="zh-CN" sz="2000" dirty="0">
-                <a:latin typeface="华文楷体" panose="02010600040101010101" pitchFamily="2" charset="-122"/>
-                <a:ea typeface="华文楷体" panose="02010600040101010101" pitchFamily="2" charset="-122"/>
-              </a:rPr>
-              <a:t>: </a:t>
-            </a:r>
-          </a:p>
-          <a:p>
-            <a:r>
-              <a:rPr lang="en-US" altLang="zh-CN" sz="2000" dirty="0">
-                <a:latin typeface="华文楷体" panose="02010600040101010101" pitchFamily="2" charset="-122"/>
-                <a:ea typeface="华文楷体" panose="02010600040101010101" pitchFamily="2" charset="-122"/>
-              </a:rPr>
-              <a:t>       </a:t>
-            </a:r>
-            <a:r>
-              <a:rPr lang="en-US" altLang="zh-CN" sz="2000" dirty="0" err="1">
-                <a:latin typeface="华文楷体" panose="02010600040101010101" pitchFamily="2" charset="-122"/>
-                <a:ea typeface="华文楷体" panose="02010600040101010101" pitchFamily="2" charset="-122"/>
-              </a:rPr>
-              <a:t>Replicate_Ignore_Table</a:t>
-            </a:r>
-            <a:r>
-              <a:rPr lang="en-US" altLang="zh-CN" sz="2000" dirty="0">
-                <a:latin typeface="华文楷体" panose="02010600040101010101" pitchFamily="2" charset="-122"/>
-                <a:ea typeface="华文楷体" panose="02010600040101010101" pitchFamily="2" charset="-122"/>
-              </a:rPr>
-              <a:t>: </a:t>
-            </a:r>
-          </a:p>
-          <a:p>
-            <a:r>
-              <a:rPr lang="en-US" altLang="zh-CN" sz="2000" dirty="0">
-                <a:latin typeface="华文楷体" panose="02010600040101010101" pitchFamily="2" charset="-122"/>
-                <a:ea typeface="华文楷体" panose="02010600040101010101" pitchFamily="2" charset="-122"/>
-              </a:rPr>
-              <a:t>      </a:t>
-            </a:r>
-            <a:r>
-              <a:rPr lang="en-US" altLang="zh-CN" sz="2000" dirty="0" err="1">
-                <a:latin typeface="华文楷体" panose="02010600040101010101" pitchFamily="2" charset="-122"/>
-                <a:ea typeface="华文楷体" panose="02010600040101010101" pitchFamily="2" charset="-122"/>
-              </a:rPr>
-              <a:t>Replicate_Wild_Do_Table</a:t>
-            </a:r>
-            <a:r>
-              <a:rPr lang="en-US" altLang="zh-CN" sz="2000" dirty="0">
-                <a:latin typeface="华文楷体" panose="02010600040101010101" pitchFamily="2" charset="-122"/>
-                <a:ea typeface="华文楷体" panose="02010600040101010101" pitchFamily="2" charset="-122"/>
-              </a:rPr>
-              <a:t>: </a:t>
-            </a:r>
-          </a:p>
-          <a:p>
-            <a:r>
-              <a:rPr lang="en-US" altLang="zh-CN" sz="2000" dirty="0">
-                <a:latin typeface="华文楷体" panose="02010600040101010101" pitchFamily="2" charset="-122"/>
-                <a:ea typeface="华文楷体" panose="02010600040101010101" pitchFamily="2" charset="-122"/>
-              </a:rPr>
-              <a:t>  </a:t>
-            </a:r>
-            <a:r>
-              <a:rPr lang="en-US" altLang="zh-CN" sz="2000" dirty="0" err="1">
-                <a:latin typeface="华文楷体" panose="02010600040101010101" pitchFamily="2" charset="-122"/>
-                <a:ea typeface="华文楷体" panose="02010600040101010101" pitchFamily="2" charset="-122"/>
-              </a:rPr>
-              <a:t>Replicate_Wild_Ignore_Table</a:t>
-            </a:r>
-            <a:r>
-              <a:rPr lang="en-US" altLang="zh-CN" sz="2000" dirty="0">
-                <a:latin typeface="华文楷体" panose="02010600040101010101" pitchFamily="2" charset="-122"/>
-                <a:ea typeface="华文楷体" panose="02010600040101010101" pitchFamily="2" charset="-122"/>
-              </a:rPr>
-              <a:t>: </a:t>
-            </a:r>
-          </a:p>
-          <a:p>
-            <a:r>
-              <a:rPr lang="en-US" altLang="zh-CN" sz="2000" dirty="0">
-                <a:latin typeface="华文楷体" panose="02010600040101010101" pitchFamily="2" charset="-122"/>
-                <a:ea typeface="华文楷体" panose="02010600040101010101" pitchFamily="2" charset="-122"/>
-              </a:rPr>
-              <a:t>                   </a:t>
-            </a:r>
-            <a:r>
-              <a:rPr lang="en-US" altLang="zh-CN" sz="2000" dirty="0" err="1">
-                <a:latin typeface="华文楷体" panose="02010600040101010101" pitchFamily="2" charset="-122"/>
-                <a:ea typeface="华文楷体" panose="02010600040101010101" pitchFamily="2" charset="-122"/>
-              </a:rPr>
-              <a:t>Last_Errno</a:t>
-            </a:r>
-            <a:r>
-              <a:rPr lang="en-US" altLang="zh-CN" sz="2000" dirty="0">
-                <a:latin typeface="华文楷体" panose="02010600040101010101" pitchFamily="2" charset="-122"/>
-                <a:ea typeface="华文楷体" panose="02010600040101010101" pitchFamily="2" charset="-122"/>
-              </a:rPr>
-              <a:t>: 0</a:t>
-            </a:r>
-          </a:p>
-          <a:p>
-            <a:r>
-              <a:rPr lang="en-US" altLang="zh-CN" sz="2000" dirty="0">
-                <a:latin typeface="华文楷体" panose="02010600040101010101" pitchFamily="2" charset="-122"/>
-                <a:ea typeface="华文楷体" panose="02010600040101010101" pitchFamily="2" charset="-122"/>
-              </a:rPr>
-              <a:t>                   </a:t>
-            </a:r>
-            <a:r>
-              <a:rPr lang="en-US" altLang="zh-CN" sz="2000" dirty="0" err="1">
-                <a:latin typeface="华文楷体" panose="02010600040101010101" pitchFamily="2" charset="-122"/>
-                <a:ea typeface="华文楷体" panose="02010600040101010101" pitchFamily="2" charset="-122"/>
-              </a:rPr>
-              <a:t>Last_Error</a:t>
-            </a:r>
-            <a:r>
-              <a:rPr lang="en-US" altLang="zh-CN" sz="2000" dirty="0">
-                <a:latin typeface="华文楷体" panose="02010600040101010101" pitchFamily="2" charset="-122"/>
-                <a:ea typeface="华文楷体" panose="02010600040101010101" pitchFamily="2" charset="-122"/>
-              </a:rPr>
-              <a:t>: </a:t>
-            </a:r>
-          </a:p>
-          <a:p>
-            <a:r>
-              <a:rPr lang="en-US" altLang="zh-CN" sz="2000" dirty="0">
-                <a:latin typeface="华文楷体" panose="02010600040101010101" pitchFamily="2" charset="-122"/>
-                <a:ea typeface="华文楷体" panose="02010600040101010101" pitchFamily="2" charset="-122"/>
-              </a:rPr>
-              <a:t>                 </a:t>
-            </a:r>
-            <a:r>
-              <a:rPr lang="en-US" altLang="zh-CN" sz="2000" dirty="0" err="1">
-                <a:latin typeface="华文楷体" panose="02010600040101010101" pitchFamily="2" charset="-122"/>
-                <a:ea typeface="华文楷体" panose="02010600040101010101" pitchFamily="2" charset="-122"/>
-              </a:rPr>
-              <a:t>Skip_Counter</a:t>
-            </a:r>
-            <a:r>
-              <a:rPr lang="en-US" altLang="zh-CN" sz="2000" dirty="0">
-                <a:latin typeface="华文楷体" panose="02010600040101010101" pitchFamily="2" charset="-122"/>
-                <a:ea typeface="华文楷体" panose="02010600040101010101" pitchFamily="2" charset="-122"/>
-              </a:rPr>
-              <a:t>: 0</a:t>
-            </a:r>
-          </a:p>
-          <a:p>
-            <a:r>
-              <a:rPr lang="en-US" altLang="zh-CN" sz="2000" dirty="0">
-                <a:latin typeface="华文楷体" panose="02010600040101010101" pitchFamily="2" charset="-122"/>
-                <a:ea typeface="华文楷体" panose="02010600040101010101" pitchFamily="2" charset="-122"/>
-              </a:rPr>
-              <a:t>          </a:t>
-            </a:r>
-            <a:r>
-              <a:rPr lang="en-US" altLang="zh-CN" sz="2000" dirty="0" err="1">
-                <a:latin typeface="华文楷体" panose="02010600040101010101" pitchFamily="2" charset="-122"/>
-                <a:ea typeface="华文楷体" panose="02010600040101010101" pitchFamily="2" charset="-122"/>
-              </a:rPr>
-              <a:t>Exec_Master_Log_Pos</a:t>
-            </a:r>
-            <a:r>
-              <a:rPr lang="en-US" altLang="zh-CN" sz="2000" dirty="0">
-                <a:latin typeface="华文楷体" panose="02010600040101010101" pitchFamily="2" charset="-122"/>
-                <a:ea typeface="华文楷体" panose="02010600040101010101" pitchFamily="2" charset="-122"/>
-              </a:rPr>
-              <a:t>: 1203</a:t>
-            </a:r>
-          </a:p>
-          <a:p>
-            <a:r>
-              <a:rPr lang="en-US" altLang="zh-CN" sz="2000" dirty="0">
-                <a:latin typeface="华文楷体" panose="02010600040101010101" pitchFamily="2" charset="-122"/>
-                <a:ea typeface="华文楷体" panose="02010600040101010101" pitchFamily="2" charset="-122"/>
-              </a:rPr>
-              <a:t>              </a:t>
-            </a:r>
-            <a:r>
-              <a:rPr lang="en-US" altLang="zh-CN" sz="2000" dirty="0" err="1">
-                <a:latin typeface="华文楷体" panose="02010600040101010101" pitchFamily="2" charset="-122"/>
-                <a:ea typeface="华文楷体" panose="02010600040101010101" pitchFamily="2" charset="-122"/>
-              </a:rPr>
-              <a:t>Relay_Log_Space</a:t>
-            </a:r>
-            <a:r>
-              <a:rPr lang="en-US" altLang="zh-CN" sz="2000" dirty="0">
-                <a:latin typeface="华文楷体" panose="02010600040101010101" pitchFamily="2" charset="-122"/>
-                <a:ea typeface="华文楷体" panose="02010600040101010101" pitchFamily="2" charset="-122"/>
-              </a:rPr>
-              <a:t>: 1701</a:t>
-            </a:r>
-          </a:p>
-          <a:p>
-            <a:r>
-              <a:rPr lang="en-US" altLang="zh-CN" sz="2000" dirty="0">
-                <a:latin typeface="华文楷体" panose="02010600040101010101" pitchFamily="2" charset="-122"/>
-                <a:ea typeface="华文楷体" panose="02010600040101010101" pitchFamily="2" charset="-122"/>
-              </a:rPr>
-              <a:t>              </a:t>
-            </a:r>
-            <a:r>
-              <a:rPr lang="en-US" altLang="zh-CN" sz="2000" dirty="0" err="1">
-                <a:latin typeface="华文楷体" panose="02010600040101010101" pitchFamily="2" charset="-122"/>
-                <a:ea typeface="华文楷体" panose="02010600040101010101" pitchFamily="2" charset="-122"/>
-              </a:rPr>
-              <a:t>Until_Condition</a:t>
-            </a:r>
-            <a:r>
-              <a:rPr lang="en-US" altLang="zh-CN" sz="2000" dirty="0">
-                <a:latin typeface="华文楷体" panose="02010600040101010101" pitchFamily="2" charset="-122"/>
-                <a:ea typeface="华文楷体" panose="02010600040101010101" pitchFamily="2" charset="-122"/>
-              </a:rPr>
-              <a:t>: None</a:t>
-            </a:r>
-          </a:p>
-          <a:p>
-            <a:r>
-              <a:rPr lang="en-US" altLang="zh-CN" sz="2000" dirty="0">
-                <a:latin typeface="华文楷体" panose="02010600040101010101" pitchFamily="2" charset="-122"/>
-                <a:ea typeface="华文楷体" panose="02010600040101010101" pitchFamily="2" charset="-122"/>
-              </a:rPr>
-              <a:t>               </a:t>
-            </a:r>
-            <a:r>
-              <a:rPr lang="en-US" altLang="zh-CN" sz="2000" dirty="0" err="1">
-                <a:latin typeface="华文楷体" panose="02010600040101010101" pitchFamily="2" charset="-122"/>
-                <a:ea typeface="华文楷体" panose="02010600040101010101" pitchFamily="2" charset="-122"/>
-              </a:rPr>
-              <a:t>Until_Log_File</a:t>
-            </a:r>
-            <a:r>
-              <a:rPr lang="en-US" altLang="zh-CN" sz="2000" dirty="0">
-                <a:latin typeface="华文楷体" panose="02010600040101010101" pitchFamily="2" charset="-122"/>
-                <a:ea typeface="华文楷体" panose="02010600040101010101" pitchFamily="2" charset="-122"/>
-              </a:rPr>
-              <a:t>: </a:t>
-            </a:r>
-          </a:p>
-          <a:p>
-            <a:r>
-              <a:rPr lang="en-US" altLang="zh-CN" sz="2000" dirty="0">
-                <a:latin typeface="华文楷体" panose="02010600040101010101" pitchFamily="2" charset="-122"/>
-                <a:ea typeface="华文楷体" panose="02010600040101010101" pitchFamily="2" charset="-122"/>
-              </a:rPr>
-              <a:t>                </a:t>
-            </a:r>
-            <a:r>
-              <a:rPr lang="en-US" altLang="zh-CN" sz="2000" dirty="0" err="1">
-                <a:latin typeface="华文楷体" panose="02010600040101010101" pitchFamily="2" charset="-122"/>
-                <a:ea typeface="华文楷体" panose="02010600040101010101" pitchFamily="2" charset="-122"/>
-              </a:rPr>
-              <a:t>Until_Log_Pos</a:t>
-            </a:r>
-            <a:r>
-              <a:rPr lang="en-US" altLang="zh-CN" sz="2000" dirty="0">
-                <a:latin typeface="华文楷体" panose="02010600040101010101" pitchFamily="2" charset="-122"/>
-                <a:ea typeface="华文楷体" panose="02010600040101010101" pitchFamily="2" charset="-122"/>
-              </a:rPr>
-              <a:t>: 0</a:t>
-            </a:r>
-          </a:p>
-          <a:p>
-            <a:r>
-              <a:rPr lang="en-US" altLang="zh-CN" sz="2000" dirty="0">
-                <a:latin typeface="华文楷体" panose="02010600040101010101" pitchFamily="2" charset="-122"/>
-                <a:ea typeface="华文楷体" panose="02010600040101010101" pitchFamily="2" charset="-122"/>
-              </a:rPr>
-              <a:t>           </a:t>
-            </a:r>
-            <a:r>
-              <a:rPr lang="en-US" altLang="zh-CN" sz="2000" dirty="0" err="1">
-                <a:latin typeface="华文楷体" panose="02010600040101010101" pitchFamily="2" charset="-122"/>
-                <a:ea typeface="华文楷体" panose="02010600040101010101" pitchFamily="2" charset="-122"/>
-              </a:rPr>
-              <a:t>Master_SSL_Allowed</a:t>
-            </a:r>
-            <a:r>
-              <a:rPr lang="en-US" altLang="zh-CN" sz="2000" dirty="0">
-                <a:latin typeface="华文楷体" panose="02010600040101010101" pitchFamily="2" charset="-122"/>
-                <a:ea typeface="华文楷体" panose="02010600040101010101" pitchFamily="2" charset="-122"/>
-              </a:rPr>
-              <a:t>: No</a:t>
-            </a:r>
-          </a:p>
-          <a:p>
-            <a:r>
-              <a:rPr lang="en-US" altLang="zh-CN" sz="2000" dirty="0">
-                <a:latin typeface="华文楷体" panose="02010600040101010101" pitchFamily="2" charset="-122"/>
-                <a:ea typeface="华文楷体" panose="02010600040101010101" pitchFamily="2" charset="-122"/>
-              </a:rPr>
-              <a:t>           </a:t>
-            </a:r>
-            <a:r>
-              <a:rPr lang="en-US" altLang="zh-CN" sz="2000" dirty="0" err="1">
-                <a:latin typeface="华文楷体" panose="02010600040101010101" pitchFamily="2" charset="-122"/>
-                <a:ea typeface="华文楷体" panose="02010600040101010101" pitchFamily="2" charset="-122"/>
-              </a:rPr>
-              <a:t>Master_SSL_CA_File</a:t>
-            </a:r>
-            <a:r>
-              <a:rPr lang="en-US" altLang="zh-CN" sz="2000" dirty="0">
-                <a:latin typeface="华文楷体" panose="02010600040101010101" pitchFamily="2" charset="-122"/>
-                <a:ea typeface="华文楷体" panose="02010600040101010101" pitchFamily="2" charset="-122"/>
-              </a:rPr>
-              <a:t>: </a:t>
-            </a:r>
-          </a:p>
-          <a:p>
-            <a:r>
-              <a:rPr lang="en-US" altLang="zh-CN" sz="2000" dirty="0">
-                <a:latin typeface="华文楷体" panose="02010600040101010101" pitchFamily="2" charset="-122"/>
-                <a:ea typeface="华文楷体" panose="02010600040101010101" pitchFamily="2" charset="-122"/>
-              </a:rPr>
-              <a:t>           </a:t>
-            </a:r>
-            <a:r>
-              <a:rPr lang="en-US" altLang="zh-CN" sz="2000" dirty="0" err="1">
-                <a:latin typeface="华文楷体" panose="02010600040101010101" pitchFamily="2" charset="-122"/>
-                <a:ea typeface="华文楷体" panose="02010600040101010101" pitchFamily="2" charset="-122"/>
-              </a:rPr>
-              <a:t>Master_SSL_CA_Path</a:t>
-            </a:r>
-            <a:r>
-              <a:rPr lang="en-US" altLang="zh-CN" sz="2000" dirty="0">
-                <a:latin typeface="华文楷体" panose="02010600040101010101" pitchFamily="2" charset="-122"/>
-                <a:ea typeface="华文楷体" panose="02010600040101010101" pitchFamily="2" charset="-122"/>
-              </a:rPr>
-              <a:t>: </a:t>
-            </a:r>
-          </a:p>
-          <a:p>
-            <a:r>
-              <a:rPr lang="en-US" altLang="zh-CN" sz="2000" dirty="0">
-                <a:latin typeface="华文楷体" panose="02010600040101010101" pitchFamily="2" charset="-122"/>
-                <a:ea typeface="华文楷体" panose="02010600040101010101" pitchFamily="2" charset="-122"/>
-              </a:rPr>
-              <a:t>              </a:t>
-            </a:r>
-            <a:r>
-              <a:rPr lang="en-US" altLang="zh-CN" sz="2000" dirty="0" err="1">
-                <a:latin typeface="华文楷体" panose="02010600040101010101" pitchFamily="2" charset="-122"/>
-                <a:ea typeface="华文楷体" panose="02010600040101010101" pitchFamily="2" charset="-122"/>
-              </a:rPr>
-              <a:t>Master_SSL_Cert</a:t>
-            </a:r>
-            <a:r>
-              <a:rPr lang="en-US" altLang="zh-CN" sz="2000" dirty="0">
-                <a:latin typeface="华文楷体" panose="02010600040101010101" pitchFamily="2" charset="-122"/>
-                <a:ea typeface="华文楷体" panose="02010600040101010101" pitchFamily="2" charset="-122"/>
-              </a:rPr>
-              <a:t>: </a:t>
-            </a:r>
-          </a:p>
-          <a:p>
-            <a:r>
-              <a:rPr lang="en-US" altLang="zh-CN" sz="2000" dirty="0">
-                <a:latin typeface="华文楷体" panose="02010600040101010101" pitchFamily="2" charset="-122"/>
-                <a:ea typeface="华文楷体" panose="02010600040101010101" pitchFamily="2" charset="-122"/>
-              </a:rPr>
-              <a:t>            </a:t>
-            </a:r>
-            <a:r>
-              <a:rPr lang="en-US" altLang="zh-CN" sz="2000" dirty="0" err="1">
-                <a:latin typeface="华文楷体" panose="02010600040101010101" pitchFamily="2" charset="-122"/>
-                <a:ea typeface="华文楷体" panose="02010600040101010101" pitchFamily="2" charset="-122"/>
-              </a:rPr>
-              <a:t>Master_SSL_Cipher</a:t>
-            </a:r>
-            <a:r>
-              <a:rPr lang="en-US" altLang="zh-CN" sz="2000" dirty="0">
-                <a:latin typeface="华文楷体" panose="02010600040101010101" pitchFamily="2" charset="-122"/>
-                <a:ea typeface="华文楷体" panose="02010600040101010101" pitchFamily="2" charset="-122"/>
-              </a:rPr>
-              <a:t>: </a:t>
-            </a:r>
-          </a:p>
-          <a:p>
-            <a:r>
-              <a:rPr lang="en-US" altLang="zh-CN" sz="2000" dirty="0">
-                <a:latin typeface="华文楷体" panose="02010600040101010101" pitchFamily="2" charset="-122"/>
-                <a:ea typeface="华文楷体" panose="02010600040101010101" pitchFamily="2" charset="-122"/>
-              </a:rPr>
-              <a:t>               </a:t>
-            </a:r>
-            <a:r>
-              <a:rPr lang="en-US" altLang="zh-CN" sz="2000" dirty="0" err="1">
-                <a:latin typeface="华文楷体" panose="02010600040101010101" pitchFamily="2" charset="-122"/>
-                <a:ea typeface="华文楷体" panose="02010600040101010101" pitchFamily="2" charset="-122"/>
-              </a:rPr>
-              <a:t>Master_SSL_Key</a:t>
-            </a:r>
-            <a:r>
-              <a:rPr lang="en-US" altLang="zh-CN" sz="2000" dirty="0">
-                <a:latin typeface="华文楷体" panose="02010600040101010101" pitchFamily="2" charset="-122"/>
-                <a:ea typeface="华文楷体" panose="02010600040101010101" pitchFamily="2" charset="-122"/>
-              </a:rPr>
-              <a:t>: </a:t>
-            </a:r>
-          </a:p>
-          <a:p>
-            <a:r>
-              <a:rPr lang="en-US" altLang="zh-CN" sz="2000" dirty="0">
-                <a:latin typeface="华文楷体" panose="02010600040101010101" pitchFamily="2" charset="-122"/>
-                <a:ea typeface="华文楷体" panose="02010600040101010101" pitchFamily="2" charset="-122"/>
-              </a:rPr>
-              <a:t>        </a:t>
-            </a:r>
-            <a:r>
-              <a:rPr lang="en-US" altLang="zh-CN" sz="2000" dirty="0" err="1">
-                <a:latin typeface="华文楷体" panose="02010600040101010101" pitchFamily="2" charset="-122"/>
-                <a:ea typeface="华文楷体" panose="02010600040101010101" pitchFamily="2" charset="-122"/>
-              </a:rPr>
-              <a:t>Seconds_Behind_Master</a:t>
-            </a:r>
-            <a:r>
-              <a:rPr lang="en-US" altLang="zh-CN" sz="2000" dirty="0">
-                <a:latin typeface="华文楷体" panose="02010600040101010101" pitchFamily="2" charset="-122"/>
-                <a:ea typeface="华文楷体" panose="02010600040101010101" pitchFamily="2" charset="-122"/>
-              </a:rPr>
-              <a:t>: 0</a:t>
-            </a:r>
-          </a:p>
-          <a:p>
-            <a:r>
-              <a:rPr lang="en-US" altLang="zh-CN" sz="2000" dirty="0" err="1">
-                <a:latin typeface="华文楷体" panose="02010600040101010101" pitchFamily="2" charset="-122"/>
-                <a:ea typeface="华文楷体" panose="02010600040101010101" pitchFamily="2" charset="-122"/>
-              </a:rPr>
-              <a:t>Master_SSL_Verify_Server_Cert</a:t>
-            </a:r>
-            <a:r>
-              <a:rPr lang="en-US" altLang="zh-CN" sz="2000" dirty="0">
-                <a:latin typeface="华文楷体" panose="02010600040101010101" pitchFamily="2" charset="-122"/>
-                <a:ea typeface="华文楷体" panose="02010600040101010101" pitchFamily="2" charset="-122"/>
-              </a:rPr>
-              <a:t>: No</a:t>
-            </a:r>
-          </a:p>
-          <a:p>
-            <a:r>
-              <a:rPr lang="en-US" altLang="zh-CN" sz="2000" dirty="0">
-                <a:latin typeface="华文楷体" panose="02010600040101010101" pitchFamily="2" charset="-122"/>
-                <a:ea typeface="华文楷体" panose="02010600040101010101" pitchFamily="2" charset="-122"/>
-              </a:rPr>
-              <a:t>                </a:t>
-            </a:r>
-            <a:r>
-              <a:rPr lang="en-US" altLang="zh-CN" sz="2000" dirty="0" err="1">
-                <a:latin typeface="华文楷体" panose="02010600040101010101" pitchFamily="2" charset="-122"/>
-                <a:ea typeface="华文楷体" panose="02010600040101010101" pitchFamily="2" charset="-122"/>
-              </a:rPr>
-              <a:t>Last_IO_Errno</a:t>
-            </a:r>
-            <a:r>
-              <a:rPr lang="en-US" altLang="zh-CN" sz="2000" dirty="0">
-                <a:latin typeface="华文楷体" panose="02010600040101010101" pitchFamily="2" charset="-122"/>
-                <a:ea typeface="华文楷体" panose="02010600040101010101" pitchFamily="2" charset="-122"/>
-              </a:rPr>
-              <a:t>: 0</a:t>
-            </a:r>
-          </a:p>
-          <a:p>
-            <a:r>
-              <a:rPr lang="en-US" altLang="zh-CN" sz="2000" dirty="0">
-                <a:latin typeface="华文楷体" panose="02010600040101010101" pitchFamily="2" charset="-122"/>
-                <a:ea typeface="华文楷体" panose="02010600040101010101" pitchFamily="2" charset="-122"/>
-              </a:rPr>
-              <a:t>                </a:t>
-            </a:r>
-            <a:r>
-              <a:rPr lang="en-US" altLang="zh-CN" sz="2000" dirty="0" err="1">
-                <a:latin typeface="华文楷体" panose="02010600040101010101" pitchFamily="2" charset="-122"/>
-                <a:ea typeface="华文楷体" panose="02010600040101010101" pitchFamily="2" charset="-122"/>
-              </a:rPr>
-              <a:t>Last_IO_Error</a:t>
-            </a:r>
-            <a:r>
-              <a:rPr lang="en-US" altLang="zh-CN" sz="2000" dirty="0">
-                <a:latin typeface="华文楷体" panose="02010600040101010101" pitchFamily="2" charset="-122"/>
-                <a:ea typeface="华文楷体" panose="02010600040101010101" pitchFamily="2" charset="-122"/>
-              </a:rPr>
-              <a:t>: </a:t>
-            </a:r>
-          </a:p>
-          <a:p>
-            <a:r>
-              <a:rPr lang="en-US" altLang="zh-CN" sz="2000" dirty="0">
-                <a:latin typeface="华文楷体" panose="02010600040101010101" pitchFamily="2" charset="-122"/>
-                <a:ea typeface="华文楷体" panose="02010600040101010101" pitchFamily="2" charset="-122"/>
-              </a:rPr>
-              <a:t>               </a:t>
-            </a:r>
-            <a:r>
-              <a:rPr lang="en-US" altLang="zh-CN" sz="2000" dirty="0" err="1">
-                <a:latin typeface="华文楷体" panose="02010600040101010101" pitchFamily="2" charset="-122"/>
-                <a:ea typeface="华文楷体" panose="02010600040101010101" pitchFamily="2" charset="-122"/>
-              </a:rPr>
-              <a:t>Last_SQL_Errno</a:t>
-            </a:r>
-            <a:r>
-              <a:rPr lang="en-US" altLang="zh-CN" sz="2000" dirty="0">
-                <a:latin typeface="华文楷体" panose="02010600040101010101" pitchFamily="2" charset="-122"/>
-                <a:ea typeface="华文楷体" panose="02010600040101010101" pitchFamily="2" charset="-122"/>
-              </a:rPr>
-              <a:t>: 0</a:t>
-            </a:r>
-          </a:p>
-          <a:p>
-            <a:r>
-              <a:rPr lang="en-US" altLang="zh-CN" sz="2000" dirty="0">
-                <a:latin typeface="华文楷体" panose="02010600040101010101" pitchFamily="2" charset="-122"/>
-                <a:ea typeface="华文楷体" panose="02010600040101010101" pitchFamily="2" charset="-122"/>
-              </a:rPr>
-              <a:t>               </a:t>
-            </a:r>
-            <a:r>
-              <a:rPr lang="en-US" altLang="zh-CN" sz="2000" dirty="0" err="1">
-                <a:latin typeface="华文楷体" panose="02010600040101010101" pitchFamily="2" charset="-122"/>
-                <a:ea typeface="华文楷体" panose="02010600040101010101" pitchFamily="2" charset="-122"/>
-              </a:rPr>
-              <a:t>Last_SQL_Error</a:t>
-            </a:r>
-            <a:r>
-              <a:rPr lang="en-US" altLang="zh-CN" sz="2000" dirty="0">
-                <a:latin typeface="华文楷体" panose="02010600040101010101" pitchFamily="2" charset="-122"/>
-                <a:ea typeface="华文楷体" panose="02010600040101010101" pitchFamily="2" charset="-122"/>
-              </a:rPr>
-              <a:t>: </a:t>
-            </a:r>
-          </a:p>
-          <a:p>
-            <a:r>
-              <a:rPr lang="en-US" altLang="zh-CN" sz="2000" dirty="0">
-                <a:latin typeface="华文楷体" panose="02010600040101010101" pitchFamily="2" charset="-122"/>
-                <a:ea typeface="华文楷体" panose="02010600040101010101" pitchFamily="2" charset="-122"/>
-              </a:rPr>
-              <a:t>  </a:t>
-            </a:r>
-            <a:r>
-              <a:rPr lang="en-US" altLang="zh-CN" sz="2000" dirty="0" err="1">
-                <a:latin typeface="华文楷体" panose="02010600040101010101" pitchFamily="2" charset="-122"/>
-                <a:ea typeface="华文楷体" panose="02010600040101010101" pitchFamily="2" charset="-122"/>
-              </a:rPr>
-              <a:t>Replicate_Ignore_Server_Ids</a:t>
-            </a:r>
-            <a:r>
-              <a:rPr lang="en-US" altLang="zh-CN" sz="2000" dirty="0">
-                <a:latin typeface="华文楷体" panose="02010600040101010101" pitchFamily="2" charset="-122"/>
-                <a:ea typeface="华文楷体" panose="02010600040101010101" pitchFamily="2" charset="-122"/>
-              </a:rPr>
-              <a:t>: </a:t>
-            </a:r>
-          </a:p>
-          <a:p>
-            <a:r>
-              <a:rPr lang="en-US" altLang="zh-CN" sz="2000" dirty="0">
-                <a:latin typeface="华文楷体" panose="02010600040101010101" pitchFamily="2" charset="-122"/>
-                <a:ea typeface="华文楷体" panose="02010600040101010101" pitchFamily="2" charset="-122"/>
-              </a:rPr>
-              <a:t>             </a:t>
-            </a:r>
-            <a:r>
-              <a:rPr lang="en-US" altLang="zh-CN" sz="2000" dirty="0" err="1">
-                <a:latin typeface="华文楷体" panose="02010600040101010101" pitchFamily="2" charset="-122"/>
-                <a:ea typeface="华文楷体" panose="02010600040101010101" pitchFamily="2" charset="-122"/>
-              </a:rPr>
-              <a:t>Master_Server_Id</a:t>
-            </a:r>
-            <a:r>
-              <a:rPr lang="en-US" altLang="zh-CN" sz="2000" dirty="0">
-                <a:latin typeface="华文楷体" panose="02010600040101010101" pitchFamily="2" charset="-122"/>
-                <a:ea typeface="华文楷体" panose="02010600040101010101" pitchFamily="2" charset="-122"/>
-              </a:rPr>
-              <a:t>: 1613306</a:t>
-            </a:r>
-          </a:p>
-          <a:p>
-            <a:r>
-              <a:rPr lang="en-US" altLang="zh-CN" sz="2000" dirty="0">
-                <a:latin typeface="华文楷体" panose="02010600040101010101" pitchFamily="2" charset="-122"/>
-                <a:ea typeface="华文楷体" panose="02010600040101010101" pitchFamily="2" charset="-122"/>
-              </a:rPr>
-              <a:t>                  </a:t>
-            </a:r>
-            <a:r>
-              <a:rPr lang="en-US" altLang="zh-CN" sz="2000" dirty="0" err="1">
-                <a:latin typeface="华文楷体" panose="02010600040101010101" pitchFamily="2" charset="-122"/>
-                <a:ea typeface="华文楷体" panose="02010600040101010101" pitchFamily="2" charset="-122"/>
-              </a:rPr>
-              <a:t>Master_UUID</a:t>
-            </a:r>
-            <a:r>
-              <a:rPr lang="en-US" altLang="zh-CN" sz="2000" dirty="0">
-                <a:latin typeface="华文楷体" panose="02010600040101010101" pitchFamily="2" charset="-122"/>
-                <a:ea typeface="华文楷体" panose="02010600040101010101" pitchFamily="2" charset="-122"/>
-              </a:rPr>
-              <a:t>: 2e3f5c76-0905-11e6-8dad-0050568fd581</a:t>
-            </a:r>
-          </a:p>
-          <a:p>
-            <a:r>
-              <a:rPr lang="en-US" altLang="zh-CN" sz="2000" dirty="0">
-                <a:latin typeface="华文楷体" panose="02010600040101010101" pitchFamily="2" charset="-122"/>
-                <a:ea typeface="华文楷体" panose="02010600040101010101" pitchFamily="2" charset="-122"/>
-              </a:rPr>
-              <a:t>             </a:t>
-            </a:r>
-            <a:r>
-              <a:rPr lang="en-US" altLang="zh-CN" sz="2000" dirty="0" err="1">
-                <a:latin typeface="华文楷体" panose="02010600040101010101" pitchFamily="2" charset="-122"/>
-                <a:ea typeface="华文楷体" panose="02010600040101010101" pitchFamily="2" charset="-122"/>
-              </a:rPr>
-              <a:t>Master_Info_File</a:t>
-            </a:r>
-            <a:r>
-              <a:rPr lang="en-US" altLang="zh-CN" sz="2000" dirty="0">
-                <a:latin typeface="华文楷体" panose="02010600040101010101" pitchFamily="2" charset="-122"/>
-                <a:ea typeface="华文楷体" panose="02010600040101010101" pitchFamily="2" charset="-122"/>
-              </a:rPr>
-              <a:t>: </a:t>
-            </a:r>
-            <a:r>
-              <a:rPr lang="en-US" altLang="zh-CN" sz="2000" dirty="0" err="1">
-                <a:latin typeface="华文楷体" panose="02010600040101010101" pitchFamily="2" charset="-122"/>
-                <a:ea typeface="华文楷体" panose="02010600040101010101" pitchFamily="2" charset="-122"/>
-              </a:rPr>
-              <a:t>mysql.slave_master_info</a:t>
-            </a:r>
-            <a:endParaRPr lang="en-US" altLang="zh-CN" sz="2000" dirty="0">
+              <a:rPr lang="en-US" altLang="zh-CN" sz="2400" err="1">
+                <a:latin typeface="华文楷体" panose="02010600040101010101" pitchFamily="2" charset="-122"/>
+                <a:ea typeface="华文楷体" panose="02010600040101010101" pitchFamily="2" charset="-122"/>
+              </a:rPr>
+              <a:t>pt</a:t>
+            </a:r>
+            <a:r>
+              <a:rPr lang="en-US" altLang="zh-CN" sz="2400">
+                <a:latin typeface="华文楷体" panose="02010600040101010101" pitchFamily="2" charset="-122"/>
+                <a:ea typeface="华文楷体" panose="02010600040101010101" pitchFamily="2" charset="-122"/>
+              </a:rPr>
+              <a:t>-query-digest slowquery_2016091210.log &gt;091210.sql</a:t>
+            </a:r>
+            <a:endParaRPr lang="en-US" altLang="zh-CN" sz="2400" smtClean="0">
               <a:latin typeface="华文楷体" panose="02010600040101010101" pitchFamily="2" charset="-122"/>
               <a:ea typeface="华文楷体" panose="02010600040101010101" pitchFamily="2" charset="-122"/>
             </a:endParaRPr>
           </a:p>
           <a:p>
-            <a:r>
-              <a:rPr lang="en-US" altLang="zh-CN" sz="2000" dirty="0">
-                <a:latin typeface="华文楷体" panose="02010600040101010101" pitchFamily="2" charset="-122"/>
-                <a:ea typeface="华文楷体" panose="02010600040101010101" pitchFamily="2" charset="-122"/>
-              </a:rPr>
-              <a:t>                    </a:t>
-            </a:r>
-            <a:r>
-              <a:rPr lang="en-US" altLang="zh-CN" sz="2000" dirty="0" err="1">
-                <a:latin typeface="华文楷体" panose="02010600040101010101" pitchFamily="2" charset="-122"/>
-                <a:ea typeface="华文楷体" panose="02010600040101010101" pitchFamily="2" charset="-122"/>
-              </a:rPr>
-              <a:t>SQL_Delay</a:t>
-            </a:r>
-            <a:r>
-              <a:rPr lang="en-US" altLang="zh-CN" sz="2000" dirty="0">
-                <a:latin typeface="华文楷体" panose="02010600040101010101" pitchFamily="2" charset="-122"/>
-                <a:ea typeface="华文楷体" panose="02010600040101010101" pitchFamily="2" charset="-122"/>
-              </a:rPr>
-              <a:t>: 0</a:t>
-            </a:r>
-          </a:p>
-          <a:p>
-            <a:r>
-              <a:rPr lang="en-US" altLang="zh-CN" sz="2000" dirty="0">
-                <a:latin typeface="华文楷体" panose="02010600040101010101" pitchFamily="2" charset="-122"/>
-                <a:ea typeface="华文楷体" panose="02010600040101010101" pitchFamily="2" charset="-122"/>
-              </a:rPr>
-              <a:t>          </a:t>
-            </a:r>
-            <a:r>
-              <a:rPr lang="en-US" altLang="zh-CN" sz="2000" dirty="0" err="1">
-                <a:latin typeface="华文楷体" panose="02010600040101010101" pitchFamily="2" charset="-122"/>
-                <a:ea typeface="华文楷体" panose="02010600040101010101" pitchFamily="2" charset="-122"/>
-              </a:rPr>
-              <a:t>SQL_Remaining_Delay</a:t>
-            </a:r>
-            <a:r>
-              <a:rPr lang="en-US" altLang="zh-CN" sz="2000" dirty="0">
-                <a:latin typeface="华文楷体" panose="02010600040101010101" pitchFamily="2" charset="-122"/>
-                <a:ea typeface="华文楷体" panose="02010600040101010101" pitchFamily="2" charset="-122"/>
-              </a:rPr>
-              <a:t>: NULL</a:t>
-            </a:r>
-          </a:p>
-          <a:p>
-            <a:r>
-              <a:rPr lang="en-US" altLang="zh-CN" sz="2000" dirty="0">
-                <a:latin typeface="华文楷体" panose="02010600040101010101" pitchFamily="2" charset="-122"/>
-                <a:ea typeface="华文楷体" panose="02010600040101010101" pitchFamily="2" charset="-122"/>
-              </a:rPr>
-              <a:t>      </a:t>
-            </a:r>
-            <a:r>
-              <a:rPr lang="en-US" altLang="zh-CN" sz="2000" dirty="0" err="1">
-                <a:latin typeface="华文楷体" panose="02010600040101010101" pitchFamily="2" charset="-122"/>
-                <a:ea typeface="华文楷体" panose="02010600040101010101" pitchFamily="2" charset="-122"/>
-              </a:rPr>
-              <a:t>Slave_SQL_Running_State</a:t>
-            </a:r>
-            <a:r>
-              <a:rPr lang="en-US" altLang="zh-CN" sz="2000" dirty="0">
-                <a:latin typeface="华文楷体" panose="02010600040101010101" pitchFamily="2" charset="-122"/>
-                <a:ea typeface="华文楷体" panose="02010600040101010101" pitchFamily="2" charset="-122"/>
-              </a:rPr>
-              <a:t>: Slave has read all relay log; waiting for the slave I/O thread to update it</a:t>
-            </a:r>
-          </a:p>
-          <a:p>
-            <a:r>
-              <a:rPr lang="en-US" altLang="zh-CN" sz="2000" dirty="0">
-                <a:latin typeface="华文楷体" panose="02010600040101010101" pitchFamily="2" charset="-122"/>
-                <a:ea typeface="华文楷体" panose="02010600040101010101" pitchFamily="2" charset="-122"/>
-              </a:rPr>
-              <a:t>           </a:t>
-            </a:r>
-            <a:r>
-              <a:rPr lang="en-US" altLang="zh-CN" sz="2000" dirty="0" err="1">
-                <a:latin typeface="华文楷体" panose="02010600040101010101" pitchFamily="2" charset="-122"/>
-                <a:ea typeface="华文楷体" panose="02010600040101010101" pitchFamily="2" charset="-122"/>
-              </a:rPr>
-              <a:t>Master_Retry_Count</a:t>
-            </a:r>
-            <a:r>
-              <a:rPr lang="en-US" altLang="zh-CN" sz="2000" dirty="0">
-                <a:latin typeface="华文楷体" panose="02010600040101010101" pitchFamily="2" charset="-122"/>
-                <a:ea typeface="华文楷体" panose="02010600040101010101" pitchFamily="2" charset="-122"/>
-              </a:rPr>
-              <a:t>: 86400</a:t>
-            </a:r>
-          </a:p>
-          <a:p>
-            <a:r>
-              <a:rPr lang="en-US" altLang="zh-CN" sz="2000" dirty="0">
-                <a:latin typeface="华文楷体" panose="02010600040101010101" pitchFamily="2" charset="-122"/>
-                <a:ea typeface="华文楷体" panose="02010600040101010101" pitchFamily="2" charset="-122"/>
-              </a:rPr>
-              <a:t>                  </a:t>
-            </a:r>
-            <a:r>
-              <a:rPr lang="en-US" altLang="zh-CN" sz="2000" dirty="0" err="1">
-                <a:latin typeface="华文楷体" panose="02010600040101010101" pitchFamily="2" charset="-122"/>
-                <a:ea typeface="华文楷体" panose="02010600040101010101" pitchFamily="2" charset="-122"/>
-              </a:rPr>
-              <a:t>Master_Bind</a:t>
-            </a:r>
-            <a:r>
-              <a:rPr lang="en-US" altLang="zh-CN" sz="2000" dirty="0">
-                <a:latin typeface="华文楷体" panose="02010600040101010101" pitchFamily="2" charset="-122"/>
-                <a:ea typeface="华文楷体" panose="02010600040101010101" pitchFamily="2" charset="-122"/>
-              </a:rPr>
-              <a:t>: </a:t>
-            </a:r>
-          </a:p>
-          <a:p>
-            <a:r>
-              <a:rPr lang="en-US" altLang="zh-CN" sz="2000" dirty="0">
-                <a:latin typeface="华文楷体" panose="02010600040101010101" pitchFamily="2" charset="-122"/>
-                <a:ea typeface="华文楷体" panose="02010600040101010101" pitchFamily="2" charset="-122"/>
-              </a:rPr>
-              <a:t>      </a:t>
-            </a:r>
-            <a:r>
-              <a:rPr lang="en-US" altLang="zh-CN" sz="2000" dirty="0" err="1">
-                <a:latin typeface="华文楷体" panose="02010600040101010101" pitchFamily="2" charset="-122"/>
-                <a:ea typeface="华文楷体" panose="02010600040101010101" pitchFamily="2" charset="-122"/>
-              </a:rPr>
-              <a:t>Last_IO_Error_Timestamp</a:t>
-            </a:r>
-            <a:r>
-              <a:rPr lang="en-US" altLang="zh-CN" sz="2000" dirty="0">
-                <a:latin typeface="华文楷体" panose="02010600040101010101" pitchFamily="2" charset="-122"/>
-                <a:ea typeface="华文楷体" panose="02010600040101010101" pitchFamily="2" charset="-122"/>
-              </a:rPr>
-              <a:t>: </a:t>
-            </a:r>
-          </a:p>
-          <a:p>
-            <a:r>
-              <a:rPr lang="en-US" altLang="zh-CN" sz="2000" dirty="0">
-                <a:latin typeface="华文楷体" panose="02010600040101010101" pitchFamily="2" charset="-122"/>
-                <a:ea typeface="华文楷体" panose="02010600040101010101" pitchFamily="2" charset="-122"/>
-              </a:rPr>
-              <a:t>     </a:t>
-            </a:r>
-            <a:r>
-              <a:rPr lang="en-US" altLang="zh-CN" sz="2000" dirty="0" err="1">
-                <a:latin typeface="华文楷体" panose="02010600040101010101" pitchFamily="2" charset="-122"/>
-                <a:ea typeface="华文楷体" panose="02010600040101010101" pitchFamily="2" charset="-122"/>
-              </a:rPr>
-              <a:t>Last_SQL_Error_Timestamp</a:t>
-            </a:r>
-            <a:r>
-              <a:rPr lang="en-US" altLang="zh-CN" sz="2000" dirty="0">
-                <a:latin typeface="华文楷体" panose="02010600040101010101" pitchFamily="2" charset="-122"/>
-                <a:ea typeface="华文楷体" panose="02010600040101010101" pitchFamily="2" charset="-122"/>
-              </a:rPr>
-              <a:t>: </a:t>
-            </a:r>
-          </a:p>
-          <a:p>
-            <a:r>
-              <a:rPr lang="en-US" altLang="zh-CN" sz="2000" dirty="0">
-                <a:latin typeface="华文楷体" panose="02010600040101010101" pitchFamily="2" charset="-122"/>
-                <a:ea typeface="华文楷体" panose="02010600040101010101" pitchFamily="2" charset="-122"/>
-              </a:rPr>
-              <a:t>               </a:t>
-            </a:r>
-            <a:r>
-              <a:rPr lang="en-US" altLang="zh-CN" sz="2000" dirty="0" err="1">
-                <a:latin typeface="华文楷体" panose="02010600040101010101" pitchFamily="2" charset="-122"/>
-                <a:ea typeface="华文楷体" panose="02010600040101010101" pitchFamily="2" charset="-122"/>
-              </a:rPr>
-              <a:t>Master_SSL_Crl</a:t>
-            </a:r>
-            <a:r>
-              <a:rPr lang="en-US" altLang="zh-CN" sz="2000" dirty="0">
-                <a:latin typeface="华文楷体" panose="02010600040101010101" pitchFamily="2" charset="-122"/>
-                <a:ea typeface="华文楷体" panose="02010600040101010101" pitchFamily="2" charset="-122"/>
-              </a:rPr>
-              <a:t>: </a:t>
-            </a:r>
-          </a:p>
-          <a:p>
-            <a:r>
-              <a:rPr lang="en-US" altLang="zh-CN" sz="2000" dirty="0">
-                <a:latin typeface="华文楷体" panose="02010600040101010101" pitchFamily="2" charset="-122"/>
-                <a:ea typeface="华文楷体" panose="02010600040101010101" pitchFamily="2" charset="-122"/>
-              </a:rPr>
-              <a:t>           </a:t>
-            </a:r>
-            <a:r>
-              <a:rPr lang="en-US" altLang="zh-CN" sz="2000" dirty="0" err="1">
-                <a:latin typeface="华文楷体" panose="02010600040101010101" pitchFamily="2" charset="-122"/>
-                <a:ea typeface="华文楷体" panose="02010600040101010101" pitchFamily="2" charset="-122"/>
-              </a:rPr>
-              <a:t>Master_SSL_Crlpath</a:t>
-            </a:r>
-            <a:r>
-              <a:rPr lang="en-US" altLang="zh-CN" sz="2000" dirty="0">
-                <a:latin typeface="华文楷体" panose="02010600040101010101" pitchFamily="2" charset="-122"/>
-                <a:ea typeface="华文楷体" panose="02010600040101010101" pitchFamily="2" charset="-122"/>
-              </a:rPr>
-              <a:t>: </a:t>
-            </a:r>
-          </a:p>
-          <a:p>
-            <a:r>
-              <a:rPr lang="en-US" altLang="zh-CN" sz="2000" dirty="0">
-                <a:latin typeface="华文楷体" panose="02010600040101010101" pitchFamily="2" charset="-122"/>
-                <a:ea typeface="华文楷体" panose="02010600040101010101" pitchFamily="2" charset="-122"/>
-              </a:rPr>
-              <a:t>           </a:t>
-            </a:r>
-            <a:r>
-              <a:rPr lang="en-US" altLang="zh-CN" sz="2000" dirty="0" err="1">
-                <a:latin typeface="华文楷体" panose="02010600040101010101" pitchFamily="2" charset="-122"/>
-                <a:ea typeface="华文楷体" panose="02010600040101010101" pitchFamily="2" charset="-122"/>
-              </a:rPr>
-              <a:t>Retrieved_Gtid_Set</a:t>
-            </a:r>
-            <a:r>
-              <a:rPr lang="en-US" altLang="zh-CN" sz="2000" dirty="0">
-                <a:latin typeface="华文楷体" panose="02010600040101010101" pitchFamily="2" charset="-122"/>
-                <a:ea typeface="华文楷体" panose="02010600040101010101" pitchFamily="2" charset="-122"/>
-              </a:rPr>
-              <a:t>: 2e3f5c76-0905-11e6-8dad-0050568fd581:1101-1125</a:t>
-            </a:r>
-          </a:p>
-          <a:p>
-            <a:r>
-              <a:rPr lang="en-US" altLang="zh-CN" sz="2000" dirty="0">
-                <a:latin typeface="华文楷体" panose="02010600040101010101" pitchFamily="2" charset="-122"/>
-                <a:ea typeface="华文楷体" panose="02010600040101010101" pitchFamily="2" charset="-122"/>
-              </a:rPr>
-              <a:t>            </a:t>
-            </a:r>
-            <a:r>
-              <a:rPr lang="en-US" altLang="zh-CN" sz="2000" dirty="0" err="1">
-                <a:latin typeface="华文楷体" panose="02010600040101010101" pitchFamily="2" charset="-122"/>
-                <a:ea typeface="华文楷体" panose="02010600040101010101" pitchFamily="2" charset="-122"/>
-              </a:rPr>
-              <a:t>Executed_Gtid_Set</a:t>
-            </a:r>
-            <a:r>
-              <a:rPr lang="en-US" altLang="zh-CN" sz="2000" dirty="0">
-                <a:latin typeface="华文楷体" panose="02010600040101010101" pitchFamily="2" charset="-122"/>
-                <a:ea typeface="华文楷体" panose="02010600040101010101" pitchFamily="2" charset="-122"/>
-              </a:rPr>
-              <a:t>: 2e3f5c76-0905-11e6-8dad-0050568fd581:1-1125</a:t>
-            </a:r>
-          </a:p>
-          <a:p>
-            <a:r>
-              <a:rPr lang="en-US" altLang="zh-CN" sz="2000" dirty="0">
-                <a:latin typeface="华文楷体" panose="02010600040101010101" pitchFamily="2" charset="-122"/>
-                <a:ea typeface="华文楷体" panose="02010600040101010101" pitchFamily="2" charset="-122"/>
-              </a:rPr>
-              <a:t>                </a:t>
-            </a:r>
-            <a:r>
-              <a:rPr lang="en-US" altLang="zh-CN" sz="2000" dirty="0" err="1">
-                <a:latin typeface="华文楷体" panose="02010600040101010101" pitchFamily="2" charset="-122"/>
-                <a:ea typeface="华文楷体" panose="02010600040101010101" pitchFamily="2" charset="-122"/>
-              </a:rPr>
-              <a:t>Auto_Position</a:t>
-            </a:r>
-            <a:r>
-              <a:rPr lang="en-US" altLang="zh-CN" sz="2000" dirty="0">
-                <a:latin typeface="华文楷体" panose="02010600040101010101" pitchFamily="2" charset="-122"/>
-                <a:ea typeface="华文楷体" panose="02010600040101010101" pitchFamily="2" charset="-122"/>
-              </a:rPr>
-              <a:t>: 1</a:t>
-            </a:r>
-            <a:endParaRPr lang="en-US" altLang="zh-CN" sz="2000" dirty="0" smtClean="0">
+            <a:endParaRPr lang="en-US" altLang="zh-CN" sz="3200">
               <a:latin typeface="华文楷体" panose="02010600040101010101" pitchFamily="2" charset="-122"/>
               <a:ea typeface="华文楷体" panose="02010600040101010101" pitchFamily="2" charset="-122"/>
             </a:endParaRPr>
           </a:p>
+          <a:p>
+            <a:endParaRPr lang="en-US" altLang="zh-CN" sz="3200" smtClean="0">
+              <a:latin typeface="华文楷体" panose="02010600040101010101" pitchFamily="2" charset="-122"/>
+              <a:ea typeface="华文楷体" panose="02010600040101010101" pitchFamily="2" charset="-122"/>
+            </a:endParaRPr>
+          </a:p>
+          <a:p>
+            <a:r>
+              <a:rPr lang="en-US" altLang="zh-CN" sz="3200" smtClean="0">
+                <a:latin typeface="华文楷体" panose="02010600040101010101" pitchFamily="2" charset="-122"/>
+                <a:ea typeface="华文楷体" panose="02010600040101010101" pitchFamily="2" charset="-122"/>
+              </a:rPr>
+              <a:t>         </a:t>
+            </a:r>
+          </a:p>
+          <a:p>
+            <a:r>
+              <a:rPr lang="en-US" altLang="zh-CN" sz="3200">
+                <a:latin typeface="华文楷体" panose="02010600040101010101" pitchFamily="2" charset="-122"/>
+                <a:ea typeface="华文楷体" panose="02010600040101010101" pitchFamily="2" charset="-122"/>
+              </a:rPr>
+              <a:t> </a:t>
+            </a:r>
+            <a:r>
+              <a:rPr lang="en-US" altLang="zh-CN" sz="3200" smtClean="0">
+                <a:latin typeface="华文楷体" panose="02010600040101010101" pitchFamily="2" charset="-122"/>
+                <a:ea typeface="华文楷体" panose="02010600040101010101" pitchFamily="2" charset="-122"/>
+              </a:rPr>
+              <a:t>        </a:t>
+            </a:r>
+            <a:endParaRPr lang="en-US" altLang="zh-CN" sz="3200">
+              <a:latin typeface="华文楷体" panose="02010600040101010101" pitchFamily="2" charset="-122"/>
+              <a:ea typeface="华文楷体" panose="02010600040101010101" pitchFamily="2" charset="-122"/>
+            </a:endParaRPr>
+          </a:p>
+          <a:p>
+            <a:endParaRPr lang="en-US" altLang="zh-CN" sz="3200" smtClean="0">
+              <a:latin typeface="华文楷体" panose="02010600040101010101" pitchFamily="2" charset="-122"/>
+              <a:ea typeface="华文楷体" panose="02010600040101010101" pitchFamily="2" charset="-122"/>
+            </a:endParaRPr>
+          </a:p>
+          <a:p>
+            <a:pPr marL="685800" indent="-685800">
+              <a:buFont typeface="Wingdings" panose="05000000000000000000" pitchFamily="2" charset="2"/>
+              <a:buChar char="l"/>
+            </a:pPr>
+            <a:endParaRPr lang="en-US" altLang="zh-CN" sz="3200" smtClean="0">
+              <a:latin typeface="华文楷体" panose="02010600040101010101" pitchFamily="2" charset="-122"/>
+              <a:ea typeface="华文楷体" panose="02010600040101010101" pitchFamily="2" charset="-122"/>
+            </a:endParaRPr>
+          </a:p>
         </p:txBody>
       </p:sp>
     </p:spTree>
     <p:extLst>
       <p:ext uri="{BB962C8B-B14F-4D97-AF65-F5344CB8AC3E}">
-        <p14:creationId xmlns:p14="http://schemas.microsoft.com/office/powerpoint/2010/main" val="1074536020"/>
+        <p14:creationId xmlns:p14="http://schemas.microsoft.com/office/powerpoint/2010/main" val="1416663073"/>
       </p:ext>
     </p:extLst>
   </p:cSld>
@@ -11730,7 +10505,7 @@
         <p:spPr>
           <a:xfrm>
             <a:off x="610954" y="551405"/>
-            <a:ext cx="11449982" cy="5324535"/>
+            <a:ext cx="11449982" cy="6309420"/>
           </a:xfrm>
           <a:prstGeom prst="rect">
             <a:avLst/>
@@ -11791,61 +10566,146 @@
           </a:p>
           <a:p>
             <a:r>
-              <a:rPr lang="en-US" altLang="zh-CN" sz="3200" smtClean="0">
-                <a:latin typeface="华文楷体" panose="02010600040101010101" pitchFamily="2" charset="-122"/>
-                <a:ea typeface="华文楷体" panose="02010600040101010101" pitchFamily="2" charset="-122"/>
-              </a:rPr>
-              <a:t>1</a:t>
-            </a:r>
-            <a:r>
-              <a:rPr lang="zh-CN" altLang="en-US" sz="3200" smtClean="0">
-                <a:latin typeface="华文楷体" panose="02010600040101010101" pitchFamily="2" charset="-122"/>
-                <a:ea typeface="华文楷体" panose="02010600040101010101" pitchFamily="2" charset="-122"/>
-              </a:rPr>
-              <a:t>，</a:t>
-            </a:r>
-            <a:r>
-              <a:rPr lang="en-US" altLang="zh-CN" sz="3200" smtClean="0">
-                <a:latin typeface="华文楷体" panose="02010600040101010101" pitchFamily="2" charset="-122"/>
-                <a:ea typeface="华文楷体" panose="02010600040101010101" pitchFamily="2" charset="-122"/>
-              </a:rPr>
-              <a:t>show slave status</a:t>
-            </a:r>
-            <a:r>
-              <a:rPr lang="zh-CN" altLang="en-US" sz="3200" smtClean="0">
-                <a:latin typeface="华文楷体" panose="02010600040101010101" pitchFamily="2" charset="-122"/>
-                <a:ea typeface="华文楷体" panose="02010600040101010101" pitchFamily="2" charset="-122"/>
-              </a:rPr>
-              <a:t>显示</a:t>
-            </a:r>
-            <a:r>
-              <a:rPr lang="en-US" altLang="zh-CN" sz="3200" err="1" smtClean="0">
-                <a:latin typeface="华文楷体" panose="02010600040101010101" pitchFamily="2" charset="-122"/>
-                <a:ea typeface="华文楷体" panose="02010600040101010101" pitchFamily="2" charset="-122"/>
-              </a:rPr>
-              <a:t>io</a:t>
-            </a:r>
-            <a:r>
-              <a:rPr lang="zh-CN" altLang="en-US" sz="3200" smtClean="0">
-                <a:latin typeface="华文楷体" panose="02010600040101010101" pitchFamily="2" charset="-122"/>
-                <a:ea typeface="华文楷体" panose="02010600040101010101" pitchFamily="2" charset="-122"/>
-              </a:rPr>
-              <a:t>线程和</a:t>
-            </a:r>
-            <a:r>
-              <a:rPr lang="en-US" altLang="zh-CN" sz="3200" err="1" smtClean="0">
-                <a:latin typeface="华文楷体" panose="02010600040101010101" pitchFamily="2" charset="-122"/>
-                <a:ea typeface="华文楷体" panose="02010600040101010101" pitchFamily="2" charset="-122"/>
-              </a:rPr>
-              <a:t>sql</a:t>
-            </a:r>
-            <a:r>
-              <a:rPr lang="zh-CN" altLang="en-US" sz="3200" smtClean="0">
-                <a:latin typeface="华文楷体" panose="02010600040101010101" pitchFamily="2" charset="-122"/>
-                <a:ea typeface="华文楷体" panose="02010600040101010101" pitchFamily="2" charset="-122"/>
-              </a:rPr>
-              <a:t>线程正常</a:t>
-            </a:r>
+              <a:rPr lang="zh-CN" altLang="en-US" sz="2000">
+                <a:latin typeface="华文楷体" panose="02010600040101010101" pitchFamily="2" charset="-122"/>
+                <a:ea typeface="华文楷体" panose="02010600040101010101" pitchFamily="2" charset="-122"/>
+              </a:rPr>
+              <a:t>主</a:t>
+            </a:r>
+            <a:r>
+              <a:rPr lang="zh-CN" altLang="en-US" sz="2000" smtClean="0">
+                <a:latin typeface="华文楷体" panose="02010600040101010101" pitchFamily="2" charset="-122"/>
+                <a:ea typeface="华文楷体" panose="02010600040101010101" pitchFamily="2" charset="-122"/>
+              </a:rPr>
+              <a:t>库上：</a:t>
+            </a:r>
+            <a:endParaRPr lang="en-US" altLang="zh-CN" sz="2000" smtClean="0">
+              <a:latin typeface="华文楷体" panose="02010600040101010101" pitchFamily="2" charset="-122"/>
+              <a:ea typeface="华文楷体" panose="02010600040101010101" pitchFamily="2" charset="-122"/>
+            </a:endParaRPr>
+          </a:p>
+          <a:p>
+            <a:r>
+              <a:rPr lang="en-US" altLang="zh-CN" sz="2000" err="1">
+                <a:latin typeface="华文楷体" panose="02010600040101010101" pitchFamily="2" charset="-122"/>
+                <a:ea typeface="华文楷体" panose="02010600040101010101" pitchFamily="2" charset="-122"/>
+              </a:rPr>
+              <a:t>root@localhost:mysql.sock</a:t>
+            </a:r>
+            <a:r>
+              <a:rPr lang="en-US" altLang="zh-CN" sz="2000">
+                <a:latin typeface="华文楷体" panose="02010600040101010101" pitchFamily="2" charset="-122"/>
+                <a:ea typeface="华文楷体" panose="02010600040101010101" pitchFamily="2" charset="-122"/>
+              </a:rPr>
+              <a:t>  14:18:00 [(none)]&gt;show master status\G</a:t>
+            </a:r>
+          </a:p>
+          <a:p>
+            <a:r>
+              <a:rPr lang="en-US" altLang="zh-CN" sz="2000">
+                <a:latin typeface="华文楷体" panose="02010600040101010101" pitchFamily="2" charset="-122"/>
+                <a:ea typeface="华文楷体" panose="02010600040101010101" pitchFamily="2" charset="-122"/>
+              </a:rPr>
+              <a:t>*************************** 1. row ***************************</a:t>
+            </a:r>
+          </a:p>
+          <a:p>
+            <a:r>
+              <a:rPr lang="en-US" altLang="zh-CN" sz="2000">
+                <a:latin typeface="华文楷体" panose="02010600040101010101" pitchFamily="2" charset="-122"/>
+                <a:ea typeface="华文楷体" panose="02010600040101010101" pitchFamily="2" charset="-122"/>
+              </a:rPr>
+              <a:t>             File: mybinlog.000039</a:t>
+            </a:r>
+          </a:p>
+          <a:p>
+            <a:r>
+              <a:rPr lang="en-US" altLang="zh-CN" sz="2000">
+                <a:latin typeface="华文楷体" panose="02010600040101010101" pitchFamily="2" charset="-122"/>
+                <a:ea typeface="华文楷体" panose="02010600040101010101" pitchFamily="2" charset="-122"/>
+              </a:rPr>
+              <a:t>         Position: 1203</a:t>
+            </a:r>
+          </a:p>
+          <a:p>
+            <a:r>
+              <a:rPr lang="en-US" altLang="zh-CN" sz="2000">
+                <a:latin typeface="华文楷体" panose="02010600040101010101" pitchFamily="2" charset="-122"/>
+                <a:ea typeface="华文楷体" panose="02010600040101010101" pitchFamily="2" charset="-122"/>
+              </a:rPr>
+              <a:t>     </a:t>
+            </a:r>
+            <a:r>
+              <a:rPr lang="en-US" altLang="zh-CN" sz="2000" err="1">
+                <a:latin typeface="华文楷体" panose="02010600040101010101" pitchFamily="2" charset="-122"/>
+                <a:ea typeface="华文楷体" panose="02010600040101010101" pitchFamily="2" charset="-122"/>
+              </a:rPr>
+              <a:t>Binlog_Do_DB</a:t>
+            </a:r>
+            <a:r>
+              <a:rPr lang="en-US" altLang="zh-CN" sz="2000">
+                <a:latin typeface="华文楷体" panose="02010600040101010101" pitchFamily="2" charset="-122"/>
+                <a:ea typeface="华文楷体" panose="02010600040101010101" pitchFamily="2" charset="-122"/>
+              </a:rPr>
+              <a:t>: </a:t>
+            </a:r>
+          </a:p>
+          <a:p>
+            <a:r>
+              <a:rPr lang="en-US" altLang="zh-CN" sz="2000">
+                <a:latin typeface="华文楷体" panose="02010600040101010101" pitchFamily="2" charset="-122"/>
+                <a:ea typeface="华文楷体" panose="02010600040101010101" pitchFamily="2" charset="-122"/>
+              </a:rPr>
+              <a:t> </a:t>
+            </a:r>
+            <a:r>
+              <a:rPr lang="en-US" altLang="zh-CN" sz="2000" err="1">
+                <a:latin typeface="华文楷体" panose="02010600040101010101" pitchFamily="2" charset="-122"/>
+                <a:ea typeface="华文楷体" panose="02010600040101010101" pitchFamily="2" charset="-122"/>
+              </a:rPr>
+              <a:t>Binlog_Ignore_DB</a:t>
+            </a:r>
+            <a:r>
+              <a:rPr lang="en-US" altLang="zh-CN" sz="2000">
+                <a:latin typeface="华文楷体" panose="02010600040101010101" pitchFamily="2" charset="-122"/>
+                <a:ea typeface="华文楷体" panose="02010600040101010101" pitchFamily="2" charset="-122"/>
+              </a:rPr>
+              <a:t>: </a:t>
+            </a:r>
+          </a:p>
+          <a:p>
+            <a:r>
+              <a:rPr lang="en-US" altLang="zh-CN" sz="2000" err="1">
+                <a:latin typeface="华文楷体" panose="02010600040101010101" pitchFamily="2" charset="-122"/>
+                <a:ea typeface="华文楷体" panose="02010600040101010101" pitchFamily="2" charset="-122"/>
+              </a:rPr>
+              <a:t>Executed_Gtid_Set</a:t>
+            </a:r>
+            <a:r>
+              <a:rPr lang="en-US" altLang="zh-CN" sz="2000">
+                <a:latin typeface="华文楷体" panose="02010600040101010101" pitchFamily="2" charset="-122"/>
+                <a:ea typeface="华文楷体" panose="02010600040101010101" pitchFamily="2" charset="-122"/>
+              </a:rPr>
+              <a:t>: 2e3f5c76-0905-11e6-8dad-0050568fd581:1-1125</a:t>
+            </a:r>
+          </a:p>
+          <a:p>
+            <a:r>
+              <a:rPr lang="en-US" altLang="zh-CN" sz="2000">
+                <a:latin typeface="华文楷体" panose="02010600040101010101" pitchFamily="2" charset="-122"/>
+                <a:ea typeface="华文楷体" panose="02010600040101010101" pitchFamily="2" charset="-122"/>
+              </a:rPr>
+              <a:t>1 row in set (0.00 sec</a:t>
+            </a:r>
+            <a:r>
+              <a:rPr lang="en-US" altLang="zh-CN" sz="2000" smtClean="0">
+                <a:latin typeface="华文楷体" panose="02010600040101010101" pitchFamily="2" charset="-122"/>
+                <a:ea typeface="华文楷体" panose="02010600040101010101" pitchFamily="2" charset="-122"/>
+              </a:rPr>
+              <a:t>)</a:t>
+            </a:r>
+          </a:p>
+          <a:p>
             <a:endParaRPr lang="en-US" altLang="zh-CN" sz="3200" smtClean="0">
               <a:latin typeface="华文楷体" panose="02010600040101010101" pitchFamily="2" charset="-122"/>
               <a:ea typeface="华文楷体" panose="02010600040101010101" pitchFamily="2" charset="-122"/>
@@ -11853,6 +10713,15 @@
           </a:p>
           <a:p>
             <a:r>
+              <a:rPr lang="en-US" altLang="zh-CN" sz="3200" smtClean="0">
+                <a:latin typeface="华文楷体" panose="02010600040101010101" pitchFamily="2" charset="-122"/>
+                <a:ea typeface="华文楷体" panose="02010600040101010101" pitchFamily="2" charset="-122"/>
+              </a:rPr>
+              <a:t>         </a:t>
+            </a:r>
+          </a:p>
+          <a:p>
+            <a:r>
               <a:rPr lang="en-US" altLang="zh-CN" sz="3200">
                 <a:latin typeface="华文楷体" panose="02010600040101010101" pitchFamily="2" charset="-122"/>
                 <a:ea typeface="华文楷体" panose="02010600040101010101" pitchFamily="2" charset="-122"/>
@@ -11860,264 +10729,19 @@
               <a:t> </a:t>
             </a:r>
             <a:r>
-              <a:rPr lang="en-US" altLang="zh-CN" sz="2000" err="1">
-                <a:latin typeface="华文楷体" panose="02010600040101010101" pitchFamily="2" charset="-122"/>
-                <a:ea typeface="华文楷体" panose="02010600040101010101" pitchFamily="2" charset="-122"/>
-              </a:rPr>
-              <a:t>Slave_IO_Running</a:t>
-            </a:r>
-            <a:r>
-              <a:rPr lang="en-US" altLang="zh-CN" sz="2000">
-                <a:latin typeface="华文楷体" panose="02010600040101010101" pitchFamily="2" charset="-122"/>
-                <a:ea typeface="华文楷体" panose="02010600040101010101" pitchFamily="2" charset="-122"/>
-              </a:rPr>
-              <a:t>: </a:t>
-            </a:r>
-            <a:r>
-              <a:rPr lang="en-US" altLang="zh-CN" sz="2000" smtClean="0">
-                <a:latin typeface="华文楷体" panose="02010600040101010101" pitchFamily="2" charset="-122"/>
-                <a:ea typeface="华文楷体" panose="02010600040101010101" pitchFamily="2" charset="-122"/>
-              </a:rPr>
-              <a:t>Yes</a:t>
-            </a:r>
-          </a:p>
-          <a:p>
-            <a:r>
-              <a:rPr lang="en-US" altLang="zh-CN" sz="2000" err="1">
-                <a:latin typeface="华文楷体" panose="02010600040101010101" pitchFamily="2" charset="-122"/>
-                <a:ea typeface="华文楷体" panose="02010600040101010101" pitchFamily="2" charset="-122"/>
-              </a:rPr>
-              <a:t>Slave_SQL_Running</a:t>
-            </a:r>
-            <a:r>
-              <a:rPr lang="en-US" altLang="zh-CN" sz="2000">
-                <a:latin typeface="华文楷体" panose="02010600040101010101" pitchFamily="2" charset="-122"/>
-                <a:ea typeface="华文楷体" panose="02010600040101010101" pitchFamily="2" charset="-122"/>
-              </a:rPr>
-              <a:t>: </a:t>
-            </a:r>
-            <a:r>
-              <a:rPr lang="en-US" altLang="zh-CN" sz="2000" smtClean="0">
-                <a:latin typeface="华文楷体" panose="02010600040101010101" pitchFamily="2" charset="-122"/>
-                <a:ea typeface="华文楷体" panose="02010600040101010101" pitchFamily="2" charset="-122"/>
-              </a:rPr>
-              <a:t>Yes</a:t>
-            </a:r>
-          </a:p>
-          <a:p>
-            <a:r>
-              <a:rPr lang="en-US" altLang="zh-CN" sz="2000" smtClean="0">
-                <a:latin typeface="华文楷体" panose="02010600040101010101" pitchFamily="2" charset="-122"/>
-                <a:ea typeface="华文楷体" panose="02010600040101010101" pitchFamily="2" charset="-122"/>
-              </a:rPr>
-              <a:t>2</a:t>
-            </a:r>
-            <a:r>
-              <a:rPr lang="zh-CN" altLang="en-US" sz="2000" smtClean="0">
-                <a:latin typeface="华文楷体" panose="02010600040101010101" pitchFamily="2" charset="-122"/>
-                <a:ea typeface="华文楷体" panose="02010600040101010101" pitchFamily="2" charset="-122"/>
-              </a:rPr>
-              <a:t>，</a:t>
-            </a:r>
-            <a:r>
-              <a:rPr lang="en-US" altLang="zh-CN" sz="2000">
-                <a:latin typeface="华文楷体" panose="02010600040101010101" pitchFamily="2" charset="-122"/>
-                <a:ea typeface="华文楷体" panose="02010600040101010101" pitchFamily="2" charset="-122"/>
-              </a:rPr>
-              <a:t> </a:t>
-            </a:r>
-            <a:r>
-              <a:rPr lang="en-US" altLang="zh-CN" sz="2000" err="1" smtClean="0">
-                <a:latin typeface="华文楷体" panose="02010600040101010101" pitchFamily="2" charset="-122"/>
-                <a:ea typeface="华文楷体" panose="02010600040101010101" pitchFamily="2" charset="-122"/>
-              </a:rPr>
-              <a:t>Master_Log_File</a:t>
-            </a:r>
-            <a:r>
-              <a:rPr lang="zh-CN" altLang="en-US" sz="2000" smtClean="0">
-                <a:latin typeface="华文楷体" panose="02010600040101010101" pitchFamily="2" charset="-122"/>
-                <a:ea typeface="华文楷体" panose="02010600040101010101" pitchFamily="2" charset="-122"/>
-              </a:rPr>
-              <a:t>的值与</a:t>
-            </a:r>
-            <a:r>
-              <a:rPr lang="en-US" altLang="zh-CN" sz="2000" err="1" smtClean="0">
-                <a:latin typeface="华文楷体" panose="02010600040101010101" pitchFamily="2" charset="-122"/>
-                <a:ea typeface="华文楷体" panose="02010600040101010101" pitchFamily="2" charset="-122"/>
-              </a:rPr>
-              <a:t>Relay_Master_Log_File</a:t>
-            </a:r>
-            <a:r>
-              <a:rPr lang="zh-CN" altLang="en-US" sz="2000" smtClean="0">
-                <a:latin typeface="华文楷体" panose="02010600040101010101" pitchFamily="2" charset="-122"/>
-                <a:ea typeface="华文楷体" panose="02010600040101010101" pitchFamily="2" charset="-122"/>
-              </a:rPr>
-              <a:t>相同，并且</a:t>
-            </a:r>
-            <a:r>
-              <a:rPr lang="en-US" altLang="zh-CN" sz="2000" err="1" smtClean="0">
-                <a:latin typeface="华文楷体" panose="02010600040101010101" pitchFamily="2" charset="-122"/>
-                <a:ea typeface="华文楷体" panose="02010600040101010101" pitchFamily="2" charset="-122"/>
-              </a:rPr>
-              <a:t>Read_Master_Log_Pos</a:t>
-            </a:r>
-            <a:r>
-              <a:rPr lang="zh-CN" altLang="en-US" sz="2000" smtClean="0">
-                <a:latin typeface="华文楷体" panose="02010600040101010101" pitchFamily="2" charset="-122"/>
-                <a:ea typeface="华文楷体" panose="02010600040101010101" pitchFamily="2" charset="-122"/>
-              </a:rPr>
-              <a:t>与</a:t>
-            </a:r>
-            <a:r>
-              <a:rPr lang="en-US" altLang="zh-CN" sz="2000" err="1" smtClean="0">
-                <a:latin typeface="华文楷体" panose="02010600040101010101" pitchFamily="2" charset="-122"/>
-                <a:ea typeface="华文楷体" panose="02010600040101010101" pitchFamily="2" charset="-122"/>
-              </a:rPr>
-              <a:t>Exec_Master_Log_Pos</a:t>
-            </a:r>
-            <a:r>
-              <a:rPr lang="zh-CN" altLang="en-US" sz="2000" smtClean="0">
-                <a:latin typeface="华文楷体" panose="02010600040101010101" pitchFamily="2" charset="-122"/>
-                <a:ea typeface="华文楷体" panose="02010600040101010101" pitchFamily="2" charset="-122"/>
-              </a:rPr>
-              <a:t>相同</a:t>
-            </a:r>
-            <a:endParaRPr lang="en-US" altLang="zh-CN" sz="2000" smtClean="0">
+              <a:rPr lang="en-US" altLang="zh-CN" sz="3200" smtClean="0">
+                <a:latin typeface="华文楷体" panose="02010600040101010101" pitchFamily="2" charset="-122"/>
+                <a:ea typeface="华文楷体" panose="02010600040101010101" pitchFamily="2" charset="-122"/>
+              </a:rPr>
+              <a:t>        </a:t>
+            </a:r>
+            <a:endParaRPr lang="en-US" altLang="zh-CN" sz="3200">
               <a:latin typeface="华文楷体" panose="02010600040101010101" pitchFamily="2" charset="-122"/>
               <a:ea typeface="华文楷体" panose="02010600040101010101" pitchFamily="2" charset="-122"/>
             </a:endParaRPr>
           </a:p>
           <a:p>
-            <a:r>
-              <a:rPr lang="en-US" altLang="zh-CN" sz="2000" err="1">
-                <a:latin typeface="华文楷体" panose="02010600040101010101" pitchFamily="2" charset="-122"/>
-                <a:ea typeface="华文楷体" panose="02010600040101010101" pitchFamily="2" charset="-122"/>
-              </a:rPr>
-              <a:t>Master_Log_File</a:t>
-            </a:r>
-            <a:r>
-              <a:rPr lang="en-US" altLang="zh-CN" sz="2000">
-                <a:latin typeface="华文楷体" panose="02010600040101010101" pitchFamily="2" charset="-122"/>
-                <a:ea typeface="华文楷体" panose="02010600040101010101" pitchFamily="2" charset="-122"/>
-              </a:rPr>
-              <a:t>: </a:t>
-            </a:r>
-            <a:r>
-              <a:rPr lang="en-US" altLang="zh-CN" sz="2000" smtClean="0">
-                <a:latin typeface="华文楷体" panose="02010600040101010101" pitchFamily="2" charset="-122"/>
-                <a:ea typeface="华文楷体" panose="02010600040101010101" pitchFamily="2" charset="-122"/>
-              </a:rPr>
-              <a:t>mybinlog.000039</a:t>
-            </a:r>
-          </a:p>
-          <a:p>
-            <a:r>
-              <a:rPr lang="en-US" altLang="zh-CN" sz="2000" err="1">
-                <a:latin typeface="华文楷体" panose="02010600040101010101" pitchFamily="2" charset="-122"/>
-                <a:ea typeface="华文楷体" panose="02010600040101010101" pitchFamily="2" charset="-122"/>
-              </a:rPr>
-              <a:t>Read_Master_Log_Pos</a:t>
-            </a:r>
-            <a:r>
-              <a:rPr lang="en-US" altLang="zh-CN" sz="2000">
-                <a:latin typeface="华文楷体" panose="02010600040101010101" pitchFamily="2" charset="-122"/>
-                <a:ea typeface="华文楷体" panose="02010600040101010101" pitchFamily="2" charset="-122"/>
-              </a:rPr>
-              <a:t>: </a:t>
-            </a:r>
-            <a:r>
-              <a:rPr lang="en-US" altLang="zh-CN" sz="2000" smtClean="0">
-                <a:latin typeface="华文楷体" panose="02010600040101010101" pitchFamily="2" charset="-122"/>
-                <a:ea typeface="华文楷体" panose="02010600040101010101" pitchFamily="2" charset="-122"/>
-              </a:rPr>
-              <a:t>1203</a:t>
-            </a:r>
-          </a:p>
-          <a:p>
-            <a:r>
-              <a:rPr lang="en-US" altLang="zh-CN" sz="2000" err="1">
-                <a:latin typeface="华文楷体" panose="02010600040101010101" pitchFamily="2" charset="-122"/>
-                <a:ea typeface="华文楷体" panose="02010600040101010101" pitchFamily="2" charset="-122"/>
-              </a:rPr>
-              <a:t>Relay_Master_Log_File</a:t>
-            </a:r>
-            <a:r>
-              <a:rPr lang="en-US" altLang="zh-CN" sz="2000">
-                <a:latin typeface="华文楷体" panose="02010600040101010101" pitchFamily="2" charset="-122"/>
-                <a:ea typeface="华文楷体" panose="02010600040101010101" pitchFamily="2" charset="-122"/>
-              </a:rPr>
-              <a:t>: </a:t>
-            </a:r>
-            <a:r>
-              <a:rPr lang="en-US" altLang="zh-CN" sz="2000" smtClean="0">
-                <a:latin typeface="华文楷体" panose="02010600040101010101" pitchFamily="2" charset="-122"/>
-                <a:ea typeface="华文楷体" panose="02010600040101010101" pitchFamily="2" charset="-122"/>
-              </a:rPr>
-              <a:t>mybinlog.000039</a:t>
-            </a:r>
-          </a:p>
-          <a:p>
-            <a:r>
-              <a:rPr lang="en-US" altLang="zh-CN" sz="2000" err="1">
-                <a:latin typeface="华文楷体" panose="02010600040101010101" pitchFamily="2" charset="-122"/>
-                <a:ea typeface="华文楷体" panose="02010600040101010101" pitchFamily="2" charset="-122"/>
-              </a:rPr>
-              <a:t>Exec_Master_Log_Pos</a:t>
-            </a:r>
-            <a:r>
-              <a:rPr lang="en-US" altLang="zh-CN" sz="2000">
-                <a:latin typeface="华文楷体" panose="02010600040101010101" pitchFamily="2" charset="-122"/>
-                <a:ea typeface="华文楷体" panose="02010600040101010101" pitchFamily="2" charset="-122"/>
-              </a:rPr>
-              <a:t>: </a:t>
-            </a:r>
-            <a:r>
-              <a:rPr lang="en-US" altLang="zh-CN" sz="2000" smtClean="0">
-                <a:latin typeface="华文楷体" panose="02010600040101010101" pitchFamily="2" charset="-122"/>
-                <a:ea typeface="华文楷体" panose="02010600040101010101" pitchFamily="2" charset="-122"/>
-              </a:rPr>
-              <a:t>1203</a:t>
-            </a:r>
-          </a:p>
-          <a:p>
-            <a:r>
-              <a:rPr lang="en-US" altLang="zh-CN" sz="2000" smtClean="0">
-                <a:latin typeface="华文楷体" panose="02010600040101010101" pitchFamily="2" charset="-122"/>
-                <a:ea typeface="华文楷体" panose="02010600040101010101" pitchFamily="2" charset="-122"/>
-              </a:rPr>
-              <a:t>3</a:t>
-            </a:r>
-            <a:r>
-              <a:rPr lang="zh-CN" altLang="en-US" sz="2000" smtClean="0">
-                <a:latin typeface="华文楷体" panose="02010600040101010101" pitchFamily="2" charset="-122"/>
-                <a:ea typeface="华文楷体" panose="02010600040101010101" pitchFamily="2" charset="-122"/>
-              </a:rPr>
-              <a:t>，显示从库落后于主库的秒数为</a:t>
-            </a:r>
-            <a:r>
-              <a:rPr lang="en-US" altLang="zh-CN" sz="2000" smtClean="0">
-                <a:latin typeface="华文楷体" panose="02010600040101010101" pitchFamily="2" charset="-122"/>
-                <a:ea typeface="华文楷体" panose="02010600040101010101" pitchFamily="2" charset="-122"/>
-              </a:rPr>
-              <a:t>0</a:t>
-            </a:r>
-          </a:p>
-          <a:p>
-            <a:r>
-              <a:rPr lang="en-US" altLang="zh-CN" sz="2000" err="1">
-                <a:latin typeface="华文楷体" panose="02010600040101010101" pitchFamily="2" charset="-122"/>
-                <a:ea typeface="华文楷体" panose="02010600040101010101" pitchFamily="2" charset="-122"/>
-              </a:rPr>
-              <a:t>Seconds_Behind_Master</a:t>
-            </a:r>
-            <a:r>
-              <a:rPr lang="en-US" altLang="zh-CN" sz="2000">
-                <a:latin typeface="华文楷体" panose="02010600040101010101" pitchFamily="2" charset="-122"/>
-                <a:ea typeface="华文楷体" panose="02010600040101010101" pitchFamily="2" charset="-122"/>
-              </a:rPr>
-              <a:t>: 0</a:t>
-            </a:r>
-            <a:endParaRPr lang="en-US" altLang="zh-CN" sz="2000" smtClean="0">
+            <a:endParaRPr lang="en-US" altLang="zh-CN" sz="3200" smtClean="0">
               <a:latin typeface="华文楷体" panose="02010600040101010101" pitchFamily="2" charset="-122"/>
               <a:ea typeface="华文楷体" panose="02010600040101010101" pitchFamily="2" charset="-122"/>
             </a:endParaRPr>
@@ -12137,7 +10761,1475 @@
     </p:spTree>
     <p:extLst>
       <p:ext uri="{BB962C8B-B14F-4D97-AF65-F5344CB8AC3E}">
-        <p14:creationId xmlns:p14="http://schemas.microsoft.com/office/powerpoint/2010/main" val="3457156913"/>
+        <p14:creationId xmlns:p14="http://schemas.microsoft.com/office/powerpoint/2010/main" val="10667558"/>
+      </p:ext>
+    </p:extLst>
+  </p:cSld>
+  <p:clrMapOvr>
+    <a:masterClrMapping/>
+  </p:clrMapOvr>
+  <p:timing>
+    <p:tnLst>
+      <p:par>
+        <p:cTn id="1" dur="indefinite" restart="never" nodeType="tmRoot"/>
+      </p:par>
+    </p:tnLst>
+  </p:timing>
+</p:sld>
+</file>
+
+<file path=ppt/slides/slide19.xml><?xml version="1.0" encoding="utf-8"?>
+<p:sld xmlns:a="http://schemas.openxmlformats.org/drawingml/2006/main" xmlns:r="http://schemas.openxmlformats.org/officeDocument/2006/relationships" xmlns:p="http://schemas.openxmlformats.org/presentationml/2006/main">
+  <p:cSld>
+    <p:spTree>
+      <p:nvGrpSpPr>
+        <p:cNvPr id="1" name=""/>
+        <p:cNvGrpSpPr/>
+        <p:nvPr/>
+      </p:nvGrpSpPr>
+      <p:grpSpPr>
+        <a:xfrm>
+          <a:off x="0" y="0"/>
+          <a:ext cx="0" cy="0"/>
+          <a:chOff x="0" y="0"/>
+          <a:chExt cx="0" cy="0"/>
+        </a:xfrm>
+      </p:grpSpPr>
+      <p:sp>
+        <p:nvSpPr>
+          <p:cNvPr id="2" name="标题 1"/>
+          <p:cNvSpPr>
+            <a:spLocks noGrp="1"/>
+          </p:cNvSpPr>
+          <p:nvPr>
+            <p:ph type="ctrTitle"/>
+          </p:nvPr>
+        </p:nvSpPr>
+        <p:spPr/>
+        <p:txBody>
+          <a:bodyPr/>
+          <a:lstStyle/>
+          <a:p>
+            <a:endParaRPr lang="zh-CN" altLang="en-US"/>
+          </a:p>
+        </p:txBody>
+      </p:sp>
+      <p:sp>
+        <p:nvSpPr>
+          <p:cNvPr id="3" name="副标题 2"/>
+          <p:cNvSpPr>
+            <a:spLocks noGrp="1"/>
+          </p:cNvSpPr>
+          <p:nvPr>
+            <p:ph type="subTitle" idx="1"/>
+          </p:nvPr>
+        </p:nvSpPr>
+        <p:spPr>
+          <a:xfrm>
+            <a:off x="2692397" y="3840477"/>
+            <a:ext cx="6815669" cy="1320802"/>
+          </a:xfrm>
+        </p:spPr>
+        <p:txBody>
+          <a:bodyPr/>
+          <a:lstStyle/>
+          <a:p>
+            <a:endParaRPr lang="zh-CN" altLang="en-US"/>
+          </a:p>
+        </p:txBody>
+      </p:sp>
+      <p:pic>
+        <p:nvPicPr>
+          <p:cNvPr id="4" name="图片 3"/>
+          <p:cNvPicPr>
+            <a:picLocks noChangeAspect="1"/>
+          </p:cNvPicPr>
+          <p:nvPr/>
+        </p:nvPicPr>
+        <p:blipFill>
+          <a:blip r:embed="rId3">
+            <a:extLst>
+              <a:ext uri="{28A0092B-C50C-407E-A947-70E740481C1C}">
+                <a14:useLocalDpi xmlns:a14="http://schemas.microsoft.com/office/drawing/2010/main" val="0"/>
+              </a:ext>
+            </a:extLst>
+          </a:blip>
+          <a:stretch>
+            <a:fillRect/>
+          </a:stretch>
+        </p:blipFill>
+        <p:spPr>
+          <a:xfrm>
+            <a:off x="0" y="0"/>
+            <a:ext cx="12191999" cy="6858000"/>
+          </a:xfrm>
+          <a:prstGeom prst="rect">
+            <a:avLst/>
+          </a:prstGeom>
+        </p:spPr>
+      </p:pic>
+      <p:sp>
+        <p:nvSpPr>
+          <p:cNvPr id="5" name="文本框 4"/>
+          <p:cNvSpPr txBox="1"/>
+          <p:nvPr/>
+        </p:nvSpPr>
+        <p:spPr>
+          <a:xfrm>
+            <a:off x="610954" y="551405"/>
+            <a:ext cx="11449982" cy="18620482"/>
+          </a:xfrm>
+          <a:prstGeom prst="rect">
+            <a:avLst/>
+          </a:prstGeom>
+          <a:noFill/>
+        </p:spPr>
+        <p:txBody>
+          <a:bodyPr wrap="square" rtlCol="0">
+            <a:spAutoFit/>
+          </a:bodyPr>
+          <a:lstStyle/>
+          <a:p>
+            <a:r>
+              <a:rPr lang="en-US" altLang="zh-CN" sz="3200" dirty="0" err="1" smtClean="0">
+                <a:latin typeface="华文楷体" panose="02010600040101010101" pitchFamily="2" charset="-122"/>
+                <a:ea typeface="华文楷体" panose="02010600040101010101" pitchFamily="2" charset="-122"/>
+              </a:rPr>
+              <a:t>Mysql</a:t>
+            </a:r>
+            <a:r>
+              <a:rPr lang="zh-CN" altLang="en-US" sz="3200" dirty="0" smtClean="0">
+                <a:latin typeface="华文楷体" panose="02010600040101010101" pitchFamily="2" charset="-122"/>
+                <a:ea typeface="华文楷体" panose="02010600040101010101" pitchFamily="2" charset="-122"/>
+              </a:rPr>
+              <a:t>主从同步</a:t>
+            </a:r>
+            <a:endParaRPr lang="en-US" altLang="zh-CN" sz="3200" dirty="0" smtClean="0">
+              <a:latin typeface="华文楷体" panose="02010600040101010101" pitchFamily="2" charset="-122"/>
+              <a:ea typeface="华文楷体" panose="02010600040101010101" pitchFamily="2" charset="-122"/>
+            </a:endParaRPr>
+          </a:p>
+          <a:p>
+            <a:r>
+              <a:rPr lang="zh-CN" altLang="en-US" sz="3200" dirty="0" smtClean="0">
+                <a:latin typeface="华文楷体" panose="02010600040101010101" pitchFamily="2" charset="-122"/>
+                <a:ea typeface="华文楷体" panose="02010600040101010101" pitchFamily="2" charset="-122"/>
+              </a:rPr>
+              <a:t>如何判断</a:t>
+            </a:r>
+            <a:r>
+              <a:rPr lang="en-US" altLang="zh-CN" sz="3200" dirty="0" err="1" smtClean="0">
+                <a:latin typeface="华文楷体" panose="02010600040101010101" pitchFamily="2" charset="-122"/>
+                <a:ea typeface="华文楷体" panose="02010600040101010101" pitchFamily="2" charset="-122"/>
+              </a:rPr>
+              <a:t>mysql</a:t>
+            </a:r>
+            <a:r>
+              <a:rPr lang="zh-CN" altLang="en-US" sz="3200" dirty="0" smtClean="0">
+                <a:latin typeface="华文楷体" panose="02010600040101010101" pitchFamily="2" charset="-122"/>
+                <a:ea typeface="华文楷体" panose="02010600040101010101" pitchFamily="2" charset="-122"/>
+              </a:rPr>
+              <a:t>主从是否同步：</a:t>
+            </a:r>
+            <a:endParaRPr lang="en-US" altLang="zh-CN" sz="3200" dirty="0" smtClean="0">
+              <a:latin typeface="华文楷体" panose="02010600040101010101" pitchFamily="2" charset="-122"/>
+              <a:ea typeface="华文楷体" panose="02010600040101010101" pitchFamily="2" charset="-122"/>
+            </a:endParaRPr>
+          </a:p>
+          <a:p>
+            <a:r>
+              <a:rPr lang="zh-CN" altLang="en-US" sz="2000" dirty="0" smtClean="0">
+                <a:latin typeface="华文楷体" panose="02010600040101010101" pitchFamily="2" charset="-122"/>
+                <a:ea typeface="华文楷体" panose="02010600040101010101" pitchFamily="2" charset="-122"/>
+              </a:rPr>
+              <a:t>从库上：</a:t>
+            </a:r>
+            <a:endParaRPr lang="en-US" altLang="zh-CN" sz="2000" dirty="0" smtClean="0">
+              <a:latin typeface="华文楷体" panose="02010600040101010101" pitchFamily="2" charset="-122"/>
+              <a:ea typeface="华文楷体" panose="02010600040101010101" pitchFamily="2" charset="-122"/>
+            </a:endParaRPr>
+          </a:p>
+          <a:p>
+            <a:r>
+              <a:rPr lang="en-US" altLang="zh-CN" sz="2000" dirty="0" err="1">
+                <a:latin typeface="华文楷体" panose="02010600040101010101" pitchFamily="2" charset="-122"/>
+                <a:ea typeface="华文楷体" panose="02010600040101010101" pitchFamily="2" charset="-122"/>
+              </a:rPr>
+              <a:t>root@localhost:mysql.sock</a:t>
+            </a:r>
+            <a:r>
+              <a:rPr lang="en-US" altLang="zh-CN" sz="2000" dirty="0">
+                <a:latin typeface="华文楷体" panose="02010600040101010101" pitchFamily="2" charset="-122"/>
+                <a:ea typeface="华文楷体" panose="02010600040101010101" pitchFamily="2" charset="-122"/>
+              </a:rPr>
+              <a:t>  14:18:51 [(none)]&gt;show slave status\G</a:t>
+            </a:r>
+          </a:p>
+          <a:p>
+            <a:r>
+              <a:rPr lang="en-US" altLang="zh-CN" sz="2000" dirty="0">
+                <a:latin typeface="华文楷体" panose="02010600040101010101" pitchFamily="2" charset="-122"/>
+                <a:ea typeface="华文楷体" panose="02010600040101010101" pitchFamily="2" charset="-122"/>
+              </a:rPr>
+              <a:t>*************************** 1. row ***************************</a:t>
+            </a:r>
+          </a:p>
+          <a:p>
+            <a:r>
+              <a:rPr lang="en-US" altLang="zh-CN" sz="2000" dirty="0">
+                <a:latin typeface="华文楷体" panose="02010600040101010101" pitchFamily="2" charset="-122"/>
+                <a:ea typeface="华文楷体" panose="02010600040101010101" pitchFamily="2" charset="-122"/>
+              </a:rPr>
+              <a:t>               </a:t>
+            </a:r>
+            <a:r>
+              <a:rPr lang="en-US" altLang="zh-CN" sz="2000" dirty="0" err="1">
+                <a:latin typeface="华文楷体" panose="02010600040101010101" pitchFamily="2" charset="-122"/>
+                <a:ea typeface="华文楷体" panose="02010600040101010101" pitchFamily="2" charset="-122"/>
+              </a:rPr>
+              <a:t>Slave_IO_State</a:t>
+            </a:r>
+            <a:r>
+              <a:rPr lang="en-US" altLang="zh-CN" sz="2000" dirty="0">
+                <a:latin typeface="华文楷体" panose="02010600040101010101" pitchFamily="2" charset="-122"/>
+                <a:ea typeface="华文楷体" panose="02010600040101010101" pitchFamily="2" charset="-122"/>
+              </a:rPr>
+              <a:t>: Waiting for master to send event</a:t>
+            </a:r>
+          </a:p>
+          <a:p>
+            <a:r>
+              <a:rPr lang="en-US" altLang="zh-CN" sz="2000" dirty="0">
+                <a:latin typeface="华文楷体" panose="02010600040101010101" pitchFamily="2" charset="-122"/>
+                <a:ea typeface="华文楷体" panose="02010600040101010101" pitchFamily="2" charset="-122"/>
+              </a:rPr>
+              <a:t>                  </a:t>
+            </a:r>
+            <a:r>
+              <a:rPr lang="en-US" altLang="zh-CN" sz="2000" dirty="0" err="1">
+                <a:latin typeface="华文楷体" panose="02010600040101010101" pitchFamily="2" charset="-122"/>
+                <a:ea typeface="华文楷体" panose="02010600040101010101" pitchFamily="2" charset="-122"/>
+              </a:rPr>
+              <a:t>Master_Host</a:t>
+            </a:r>
+            <a:r>
+              <a:rPr lang="en-US" altLang="zh-CN" sz="2000" dirty="0">
+                <a:latin typeface="华文楷体" panose="02010600040101010101" pitchFamily="2" charset="-122"/>
+                <a:ea typeface="华文楷体" panose="02010600040101010101" pitchFamily="2" charset="-122"/>
+              </a:rPr>
+              <a:t>: 10.150.21.161</a:t>
+            </a:r>
+          </a:p>
+          <a:p>
+            <a:r>
+              <a:rPr lang="en-US" altLang="zh-CN" sz="2000" dirty="0">
+                <a:latin typeface="华文楷体" panose="02010600040101010101" pitchFamily="2" charset="-122"/>
+                <a:ea typeface="华文楷体" panose="02010600040101010101" pitchFamily="2" charset="-122"/>
+              </a:rPr>
+              <a:t>                  </a:t>
+            </a:r>
+            <a:r>
+              <a:rPr lang="en-US" altLang="zh-CN" sz="2000" dirty="0" err="1">
+                <a:latin typeface="华文楷体" panose="02010600040101010101" pitchFamily="2" charset="-122"/>
+                <a:ea typeface="华文楷体" panose="02010600040101010101" pitchFamily="2" charset="-122"/>
+              </a:rPr>
+              <a:t>Master_User</a:t>
+            </a:r>
+            <a:r>
+              <a:rPr lang="en-US" altLang="zh-CN" sz="2000" dirty="0">
+                <a:latin typeface="华文楷体" panose="02010600040101010101" pitchFamily="2" charset="-122"/>
+                <a:ea typeface="华文楷体" panose="02010600040101010101" pitchFamily="2" charset="-122"/>
+              </a:rPr>
+              <a:t>: backup</a:t>
+            </a:r>
+          </a:p>
+          <a:p>
+            <a:r>
+              <a:rPr lang="en-US" altLang="zh-CN" sz="2000" dirty="0">
+                <a:latin typeface="华文楷体" panose="02010600040101010101" pitchFamily="2" charset="-122"/>
+                <a:ea typeface="华文楷体" panose="02010600040101010101" pitchFamily="2" charset="-122"/>
+              </a:rPr>
+              <a:t>                  </a:t>
+            </a:r>
+            <a:r>
+              <a:rPr lang="en-US" altLang="zh-CN" sz="2000" dirty="0" err="1">
+                <a:latin typeface="华文楷体" panose="02010600040101010101" pitchFamily="2" charset="-122"/>
+                <a:ea typeface="华文楷体" panose="02010600040101010101" pitchFamily="2" charset="-122"/>
+              </a:rPr>
+              <a:t>Master_Port</a:t>
+            </a:r>
+            <a:r>
+              <a:rPr lang="en-US" altLang="zh-CN" sz="2000" dirty="0">
+                <a:latin typeface="华文楷体" panose="02010600040101010101" pitchFamily="2" charset="-122"/>
+                <a:ea typeface="华文楷体" panose="02010600040101010101" pitchFamily="2" charset="-122"/>
+              </a:rPr>
+              <a:t>: 3306</a:t>
+            </a:r>
+          </a:p>
+          <a:p>
+            <a:r>
+              <a:rPr lang="en-US" altLang="zh-CN" sz="2000" dirty="0">
+                <a:latin typeface="华文楷体" panose="02010600040101010101" pitchFamily="2" charset="-122"/>
+                <a:ea typeface="华文楷体" panose="02010600040101010101" pitchFamily="2" charset="-122"/>
+              </a:rPr>
+              <a:t>                </a:t>
+            </a:r>
+            <a:r>
+              <a:rPr lang="en-US" altLang="zh-CN" sz="2000" dirty="0" err="1">
+                <a:latin typeface="华文楷体" panose="02010600040101010101" pitchFamily="2" charset="-122"/>
+                <a:ea typeface="华文楷体" panose="02010600040101010101" pitchFamily="2" charset="-122"/>
+              </a:rPr>
+              <a:t>Connect_Retry</a:t>
+            </a:r>
+            <a:r>
+              <a:rPr lang="en-US" altLang="zh-CN" sz="2000" dirty="0">
+                <a:latin typeface="华文楷体" panose="02010600040101010101" pitchFamily="2" charset="-122"/>
+                <a:ea typeface="华文楷体" panose="02010600040101010101" pitchFamily="2" charset="-122"/>
+              </a:rPr>
+              <a:t>: 60</a:t>
+            </a:r>
+          </a:p>
+          <a:p>
+            <a:r>
+              <a:rPr lang="en-US" altLang="zh-CN" sz="2000" dirty="0">
+                <a:latin typeface="华文楷体" panose="02010600040101010101" pitchFamily="2" charset="-122"/>
+                <a:ea typeface="华文楷体" panose="02010600040101010101" pitchFamily="2" charset="-122"/>
+              </a:rPr>
+              <a:t>              </a:t>
+            </a:r>
+            <a:r>
+              <a:rPr lang="en-US" altLang="zh-CN" sz="2000" dirty="0" err="1">
+                <a:latin typeface="华文楷体" panose="02010600040101010101" pitchFamily="2" charset="-122"/>
+                <a:ea typeface="华文楷体" panose="02010600040101010101" pitchFamily="2" charset="-122"/>
+              </a:rPr>
+              <a:t>Master_Log_File</a:t>
+            </a:r>
+            <a:r>
+              <a:rPr lang="en-US" altLang="zh-CN" sz="2000" dirty="0">
+                <a:latin typeface="华文楷体" panose="02010600040101010101" pitchFamily="2" charset="-122"/>
+                <a:ea typeface="华文楷体" panose="02010600040101010101" pitchFamily="2" charset="-122"/>
+              </a:rPr>
+              <a:t>: mybinlog.000039</a:t>
+            </a:r>
+          </a:p>
+          <a:p>
+            <a:r>
+              <a:rPr lang="en-US" altLang="zh-CN" sz="2000" dirty="0">
+                <a:latin typeface="华文楷体" panose="02010600040101010101" pitchFamily="2" charset="-122"/>
+                <a:ea typeface="华文楷体" panose="02010600040101010101" pitchFamily="2" charset="-122"/>
+              </a:rPr>
+              <a:t>          </a:t>
+            </a:r>
+            <a:r>
+              <a:rPr lang="en-US" altLang="zh-CN" sz="2000" dirty="0" err="1">
+                <a:latin typeface="华文楷体" panose="02010600040101010101" pitchFamily="2" charset="-122"/>
+                <a:ea typeface="华文楷体" panose="02010600040101010101" pitchFamily="2" charset="-122"/>
+              </a:rPr>
+              <a:t>Read_Master_Log_Pos</a:t>
+            </a:r>
+            <a:r>
+              <a:rPr lang="en-US" altLang="zh-CN" sz="2000" dirty="0">
+                <a:latin typeface="华文楷体" panose="02010600040101010101" pitchFamily="2" charset="-122"/>
+                <a:ea typeface="华文楷体" panose="02010600040101010101" pitchFamily="2" charset="-122"/>
+              </a:rPr>
+              <a:t>: 1203</a:t>
+            </a:r>
+          </a:p>
+          <a:p>
+            <a:r>
+              <a:rPr lang="en-US" altLang="zh-CN" sz="2000" dirty="0">
+                <a:latin typeface="华文楷体" panose="02010600040101010101" pitchFamily="2" charset="-122"/>
+                <a:ea typeface="华文楷体" panose="02010600040101010101" pitchFamily="2" charset="-122"/>
+              </a:rPr>
+              <a:t>               </a:t>
+            </a:r>
+            <a:r>
+              <a:rPr lang="en-US" altLang="zh-CN" sz="2000" dirty="0" err="1">
+                <a:latin typeface="华文楷体" panose="02010600040101010101" pitchFamily="2" charset="-122"/>
+                <a:ea typeface="华文楷体" panose="02010600040101010101" pitchFamily="2" charset="-122"/>
+              </a:rPr>
+              <a:t>Relay_Log_File</a:t>
+            </a:r>
+            <a:r>
+              <a:rPr lang="en-US" altLang="zh-CN" sz="2000" dirty="0">
+                <a:latin typeface="华文楷体" panose="02010600040101010101" pitchFamily="2" charset="-122"/>
+                <a:ea typeface="华文楷体" panose="02010600040101010101" pitchFamily="2" charset="-122"/>
+              </a:rPr>
+              <a:t>: mysql-relay-bin.000006</a:t>
+            </a:r>
+          </a:p>
+          <a:p>
+            <a:r>
+              <a:rPr lang="en-US" altLang="zh-CN" sz="2000" dirty="0">
+                <a:latin typeface="华文楷体" panose="02010600040101010101" pitchFamily="2" charset="-122"/>
+                <a:ea typeface="华文楷体" panose="02010600040101010101" pitchFamily="2" charset="-122"/>
+              </a:rPr>
+              <a:t>                </a:t>
+            </a:r>
+            <a:r>
+              <a:rPr lang="en-US" altLang="zh-CN" sz="2000" dirty="0" err="1">
+                <a:latin typeface="华文楷体" panose="02010600040101010101" pitchFamily="2" charset="-122"/>
+                <a:ea typeface="华文楷体" panose="02010600040101010101" pitchFamily="2" charset="-122"/>
+              </a:rPr>
+              <a:t>Relay_Log_Pos</a:t>
+            </a:r>
+            <a:r>
+              <a:rPr lang="en-US" altLang="zh-CN" sz="2000" dirty="0">
+                <a:latin typeface="华文楷体" panose="02010600040101010101" pitchFamily="2" charset="-122"/>
+                <a:ea typeface="华文楷体" panose="02010600040101010101" pitchFamily="2" charset="-122"/>
+              </a:rPr>
+              <a:t>: 1411</a:t>
+            </a:r>
+          </a:p>
+          <a:p>
+            <a:r>
+              <a:rPr lang="en-US" altLang="zh-CN" sz="2000" dirty="0">
+                <a:latin typeface="华文楷体" panose="02010600040101010101" pitchFamily="2" charset="-122"/>
+                <a:ea typeface="华文楷体" panose="02010600040101010101" pitchFamily="2" charset="-122"/>
+              </a:rPr>
+              <a:t>        </a:t>
+            </a:r>
+            <a:r>
+              <a:rPr lang="en-US" altLang="zh-CN" sz="2000" dirty="0" err="1">
+                <a:latin typeface="华文楷体" panose="02010600040101010101" pitchFamily="2" charset="-122"/>
+                <a:ea typeface="华文楷体" panose="02010600040101010101" pitchFamily="2" charset="-122"/>
+              </a:rPr>
+              <a:t>Relay_Master_Log_File</a:t>
+            </a:r>
+            <a:r>
+              <a:rPr lang="en-US" altLang="zh-CN" sz="2000" dirty="0">
+                <a:latin typeface="华文楷体" panose="02010600040101010101" pitchFamily="2" charset="-122"/>
+                <a:ea typeface="华文楷体" panose="02010600040101010101" pitchFamily="2" charset="-122"/>
+              </a:rPr>
+              <a:t>: mybinlog.000039</a:t>
+            </a:r>
+          </a:p>
+          <a:p>
+            <a:r>
+              <a:rPr lang="en-US" altLang="zh-CN" sz="2000" dirty="0">
+                <a:latin typeface="华文楷体" panose="02010600040101010101" pitchFamily="2" charset="-122"/>
+                <a:ea typeface="华文楷体" panose="02010600040101010101" pitchFamily="2" charset="-122"/>
+              </a:rPr>
+              <a:t>             </a:t>
+            </a:r>
+            <a:r>
+              <a:rPr lang="en-US" altLang="zh-CN" sz="2000" dirty="0" err="1">
+                <a:latin typeface="华文楷体" panose="02010600040101010101" pitchFamily="2" charset="-122"/>
+                <a:ea typeface="华文楷体" panose="02010600040101010101" pitchFamily="2" charset="-122"/>
+              </a:rPr>
+              <a:t>Slave_IO_Running</a:t>
+            </a:r>
+            <a:r>
+              <a:rPr lang="en-US" altLang="zh-CN" sz="2000" dirty="0">
+                <a:latin typeface="华文楷体" panose="02010600040101010101" pitchFamily="2" charset="-122"/>
+                <a:ea typeface="华文楷体" panose="02010600040101010101" pitchFamily="2" charset="-122"/>
+              </a:rPr>
+              <a:t>: Yes</a:t>
+            </a:r>
+          </a:p>
+          <a:p>
+            <a:r>
+              <a:rPr lang="en-US" altLang="zh-CN" sz="2000" dirty="0">
+                <a:latin typeface="华文楷体" panose="02010600040101010101" pitchFamily="2" charset="-122"/>
+                <a:ea typeface="华文楷体" panose="02010600040101010101" pitchFamily="2" charset="-122"/>
+              </a:rPr>
+              <a:t>            </a:t>
+            </a:r>
+            <a:r>
+              <a:rPr lang="en-US" altLang="zh-CN" sz="2000" dirty="0" err="1">
+                <a:latin typeface="华文楷体" panose="02010600040101010101" pitchFamily="2" charset="-122"/>
+                <a:ea typeface="华文楷体" panose="02010600040101010101" pitchFamily="2" charset="-122"/>
+              </a:rPr>
+              <a:t>Slave_SQL_Running</a:t>
+            </a:r>
+            <a:r>
+              <a:rPr lang="en-US" altLang="zh-CN" sz="2000" dirty="0">
+                <a:latin typeface="华文楷体" panose="02010600040101010101" pitchFamily="2" charset="-122"/>
+                <a:ea typeface="华文楷体" panose="02010600040101010101" pitchFamily="2" charset="-122"/>
+              </a:rPr>
+              <a:t>: Yes</a:t>
+            </a:r>
+          </a:p>
+          <a:p>
+            <a:r>
+              <a:rPr lang="en-US" altLang="zh-CN" sz="2000" dirty="0">
+                <a:latin typeface="华文楷体" panose="02010600040101010101" pitchFamily="2" charset="-122"/>
+                <a:ea typeface="华文楷体" panose="02010600040101010101" pitchFamily="2" charset="-122"/>
+              </a:rPr>
+              <a:t>              </a:t>
+            </a:r>
+            <a:r>
+              <a:rPr lang="en-US" altLang="zh-CN" sz="2000" dirty="0" err="1">
+                <a:latin typeface="华文楷体" panose="02010600040101010101" pitchFamily="2" charset="-122"/>
+                <a:ea typeface="华文楷体" panose="02010600040101010101" pitchFamily="2" charset="-122"/>
+              </a:rPr>
+              <a:t>Replicate_Do_DB</a:t>
+            </a:r>
+            <a:r>
+              <a:rPr lang="en-US" altLang="zh-CN" sz="2000" dirty="0">
+                <a:latin typeface="华文楷体" panose="02010600040101010101" pitchFamily="2" charset="-122"/>
+                <a:ea typeface="华文楷体" panose="02010600040101010101" pitchFamily="2" charset="-122"/>
+              </a:rPr>
+              <a:t>: </a:t>
+            </a:r>
+          </a:p>
+          <a:p>
+            <a:r>
+              <a:rPr lang="en-US" altLang="zh-CN" sz="2000" dirty="0">
+                <a:latin typeface="华文楷体" panose="02010600040101010101" pitchFamily="2" charset="-122"/>
+                <a:ea typeface="华文楷体" panose="02010600040101010101" pitchFamily="2" charset="-122"/>
+              </a:rPr>
+              <a:t>          </a:t>
+            </a:r>
+            <a:r>
+              <a:rPr lang="en-US" altLang="zh-CN" sz="2000" dirty="0" err="1">
+                <a:latin typeface="华文楷体" panose="02010600040101010101" pitchFamily="2" charset="-122"/>
+                <a:ea typeface="华文楷体" panose="02010600040101010101" pitchFamily="2" charset="-122"/>
+              </a:rPr>
+              <a:t>Replicate_Ignore_DB</a:t>
+            </a:r>
+            <a:r>
+              <a:rPr lang="en-US" altLang="zh-CN" sz="2000" dirty="0">
+                <a:latin typeface="华文楷体" panose="02010600040101010101" pitchFamily="2" charset="-122"/>
+                <a:ea typeface="华文楷体" panose="02010600040101010101" pitchFamily="2" charset="-122"/>
+              </a:rPr>
+              <a:t>: </a:t>
+            </a:r>
+          </a:p>
+          <a:p>
+            <a:r>
+              <a:rPr lang="en-US" altLang="zh-CN" sz="2000" dirty="0">
+                <a:latin typeface="华文楷体" panose="02010600040101010101" pitchFamily="2" charset="-122"/>
+                <a:ea typeface="华文楷体" panose="02010600040101010101" pitchFamily="2" charset="-122"/>
+              </a:rPr>
+              <a:t>           </a:t>
+            </a:r>
+            <a:r>
+              <a:rPr lang="en-US" altLang="zh-CN" sz="2000" dirty="0" err="1">
+                <a:latin typeface="华文楷体" panose="02010600040101010101" pitchFamily="2" charset="-122"/>
+                <a:ea typeface="华文楷体" panose="02010600040101010101" pitchFamily="2" charset="-122"/>
+              </a:rPr>
+              <a:t>Replicate_Do_Table</a:t>
+            </a:r>
+            <a:r>
+              <a:rPr lang="en-US" altLang="zh-CN" sz="2000" dirty="0">
+                <a:latin typeface="华文楷体" panose="02010600040101010101" pitchFamily="2" charset="-122"/>
+                <a:ea typeface="华文楷体" panose="02010600040101010101" pitchFamily="2" charset="-122"/>
+              </a:rPr>
+              <a:t>: </a:t>
+            </a:r>
+          </a:p>
+          <a:p>
+            <a:r>
+              <a:rPr lang="en-US" altLang="zh-CN" sz="2000" dirty="0">
+                <a:latin typeface="华文楷体" panose="02010600040101010101" pitchFamily="2" charset="-122"/>
+                <a:ea typeface="华文楷体" panose="02010600040101010101" pitchFamily="2" charset="-122"/>
+              </a:rPr>
+              <a:t>       </a:t>
+            </a:r>
+            <a:r>
+              <a:rPr lang="en-US" altLang="zh-CN" sz="2000" dirty="0" err="1">
+                <a:latin typeface="华文楷体" panose="02010600040101010101" pitchFamily="2" charset="-122"/>
+                <a:ea typeface="华文楷体" panose="02010600040101010101" pitchFamily="2" charset="-122"/>
+              </a:rPr>
+              <a:t>Replicate_Ignore_Table</a:t>
+            </a:r>
+            <a:r>
+              <a:rPr lang="en-US" altLang="zh-CN" sz="2000" dirty="0">
+                <a:latin typeface="华文楷体" panose="02010600040101010101" pitchFamily="2" charset="-122"/>
+                <a:ea typeface="华文楷体" panose="02010600040101010101" pitchFamily="2" charset="-122"/>
+              </a:rPr>
+              <a:t>: </a:t>
+            </a:r>
+          </a:p>
+          <a:p>
+            <a:r>
+              <a:rPr lang="en-US" altLang="zh-CN" sz="2000" dirty="0">
+                <a:latin typeface="华文楷体" panose="02010600040101010101" pitchFamily="2" charset="-122"/>
+                <a:ea typeface="华文楷体" panose="02010600040101010101" pitchFamily="2" charset="-122"/>
+              </a:rPr>
+              <a:t>      </a:t>
+            </a:r>
+            <a:r>
+              <a:rPr lang="en-US" altLang="zh-CN" sz="2000" dirty="0" err="1">
+                <a:latin typeface="华文楷体" panose="02010600040101010101" pitchFamily="2" charset="-122"/>
+                <a:ea typeface="华文楷体" panose="02010600040101010101" pitchFamily="2" charset="-122"/>
+              </a:rPr>
+              <a:t>Replicate_Wild_Do_Table</a:t>
+            </a:r>
+            <a:r>
+              <a:rPr lang="en-US" altLang="zh-CN" sz="2000" dirty="0">
+                <a:latin typeface="华文楷体" panose="02010600040101010101" pitchFamily="2" charset="-122"/>
+                <a:ea typeface="华文楷体" panose="02010600040101010101" pitchFamily="2" charset="-122"/>
+              </a:rPr>
+              <a:t>: </a:t>
+            </a:r>
+          </a:p>
+          <a:p>
+            <a:r>
+              <a:rPr lang="en-US" altLang="zh-CN" sz="2000" dirty="0">
+                <a:latin typeface="华文楷体" panose="02010600040101010101" pitchFamily="2" charset="-122"/>
+                <a:ea typeface="华文楷体" panose="02010600040101010101" pitchFamily="2" charset="-122"/>
+              </a:rPr>
+              <a:t>  </a:t>
+            </a:r>
+            <a:r>
+              <a:rPr lang="en-US" altLang="zh-CN" sz="2000" dirty="0" err="1">
+                <a:latin typeface="华文楷体" panose="02010600040101010101" pitchFamily="2" charset="-122"/>
+                <a:ea typeface="华文楷体" panose="02010600040101010101" pitchFamily="2" charset="-122"/>
+              </a:rPr>
+              <a:t>Replicate_Wild_Ignore_Table</a:t>
+            </a:r>
+            <a:r>
+              <a:rPr lang="en-US" altLang="zh-CN" sz="2000" dirty="0">
+                <a:latin typeface="华文楷体" panose="02010600040101010101" pitchFamily="2" charset="-122"/>
+                <a:ea typeface="华文楷体" panose="02010600040101010101" pitchFamily="2" charset="-122"/>
+              </a:rPr>
+              <a:t>: </a:t>
+            </a:r>
+          </a:p>
+          <a:p>
+            <a:r>
+              <a:rPr lang="en-US" altLang="zh-CN" sz="2000" dirty="0">
+                <a:latin typeface="华文楷体" panose="02010600040101010101" pitchFamily="2" charset="-122"/>
+                <a:ea typeface="华文楷体" panose="02010600040101010101" pitchFamily="2" charset="-122"/>
+              </a:rPr>
+              <a:t>                   </a:t>
+            </a:r>
+            <a:r>
+              <a:rPr lang="en-US" altLang="zh-CN" sz="2000" dirty="0" err="1">
+                <a:latin typeface="华文楷体" panose="02010600040101010101" pitchFamily="2" charset="-122"/>
+                <a:ea typeface="华文楷体" panose="02010600040101010101" pitchFamily="2" charset="-122"/>
+              </a:rPr>
+              <a:t>Last_Errno</a:t>
+            </a:r>
+            <a:r>
+              <a:rPr lang="en-US" altLang="zh-CN" sz="2000" dirty="0">
+                <a:latin typeface="华文楷体" panose="02010600040101010101" pitchFamily="2" charset="-122"/>
+                <a:ea typeface="华文楷体" panose="02010600040101010101" pitchFamily="2" charset="-122"/>
+              </a:rPr>
+              <a:t>: 0</a:t>
+            </a:r>
+          </a:p>
+          <a:p>
+            <a:r>
+              <a:rPr lang="en-US" altLang="zh-CN" sz="2000" dirty="0">
+                <a:latin typeface="华文楷体" panose="02010600040101010101" pitchFamily="2" charset="-122"/>
+                <a:ea typeface="华文楷体" panose="02010600040101010101" pitchFamily="2" charset="-122"/>
+              </a:rPr>
+              <a:t>                   </a:t>
+            </a:r>
+            <a:r>
+              <a:rPr lang="en-US" altLang="zh-CN" sz="2000" dirty="0" err="1">
+                <a:latin typeface="华文楷体" panose="02010600040101010101" pitchFamily="2" charset="-122"/>
+                <a:ea typeface="华文楷体" panose="02010600040101010101" pitchFamily="2" charset="-122"/>
+              </a:rPr>
+              <a:t>Last_Error</a:t>
+            </a:r>
+            <a:r>
+              <a:rPr lang="en-US" altLang="zh-CN" sz="2000" dirty="0">
+                <a:latin typeface="华文楷体" panose="02010600040101010101" pitchFamily="2" charset="-122"/>
+                <a:ea typeface="华文楷体" panose="02010600040101010101" pitchFamily="2" charset="-122"/>
+              </a:rPr>
+              <a:t>: </a:t>
+            </a:r>
+          </a:p>
+          <a:p>
+            <a:r>
+              <a:rPr lang="en-US" altLang="zh-CN" sz="2000" dirty="0">
+                <a:latin typeface="华文楷体" panose="02010600040101010101" pitchFamily="2" charset="-122"/>
+                <a:ea typeface="华文楷体" panose="02010600040101010101" pitchFamily="2" charset="-122"/>
+              </a:rPr>
+              <a:t>                 </a:t>
+            </a:r>
+            <a:r>
+              <a:rPr lang="en-US" altLang="zh-CN" sz="2000" dirty="0" err="1">
+                <a:latin typeface="华文楷体" panose="02010600040101010101" pitchFamily="2" charset="-122"/>
+                <a:ea typeface="华文楷体" panose="02010600040101010101" pitchFamily="2" charset="-122"/>
+              </a:rPr>
+              <a:t>Skip_Counter</a:t>
+            </a:r>
+            <a:r>
+              <a:rPr lang="en-US" altLang="zh-CN" sz="2000" dirty="0">
+                <a:latin typeface="华文楷体" panose="02010600040101010101" pitchFamily="2" charset="-122"/>
+                <a:ea typeface="华文楷体" panose="02010600040101010101" pitchFamily="2" charset="-122"/>
+              </a:rPr>
+              <a:t>: 0</a:t>
+            </a:r>
+          </a:p>
+          <a:p>
+            <a:r>
+              <a:rPr lang="en-US" altLang="zh-CN" sz="2000" dirty="0">
+                <a:latin typeface="华文楷体" panose="02010600040101010101" pitchFamily="2" charset="-122"/>
+                <a:ea typeface="华文楷体" panose="02010600040101010101" pitchFamily="2" charset="-122"/>
+              </a:rPr>
+              <a:t>          </a:t>
+            </a:r>
+            <a:r>
+              <a:rPr lang="en-US" altLang="zh-CN" sz="2000" dirty="0" err="1">
+                <a:latin typeface="华文楷体" panose="02010600040101010101" pitchFamily="2" charset="-122"/>
+                <a:ea typeface="华文楷体" panose="02010600040101010101" pitchFamily="2" charset="-122"/>
+              </a:rPr>
+              <a:t>Exec_Master_Log_Pos</a:t>
+            </a:r>
+            <a:r>
+              <a:rPr lang="en-US" altLang="zh-CN" sz="2000" dirty="0">
+                <a:latin typeface="华文楷体" panose="02010600040101010101" pitchFamily="2" charset="-122"/>
+                <a:ea typeface="华文楷体" panose="02010600040101010101" pitchFamily="2" charset="-122"/>
+              </a:rPr>
+              <a:t>: 1203</a:t>
+            </a:r>
+          </a:p>
+          <a:p>
+            <a:r>
+              <a:rPr lang="en-US" altLang="zh-CN" sz="2000" dirty="0">
+                <a:latin typeface="华文楷体" panose="02010600040101010101" pitchFamily="2" charset="-122"/>
+                <a:ea typeface="华文楷体" panose="02010600040101010101" pitchFamily="2" charset="-122"/>
+              </a:rPr>
+              <a:t>              </a:t>
+            </a:r>
+            <a:r>
+              <a:rPr lang="en-US" altLang="zh-CN" sz="2000" dirty="0" err="1">
+                <a:latin typeface="华文楷体" panose="02010600040101010101" pitchFamily="2" charset="-122"/>
+                <a:ea typeface="华文楷体" panose="02010600040101010101" pitchFamily="2" charset="-122"/>
+              </a:rPr>
+              <a:t>Relay_Log_Space</a:t>
+            </a:r>
+            <a:r>
+              <a:rPr lang="en-US" altLang="zh-CN" sz="2000" dirty="0">
+                <a:latin typeface="华文楷体" panose="02010600040101010101" pitchFamily="2" charset="-122"/>
+                <a:ea typeface="华文楷体" panose="02010600040101010101" pitchFamily="2" charset="-122"/>
+              </a:rPr>
+              <a:t>: 1701</a:t>
+            </a:r>
+          </a:p>
+          <a:p>
+            <a:r>
+              <a:rPr lang="en-US" altLang="zh-CN" sz="2000" dirty="0">
+                <a:latin typeface="华文楷体" panose="02010600040101010101" pitchFamily="2" charset="-122"/>
+                <a:ea typeface="华文楷体" panose="02010600040101010101" pitchFamily="2" charset="-122"/>
+              </a:rPr>
+              <a:t>              </a:t>
+            </a:r>
+            <a:r>
+              <a:rPr lang="en-US" altLang="zh-CN" sz="2000" dirty="0" err="1">
+                <a:latin typeface="华文楷体" panose="02010600040101010101" pitchFamily="2" charset="-122"/>
+                <a:ea typeface="华文楷体" panose="02010600040101010101" pitchFamily="2" charset="-122"/>
+              </a:rPr>
+              <a:t>Until_Condition</a:t>
+            </a:r>
+            <a:r>
+              <a:rPr lang="en-US" altLang="zh-CN" sz="2000" dirty="0">
+                <a:latin typeface="华文楷体" panose="02010600040101010101" pitchFamily="2" charset="-122"/>
+                <a:ea typeface="华文楷体" panose="02010600040101010101" pitchFamily="2" charset="-122"/>
+              </a:rPr>
+              <a:t>: None</a:t>
+            </a:r>
+          </a:p>
+          <a:p>
+            <a:r>
+              <a:rPr lang="en-US" altLang="zh-CN" sz="2000" dirty="0">
+                <a:latin typeface="华文楷体" panose="02010600040101010101" pitchFamily="2" charset="-122"/>
+                <a:ea typeface="华文楷体" panose="02010600040101010101" pitchFamily="2" charset="-122"/>
+              </a:rPr>
+              <a:t>               </a:t>
+            </a:r>
+            <a:r>
+              <a:rPr lang="en-US" altLang="zh-CN" sz="2000" dirty="0" err="1">
+                <a:latin typeface="华文楷体" panose="02010600040101010101" pitchFamily="2" charset="-122"/>
+                <a:ea typeface="华文楷体" panose="02010600040101010101" pitchFamily="2" charset="-122"/>
+              </a:rPr>
+              <a:t>Until_Log_File</a:t>
+            </a:r>
+            <a:r>
+              <a:rPr lang="en-US" altLang="zh-CN" sz="2000" dirty="0">
+                <a:latin typeface="华文楷体" panose="02010600040101010101" pitchFamily="2" charset="-122"/>
+                <a:ea typeface="华文楷体" panose="02010600040101010101" pitchFamily="2" charset="-122"/>
+              </a:rPr>
+              <a:t>: </a:t>
+            </a:r>
+          </a:p>
+          <a:p>
+            <a:r>
+              <a:rPr lang="en-US" altLang="zh-CN" sz="2000" dirty="0">
+                <a:latin typeface="华文楷体" panose="02010600040101010101" pitchFamily="2" charset="-122"/>
+                <a:ea typeface="华文楷体" panose="02010600040101010101" pitchFamily="2" charset="-122"/>
+              </a:rPr>
+              <a:t>                </a:t>
+            </a:r>
+            <a:r>
+              <a:rPr lang="en-US" altLang="zh-CN" sz="2000" dirty="0" err="1">
+                <a:latin typeface="华文楷体" panose="02010600040101010101" pitchFamily="2" charset="-122"/>
+                <a:ea typeface="华文楷体" panose="02010600040101010101" pitchFamily="2" charset="-122"/>
+              </a:rPr>
+              <a:t>Until_Log_Pos</a:t>
+            </a:r>
+            <a:r>
+              <a:rPr lang="en-US" altLang="zh-CN" sz="2000" dirty="0">
+                <a:latin typeface="华文楷体" panose="02010600040101010101" pitchFamily="2" charset="-122"/>
+                <a:ea typeface="华文楷体" panose="02010600040101010101" pitchFamily="2" charset="-122"/>
+              </a:rPr>
+              <a:t>: 0</a:t>
+            </a:r>
+          </a:p>
+          <a:p>
+            <a:r>
+              <a:rPr lang="en-US" altLang="zh-CN" sz="2000" dirty="0">
+                <a:latin typeface="华文楷体" panose="02010600040101010101" pitchFamily="2" charset="-122"/>
+                <a:ea typeface="华文楷体" panose="02010600040101010101" pitchFamily="2" charset="-122"/>
+              </a:rPr>
+              <a:t>           </a:t>
+            </a:r>
+            <a:r>
+              <a:rPr lang="en-US" altLang="zh-CN" sz="2000" dirty="0" err="1">
+                <a:latin typeface="华文楷体" panose="02010600040101010101" pitchFamily="2" charset="-122"/>
+                <a:ea typeface="华文楷体" panose="02010600040101010101" pitchFamily="2" charset="-122"/>
+              </a:rPr>
+              <a:t>Master_SSL_Allowed</a:t>
+            </a:r>
+            <a:r>
+              <a:rPr lang="en-US" altLang="zh-CN" sz="2000" dirty="0">
+                <a:latin typeface="华文楷体" panose="02010600040101010101" pitchFamily="2" charset="-122"/>
+                <a:ea typeface="华文楷体" panose="02010600040101010101" pitchFamily="2" charset="-122"/>
+              </a:rPr>
+              <a:t>: No</a:t>
+            </a:r>
+          </a:p>
+          <a:p>
+            <a:r>
+              <a:rPr lang="en-US" altLang="zh-CN" sz="2000" dirty="0">
+                <a:latin typeface="华文楷体" panose="02010600040101010101" pitchFamily="2" charset="-122"/>
+                <a:ea typeface="华文楷体" panose="02010600040101010101" pitchFamily="2" charset="-122"/>
+              </a:rPr>
+              <a:t>           </a:t>
+            </a:r>
+            <a:r>
+              <a:rPr lang="en-US" altLang="zh-CN" sz="2000" dirty="0" err="1">
+                <a:latin typeface="华文楷体" panose="02010600040101010101" pitchFamily="2" charset="-122"/>
+                <a:ea typeface="华文楷体" panose="02010600040101010101" pitchFamily="2" charset="-122"/>
+              </a:rPr>
+              <a:t>Master_SSL_CA_File</a:t>
+            </a:r>
+            <a:r>
+              <a:rPr lang="en-US" altLang="zh-CN" sz="2000" dirty="0">
+                <a:latin typeface="华文楷体" panose="02010600040101010101" pitchFamily="2" charset="-122"/>
+                <a:ea typeface="华文楷体" panose="02010600040101010101" pitchFamily="2" charset="-122"/>
+              </a:rPr>
+              <a:t>: </a:t>
+            </a:r>
+          </a:p>
+          <a:p>
+            <a:r>
+              <a:rPr lang="en-US" altLang="zh-CN" sz="2000" dirty="0">
+                <a:latin typeface="华文楷体" panose="02010600040101010101" pitchFamily="2" charset="-122"/>
+                <a:ea typeface="华文楷体" panose="02010600040101010101" pitchFamily="2" charset="-122"/>
+              </a:rPr>
+              <a:t>           </a:t>
+            </a:r>
+            <a:r>
+              <a:rPr lang="en-US" altLang="zh-CN" sz="2000" dirty="0" err="1">
+                <a:latin typeface="华文楷体" panose="02010600040101010101" pitchFamily="2" charset="-122"/>
+                <a:ea typeface="华文楷体" panose="02010600040101010101" pitchFamily="2" charset="-122"/>
+              </a:rPr>
+              <a:t>Master_SSL_CA_Path</a:t>
+            </a:r>
+            <a:r>
+              <a:rPr lang="en-US" altLang="zh-CN" sz="2000" dirty="0">
+                <a:latin typeface="华文楷体" panose="02010600040101010101" pitchFamily="2" charset="-122"/>
+                <a:ea typeface="华文楷体" panose="02010600040101010101" pitchFamily="2" charset="-122"/>
+              </a:rPr>
+              <a:t>: </a:t>
+            </a:r>
+          </a:p>
+          <a:p>
+            <a:r>
+              <a:rPr lang="en-US" altLang="zh-CN" sz="2000" dirty="0">
+                <a:latin typeface="华文楷体" panose="02010600040101010101" pitchFamily="2" charset="-122"/>
+                <a:ea typeface="华文楷体" panose="02010600040101010101" pitchFamily="2" charset="-122"/>
+              </a:rPr>
+              <a:t>              </a:t>
+            </a:r>
+            <a:r>
+              <a:rPr lang="en-US" altLang="zh-CN" sz="2000" dirty="0" err="1">
+                <a:latin typeface="华文楷体" panose="02010600040101010101" pitchFamily="2" charset="-122"/>
+                <a:ea typeface="华文楷体" panose="02010600040101010101" pitchFamily="2" charset="-122"/>
+              </a:rPr>
+              <a:t>Master_SSL_Cert</a:t>
+            </a:r>
+            <a:r>
+              <a:rPr lang="en-US" altLang="zh-CN" sz="2000" dirty="0">
+                <a:latin typeface="华文楷体" panose="02010600040101010101" pitchFamily="2" charset="-122"/>
+                <a:ea typeface="华文楷体" panose="02010600040101010101" pitchFamily="2" charset="-122"/>
+              </a:rPr>
+              <a:t>: </a:t>
+            </a:r>
+          </a:p>
+          <a:p>
+            <a:r>
+              <a:rPr lang="en-US" altLang="zh-CN" sz="2000" dirty="0">
+                <a:latin typeface="华文楷体" panose="02010600040101010101" pitchFamily="2" charset="-122"/>
+                <a:ea typeface="华文楷体" panose="02010600040101010101" pitchFamily="2" charset="-122"/>
+              </a:rPr>
+              <a:t>            </a:t>
+            </a:r>
+            <a:r>
+              <a:rPr lang="en-US" altLang="zh-CN" sz="2000" dirty="0" err="1">
+                <a:latin typeface="华文楷体" panose="02010600040101010101" pitchFamily="2" charset="-122"/>
+                <a:ea typeface="华文楷体" panose="02010600040101010101" pitchFamily="2" charset="-122"/>
+              </a:rPr>
+              <a:t>Master_SSL_Cipher</a:t>
+            </a:r>
+            <a:r>
+              <a:rPr lang="en-US" altLang="zh-CN" sz="2000" dirty="0">
+                <a:latin typeface="华文楷体" panose="02010600040101010101" pitchFamily="2" charset="-122"/>
+                <a:ea typeface="华文楷体" panose="02010600040101010101" pitchFamily="2" charset="-122"/>
+              </a:rPr>
+              <a:t>: </a:t>
+            </a:r>
+          </a:p>
+          <a:p>
+            <a:r>
+              <a:rPr lang="en-US" altLang="zh-CN" sz="2000" dirty="0">
+                <a:latin typeface="华文楷体" panose="02010600040101010101" pitchFamily="2" charset="-122"/>
+                <a:ea typeface="华文楷体" panose="02010600040101010101" pitchFamily="2" charset="-122"/>
+              </a:rPr>
+              <a:t>               </a:t>
+            </a:r>
+            <a:r>
+              <a:rPr lang="en-US" altLang="zh-CN" sz="2000" dirty="0" err="1">
+                <a:latin typeface="华文楷体" panose="02010600040101010101" pitchFamily="2" charset="-122"/>
+                <a:ea typeface="华文楷体" panose="02010600040101010101" pitchFamily="2" charset="-122"/>
+              </a:rPr>
+              <a:t>Master_SSL_Key</a:t>
+            </a:r>
+            <a:r>
+              <a:rPr lang="en-US" altLang="zh-CN" sz="2000" dirty="0">
+                <a:latin typeface="华文楷体" panose="02010600040101010101" pitchFamily="2" charset="-122"/>
+                <a:ea typeface="华文楷体" panose="02010600040101010101" pitchFamily="2" charset="-122"/>
+              </a:rPr>
+              <a:t>: </a:t>
+            </a:r>
+          </a:p>
+          <a:p>
+            <a:r>
+              <a:rPr lang="en-US" altLang="zh-CN" sz="2000" dirty="0">
+                <a:latin typeface="华文楷体" panose="02010600040101010101" pitchFamily="2" charset="-122"/>
+                <a:ea typeface="华文楷体" panose="02010600040101010101" pitchFamily="2" charset="-122"/>
+              </a:rPr>
+              <a:t>        </a:t>
+            </a:r>
+            <a:r>
+              <a:rPr lang="en-US" altLang="zh-CN" sz="2000" dirty="0" err="1">
+                <a:latin typeface="华文楷体" panose="02010600040101010101" pitchFamily="2" charset="-122"/>
+                <a:ea typeface="华文楷体" panose="02010600040101010101" pitchFamily="2" charset="-122"/>
+              </a:rPr>
+              <a:t>Seconds_Behind_Master</a:t>
+            </a:r>
+            <a:r>
+              <a:rPr lang="en-US" altLang="zh-CN" sz="2000" dirty="0">
+                <a:latin typeface="华文楷体" panose="02010600040101010101" pitchFamily="2" charset="-122"/>
+                <a:ea typeface="华文楷体" panose="02010600040101010101" pitchFamily="2" charset="-122"/>
+              </a:rPr>
+              <a:t>: 0</a:t>
+            </a:r>
+          </a:p>
+          <a:p>
+            <a:r>
+              <a:rPr lang="en-US" altLang="zh-CN" sz="2000" dirty="0" err="1">
+                <a:latin typeface="华文楷体" panose="02010600040101010101" pitchFamily="2" charset="-122"/>
+                <a:ea typeface="华文楷体" panose="02010600040101010101" pitchFamily="2" charset="-122"/>
+              </a:rPr>
+              <a:t>Master_SSL_Verify_Server_Cert</a:t>
+            </a:r>
+            <a:r>
+              <a:rPr lang="en-US" altLang="zh-CN" sz="2000" dirty="0">
+                <a:latin typeface="华文楷体" panose="02010600040101010101" pitchFamily="2" charset="-122"/>
+                <a:ea typeface="华文楷体" panose="02010600040101010101" pitchFamily="2" charset="-122"/>
+              </a:rPr>
+              <a:t>: No</a:t>
+            </a:r>
+          </a:p>
+          <a:p>
+            <a:r>
+              <a:rPr lang="en-US" altLang="zh-CN" sz="2000" dirty="0">
+                <a:latin typeface="华文楷体" panose="02010600040101010101" pitchFamily="2" charset="-122"/>
+                <a:ea typeface="华文楷体" panose="02010600040101010101" pitchFamily="2" charset="-122"/>
+              </a:rPr>
+              <a:t>                </a:t>
+            </a:r>
+            <a:r>
+              <a:rPr lang="en-US" altLang="zh-CN" sz="2000" dirty="0" err="1">
+                <a:latin typeface="华文楷体" panose="02010600040101010101" pitchFamily="2" charset="-122"/>
+                <a:ea typeface="华文楷体" panose="02010600040101010101" pitchFamily="2" charset="-122"/>
+              </a:rPr>
+              <a:t>Last_IO_Errno</a:t>
+            </a:r>
+            <a:r>
+              <a:rPr lang="en-US" altLang="zh-CN" sz="2000" dirty="0">
+                <a:latin typeface="华文楷体" panose="02010600040101010101" pitchFamily="2" charset="-122"/>
+                <a:ea typeface="华文楷体" panose="02010600040101010101" pitchFamily="2" charset="-122"/>
+              </a:rPr>
+              <a:t>: 0</a:t>
+            </a:r>
+          </a:p>
+          <a:p>
+            <a:r>
+              <a:rPr lang="en-US" altLang="zh-CN" sz="2000" dirty="0">
+                <a:latin typeface="华文楷体" panose="02010600040101010101" pitchFamily="2" charset="-122"/>
+                <a:ea typeface="华文楷体" panose="02010600040101010101" pitchFamily="2" charset="-122"/>
+              </a:rPr>
+              <a:t>                </a:t>
+            </a:r>
+            <a:r>
+              <a:rPr lang="en-US" altLang="zh-CN" sz="2000" dirty="0" err="1">
+                <a:latin typeface="华文楷体" panose="02010600040101010101" pitchFamily="2" charset="-122"/>
+                <a:ea typeface="华文楷体" panose="02010600040101010101" pitchFamily="2" charset="-122"/>
+              </a:rPr>
+              <a:t>Last_IO_Error</a:t>
+            </a:r>
+            <a:r>
+              <a:rPr lang="en-US" altLang="zh-CN" sz="2000" dirty="0">
+                <a:latin typeface="华文楷体" panose="02010600040101010101" pitchFamily="2" charset="-122"/>
+                <a:ea typeface="华文楷体" panose="02010600040101010101" pitchFamily="2" charset="-122"/>
+              </a:rPr>
+              <a:t>: </a:t>
+            </a:r>
+          </a:p>
+          <a:p>
+            <a:r>
+              <a:rPr lang="en-US" altLang="zh-CN" sz="2000" dirty="0">
+                <a:latin typeface="华文楷体" panose="02010600040101010101" pitchFamily="2" charset="-122"/>
+                <a:ea typeface="华文楷体" panose="02010600040101010101" pitchFamily="2" charset="-122"/>
+              </a:rPr>
+              <a:t>               </a:t>
+            </a:r>
+            <a:r>
+              <a:rPr lang="en-US" altLang="zh-CN" sz="2000" dirty="0" err="1">
+                <a:latin typeface="华文楷体" panose="02010600040101010101" pitchFamily="2" charset="-122"/>
+                <a:ea typeface="华文楷体" panose="02010600040101010101" pitchFamily="2" charset="-122"/>
+              </a:rPr>
+              <a:t>Last_SQL_Errno</a:t>
+            </a:r>
+            <a:r>
+              <a:rPr lang="en-US" altLang="zh-CN" sz="2000" dirty="0">
+                <a:latin typeface="华文楷体" panose="02010600040101010101" pitchFamily="2" charset="-122"/>
+                <a:ea typeface="华文楷体" panose="02010600040101010101" pitchFamily="2" charset="-122"/>
+              </a:rPr>
+              <a:t>: 0</a:t>
+            </a:r>
+          </a:p>
+          <a:p>
+            <a:r>
+              <a:rPr lang="en-US" altLang="zh-CN" sz="2000" dirty="0">
+                <a:latin typeface="华文楷体" panose="02010600040101010101" pitchFamily="2" charset="-122"/>
+                <a:ea typeface="华文楷体" panose="02010600040101010101" pitchFamily="2" charset="-122"/>
+              </a:rPr>
+              <a:t>               </a:t>
+            </a:r>
+            <a:r>
+              <a:rPr lang="en-US" altLang="zh-CN" sz="2000" dirty="0" err="1">
+                <a:latin typeface="华文楷体" panose="02010600040101010101" pitchFamily="2" charset="-122"/>
+                <a:ea typeface="华文楷体" panose="02010600040101010101" pitchFamily="2" charset="-122"/>
+              </a:rPr>
+              <a:t>Last_SQL_Error</a:t>
+            </a:r>
+            <a:r>
+              <a:rPr lang="en-US" altLang="zh-CN" sz="2000" dirty="0">
+                <a:latin typeface="华文楷体" panose="02010600040101010101" pitchFamily="2" charset="-122"/>
+                <a:ea typeface="华文楷体" panose="02010600040101010101" pitchFamily="2" charset="-122"/>
+              </a:rPr>
+              <a:t>: </a:t>
+            </a:r>
+          </a:p>
+          <a:p>
+            <a:r>
+              <a:rPr lang="en-US" altLang="zh-CN" sz="2000" dirty="0">
+                <a:latin typeface="华文楷体" panose="02010600040101010101" pitchFamily="2" charset="-122"/>
+                <a:ea typeface="华文楷体" panose="02010600040101010101" pitchFamily="2" charset="-122"/>
+              </a:rPr>
+              <a:t>  </a:t>
+            </a:r>
+            <a:r>
+              <a:rPr lang="en-US" altLang="zh-CN" sz="2000" dirty="0" err="1">
+                <a:latin typeface="华文楷体" panose="02010600040101010101" pitchFamily="2" charset="-122"/>
+                <a:ea typeface="华文楷体" panose="02010600040101010101" pitchFamily="2" charset="-122"/>
+              </a:rPr>
+              <a:t>Replicate_Ignore_Server_Ids</a:t>
+            </a:r>
+            <a:r>
+              <a:rPr lang="en-US" altLang="zh-CN" sz="2000" dirty="0">
+                <a:latin typeface="华文楷体" panose="02010600040101010101" pitchFamily="2" charset="-122"/>
+                <a:ea typeface="华文楷体" panose="02010600040101010101" pitchFamily="2" charset="-122"/>
+              </a:rPr>
+              <a:t>: </a:t>
+            </a:r>
+          </a:p>
+          <a:p>
+            <a:r>
+              <a:rPr lang="en-US" altLang="zh-CN" sz="2000" dirty="0">
+                <a:latin typeface="华文楷体" panose="02010600040101010101" pitchFamily="2" charset="-122"/>
+                <a:ea typeface="华文楷体" panose="02010600040101010101" pitchFamily="2" charset="-122"/>
+              </a:rPr>
+              <a:t>             </a:t>
+            </a:r>
+            <a:r>
+              <a:rPr lang="en-US" altLang="zh-CN" sz="2000" dirty="0" err="1">
+                <a:latin typeface="华文楷体" panose="02010600040101010101" pitchFamily="2" charset="-122"/>
+                <a:ea typeface="华文楷体" panose="02010600040101010101" pitchFamily="2" charset="-122"/>
+              </a:rPr>
+              <a:t>Master_Server_Id</a:t>
+            </a:r>
+            <a:r>
+              <a:rPr lang="en-US" altLang="zh-CN" sz="2000" dirty="0">
+                <a:latin typeface="华文楷体" panose="02010600040101010101" pitchFamily="2" charset="-122"/>
+                <a:ea typeface="华文楷体" panose="02010600040101010101" pitchFamily="2" charset="-122"/>
+              </a:rPr>
+              <a:t>: 1613306</a:t>
+            </a:r>
+          </a:p>
+          <a:p>
+            <a:r>
+              <a:rPr lang="en-US" altLang="zh-CN" sz="2000" dirty="0">
+                <a:latin typeface="华文楷体" panose="02010600040101010101" pitchFamily="2" charset="-122"/>
+                <a:ea typeface="华文楷体" panose="02010600040101010101" pitchFamily="2" charset="-122"/>
+              </a:rPr>
+              <a:t>                  </a:t>
+            </a:r>
+            <a:r>
+              <a:rPr lang="en-US" altLang="zh-CN" sz="2000" dirty="0" err="1">
+                <a:latin typeface="华文楷体" panose="02010600040101010101" pitchFamily="2" charset="-122"/>
+                <a:ea typeface="华文楷体" panose="02010600040101010101" pitchFamily="2" charset="-122"/>
+              </a:rPr>
+              <a:t>Master_UUID</a:t>
+            </a:r>
+            <a:r>
+              <a:rPr lang="en-US" altLang="zh-CN" sz="2000" dirty="0">
+                <a:latin typeface="华文楷体" panose="02010600040101010101" pitchFamily="2" charset="-122"/>
+                <a:ea typeface="华文楷体" panose="02010600040101010101" pitchFamily="2" charset="-122"/>
+              </a:rPr>
+              <a:t>: 2e3f5c76-0905-11e6-8dad-0050568fd581</a:t>
+            </a:r>
+          </a:p>
+          <a:p>
+            <a:r>
+              <a:rPr lang="en-US" altLang="zh-CN" sz="2000" dirty="0">
+                <a:latin typeface="华文楷体" panose="02010600040101010101" pitchFamily="2" charset="-122"/>
+                <a:ea typeface="华文楷体" panose="02010600040101010101" pitchFamily="2" charset="-122"/>
+              </a:rPr>
+              <a:t>             </a:t>
+            </a:r>
+            <a:r>
+              <a:rPr lang="en-US" altLang="zh-CN" sz="2000" dirty="0" err="1">
+                <a:latin typeface="华文楷体" panose="02010600040101010101" pitchFamily="2" charset="-122"/>
+                <a:ea typeface="华文楷体" panose="02010600040101010101" pitchFamily="2" charset="-122"/>
+              </a:rPr>
+              <a:t>Master_Info_File</a:t>
+            </a:r>
+            <a:r>
+              <a:rPr lang="en-US" altLang="zh-CN" sz="2000" dirty="0">
+                <a:latin typeface="华文楷体" panose="02010600040101010101" pitchFamily="2" charset="-122"/>
+                <a:ea typeface="华文楷体" panose="02010600040101010101" pitchFamily="2" charset="-122"/>
+              </a:rPr>
+              <a:t>: </a:t>
+            </a:r>
+            <a:r>
+              <a:rPr lang="en-US" altLang="zh-CN" sz="2000" dirty="0" err="1">
+                <a:latin typeface="华文楷体" panose="02010600040101010101" pitchFamily="2" charset="-122"/>
+                <a:ea typeface="华文楷体" panose="02010600040101010101" pitchFamily="2" charset="-122"/>
+              </a:rPr>
+              <a:t>mysql.slave_master_info</a:t>
+            </a:r>
+            <a:endParaRPr lang="en-US" altLang="zh-CN" sz="2000" dirty="0">
+              <a:latin typeface="华文楷体" panose="02010600040101010101" pitchFamily="2" charset="-122"/>
+              <a:ea typeface="华文楷体" panose="02010600040101010101" pitchFamily="2" charset="-122"/>
+            </a:endParaRPr>
+          </a:p>
+          <a:p>
+            <a:r>
+              <a:rPr lang="en-US" altLang="zh-CN" sz="2000" dirty="0">
+                <a:latin typeface="华文楷体" panose="02010600040101010101" pitchFamily="2" charset="-122"/>
+                <a:ea typeface="华文楷体" panose="02010600040101010101" pitchFamily="2" charset="-122"/>
+              </a:rPr>
+              <a:t>                    </a:t>
+            </a:r>
+            <a:r>
+              <a:rPr lang="en-US" altLang="zh-CN" sz="2000" dirty="0" err="1">
+                <a:latin typeface="华文楷体" panose="02010600040101010101" pitchFamily="2" charset="-122"/>
+                <a:ea typeface="华文楷体" panose="02010600040101010101" pitchFamily="2" charset="-122"/>
+              </a:rPr>
+              <a:t>SQL_Delay</a:t>
+            </a:r>
+            <a:r>
+              <a:rPr lang="en-US" altLang="zh-CN" sz="2000" dirty="0">
+                <a:latin typeface="华文楷体" panose="02010600040101010101" pitchFamily="2" charset="-122"/>
+                <a:ea typeface="华文楷体" panose="02010600040101010101" pitchFamily="2" charset="-122"/>
+              </a:rPr>
+              <a:t>: 0</a:t>
+            </a:r>
+          </a:p>
+          <a:p>
+            <a:r>
+              <a:rPr lang="en-US" altLang="zh-CN" sz="2000" dirty="0">
+                <a:latin typeface="华文楷体" panose="02010600040101010101" pitchFamily="2" charset="-122"/>
+                <a:ea typeface="华文楷体" panose="02010600040101010101" pitchFamily="2" charset="-122"/>
+              </a:rPr>
+              <a:t>          </a:t>
+            </a:r>
+            <a:r>
+              <a:rPr lang="en-US" altLang="zh-CN" sz="2000" dirty="0" err="1">
+                <a:latin typeface="华文楷体" panose="02010600040101010101" pitchFamily="2" charset="-122"/>
+                <a:ea typeface="华文楷体" panose="02010600040101010101" pitchFamily="2" charset="-122"/>
+              </a:rPr>
+              <a:t>SQL_Remaining_Delay</a:t>
+            </a:r>
+            <a:r>
+              <a:rPr lang="en-US" altLang="zh-CN" sz="2000" dirty="0">
+                <a:latin typeface="华文楷体" panose="02010600040101010101" pitchFamily="2" charset="-122"/>
+                <a:ea typeface="华文楷体" panose="02010600040101010101" pitchFamily="2" charset="-122"/>
+              </a:rPr>
+              <a:t>: NULL</a:t>
+            </a:r>
+          </a:p>
+          <a:p>
+            <a:r>
+              <a:rPr lang="en-US" altLang="zh-CN" sz="2000" dirty="0">
+                <a:latin typeface="华文楷体" panose="02010600040101010101" pitchFamily="2" charset="-122"/>
+                <a:ea typeface="华文楷体" panose="02010600040101010101" pitchFamily="2" charset="-122"/>
+              </a:rPr>
+              <a:t>      </a:t>
+            </a:r>
+            <a:r>
+              <a:rPr lang="en-US" altLang="zh-CN" sz="2000" dirty="0" err="1">
+                <a:latin typeface="华文楷体" panose="02010600040101010101" pitchFamily="2" charset="-122"/>
+                <a:ea typeface="华文楷体" panose="02010600040101010101" pitchFamily="2" charset="-122"/>
+              </a:rPr>
+              <a:t>Slave_SQL_Running_State</a:t>
+            </a:r>
+            <a:r>
+              <a:rPr lang="en-US" altLang="zh-CN" sz="2000" dirty="0">
+                <a:latin typeface="华文楷体" panose="02010600040101010101" pitchFamily="2" charset="-122"/>
+                <a:ea typeface="华文楷体" panose="02010600040101010101" pitchFamily="2" charset="-122"/>
+              </a:rPr>
+              <a:t>: Slave has read all relay log; waiting for the slave I/O thread to update it</a:t>
+            </a:r>
+          </a:p>
+          <a:p>
+            <a:r>
+              <a:rPr lang="en-US" altLang="zh-CN" sz="2000" dirty="0">
+                <a:latin typeface="华文楷体" panose="02010600040101010101" pitchFamily="2" charset="-122"/>
+                <a:ea typeface="华文楷体" panose="02010600040101010101" pitchFamily="2" charset="-122"/>
+              </a:rPr>
+              <a:t>           </a:t>
+            </a:r>
+            <a:r>
+              <a:rPr lang="en-US" altLang="zh-CN" sz="2000" dirty="0" err="1">
+                <a:latin typeface="华文楷体" panose="02010600040101010101" pitchFamily="2" charset="-122"/>
+                <a:ea typeface="华文楷体" panose="02010600040101010101" pitchFamily="2" charset="-122"/>
+              </a:rPr>
+              <a:t>Master_Retry_Count</a:t>
+            </a:r>
+            <a:r>
+              <a:rPr lang="en-US" altLang="zh-CN" sz="2000" dirty="0">
+                <a:latin typeface="华文楷体" panose="02010600040101010101" pitchFamily="2" charset="-122"/>
+                <a:ea typeface="华文楷体" panose="02010600040101010101" pitchFamily="2" charset="-122"/>
+              </a:rPr>
+              <a:t>: 86400</a:t>
+            </a:r>
+          </a:p>
+          <a:p>
+            <a:r>
+              <a:rPr lang="en-US" altLang="zh-CN" sz="2000" dirty="0">
+                <a:latin typeface="华文楷体" panose="02010600040101010101" pitchFamily="2" charset="-122"/>
+                <a:ea typeface="华文楷体" panose="02010600040101010101" pitchFamily="2" charset="-122"/>
+              </a:rPr>
+              <a:t>                  </a:t>
+            </a:r>
+            <a:r>
+              <a:rPr lang="en-US" altLang="zh-CN" sz="2000" dirty="0" err="1">
+                <a:latin typeface="华文楷体" panose="02010600040101010101" pitchFamily="2" charset="-122"/>
+                <a:ea typeface="华文楷体" panose="02010600040101010101" pitchFamily="2" charset="-122"/>
+              </a:rPr>
+              <a:t>Master_Bind</a:t>
+            </a:r>
+            <a:r>
+              <a:rPr lang="en-US" altLang="zh-CN" sz="2000" dirty="0">
+                <a:latin typeface="华文楷体" panose="02010600040101010101" pitchFamily="2" charset="-122"/>
+                <a:ea typeface="华文楷体" panose="02010600040101010101" pitchFamily="2" charset="-122"/>
+              </a:rPr>
+              <a:t>: </a:t>
+            </a:r>
+          </a:p>
+          <a:p>
+            <a:r>
+              <a:rPr lang="en-US" altLang="zh-CN" sz="2000" dirty="0">
+                <a:latin typeface="华文楷体" panose="02010600040101010101" pitchFamily="2" charset="-122"/>
+                <a:ea typeface="华文楷体" panose="02010600040101010101" pitchFamily="2" charset="-122"/>
+              </a:rPr>
+              <a:t>      </a:t>
+            </a:r>
+            <a:r>
+              <a:rPr lang="en-US" altLang="zh-CN" sz="2000" dirty="0" err="1">
+                <a:latin typeface="华文楷体" panose="02010600040101010101" pitchFamily="2" charset="-122"/>
+                <a:ea typeface="华文楷体" panose="02010600040101010101" pitchFamily="2" charset="-122"/>
+              </a:rPr>
+              <a:t>Last_IO_Error_Timestamp</a:t>
+            </a:r>
+            <a:r>
+              <a:rPr lang="en-US" altLang="zh-CN" sz="2000" dirty="0">
+                <a:latin typeface="华文楷体" panose="02010600040101010101" pitchFamily="2" charset="-122"/>
+                <a:ea typeface="华文楷体" panose="02010600040101010101" pitchFamily="2" charset="-122"/>
+              </a:rPr>
+              <a:t>: </a:t>
+            </a:r>
+          </a:p>
+          <a:p>
+            <a:r>
+              <a:rPr lang="en-US" altLang="zh-CN" sz="2000" dirty="0">
+                <a:latin typeface="华文楷体" panose="02010600040101010101" pitchFamily="2" charset="-122"/>
+                <a:ea typeface="华文楷体" panose="02010600040101010101" pitchFamily="2" charset="-122"/>
+              </a:rPr>
+              <a:t>     </a:t>
+            </a:r>
+            <a:r>
+              <a:rPr lang="en-US" altLang="zh-CN" sz="2000" dirty="0" err="1">
+                <a:latin typeface="华文楷体" panose="02010600040101010101" pitchFamily="2" charset="-122"/>
+                <a:ea typeface="华文楷体" panose="02010600040101010101" pitchFamily="2" charset="-122"/>
+              </a:rPr>
+              <a:t>Last_SQL_Error_Timestamp</a:t>
+            </a:r>
+            <a:r>
+              <a:rPr lang="en-US" altLang="zh-CN" sz="2000" dirty="0">
+                <a:latin typeface="华文楷体" panose="02010600040101010101" pitchFamily="2" charset="-122"/>
+                <a:ea typeface="华文楷体" panose="02010600040101010101" pitchFamily="2" charset="-122"/>
+              </a:rPr>
+              <a:t>: </a:t>
+            </a:r>
+          </a:p>
+          <a:p>
+            <a:r>
+              <a:rPr lang="en-US" altLang="zh-CN" sz="2000" dirty="0">
+                <a:latin typeface="华文楷体" panose="02010600040101010101" pitchFamily="2" charset="-122"/>
+                <a:ea typeface="华文楷体" panose="02010600040101010101" pitchFamily="2" charset="-122"/>
+              </a:rPr>
+              <a:t>               </a:t>
+            </a:r>
+            <a:r>
+              <a:rPr lang="en-US" altLang="zh-CN" sz="2000" dirty="0" err="1">
+                <a:latin typeface="华文楷体" panose="02010600040101010101" pitchFamily="2" charset="-122"/>
+                <a:ea typeface="华文楷体" panose="02010600040101010101" pitchFamily="2" charset="-122"/>
+              </a:rPr>
+              <a:t>Master_SSL_Crl</a:t>
+            </a:r>
+            <a:r>
+              <a:rPr lang="en-US" altLang="zh-CN" sz="2000" dirty="0">
+                <a:latin typeface="华文楷体" panose="02010600040101010101" pitchFamily="2" charset="-122"/>
+                <a:ea typeface="华文楷体" panose="02010600040101010101" pitchFamily="2" charset="-122"/>
+              </a:rPr>
+              <a:t>: </a:t>
+            </a:r>
+          </a:p>
+          <a:p>
+            <a:r>
+              <a:rPr lang="en-US" altLang="zh-CN" sz="2000" dirty="0">
+                <a:latin typeface="华文楷体" panose="02010600040101010101" pitchFamily="2" charset="-122"/>
+                <a:ea typeface="华文楷体" panose="02010600040101010101" pitchFamily="2" charset="-122"/>
+              </a:rPr>
+              <a:t>           </a:t>
+            </a:r>
+            <a:r>
+              <a:rPr lang="en-US" altLang="zh-CN" sz="2000" dirty="0" err="1">
+                <a:latin typeface="华文楷体" panose="02010600040101010101" pitchFamily="2" charset="-122"/>
+                <a:ea typeface="华文楷体" panose="02010600040101010101" pitchFamily="2" charset="-122"/>
+              </a:rPr>
+              <a:t>Master_SSL_Crlpath</a:t>
+            </a:r>
+            <a:r>
+              <a:rPr lang="en-US" altLang="zh-CN" sz="2000" dirty="0">
+                <a:latin typeface="华文楷体" panose="02010600040101010101" pitchFamily="2" charset="-122"/>
+                <a:ea typeface="华文楷体" panose="02010600040101010101" pitchFamily="2" charset="-122"/>
+              </a:rPr>
+              <a:t>: </a:t>
+            </a:r>
+          </a:p>
+          <a:p>
+            <a:r>
+              <a:rPr lang="en-US" altLang="zh-CN" sz="2000" dirty="0">
+                <a:latin typeface="华文楷体" panose="02010600040101010101" pitchFamily="2" charset="-122"/>
+                <a:ea typeface="华文楷体" panose="02010600040101010101" pitchFamily="2" charset="-122"/>
+              </a:rPr>
+              <a:t>           </a:t>
+            </a:r>
+            <a:r>
+              <a:rPr lang="en-US" altLang="zh-CN" sz="2000" dirty="0" err="1">
+                <a:latin typeface="华文楷体" panose="02010600040101010101" pitchFamily="2" charset="-122"/>
+                <a:ea typeface="华文楷体" panose="02010600040101010101" pitchFamily="2" charset="-122"/>
+              </a:rPr>
+              <a:t>Retrieved_Gtid_Set</a:t>
+            </a:r>
+            <a:r>
+              <a:rPr lang="en-US" altLang="zh-CN" sz="2000" dirty="0">
+                <a:latin typeface="华文楷体" panose="02010600040101010101" pitchFamily="2" charset="-122"/>
+                <a:ea typeface="华文楷体" panose="02010600040101010101" pitchFamily="2" charset="-122"/>
+              </a:rPr>
+              <a:t>: 2e3f5c76-0905-11e6-8dad-0050568fd581:1101-1125</a:t>
+            </a:r>
+          </a:p>
+          <a:p>
+            <a:r>
+              <a:rPr lang="en-US" altLang="zh-CN" sz="2000" dirty="0">
+                <a:latin typeface="华文楷体" panose="02010600040101010101" pitchFamily="2" charset="-122"/>
+                <a:ea typeface="华文楷体" panose="02010600040101010101" pitchFamily="2" charset="-122"/>
+              </a:rPr>
+              <a:t>            </a:t>
+            </a:r>
+            <a:r>
+              <a:rPr lang="en-US" altLang="zh-CN" sz="2000" dirty="0" err="1">
+                <a:latin typeface="华文楷体" panose="02010600040101010101" pitchFamily="2" charset="-122"/>
+                <a:ea typeface="华文楷体" panose="02010600040101010101" pitchFamily="2" charset="-122"/>
+              </a:rPr>
+              <a:t>Executed_Gtid_Set</a:t>
+            </a:r>
+            <a:r>
+              <a:rPr lang="en-US" altLang="zh-CN" sz="2000" dirty="0">
+                <a:latin typeface="华文楷体" panose="02010600040101010101" pitchFamily="2" charset="-122"/>
+                <a:ea typeface="华文楷体" panose="02010600040101010101" pitchFamily="2" charset="-122"/>
+              </a:rPr>
+              <a:t>: 2e3f5c76-0905-11e6-8dad-0050568fd581:1-1125</a:t>
+            </a:r>
+          </a:p>
+          <a:p>
+            <a:r>
+              <a:rPr lang="en-US" altLang="zh-CN" sz="2000" dirty="0">
+                <a:latin typeface="华文楷体" panose="02010600040101010101" pitchFamily="2" charset="-122"/>
+                <a:ea typeface="华文楷体" panose="02010600040101010101" pitchFamily="2" charset="-122"/>
+              </a:rPr>
+              <a:t>                </a:t>
+            </a:r>
+            <a:r>
+              <a:rPr lang="en-US" altLang="zh-CN" sz="2000" dirty="0" err="1">
+                <a:latin typeface="华文楷体" panose="02010600040101010101" pitchFamily="2" charset="-122"/>
+                <a:ea typeface="华文楷体" panose="02010600040101010101" pitchFamily="2" charset="-122"/>
+              </a:rPr>
+              <a:t>Auto_Position</a:t>
+            </a:r>
+            <a:r>
+              <a:rPr lang="en-US" altLang="zh-CN" sz="2000" dirty="0">
+                <a:latin typeface="华文楷体" panose="02010600040101010101" pitchFamily="2" charset="-122"/>
+                <a:ea typeface="华文楷体" panose="02010600040101010101" pitchFamily="2" charset="-122"/>
+              </a:rPr>
+              <a:t>: 1</a:t>
+            </a:r>
+            <a:endParaRPr lang="en-US" altLang="zh-CN" sz="2000" dirty="0" smtClean="0">
+              <a:latin typeface="华文楷体" panose="02010600040101010101" pitchFamily="2" charset="-122"/>
+              <a:ea typeface="华文楷体" panose="02010600040101010101" pitchFamily="2" charset="-122"/>
+            </a:endParaRPr>
+          </a:p>
+        </p:txBody>
+      </p:sp>
+    </p:spTree>
+    <p:extLst>
+      <p:ext uri="{BB962C8B-B14F-4D97-AF65-F5344CB8AC3E}">
+        <p14:creationId xmlns:p14="http://schemas.microsoft.com/office/powerpoint/2010/main" val="1074536020"/>
       </p:ext>
     </p:extLst>
   </p:cSld>
@@ -12466,6 +12558,529 @@
     <p:extLst>
       <p:ext uri="{BB962C8B-B14F-4D97-AF65-F5344CB8AC3E}">
         <p14:creationId xmlns:p14="http://schemas.microsoft.com/office/powerpoint/2010/main" val="1746599723"/>
+      </p:ext>
+    </p:extLst>
+  </p:cSld>
+  <p:clrMapOvr>
+    <a:masterClrMapping/>
+  </p:clrMapOvr>
+  <p:timing>
+    <p:tnLst>
+      <p:par>
+        <p:cTn id="1" dur="indefinite" restart="never" nodeType="tmRoot"/>
+      </p:par>
+    </p:tnLst>
+  </p:timing>
+</p:sld>
+</file>
+
+<file path=ppt/slides/slide20.xml><?xml version="1.0" encoding="utf-8"?>
+<p:sld xmlns:a="http://schemas.openxmlformats.org/drawingml/2006/main" xmlns:r="http://schemas.openxmlformats.org/officeDocument/2006/relationships" xmlns:p="http://schemas.openxmlformats.org/presentationml/2006/main">
+  <p:cSld>
+    <p:spTree>
+      <p:nvGrpSpPr>
+        <p:cNvPr id="1" name=""/>
+        <p:cNvGrpSpPr/>
+        <p:nvPr/>
+      </p:nvGrpSpPr>
+      <p:grpSpPr>
+        <a:xfrm>
+          <a:off x="0" y="0"/>
+          <a:ext cx="0" cy="0"/>
+          <a:chOff x="0" y="0"/>
+          <a:chExt cx="0" cy="0"/>
+        </a:xfrm>
+      </p:grpSpPr>
+      <p:sp>
+        <p:nvSpPr>
+          <p:cNvPr id="2" name="标题 1"/>
+          <p:cNvSpPr>
+            <a:spLocks noGrp="1"/>
+          </p:cNvSpPr>
+          <p:nvPr>
+            <p:ph type="ctrTitle"/>
+          </p:nvPr>
+        </p:nvSpPr>
+        <p:spPr/>
+        <p:txBody>
+          <a:bodyPr/>
+          <a:lstStyle/>
+          <a:p>
+            <a:endParaRPr lang="zh-CN" altLang="en-US"/>
+          </a:p>
+        </p:txBody>
+      </p:sp>
+      <p:sp>
+        <p:nvSpPr>
+          <p:cNvPr id="3" name="副标题 2"/>
+          <p:cNvSpPr>
+            <a:spLocks noGrp="1"/>
+          </p:cNvSpPr>
+          <p:nvPr>
+            <p:ph type="subTitle" idx="1"/>
+          </p:nvPr>
+        </p:nvSpPr>
+        <p:spPr>
+          <a:xfrm>
+            <a:off x="2692397" y="3840477"/>
+            <a:ext cx="6815669" cy="1320802"/>
+          </a:xfrm>
+        </p:spPr>
+        <p:txBody>
+          <a:bodyPr/>
+          <a:lstStyle/>
+          <a:p>
+            <a:endParaRPr lang="zh-CN" altLang="en-US"/>
+          </a:p>
+        </p:txBody>
+      </p:sp>
+      <p:pic>
+        <p:nvPicPr>
+          <p:cNvPr id="4" name="图片 3"/>
+          <p:cNvPicPr>
+            <a:picLocks noChangeAspect="1"/>
+          </p:cNvPicPr>
+          <p:nvPr/>
+        </p:nvPicPr>
+        <p:blipFill>
+          <a:blip r:embed="rId3">
+            <a:extLst>
+              <a:ext uri="{28A0092B-C50C-407E-A947-70E740481C1C}">
+                <a14:useLocalDpi xmlns:a14="http://schemas.microsoft.com/office/drawing/2010/main" val="0"/>
+              </a:ext>
+            </a:extLst>
+          </a:blip>
+          <a:stretch>
+            <a:fillRect/>
+          </a:stretch>
+        </p:blipFill>
+        <p:spPr>
+          <a:xfrm>
+            <a:off x="0" y="0"/>
+            <a:ext cx="12191999" cy="6858000"/>
+          </a:xfrm>
+          <a:prstGeom prst="rect">
+            <a:avLst/>
+          </a:prstGeom>
+        </p:spPr>
+      </p:pic>
+      <p:sp>
+        <p:nvSpPr>
+          <p:cNvPr id="5" name="文本框 4"/>
+          <p:cNvSpPr txBox="1"/>
+          <p:nvPr/>
+        </p:nvSpPr>
+        <p:spPr>
+          <a:xfrm>
+            <a:off x="610954" y="551405"/>
+            <a:ext cx="11449982" cy="5324535"/>
+          </a:xfrm>
+          <a:prstGeom prst="rect">
+            <a:avLst/>
+          </a:prstGeom>
+          <a:noFill/>
+        </p:spPr>
+        <p:txBody>
+          <a:bodyPr wrap="square" rtlCol="0">
+            <a:spAutoFit/>
+          </a:bodyPr>
+          <a:lstStyle/>
+          <a:p>
+            <a:r>
+              <a:rPr lang="en-US" altLang="zh-CN" sz="3200" dirty="0" err="1" smtClean="0">
+                <a:latin typeface="华文楷体" panose="02010600040101010101" pitchFamily="2" charset="-122"/>
+                <a:ea typeface="华文楷体" panose="02010600040101010101" pitchFamily="2" charset="-122"/>
+              </a:rPr>
+              <a:t>Mysql</a:t>
+            </a:r>
+            <a:r>
+              <a:rPr lang="zh-CN" altLang="en-US" sz="3200" dirty="0" smtClean="0">
+                <a:latin typeface="华文楷体" panose="02010600040101010101" pitchFamily="2" charset="-122"/>
+                <a:ea typeface="华文楷体" panose="02010600040101010101" pitchFamily="2" charset="-122"/>
+              </a:rPr>
+              <a:t>主从同步</a:t>
+            </a:r>
+            <a:endParaRPr lang="en-US" altLang="zh-CN" sz="3200" dirty="0" smtClean="0">
+              <a:latin typeface="华文楷体" panose="02010600040101010101" pitchFamily="2" charset="-122"/>
+              <a:ea typeface="华文楷体" panose="02010600040101010101" pitchFamily="2" charset="-122"/>
+            </a:endParaRPr>
+          </a:p>
+          <a:p>
+            <a:r>
+              <a:rPr lang="zh-CN" altLang="en-US" sz="3200" dirty="0" smtClean="0">
+                <a:latin typeface="华文楷体" panose="02010600040101010101" pitchFamily="2" charset="-122"/>
+                <a:ea typeface="华文楷体" panose="02010600040101010101" pitchFamily="2" charset="-122"/>
+              </a:rPr>
+              <a:t>如何判断</a:t>
+            </a:r>
+            <a:r>
+              <a:rPr lang="en-US" altLang="zh-CN" sz="3200" dirty="0" err="1" smtClean="0">
+                <a:latin typeface="华文楷体" panose="02010600040101010101" pitchFamily="2" charset="-122"/>
+                <a:ea typeface="华文楷体" panose="02010600040101010101" pitchFamily="2" charset="-122"/>
+              </a:rPr>
+              <a:t>mysql</a:t>
+            </a:r>
+            <a:r>
+              <a:rPr lang="zh-CN" altLang="en-US" sz="3200" dirty="0" smtClean="0">
+                <a:latin typeface="华文楷体" panose="02010600040101010101" pitchFamily="2" charset="-122"/>
+                <a:ea typeface="华文楷体" panose="02010600040101010101" pitchFamily="2" charset="-122"/>
+              </a:rPr>
+              <a:t>主从是否同步：</a:t>
+            </a:r>
+            <a:endParaRPr lang="en-US" altLang="zh-CN" sz="3200" dirty="0" smtClean="0">
+              <a:latin typeface="华文楷体" panose="02010600040101010101" pitchFamily="2" charset="-122"/>
+              <a:ea typeface="华文楷体" panose="02010600040101010101" pitchFamily="2" charset="-122"/>
+            </a:endParaRPr>
+          </a:p>
+          <a:p>
+            <a:r>
+              <a:rPr lang="en-US" altLang="zh-CN" sz="3200" dirty="0" smtClean="0">
+                <a:latin typeface="华文楷体" panose="02010600040101010101" pitchFamily="2" charset="-122"/>
+                <a:ea typeface="华文楷体" panose="02010600040101010101" pitchFamily="2" charset="-122"/>
+              </a:rPr>
+              <a:t>1</a:t>
+            </a:r>
+            <a:r>
+              <a:rPr lang="zh-CN" altLang="en-US" sz="3200" dirty="0" smtClean="0">
+                <a:latin typeface="华文楷体" panose="02010600040101010101" pitchFamily="2" charset="-122"/>
+                <a:ea typeface="华文楷体" panose="02010600040101010101" pitchFamily="2" charset="-122"/>
+              </a:rPr>
+              <a:t>，</a:t>
+            </a:r>
+            <a:r>
+              <a:rPr lang="en-US" altLang="zh-CN" sz="3200" dirty="0" smtClean="0">
+                <a:latin typeface="华文楷体" panose="02010600040101010101" pitchFamily="2" charset="-122"/>
+                <a:ea typeface="华文楷体" panose="02010600040101010101" pitchFamily="2" charset="-122"/>
+              </a:rPr>
+              <a:t>show slave status</a:t>
+            </a:r>
+            <a:r>
+              <a:rPr lang="zh-CN" altLang="en-US" sz="3200" dirty="0" smtClean="0">
+                <a:latin typeface="华文楷体" panose="02010600040101010101" pitchFamily="2" charset="-122"/>
+                <a:ea typeface="华文楷体" panose="02010600040101010101" pitchFamily="2" charset="-122"/>
+              </a:rPr>
+              <a:t>显示</a:t>
+            </a:r>
+            <a:r>
+              <a:rPr lang="en-US" altLang="zh-CN" sz="3200" dirty="0" err="1" smtClean="0">
+                <a:latin typeface="华文楷体" panose="02010600040101010101" pitchFamily="2" charset="-122"/>
+                <a:ea typeface="华文楷体" panose="02010600040101010101" pitchFamily="2" charset="-122"/>
+              </a:rPr>
+              <a:t>io</a:t>
+            </a:r>
+            <a:r>
+              <a:rPr lang="zh-CN" altLang="en-US" sz="3200" dirty="0" smtClean="0">
+                <a:latin typeface="华文楷体" panose="02010600040101010101" pitchFamily="2" charset="-122"/>
+                <a:ea typeface="华文楷体" panose="02010600040101010101" pitchFamily="2" charset="-122"/>
+              </a:rPr>
+              <a:t>线程和</a:t>
+            </a:r>
+            <a:r>
+              <a:rPr lang="en-US" altLang="zh-CN" sz="3200" dirty="0" err="1" smtClean="0">
+                <a:latin typeface="华文楷体" panose="02010600040101010101" pitchFamily="2" charset="-122"/>
+                <a:ea typeface="华文楷体" panose="02010600040101010101" pitchFamily="2" charset="-122"/>
+              </a:rPr>
+              <a:t>sql</a:t>
+            </a:r>
+            <a:r>
+              <a:rPr lang="zh-CN" altLang="en-US" sz="3200" dirty="0" smtClean="0">
+                <a:latin typeface="华文楷体" panose="02010600040101010101" pitchFamily="2" charset="-122"/>
+                <a:ea typeface="华文楷体" panose="02010600040101010101" pitchFamily="2" charset="-122"/>
+              </a:rPr>
+              <a:t>线程正常</a:t>
+            </a:r>
+            <a:endParaRPr lang="en-US" altLang="zh-CN" sz="3200" dirty="0" smtClean="0">
+              <a:latin typeface="华文楷体" panose="02010600040101010101" pitchFamily="2" charset="-122"/>
+              <a:ea typeface="华文楷体" panose="02010600040101010101" pitchFamily="2" charset="-122"/>
+            </a:endParaRPr>
+          </a:p>
+          <a:p>
+            <a:r>
+              <a:rPr lang="en-US" altLang="zh-CN" sz="3200" dirty="0">
+                <a:latin typeface="华文楷体" panose="02010600040101010101" pitchFamily="2" charset="-122"/>
+                <a:ea typeface="华文楷体" panose="02010600040101010101" pitchFamily="2" charset="-122"/>
+              </a:rPr>
+              <a:t> </a:t>
+            </a:r>
+            <a:r>
+              <a:rPr lang="en-US" altLang="zh-CN" sz="2000" dirty="0" err="1">
+                <a:latin typeface="华文楷体" panose="02010600040101010101" pitchFamily="2" charset="-122"/>
+                <a:ea typeface="华文楷体" panose="02010600040101010101" pitchFamily="2" charset="-122"/>
+              </a:rPr>
+              <a:t>Slave_IO_Running</a:t>
+            </a:r>
+            <a:r>
+              <a:rPr lang="en-US" altLang="zh-CN" sz="2000" dirty="0">
+                <a:latin typeface="华文楷体" panose="02010600040101010101" pitchFamily="2" charset="-122"/>
+                <a:ea typeface="华文楷体" panose="02010600040101010101" pitchFamily="2" charset="-122"/>
+              </a:rPr>
+              <a:t>: </a:t>
+            </a:r>
+            <a:r>
+              <a:rPr lang="en-US" altLang="zh-CN" sz="2000" dirty="0" smtClean="0">
+                <a:latin typeface="华文楷体" panose="02010600040101010101" pitchFamily="2" charset="-122"/>
+                <a:ea typeface="华文楷体" panose="02010600040101010101" pitchFamily="2" charset="-122"/>
+              </a:rPr>
+              <a:t>Yes</a:t>
+            </a:r>
+          </a:p>
+          <a:p>
+            <a:r>
+              <a:rPr lang="en-US" altLang="zh-CN" sz="2000" dirty="0" err="1">
+                <a:latin typeface="华文楷体" panose="02010600040101010101" pitchFamily="2" charset="-122"/>
+                <a:ea typeface="华文楷体" panose="02010600040101010101" pitchFamily="2" charset="-122"/>
+              </a:rPr>
+              <a:t>Slave_SQL_Running</a:t>
+            </a:r>
+            <a:r>
+              <a:rPr lang="en-US" altLang="zh-CN" sz="2000" dirty="0">
+                <a:latin typeface="华文楷体" panose="02010600040101010101" pitchFamily="2" charset="-122"/>
+                <a:ea typeface="华文楷体" panose="02010600040101010101" pitchFamily="2" charset="-122"/>
+              </a:rPr>
+              <a:t>: </a:t>
+            </a:r>
+            <a:r>
+              <a:rPr lang="en-US" altLang="zh-CN" sz="2000" dirty="0" smtClean="0">
+                <a:latin typeface="华文楷体" panose="02010600040101010101" pitchFamily="2" charset="-122"/>
+                <a:ea typeface="华文楷体" panose="02010600040101010101" pitchFamily="2" charset="-122"/>
+              </a:rPr>
+              <a:t>Yes</a:t>
+            </a:r>
+          </a:p>
+          <a:p>
+            <a:r>
+              <a:rPr lang="en-US" altLang="zh-CN" sz="2000" dirty="0" smtClean="0">
+                <a:latin typeface="华文楷体" panose="02010600040101010101" pitchFamily="2" charset="-122"/>
+                <a:ea typeface="华文楷体" panose="02010600040101010101" pitchFamily="2" charset="-122"/>
+              </a:rPr>
+              <a:t>2</a:t>
+            </a:r>
+            <a:r>
+              <a:rPr lang="zh-CN" altLang="en-US" sz="2000" dirty="0" smtClean="0">
+                <a:latin typeface="华文楷体" panose="02010600040101010101" pitchFamily="2" charset="-122"/>
+                <a:ea typeface="华文楷体" panose="02010600040101010101" pitchFamily="2" charset="-122"/>
+              </a:rPr>
+              <a:t>，</a:t>
+            </a:r>
+            <a:r>
+              <a:rPr lang="en-US" altLang="zh-CN" sz="2000" dirty="0">
+                <a:latin typeface="华文楷体" panose="02010600040101010101" pitchFamily="2" charset="-122"/>
+                <a:ea typeface="华文楷体" panose="02010600040101010101" pitchFamily="2" charset="-122"/>
+              </a:rPr>
+              <a:t> </a:t>
+            </a:r>
+            <a:r>
+              <a:rPr lang="en-US" altLang="zh-CN" sz="2000" dirty="0" err="1" smtClean="0">
+                <a:latin typeface="华文楷体" panose="02010600040101010101" pitchFamily="2" charset="-122"/>
+                <a:ea typeface="华文楷体" panose="02010600040101010101" pitchFamily="2" charset="-122"/>
+              </a:rPr>
+              <a:t>Master_Log_File</a:t>
+            </a:r>
+            <a:r>
+              <a:rPr lang="zh-CN" altLang="en-US" sz="2000" dirty="0" smtClean="0">
+                <a:latin typeface="华文楷体" panose="02010600040101010101" pitchFamily="2" charset="-122"/>
+                <a:ea typeface="华文楷体" panose="02010600040101010101" pitchFamily="2" charset="-122"/>
+              </a:rPr>
+              <a:t>的值与</a:t>
+            </a:r>
+            <a:r>
+              <a:rPr lang="en-US" altLang="zh-CN" sz="2000" dirty="0" err="1" smtClean="0">
+                <a:latin typeface="华文楷体" panose="02010600040101010101" pitchFamily="2" charset="-122"/>
+                <a:ea typeface="华文楷体" panose="02010600040101010101" pitchFamily="2" charset="-122"/>
+              </a:rPr>
+              <a:t>Relay_Master_Log_File</a:t>
+            </a:r>
+            <a:r>
+              <a:rPr lang="zh-CN" altLang="en-US" sz="2000" dirty="0" smtClean="0">
+                <a:latin typeface="华文楷体" panose="02010600040101010101" pitchFamily="2" charset="-122"/>
+                <a:ea typeface="华文楷体" panose="02010600040101010101" pitchFamily="2" charset="-122"/>
+              </a:rPr>
+              <a:t>相同，并且</a:t>
+            </a:r>
+            <a:r>
+              <a:rPr lang="en-US" altLang="zh-CN" sz="2000" dirty="0" err="1" smtClean="0">
+                <a:latin typeface="华文楷体" panose="02010600040101010101" pitchFamily="2" charset="-122"/>
+                <a:ea typeface="华文楷体" panose="02010600040101010101" pitchFamily="2" charset="-122"/>
+              </a:rPr>
+              <a:t>Read_Master_Log_Pos</a:t>
+            </a:r>
+            <a:r>
+              <a:rPr lang="zh-CN" altLang="en-US" sz="2000" dirty="0" smtClean="0">
+                <a:latin typeface="华文楷体" panose="02010600040101010101" pitchFamily="2" charset="-122"/>
+                <a:ea typeface="华文楷体" panose="02010600040101010101" pitchFamily="2" charset="-122"/>
+              </a:rPr>
+              <a:t>与</a:t>
+            </a:r>
+            <a:r>
+              <a:rPr lang="en-US" altLang="zh-CN" sz="2000" dirty="0" err="1" smtClean="0">
+                <a:latin typeface="华文楷体" panose="02010600040101010101" pitchFamily="2" charset="-122"/>
+                <a:ea typeface="华文楷体" panose="02010600040101010101" pitchFamily="2" charset="-122"/>
+              </a:rPr>
+              <a:t>Exec_Master_Log_Pos</a:t>
+            </a:r>
+            <a:r>
+              <a:rPr lang="zh-CN" altLang="en-US" sz="2000" dirty="0" smtClean="0">
+                <a:latin typeface="华文楷体" panose="02010600040101010101" pitchFamily="2" charset="-122"/>
+                <a:ea typeface="华文楷体" panose="02010600040101010101" pitchFamily="2" charset="-122"/>
+              </a:rPr>
+              <a:t>相同</a:t>
+            </a:r>
+            <a:endParaRPr lang="en-US" altLang="zh-CN" sz="2000" dirty="0" smtClean="0">
+              <a:latin typeface="华文楷体" panose="02010600040101010101" pitchFamily="2" charset="-122"/>
+              <a:ea typeface="华文楷体" panose="02010600040101010101" pitchFamily="2" charset="-122"/>
+            </a:endParaRPr>
+          </a:p>
+          <a:p>
+            <a:r>
+              <a:rPr lang="en-US" altLang="zh-CN" sz="2000" dirty="0" err="1">
+                <a:latin typeface="华文楷体" panose="02010600040101010101" pitchFamily="2" charset="-122"/>
+                <a:ea typeface="华文楷体" panose="02010600040101010101" pitchFamily="2" charset="-122"/>
+              </a:rPr>
+              <a:t>Master_Log_File</a:t>
+            </a:r>
+            <a:r>
+              <a:rPr lang="en-US" altLang="zh-CN" sz="2000" dirty="0">
+                <a:latin typeface="华文楷体" panose="02010600040101010101" pitchFamily="2" charset="-122"/>
+                <a:ea typeface="华文楷体" panose="02010600040101010101" pitchFamily="2" charset="-122"/>
+              </a:rPr>
+              <a:t>: </a:t>
+            </a:r>
+            <a:r>
+              <a:rPr lang="en-US" altLang="zh-CN" sz="2000" dirty="0" smtClean="0">
+                <a:latin typeface="华文楷体" panose="02010600040101010101" pitchFamily="2" charset="-122"/>
+                <a:ea typeface="华文楷体" panose="02010600040101010101" pitchFamily="2" charset="-122"/>
+              </a:rPr>
+              <a:t>mybinlog.000039</a:t>
+            </a:r>
+          </a:p>
+          <a:p>
+            <a:r>
+              <a:rPr lang="en-US" altLang="zh-CN" sz="2000" dirty="0" err="1">
+                <a:latin typeface="华文楷体" panose="02010600040101010101" pitchFamily="2" charset="-122"/>
+                <a:ea typeface="华文楷体" panose="02010600040101010101" pitchFamily="2" charset="-122"/>
+              </a:rPr>
+              <a:t>Read_Master_Log_Pos</a:t>
+            </a:r>
+            <a:r>
+              <a:rPr lang="en-US" altLang="zh-CN" sz="2000" dirty="0">
+                <a:latin typeface="华文楷体" panose="02010600040101010101" pitchFamily="2" charset="-122"/>
+                <a:ea typeface="华文楷体" panose="02010600040101010101" pitchFamily="2" charset="-122"/>
+              </a:rPr>
+              <a:t>: </a:t>
+            </a:r>
+            <a:r>
+              <a:rPr lang="en-US" altLang="zh-CN" sz="2000" dirty="0" smtClean="0">
+                <a:latin typeface="华文楷体" panose="02010600040101010101" pitchFamily="2" charset="-122"/>
+                <a:ea typeface="华文楷体" panose="02010600040101010101" pitchFamily="2" charset="-122"/>
+              </a:rPr>
+              <a:t>1203</a:t>
+            </a:r>
+          </a:p>
+          <a:p>
+            <a:r>
+              <a:rPr lang="en-US" altLang="zh-CN" sz="2000" dirty="0" err="1">
+                <a:latin typeface="华文楷体" panose="02010600040101010101" pitchFamily="2" charset="-122"/>
+                <a:ea typeface="华文楷体" panose="02010600040101010101" pitchFamily="2" charset="-122"/>
+              </a:rPr>
+              <a:t>Relay_Master_Log_File</a:t>
+            </a:r>
+            <a:r>
+              <a:rPr lang="en-US" altLang="zh-CN" sz="2000" dirty="0">
+                <a:latin typeface="华文楷体" panose="02010600040101010101" pitchFamily="2" charset="-122"/>
+                <a:ea typeface="华文楷体" panose="02010600040101010101" pitchFamily="2" charset="-122"/>
+              </a:rPr>
+              <a:t>: </a:t>
+            </a:r>
+            <a:r>
+              <a:rPr lang="en-US" altLang="zh-CN" sz="2000" dirty="0" smtClean="0">
+                <a:latin typeface="华文楷体" panose="02010600040101010101" pitchFamily="2" charset="-122"/>
+                <a:ea typeface="华文楷体" panose="02010600040101010101" pitchFamily="2" charset="-122"/>
+              </a:rPr>
+              <a:t>mybinlog.000039</a:t>
+            </a:r>
+          </a:p>
+          <a:p>
+            <a:r>
+              <a:rPr lang="en-US" altLang="zh-CN" sz="2000" dirty="0" err="1">
+                <a:latin typeface="华文楷体" panose="02010600040101010101" pitchFamily="2" charset="-122"/>
+                <a:ea typeface="华文楷体" panose="02010600040101010101" pitchFamily="2" charset="-122"/>
+              </a:rPr>
+              <a:t>Exec_Master_Log_Pos</a:t>
+            </a:r>
+            <a:r>
+              <a:rPr lang="en-US" altLang="zh-CN" sz="2000" dirty="0">
+                <a:latin typeface="华文楷体" panose="02010600040101010101" pitchFamily="2" charset="-122"/>
+                <a:ea typeface="华文楷体" panose="02010600040101010101" pitchFamily="2" charset="-122"/>
+              </a:rPr>
+              <a:t>: </a:t>
+            </a:r>
+            <a:r>
+              <a:rPr lang="en-US" altLang="zh-CN" sz="2000" dirty="0" smtClean="0">
+                <a:latin typeface="华文楷体" panose="02010600040101010101" pitchFamily="2" charset="-122"/>
+                <a:ea typeface="华文楷体" panose="02010600040101010101" pitchFamily="2" charset="-122"/>
+              </a:rPr>
+              <a:t>1203</a:t>
+            </a:r>
+          </a:p>
+          <a:p>
+            <a:r>
+              <a:rPr lang="en-US" altLang="zh-CN" sz="2000" dirty="0" smtClean="0">
+                <a:latin typeface="华文楷体" panose="02010600040101010101" pitchFamily="2" charset="-122"/>
+                <a:ea typeface="华文楷体" panose="02010600040101010101" pitchFamily="2" charset="-122"/>
+              </a:rPr>
+              <a:t>3</a:t>
+            </a:r>
+            <a:r>
+              <a:rPr lang="zh-CN" altLang="en-US" sz="2000" dirty="0" smtClean="0">
+                <a:latin typeface="华文楷体" panose="02010600040101010101" pitchFamily="2" charset="-122"/>
+                <a:ea typeface="华文楷体" panose="02010600040101010101" pitchFamily="2" charset="-122"/>
+              </a:rPr>
+              <a:t>，显示从库落后于主库的秒数为</a:t>
+            </a:r>
+            <a:r>
+              <a:rPr lang="en-US" altLang="zh-CN" sz="2000" dirty="0" smtClean="0">
+                <a:latin typeface="华文楷体" panose="02010600040101010101" pitchFamily="2" charset="-122"/>
+                <a:ea typeface="华文楷体" panose="02010600040101010101" pitchFamily="2" charset="-122"/>
+              </a:rPr>
+              <a:t>0</a:t>
+            </a:r>
+          </a:p>
+          <a:p>
+            <a:r>
+              <a:rPr lang="en-US" altLang="zh-CN" sz="2000" dirty="0" err="1">
+                <a:latin typeface="华文楷体" panose="02010600040101010101" pitchFamily="2" charset="-122"/>
+                <a:ea typeface="华文楷体" panose="02010600040101010101" pitchFamily="2" charset="-122"/>
+              </a:rPr>
+              <a:t>Seconds_Behind_Master</a:t>
+            </a:r>
+            <a:r>
+              <a:rPr lang="en-US" altLang="zh-CN" sz="2000" dirty="0">
+                <a:latin typeface="华文楷体" panose="02010600040101010101" pitchFamily="2" charset="-122"/>
+                <a:ea typeface="华文楷体" panose="02010600040101010101" pitchFamily="2" charset="-122"/>
+              </a:rPr>
+              <a:t>: 0</a:t>
+            </a:r>
+            <a:endParaRPr lang="en-US" altLang="zh-CN" sz="2000" dirty="0" smtClean="0">
+              <a:latin typeface="华文楷体" panose="02010600040101010101" pitchFamily="2" charset="-122"/>
+              <a:ea typeface="华文楷体" panose="02010600040101010101" pitchFamily="2" charset="-122"/>
+            </a:endParaRPr>
+          </a:p>
+          <a:p>
+            <a:pPr marL="685800" indent="-685800">
+              <a:buFont typeface="Wingdings" panose="05000000000000000000" pitchFamily="2" charset="2"/>
+              <a:buChar char="l"/>
+            </a:pPr>
+            <a:endParaRPr lang="en-US" altLang="zh-CN" sz="3200" dirty="0" smtClean="0">
+              <a:latin typeface="华文楷体" panose="02010600040101010101" pitchFamily="2" charset="-122"/>
+              <a:ea typeface="华文楷体" panose="02010600040101010101" pitchFamily="2" charset="-122"/>
+            </a:endParaRPr>
+          </a:p>
+        </p:txBody>
+      </p:sp>
+    </p:spTree>
+    <p:extLst>
+      <p:ext uri="{BB962C8B-B14F-4D97-AF65-F5344CB8AC3E}">
+        <p14:creationId xmlns:p14="http://schemas.microsoft.com/office/powerpoint/2010/main" val="3457156913"/>
       </p:ext>
     </p:extLst>
   </p:cSld>
@@ -14595,8 +15210,8 @@
         </p:nvSpPr>
         <p:spPr>
           <a:xfrm>
-            <a:off x="537802" y="551405"/>
-            <a:ext cx="11449982" cy="4154984"/>
+            <a:off x="510370" y="636964"/>
+            <a:ext cx="11449982" cy="2308324"/>
           </a:xfrm>
           <a:prstGeom prst="rect">
             <a:avLst/>
@@ -14610,86 +15225,73 @@
           <a:lstStyle/>
           <a:p>
             <a:r>
-              <a:rPr lang="zh-CN" altLang="en-US" sz="3200" smtClean="0">
-                <a:latin typeface="华文楷体" panose="02010600040101010101" pitchFamily="2" charset="-122"/>
-                <a:ea typeface="华文楷体" panose="02010600040101010101" pitchFamily="2" charset="-122"/>
-              </a:rPr>
-              <a:t>索引和字段选择性：</a:t>
-            </a:r>
-            <a:endParaRPr lang="en-US" altLang="zh-CN" sz="3200" smtClean="0">
+              <a:rPr lang="en-US" altLang="zh-CN" sz="2400" dirty="0" smtClean="0">
+                <a:latin typeface="华文楷体" panose="02010600040101010101" pitchFamily="2" charset="-122"/>
+                <a:ea typeface="华文楷体" panose="02010600040101010101" pitchFamily="2" charset="-122"/>
+              </a:rPr>
+              <a:t>Explain </a:t>
+            </a:r>
+            <a:r>
+              <a:rPr lang="zh-CN" altLang="en-US" sz="2400" dirty="0" smtClean="0">
+                <a:latin typeface="华文楷体" panose="02010600040101010101" pitchFamily="2" charset="-122"/>
+                <a:ea typeface="华文楷体" panose="02010600040101010101" pitchFamily="2" charset="-122"/>
+              </a:rPr>
+              <a:t>查询</a:t>
+            </a:r>
+            <a:r>
+              <a:rPr lang="en-US" altLang="zh-CN" sz="2400" dirty="0" err="1" smtClean="0">
+                <a:latin typeface="华文楷体" panose="02010600040101010101" pitchFamily="2" charset="-122"/>
+                <a:ea typeface="华文楷体" panose="02010600040101010101" pitchFamily="2" charset="-122"/>
+              </a:rPr>
+              <a:t>sql</a:t>
+            </a:r>
+            <a:r>
+              <a:rPr lang="zh-CN" altLang="en-US" sz="2400" dirty="0" smtClean="0">
+                <a:latin typeface="华文楷体" panose="02010600040101010101" pitchFamily="2" charset="-122"/>
+                <a:ea typeface="华文楷体" panose="02010600040101010101" pitchFamily="2" charset="-122"/>
+              </a:rPr>
+              <a:t>语句的执行计划</a:t>
+            </a:r>
+            <a:endParaRPr lang="en-US" altLang="zh-CN" sz="2400" dirty="0" smtClean="0">
               <a:latin typeface="华文楷体" panose="02010600040101010101" pitchFamily="2" charset="-122"/>
               <a:ea typeface="华文楷体" panose="02010600040101010101" pitchFamily="2" charset="-122"/>
             </a:endParaRPr>
           </a:p>
           <a:p>
-            <a:endParaRPr lang="en-US" altLang="zh-CN" sz="3200" smtClean="0">
+            <a:r>
+              <a:rPr lang="en-US" altLang="zh-CN" sz="2400" dirty="0" smtClean="0">
+                <a:latin typeface="华文楷体" panose="02010600040101010101" pitchFamily="2" charset="-122"/>
+                <a:ea typeface="华文楷体" panose="02010600040101010101" pitchFamily="2" charset="-122"/>
+              </a:rPr>
+              <a:t>         </a:t>
+            </a:r>
+            <a:endParaRPr lang="en-US" altLang="zh-CN" sz="2400" dirty="0">
               <a:latin typeface="华文楷体" panose="02010600040101010101" pitchFamily="2" charset="-122"/>
               <a:ea typeface="华文楷体" panose="02010600040101010101" pitchFamily="2" charset="-122"/>
             </a:endParaRPr>
           </a:p>
           <a:p>
             <a:r>
-              <a:rPr lang="zh-CN" altLang="en-US" sz="2400" smtClean="0">
-                <a:latin typeface="华文楷体" panose="02010600040101010101" pitchFamily="2" charset="-122"/>
-                <a:ea typeface="华文楷体" panose="02010600040101010101" pitchFamily="2" charset="-122"/>
-              </a:rPr>
-              <a:t>选择性较差的字段通常不适合创建单列索引</a:t>
-            </a:r>
-            <a:endParaRPr lang="en-US" altLang="zh-CN" sz="2400" smtClean="0">
+              <a:rPr lang="en-US" altLang="zh-CN" sz="3200" dirty="0">
+                <a:latin typeface="华文楷体" panose="02010600040101010101" pitchFamily="2" charset="-122"/>
+                <a:ea typeface="华文楷体" panose="02010600040101010101" pitchFamily="2" charset="-122"/>
+              </a:rPr>
+              <a:t> </a:t>
+            </a:r>
+            <a:r>
+              <a:rPr lang="en-US" altLang="zh-CN" sz="3200" dirty="0" smtClean="0">
+                <a:latin typeface="华文楷体" panose="02010600040101010101" pitchFamily="2" charset="-122"/>
+                <a:ea typeface="华文楷体" panose="02010600040101010101" pitchFamily="2" charset="-122"/>
+              </a:rPr>
+              <a:t>        </a:t>
+            </a:r>
+            <a:endParaRPr lang="en-US" altLang="zh-CN" sz="3200" dirty="0">
               <a:latin typeface="华文楷体" panose="02010600040101010101" pitchFamily="2" charset="-122"/>
               <a:ea typeface="华文楷体" panose="02010600040101010101" pitchFamily="2" charset="-122"/>
             </a:endParaRPr>
           </a:p>
           <a:p>
-            <a:endParaRPr lang="en-US" altLang="zh-CN" sz="2400">
-              <a:latin typeface="华文楷体" panose="02010600040101010101" pitchFamily="2" charset="-122"/>
-              <a:ea typeface="华文楷体" panose="02010600040101010101" pitchFamily="2" charset="-122"/>
-            </a:endParaRPr>
-          </a:p>
-          <a:p>
-            <a:r>
-              <a:rPr lang="zh-CN" altLang="en-US" sz="2400" smtClean="0">
-                <a:latin typeface="华文楷体" panose="02010600040101010101" pitchFamily="2" charset="-122"/>
-                <a:ea typeface="华文楷体" panose="02010600040101010101" pitchFamily="2" charset="-122"/>
-              </a:rPr>
-              <a:t>联合索引中选择性较好的字段应该排在前面</a:t>
-            </a:r>
-            <a:endParaRPr lang="en-US" altLang="zh-CN" sz="2400" smtClean="0">
-              <a:latin typeface="华文楷体" panose="02010600040101010101" pitchFamily="2" charset="-122"/>
-              <a:ea typeface="华文楷体" panose="02010600040101010101" pitchFamily="2" charset="-122"/>
-            </a:endParaRPr>
-          </a:p>
-          <a:p>
-            <a:r>
-              <a:rPr lang="en-US" altLang="zh-CN" sz="3200" smtClean="0">
-                <a:latin typeface="华文楷体" panose="02010600040101010101" pitchFamily="2" charset="-122"/>
-                <a:ea typeface="华文楷体" panose="02010600040101010101" pitchFamily="2" charset="-122"/>
-              </a:rPr>
-              <a:t>         </a:t>
-            </a:r>
-          </a:p>
-          <a:p>
-            <a:r>
-              <a:rPr lang="en-US" altLang="zh-CN" sz="3200">
-                <a:latin typeface="华文楷体" panose="02010600040101010101" pitchFamily="2" charset="-122"/>
-                <a:ea typeface="华文楷体" panose="02010600040101010101" pitchFamily="2" charset="-122"/>
-              </a:rPr>
-              <a:t> </a:t>
-            </a:r>
-            <a:r>
-              <a:rPr lang="en-US" altLang="zh-CN" sz="3200" smtClean="0">
-                <a:latin typeface="华文楷体" panose="02010600040101010101" pitchFamily="2" charset="-122"/>
-                <a:ea typeface="华文楷体" panose="02010600040101010101" pitchFamily="2" charset="-122"/>
-              </a:rPr>
-              <a:t>        </a:t>
-            </a:r>
-            <a:endParaRPr lang="en-US" altLang="zh-CN" sz="3200">
-              <a:latin typeface="华文楷体" panose="02010600040101010101" pitchFamily="2" charset="-122"/>
-              <a:ea typeface="华文楷体" panose="02010600040101010101" pitchFamily="2" charset="-122"/>
-            </a:endParaRPr>
-          </a:p>
-          <a:p>
-            <a:endParaRPr lang="en-US" altLang="zh-CN" sz="3200" smtClean="0">
+            <a:endParaRPr lang="en-US" altLang="zh-CN" sz="3200" dirty="0" smtClean="0">
               <a:latin typeface="华文楷体" panose="02010600040101010101" pitchFamily="2" charset="-122"/>
               <a:ea typeface="华文楷体" panose="02010600040101010101" pitchFamily="2" charset="-122"/>
             </a:endParaRPr>
@@ -14699,7 +15301,7 @@
               <a:buFont typeface="Wingdings" panose="05000000000000000000" pitchFamily="2" charset="2"/>
               <a:buChar char="l"/>
             </a:pPr>
-            <a:endParaRPr lang="en-US" altLang="zh-CN" sz="3200" smtClean="0">
+            <a:endParaRPr lang="en-US" altLang="zh-CN" sz="3200" dirty="0" smtClean="0">
               <a:latin typeface="华文楷体" panose="02010600040101010101" pitchFamily="2" charset="-122"/>
               <a:ea typeface="华文楷体" panose="02010600040101010101" pitchFamily="2" charset="-122"/>
             </a:endParaRPr>
@@ -14709,7 +15311,7 @@
     </p:spTree>
     <p:extLst>
       <p:ext uri="{BB962C8B-B14F-4D97-AF65-F5344CB8AC3E}">
-        <p14:creationId xmlns:p14="http://schemas.microsoft.com/office/powerpoint/2010/main" val="42122304"/>
+        <p14:creationId xmlns:p14="http://schemas.microsoft.com/office/powerpoint/2010/main" val="3098031186"/>
       </p:ext>
     </p:extLst>
   </p:cSld>
@@ -14824,7 +15426,7 @@
         </p:nvSpPr>
         <p:spPr>
           <a:xfrm>
-            <a:off x="610954" y="551405"/>
+            <a:off x="510370" y="636964"/>
             <a:ext cx="11449982" cy="3785652"/>
           </a:xfrm>
           <a:prstGeom prst="rect">
@@ -14839,73 +15441,135 @@
           <a:lstStyle/>
           <a:p>
             <a:r>
-              <a:rPr lang="zh-CN" altLang="en-US" sz="3200" smtClean="0">
-                <a:latin typeface="华文楷体" panose="02010600040101010101" pitchFamily="2" charset="-122"/>
-                <a:ea typeface="华文楷体" panose="02010600040101010101" pitchFamily="2" charset="-122"/>
-              </a:rPr>
-              <a:t>如何建立高效索引：</a:t>
-            </a:r>
-            <a:endParaRPr lang="en-US" altLang="zh-CN" sz="3200" smtClean="0">
+              <a:rPr lang="en-US" altLang="zh-CN" sz="2400" dirty="0" smtClean="0">
+                <a:latin typeface="华文楷体" panose="02010600040101010101" pitchFamily="2" charset="-122"/>
+                <a:ea typeface="华文楷体" panose="02010600040101010101" pitchFamily="2" charset="-122"/>
+              </a:rPr>
+              <a:t>Pt-query-digest</a:t>
+            </a:r>
+            <a:r>
+              <a:rPr lang="zh-CN" altLang="en-US" sz="2400" dirty="0" smtClean="0">
+                <a:latin typeface="华文楷体" panose="02010600040101010101" pitchFamily="2" charset="-122"/>
+                <a:ea typeface="华文楷体" panose="02010600040101010101" pitchFamily="2" charset="-122"/>
+              </a:rPr>
+              <a:t>查询</a:t>
+            </a:r>
+            <a:r>
+              <a:rPr lang="en-US" altLang="zh-CN" sz="2400" dirty="0" err="1" smtClean="0">
+                <a:latin typeface="华文楷体" panose="02010600040101010101" pitchFamily="2" charset="-122"/>
+                <a:ea typeface="华文楷体" panose="02010600040101010101" pitchFamily="2" charset="-122"/>
+              </a:rPr>
+              <a:t>sql</a:t>
+            </a:r>
+            <a:r>
+              <a:rPr lang="zh-CN" altLang="en-US" sz="2400" dirty="0" smtClean="0">
+                <a:latin typeface="华文楷体" panose="02010600040101010101" pitchFamily="2" charset="-122"/>
+                <a:ea typeface="华文楷体" panose="02010600040101010101" pitchFamily="2" charset="-122"/>
+              </a:rPr>
+              <a:t>语句的执行计划</a:t>
+            </a:r>
+            <a:endParaRPr lang="en-US" altLang="zh-CN" sz="2400" dirty="0" smtClean="0">
               <a:latin typeface="华文楷体" panose="02010600040101010101" pitchFamily="2" charset="-122"/>
               <a:ea typeface="华文楷体" panose="02010600040101010101" pitchFamily="2" charset="-122"/>
             </a:endParaRPr>
           </a:p>
           <a:p>
-            <a:endParaRPr lang="en-US" altLang="zh-CN" sz="3200" smtClean="0">
+            <a:endParaRPr lang="en-US" altLang="zh-CN" sz="2400" dirty="0">
               <a:latin typeface="华文楷体" panose="02010600040101010101" pitchFamily="2" charset="-122"/>
               <a:ea typeface="华文楷体" panose="02010600040101010101" pitchFamily="2" charset="-122"/>
             </a:endParaRPr>
           </a:p>
           <a:p>
             <a:r>
-              <a:rPr lang="zh-CN" altLang="en-US" sz="2400" smtClean="0">
-                <a:latin typeface="华文楷体" panose="02010600040101010101" pitchFamily="2" charset="-122"/>
-                <a:ea typeface="华文楷体" panose="02010600040101010101" pitchFamily="2" charset="-122"/>
-              </a:rPr>
-              <a:t>使用已有索引的情况：</a:t>
-            </a:r>
-            <a:endParaRPr lang="en-US" altLang="zh-CN" sz="2400" smtClean="0">
+              <a:rPr lang="en-US" altLang="zh-CN" sz="2400" dirty="0" err="1">
+                <a:latin typeface="华文楷体" panose="02010600040101010101" pitchFamily="2" charset="-122"/>
+                <a:ea typeface="华文楷体" panose="02010600040101010101" pitchFamily="2" charset="-122"/>
+              </a:rPr>
+              <a:t>pt</a:t>
+            </a:r>
+            <a:r>
+              <a:rPr lang="en-US" altLang="zh-CN" sz="2400" dirty="0">
+                <a:latin typeface="华文楷体" panose="02010600040101010101" pitchFamily="2" charset="-122"/>
+                <a:ea typeface="华文楷体" panose="02010600040101010101" pitchFamily="2" charset="-122"/>
+              </a:rPr>
+              <a:t>-query-digest /data/</a:t>
+            </a:r>
+            <a:r>
+              <a:rPr lang="en-US" altLang="zh-CN" sz="2400" dirty="0" err="1">
+                <a:latin typeface="华文楷体" panose="02010600040101010101" pitchFamily="2" charset="-122"/>
+                <a:ea typeface="华文楷体" panose="02010600040101010101" pitchFamily="2" charset="-122"/>
+              </a:rPr>
+              <a:t>mysql</a:t>
+            </a:r>
+            <a:r>
+              <a:rPr lang="en-US" altLang="zh-CN" sz="2400" dirty="0">
+                <a:latin typeface="华文楷体" panose="02010600040101010101" pitchFamily="2" charset="-122"/>
+                <a:ea typeface="华文楷体" panose="02010600040101010101" pitchFamily="2" charset="-122"/>
+              </a:rPr>
+              <a:t>/mysql_3306/data/slow.log &gt;</a:t>
+            </a:r>
+            <a:r>
+              <a:rPr lang="en-US" altLang="zh-CN" sz="2400" dirty="0" smtClean="0">
+                <a:latin typeface="华文楷体" panose="02010600040101010101" pitchFamily="2" charset="-122"/>
+                <a:ea typeface="华文楷体" panose="02010600040101010101" pitchFamily="2" charset="-122"/>
+              </a:rPr>
+              <a:t>9291824.log</a:t>
+            </a:r>
+          </a:p>
+          <a:p>
+            <a:endParaRPr lang="en-US" altLang="zh-CN" sz="2400" dirty="0">
               <a:latin typeface="华文楷体" panose="02010600040101010101" pitchFamily="2" charset="-122"/>
               <a:ea typeface="华文楷体" panose="02010600040101010101" pitchFamily="2" charset="-122"/>
             </a:endParaRPr>
           </a:p>
           <a:p>
-            <a:endParaRPr lang="en-US" altLang="zh-CN" sz="2400">
+            <a:r>
+              <a:rPr lang="zh-CN" altLang="en-US" sz="2400" dirty="0" smtClean="0">
+                <a:latin typeface="华文楷体" panose="02010600040101010101" pitchFamily="2" charset="-122"/>
+                <a:ea typeface="华文楷体" panose="02010600040101010101" pitchFamily="2" charset="-122"/>
+              </a:rPr>
+              <a:t>打开文件详细解释下各个字段的意义：</a:t>
+            </a:r>
+            <a:endParaRPr lang="en-US" altLang="zh-CN" sz="2400" dirty="0" smtClean="0">
               <a:latin typeface="华文楷体" panose="02010600040101010101" pitchFamily="2" charset="-122"/>
               <a:ea typeface="华文楷体" panose="02010600040101010101" pitchFamily="2" charset="-122"/>
             </a:endParaRPr>
           </a:p>
           <a:p>
             <a:r>
-              <a:rPr lang="en-US" altLang="zh-CN" sz="3200" smtClean="0">
+              <a:rPr lang="en-US" altLang="zh-CN" sz="2400" dirty="0" smtClean="0">
                 <a:latin typeface="华文楷体" panose="02010600040101010101" pitchFamily="2" charset="-122"/>
                 <a:ea typeface="华文楷体" panose="02010600040101010101" pitchFamily="2" charset="-122"/>
               </a:rPr>
               <a:t>         </a:t>
             </a:r>
-          </a:p>
-          <a:p>
-            <a:r>
-              <a:rPr lang="en-US" altLang="zh-CN" sz="3200">
-                <a:latin typeface="华文楷体" panose="02010600040101010101" pitchFamily="2" charset="-122"/>
-                <a:ea typeface="华文楷体" panose="02010600040101010101" pitchFamily="2" charset="-122"/>
-              </a:rPr>
-              <a:t> </a:t>
-            </a:r>
-            <a:r>
-              <a:rPr lang="en-US" altLang="zh-CN" sz="3200" smtClean="0">
-                <a:latin typeface="华文楷体" panose="02010600040101010101" pitchFamily="2" charset="-122"/>
-                <a:ea typeface="华文楷体" panose="02010600040101010101" pitchFamily="2" charset="-122"/>
-              </a:rPr>
-              <a:t>        </a:t>
-            </a:r>
-            <a:endParaRPr lang="en-US" altLang="zh-CN" sz="3200">
+            <a:endParaRPr lang="en-US" altLang="zh-CN" sz="2400" dirty="0">
               <a:latin typeface="华文楷体" panose="02010600040101010101" pitchFamily="2" charset="-122"/>
               <a:ea typeface="华文楷体" panose="02010600040101010101" pitchFamily="2" charset="-122"/>
             </a:endParaRPr>
           </a:p>
           <a:p>
-            <a:endParaRPr lang="en-US" altLang="zh-CN" sz="3200" smtClean="0">
+            <a:r>
+              <a:rPr lang="en-US" altLang="zh-CN" sz="3200" dirty="0">
+                <a:latin typeface="华文楷体" panose="02010600040101010101" pitchFamily="2" charset="-122"/>
+                <a:ea typeface="华文楷体" panose="02010600040101010101" pitchFamily="2" charset="-122"/>
+              </a:rPr>
+              <a:t> </a:t>
+            </a:r>
+            <a:r>
+              <a:rPr lang="en-US" altLang="zh-CN" sz="3200" dirty="0" smtClean="0">
+                <a:latin typeface="华文楷体" panose="02010600040101010101" pitchFamily="2" charset="-122"/>
+                <a:ea typeface="华文楷体" panose="02010600040101010101" pitchFamily="2" charset="-122"/>
+              </a:rPr>
+              <a:t>        </a:t>
+            </a:r>
+            <a:endParaRPr lang="en-US" altLang="zh-CN" sz="3200" dirty="0">
+              <a:latin typeface="华文楷体" panose="02010600040101010101" pitchFamily="2" charset="-122"/>
+              <a:ea typeface="华文楷体" panose="02010600040101010101" pitchFamily="2" charset="-122"/>
+            </a:endParaRPr>
+          </a:p>
+          <a:p>
+            <a:endParaRPr lang="en-US" altLang="zh-CN" sz="3200" dirty="0" smtClean="0">
               <a:latin typeface="华文楷体" panose="02010600040101010101" pitchFamily="2" charset="-122"/>
               <a:ea typeface="华文楷体" panose="02010600040101010101" pitchFamily="2" charset="-122"/>
             </a:endParaRPr>
@@ -14915,7 +15579,7 @@
               <a:buFont typeface="Wingdings" panose="05000000000000000000" pitchFamily="2" charset="2"/>
               <a:buChar char="l"/>
             </a:pPr>
-            <a:endParaRPr lang="en-US" altLang="zh-CN" sz="3200" smtClean="0">
+            <a:endParaRPr lang="en-US" altLang="zh-CN" sz="3200" dirty="0" smtClean="0">
               <a:latin typeface="华文楷体" panose="02010600040101010101" pitchFamily="2" charset="-122"/>
               <a:ea typeface="华文楷体" panose="02010600040101010101" pitchFamily="2" charset="-122"/>
             </a:endParaRPr>
@@ -14925,7 +15589,7 @@
     </p:spTree>
     <p:extLst>
       <p:ext uri="{BB962C8B-B14F-4D97-AF65-F5344CB8AC3E}">
-        <p14:creationId xmlns:p14="http://schemas.microsoft.com/office/powerpoint/2010/main" val="2195252997"/>
+        <p14:creationId xmlns:p14="http://schemas.microsoft.com/office/powerpoint/2010/main" val="1799095065"/>
       </p:ext>
     </p:extLst>
   </p:cSld>

--- a/数据库演示.pptx
+++ b/数据库演示.pptx
@@ -11814,10 +11814,6 @@
               <a:rPr lang="en-US" altLang="zh-CN" sz="2000" dirty="0"/>
               <a:t>: 32 // VARCHAR(30) NOT NULL</a:t>
             </a:r>
-            <a:r>
-              <a:rPr lang="en-US" altLang="zh-CN" sz="2000" dirty="0"/>
-              <a:t/>
-            </a:r>
             <a:br>
               <a:rPr lang="en-US" altLang="zh-CN" sz="2000" dirty="0"/>
             </a:br>
@@ -21278,7 +21274,7 @@
         </p:blipFill>
         <p:spPr>
           <a:xfrm>
-            <a:off x="0" y="0"/>
+            <a:off x="0" y="-42336"/>
             <a:ext cx="12191999" cy="6858000"/>
           </a:xfrm>
           <a:prstGeom prst="rect">

--- a/数据库演示.pptx
+++ b/数据库演示.pptx
@@ -230,7 +230,7 @@
           <a:p>
             <a:fld id="{61B5BCF3-80EB-484C-8BAD-76812F0B1E6B}" type="datetimeFigureOut">
               <a:rPr lang="zh-CN" altLang="en-US" smtClean="0"/>
-              <a:t>2016/10/17</a:t>
+              <a:t>2016/10/18</a:t>
             </a:fld>
             <a:endParaRPr lang="zh-CN" altLang="en-US"/>
           </a:p>
@@ -3601,7 +3601,7 @@
           <a:p>
             <a:fld id="{96E5DBCB-B945-472D-A7F3-F76F630F0200}" type="datetimeFigureOut">
               <a:rPr lang="zh-CN" altLang="en-US" smtClean="0"/>
-              <a:t>2016/10/17</a:t>
+              <a:t>2016/10/18</a:t>
             </a:fld>
             <a:endParaRPr lang="zh-CN" altLang="en-US"/>
           </a:p>
@@ -3925,7 +3925,7 @@
           <a:p>
             <a:fld id="{96E5DBCB-B945-472D-A7F3-F76F630F0200}" type="datetimeFigureOut">
               <a:rPr lang="zh-CN" altLang="en-US" smtClean="0"/>
-              <a:t>2016/10/17</a:t>
+              <a:t>2016/10/18</a:t>
             </a:fld>
             <a:endParaRPr lang="zh-CN" altLang="en-US"/>
           </a:p>
@@ -4173,7 +4173,7 @@
           <a:p>
             <a:fld id="{96E5DBCB-B945-472D-A7F3-F76F630F0200}" type="datetimeFigureOut">
               <a:rPr lang="zh-CN" altLang="en-US" smtClean="0"/>
-              <a:t>2016/10/17</a:t>
+              <a:t>2016/10/18</a:t>
             </a:fld>
             <a:endParaRPr lang="zh-CN" altLang="en-US"/>
           </a:p>
@@ -4512,7 +4512,7 @@
           <a:p>
             <a:fld id="{96E5DBCB-B945-472D-A7F3-F76F630F0200}" type="datetimeFigureOut">
               <a:rPr lang="zh-CN" altLang="en-US" smtClean="0"/>
-              <a:t>2016/10/17</a:t>
+              <a:t>2016/10/18</a:t>
             </a:fld>
             <a:endParaRPr lang="zh-CN" altLang="en-US"/>
           </a:p>
@@ -4859,7 +4859,7 @@
           <a:p>
             <a:fld id="{96E5DBCB-B945-472D-A7F3-F76F630F0200}" type="datetimeFigureOut">
               <a:rPr lang="zh-CN" altLang="en-US" smtClean="0"/>
-              <a:t>2016/10/17</a:t>
+              <a:t>2016/10/18</a:t>
             </a:fld>
             <a:endParaRPr lang="zh-CN" altLang="en-US"/>
           </a:p>
@@ -5233,7 +5233,7 @@
           <a:p>
             <a:fld id="{96E5DBCB-B945-472D-A7F3-F76F630F0200}" type="datetimeFigureOut">
               <a:rPr lang="zh-CN" altLang="en-US" smtClean="0"/>
-              <a:t>2016/10/17</a:t>
+              <a:t>2016/10/18</a:t>
             </a:fld>
             <a:endParaRPr lang="zh-CN" altLang="en-US"/>
           </a:p>
@@ -5703,7 +5703,7 @@
           <a:p>
             <a:fld id="{96E5DBCB-B945-472D-A7F3-F76F630F0200}" type="datetimeFigureOut">
               <a:rPr lang="zh-CN" altLang="en-US" smtClean="0"/>
-              <a:t>2016/10/17</a:t>
+              <a:t>2016/10/18</a:t>
             </a:fld>
             <a:endParaRPr lang="zh-CN" altLang="en-US"/>
           </a:p>
@@ -5908,7 +5908,7 @@
           <a:p>
             <a:fld id="{96E5DBCB-B945-472D-A7F3-F76F630F0200}" type="datetimeFigureOut">
               <a:rPr lang="zh-CN" altLang="en-US" smtClean="0"/>
-              <a:t>2016/10/17</a:t>
+              <a:t>2016/10/18</a:t>
             </a:fld>
             <a:endParaRPr lang="zh-CN" altLang="en-US"/>
           </a:p>
@@ -6119,7 +6119,7 @@
           <a:p>
             <a:fld id="{96E5DBCB-B945-472D-A7F3-F76F630F0200}" type="datetimeFigureOut">
               <a:rPr lang="zh-CN" altLang="en-US" smtClean="0"/>
-              <a:t>2016/10/17</a:t>
+              <a:t>2016/10/18</a:t>
             </a:fld>
             <a:endParaRPr lang="zh-CN" altLang="en-US"/>
           </a:p>
@@ -6351,7 +6351,7 @@
           <a:p>
             <a:fld id="{96E5DBCB-B945-472D-A7F3-F76F630F0200}" type="datetimeFigureOut">
               <a:rPr lang="zh-CN" altLang="en-US" smtClean="0"/>
-              <a:t>2016/10/17</a:t>
+              <a:t>2016/10/18</a:t>
             </a:fld>
             <a:endParaRPr lang="zh-CN" altLang="en-US"/>
           </a:p>
@@ -6599,7 +6599,7 @@
           <a:p>
             <a:fld id="{96E5DBCB-B945-472D-A7F3-F76F630F0200}" type="datetimeFigureOut">
               <a:rPr lang="zh-CN" altLang="en-US" smtClean="0"/>
-              <a:t>2016/10/17</a:t>
+              <a:t>2016/10/18</a:t>
             </a:fld>
             <a:endParaRPr lang="zh-CN" altLang="en-US"/>
           </a:p>
@@ -6897,7 +6897,7 @@
           <a:p>
             <a:fld id="{96E5DBCB-B945-472D-A7F3-F76F630F0200}" type="datetimeFigureOut">
               <a:rPr lang="zh-CN" altLang="en-US" smtClean="0"/>
-              <a:t>2016/10/17</a:t>
+              <a:t>2016/10/18</a:t>
             </a:fld>
             <a:endParaRPr lang="zh-CN" altLang="en-US"/>
           </a:p>
@@ -7291,7 +7291,7 @@
           <a:p>
             <a:fld id="{96E5DBCB-B945-472D-A7F3-F76F630F0200}" type="datetimeFigureOut">
               <a:rPr lang="zh-CN" altLang="en-US" smtClean="0"/>
-              <a:t>2016/10/17</a:t>
+              <a:t>2016/10/18</a:t>
             </a:fld>
             <a:endParaRPr lang="zh-CN" altLang="en-US"/>
           </a:p>
@@ -7440,7 +7440,7 @@
           <a:p>
             <a:fld id="{96E5DBCB-B945-472D-A7F3-F76F630F0200}" type="datetimeFigureOut">
               <a:rPr lang="zh-CN" altLang="en-US" smtClean="0"/>
-              <a:t>2016/10/17</a:t>
+              <a:t>2016/10/18</a:t>
             </a:fld>
             <a:endParaRPr lang="zh-CN" altLang="en-US"/>
           </a:p>
@@ -7566,7 +7566,7 @@
           <a:p>
             <a:fld id="{96E5DBCB-B945-472D-A7F3-F76F630F0200}" type="datetimeFigureOut">
               <a:rPr lang="zh-CN" altLang="en-US" smtClean="0"/>
-              <a:t>2016/10/17</a:t>
+              <a:t>2016/10/18</a:t>
             </a:fld>
             <a:endParaRPr lang="zh-CN" altLang="en-US"/>
           </a:p>
@@ -7821,7 +7821,7 @@
           <a:p>
             <a:fld id="{96E5DBCB-B945-472D-A7F3-F76F630F0200}" type="datetimeFigureOut">
               <a:rPr lang="zh-CN" altLang="en-US" smtClean="0"/>
-              <a:t>2016/10/17</a:t>
+              <a:t>2016/10/18</a:t>
             </a:fld>
             <a:endParaRPr lang="zh-CN" altLang="en-US"/>
           </a:p>
@@ -8136,7 +8136,7 @@
           <a:p>
             <a:fld id="{96E5DBCB-B945-472D-A7F3-F76F630F0200}" type="datetimeFigureOut">
               <a:rPr lang="zh-CN" altLang="en-US" smtClean="0"/>
-              <a:t>2016/10/17</a:t>
+              <a:t>2016/10/18</a:t>
             </a:fld>
             <a:endParaRPr lang="zh-CN" altLang="en-US"/>
           </a:p>
@@ -8487,7 +8487,7 @@
           <a:p>
             <a:fld id="{96E5DBCB-B945-472D-A7F3-F76F630F0200}" type="datetimeFigureOut">
               <a:rPr lang="zh-CN" altLang="en-US" smtClean="0"/>
-              <a:t>2016/10/17</a:t>
+              <a:t>2016/10/18</a:t>
             </a:fld>
             <a:endParaRPr lang="zh-CN" altLang="en-US"/>
           </a:p>

--- a/数据库演示.pptx
+++ b/数据库演示.pptx
@@ -5,7 +5,7 @@
     <p:sldMasterId id="2147483724" r:id="rId1"/>
   </p:sldMasterIdLst>
   <p:notesMasterIdLst>
-    <p:notesMasterId r:id="rId36"/>
+    <p:notesMasterId r:id="rId37"/>
   </p:notesMasterIdLst>
   <p:sldIdLst>
     <p:sldId id="256" r:id="rId2"/>
@@ -41,7 +41,8 @@
     <p:sldId id="273" r:id="rId32"/>
     <p:sldId id="288" r:id="rId33"/>
     <p:sldId id="287" r:id="rId34"/>
-    <p:sldId id="289" r:id="rId35"/>
+    <p:sldId id="290" r:id="rId35"/>
+    <p:sldId id="289" r:id="rId36"/>
   </p:sldIdLst>
   <p:sldSz cx="12192000" cy="6858000"/>
   <p:notesSz cx="6858000" cy="9144000"/>
@@ -2748,6 +2749,90 @@
             <a:fld id="{4381ABC3-B330-4E97-8F0E-DDDF5440CD1F}" type="slidenum">
               <a:rPr lang="zh-CN" altLang="en-US" smtClean="0"/>
               <a:t>34</a:t>
+            </a:fld>
+            <a:endParaRPr lang="zh-CN" altLang="en-US"/>
+          </a:p>
+        </p:txBody>
+      </p:sp>
+    </p:spTree>
+    <p:extLst>
+      <p:ext uri="{BB962C8B-B14F-4D97-AF65-F5344CB8AC3E}">
+        <p14:creationId xmlns:p14="http://schemas.microsoft.com/office/powerpoint/2010/main" val="2162618703"/>
+      </p:ext>
+    </p:extLst>
+  </p:cSld>
+  <p:clrMapOvr>
+    <a:masterClrMapping/>
+  </p:clrMapOvr>
+</p:notes>
+</file>
+
+<file path=ppt/notesSlides/notesSlide34.xml><?xml version="1.0" encoding="utf-8"?>
+<p:notes xmlns:a="http://schemas.openxmlformats.org/drawingml/2006/main" xmlns:r="http://schemas.openxmlformats.org/officeDocument/2006/relationships" xmlns:p="http://schemas.openxmlformats.org/presentationml/2006/main">
+  <p:cSld>
+    <p:spTree>
+      <p:nvGrpSpPr>
+        <p:cNvPr id="1" name=""/>
+        <p:cNvGrpSpPr/>
+        <p:nvPr/>
+      </p:nvGrpSpPr>
+      <p:grpSpPr>
+        <a:xfrm>
+          <a:off x="0" y="0"/>
+          <a:ext cx="0" cy="0"/>
+          <a:chOff x="0" y="0"/>
+          <a:chExt cx="0" cy="0"/>
+        </a:xfrm>
+      </p:grpSpPr>
+      <p:sp>
+        <p:nvSpPr>
+          <p:cNvPr id="2" name="幻灯片图像占位符 1"/>
+          <p:cNvSpPr>
+            <a:spLocks noGrp="1" noRot="1" noChangeAspect="1"/>
+          </p:cNvSpPr>
+          <p:nvPr>
+            <p:ph type="sldImg"/>
+          </p:nvPr>
+        </p:nvSpPr>
+        <p:spPr/>
+      </p:sp>
+      <p:sp>
+        <p:nvSpPr>
+          <p:cNvPr id="3" name="备注占位符 2"/>
+          <p:cNvSpPr>
+            <a:spLocks noGrp="1"/>
+          </p:cNvSpPr>
+          <p:nvPr>
+            <p:ph type="body" idx="1"/>
+          </p:nvPr>
+        </p:nvSpPr>
+        <p:spPr/>
+        <p:txBody>
+          <a:bodyPr/>
+          <a:lstStyle/>
+          <a:p>
+            <a:endParaRPr lang="zh-CN" altLang="en-US"/>
+          </a:p>
+        </p:txBody>
+      </p:sp>
+      <p:sp>
+        <p:nvSpPr>
+          <p:cNvPr id="4" name="灯片编号占位符 3"/>
+          <p:cNvSpPr>
+            <a:spLocks noGrp="1"/>
+          </p:cNvSpPr>
+          <p:nvPr>
+            <p:ph type="sldNum" sz="quarter" idx="10"/>
+          </p:nvPr>
+        </p:nvSpPr>
+        <p:spPr/>
+        <p:txBody>
+          <a:bodyPr/>
+          <a:lstStyle/>
+          <a:p>
+            <a:fld id="{4381ABC3-B330-4E97-8F0E-DDDF5440CD1F}" type="slidenum">
+              <a:rPr lang="zh-CN" altLang="en-US" smtClean="0"/>
+              <a:t>35</a:t>
             </a:fld>
             <a:endParaRPr lang="zh-CN" altLang="en-US"/>
           </a:p>
@@ -21352,6 +21437,1006 @@
 </file>
 
 <file path=ppt/slides/slide34.xml><?xml version="1.0" encoding="utf-8"?>
+<p:sld xmlns:a="http://schemas.openxmlformats.org/drawingml/2006/main" xmlns:r="http://schemas.openxmlformats.org/officeDocument/2006/relationships" xmlns:p="http://schemas.openxmlformats.org/presentationml/2006/main">
+  <p:cSld>
+    <p:spTree>
+      <p:nvGrpSpPr>
+        <p:cNvPr id="1" name=""/>
+        <p:cNvGrpSpPr/>
+        <p:nvPr/>
+      </p:nvGrpSpPr>
+      <p:grpSpPr>
+        <a:xfrm>
+          <a:off x="0" y="0"/>
+          <a:ext cx="0" cy="0"/>
+          <a:chOff x="0" y="0"/>
+          <a:chExt cx="0" cy="0"/>
+        </a:xfrm>
+      </p:grpSpPr>
+      <p:sp>
+        <p:nvSpPr>
+          <p:cNvPr id="2" name="标题 1"/>
+          <p:cNvSpPr>
+            <a:spLocks noGrp="1"/>
+          </p:cNvSpPr>
+          <p:nvPr>
+            <p:ph type="ctrTitle"/>
+          </p:nvPr>
+        </p:nvSpPr>
+        <p:spPr/>
+        <p:txBody>
+          <a:bodyPr/>
+          <a:lstStyle/>
+          <a:p>
+            <a:endParaRPr lang="zh-CN" altLang="en-US"/>
+          </a:p>
+        </p:txBody>
+      </p:sp>
+      <p:sp>
+        <p:nvSpPr>
+          <p:cNvPr id="3" name="副标题 2"/>
+          <p:cNvSpPr>
+            <a:spLocks noGrp="1"/>
+          </p:cNvSpPr>
+          <p:nvPr>
+            <p:ph type="subTitle" idx="1"/>
+          </p:nvPr>
+        </p:nvSpPr>
+        <p:spPr>
+          <a:xfrm>
+            <a:off x="2692397" y="3840477"/>
+            <a:ext cx="6815669" cy="1320802"/>
+          </a:xfrm>
+        </p:spPr>
+        <p:txBody>
+          <a:bodyPr/>
+          <a:lstStyle/>
+          <a:p>
+            <a:endParaRPr lang="zh-CN" altLang="en-US"/>
+          </a:p>
+        </p:txBody>
+      </p:sp>
+      <p:pic>
+        <p:nvPicPr>
+          <p:cNvPr id="4" name="图片 3"/>
+          <p:cNvPicPr>
+            <a:picLocks noChangeAspect="1"/>
+          </p:cNvPicPr>
+          <p:nvPr/>
+        </p:nvPicPr>
+        <p:blipFill>
+          <a:blip r:embed="rId3">
+            <a:extLst>
+              <a:ext uri="{28A0092B-C50C-407E-A947-70E740481C1C}">
+                <a14:useLocalDpi xmlns:a14="http://schemas.microsoft.com/office/drawing/2010/main" val="0"/>
+              </a:ext>
+            </a:extLst>
+          </a:blip>
+          <a:stretch>
+            <a:fillRect/>
+          </a:stretch>
+        </p:blipFill>
+        <p:spPr>
+          <a:xfrm>
+            <a:off x="4231" y="-42336"/>
+            <a:ext cx="12191999" cy="6858000"/>
+          </a:xfrm>
+          <a:prstGeom prst="rect">
+            <a:avLst/>
+          </a:prstGeom>
+        </p:spPr>
+      </p:pic>
+      <p:sp>
+        <p:nvSpPr>
+          <p:cNvPr id="5" name="文本框 4"/>
+          <p:cNvSpPr txBox="1"/>
+          <p:nvPr/>
+        </p:nvSpPr>
+        <p:spPr>
+          <a:xfrm>
+            <a:off x="0" y="174410"/>
+            <a:ext cx="11449982" cy="7971413"/>
+          </a:xfrm>
+          <a:prstGeom prst="rect">
+            <a:avLst/>
+          </a:prstGeom>
+          <a:noFill/>
+        </p:spPr>
+        <p:txBody>
+          <a:bodyPr wrap="square" rtlCol="0">
+            <a:spAutoFit/>
+          </a:bodyPr>
+          <a:lstStyle/>
+          <a:p>
+            <a:r>
+              <a:rPr lang="en-US" altLang="zh-CN" sz="3200" dirty="0" smtClean="0">
+                <a:latin typeface="华文楷体" panose="02010600040101010101" pitchFamily="2" charset="-122"/>
+                <a:ea typeface="华文楷体" panose="02010600040101010101" pitchFamily="2" charset="-122"/>
+              </a:rPr>
+              <a:t>MHA</a:t>
+            </a:r>
+            <a:r>
+              <a:rPr lang="zh-CN" altLang="en-US" sz="3200" dirty="0" smtClean="0">
+                <a:latin typeface="华文楷体" panose="02010600040101010101" pitchFamily="2" charset="-122"/>
+                <a:ea typeface="华文楷体" panose="02010600040101010101" pitchFamily="2" charset="-122"/>
+              </a:rPr>
+              <a:t>架构</a:t>
+            </a:r>
+            <a:r>
+              <a:rPr lang="zh-CN" altLang="en-US" sz="3200" dirty="0" smtClean="0">
+                <a:latin typeface="华文楷体" panose="02010600040101010101" pitchFamily="2" charset="-122"/>
+                <a:ea typeface="华文楷体" panose="02010600040101010101" pitchFamily="2" charset="-122"/>
+              </a:rPr>
+              <a:t>：</a:t>
+            </a:r>
+            <a:endParaRPr lang="en-US" altLang="zh-CN" sz="3200" dirty="0" smtClean="0">
+              <a:latin typeface="华文楷体" panose="02010600040101010101" pitchFamily="2" charset="-122"/>
+              <a:ea typeface="华文楷体" panose="02010600040101010101" pitchFamily="2" charset="-122"/>
+            </a:endParaRPr>
+          </a:p>
+          <a:p>
+            <a:r>
+              <a:rPr lang="en-US" altLang="zh-CN" sz="1600" dirty="0" err="1" smtClean="0">
+                <a:latin typeface="华文楷体" panose="02010600040101010101" pitchFamily="2" charset="-122"/>
+                <a:ea typeface="华文楷体" panose="02010600040101010101" pitchFamily="2" charset="-122"/>
+              </a:rPr>
+              <a:t>mha</a:t>
+            </a:r>
+            <a:r>
+              <a:rPr lang="zh-CN" altLang="en-US" sz="1600" dirty="0" smtClean="0">
+                <a:latin typeface="华文楷体" panose="02010600040101010101" pitchFamily="2" charset="-122"/>
+                <a:ea typeface="华文楷体" panose="02010600040101010101" pitchFamily="2" charset="-122"/>
+              </a:rPr>
+              <a:t>常用的维护脚本</a:t>
+            </a:r>
+            <a:endParaRPr lang="en-US" altLang="zh-CN" sz="1600" dirty="0" smtClean="0">
+              <a:latin typeface="华文楷体" panose="02010600040101010101" pitchFamily="2" charset="-122"/>
+              <a:ea typeface="华文楷体" panose="02010600040101010101" pitchFamily="2" charset="-122"/>
+            </a:endParaRPr>
+          </a:p>
+          <a:p>
+            <a:r>
+              <a:rPr lang="en-US" altLang="zh-CN" sz="1600" dirty="0" smtClean="0">
+                <a:latin typeface="华文楷体" panose="02010600040101010101" pitchFamily="2" charset="-122"/>
+                <a:ea typeface="华文楷体" panose="02010600040101010101" pitchFamily="2" charset="-122"/>
+              </a:rPr>
+              <a:t>#</a:t>
+            </a:r>
+            <a:r>
+              <a:rPr lang="zh-CN" altLang="en-US" sz="1600" dirty="0" smtClean="0">
+                <a:latin typeface="华文楷体" panose="02010600040101010101" pitchFamily="2" charset="-122"/>
+                <a:ea typeface="华文楷体" panose="02010600040101010101" pitchFamily="2" charset="-122"/>
+              </a:rPr>
+              <a:t>检查主从</a:t>
+            </a:r>
+            <a:r>
+              <a:rPr lang="en-US" altLang="zh-CN" sz="1600" dirty="0" err="1" smtClean="0">
+                <a:latin typeface="华文楷体" panose="02010600040101010101" pitchFamily="2" charset="-122"/>
+                <a:ea typeface="华文楷体" panose="02010600040101010101" pitchFamily="2" charset="-122"/>
+              </a:rPr>
+              <a:t>ssh</a:t>
+            </a:r>
+            <a:r>
+              <a:rPr lang="zh-CN" altLang="en-US" sz="1600" dirty="0" smtClean="0">
+                <a:latin typeface="华文楷体" panose="02010600040101010101" pitchFamily="2" charset="-122"/>
+                <a:ea typeface="华文楷体" panose="02010600040101010101" pitchFamily="2" charset="-122"/>
+              </a:rPr>
+              <a:t>情况</a:t>
+            </a:r>
+            <a:endParaRPr lang="en-US" altLang="zh-CN" sz="1600" dirty="0" smtClean="0">
+              <a:latin typeface="华文楷体" panose="02010600040101010101" pitchFamily="2" charset="-122"/>
+              <a:ea typeface="华文楷体" panose="02010600040101010101" pitchFamily="2" charset="-122"/>
+            </a:endParaRPr>
+          </a:p>
+          <a:p>
+            <a:r>
+              <a:rPr lang="en-US" altLang="zh-CN" sz="1600" dirty="0" err="1">
+                <a:latin typeface="华文楷体" panose="02010600040101010101" pitchFamily="2" charset="-122"/>
+                <a:ea typeface="华文楷体" panose="02010600040101010101" pitchFamily="2" charset="-122"/>
+              </a:rPr>
+              <a:t>masterha_check_ssh</a:t>
+            </a:r>
+            <a:r>
+              <a:rPr lang="en-US" altLang="zh-CN" sz="1600" dirty="0">
+                <a:latin typeface="华文楷体" panose="02010600040101010101" pitchFamily="2" charset="-122"/>
+                <a:ea typeface="华文楷体" panose="02010600040101010101" pitchFamily="2" charset="-122"/>
+              </a:rPr>
+              <a:t> --</a:t>
+            </a:r>
+            <a:r>
+              <a:rPr lang="en-US" altLang="zh-CN" sz="1600" dirty="0" err="1">
+                <a:latin typeface="华文楷体" panose="02010600040101010101" pitchFamily="2" charset="-122"/>
+                <a:ea typeface="华文楷体" panose="02010600040101010101" pitchFamily="2" charset="-122"/>
+              </a:rPr>
+              <a:t>conf</a:t>
+            </a:r>
+            <a:r>
+              <a:rPr lang="en-US" altLang="zh-CN" sz="1600" dirty="0">
+                <a:latin typeface="华文楷体" panose="02010600040101010101" pitchFamily="2" charset="-122"/>
+                <a:ea typeface="华文楷体" panose="02010600040101010101" pitchFamily="2" charset="-122"/>
+              </a:rPr>
+              <a:t>=/</a:t>
+            </a:r>
+            <a:r>
+              <a:rPr lang="en-US" altLang="zh-CN" sz="1600" dirty="0" err="1" smtClean="0">
+                <a:latin typeface="华文楷体" panose="02010600040101010101" pitchFamily="2" charset="-122"/>
+                <a:ea typeface="华文楷体" panose="02010600040101010101" pitchFamily="2" charset="-122"/>
+              </a:rPr>
+              <a:t>etc</a:t>
+            </a:r>
+            <a:r>
+              <a:rPr lang="en-US" altLang="zh-CN" sz="1600" dirty="0" smtClean="0">
+                <a:latin typeface="华文楷体" panose="02010600040101010101" pitchFamily="2" charset="-122"/>
+                <a:ea typeface="华文楷体" panose="02010600040101010101" pitchFamily="2" charset="-122"/>
+              </a:rPr>
+              <a:t>/</a:t>
+            </a:r>
+            <a:r>
+              <a:rPr lang="en-US" altLang="zh-CN" sz="1600" dirty="0" err="1" smtClean="0">
+                <a:latin typeface="华文楷体" panose="02010600040101010101" pitchFamily="2" charset="-122"/>
+                <a:ea typeface="华文楷体" panose="02010600040101010101" pitchFamily="2" charset="-122"/>
+              </a:rPr>
+              <a:t>masterha</a:t>
+            </a:r>
+            <a:r>
+              <a:rPr lang="en-US" altLang="zh-CN" sz="1600" dirty="0" smtClean="0">
+                <a:latin typeface="华文楷体" panose="02010600040101010101" pitchFamily="2" charset="-122"/>
+                <a:ea typeface="华文楷体" panose="02010600040101010101" pitchFamily="2" charset="-122"/>
+              </a:rPr>
+              <a:t>/app1.cnf</a:t>
+            </a:r>
+          </a:p>
+          <a:p>
+            <a:endParaRPr lang="en-US" altLang="zh-CN" sz="1600" dirty="0">
+              <a:latin typeface="华文楷体" panose="02010600040101010101" pitchFamily="2" charset="-122"/>
+              <a:ea typeface="华文楷体" panose="02010600040101010101" pitchFamily="2" charset="-122"/>
+            </a:endParaRPr>
+          </a:p>
+          <a:p>
+            <a:r>
+              <a:rPr lang="en-US" altLang="zh-CN" sz="1600" dirty="0" smtClean="0">
+                <a:latin typeface="华文楷体" panose="02010600040101010101" pitchFamily="2" charset="-122"/>
+                <a:ea typeface="华文楷体" panose="02010600040101010101" pitchFamily="2" charset="-122"/>
+              </a:rPr>
+              <a:t>#</a:t>
+            </a:r>
+            <a:r>
+              <a:rPr lang="zh-CN" altLang="en-US" sz="1600" dirty="0" smtClean="0">
+                <a:latin typeface="华文楷体" panose="02010600040101010101" pitchFamily="2" charset="-122"/>
+                <a:ea typeface="华文楷体" panose="02010600040101010101" pitchFamily="2" charset="-122"/>
+              </a:rPr>
+              <a:t>检查主从复制状况</a:t>
+            </a:r>
+            <a:endParaRPr lang="en-US" altLang="zh-CN" sz="1600" dirty="0" smtClean="0">
+              <a:latin typeface="华文楷体" panose="02010600040101010101" pitchFamily="2" charset="-122"/>
+              <a:ea typeface="华文楷体" panose="02010600040101010101" pitchFamily="2" charset="-122"/>
+            </a:endParaRPr>
+          </a:p>
+          <a:p>
+            <a:r>
+              <a:rPr lang="en-US" altLang="zh-CN" sz="1600" dirty="0" err="1">
+                <a:latin typeface="华文楷体" panose="02010600040101010101" pitchFamily="2" charset="-122"/>
+                <a:ea typeface="华文楷体" panose="02010600040101010101" pitchFamily="2" charset="-122"/>
+              </a:rPr>
+              <a:t>masterha_check_repl</a:t>
+            </a:r>
+            <a:r>
+              <a:rPr lang="en-US" altLang="zh-CN" sz="1600" dirty="0">
+                <a:latin typeface="华文楷体" panose="02010600040101010101" pitchFamily="2" charset="-122"/>
+                <a:ea typeface="华文楷体" panose="02010600040101010101" pitchFamily="2" charset="-122"/>
+              </a:rPr>
+              <a:t>  --</a:t>
+            </a:r>
+            <a:r>
+              <a:rPr lang="en-US" altLang="zh-CN" sz="1600" dirty="0" err="1">
+                <a:latin typeface="华文楷体" panose="02010600040101010101" pitchFamily="2" charset="-122"/>
+                <a:ea typeface="华文楷体" panose="02010600040101010101" pitchFamily="2" charset="-122"/>
+              </a:rPr>
+              <a:t>conf</a:t>
+            </a:r>
+            <a:r>
+              <a:rPr lang="en-US" altLang="zh-CN" sz="1600" dirty="0">
+                <a:latin typeface="华文楷体" panose="02010600040101010101" pitchFamily="2" charset="-122"/>
+                <a:ea typeface="华文楷体" panose="02010600040101010101" pitchFamily="2" charset="-122"/>
+              </a:rPr>
+              <a:t>=/</a:t>
+            </a:r>
+            <a:r>
+              <a:rPr lang="en-US" altLang="zh-CN" sz="1600" dirty="0" err="1" smtClean="0">
+                <a:latin typeface="华文楷体" panose="02010600040101010101" pitchFamily="2" charset="-122"/>
+                <a:ea typeface="华文楷体" panose="02010600040101010101" pitchFamily="2" charset="-122"/>
+              </a:rPr>
+              <a:t>etc</a:t>
+            </a:r>
+            <a:r>
+              <a:rPr lang="en-US" altLang="zh-CN" sz="1600" dirty="0" smtClean="0">
+                <a:latin typeface="华文楷体" panose="02010600040101010101" pitchFamily="2" charset="-122"/>
+                <a:ea typeface="华文楷体" panose="02010600040101010101" pitchFamily="2" charset="-122"/>
+              </a:rPr>
+              <a:t>/</a:t>
+            </a:r>
+            <a:r>
+              <a:rPr lang="en-US" altLang="zh-CN" sz="1600" dirty="0" err="1" smtClean="0">
+                <a:latin typeface="华文楷体" panose="02010600040101010101" pitchFamily="2" charset="-122"/>
+                <a:ea typeface="华文楷体" panose="02010600040101010101" pitchFamily="2" charset="-122"/>
+              </a:rPr>
+              <a:t>masterha</a:t>
+            </a:r>
+            <a:r>
+              <a:rPr lang="en-US" altLang="zh-CN" sz="1600" dirty="0" smtClean="0">
+                <a:latin typeface="华文楷体" panose="02010600040101010101" pitchFamily="2" charset="-122"/>
+                <a:ea typeface="华文楷体" panose="02010600040101010101" pitchFamily="2" charset="-122"/>
+              </a:rPr>
+              <a:t>/app1.cnf</a:t>
+            </a:r>
+          </a:p>
+          <a:p>
+            <a:endParaRPr lang="en-US" altLang="zh-CN" sz="1600" dirty="0" smtClean="0">
+              <a:latin typeface="华文楷体" panose="02010600040101010101" pitchFamily="2" charset="-122"/>
+              <a:ea typeface="华文楷体" panose="02010600040101010101" pitchFamily="2" charset="-122"/>
+            </a:endParaRPr>
+          </a:p>
+          <a:p>
+            <a:r>
+              <a:rPr lang="en-US" altLang="zh-CN" sz="1600" dirty="0" smtClean="0">
+                <a:latin typeface="华文楷体" panose="02010600040101010101" pitchFamily="2" charset="-122"/>
+                <a:ea typeface="华文楷体" panose="02010600040101010101" pitchFamily="2" charset="-122"/>
+              </a:rPr>
+              <a:t>#</a:t>
+            </a:r>
+            <a:r>
+              <a:rPr lang="zh-CN" altLang="en-US" sz="1600" dirty="0" smtClean="0">
+                <a:latin typeface="华文楷体" panose="02010600040101010101" pitchFamily="2" charset="-122"/>
+                <a:ea typeface="华文楷体" panose="02010600040101010101" pitchFamily="2" charset="-122"/>
+              </a:rPr>
+              <a:t>手动在线切换主从数据库（应用在数据库升级，更换主库硬件等情况，或者主库修复完毕以后恢复原有的主从复制关系）</a:t>
+            </a:r>
+            <a:endParaRPr lang="en-US" altLang="zh-CN" sz="1600" dirty="0">
+              <a:latin typeface="华文楷体" panose="02010600040101010101" pitchFamily="2" charset="-122"/>
+              <a:ea typeface="华文楷体" panose="02010600040101010101" pitchFamily="2" charset="-122"/>
+            </a:endParaRPr>
+          </a:p>
+          <a:p>
+            <a:r>
+              <a:rPr lang="en-US" altLang="zh-CN" sz="1600" dirty="0" err="1">
+                <a:latin typeface="华文楷体" panose="02010600040101010101" pitchFamily="2" charset="-122"/>
+                <a:ea typeface="华文楷体" panose="02010600040101010101" pitchFamily="2" charset="-122"/>
+              </a:rPr>
+              <a:t>masterha_master_switch</a:t>
+            </a:r>
+            <a:r>
+              <a:rPr lang="en-US" altLang="zh-CN" sz="1600" dirty="0">
+                <a:latin typeface="华文楷体" panose="02010600040101010101" pitchFamily="2" charset="-122"/>
+                <a:ea typeface="华文楷体" panose="02010600040101010101" pitchFamily="2" charset="-122"/>
+              </a:rPr>
+              <a:t>   --</a:t>
+            </a:r>
+            <a:r>
+              <a:rPr lang="en-US" altLang="zh-CN" sz="1600" dirty="0" err="1">
+                <a:latin typeface="华文楷体" panose="02010600040101010101" pitchFamily="2" charset="-122"/>
+                <a:ea typeface="华文楷体" panose="02010600040101010101" pitchFamily="2" charset="-122"/>
+              </a:rPr>
+              <a:t>conf</a:t>
+            </a:r>
+            <a:r>
+              <a:rPr lang="en-US" altLang="zh-CN" sz="1600" dirty="0">
+                <a:latin typeface="华文楷体" panose="02010600040101010101" pitchFamily="2" charset="-122"/>
+                <a:ea typeface="华文楷体" panose="02010600040101010101" pitchFamily="2" charset="-122"/>
+              </a:rPr>
+              <a:t>=/</a:t>
+            </a:r>
+            <a:r>
+              <a:rPr lang="en-US" altLang="zh-CN" sz="1600" dirty="0" err="1">
+                <a:latin typeface="华文楷体" panose="02010600040101010101" pitchFamily="2" charset="-122"/>
+                <a:ea typeface="华文楷体" panose="02010600040101010101" pitchFamily="2" charset="-122"/>
+              </a:rPr>
+              <a:t>etc</a:t>
+            </a:r>
+            <a:r>
+              <a:rPr lang="en-US" altLang="zh-CN" sz="1600" dirty="0">
+                <a:latin typeface="华文楷体" panose="02010600040101010101" pitchFamily="2" charset="-122"/>
+                <a:ea typeface="华文楷体" panose="02010600040101010101" pitchFamily="2" charset="-122"/>
+              </a:rPr>
+              <a:t>/</a:t>
+            </a:r>
+            <a:r>
+              <a:rPr lang="en-US" altLang="zh-CN" sz="1600" dirty="0" err="1">
+                <a:latin typeface="华文楷体" panose="02010600040101010101" pitchFamily="2" charset="-122"/>
+                <a:ea typeface="华文楷体" panose="02010600040101010101" pitchFamily="2" charset="-122"/>
+              </a:rPr>
+              <a:t>masterha</a:t>
+            </a:r>
+            <a:r>
+              <a:rPr lang="en-US" altLang="zh-CN" sz="1600" dirty="0">
+                <a:latin typeface="华文楷体" panose="02010600040101010101" pitchFamily="2" charset="-122"/>
+                <a:ea typeface="华文楷体" panose="02010600040101010101" pitchFamily="2" charset="-122"/>
+              </a:rPr>
+              <a:t>/app1.cnf --</a:t>
+            </a:r>
+            <a:r>
+              <a:rPr lang="en-US" altLang="zh-CN" sz="1600" dirty="0" err="1">
+                <a:latin typeface="华文楷体" panose="02010600040101010101" pitchFamily="2" charset="-122"/>
+                <a:ea typeface="华文楷体" panose="02010600040101010101" pitchFamily="2" charset="-122"/>
+              </a:rPr>
+              <a:t>master_state</a:t>
+            </a:r>
+            <a:r>
+              <a:rPr lang="en-US" altLang="zh-CN" sz="1600" dirty="0">
+                <a:latin typeface="华文楷体" panose="02010600040101010101" pitchFamily="2" charset="-122"/>
+                <a:ea typeface="华文楷体" panose="02010600040101010101" pitchFamily="2" charset="-122"/>
+              </a:rPr>
+              <a:t>=alive --</a:t>
+            </a:r>
+            <a:r>
+              <a:rPr lang="en-US" altLang="zh-CN" sz="1600" dirty="0" err="1">
+                <a:latin typeface="华文楷体" panose="02010600040101010101" pitchFamily="2" charset="-122"/>
+                <a:ea typeface="华文楷体" panose="02010600040101010101" pitchFamily="2" charset="-122"/>
+              </a:rPr>
+              <a:t>new_master_host</a:t>
+            </a:r>
+            <a:r>
+              <a:rPr lang="en-US" altLang="zh-CN" sz="1600" dirty="0">
+                <a:latin typeface="华文楷体" panose="02010600040101010101" pitchFamily="2" charset="-122"/>
+                <a:ea typeface="华文楷体" panose="02010600040101010101" pitchFamily="2" charset="-122"/>
+              </a:rPr>
+              <a:t>=10.150.21.162 --</a:t>
+            </a:r>
+            <a:r>
+              <a:rPr lang="en-US" altLang="zh-CN" sz="1600" dirty="0" err="1">
+                <a:latin typeface="华文楷体" panose="02010600040101010101" pitchFamily="2" charset="-122"/>
+                <a:ea typeface="华文楷体" panose="02010600040101010101" pitchFamily="2" charset="-122"/>
+              </a:rPr>
+              <a:t>new_master_port</a:t>
+            </a:r>
+            <a:r>
+              <a:rPr lang="en-US" altLang="zh-CN" sz="1600" dirty="0">
+                <a:latin typeface="华文楷体" panose="02010600040101010101" pitchFamily="2" charset="-122"/>
+                <a:ea typeface="华文楷体" panose="02010600040101010101" pitchFamily="2" charset="-122"/>
+              </a:rPr>
+              <a:t>=3306  --</a:t>
+            </a:r>
+            <a:r>
+              <a:rPr lang="en-US" altLang="zh-CN" sz="1600" dirty="0" err="1">
+                <a:latin typeface="华文楷体" panose="02010600040101010101" pitchFamily="2" charset="-122"/>
+                <a:ea typeface="华文楷体" panose="02010600040101010101" pitchFamily="2" charset="-122"/>
+              </a:rPr>
+              <a:t>orig_master_is_new_slave</a:t>
+            </a:r>
+            <a:r>
+              <a:rPr lang="en-US" altLang="zh-CN" sz="1600" dirty="0">
+                <a:latin typeface="华文楷体" panose="02010600040101010101" pitchFamily="2" charset="-122"/>
+                <a:ea typeface="华文楷体" panose="02010600040101010101" pitchFamily="2" charset="-122"/>
+              </a:rPr>
+              <a:t> --</a:t>
+            </a:r>
+            <a:r>
+              <a:rPr lang="en-US" altLang="zh-CN" sz="1600" dirty="0" err="1" smtClean="0">
+                <a:latin typeface="华文楷体" panose="02010600040101010101" pitchFamily="2" charset="-122"/>
+                <a:ea typeface="华文楷体" panose="02010600040101010101" pitchFamily="2" charset="-122"/>
+              </a:rPr>
+              <a:t>running_updates_limit</a:t>
+            </a:r>
+            <a:r>
+              <a:rPr lang="en-US" altLang="zh-CN" sz="1600" dirty="0" smtClean="0">
+                <a:latin typeface="华文楷体" panose="02010600040101010101" pitchFamily="2" charset="-122"/>
+                <a:ea typeface="华文楷体" panose="02010600040101010101" pitchFamily="2" charset="-122"/>
+              </a:rPr>
+              <a:t>=10000</a:t>
+            </a:r>
+          </a:p>
+          <a:p>
+            <a:endParaRPr lang="en-US" altLang="zh-CN" sz="1600" dirty="0">
+              <a:latin typeface="华文楷体" panose="02010600040101010101" pitchFamily="2" charset="-122"/>
+              <a:ea typeface="华文楷体" panose="02010600040101010101" pitchFamily="2" charset="-122"/>
+            </a:endParaRPr>
+          </a:p>
+          <a:p>
+            <a:r>
+              <a:rPr lang="en-US" altLang="zh-CN" sz="1600" dirty="0" smtClean="0">
+                <a:latin typeface="华文楷体" panose="02010600040101010101" pitchFamily="2" charset="-122"/>
+                <a:ea typeface="华文楷体" panose="02010600040101010101" pitchFamily="2" charset="-122"/>
+              </a:rPr>
+              <a:t>#</a:t>
+            </a:r>
+            <a:r>
+              <a:rPr lang="zh-CN" altLang="en-US" sz="1600" dirty="0" smtClean="0">
+                <a:latin typeface="华文楷体" panose="02010600040101010101" pitchFamily="2" charset="-122"/>
+                <a:ea typeface="华文楷体" panose="02010600040101010101" pitchFamily="2" charset="-122"/>
+              </a:rPr>
+              <a:t>启动</a:t>
+            </a:r>
+            <a:r>
+              <a:rPr lang="en-US" altLang="zh-CN" sz="1600" dirty="0" err="1" smtClean="0">
+                <a:latin typeface="华文楷体" panose="02010600040101010101" pitchFamily="2" charset="-122"/>
+                <a:ea typeface="华文楷体" panose="02010600040101010101" pitchFamily="2" charset="-122"/>
+              </a:rPr>
+              <a:t>mha</a:t>
+            </a:r>
+            <a:r>
+              <a:rPr lang="zh-CN" altLang="en-US" sz="1600" dirty="0" smtClean="0">
+                <a:latin typeface="华文楷体" panose="02010600040101010101" pitchFamily="2" charset="-122"/>
+                <a:ea typeface="华文楷体" panose="02010600040101010101" pitchFamily="2" charset="-122"/>
+              </a:rPr>
+              <a:t>进行主从复制管理</a:t>
+            </a:r>
+            <a:endParaRPr lang="en-US" altLang="zh-CN" sz="1600" dirty="0" smtClean="0">
+              <a:latin typeface="华文楷体" panose="02010600040101010101" pitchFamily="2" charset="-122"/>
+              <a:ea typeface="华文楷体" panose="02010600040101010101" pitchFamily="2" charset="-122"/>
+            </a:endParaRPr>
+          </a:p>
+          <a:p>
+            <a:r>
+              <a:rPr lang="en-US" altLang="zh-CN" sz="1600" dirty="0" err="1">
+                <a:latin typeface="华文楷体" panose="02010600040101010101" pitchFamily="2" charset="-122"/>
+                <a:ea typeface="华文楷体" panose="02010600040101010101" pitchFamily="2" charset="-122"/>
+              </a:rPr>
+              <a:t>nohup</a:t>
+            </a:r>
+            <a:r>
+              <a:rPr lang="en-US" altLang="zh-CN" sz="1600" dirty="0">
+                <a:latin typeface="华文楷体" panose="02010600040101010101" pitchFamily="2" charset="-122"/>
+                <a:ea typeface="华文楷体" panose="02010600040101010101" pitchFamily="2" charset="-122"/>
+              </a:rPr>
+              <a:t> </a:t>
+            </a:r>
+            <a:r>
+              <a:rPr lang="en-US" altLang="zh-CN" sz="1600" dirty="0" err="1">
+                <a:latin typeface="华文楷体" panose="02010600040101010101" pitchFamily="2" charset="-122"/>
+                <a:ea typeface="华文楷体" panose="02010600040101010101" pitchFamily="2" charset="-122"/>
+              </a:rPr>
+              <a:t>masterha_manager</a:t>
+            </a:r>
+            <a:r>
+              <a:rPr lang="en-US" altLang="zh-CN" sz="1600" dirty="0">
+                <a:latin typeface="华文楷体" panose="02010600040101010101" pitchFamily="2" charset="-122"/>
+                <a:ea typeface="华文楷体" panose="02010600040101010101" pitchFamily="2" charset="-122"/>
+              </a:rPr>
+              <a:t>  --</a:t>
+            </a:r>
+            <a:r>
+              <a:rPr lang="en-US" altLang="zh-CN" sz="1600" dirty="0" err="1">
+                <a:latin typeface="华文楷体" panose="02010600040101010101" pitchFamily="2" charset="-122"/>
+                <a:ea typeface="华文楷体" panose="02010600040101010101" pitchFamily="2" charset="-122"/>
+              </a:rPr>
+              <a:t>conf</a:t>
+            </a:r>
+            <a:r>
+              <a:rPr lang="en-US" altLang="zh-CN" sz="1600" dirty="0">
+                <a:latin typeface="华文楷体" panose="02010600040101010101" pitchFamily="2" charset="-122"/>
+                <a:ea typeface="华文楷体" panose="02010600040101010101" pitchFamily="2" charset="-122"/>
+              </a:rPr>
+              <a:t>=/</a:t>
+            </a:r>
+            <a:r>
+              <a:rPr lang="en-US" altLang="zh-CN" sz="1600" dirty="0" err="1">
+                <a:latin typeface="华文楷体" panose="02010600040101010101" pitchFamily="2" charset="-122"/>
+                <a:ea typeface="华文楷体" panose="02010600040101010101" pitchFamily="2" charset="-122"/>
+              </a:rPr>
+              <a:t>etc</a:t>
+            </a:r>
+            <a:r>
+              <a:rPr lang="en-US" altLang="zh-CN" sz="1600" dirty="0">
+                <a:latin typeface="华文楷体" panose="02010600040101010101" pitchFamily="2" charset="-122"/>
+                <a:ea typeface="华文楷体" panose="02010600040101010101" pitchFamily="2" charset="-122"/>
+              </a:rPr>
+              <a:t>/</a:t>
+            </a:r>
+            <a:r>
+              <a:rPr lang="en-US" altLang="zh-CN" sz="1600" dirty="0" err="1">
+                <a:latin typeface="华文楷体" panose="02010600040101010101" pitchFamily="2" charset="-122"/>
+                <a:ea typeface="华文楷体" panose="02010600040101010101" pitchFamily="2" charset="-122"/>
+              </a:rPr>
+              <a:t>masterha</a:t>
+            </a:r>
+            <a:r>
+              <a:rPr lang="en-US" altLang="zh-CN" sz="1600" dirty="0">
+                <a:latin typeface="华文楷体" panose="02010600040101010101" pitchFamily="2" charset="-122"/>
+                <a:ea typeface="华文楷体" panose="02010600040101010101" pitchFamily="2" charset="-122"/>
+              </a:rPr>
+              <a:t>/app1.cnf &gt; /</a:t>
+            </a:r>
+            <a:r>
+              <a:rPr lang="en-US" altLang="zh-CN" sz="1600" dirty="0" err="1">
+                <a:latin typeface="华文楷体" panose="02010600040101010101" pitchFamily="2" charset="-122"/>
+                <a:ea typeface="华文楷体" panose="02010600040101010101" pitchFamily="2" charset="-122"/>
+              </a:rPr>
+              <a:t>etc</a:t>
+            </a:r>
+            <a:r>
+              <a:rPr lang="en-US" altLang="zh-CN" sz="1600" dirty="0">
+                <a:latin typeface="华文楷体" panose="02010600040101010101" pitchFamily="2" charset="-122"/>
+                <a:ea typeface="华文楷体" panose="02010600040101010101" pitchFamily="2" charset="-122"/>
+              </a:rPr>
+              <a:t>/</a:t>
+            </a:r>
+            <a:r>
+              <a:rPr lang="en-US" altLang="zh-CN" sz="1600" dirty="0" err="1">
+                <a:latin typeface="华文楷体" panose="02010600040101010101" pitchFamily="2" charset="-122"/>
+                <a:ea typeface="华文楷体" panose="02010600040101010101" pitchFamily="2" charset="-122"/>
+              </a:rPr>
+              <a:t>masterha</a:t>
+            </a:r>
+            <a:r>
+              <a:rPr lang="en-US" altLang="zh-CN" sz="1600" dirty="0">
+                <a:latin typeface="华文楷体" panose="02010600040101010101" pitchFamily="2" charset="-122"/>
+                <a:ea typeface="华文楷体" panose="02010600040101010101" pitchFamily="2" charset="-122"/>
+              </a:rPr>
+              <a:t>/</a:t>
+            </a:r>
+            <a:r>
+              <a:rPr lang="en-US" altLang="zh-CN" sz="1600" dirty="0" err="1">
+                <a:latin typeface="华文楷体" panose="02010600040101010101" pitchFamily="2" charset="-122"/>
+                <a:ea typeface="华文楷体" panose="02010600040101010101" pitchFamily="2" charset="-122"/>
+              </a:rPr>
+              <a:t>masterlogs</a:t>
+            </a:r>
+            <a:r>
+              <a:rPr lang="en-US" altLang="zh-CN" sz="1600" dirty="0">
+                <a:latin typeface="华文楷体" panose="02010600040101010101" pitchFamily="2" charset="-122"/>
+                <a:ea typeface="华文楷体" panose="02010600040101010101" pitchFamily="2" charset="-122"/>
+              </a:rPr>
+              <a:t>/manager_cnf1.log  2&gt;&amp;1 </a:t>
+            </a:r>
+            <a:r>
+              <a:rPr lang="en-US" altLang="zh-CN" sz="1600" dirty="0" smtClean="0">
+                <a:latin typeface="华文楷体" panose="02010600040101010101" pitchFamily="2" charset="-122"/>
+                <a:ea typeface="华文楷体" panose="02010600040101010101" pitchFamily="2" charset="-122"/>
+              </a:rPr>
+              <a:t>&amp;</a:t>
+            </a:r>
+          </a:p>
+          <a:p>
+            <a:endParaRPr lang="en-US" altLang="zh-CN" sz="1600" dirty="0">
+              <a:latin typeface="华文楷体" panose="02010600040101010101" pitchFamily="2" charset="-122"/>
+              <a:ea typeface="华文楷体" panose="02010600040101010101" pitchFamily="2" charset="-122"/>
+            </a:endParaRPr>
+          </a:p>
+          <a:p>
+            <a:r>
+              <a:rPr lang="en-US" altLang="zh-CN" sz="1600" dirty="0" smtClean="0">
+                <a:latin typeface="华文楷体" panose="02010600040101010101" pitchFamily="2" charset="-122"/>
+                <a:ea typeface="华文楷体" panose="02010600040101010101" pitchFamily="2" charset="-122"/>
+              </a:rPr>
+              <a:t>#</a:t>
+            </a:r>
+            <a:r>
+              <a:rPr lang="zh-CN" altLang="en-US" sz="1600" dirty="0" smtClean="0">
+                <a:latin typeface="华文楷体" panose="02010600040101010101" pitchFamily="2" charset="-122"/>
+                <a:ea typeface="华文楷体" panose="02010600040101010101" pitchFamily="2" charset="-122"/>
+              </a:rPr>
+              <a:t>检查</a:t>
+            </a:r>
+            <a:r>
+              <a:rPr lang="en-US" altLang="zh-CN" sz="1600" dirty="0" err="1" smtClean="0">
+                <a:latin typeface="华文楷体" panose="02010600040101010101" pitchFamily="2" charset="-122"/>
+                <a:ea typeface="华文楷体" panose="02010600040101010101" pitchFamily="2" charset="-122"/>
+              </a:rPr>
+              <a:t>mha_manager</a:t>
+            </a:r>
+            <a:r>
+              <a:rPr lang="zh-CN" altLang="en-US" sz="1600" dirty="0" smtClean="0">
+                <a:latin typeface="华文楷体" panose="02010600040101010101" pitchFamily="2" charset="-122"/>
+                <a:ea typeface="华文楷体" panose="02010600040101010101" pitchFamily="2" charset="-122"/>
+              </a:rPr>
+              <a:t>管理进程是否还在，状态是否正常</a:t>
+            </a:r>
+            <a:endParaRPr lang="en-US" altLang="zh-CN" sz="1600" dirty="0" smtClean="0">
+              <a:latin typeface="华文楷体" panose="02010600040101010101" pitchFamily="2" charset="-122"/>
+              <a:ea typeface="华文楷体" panose="02010600040101010101" pitchFamily="2" charset="-122"/>
+            </a:endParaRPr>
+          </a:p>
+          <a:p>
+            <a:r>
+              <a:rPr lang="en-US" altLang="zh-CN" sz="1600" dirty="0">
+                <a:latin typeface="华文楷体" panose="02010600040101010101" pitchFamily="2" charset="-122"/>
+                <a:ea typeface="华文楷体" panose="02010600040101010101" pitchFamily="2" charset="-122"/>
+              </a:rPr>
+              <a:t> </a:t>
+            </a:r>
+            <a:r>
+              <a:rPr lang="en-US" altLang="zh-CN" sz="1600" dirty="0" err="1">
+                <a:latin typeface="华文楷体" panose="02010600040101010101" pitchFamily="2" charset="-122"/>
+                <a:ea typeface="华文楷体" panose="02010600040101010101" pitchFamily="2" charset="-122"/>
+              </a:rPr>
+              <a:t>masterha_check_status</a:t>
+            </a:r>
+            <a:r>
+              <a:rPr lang="en-US" altLang="zh-CN" sz="1600" dirty="0">
+                <a:latin typeface="华文楷体" panose="02010600040101010101" pitchFamily="2" charset="-122"/>
+                <a:ea typeface="华文楷体" panose="02010600040101010101" pitchFamily="2" charset="-122"/>
+              </a:rPr>
+              <a:t> --</a:t>
+            </a:r>
+            <a:r>
+              <a:rPr lang="en-US" altLang="zh-CN" sz="1600" dirty="0" err="1">
+                <a:latin typeface="华文楷体" panose="02010600040101010101" pitchFamily="2" charset="-122"/>
+                <a:ea typeface="华文楷体" panose="02010600040101010101" pitchFamily="2" charset="-122"/>
+              </a:rPr>
+              <a:t>conf</a:t>
+            </a:r>
+            <a:r>
+              <a:rPr lang="en-US" altLang="zh-CN" sz="1600" dirty="0">
+                <a:latin typeface="华文楷体" panose="02010600040101010101" pitchFamily="2" charset="-122"/>
+                <a:ea typeface="华文楷体" panose="02010600040101010101" pitchFamily="2" charset="-122"/>
+              </a:rPr>
+              <a:t>=/</a:t>
+            </a:r>
+            <a:r>
+              <a:rPr lang="en-US" altLang="zh-CN" sz="1600" dirty="0" err="1" smtClean="0">
+                <a:latin typeface="华文楷体" panose="02010600040101010101" pitchFamily="2" charset="-122"/>
+                <a:ea typeface="华文楷体" panose="02010600040101010101" pitchFamily="2" charset="-122"/>
+              </a:rPr>
+              <a:t>etc</a:t>
+            </a:r>
+            <a:r>
+              <a:rPr lang="en-US" altLang="zh-CN" sz="1600" dirty="0" smtClean="0">
+                <a:latin typeface="华文楷体" panose="02010600040101010101" pitchFamily="2" charset="-122"/>
+                <a:ea typeface="华文楷体" panose="02010600040101010101" pitchFamily="2" charset="-122"/>
+              </a:rPr>
+              <a:t>/</a:t>
+            </a:r>
+            <a:r>
+              <a:rPr lang="en-US" altLang="zh-CN" sz="1600" dirty="0" err="1" smtClean="0">
+                <a:latin typeface="华文楷体" panose="02010600040101010101" pitchFamily="2" charset="-122"/>
+                <a:ea typeface="华文楷体" panose="02010600040101010101" pitchFamily="2" charset="-122"/>
+              </a:rPr>
+              <a:t>masterha</a:t>
+            </a:r>
+            <a:r>
+              <a:rPr lang="en-US" altLang="zh-CN" sz="1600" dirty="0" smtClean="0">
+                <a:latin typeface="华文楷体" panose="02010600040101010101" pitchFamily="2" charset="-122"/>
+                <a:ea typeface="华文楷体" panose="02010600040101010101" pitchFamily="2" charset="-122"/>
+              </a:rPr>
+              <a:t>/app1.cnf</a:t>
+            </a:r>
+          </a:p>
+          <a:p>
+            <a:endParaRPr lang="en-US" altLang="zh-CN" sz="1600" dirty="0">
+              <a:latin typeface="华文楷体" panose="02010600040101010101" pitchFamily="2" charset="-122"/>
+              <a:ea typeface="华文楷体" panose="02010600040101010101" pitchFamily="2" charset="-122"/>
+            </a:endParaRPr>
+          </a:p>
+          <a:p>
+            <a:r>
+              <a:rPr lang="en-US" altLang="zh-CN" sz="1600" dirty="0" smtClean="0">
+                <a:latin typeface="华文楷体" panose="02010600040101010101" pitchFamily="2" charset="-122"/>
+                <a:ea typeface="华文楷体" panose="02010600040101010101" pitchFamily="2" charset="-122"/>
+              </a:rPr>
+              <a:t>#</a:t>
+            </a:r>
+            <a:r>
+              <a:rPr lang="zh-CN" altLang="en-US" sz="1600" dirty="0" smtClean="0">
+                <a:latin typeface="华文楷体" panose="02010600040101010101" pitchFamily="2" charset="-122"/>
+                <a:ea typeface="华文楷体" panose="02010600040101010101" pitchFamily="2" charset="-122"/>
+              </a:rPr>
+              <a:t>关闭</a:t>
+            </a:r>
+            <a:r>
+              <a:rPr lang="en-US" altLang="zh-CN" sz="1600" dirty="0" err="1" smtClean="0">
+                <a:latin typeface="华文楷体" panose="02010600040101010101" pitchFamily="2" charset="-122"/>
+                <a:ea typeface="华文楷体" panose="02010600040101010101" pitchFamily="2" charset="-122"/>
+              </a:rPr>
+              <a:t>mha_manager</a:t>
+            </a:r>
+            <a:r>
+              <a:rPr lang="zh-CN" altLang="en-US" sz="1600" dirty="0" smtClean="0">
+                <a:latin typeface="华文楷体" panose="02010600040101010101" pitchFamily="2" charset="-122"/>
+                <a:ea typeface="华文楷体" panose="02010600040101010101" pitchFamily="2" charset="-122"/>
+              </a:rPr>
+              <a:t>管理进程</a:t>
+            </a:r>
+            <a:endParaRPr lang="en-US" altLang="zh-CN" sz="1600" dirty="0" smtClean="0">
+              <a:latin typeface="华文楷体" panose="02010600040101010101" pitchFamily="2" charset="-122"/>
+              <a:ea typeface="华文楷体" panose="02010600040101010101" pitchFamily="2" charset="-122"/>
+            </a:endParaRPr>
+          </a:p>
+          <a:p>
+            <a:r>
+              <a:rPr lang="en-US" altLang="zh-CN" sz="1600" dirty="0" err="1">
+                <a:latin typeface="华文楷体" panose="02010600040101010101" pitchFamily="2" charset="-122"/>
+                <a:ea typeface="华文楷体" panose="02010600040101010101" pitchFamily="2" charset="-122"/>
+              </a:rPr>
+              <a:t>masterha_stop</a:t>
+            </a:r>
+            <a:r>
+              <a:rPr lang="en-US" altLang="zh-CN" sz="1600" dirty="0">
+                <a:latin typeface="华文楷体" panose="02010600040101010101" pitchFamily="2" charset="-122"/>
+                <a:ea typeface="华文楷体" panose="02010600040101010101" pitchFamily="2" charset="-122"/>
+              </a:rPr>
+              <a:t>  --</a:t>
+            </a:r>
+            <a:r>
+              <a:rPr lang="en-US" altLang="zh-CN" sz="1600" dirty="0" err="1">
+                <a:latin typeface="华文楷体" panose="02010600040101010101" pitchFamily="2" charset="-122"/>
+                <a:ea typeface="华文楷体" panose="02010600040101010101" pitchFamily="2" charset="-122"/>
+              </a:rPr>
+              <a:t>conf</a:t>
+            </a:r>
+            <a:r>
+              <a:rPr lang="en-US" altLang="zh-CN" sz="1600" dirty="0">
+                <a:latin typeface="华文楷体" panose="02010600040101010101" pitchFamily="2" charset="-122"/>
+                <a:ea typeface="华文楷体" panose="02010600040101010101" pitchFamily="2" charset="-122"/>
+              </a:rPr>
+              <a:t>=/</a:t>
+            </a:r>
+            <a:r>
+              <a:rPr lang="en-US" altLang="zh-CN" sz="1600" dirty="0" err="1" smtClean="0">
+                <a:latin typeface="华文楷体" panose="02010600040101010101" pitchFamily="2" charset="-122"/>
+                <a:ea typeface="华文楷体" panose="02010600040101010101" pitchFamily="2" charset="-122"/>
+              </a:rPr>
+              <a:t>etc</a:t>
+            </a:r>
+            <a:r>
+              <a:rPr lang="en-US" altLang="zh-CN" sz="1600" dirty="0" smtClean="0">
+                <a:latin typeface="华文楷体" panose="02010600040101010101" pitchFamily="2" charset="-122"/>
+                <a:ea typeface="华文楷体" panose="02010600040101010101" pitchFamily="2" charset="-122"/>
+              </a:rPr>
+              <a:t>/</a:t>
+            </a:r>
+            <a:r>
+              <a:rPr lang="en-US" altLang="zh-CN" sz="1600" dirty="0" err="1" smtClean="0">
+                <a:latin typeface="华文楷体" panose="02010600040101010101" pitchFamily="2" charset="-122"/>
+                <a:ea typeface="华文楷体" panose="02010600040101010101" pitchFamily="2" charset="-122"/>
+              </a:rPr>
+              <a:t>masterha</a:t>
+            </a:r>
+            <a:r>
+              <a:rPr lang="en-US" altLang="zh-CN" sz="1600" dirty="0" smtClean="0">
+                <a:latin typeface="华文楷体" panose="02010600040101010101" pitchFamily="2" charset="-122"/>
+                <a:ea typeface="华文楷体" panose="02010600040101010101" pitchFamily="2" charset="-122"/>
+              </a:rPr>
+              <a:t>/app1.cnf</a:t>
+            </a:r>
+          </a:p>
+          <a:p>
+            <a:endParaRPr lang="en-US" altLang="zh-CN" sz="1600" dirty="0">
+              <a:latin typeface="华文楷体" panose="02010600040101010101" pitchFamily="2" charset="-122"/>
+              <a:ea typeface="华文楷体" panose="02010600040101010101" pitchFamily="2" charset="-122"/>
+            </a:endParaRPr>
+          </a:p>
+          <a:p>
+            <a:r>
+              <a:rPr lang="en-US" altLang="zh-CN" sz="1600" dirty="0" smtClean="0">
+                <a:latin typeface="华文楷体" panose="02010600040101010101" pitchFamily="2" charset="-122"/>
+                <a:ea typeface="华文楷体" panose="02010600040101010101" pitchFamily="2" charset="-122"/>
+              </a:rPr>
+              <a:t>#</a:t>
+            </a:r>
+            <a:r>
+              <a:rPr lang="zh-CN" altLang="en-US" sz="1600" dirty="0" smtClean="0">
+                <a:latin typeface="华文楷体" panose="02010600040101010101" pitchFamily="2" charset="-122"/>
+                <a:ea typeface="华文楷体" panose="02010600040101010101" pitchFamily="2" charset="-122"/>
+              </a:rPr>
+              <a:t>开启</a:t>
+            </a:r>
+            <a:r>
+              <a:rPr lang="en-US" altLang="zh-CN" sz="1600" dirty="0" err="1" smtClean="0">
+                <a:latin typeface="华文楷体" panose="02010600040101010101" pitchFamily="2" charset="-122"/>
+                <a:ea typeface="华文楷体" panose="02010600040101010101" pitchFamily="2" charset="-122"/>
+              </a:rPr>
+              <a:t>binlogserver</a:t>
+            </a:r>
+            <a:endParaRPr lang="en-US" altLang="zh-CN" sz="1600" dirty="0" smtClean="0">
+              <a:latin typeface="华文楷体" panose="02010600040101010101" pitchFamily="2" charset="-122"/>
+              <a:ea typeface="华文楷体" panose="02010600040101010101" pitchFamily="2" charset="-122"/>
+            </a:endParaRPr>
+          </a:p>
+          <a:p>
+            <a:r>
+              <a:rPr lang="en-US" altLang="zh-CN" sz="1600" dirty="0">
+                <a:latin typeface="华文楷体" panose="02010600040101010101" pitchFamily="2" charset="-122"/>
+                <a:ea typeface="华文楷体" panose="02010600040101010101" pitchFamily="2" charset="-122"/>
+              </a:rPr>
+              <a:t>./</a:t>
+            </a:r>
+            <a:r>
+              <a:rPr lang="en-US" altLang="zh-CN" sz="1600" dirty="0" err="1">
+                <a:latin typeface="华文楷体" panose="02010600040101010101" pitchFamily="2" charset="-122"/>
+                <a:ea typeface="华文楷体" panose="02010600040101010101" pitchFamily="2" charset="-122"/>
+              </a:rPr>
+              <a:t>mysqlbinlog</a:t>
+            </a:r>
+            <a:r>
+              <a:rPr lang="en-US" altLang="zh-CN" sz="1600" dirty="0">
+                <a:latin typeface="华文楷体" panose="02010600040101010101" pitchFamily="2" charset="-122"/>
+                <a:ea typeface="华文楷体" panose="02010600040101010101" pitchFamily="2" charset="-122"/>
+              </a:rPr>
+              <a:t> -R --raw --host=10.150.21.161 --user='root' --password='root' --stop-never mybinlog.000039 </a:t>
+            </a:r>
+            <a:r>
+              <a:rPr lang="en-US" altLang="zh-CN" sz="1600" dirty="0" smtClean="0">
+                <a:latin typeface="华文楷体" panose="02010600040101010101" pitchFamily="2" charset="-122"/>
+                <a:ea typeface="华文楷体" panose="02010600040101010101" pitchFamily="2" charset="-122"/>
+              </a:rPr>
+              <a:t>&amp;</a:t>
+            </a:r>
+          </a:p>
+          <a:p>
+            <a:endParaRPr lang="en-US" altLang="zh-CN" sz="1600" dirty="0">
+              <a:latin typeface="华文楷体" panose="02010600040101010101" pitchFamily="2" charset="-122"/>
+              <a:ea typeface="华文楷体" panose="02010600040101010101" pitchFamily="2" charset="-122"/>
+            </a:endParaRPr>
+          </a:p>
+          <a:p>
+            <a:r>
+              <a:rPr lang="en-US" altLang="zh-CN" sz="1600" dirty="0" smtClean="0">
+                <a:latin typeface="华文楷体" panose="02010600040101010101" pitchFamily="2" charset="-122"/>
+                <a:ea typeface="华文楷体" panose="02010600040101010101" pitchFamily="2" charset="-122"/>
+              </a:rPr>
+              <a:t>#</a:t>
+            </a:r>
+            <a:r>
+              <a:rPr lang="zh-CN" altLang="en-US" sz="1600" dirty="0" smtClean="0">
+                <a:latin typeface="华文楷体" panose="02010600040101010101" pitchFamily="2" charset="-122"/>
+                <a:ea typeface="华文楷体" panose="02010600040101010101" pitchFamily="2" charset="-122"/>
+              </a:rPr>
+              <a:t>演示下</a:t>
+            </a:r>
+            <a:r>
+              <a:rPr lang="en-US" altLang="zh-CN" sz="1600" dirty="0" err="1" smtClean="0">
+                <a:latin typeface="华文楷体" panose="02010600040101010101" pitchFamily="2" charset="-122"/>
+                <a:ea typeface="华文楷体" panose="02010600040101010101" pitchFamily="2" charset="-122"/>
+              </a:rPr>
+              <a:t>failover_ip</a:t>
+            </a:r>
+            <a:endParaRPr lang="en-US" altLang="zh-CN" sz="1600" dirty="0" smtClean="0">
+              <a:latin typeface="华文楷体" panose="02010600040101010101" pitchFamily="2" charset="-122"/>
+              <a:ea typeface="华文楷体" panose="02010600040101010101" pitchFamily="2" charset="-122"/>
+            </a:endParaRPr>
+          </a:p>
+          <a:p>
+            <a:endParaRPr lang="en-US" altLang="zh-CN" sz="1600" dirty="0">
+              <a:latin typeface="华文楷体" panose="02010600040101010101" pitchFamily="2" charset="-122"/>
+              <a:ea typeface="华文楷体" panose="02010600040101010101" pitchFamily="2" charset="-122"/>
+            </a:endParaRPr>
+          </a:p>
+          <a:p>
+            <a:endParaRPr lang="en-US" altLang="zh-CN" sz="1600" dirty="0" smtClean="0">
+              <a:latin typeface="华文楷体" panose="02010600040101010101" pitchFamily="2" charset="-122"/>
+              <a:ea typeface="华文楷体" panose="02010600040101010101" pitchFamily="2" charset="-122"/>
+            </a:endParaRPr>
+          </a:p>
+          <a:p>
+            <a:endParaRPr lang="en-US" altLang="zh-CN" sz="1600" dirty="0" smtClean="0">
+              <a:latin typeface="华文楷体" panose="02010600040101010101" pitchFamily="2" charset="-122"/>
+              <a:ea typeface="华文楷体" panose="02010600040101010101" pitchFamily="2" charset="-122"/>
+            </a:endParaRPr>
+          </a:p>
+          <a:p>
+            <a:endParaRPr lang="en-US" altLang="zh-CN" sz="1600" dirty="0" smtClean="0">
+              <a:latin typeface="华文楷体" panose="02010600040101010101" pitchFamily="2" charset="-122"/>
+              <a:ea typeface="华文楷体" panose="02010600040101010101" pitchFamily="2" charset="-122"/>
+            </a:endParaRPr>
+          </a:p>
+          <a:p>
+            <a:endParaRPr lang="en-US" altLang="zh-CN" sz="3200" dirty="0" smtClean="0">
+              <a:latin typeface="华文楷体" panose="02010600040101010101" pitchFamily="2" charset="-122"/>
+              <a:ea typeface="华文楷体" panose="02010600040101010101" pitchFamily="2" charset="-122"/>
+            </a:endParaRPr>
+          </a:p>
+        </p:txBody>
+      </p:sp>
+    </p:spTree>
+    <p:extLst>
+      <p:ext uri="{BB962C8B-B14F-4D97-AF65-F5344CB8AC3E}">
+        <p14:creationId xmlns:p14="http://schemas.microsoft.com/office/powerpoint/2010/main" val="2198182658"/>
+      </p:ext>
+    </p:extLst>
+  </p:cSld>
+  <p:clrMapOvr>
+    <a:masterClrMapping/>
+  </p:clrMapOvr>
+  <p:timing>
+    <p:tnLst>
+      <p:par>
+        <p:cTn id="1" dur="indefinite" restart="never" nodeType="tmRoot"/>
+      </p:par>
+    </p:tnLst>
+  </p:timing>
+</p:sld>
+</file>
+
+<file path=ppt/slides/slide35.xml><?xml version="1.0" encoding="utf-8"?>
 <p:sld xmlns:a="http://schemas.openxmlformats.org/drawingml/2006/main" xmlns:r="http://schemas.openxmlformats.org/officeDocument/2006/relationships" xmlns:p="http://schemas.openxmlformats.org/presentationml/2006/main">
   <p:cSld>
     <p:spTree>

--- a/数据库演示.pptx
+++ b/数据库演示.pptx
@@ -12664,8 +12664,8 @@
         </p:nvSpPr>
         <p:spPr>
           <a:xfrm>
-            <a:off x="510370" y="636964"/>
-            <a:ext cx="11449982" cy="1569660"/>
+            <a:off x="371008" y="632488"/>
+            <a:ext cx="11449982" cy="1077218"/>
           </a:xfrm>
           <a:prstGeom prst="rect">
             <a:avLst/>
@@ -12678,29 +12678,6 @@
           </a:bodyPr>
           <a:lstStyle/>
           <a:p>
-            <a:r>
-              <a:rPr lang="en-US" altLang="zh-CN" sz="3200" dirty="0" err="1" smtClean="0"/>
-              <a:t>Percona</a:t>
-            </a:r>
-            <a:r>
-              <a:rPr lang="en-US" altLang="zh-CN" sz="3200" dirty="0" smtClean="0"/>
-              <a:t> </a:t>
-            </a:r>
-            <a:r>
-              <a:rPr lang="en-US" altLang="zh-CN" sz="3200" dirty="0" err="1" smtClean="0"/>
-              <a:t>innodb</a:t>
-            </a:r>
-            <a:r>
-              <a:rPr lang="en-US" altLang="zh-CN" sz="3200" dirty="0" smtClean="0"/>
-              <a:t> </a:t>
-            </a:r>
-            <a:r>
-              <a:rPr lang="zh-CN" altLang="en-US" sz="3200" dirty="0" smtClean="0"/>
-              <a:t>原理</a:t>
-            </a:r>
-            <a:endParaRPr lang="en-US" altLang="zh-CN" sz="3200" dirty="0"/>
-          </a:p>
-          <a:p>
             <a:endParaRPr lang="en-US" altLang="zh-CN" sz="3200" dirty="0" smtClean="0"/>
           </a:p>
           <a:p>
@@ -12712,6 +12689,30 @@
           </a:p>
         </p:txBody>
       </p:sp>
+      <p:pic>
+        <p:nvPicPr>
+          <p:cNvPr id="6" name="图片 5"/>
+          <p:cNvPicPr>
+            <a:picLocks noChangeAspect="1"/>
+          </p:cNvPicPr>
+          <p:nvPr/>
+        </p:nvPicPr>
+        <p:blipFill>
+          <a:blip r:embed="rId4"/>
+          <a:stretch>
+            <a:fillRect/>
+          </a:stretch>
+        </p:blipFill>
+        <p:spPr>
+          <a:xfrm>
+            <a:off x="0" y="-195263"/>
+            <a:ext cx="12017372" cy="7144703"/>
+          </a:xfrm>
+          <a:prstGeom prst="rect">
+            <a:avLst/>
+          </a:prstGeom>
+        </p:spPr>
+      </p:pic>
     </p:spTree>
     <p:extLst>
       <p:ext uri="{BB962C8B-B14F-4D97-AF65-F5344CB8AC3E}">
